--- a/Audits/Audit 4/WS2020_SerttasPlackenhohn_Audit4.pptx
+++ b/Audits/Audit 4/WS2020_SerttasPlackenhohn_Audit4.pptx
@@ -5891,7 +5891,7 @@
               <a:buNone/>
             </a:pPr>
             <a:r>
-              <a:rPr lang="de-DE" dirty="0">
+              <a:rPr lang="de-DE" sz="2000" i="1" dirty="0">
                 <a:solidFill>
                   <a:schemeClr val="tx1"/>
                 </a:solidFill>
@@ -5921,7 +5921,22 @@
                 </a:solidFill>
                 <a:latin typeface="Open Sans"/>
               </a:rPr>
-              <a:t>Apps (Musik, ASMR, Hörbücher) &amp; Übungen zu Favoriten hinzufügen</a:t>
+              <a:t>Für den User personalisierte Ansichten/ Auswertungen</a:t>
+            </a:r>
+          </a:p>
+          <a:p>
+            <a:pPr>
+              <a:buFont typeface="Arial" panose="020B0604020202020204" pitchFamily="34" charset="0"/>
+              <a:buChar char="•"/>
+            </a:pPr>
+            <a:r>
+              <a:rPr lang="de-DE" dirty="0">
+                <a:solidFill>
+                  <a:schemeClr val="tx1"/>
+                </a:solidFill>
+                <a:latin typeface="Open Sans"/>
+              </a:rPr>
+              <a:t> Apps (Musik, ASMR, Hörbücher) &amp; Übungen zu Favoriten hinzufügen</a:t>
             </a:r>
           </a:p>
           <a:p>
@@ -7485,8 +7500,8 @@
         </p:nvSpPr>
         <p:spPr>
           <a:xfrm>
-            <a:off x="7006166" y="-38100"/>
-            <a:ext cx="3517567" cy="947167"/>
+            <a:off x="1097280" y="286603"/>
+            <a:ext cx="10058400" cy="1450757"/>
           </a:xfrm>
         </p:spPr>
         <p:txBody>
@@ -7496,180 +7511,9 @@
           <a:lstStyle/>
           <a:p>
             <a:r>
-              <a:rPr lang="de-DE" dirty="0">
-                <a:solidFill>
-                  <a:schemeClr val="tx1"/>
-                </a:solidFill>
-              </a:rPr>
+              <a:rPr lang="de-DE"/>
               <a:t>Domänenmodell</a:t>
             </a:r>
-          </a:p>
-        </p:txBody>
-      </p:sp>
-      <p:sp>
-        <p:nvSpPr>
-          <p:cNvPr id="10" name="Text Placeholder 3">
-            <a:extLst>
-              <a:ext uri="{FF2B5EF4-FFF2-40B4-BE49-F238E27FC236}">
-                <a16:creationId xmlns:a16="http://schemas.microsoft.com/office/drawing/2014/main" id="{64EF8376-154E-49F9-9170-F088ABD1CCF0}"/>
-              </a:ext>
-            </a:extLst>
-          </p:cNvPr>
-          <p:cNvSpPr>
-            <a:spLocks noGrp="1"/>
-          </p:cNvSpPr>
-          <p:nvPr>
-            <p:ph type="body" sz="half" idx="2"/>
-          </p:nvPr>
-        </p:nvSpPr>
-        <p:spPr>
-          <a:xfrm>
-            <a:off x="643465" y="3043050"/>
-            <a:ext cx="3517567" cy="3064505"/>
-          </a:xfrm>
-        </p:spPr>
-        <p:txBody>
-          <a:bodyPr/>
-          <a:lstStyle/>
-          <a:p>
-            <a:pPr algn="l">
-              <a:buFont typeface="Arial" panose="020B0604020202020204" pitchFamily="34" charset="0"/>
-              <a:buChar char="•"/>
-            </a:pPr>
-            <a:r>
-              <a:rPr lang="de-DE" b="0" i="0" dirty="0">
-                <a:solidFill>
-                  <a:schemeClr val="bg1"/>
-                </a:solidFill>
-                <a:effectLst/>
-                <a:latin typeface="-apple-system"/>
-              </a:rPr>
-              <a:t> Endnutzer</a:t>
-            </a:r>
-          </a:p>
-          <a:p>
-            <a:pPr algn="l">
-              <a:buFont typeface="Arial" panose="020B0604020202020204" pitchFamily="34" charset="0"/>
-              <a:buChar char="•"/>
-            </a:pPr>
-            <a:r>
-              <a:rPr lang="de-DE" b="0" i="0" dirty="0">
-                <a:solidFill>
-                  <a:schemeClr val="bg1"/>
-                </a:solidFill>
-                <a:effectLst/>
-                <a:latin typeface="-apple-system"/>
-              </a:rPr>
-              <a:t> geschultes Personal/ </a:t>
-            </a:r>
-            <a:r>
-              <a:rPr lang="de-DE" b="0" i="0" dirty="0" err="1">
-                <a:solidFill>
-                  <a:schemeClr val="bg1"/>
-                </a:solidFill>
-                <a:effectLst/>
-                <a:latin typeface="-apple-system"/>
-              </a:rPr>
-              <a:t>Supporting</a:t>
-            </a:r>
-            <a:r>
-              <a:rPr lang="de-DE" b="0" i="0" dirty="0">
-                <a:solidFill>
-                  <a:schemeClr val="bg1"/>
-                </a:solidFill>
-                <a:effectLst/>
-                <a:latin typeface="-apple-system"/>
-              </a:rPr>
-              <a:t> Team</a:t>
-            </a:r>
-          </a:p>
-          <a:p>
-            <a:endParaRPr lang="en-US" dirty="0"/>
-          </a:p>
-        </p:txBody>
-      </p:sp>
-      <p:sp>
-        <p:nvSpPr>
-          <p:cNvPr id="9" name="Titel 1">
-            <a:extLst>
-              <a:ext uri="{FF2B5EF4-FFF2-40B4-BE49-F238E27FC236}">
-                <a16:creationId xmlns:a16="http://schemas.microsoft.com/office/drawing/2014/main" id="{E82BDFF8-CF89-4A80-A7F5-DDA79CF75872}"/>
-              </a:ext>
-            </a:extLst>
-          </p:cNvPr>
-          <p:cNvSpPr txBox="1">
-            <a:spLocks/>
-          </p:cNvSpPr>
-          <p:nvPr/>
-        </p:nvSpPr>
-        <p:spPr>
-          <a:xfrm>
-            <a:off x="795866" y="938783"/>
-            <a:ext cx="3517567" cy="2093975"/>
-          </a:xfrm>
-          <a:prstGeom prst="rect">
-            <a:avLst/>
-          </a:prstGeom>
-        </p:spPr>
-        <p:txBody>
-          <a:bodyPr vert="horz" lIns="91440" tIns="45720" rIns="91440" bIns="45720" rtlCol="0" anchor="b">
-            <a:normAutofit/>
-          </a:bodyPr>
-          <a:lstStyle>
-            <a:lvl1pPr algn="l" defTabSz="914400" rtl="0" eaLnBrk="1" latinLnBrk="0" hangingPunct="1">
-              <a:lnSpc>
-                <a:spcPct val="90000"/>
-              </a:lnSpc>
-              <a:spcBef>
-                <a:spcPct val="0"/>
-              </a:spcBef>
-              <a:buNone/>
-              <a:defRPr sz="3100" b="0" i="0" kern="1200" spc="-50" baseline="0">
-                <a:solidFill>
-                  <a:srgbClr val="FFFFFF"/>
-                </a:solidFill>
-                <a:latin typeface="+mj-lt"/>
-                <a:ea typeface="+mj-ea"/>
-                <a:cs typeface="+mj-cs"/>
-              </a:defRPr>
-            </a:lvl1pPr>
-          </a:lstStyle>
-          <a:p>
-            <a:r>
-              <a:rPr lang="de-DE" dirty="0"/>
-              <a:t>Stakeholder</a:t>
-            </a:r>
-          </a:p>
-        </p:txBody>
-      </p:sp>
-      <p:sp>
-        <p:nvSpPr>
-          <p:cNvPr id="4" name="Foliennummernplatzhalter 3">
-            <a:extLst>
-              <a:ext uri="{FF2B5EF4-FFF2-40B4-BE49-F238E27FC236}">
-                <a16:creationId xmlns:a16="http://schemas.microsoft.com/office/drawing/2014/main" id="{0A6814A5-E621-4F6A-97F4-4E20661FA280}"/>
-              </a:ext>
-            </a:extLst>
-          </p:cNvPr>
-          <p:cNvSpPr>
-            <a:spLocks noGrp="1"/>
-          </p:cNvSpPr>
-          <p:nvPr>
-            <p:ph type="sldNum" sz="quarter" idx="12"/>
-          </p:nvPr>
-        </p:nvSpPr>
-        <p:spPr/>
-        <p:txBody>
-          <a:bodyPr/>
-          <a:lstStyle/>
-          <a:p>
-            <a:pPr rtl="0"/>
-            <a:fld id="{3A98EE3D-8CD1-4C3F-BD1C-C98C9596463C}" type="slidenum">
-              <a:rPr lang="en-US" smtClean="0"/>
-              <a:pPr rtl="0"/>
-              <a:t>6</a:t>
-            </a:fld>
-            <a:endParaRPr lang="en-US" dirty="0"/>
           </a:p>
         </p:txBody>
       </p:sp>
@@ -7687,7 +7531,7 @@
           </p:cNvPicPr>
           <p:nvPr/>
         </p:nvPicPr>
-        <p:blipFill>
+        <p:blipFill rotWithShape="1">
           <a:blip r:embed="rId3">
             <a:extLst>
               <a:ext uri="{28A0092B-C50C-407E-A947-70E740481C1C}">
@@ -7695,20 +7539,66 @@
               </a:ext>
             </a:extLst>
           </a:blip>
-          <a:stretch>
-            <a:fillRect/>
-          </a:stretch>
+          <a:srcRect t="2621" b="3375"/>
+          <a:stretch/>
         </p:blipFill>
         <p:spPr>
           <a:xfrm>
-            <a:off x="4953479" y="1538301"/>
-            <a:ext cx="6820113" cy="3781397"/>
+            <a:off x="1929807" y="1958007"/>
+            <a:ext cx="8393346" cy="4378987"/>
           </a:xfrm>
           <a:prstGeom prst="rect">
             <a:avLst/>
           </a:prstGeom>
+          <a:noFill/>
         </p:spPr>
       </p:pic>
+      <p:sp>
+        <p:nvSpPr>
+          <p:cNvPr id="4" name="Foliennummernplatzhalter 3">
+            <a:extLst>
+              <a:ext uri="{FF2B5EF4-FFF2-40B4-BE49-F238E27FC236}">
+                <a16:creationId xmlns:a16="http://schemas.microsoft.com/office/drawing/2014/main" id="{0A6814A5-E621-4F6A-97F4-4E20661FA280}"/>
+              </a:ext>
+            </a:extLst>
+          </p:cNvPr>
+          <p:cNvSpPr>
+            <a:spLocks noGrp="1"/>
+          </p:cNvSpPr>
+          <p:nvPr>
+            <p:ph type="sldNum" sz="quarter" idx="12"/>
+          </p:nvPr>
+        </p:nvSpPr>
+        <p:spPr>
+          <a:xfrm>
+            <a:off x="10993582" y="6446838"/>
+            <a:ext cx="780010" cy="365125"/>
+          </a:xfrm>
+        </p:spPr>
+        <p:txBody>
+          <a:bodyPr anchor="ctr">
+            <a:normAutofit/>
+          </a:bodyPr>
+          <a:lstStyle/>
+          <a:p>
+            <a:pPr rtl="0">
+              <a:spcAft>
+                <a:spcPts val="600"/>
+              </a:spcAft>
+            </a:pPr>
+            <a:fld id="{3A98EE3D-8CD1-4C3F-BD1C-C98C9596463C}" type="slidenum">
+              <a:rPr lang="en-US" smtClean="0"/>
+              <a:pPr rtl="0">
+                <a:spcAft>
+                  <a:spcPts val="600"/>
+                </a:spcAft>
+              </a:pPr>
+              <a:t>6</a:t>
+            </a:fld>
+            <a:endParaRPr lang="en-US"/>
+          </a:p>
+        </p:txBody>
+      </p:sp>
     </p:spTree>
     <p:extLst>
       <p:ext uri="{BB962C8B-B14F-4D97-AF65-F5344CB8AC3E}">
@@ -8100,12 +7990,12 @@
         <p:spPr>
           <a:xfrm>
             <a:off x="1097280" y="2134186"/>
-            <a:ext cx="10058400" cy="4160252"/>
+            <a:ext cx="3925982" cy="4160252"/>
           </a:xfrm>
         </p:spPr>
         <p:txBody>
           <a:bodyPr>
-            <a:normAutofit fontScale="85000" lnSpcReduction="20000"/>
+            <a:normAutofit fontScale="92500"/>
           </a:bodyPr>
           <a:lstStyle/>
           <a:p>
@@ -8113,10 +8003,16 @@
               <a:buNone/>
             </a:pPr>
             <a:r>
-              <a:rPr lang="de-DE" sz="2200" dirty="0">
+              <a:rPr lang="de-DE" sz="2200" i="1" dirty="0">
                 <a:latin typeface="-apple-system"/>
               </a:rPr>
-              <a:t>Umgesetzt:</a:t>
+              <a:t>Umgesetzt</a:t>
+            </a:r>
+            <a:r>
+              <a:rPr lang="de-DE" sz="2400" i="1" dirty="0">
+                <a:latin typeface="-apple-system"/>
+              </a:rPr>
+              <a:t>:</a:t>
             </a:r>
           </a:p>
           <a:p>
@@ -8125,10 +8021,481 @@
               <a:buChar char="•"/>
             </a:pPr>
             <a:r>
-              <a:rPr lang="de-DE" dirty="0">
-                <a:latin typeface="-apple-system"/>
+              <a:rPr lang="de-DE" sz="1700" dirty="0">
+                <a:solidFill>
+                  <a:schemeClr val="tx1"/>
+                </a:solidFill>
+                <a:latin typeface="Open Sans"/>
               </a:rPr>
-              <a:t> </a:t>
+              <a:t> Erinnerungen ans trinken und an Pausen</a:t>
+            </a:r>
+          </a:p>
+          <a:p>
+            <a:pPr>
+              <a:buFont typeface="Arial" panose="020B0604020202020204" pitchFamily="34" charset="0"/>
+              <a:buChar char="•"/>
+            </a:pPr>
+            <a:r>
+              <a:rPr lang="de-DE" sz="1700" dirty="0">
+                <a:solidFill>
+                  <a:schemeClr val="tx1"/>
+                </a:solidFill>
+                <a:latin typeface="Open Sans"/>
+              </a:rPr>
+              <a:t> Literangabe</a:t>
+            </a:r>
+          </a:p>
+          <a:p>
+            <a:pPr>
+              <a:buFont typeface="Arial" panose="020B0604020202020204" pitchFamily="34" charset="0"/>
+              <a:buChar char="•"/>
+            </a:pPr>
+            <a:r>
+              <a:rPr lang="de-DE" sz="1700" dirty="0">
+                <a:solidFill>
+                  <a:schemeClr val="tx1"/>
+                </a:solidFill>
+                <a:latin typeface="Open Sans"/>
+              </a:rPr>
+              <a:t> Tägliche Umfrage (Morgens und Abends)</a:t>
+            </a:r>
+          </a:p>
+          <a:p>
+            <a:pPr>
+              <a:buFont typeface="Arial" panose="020B0604020202020204" pitchFamily="34" charset="0"/>
+              <a:buChar char="•"/>
+            </a:pPr>
+            <a:r>
+              <a:rPr lang="de-DE" sz="1700" dirty="0">
+                <a:solidFill>
+                  <a:schemeClr val="tx1"/>
+                </a:solidFill>
+                <a:latin typeface="Open Sans"/>
+              </a:rPr>
+              <a:t> Monatliche Umfrage</a:t>
+            </a:r>
+          </a:p>
+          <a:p>
+            <a:pPr>
+              <a:buFont typeface="Arial" panose="020B0604020202020204" pitchFamily="34" charset="0"/>
+              <a:buChar char="•"/>
+            </a:pPr>
+            <a:r>
+              <a:rPr lang="de-DE" sz="1700" dirty="0">
+                <a:solidFill>
+                  <a:schemeClr val="tx1"/>
+                </a:solidFill>
+                <a:latin typeface="Open Sans"/>
+              </a:rPr>
+              <a:t> Auswertungen</a:t>
+            </a:r>
+          </a:p>
+          <a:p>
+            <a:pPr>
+              <a:buFont typeface="Arial" panose="020B0604020202020204" pitchFamily="34" charset="0"/>
+              <a:buChar char="•"/>
+            </a:pPr>
+            <a:r>
+              <a:rPr lang="de-DE" sz="1700" dirty="0">
+                <a:solidFill>
+                  <a:schemeClr val="tx1"/>
+                </a:solidFill>
+                <a:latin typeface="Open Sans"/>
+              </a:rPr>
+              <a:t> Verschiedene Übungen</a:t>
+            </a:r>
+          </a:p>
+          <a:p>
+            <a:pPr>
+              <a:buFont typeface="Arial" panose="020B0604020202020204" pitchFamily="34" charset="0"/>
+              <a:buChar char="•"/>
+            </a:pPr>
+            <a:r>
+              <a:rPr lang="de-DE" sz="1700" dirty="0">
+                <a:solidFill>
+                  <a:schemeClr val="tx1"/>
+                </a:solidFill>
+                <a:latin typeface="Open Sans"/>
+              </a:rPr>
+              <a:t> Musik, Hörbücher, ASMR (App Verlinkung)</a:t>
+            </a:r>
+          </a:p>
+          <a:p>
+            <a:pPr>
+              <a:buFont typeface="Arial" panose="020B0604020202020204" pitchFamily="34" charset="0"/>
+              <a:buChar char="•"/>
+            </a:pPr>
+            <a:endParaRPr lang="de-DE" dirty="0">
+              <a:latin typeface="-apple-system"/>
+            </a:endParaRPr>
+          </a:p>
+        </p:txBody>
+      </p:sp>
+      <p:sp>
+        <p:nvSpPr>
+          <p:cNvPr id="5" name="Foliennummernplatzhalter 4">
+            <a:extLst>
+              <a:ext uri="{FF2B5EF4-FFF2-40B4-BE49-F238E27FC236}">
+                <a16:creationId xmlns:a16="http://schemas.microsoft.com/office/drawing/2014/main" id="{83972841-72E7-45F6-9D79-4FAE81CFBAF2}"/>
+              </a:ext>
+            </a:extLst>
+          </p:cNvPr>
+          <p:cNvSpPr>
+            <a:spLocks noGrp="1"/>
+          </p:cNvSpPr>
+          <p:nvPr>
+            <p:ph type="sldNum" sz="quarter" idx="12"/>
+          </p:nvPr>
+        </p:nvSpPr>
+        <p:spPr/>
+        <p:txBody>
+          <a:bodyPr/>
+          <a:lstStyle/>
+          <a:p>
+            <a:pPr rtl="0"/>
+            <a:fld id="{3A98EE3D-8CD1-4C3F-BD1C-C98C9596463C}" type="slidenum">
+              <a:rPr lang="en-US" smtClean="0"/>
+              <a:t>9</a:t>
+            </a:fld>
+            <a:endParaRPr lang="en-US" dirty="0"/>
+          </a:p>
+        </p:txBody>
+      </p:sp>
+      <p:sp>
+        <p:nvSpPr>
+          <p:cNvPr id="7" name="Inhaltsplatzhalter 2">
+            <a:extLst>
+              <a:ext uri="{FF2B5EF4-FFF2-40B4-BE49-F238E27FC236}">
+                <a16:creationId xmlns:a16="http://schemas.microsoft.com/office/drawing/2014/main" id="{97B2C8B7-2476-4509-BE61-70EF525894AA}"/>
+              </a:ext>
+            </a:extLst>
+          </p:cNvPr>
+          <p:cNvSpPr txBox="1">
+            <a:spLocks/>
+          </p:cNvSpPr>
+          <p:nvPr/>
+        </p:nvSpPr>
+        <p:spPr>
+          <a:xfrm>
+            <a:off x="6498574" y="2152585"/>
+            <a:ext cx="3925982" cy="4160252"/>
+          </a:xfrm>
+          <a:prstGeom prst="rect">
+            <a:avLst/>
+          </a:prstGeom>
+        </p:spPr>
+        <p:txBody>
+          <a:bodyPr vert="horz" lIns="0" tIns="45720" rIns="0" bIns="45720" rtlCol="0">
+            <a:normAutofit/>
+          </a:bodyPr>
+          <a:lstStyle>
+            <a:lvl1pPr marL="91440" indent="-91440" algn="l" defTabSz="914400" rtl="0" eaLnBrk="1" latinLnBrk="0" hangingPunct="1">
+              <a:lnSpc>
+                <a:spcPct val="110000"/>
+              </a:lnSpc>
+              <a:spcBef>
+                <a:spcPts val="1200"/>
+              </a:spcBef>
+              <a:spcAft>
+                <a:spcPts val="200"/>
+              </a:spcAft>
+              <a:buClr>
+                <a:schemeClr val="accent1"/>
+              </a:buClr>
+              <a:buSzPct val="100000"/>
+              <a:buFont typeface="Calibri" panose="020F0502020204030204" pitchFamily="34" charset="0"/>
+              <a:buChar char=" "/>
+              <a:defRPr sz="1900" kern="1200">
+                <a:solidFill>
+                  <a:schemeClr val="tx1">
+                    <a:lumMod val="75000"/>
+                    <a:lumOff val="25000"/>
+                  </a:schemeClr>
+                </a:solidFill>
+                <a:latin typeface="+mn-lt"/>
+                <a:ea typeface="+mn-ea"/>
+                <a:cs typeface="+mn-cs"/>
+              </a:defRPr>
+            </a:lvl1pPr>
+            <a:lvl2pPr marL="384048" indent="-182880" algn="l" defTabSz="914400" rtl="0" eaLnBrk="1" latinLnBrk="0" hangingPunct="1">
+              <a:lnSpc>
+                <a:spcPct val="100000"/>
+              </a:lnSpc>
+              <a:spcBef>
+                <a:spcPts val="200"/>
+              </a:spcBef>
+              <a:spcAft>
+                <a:spcPts val="400"/>
+              </a:spcAft>
+              <a:buClrTx/>
+              <a:buFont typeface="Calibri" pitchFamily="34" charset="0"/>
+              <a:buChar char="◦"/>
+              <a:defRPr sz="1700" kern="1200">
+                <a:solidFill>
+                  <a:schemeClr val="tx1">
+                    <a:lumMod val="75000"/>
+                    <a:lumOff val="25000"/>
+                  </a:schemeClr>
+                </a:solidFill>
+                <a:latin typeface="+mn-lt"/>
+                <a:ea typeface="+mn-ea"/>
+                <a:cs typeface="+mn-cs"/>
+              </a:defRPr>
+            </a:lvl2pPr>
+            <a:lvl3pPr marL="566928" indent="-182880" algn="l" defTabSz="914400" rtl="0" eaLnBrk="1" latinLnBrk="0" hangingPunct="1">
+              <a:lnSpc>
+                <a:spcPct val="100000"/>
+              </a:lnSpc>
+              <a:spcBef>
+                <a:spcPts val="200"/>
+              </a:spcBef>
+              <a:spcAft>
+                <a:spcPts val="400"/>
+              </a:spcAft>
+              <a:buClrTx/>
+              <a:buFont typeface="Calibri" pitchFamily="34" charset="0"/>
+              <a:buChar char="◦"/>
+              <a:defRPr sz="1300" kern="1200">
+                <a:solidFill>
+                  <a:schemeClr val="tx1">
+                    <a:lumMod val="75000"/>
+                    <a:lumOff val="25000"/>
+                  </a:schemeClr>
+                </a:solidFill>
+                <a:latin typeface="+mn-lt"/>
+                <a:ea typeface="+mn-ea"/>
+                <a:cs typeface="+mn-cs"/>
+              </a:defRPr>
+            </a:lvl3pPr>
+            <a:lvl4pPr marL="749808" indent="-182880" algn="l" defTabSz="914400" rtl="0" eaLnBrk="1" latinLnBrk="0" hangingPunct="1">
+              <a:lnSpc>
+                <a:spcPct val="100000"/>
+              </a:lnSpc>
+              <a:spcBef>
+                <a:spcPts val="200"/>
+              </a:spcBef>
+              <a:spcAft>
+                <a:spcPts val="400"/>
+              </a:spcAft>
+              <a:buClrTx/>
+              <a:buFont typeface="Calibri" pitchFamily="34" charset="0"/>
+              <a:buChar char="◦"/>
+              <a:defRPr sz="1300" kern="1200">
+                <a:solidFill>
+                  <a:schemeClr val="tx1">
+                    <a:lumMod val="75000"/>
+                    <a:lumOff val="25000"/>
+                  </a:schemeClr>
+                </a:solidFill>
+                <a:latin typeface="+mn-lt"/>
+                <a:ea typeface="+mn-ea"/>
+                <a:cs typeface="+mn-cs"/>
+              </a:defRPr>
+            </a:lvl4pPr>
+            <a:lvl5pPr marL="932688" indent="-182880" algn="l" defTabSz="914400" rtl="0" eaLnBrk="1" latinLnBrk="0" hangingPunct="1">
+              <a:lnSpc>
+                <a:spcPct val="100000"/>
+              </a:lnSpc>
+              <a:spcBef>
+                <a:spcPts val="200"/>
+              </a:spcBef>
+              <a:spcAft>
+                <a:spcPts val="400"/>
+              </a:spcAft>
+              <a:buClrTx/>
+              <a:buFont typeface="Calibri" pitchFamily="34" charset="0"/>
+              <a:buChar char="◦"/>
+              <a:defRPr sz="1300" kern="1200">
+                <a:solidFill>
+                  <a:schemeClr val="tx1">
+                    <a:lumMod val="75000"/>
+                    <a:lumOff val="25000"/>
+                  </a:schemeClr>
+                </a:solidFill>
+                <a:latin typeface="+mn-lt"/>
+                <a:ea typeface="+mn-ea"/>
+                <a:cs typeface="+mn-cs"/>
+              </a:defRPr>
+            </a:lvl5pPr>
+            <a:lvl6pPr marL="1100000" indent="-228600" algn="l" defTabSz="914400" rtl="0" eaLnBrk="1" latinLnBrk="0" hangingPunct="1">
+              <a:lnSpc>
+                <a:spcPct val="90000"/>
+              </a:lnSpc>
+              <a:spcBef>
+                <a:spcPts val="200"/>
+              </a:spcBef>
+              <a:spcAft>
+                <a:spcPts val="400"/>
+              </a:spcAft>
+              <a:buClr>
+                <a:schemeClr val="accent1"/>
+              </a:buClr>
+              <a:buFont typeface="Calibri" pitchFamily="34" charset="0"/>
+              <a:buChar char="◦"/>
+              <a:defRPr sz="1400" kern="1200">
+                <a:solidFill>
+                  <a:schemeClr val="tx1">
+                    <a:lumMod val="75000"/>
+                    <a:lumOff val="25000"/>
+                  </a:schemeClr>
+                </a:solidFill>
+                <a:latin typeface="+mn-lt"/>
+                <a:ea typeface="+mn-ea"/>
+                <a:cs typeface="+mn-cs"/>
+              </a:defRPr>
+            </a:lvl6pPr>
+            <a:lvl7pPr marL="1300000" indent="-228600" algn="l" defTabSz="914400" rtl="0" eaLnBrk="1" latinLnBrk="0" hangingPunct="1">
+              <a:lnSpc>
+                <a:spcPct val="90000"/>
+              </a:lnSpc>
+              <a:spcBef>
+                <a:spcPts val="200"/>
+              </a:spcBef>
+              <a:spcAft>
+                <a:spcPts val="400"/>
+              </a:spcAft>
+              <a:buClr>
+                <a:schemeClr val="accent1"/>
+              </a:buClr>
+              <a:buFont typeface="Calibri" pitchFamily="34" charset="0"/>
+              <a:buChar char="◦"/>
+              <a:defRPr sz="1400" kern="1200">
+                <a:solidFill>
+                  <a:schemeClr val="tx1">
+                    <a:lumMod val="75000"/>
+                    <a:lumOff val="25000"/>
+                  </a:schemeClr>
+                </a:solidFill>
+                <a:latin typeface="+mn-lt"/>
+                <a:ea typeface="+mn-ea"/>
+                <a:cs typeface="+mn-cs"/>
+              </a:defRPr>
+            </a:lvl7pPr>
+            <a:lvl8pPr marL="1500000" indent="-228600" algn="l" defTabSz="914400" rtl="0" eaLnBrk="1" latinLnBrk="0" hangingPunct="1">
+              <a:lnSpc>
+                <a:spcPct val="90000"/>
+              </a:lnSpc>
+              <a:spcBef>
+                <a:spcPts val="200"/>
+              </a:spcBef>
+              <a:spcAft>
+                <a:spcPts val="400"/>
+              </a:spcAft>
+              <a:buClr>
+                <a:schemeClr val="accent1"/>
+              </a:buClr>
+              <a:buFont typeface="Calibri" pitchFamily="34" charset="0"/>
+              <a:buChar char="◦"/>
+              <a:defRPr sz="1400" kern="1200">
+                <a:solidFill>
+                  <a:schemeClr val="tx1">
+                    <a:lumMod val="75000"/>
+                    <a:lumOff val="25000"/>
+                  </a:schemeClr>
+                </a:solidFill>
+                <a:latin typeface="+mn-lt"/>
+                <a:ea typeface="+mn-ea"/>
+                <a:cs typeface="+mn-cs"/>
+              </a:defRPr>
+            </a:lvl8pPr>
+            <a:lvl9pPr marL="1700000" indent="-228600" algn="l" defTabSz="914400" rtl="0" eaLnBrk="1" latinLnBrk="0" hangingPunct="1">
+              <a:lnSpc>
+                <a:spcPct val="90000"/>
+              </a:lnSpc>
+              <a:spcBef>
+                <a:spcPts val="200"/>
+              </a:spcBef>
+              <a:spcAft>
+                <a:spcPts val="400"/>
+              </a:spcAft>
+              <a:buClr>
+                <a:schemeClr val="accent1"/>
+              </a:buClr>
+              <a:buFont typeface="Calibri" pitchFamily="34" charset="0"/>
+              <a:buChar char="◦"/>
+              <a:defRPr sz="1400" kern="1200">
+                <a:solidFill>
+                  <a:schemeClr val="tx1">
+                    <a:lumMod val="75000"/>
+                    <a:lumOff val="25000"/>
+                  </a:schemeClr>
+                </a:solidFill>
+                <a:latin typeface="+mn-lt"/>
+                <a:ea typeface="+mn-ea"/>
+                <a:cs typeface="+mn-cs"/>
+              </a:defRPr>
+            </a:lvl9pPr>
+          </a:lstStyle>
+          <a:p>
+            <a:pPr marL="0" indent="0">
+              <a:buFont typeface="Calibri" panose="020F0502020204030204" pitchFamily="34" charset="0"/>
+              <a:buNone/>
+            </a:pPr>
+            <a:endParaRPr lang="de-DE" dirty="0">
+              <a:solidFill>
+                <a:schemeClr val="tx1"/>
+              </a:solidFill>
+              <a:latin typeface="Open Sans"/>
+            </a:endParaRPr>
+          </a:p>
+          <a:p>
+            <a:pPr>
+              <a:buFont typeface="Arial" panose="020B0604020202020204" pitchFamily="34" charset="0"/>
+              <a:buChar char="•"/>
+            </a:pPr>
+            <a:r>
+              <a:rPr lang="de-DE" sz="1600" dirty="0">
+                <a:solidFill>
+                  <a:schemeClr val="tx1"/>
+                </a:solidFill>
+                <a:latin typeface="Open Sans"/>
+              </a:rPr>
+              <a:t> Anmelden</a:t>
+            </a:r>
+          </a:p>
+          <a:p>
+            <a:pPr>
+              <a:buFont typeface="Arial" panose="020B0604020202020204" pitchFamily="34" charset="0"/>
+              <a:buChar char="•"/>
+            </a:pPr>
+            <a:r>
+              <a:rPr lang="de-DE" sz="1600" dirty="0">
+                <a:solidFill>
+                  <a:schemeClr val="tx1"/>
+                </a:solidFill>
+                <a:latin typeface="Open Sans"/>
+              </a:rPr>
+              <a:t> Registrieren</a:t>
+            </a:r>
+          </a:p>
+          <a:p>
+            <a:pPr>
+              <a:buFont typeface="Arial" panose="020B0604020202020204" pitchFamily="34" charset="0"/>
+              <a:buChar char="•"/>
+            </a:pPr>
+            <a:r>
+              <a:rPr lang="de-DE" sz="1600" dirty="0">
+                <a:solidFill>
+                  <a:schemeClr val="tx1"/>
+                </a:solidFill>
+                <a:latin typeface="Open Sans"/>
+              </a:rPr>
+              <a:t> Datenbankverknüpfung</a:t>
+            </a:r>
+          </a:p>
+          <a:p>
+            <a:pPr>
+              <a:buFont typeface="Arial" panose="020B0604020202020204" pitchFamily="34" charset="0"/>
+              <a:buChar char="•"/>
+            </a:pPr>
+            <a:r>
+              <a:rPr lang="de-DE" sz="1600" dirty="0">
+                <a:solidFill>
+                  <a:schemeClr val="tx1"/>
+                </a:solidFill>
+                <a:latin typeface="Open Sans"/>
+              </a:rPr>
+              <a:t> Rapid</a:t>
             </a:r>
             <a:r>
               <a:rPr lang="de-DE" b="0" i="0" dirty="0">
@@ -8138,127 +8505,35 @@
                 <a:effectLst/>
                 <a:latin typeface="Open Sans"/>
               </a:rPr>
-              <a:t>Erster vertikaler Rapid Prototype</a:t>
-            </a:r>
-          </a:p>
-          <a:p>
-            <a:pPr>
-              <a:buFont typeface="Arial" panose="020B0604020202020204" pitchFamily="34" charset="0"/>
-              <a:buChar char="•"/>
-            </a:pPr>
-            <a:r>
-              <a:rPr lang="de-DE" dirty="0">
+              <a:t> </a:t>
+            </a:r>
+            <a:r>
+              <a:rPr lang="de-DE" sz="1600" dirty="0">
                 <a:solidFill>
                   <a:schemeClr val="tx1"/>
                 </a:solidFill>
                 <a:latin typeface="Open Sans"/>
               </a:rPr>
-              <a:t> Erinnerungen ans trinken und an Pausen</a:t>
-            </a:r>
-          </a:p>
-          <a:p>
-            <a:pPr>
-              <a:buFont typeface="Arial" panose="020B0604020202020204" pitchFamily="34" charset="0"/>
-              <a:buChar char="•"/>
-            </a:pPr>
-            <a:r>
-              <a:rPr lang="de-DE" dirty="0">
+              <a:t>Prototype</a:t>
+            </a:r>
+            <a:r>
+              <a:rPr lang="de-DE" b="0" i="0" dirty="0">
+                <a:solidFill>
+                  <a:schemeClr val="tx1"/>
+                </a:solidFill>
+                <a:effectLst/>
+                <a:latin typeface="Open Sans"/>
+              </a:rPr>
+              <a:t> </a:t>
+            </a:r>
+            <a:r>
+              <a:rPr lang="de-DE" sz="1600" dirty="0">
                 <a:solidFill>
                   <a:schemeClr val="tx1"/>
                 </a:solidFill>
                 <a:latin typeface="Open Sans"/>
               </a:rPr>
-              <a:t> Literangabe</a:t>
-            </a:r>
-          </a:p>
-          <a:p>
-            <a:pPr>
-              <a:buFont typeface="Arial" panose="020B0604020202020204" pitchFamily="34" charset="0"/>
-              <a:buChar char="•"/>
-            </a:pPr>
-            <a:r>
-              <a:rPr lang="de-DE" dirty="0">
-                <a:solidFill>
-                  <a:schemeClr val="tx1"/>
-                </a:solidFill>
-                <a:latin typeface="Open Sans"/>
-              </a:rPr>
-              <a:t> Tägliche Umfrage (Morgens und Abends)</a:t>
-            </a:r>
-          </a:p>
-          <a:p>
-            <a:pPr>
-              <a:buFont typeface="Arial" panose="020B0604020202020204" pitchFamily="34" charset="0"/>
-              <a:buChar char="•"/>
-            </a:pPr>
-            <a:r>
-              <a:rPr lang="de-DE" dirty="0">
-                <a:solidFill>
-                  <a:schemeClr val="tx1"/>
-                </a:solidFill>
-                <a:latin typeface="Open Sans"/>
-              </a:rPr>
-              <a:t> Monatliche Umfrage</a:t>
-            </a:r>
-          </a:p>
-          <a:p>
-            <a:pPr>
-              <a:buFont typeface="Arial" panose="020B0604020202020204" pitchFamily="34" charset="0"/>
-              <a:buChar char="•"/>
-            </a:pPr>
-            <a:r>
-              <a:rPr lang="de-DE" dirty="0">
-                <a:solidFill>
-                  <a:schemeClr val="tx1"/>
-                </a:solidFill>
-                <a:latin typeface="Open Sans"/>
-              </a:rPr>
-              <a:t> Auswertungen</a:t>
-            </a:r>
-          </a:p>
-          <a:p>
-            <a:pPr>
-              <a:buFont typeface="Arial" panose="020B0604020202020204" pitchFamily="34" charset="0"/>
-              <a:buChar char="•"/>
-            </a:pPr>
-            <a:r>
-              <a:rPr lang="de-DE" dirty="0">
-                <a:solidFill>
-                  <a:schemeClr val="tx1"/>
-                </a:solidFill>
-                <a:latin typeface="Open Sans"/>
-              </a:rPr>
-              <a:t> Verschiedene Übungen</a:t>
-            </a:r>
-          </a:p>
-          <a:p>
-            <a:pPr>
-              <a:buFont typeface="Arial" panose="020B0604020202020204" pitchFamily="34" charset="0"/>
-              <a:buChar char="•"/>
-            </a:pPr>
-            <a:r>
-              <a:rPr lang="de-DE" dirty="0">
-                <a:solidFill>
-                  <a:schemeClr val="tx1"/>
-                </a:solidFill>
-                <a:latin typeface="Open Sans"/>
-              </a:rPr>
-              <a:t> Musik, Hörbücher, ASMR (App Verlinkung)</a:t>
-            </a:r>
-          </a:p>
-          <a:p>
-            <a:pPr>
-              <a:buFont typeface="Arial" panose="020B0604020202020204" pitchFamily="34" charset="0"/>
-              <a:buChar char="•"/>
-            </a:pPr>
-            <a:r>
-              <a:rPr lang="de-DE" dirty="0">
-                <a:solidFill>
-                  <a:schemeClr val="tx1"/>
-                </a:solidFill>
-                <a:latin typeface="Open Sans"/>
-              </a:rPr>
-              <a:t> Datenbankeinträge </a:t>
+              <a:t>codiert</a:t>
             </a:r>
           </a:p>
           <a:p>
@@ -8269,36 +8544,6 @@
             <a:endParaRPr lang="de-DE" dirty="0">
               <a:latin typeface="-apple-system"/>
             </a:endParaRPr>
-          </a:p>
-        </p:txBody>
-      </p:sp>
-      <p:sp>
-        <p:nvSpPr>
-          <p:cNvPr id="5" name="Foliennummernplatzhalter 4">
-            <a:extLst>
-              <a:ext uri="{FF2B5EF4-FFF2-40B4-BE49-F238E27FC236}">
-                <a16:creationId xmlns:a16="http://schemas.microsoft.com/office/drawing/2014/main" id="{83972841-72E7-45F6-9D79-4FAE81CFBAF2}"/>
-              </a:ext>
-            </a:extLst>
-          </p:cNvPr>
-          <p:cNvSpPr>
-            <a:spLocks noGrp="1"/>
-          </p:cNvSpPr>
-          <p:nvPr>
-            <p:ph type="sldNum" sz="quarter" idx="12"/>
-          </p:nvPr>
-        </p:nvSpPr>
-        <p:spPr/>
-        <p:txBody>
-          <a:bodyPr/>
-          <a:lstStyle/>
-          <a:p>
-            <a:pPr rtl="0"/>
-            <a:fld id="{3A98EE3D-8CD1-4C3F-BD1C-C98C9596463C}" type="slidenum">
-              <a:rPr lang="en-US" smtClean="0"/>
-              <a:t>9</a:t>
-            </a:fld>
-            <a:endParaRPr lang="en-US" dirty="0"/>
           </a:p>
         </p:txBody>
       </p:sp>

--- a/Audits/Audit 4/WS2020_SerttasPlackenhohn_Audit4.pptx
+++ b/Audits/Audit 4/WS2020_SerttasPlackenhohn_Audit4.pptx
@@ -5,10 +5,10 @@
     <p:sldMasterId id="2147483746" r:id="rId1"/>
   </p:sldMasterIdLst>
   <p:notesMasterIdLst>
-    <p:notesMasterId r:id="rId14"/>
+    <p:notesMasterId r:id="rId16"/>
   </p:notesMasterIdLst>
   <p:handoutMasterIdLst>
-    <p:handoutMasterId r:id="rId15"/>
+    <p:handoutMasterId r:id="rId17"/>
   </p:handoutMasterIdLst>
   <p:sldIdLst>
     <p:sldId id="257" r:id="rId2"/>
@@ -18,11 +18,13 @@
     <p:sldId id="394" r:id="rId6"/>
     <p:sldId id="263" r:id="rId7"/>
     <p:sldId id="381" r:id="rId8"/>
-    <p:sldId id="395" r:id="rId9"/>
-    <p:sldId id="396" r:id="rId10"/>
-    <p:sldId id="397" r:id="rId11"/>
-    <p:sldId id="278" r:id="rId12"/>
-    <p:sldId id="271" r:id="rId13"/>
+    <p:sldId id="399" r:id="rId9"/>
+    <p:sldId id="398" r:id="rId10"/>
+    <p:sldId id="395" r:id="rId11"/>
+    <p:sldId id="396" r:id="rId12"/>
+    <p:sldId id="397" r:id="rId13"/>
+    <p:sldId id="278" r:id="rId14"/>
+    <p:sldId id="271" r:id="rId15"/>
   </p:sldIdLst>
   <p:sldSz cx="12192000" cy="6858000"/>
   <p:notesSz cx="7315200" cy="9601200"/>
@@ -780,6 +782,224 @@
 </p:notes>
 </file>
 
+<file path=ppt/notesSlides/notesSlide10.xml><?xml version="1.0" encoding="utf-8"?>
+<p:notes xmlns:a="http://schemas.openxmlformats.org/drawingml/2006/main" xmlns:r="http://schemas.openxmlformats.org/officeDocument/2006/relationships" xmlns:p="http://schemas.openxmlformats.org/presentationml/2006/main">
+  <p:cSld>
+    <p:spTree>
+      <p:nvGrpSpPr>
+        <p:cNvPr id="1" name=""/>
+        <p:cNvGrpSpPr/>
+        <p:nvPr/>
+      </p:nvGrpSpPr>
+      <p:grpSpPr>
+        <a:xfrm>
+          <a:off x="0" y="0"/>
+          <a:ext cx="0" cy="0"/>
+          <a:chOff x="0" y="0"/>
+          <a:chExt cx="0" cy="0"/>
+        </a:xfrm>
+      </p:grpSpPr>
+      <p:sp>
+        <p:nvSpPr>
+          <p:cNvPr id="2" name="Folienbildplatzhalter 1"/>
+          <p:cNvSpPr>
+            <a:spLocks noGrp="1" noRot="1" noChangeAspect="1"/>
+          </p:cNvSpPr>
+          <p:nvPr>
+            <p:ph type="sldImg"/>
+          </p:nvPr>
+        </p:nvSpPr>
+        <p:spPr/>
+      </p:sp>
+      <p:sp>
+        <p:nvSpPr>
+          <p:cNvPr id="3" name="Notizenplatzhalter 2"/>
+          <p:cNvSpPr>
+            <a:spLocks noGrp="1"/>
+          </p:cNvSpPr>
+          <p:nvPr>
+            <p:ph type="body" idx="1"/>
+          </p:nvPr>
+        </p:nvSpPr>
+        <p:spPr/>
+        <p:txBody>
+          <a:bodyPr/>
+          <a:lstStyle/>
+          <a:p>
+            <a:endParaRPr lang="de-DE" dirty="0"/>
+          </a:p>
+        </p:txBody>
+      </p:sp>
+      <p:sp>
+        <p:nvSpPr>
+          <p:cNvPr id="4" name="Datumsplatzhalter 3"/>
+          <p:cNvSpPr>
+            <a:spLocks noGrp="1"/>
+          </p:cNvSpPr>
+          <p:nvPr>
+            <p:ph type="dt" idx="1"/>
+          </p:nvPr>
+        </p:nvSpPr>
+        <p:spPr/>
+        <p:txBody>
+          <a:bodyPr/>
+          <a:lstStyle/>
+          <a:p>
+            <a:pPr rtl="0"/>
+            <a:fld id="{8C960F41-ADA3-4592-A6B6-979750556945}" type="datetime1">
+              <a:rPr lang="de-DE" smtClean="0"/>
+              <a:t>15.02.2021</a:t>
+            </a:fld>
+            <a:endParaRPr lang="en-US"/>
+          </a:p>
+        </p:txBody>
+      </p:sp>
+      <p:sp>
+        <p:nvSpPr>
+          <p:cNvPr id="5" name="Foliennummernplatzhalter 4"/>
+          <p:cNvSpPr>
+            <a:spLocks noGrp="1"/>
+          </p:cNvSpPr>
+          <p:nvPr>
+            <p:ph type="sldNum" sz="quarter" idx="5"/>
+          </p:nvPr>
+        </p:nvSpPr>
+        <p:spPr/>
+        <p:txBody>
+          <a:bodyPr/>
+          <a:lstStyle/>
+          <a:p>
+            <a:pPr rtl="0"/>
+            <a:fld id="{9C2B151B-D7D1-48E5-8230-5AADBC794F88}" type="slidenum">
+              <a:rPr lang="en-US" smtClean="0"/>
+              <a:t>13</a:t>
+            </a:fld>
+            <a:endParaRPr lang="en-US"/>
+          </a:p>
+        </p:txBody>
+      </p:sp>
+    </p:spTree>
+    <p:extLst>
+      <p:ext uri="{BB962C8B-B14F-4D97-AF65-F5344CB8AC3E}">
+        <p14:creationId xmlns:p14="http://schemas.microsoft.com/office/powerpoint/2010/main" val="169757941"/>
+      </p:ext>
+    </p:extLst>
+  </p:cSld>
+  <p:clrMapOvr>
+    <a:masterClrMapping/>
+  </p:clrMapOvr>
+</p:notes>
+</file>
+
+<file path=ppt/notesSlides/notesSlide11.xml><?xml version="1.0" encoding="utf-8"?>
+<p:notes xmlns:a="http://schemas.openxmlformats.org/drawingml/2006/main" xmlns:r="http://schemas.openxmlformats.org/officeDocument/2006/relationships" xmlns:p="http://schemas.openxmlformats.org/presentationml/2006/main">
+  <p:cSld>
+    <p:spTree>
+      <p:nvGrpSpPr>
+        <p:cNvPr id="1" name=""/>
+        <p:cNvGrpSpPr/>
+        <p:nvPr/>
+      </p:nvGrpSpPr>
+      <p:grpSpPr>
+        <a:xfrm>
+          <a:off x="0" y="0"/>
+          <a:ext cx="0" cy="0"/>
+          <a:chOff x="0" y="0"/>
+          <a:chExt cx="0" cy="0"/>
+        </a:xfrm>
+      </p:grpSpPr>
+      <p:sp>
+        <p:nvSpPr>
+          <p:cNvPr id="2" name="Folienbildplatzhalter 1"/>
+          <p:cNvSpPr>
+            <a:spLocks noGrp="1" noRot="1" noChangeAspect="1"/>
+          </p:cNvSpPr>
+          <p:nvPr>
+            <p:ph type="sldImg"/>
+          </p:nvPr>
+        </p:nvSpPr>
+        <p:spPr/>
+      </p:sp>
+      <p:sp>
+        <p:nvSpPr>
+          <p:cNvPr id="3" name="Notizenplatzhalter 2"/>
+          <p:cNvSpPr>
+            <a:spLocks noGrp="1"/>
+          </p:cNvSpPr>
+          <p:nvPr>
+            <p:ph type="body" idx="1"/>
+          </p:nvPr>
+        </p:nvSpPr>
+        <p:spPr/>
+        <p:txBody>
+          <a:bodyPr/>
+          <a:lstStyle/>
+          <a:p>
+            <a:endParaRPr lang="de-DE" dirty="0"/>
+          </a:p>
+        </p:txBody>
+      </p:sp>
+      <p:sp>
+        <p:nvSpPr>
+          <p:cNvPr id="4" name="Datumsplatzhalter 3"/>
+          <p:cNvSpPr>
+            <a:spLocks noGrp="1"/>
+          </p:cNvSpPr>
+          <p:nvPr>
+            <p:ph type="dt" idx="1"/>
+          </p:nvPr>
+        </p:nvSpPr>
+        <p:spPr/>
+        <p:txBody>
+          <a:bodyPr/>
+          <a:lstStyle/>
+          <a:p>
+            <a:pPr rtl="0"/>
+            <a:fld id="{05F945F2-6878-48BF-B08F-BD6E79E1CDD8}" type="datetime1">
+              <a:rPr lang="de-DE" smtClean="0"/>
+              <a:t>15.02.2021</a:t>
+            </a:fld>
+            <a:endParaRPr lang="en-US"/>
+          </a:p>
+        </p:txBody>
+      </p:sp>
+      <p:sp>
+        <p:nvSpPr>
+          <p:cNvPr id="5" name="Foliennummernplatzhalter 4"/>
+          <p:cNvSpPr>
+            <a:spLocks noGrp="1"/>
+          </p:cNvSpPr>
+          <p:nvPr>
+            <p:ph type="sldNum" sz="quarter" idx="5"/>
+          </p:nvPr>
+        </p:nvSpPr>
+        <p:spPr/>
+        <p:txBody>
+          <a:bodyPr/>
+          <a:lstStyle/>
+          <a:p>
+            <a:pPr rtl="0"/>
+            <a:fld id="{9C2B151B-D7D1-48E5-8230-5AADBC794F88}" type="slidenum">
+              <a:rPr lang="en-US" smtClean="0"/>
+              <a:t>14</a:t>
+            </a:fld>
+            <a:endParaRPr lang="en-US"/>
+          </a:p>
+        </p:txBody>
+      </p:sp>
+    </p:spTree>
+    <p:extLst>
+      <p:ext uri="{BB962C8B-B14F-4D97-AF65-F5344CB8AC3E}">
+        <p14:creationId xmlns:p14="http://schemas.microsoft.com/office/powerpoint/2010/main" val="384522412"/>
+      </p:ext>
+    </p:extLst>
+  </p:cSld>
+  <p:clrMapOvr>
+    <a:masterClrMapping/>
+  </p:clrMapOvr>
+</p:notes>
+</file>
+
 <file path=ppt/notesSlides/notesSlide2.xml><?xml version="1.0" encoding="utf-8"?>
 <p:notes xmlns:a="http://schemas.openxmlformats.org/drawingml/2006/main" xmlns:r="http://schemas.openxmlformats.org/officeDocument/2006/relationships" xmlns:p="http://schemas.openxmlformats.org/presentationml/2006/main">
   <p:cSld>
@@ -1304,7 +1524,7 @@
     </p:spTree>
     <p:extLst>
       <p:ext uri="{BB962C8B-B14F-4D97-AF65-F5344CB8AC3E}">
-        <p14:creationId xmlns:p14="http://schemas.microsoft.com/office/powerpoint/2010/main" val="1596695056"/>
+        <p14:creationId xmlns:p14="http://schemas.microsoft.com/office/powerpoint/2010/main" val="3240579109"/>
       </p:ext>
     </p:extLst>
   </p:cSld>
@@ -1358,7 +1578,30 @@
           <a:bodyPr/>
           <a:lstStyle/>
           <a:p>
-            <a:endParaRPr lang="de-DE" dirty="0"/>
+            <a:r>
+              <a:rPr lang="de-DE" dirty="0"/>
+              <a:t>Da wir die Zielhierarchie überarbeitet haben und jetzt „Strategische Ziele“, „Taktische Ziele“ und „Operative Ziele“ haben, haben wir dies noch mal mit reingenommen. </a:t>
+            </a:r>
+          </a:p>
+          <a:p>
+            <a:r>
+              <a:rPr lang="de-DE" dirty="0"/>
+              <a:t>Mit den strategischen Zielen legen wir fest, was wir auf langfristiger Sicht erreichen möchten. </a:t>
+            </a:r>
+            <a:br>
+              <a:rPr lang="de-DE" dirty="0"/>
+            </a:br>
+            <a:r>
+              <a:rPr lang="de-DE" dirty="0"/>
+              <a:t>Mit den taktischen Zielen legen wir fest, wie die strategischen Ziele erreicht werden sollen.</a:t>
+            </a:r>
+            <a:br>
+              <a:rPr lang="de-DE" dirty="0"/>
+            </a:br>
+            <a:r>
+              <a:rPr lang="de-DE" dirty="0"/>
+              <a:t>Mit den operativen Zielen legen wir fest, wodurch wir unsere strategischen Ziele erreichen können.</a:t>
+            </a:r>
           </a:p>
         </p:txBody>
       </p:sp>
@@ -1378,7 +1621,7 @@
           <a:lstStyle/>
           <a:p>
             <a:pPr rtl="0"/>
-            <a:fld id="{88DACA00-B485-48AE-971E-CC6E1280CD66}" type="datetime1">
+            <a:fld id="{920421C8-A15E-4073-98D7-7FDA934C0210}" type="datetime1">
               <a:rPr lang="de-DE" smtClean="0"/>
               <a:t>15.02.2021</a:t>
             </a:fld>
@@ -1413,7 +1656,7 @@
     </p:spTree>
     <p:extLst>
       <p:ext uri="{BB962C8B-B14F-4D97-AF65-F5344CB8AC3E}">
-        <p14:creationId xmlns:p14="http://schemas.microsoft.com/office/powerpoint/2010/main" val="749225946"/>
+        <p14:creationId xmlns:p14="http://schemas.microsoft.com/office/powerpoint/2010/main" val="1085079460"/>
       </p:ext>
     </p:extLst>
   </p:cSld>
@@ -1467,45 +1710,8 @@
           <a:bodyPr/>
           <a:lstStyle/>
           <a:p>
-            <a:r>
-              <a:rPr lang="de-DE" dirty="0"/>
-              <a:t>Die Favoriten helfen den Endnutzer schneller auf seine Lieblings Apps und Übungen zuzugreifen.</a:t>
-            </a:r>
-          </a:p>
-          <a:p>
-            <a:br>
-              <a:rPr lang="de-DE" dirty="0"/>
-            </a:br>
-            <a:r>
-              <a:rPr lang="de-DE" dirty="0"/>
-              <a:t>Es soll einen Kalender geben, in dem der Nutzer seine Termine eintragen kann. Ebenfalls kann eingestellt werden, ob er vorher an den Termin erinnert werden möchte (Minuten, Stunden, Tage).</a:t>
-            </a:r>
-          </a:p>
-          <a:p>
-            <a:r>
-              <a:rPr lang="de-DE" dirty="0"/>
-              <a:t>In dem Kalender sollen die Sonnenaufgangs und Sonnenuntergangs Zeiten hinterlegt werden, sowie die Mondphasen. Wenn der Endnutzer Probleme hat im hellen zu schlafen, kann er sich die Sonnenuntergangs und Sonnenaufgangszeiten ansehen und nach den Zeiten schlafen gehen. </a:t>
-            </a:r>
-            <a:br>
-              <a:rPr lang="de-DE" dirty="0"/>
-            </a:br>
-            <a:r>
-              <a:rPr lang="de-DE" dirty="0"/>
-              <a:t>Hat der Endnutzer Probleme bei Vollmond zu schlafen, kann er sich die Mondphasen in dem Kalender anzeigen lassen und sich auf die Nacht vorbereiten. </a:t>
-            </a:r>
-          </a:p>
-          <a:p>
             <a:endParaRPr lang="de-DE" dirty="0"/>
           </a:p>
-          <a:p>
-            <a:r>
-              <a:rPr lang="de-DE" dirty="0"/>
-              <a:t>In der Auswertung werden verschiedene Punkte angezeigt, an den Tagen, an dem der Endnutzer an der Umfrage/ der Literangabe teilgenommen hat. Wenn man auf einen dieser Punkte klickt, soll sich der Endnutzer Notizen machen können. Wenn der Punkt von dem Endnutzer an dem Tag im unteren Bereich liegt, kann er sich z.B. Notizen dazu machen, warum er an dem Tag so viel Stress hatte.</a:t>
-            </a:r>
-          </a:p>
-          <a:p>
-            <a:endParaRPr lang="de-DE" dirty="0"/>
-          </a:p>
         </p:txBody>
       </p:sp>
       <p:sp>
@@ -1524,7 +1730,7 @@
           <a:lstStyle/>
           <a:p>
             <a:pPr rtl="0"/>
-            <a:fld id="{88DACA00-B485-48AE-971E-CC6E1280CD66}" type="datetime1">
+            <a:fld id="{7DA48DE9-247B-4EBD-A14B-36988774F377}" type="datetime1">
               <a:rPr lang="de-DE" smtClean="0"/>
               <a:t>15.02.2021</a:t>
             </a:fld>
@@ -1559,7 +1765,7 @@
     </p:spTree>
     <p:extLst>
       <p:ext uri="{BB962C8B-B14F-4D97-AF65-F5344CB8AC3E}">
-        <p14:creationId xmlns:p14="http://schemas.microsoft.com/office/powerpoint/2010/main" val="1093773272"/>
+        <p14:creationId xmlns:p14="http://schemas.microsoft.com/office/powerpoint/2010/main" val="1596695056"/>
       </p:ext>
     </p:extLst>
   </p:cSld>
@@ -1633,7 +1839,7 @@
           <a:lstStyle/>
           <a:p>
             <a:pPr rtl="0"/>
-            <a:fld id="{8C960F41-ADA3-4592-A6B6-979750556945}" type="datetime1">
+            <a:fld id="{88DACA00-B485-48AE-971E-CC6E1280CD66}" type="datetime1">
               <a:rPr lang="de-DE" smtClean="0"/>
               <a:t>15.02.2021</a:t>
             </a:fld>
@@ -1668,7 +1874,7 @@
     </p:spTree>
     <p:extLst>
       <p:ext uri="{BB962C8B-B14F-4D97-AF65-F5344CB8AC3E}">
-        <p14:creationId xmlns:p14="http://schemas.microsoft.com/office/powerpoint/2010/main" val="169757941"/>
+        <p14:creationId xmlns:p14="http://schemas.microsoft.com/office/powerpoint/2010/main" val="749225946"/>
       </p:ext>
     </p:extLst>
   </p:cSld>
@@ -1722,8 +1928,45 @@
           <a:bodyPr/>
           <a:lstStyle/>
           <a:p>
+            <a:r>
+              <a:rPr lang="de-DE" dirty="0"/>
+              <a:t>Die Favoriten helfen den Endnutzer schneller auf seine Lieblings Apps und Übungen zuzugreifen.</a:t>
+            </a:r>
+          </a:p>
+          <a:p>
+            <a:br>
+              <a:rPr lang="de-DE" dirty="0"/>
+            </a:br>
+            <a:r>
+              <a:rPr lang="de-DE" dirty="0"/>
+              <a:t>Es soll einen Kalender geben, in dem der Nutzer seine Termine eintragen kann. Ebenfalls kann eingestellt werden, ob er vorher an den Termin erinnert werden möchte (Minuten, Stunden, Tage).</a:t>
+            </a:r>
+          </a:p>
+          <a:p>
+            <a:r>
+              <a:rPr lang="de-DE" dirty="0"/>
+              <a:t>In dem Kalender sollen die Sonnenaufgangs und Sonnenuntergangs Zeiten hinterlegt werden, sowie die Mondphasen. Wenn der Endnutzer Probleme hat im hellen zu schlafen, kann er sich die Sonnenuntergangs und Sonnenaufgangszeiten ansehen und nach den Zeiten schlafen gehen. </a:t>
+            </a:r>
+            <a:br>
+              <a:rPr lang="de-DE" dirty="0"/>
+            </a:br>
+            <a:r>
+              <a:rPr lang="de-DE" dirty="0"/>
+              <a:t>Hat der Endnutzer Probleme bei Vollmond zu schlafen, kann er sich die Mondphasen in dem Kalender anzeigen lassen und sich auf die Nacht vorbereiten. </a:t>
+            </a:r>
+          </a:p>
+          <a:p>
             <a:endParaRPr lang="de-DE" dirty="0"/>
           </a:p>
+          <a:p>
+            <a:r>
+              <a:rPr lang="de-DE" dirty="0"/>
+              <a:t>In der Auswertung werden verschiedene Punkte angezeigt, an den Tagen, an dem der Endnutzer an der Umfrage/ der Literangabe teilgenommen hat. Wenn man auf einen dieser Punkte klickt, soll sich der Endnutzer Notizen machen können. Wenn der Punkt von dem Endnutzer an dem Tag im unteren Bereich liegt, kann er sich z.B. Notizen dazu machen, warum er an dem Tag so viel Stress hatte.</a:t>
+            </a:r>
+          </a:p>
+          <a:p>
+            <a:endParaRPr lang="de-DE" dirty="0"/>
+          </a:p>
         </p:txBody>
       </p:sp>
       <p:sp>
@@ -1742,7 +1985,7 @@
           <a:lstStyle/>
           <a:p>
             <a:pPr rtl="0"/>
-            <a:fld id="{05F945F2-6878-48BF-B08F-BD6E79E1CDD8}" type="datetime1">
+            <a:fld id="{88DACA00-B485-48AE-971E-CC6E1280CD66}" type="datetime1">
               <a:rPr lang="de-DE" smtClean="0"/>
               <a:t>15.02.2021</a:t>
             </a:fld>
@@ -1777,7 +2020,7 @@
     </p:spTree>
     <p:extLst>
       <p:ext uri="{BB962C8B-B14F-4D97-AF65-F5344CB8AC3E}">
-        <p14:creationId xmlns:p14="http://schemas.microsoft.com/office/powerpoint/2010/main" val="384522412"/>
+        <p14:creationId xmlns:p14="http://schemas.microsoft.com/office/powerpoint/2010/main" val="1093773272"/>
       </p:ext>
     </p:extLst>
   </p:cSld>
@@ -5836,7 +6079,7 @@
           <p:cNvPr id="2" name="Titel 1">
             <a:extLst>
               <a:ext uri="{FF2B5EF4-FFF2-40B4-BE49-F238E27FC236}">
-                <a16:creationId xmlns:a16="http://schemas.microsoft.com/office/drawing/2014/main" id="{8E6F87C2-E244-41E0-AFF6-CCBE3E7A9F0F}"/>
+                <a16:creationId xmlns:a16="http://schemas.microsoft.com/office/drawing/2014/main" id="{4DC4D8DE-1034-4059-B907-B2FCA56F6799}"/>
               </a:ext>
             </a:extLst>
           </p:cNvPr>
@@ -5847,24 +6090,31 @@
             <p:ph type="title"/>
           </p:nvPr>
         </p:nvSpPr>
-        <p:spPr/>
-        <p:txBody>
-          <a:bodyPr/>
-          <a:lstStyle/>
-          <a:p>
-            <a:r>
-              <a:rPr lang="de-DE" dirty="0"/>
-              <a:t>Fazit </a:t>
-            </a:r>
-          </a:p>
-        </p:txBody>
-      </p:sp>
-      <p:sp>
-        <p:nvSpPr>
-          <p:cNvPr id="3" name="Inhaltsplatzhalter 2">
+        <p:spPr>
+          <a:xfrm>
+            <a:off x="1097280" y="758952"/>
+            <a:ext cx="10058400" cy="3566160"/>
+          </a:xfrm>
+        </p:spPr>
+        <p:txBody>
+          <a:bodyPr anchor="b">
+            <a:normAutofit/>
+          </a:bodyPr>
+          <a:lstStyle/>
+          <a:p>
+            <a:r>
+              <a:rPr lang="de-DE" sz="7400" dirty="0"/>
+              <a:t>Fazit</a:t>
+            </a:r>
+          </a:p>
+        </p:txBody>
+      </p:sp>
+      <p:sp>
+        <p:nvSpPr>
+          <p:cNvPr id="3" name="Foliennummernplatzhalter 2">
             <a:extLst>
               <a:ext uri="{FF2B5EF4-FFF2-40B4-BE49-F238E27FC236}">
-                <a16:creationId xmlns:a16="http://schemas.microsoft.com/office/drawing/2014/main" id="{B546AAA2-7A8F-484E-BDB8-F068E851712C}"/>
+                <a16:creationId xmlns:a16="http://schemas.microsoft.com/office/drawing/2014/main" id="{585CF4AE-527C-4AA2-906C-B9F7B3281748}"/>
               </a:ext>
             </a:extLst>
           </p:cNvPr>
@@ -5872,150 +6122,97 @@
             <a:spLocks noGrp="1"/>
           </p:cNvSpPr>
           <p:nvPr>
-            <p:ph idx="1"/>
+            <p:ph type="sldNum" sz="quarter" idx="12"/>
           </p:nvPr>
         </p:nvSpPr>
         <p:spPr>
           <a:xfrm>
-            <a:off x="1097280" y="2134186"/>
-            <a:ext cx="10058400" cy="4160252"/>
+            <a:off x="10993582" y="6446838"/>
+            <a:ext cx="780010" cy="365125"/>
           </a:xfrm>
         </p:spPr>
         <p:txBody>
-          <a:bodyPr>
+          <a:bodyPr anchor="ctr">
             <a:normAutofit/>
           </a:bodyPr>
           <a:lstStyle/>
           <a:p>
-            <a:pPr marL="0" indent="0">
-              <a:buNone/>
+            <a:pPr rtl="0">
+              <a:spcAft>
+                <a:spcPts val="600"/>
+              </a:spcAft>
             </a:pPr>
-            <a:r>
-              <a:rPr lang="de-DE" sz="2000" i="1" dirty="0">
-                <a:solidFill>
-                  <a:schemeClr val="tx1"/>
-                </a:solidFill>
-                <a:latin typeface="-apple-system"/>
-              </a:rPr>
-              <a:t>Nicht umgesetzt, aber weitere Ideen:</a:t>
-            </a:r>
-          </a:p>
-          <a:p>
-            <a:pPr>
-              <a:buFont typeface="Arial" panose="020B0604020202020204" pitchFamily="34" charset="0"/>
-              <a:buChar char="•"/>
-            </a:pPr>
-            <a:r>
-              <a:rPr lang="de-DE" dirty="0">
-                <a:solidFill>
-                  <a:schemeClr val="tx1"/>
-                </a:solidFill>
-                <a:latin typeface="-apple-system"/>
-              </a:rPr>
-              <a:t> </a:t>
-            </a:r>
-            <a:r>
-              <a:rPr lang="de-DE" dirty="0">
-                <a:solidFill>
-                  <a:schemeClr val="tx1"/>
-                </a:solidFill>
-                <a:latin typeface="Open Sans"/>
-              </a:rPr>
-              <a:t>Für den User personalisierte Ansichten/ Auswertungen</a:t>
-            </a:r>
-          </a:p>
-          <a:p>
-            <a:pPr>
-              <a:buFont typeface="Arial" panose="020B0604020202020204" pitchFamily="34" charset="0"/>
-              <a:buChar char="•"/>
-            </a:pPr>
-            <a:r>
-              <a:rPr lang="de-DE" dirty="0">
-                <a:solidFill>
-                  <a:schemeClr val="tx1"/>
-                </a:solidFill>
-                <a:latin typeface="Open Sans"/>
-              </a:rPr>
-              <a:t> Apps (Musik, ASMR, Hörbücher) &amp; Übungen zu Favoriten hinzufügen</a:t>
-            </a:r>
-          </a:p>
-          <a:p>
-            <a:pPr>
-              <a:buFont typeface="Arial" panose="020B0604020202020204" pitchFamily="34" charset="0"/>
-              <a:buChar char="•"/>
-            </a:pPr>
-            <a:r>
-              <a:rPr lang="de-DE" dirty="0">
-                <a:solidFill>
-                  <a:schemeClr val="tx1"/>
-                </a:solidFill>
-                <a:latin typeface="Open Sans"/>
-              </a:rPr>
-              <a:t> Kalender inkl. Sonnenaufgang/ Sonnenuntergang und Mondphasen</a:t>
-            </a:r>
-          </a:p>
-          <a:p>
-            <a:pPr>
-              <a:buFont typeface="Arial" panose="020B0604020202020204" pitchFamily="34" charset="0"/>
-              <a:buChar char="•"/>
-            </a:pPr>
-            <a:r>
-              <a:rPr lang="de-DE" dirty="0">
-                <a:solidFill>
-                  <a:schemeClr val="tx1"/>
-                </a:solidFill>
-                <a:latin typeface="Open Sans"/>
-              </a:rPr>
-              <a:t> In der Auswertung zu den verschiedenen Tagen Notizen machen </a:t>
-            </a:r>
-          </a:p>
-          <a:p>
-            <a:pPr marL="0" indent="0">
-              <a:buNone/>
-            </a:pPr>
-            <a:endParaRPr lang="de-DE" dirty="0">
-              <a:solidFill>
-                <a:schemeClr val="tx1"/>
-              </a:solidFill>
-              <a:latin typeface="-apple-system"/>
-            </a:endParaRPr>
-          </a:p>
-        </p:txBody>
-      </p:sp>
-      <p:sp>
-        <p:nvSpPr>
-          <p:cNvPr id="5" name="Foliennummernplatzhalter 4">
+            <a:fld id="{3A98EE3D-8CD1-4C3F-BD1C-C98C9596463C}" type="slidenum">
+              <a:rPr lang="en-US" smtClean="0"/>
+              <a:pPr rtl="0">
+                <a:spcAft>
+                  <a:spcPts val="600"/>
+                </a:spcAft>
+              </a:pPr>
+              <a:t>10</a:t>
+            </a:fld>
+            <a:endParaRPr lang="en-US"/>
+          </a:p>
+        </p:txBody>
+      </p:sp>
+      <p:sp>
+        <p:nvSpPr>
+          <p:cNvPr id="4" name="Titel 1">
             <a:extLst>
               <a:ext uri="{FF2B5EF4-FFF2-40B4-BE49-F238E27FC236}">
-                <a16:creationId xmlns:a16="http://schemas.microsoft.com/office/drawing/2014/main" id="{83972841-72E7-45F6-9D79-4FAE81CFBAF2}"/>
+                <a16:creationId xmlns:a16="http://schemas.microsoft.com/office/drawing/2014/main" id="{14040106-2C9B-47A0-AA16-571538A46A0C}"/>
               </a:ext>
             </a:extLst>
           </p:cNvPr>
-          <p:cNvSpPr>
-            <a:spLocks noGrp="1"/>
-          </p:cNvSpPr>
-          <p:nvPr>
-            <p:ph type="sldNum" sz="quarter" idx="12"/>
-          </p:nvPr>
-        </p:nvSpPr>
-        <p:spPr/>
-        <p:txBody>
-          <a:bodyPr/>
-          <a:lstStyle/>
-          <a:p>
-            <a:pPr rtl="0"/>
-            <a:fld id="{3A98EE3D-8CD1-4C3F-BD1C-C98C9596463C}" type="slidenum">
-              <a:rPr lang="en-US" smtClean="0"/>
-              <a:t>10</a:t>
-            </a:fld>
-            <a:endParaRPr lang="en-US" dirty="0"/>
+          <p:cNvSpPr txBox="1">
+            <a:spLocks/>
+          </p:cNvSpPr>
+          <p:nvPr/>
+        </p:nvSpPr>
+        <p:spPr>
+          <a:xfrm>
+            <a:off x="1097280" y="4744569"/>
+            <a:ext cx="10058400" cy="641405"/>
+          </a:xfrm>
+          <a:prstGeom prst="rect">
+            <a:avLst/>
+          </a:prstGeom>
+        </p:spPr>
+        <p:txBody>
+          <a:bodyPr vert="horz" lIns="91440" tIns="45720" rIns="91440" bIns="45720" rtlCol="0" anchor="b" anchorCtr="0">
+            <a:normAutofit fontScale="62500" lnSpcReduction="20000"/>
+          </a:bodyPr>
+          <a:lstStyle>
+            <a:lvl1pPr algn="l" defTabSz="914400" rtl="0" eaLnBrk="1" latinLnBrk="0" hangingPunct="1">
+              <a:lnSpc>
+                <a:spcPct val="90000"/>
+              </a:lnSpc>
+              <a:spcBef>
+                <a:spcPct val="0"/>
+              </a:spcBef>
+              <a:buNone/>
+              <a:defRPr sz="8000" b="0" i="0" kern="1200" spc="-50" baseline="0">
+                <a:solidFill>
+                  <a:schemeClr val="tx1">
+                    <a:lumMod val="85000"/>
+                    <a:lumOff val="15000"/>
+                  </a:schemeClr>
+                </a:solidFill>
+                <a:latin typeface="+mj-lt"/>
+                <a:ea typeface="+mj-ea"/>
+                <a:cs typeface="+mj-cs"/>
+              </a:defRPr>
+            </a:lvl1pPr>
+          </a:lstStyle>
+          <a:p>
+            <a:endParaRPr lang="de-DE" sz="7900" dirty="0"/>
           </a:p>
         </p:txBody>
       </p:sp>
     </p:spTree>
     <p:extLst>
       <p:ext uri="{BB962C8B-B14F-4D97-AF65-F5344CB8AC3E}">
-        <p14:creationId xmlns:p14="http://schemas.microsoft.com/office/powerpoint/2010/main" val="948829941"/>
+        <p14:creationId xmlns:p14="http://schemas.microsoft.com/office/powerpoint/2010/main" val="1270792329"/>
       </p:ext>
     </p:extLst>
   </p:cSld>
@@ -6047,1104 +6244,6 @@
           <p:cNvPr id="2" name="Titel 1">
             <a:extLst>
               <a:ext uri="{FF2B5EF4-FFF2-40B4-BE49-F238E27FC236}">
-                <a16:creationId xmlns:a16="http://schemas.microsoft.com/office/drawing/2014/main" id="{1000917D-4547-48A6-84FB-F43EFC62703E}"/>
-              </a:ext>
-            </a:extLst>
-          </p:cNvPr>
-          <p:cNvSpPr>
-            <a:spLocks noGrp="1"/>
-          </p:cNvSpPr>
-          <p:nvPr>
-            <p:ph type="title"/>
-          </p:nvPr>
-        </p:nvSpPr>
-        <p:spPr/>
-        <p:txBody>
-          <a:bodyPr/>
-          <a:lstStyle/>
-          <a:p>
-            <a:r>
-              <a:rPr lang="de-DE" dirty="0"/>
-              <a:t>Quellen</a:t>
-            </a:r>
-          </a:p>
-        </p:txBody>
-      </p:sp>
-      <p:sp>
-        <p:nvSpPr>
-          <p:cNvPr id="4" name="Textfeld 3">
-            <a:extLst>
-              <a:ext uri="{FF2B5EF4-FFF2-40B4-BE49-F238E27FC236}">
-                <a16:creationId xmlns:a16="http://schemas.microsoft.com/office/drawing/2014/main" id="{7A45CCCC-0A1D-47D4-AA93-208EE6D41258}"/>
-              </a:ext>
-            </a:extLst>
-          </p:cNvPr>
-          <p:cNvSpPr txBox="1"/>
-          <p:nvPr/>
-        </p:nvSpPr>
-        <p:spPr>
-          <a:xfrm>
-            <a:off x="1208868" y="2030278"/>
-            <a:ext cx="9946812" cy="3970318"/>
-          </a:xfrm>
-          <a:prstGeom prst="rect">
-            <a:avLst/>
-          </a:prstGeom>
-          <a:noFill/>
-        </p:spPr>
-        <p:txBody>
-          <a:bodyPr wrap="square" rtlCol="0">
-            <a:spAutoFit/>
-          </a:bodyPr>
-          <a:lstStyle/>
-          <a:p>
-            <a:pPr marL="285750" indent="-285750" algn="l">
-              <a:lnSpc>
-                <a:spcPct val="150000"/>
-              </a:lnSpc>
-              <a:buFont typeface="Arial" panose="020B0604020202020204" pitchFamily="34" charset="0"/>
-              <a:buChar char="•"/>
-            </a:pPr>
-            <a:r>
-              <a:rPr lang="de-DE" sz="1600" dirty="0">
-                <a:solidFill>
-                  <a:srgbClr val="24292E"/>
-                </a:solidFill>
-                <a:latin typeface="-apple-system"/>
-              </a:rPr>
-              <a:t> </a:t>
-            </a:r>
-            <a:r>
-              <a:rPr lang="de-DE" sz="1600" b="0" i="0" u="none" strike="noStrike" dirty="0">
-                <a:solidFill>
-                  <a:srgbClr val="24292E"/>
-                </a:solidFill>
-                <a:effectLst/>
-                <a:latin typeface="-apple-system"/>
-                <a:hlinkClick r:id="rId3"/>
-              </a:rPr>
-              <a:t>https://wiki.selfhtml.org/wiki/HTML/Formulare/input/button</a:t>
-            </a:r>
-            <a:endParaRPr lang="de-DE" sz="1600" dirty="0">
-              <a:solidFill>
-                <a:srgbClr val="24292E"/>
-              </a:solidFill>
-              <a:latin typeface="-apple-system"/>
-            </a:endParaRPr>
-          </a:p>
-          <a:p>
-            <a:pPr marL="285750" indent="-285750" algn="l">
-              <a:lnSpc>
-                <a:spcPct val="150000"/>
-              </a:lnSpc>
-              <a:buFont typeface="Arial" panose="020B0604020202020204" pitchFamily="34" charset="0"/>
-              <a:buChar char="•"/>
-            </a:pPr>
-            <a:r>
-              <a:rPr lang="de-DE" sz="1600" b="0" i="0" u="none" strike="noStrike" dirty="0">
-                <a:solidFill>
-                  <a:srgbClr val="24292E"/>
-                </a:solidFill>
-                <a:effectLst/>
-                <a:latin typeface="-apple-system"/>
-                <a:hlinkClick r:id="rId4"/>
-              </a:rPr>
-              <a:t>https://jsfiddle.net/red_stapler/wu3a0y6e/18/</a:t>
-            </a:r>
-            <a:endParaRPr lang="de-DE" sz="1600" dirty="0">
-              <a:solidFill>
-                <a:srgbClr val="24292E"/>
-              </a:solidFill>
-              <a:latin typeface="-apple-system"/>
-            </a:endParaRPr>
-          </a:p>
-          <a:p>
-            <a:pPr marL="285750" indent="-285750" algn="l">
-              <a:lnSpc>
-                <a:spcPct val="150000"/>
-              </a:lnSpc>
-              <a:buFont typeface="Arial" panose="020B0604020202020204" pitchFamily="34" charset="0"/>
-              <a:buChar char="•"/>
-            </a:pPr>
-            <a:r>
-              <a:rPr lang="de-DE" sz="1600" b="0" i="0" u="none" strike="noStrike" dirty="0">
-                <a:solidFill>
-                  <a:srgbClr val="24292E"/>
-                </a:solidFill>
-                <a:effectLst/>
-                <a:latin typeface="-apple-system"/>
-                <a:hlinkClick r:id="rId5"/>
-              </a:rPr>
-              <a:t>http://microbuilder.io/blog/2016/01/10/plotting-json-data-with-chart-js.html</a:t>
-            </a:r>
-            <a:endParaRPr lang="de-DE" sz="1600" dirty="0">
-              <a:solidFill>
-                <a:srgbClr val="24292E"/>
-              </a:solidFill>
-              <a:latin typeface="-apple-system"/>
-            </a:endParaRPr>
-          </a:p>
-          <a:p>
-            <a:pPr marL="285750" indent="-285750" algn="l">
-              <a:lnSpc>
-                <a:spcPct val="150000"/>
-              </a:lnSpc>
-              <a:buFont typeface="Arial" panose="020B0604020202020204" pitchFamily="34" charset="0"/>
-              <a:buChar char="•"/>
-            </a:pPr>
-            <a:r>
-              <a:rPr lang="de-DE" sz="1600" b="0" i="0" u="none" strike="noStrike" dirty="0">
-                <a:solidFill>
-                  <a:srgbClr val="24292E"/>
-                </a:solidFill>
-                <a:effectLst/>
-                <a:latin typeface="-apple-system"/>
-                <a:hlinkClick r:id="rId6"/>
-              </a:rPr>
-              <a:t>https://www.youtube.com/watch?v=NwgKh_QTKE0</a:t>
-            </a:r>
-            <a:endParaRPr lang="de-DE" sz="1600" dirty="0">
-              <a:solidFill>
-                <a:srgbClr val="24292E"/>
-              </a:solidFill>
-              <a:latin typeface="-apple-system"/>
-            </a:endParaRPr>
-          </a:p>
-          <a:p>
-            <a:pPr marL="285750" indent="-285750" algn="l">
-              <a:lnSpc>
-                <a:spcPct val="150000"/>
-              </a:lnSpc>
-              <a:buFont typeface="Arial" panose="020B0604020202020204" pitchFamily="34" charset="0"/>
-              <a:buChar char="•"/>
-            </a:pPr>
-            <a:r>
-              <a:rPr lang="de-DE" sz="1600" b="0" i="0" u="none" strike="noStrike" dirty="0">
-                <a:solidFill>
-                  <a:srgbClr val="24292E"/>
-                </a:solidFill>
-                <a:effectLst/>
-                <a:latin typeface="-apple-system"/>
-                <a:hlinkClick r:id="rId7"/>
-              </a:rPr>
-              <a:t>https://canvasjs.com/html5-javascript-spline-chart/</a:t>
-            </a:r>
-            <a:endParaRPr lang="de-DE" sz="1600" dirty="0">
-              <a:solidFill>
-                <a:srgbClr val="24292E"/>
-              </a:solidFill>
-              <a:latin typeface="-apple-system"/>
-            </a:endParaRPr>
-          </a:p>
-          <a:p>
-            <a:pPr marL="285750" indent="-285750" algn="l">
-              <a:lnSpc>
-                <a:spcPct val="150000"/>
-              </a:lnSpc>
-              <a:buFont typeface="Arial" panose="020B0604020202020204" pitchFamily="34" charset="0"/>
-              <a:buChar char="•"/>
-            </a:pPr>
-            <a:r>
-              <a:rPr lang="de-DE" sz="1600" dirty="0">
-                <a:solidFill>
-                  <a:srgbClr val="24292E"/>
-                </a:solidFill>
-                <a:latin typeface="-apple-system"/>
-                <a:hlinkClick r:id="rId8"/>
-              </a:rPr>
-              <a:t>https://canvasjs.com/html5-javascript-line-chart/</a:t>
-            </a:r>
-            <a:endParaRPr lang="de-DE" sz="1600" dirty="0">
-              <a:solidFill>
-                <a:srgbClr val="24292E"/>
-              </a:solidFill>
-              <a:latin typeface="-apple-system"/>
-            </a:endParaRPr>
-          </a:p>
-          <a:p>
-            <a:pPr marL="285750" indent="-285750" algn="l">
-              <a:lnSpc>
-                <a:spcPct val="150000"/>
-              </a:lnSpc>
-              <a:buFont typeface="Arial" panose="020B0604020202020204" pitchFamily="34" charset="0"/>
-              <a:buChar char="•"/>
-            </a:pPr>
-            <a:r>
-              <a:rPr lang="de-DE" sz="1600" b="0" i="0" u="none" strike="noStrike" dirty="0">
-                <a:solidFill>
-                  <a:srgbClr val="24292E"/>
-                </a:solidFill>
-                <a:effectLst/>
-                <a:latin typeface="-apple-system"/>
-                <a:hlinkClick r:id="rId9"/>
-              </a:rPr>
-              <a:t>https://canvasjs.com/docs/charts/basics-of-creating-html5-chart/updating-chart-options/</a:t>
-            </a:r>
-            <a:endParaRPr lang="de-DE" sz="1600" dirty="0">
-              <a:solidFill>
-                <a:srgbClr val="24292E"/>
-              </a:solidFill>
-              <a:latin typeface="-apple-system"/>
-            </a:endParaRPr>
-          </a:p>
-          <a:p>
-            <a:pPr marL="285750" indent="-285750" algn="l">
-              <a:lnSpc>
-                <a:spcPct val="150000"/>
-              </a:lnSpc>
-              <a:buFont typeface="Arial" panose="020B0604020202020204" pitchFamily="34" charset="0"/>
-              <a:buChar char="•"/>
-            </a:pPr>
-            <a:r>
-              <a:rPr lang="de-DE" sz="1600" b="0" i="0" u="none" strike="noStrike" dirty="0">
-                <a:solidFill>
-                  <a:srgbClr val="24292E"/>
-                </a:solidFill>
-                <a:effectLst/>
-                <a:latin typeface="-apple-system"/>
-                <a:hlinkClick r:id="rId10"/>
-              </a:rPr>
-              <a:t>https://canvasjs.com/docs/charts/methods/dataseries/addto/</a:t>
-            </a:r>
-            <a:endParaRPr lang="de-DE" sz="1600" dirty="0">
-              <a:solidFill>
-                <a:srgbClr val="24292E"/>
-              </a:solidFill>
-              <a:latin typeface="-apple-system"/>
-            </a:endParaRPr>
-          </a:p>
-          <a:p>
-            <a:pPr marL="285750" indent="-285750" algn="l">
-              <a:lnSpc>
-                <a:spcPct val="150000"/>
-              </a:lnSpc>
-              <a:buFont typeface="Arial" panose="020B0604020202020204" pitchFamily="34" charset="0"/>
-              <a:buChar char="•"/>
-            </a:pPr>
-            <a:r>
-              <a:rPr lang="de-DE" sz="1600" b="0" i="0" u="none" strike="noStrike" dirty="0">
-                <a:solidFill>
-                  <a:srgbClr val="24292E"/>
-                </a:solidFill>
-                <a:effectLst/>
-                <a:latin typeface="-apple-system"/>
-                <a:hlinkClick r:id="rId11"/>
-              </a:rPr>
-              <a:t>https://www.gesundheit.gv.at/leben/ernaehrung/info/fluessigkeitsbedarf</a:t>
-            </a:r>
-            <a:endParaRPr lang="de-DE" sz="1600" b="0" i="0" dirty="0">
-              <a:solidFill>
-                <a:srgbClr val="24292E"/>
-              </a:solidFill>
-              <a:effectLst/>
-              <a:latin typeface="-apple-system"/>
-            </a:endParaRPr>
-          </a:p>
-          <a:p>
-            <a:pPr algn="l"/>
-            <a:endParaRPr lang="de-DE" b="0" i="0" u="none" strike="noStrike" dirty="0">
-              <a:solidFill>
-                <a:srgbClr val="24292E"/>
-              </a:solidFill>
-              <a:effectLst/>
-              <a:latin typeface="-apple-system"/>
-            </a:endParaRPr>
-          </a:p>
-          <a:p>
-            <a:pPr algn="l"/>
-            <a:endParaRPr lang="de-DE" b="0" i="0" dirty="0">
-              <a:solidFill>
-                <a:srgbClr val="24292E"/>
-              </a:solidFill>
-              <a:effectLst/>
-              <a:latin typeface="-apple-system"/>
-            </a:endParaRPr>
-          </a:p>
-        </p:txBody>
-      </p:sp>
-      <p:sp>
-        <p:nvSpPr>
-          <p:cNvPr id="5" name="Foliennummernplatzhalter 4">
-            <a:extLst>
-              <a:ext uri="{FF2B5EF4-FFF2-40B4-BE49-F238E27FC236}">
-                <a16:creationId xmlns:a16="http://schemas.microsoft.com/office/drawing/2014/main" id="{1BB62189-938C-4C7C-BA89-B2D315856415}"/>
-              </a:ext>
-            </a:extLst>
-          </p:cNvPr>
-          <p:cNvSpPr>
-            <a:spLocks noGrp="1"/>
-          </p:cNvSpPr>
-          <p:nvPr>
-            <p:ph type="sldNum" sz="quarter" idx="12"/>
-          </p:nvPr>
-        </p:nvSpPr>
-        <p:spPr/>
-        <p:txBody>
-          <a:bodyPr/>
-          <a:lstStyle/>
-          <a:p>
-            <a:pPr rtl="0"/>
-            <a:fld id="{3A98EE3D-8CD1-4C3F-BD1C-C98C9596463C}" type="slidenum">
-              <a:rPr lang="en-US" smtClean="0"/>
-              <a:t>11</a:t>
-            </a:fld>
-            <a:endParaRPr lang="en-US" dirty="0"/>
-          </a:p>
-        </p:txBody>
-      </p:sp>
-    </p:spTree>
-    <p:extLst>
-      <p:ext uri="{BB962C8B-B14F-4D97-AF65-F5344CB8AC3E}">
-        <p14:creationId xmlns:p14="http://schemas.microsoft.com/office/powerpoint/2010/main" val="873189558"/>
-      </p:ext>
-    </p:extLst>
-  </p:cSld>
-  <p:clrMapOvr>
-    <a:masterClrMapping/>
-  </p:clrMapOvr>
-</p:sld>
-</file>
-
-<file path=ppt/slides/slide12.xml><?xml version="1.0" encoding="utf-8"?>
-<p:sld xmlns:a="http://schemas.openxmlformats.org/drawingml/2006/main" xmlns:r="http://schemas.openxmlformats.org/officeDocument/2006/relationships" xmlns:p="http://schemas.openxmlformats.org/presentationml/2006/main">
-  <p:cSld>
-    <p:spTree>
-      <p:nvGrpSpPr>
-        <p:cNvPr id="1" name=""/>
-        <p:cNvGrpSpPr/>
-        <p:nvPr/>
-      </p:nvGrpSpPr>
-      <p:grpSpPr>
-        <a:xfrm>
-          <a:off x="0" y="0"/>
-          <a:ext cx="0" cy="0"/>
-          <a:chOff x="0" y="0"/>
-          <a:chExt cx="0" cy="0"/>
-        </a:xfrm>
-      </p:grpSpPr>
-      <p:sp>
-        <p:nvSpPr>
-          <p:cNvPr id="3" name="Titel 2">
-            <a:extLst>
-              <a:ext uri="{FF2B5EF4-FFF2-40B4-BE49-F238E27FC236}">
-                <a16:creationId xmlns:a16="http://schemas.microsoft.com/office/drawing/2014/main" id="{DB2DDE27-5081-46AD-8B84-38FA64A48C00}"/>
-              </a:ext>
-            </a:extLst>
-          </p:cNvPr>
-          <p:cNvSpPr>
-            <a:spLocks noGrp="1"/>
-          </p:cNvSpPr>
-          <p:nvPr>
-            <p:ph type="title"/>
-          </p:nvPr>
-        </p:nvSpPr>
-        <p:spPr/>
-        <p:txBody>
-          <a:bodyPr/>
-          <a:lstStyle/>
-          <a:p>
-            <a:r>
-              <a:rPr lang="de-DE" dirty="0"/>
-              <a:t>Danke für Ihre Aufmerksamkeit </a:t>
-            </a:r>
-            <a:r>
-              <a:rPr lang="de-DE" dirty="0">
-                <a:sym typeface="Wingdings" panose="05000000000000000000" pitchFamily="2" charset="2"/>
-              </a:rPr>
-              <a:t></a:t>
-            </a:r>
-            <a:endParaRPr lang="de-DE" dirty="0"/>
-          </a:p>
-        </p:txBody>
-      </p:sp>
-      <p:sp>
-        <p:nvSpPr>
-          <p:cNvPr id="4" name="Textplatzhalter 3">
-            <a:extLst>
-              <a:ext uri="{FF2B5EF4-FFF2-40B4-BE49-F238E27FC236}">
-                <a16:creationId xmlns:a16="http://schemas.microsoft.com/office/drawing/2014/main" id="{47EB3076-4347-4AC4-B0EF-74CCEC1366D0}"/>
-              </a:ext>
-            </a:extLst>
-          </p:cNvPr>
-          <p:cNvSpPr>
-            <a:spLocks noGrp="1"/>
-          </p:cNvSpPr>
-          <p:nvPr>
-            <p:ph type="body" sz="half" idx="2"/>
-          </p:nvPr>
-        </p:nvSpPr>
-        <p:spPr/>
-        <p:txBody>
-          <a:bodyPr/>
-          <a:lstStyle/>
-          <a:p>
-            <a:r>
-              <a:rPr lang="de-DE" dirty="0"/>
-              <a:t>Präsentiert von Kimberly </a:t>
-            </a:r>
-            <a:r>
-              <a:rPr lang="de-DE" dirty="0" err="1"/>
-              <a:t>Plackenhohn</a:t>
-            </a:r>
-            <a:r>
-              <a:rPr lang="de-DE" dirty="0"/>
-              <a:t> und Eda Serttas</a:t>
-            </a:r>
-          </a:p>
-        </p:txBody>
-      </p:sp>
-      <p:sp>
-        <p:nvSpPr>
-          <p:cNvPr id="2" name="Foliennummernplatzhalter 1">
-            <a:extLst>
-              <a:ext uri="{FF2B5EF4-FFF2-40B4-BE49-F238E27FC236}">
-                <a16:creationId xmlns:a16="http://schemas.microsoft.com/office/drawing/2014/main" id="{A78525E6-D0E1-4184-B6D6-920D2B3A4CDF}"/>
-              </a:ext>
-            </a:extLst>
-          </p:cNvPr>
-          <p:cNvSpPr>
-            <a:spLocks noGrp="1"/>
-          </p:cNvSpPr>
-          <p:nvPr>
-            <p:ph type="sldNum" sz="quarter" idx="12"/>
-          </p:nvPr>
-        </p:nvSpPr>
-        <p:spPr/>
-        <p:txBody>
-          <a:bodyPr/>
-          <a:lstStyle/>
-          <a:p>
-            <a:pPr rtl="0"/>
-            <a:fld id="{3A98EE3D-8CD1-4C3F-BD1C-C98C9596463C}" type="slidenum">
-              <a:rPr lang="en-US" smtClean="0"/>
-              <a:t>12</a:t>
-            </a:fld>
-            <a:endParaRPr lang="en-US" dirty="0"/>
-          </a:p>
-        </p:txBody>
-      </p:sp>
-      <p:sp>
-        <p:nvSpPr>
-          <p:cNvPr id="10" name="Textfeld 9">
-            <a:extLst>
-              <a:ext uri="{FF2B5EF4-FFF2-40B4-BE49-F238E27FC236}">
-                <a16:creationId xmlns:a16="http://schemas.microsoft.com/office/drawing/2014/main" id="{DD877133-DB78-42DD-8968-E40B82E8EBF6}"/>
-              </a:ext>
-            </a:extLst>
-          </p:cNvPr>
-          <p:cNvSpPr txBox="1"/>
-          <p:nvPr/>
-        </p:nvSpPr>
-        <p:spPr>
-          <a:xfrm>
-            <a:off x="10459142" y="0"/>
-            <a:ext cx="3644900" cy="215444"/>
-          </a:xfrm>
-          <a:prstGeom prst="rect">
-            <a:avLst/>
-          </a:prstGeom>
-          <a:noFill/>
-        </p:spPr>
-        <p:txBody>
-          <a:bodyPr wrap="square" rtlCol="0">
-            <a:spAutoFit/>
-          </a:bodyPr>
-          <a:lstStyle/>
-          <a:p>
-            <a:r>
-              <a:rPr lang="de-DE" sz="800" b="0" i="0" dirty="0">
-                <a:effectLst/>
-                <a:latin typeface="-apple-system"/>
-              </a:rPr>
-              <a:t>Foto von </a:t>
-            </a:r>
-            <a:r>
-              <a:rPr lang="de-DE" sz="800" b="1" i="0" u="none" strike="noStrike" dirty="0" err="1">
-                <a:effectLst/>
-                <a:latin typeface="-apple-system"/>
-                <a:hlinkClick r:id="rId3">
-                  <a:extLst>
-                    <a:ext uri="{A12FA001-AC4F-418D-AE19-62706E023703}">
-                      <ahyp:hlinkClr xmlns:ahyp="http://schemas.microsoft.com/office/drawing/2018/hyperlinkcolor" val="tx"/>
-                    </a:ext>
-                  </a:extLst>
-                </a:hlinkClick>
-              </a:rPr>
-              <a:t>AlphaTradeZone</a:t>
-            </a:r>
-            <a:r>
-              <a:rPr lang="de-DE" sz="800" b="0" i="0" dirty="0">
-                <a:effectLst/>
-                <a:latin typeface="-apple-system"/>
-              </a:rPr>
-              <a:t> von </a:t>
-            </a:r>
-            <a:r>
-              <a:rPr lang="de-DE" sz="800" b="1" i="0" u="none" strike="noStrike" dirty="0" err="1">
-                <a:effectLst/>
-                <a:latin typeface="-apple-system"/>
-                <a:hlinkClick r:id="rId4">
-                  <a:extLst>
-                    <a:ext uri="{A12FA001-AC4F-418D-AE19-62706E023703}">
-                      <ahyp:hlinkClr xmlns:ahyp="http://schemas.microsoft.com/office/drawing/2018/hyperlinkcolor" val="tx"/>
-                    </a:ext>
-                  </a:extLst>
-                </a:hlinkClick>
-              </a:rPr>
-              <a:t>Pexels</a:t>
-            </a:r>
-            <a:endParaRPr lang="de-DE" sz="800" dirty="0"/>
-          </a:p>
-        </p:txBody>
-      </p:sp>
-      <p:pic>
-        <p:nvPicPr>
-          <p:cNvPr id="12" name="Grafik 11" descr="Ein Bild, das Text enthält.&#10;&#10;Automatisch generierte Beschreibung">
-            <a:extLst>
-              <a:ext uri="{FF2B5EF4-FFF2-40B4-BE49-F238E27FC236}">
-                <a16:creationId xmlns:a16="http://schemas.microsoft.com/office/drawing/2014/main" id="{651C552B-3F59-4FC8-9236-1A1233A6DF88}"/>
-              </a:ext>
-            </a:extLst>
-          </p:cNvPr>
-          <p:cNvPicPr>
-            <a:picLocks noChangeAspect="1"/>
-          </p:cNvPicPr>
-          <p:nvPr/>
-        </p:nvPicPr>
-        <p:blipFill rotWithShape="1">
-          <a:blip r:embed="rId5">
-            <a:extLst>
-              <a:ext uri="{28A0092B-C50C-407E-A947-70E740481C1C}">
-                <a14:useLocalDpi xmlns:a14="http://schemas.microsoft.com/office/drawing/2010/main" val="0"/>
-              </a:ext>
-            </a:extLst>
-          </a:blip>
-          <a:srcRect b="20618"/>
-          <a:stretch/>
-        </p:blipFill>
-        <p:spPr>
-          <a:xfrm>
-            <a:off x="0" y="0"/>
-            <a:ext cx="12192000" cy="4627406"/>
-          </a:xfrm>
-          <a:prstGeom prst="rect">
-            <a:avLst/>
-          </a:prstGeom>
-        </p:spPr>
-      </p:pic>
-    </p:spTree>
-    <p:extLst>
-      <p:ext uri="{BB962C8B-B14F-4D97-AF65-F5344CB8AC3E}">
-        <p14:creationId xmlns:p14="http://schemas.microsoft.com/office/powerpoint/2010/main" val="1538874787"/>
-      </p:ext>
-    </p:extLst>
-  </p:cSld>
-  <p:clrMapOvr>
-    <a:masterClrMapping/>
-  </p:clrMapOvr>
-</p:sld>
-</file>
-
-<file path=ppt/slides/slide2.xml><?xml version="1.0" encoding="utf-8"?>
-<p:sld xmlns:a="http://schemas.openxmlformats.org/drawingml/2006/main" xmlns:r="http://schemas.openxmlformats.org/officeDocument/2006/relationships" xmlns:p="http://schemas.openxmlformats.org/presentationml/2006/main">
-  <p:cSld>
-    <p:bg>
-      <p:bgPr>
-        <a:solidFill>
-          <a:schemeClr val="bg1"/>
-        </a:solidFill>
-        <a:effectLst/>
-      </p:bgPr>
-    </p:bg>
-    <p:spTree>
-      <p:nvGrpSpPr>
-        <p:cNvPr id="1" name=""/>
-        <p:cNvGrpSpPr/>
-        <p:nvPr/>
-      </p:nvGrpSpPr>
-      <p:grpSpPr>
-        <a:xfrm>
-          <a:off x="0" y="0"/>
-          <a:ext cx="0" cy="0"/>
-          <a:chOff x="0" y="0"/>
-          <a:chExt cx="0" cy="0"/>
-        </a:xfrm>
-      </p:grpSpPr>
-      <p:sp>
-        <p:nvSpPr>
-          <p:cNvPr id="47" name="Rechteck 46">
-            <a:extLst>
-              <a:ext uri="{FF2B5EF4-FFF2-40B4-BE49-F238E27FC236}">
-                <a16:creationId xmlns:a16="http://schemas.microsoft.com/office/drawing/2014/main" id="{FBDCECDC-EEE3-4128-AA5E-82A8C08796E8}"/>
-              </a:ext>
-              <a:ext uri="{C183D7F6-B498-43B3-948B-1728B52AA6E4}">
-                <adec:decorative xmlns:adec="http://schemas.microsoft.com/office/drawing/2017/decorative" val="1"/>
-              </a:ext>
-            </a:extLst>
-          </p:cNvPr>
-          <p:cNvSpPr>
-            <a:spLocks noGrp="1" noRot="1" noChangeAspect="1" noMove="1" noResize="1" noEditPoints="1" noAdjustHandles="1" noChangeArrowheads="1" noChangeShapeType="1" noTextEdit="1"/>
-          </p:cNvSpPr>
-          <p:nvPr>
-            <p:extLst>
-              <p:ext uri="{386F3935-93C4-4BCD-93E2-E3B085C9AB24}">
-                <p16:designElem xmlns:p16="http://schemas.microsoft.com/office/powerpoint/2015/main" val="1"/>
-              </p:ext>
-            </p:extLst>
-          </p:nvPr>
-        </p:nvSpPr>
-        <p:spPr>
-          <a:xfrm>
-            <a:off x="1507" y="0"/>
-            <a:ext cx="12192000" cy="6858000"/>
-          </a:xfrm>
-          <a:prstGeom prst="rect">
-            <a:avLst/>
-          </a:prstGeom>
-          <a:solidFill>
-            <a:schemeClr val="accent1"/>
-          </a:solidFill>
-          <a:ln>
-            <a:noFill/>
-          </a:ln>
-        </p:spPr>
-        <p:style>
-          <a:lnRef idx="2">
-            <a:schemeClr val="accent1">
-              <a:shade val="50000"/>
-            </a:schemeClr>
-          </a:lnRef>
-          <a:fillRef idx="1">
-            <a:schemeClr val="accent1"/>
-          </a:fillRef>
-          <a:effectRef idx="0">
-            <a:schemeClr val="accent1"/>
-          </a:effectRef>
-          <a:fontRef idx="minor">
-            <a:schemeClr val="lt1"/>
-          </a:fontRef>
-        </p:style>
-        <p:txBody>
-          <a:bodyPr rtlCol="0" anchor="ctr"/>
-          <a:lstStyle/>
-          <a:p>
-            <a:pPr algn="ctr" rtl="0"/>
-            <a:endParaRPr lang="en-US"/>
-          </a:p>
-        </p:txBody>
-      </p:sp>
-      <p:sp>
-        <p:nvSpPr>
-          <p:cNvPr id="2" name="Titel 1">
-            <a:extLst>
-              <a:ext uri="{FF2B5EF4-FFF2-40B4-BE49-F238E27FC236}">
-                <a16:creationId xmlns:a16="http://schemas.microsoft.com/office/drawing/2014/main" id="{9AB2EA78-AEB3-469B-9025-3B17201A457B}"/>
-              </a:ext>
-            </a:extLst>
-          </p:cNvPr>
-          <p:cNvSpPr>
-            <a:spLocks noGrp="1"/>
-          </p:cNvSpPr>
-          <p:nvPr>
-            <p:ph type="ctrTitle"/>
-          </p:nvPr>
-        </p:nvSpPr>
-        <p:spPr>
-          <a:xfrm>
-            <a:off x="1097280" y="758952"/>
-            <a:ext cx="10058400" cy="3892168"/>
-          </a:xfrm>
-        </p:spPr>
-        <p:txBody>
-          <a:bodyPr rtlCol="0" anchor="ctr">
-            <a:normAutofit/>
-          </a:bodyPr>
-          <a:lstStyle/>
-          <a:p>
-            <a:pPr lvl="0" rtl="0"/>
-            <a:r>
-              <a:rPr lang="de-DE" sz="3200" dirty="0">
-                <a:solidFill>
-                  <a:schemeClr val="bg1"/>
-                </a:solidFill>
-                <a:latin typeface="-apple-system"/>
-              </a:rPr>
-              <a:t>,,</a:t>
-            </a:r>
-            <a:r>
-              <a:rPr lang="de-DE" sz="3200" b="0" i="0" dirty="0">
-                <a:solidFill>
-                  <a:schemeClr val="bg1"/>
-                </a:solidFill>
-                <a:effectLst/>
-                <a:latin typeface="-apple-system"/>
-              </a:rPr>
-              <a:t>Beim </a:t>
-            </a:r>
-            <a:r>
-              <a:rPr lang="de-DE" sz="3200" b="1" i="0" dirty="0" err="1">
-                <a:solidFill>
-                  <a:schemeClr val="bg1"/>
-                </a:solidFill>
-                <a:effectLst/>
-                <a:latin typeface="-apple-system"/>
-              </a:rPr>
-              <a:t>Prototyping</a:t>
-            </a:r>
-            <a:r>
-              <a:rPr lang="de-DE" sz="3200" b="0" i="0" dirty="0">
-                <a:solidFill>
-                  <a:schemeClr val="bg1"/>
-                </a:solidFill>
-                <a:effectLst/>
-                <a:latin typeface="-apple-system"/>
-              </a:rPr>
-              <a:t> wird ein Entwurf als erste Version eines Produktes durch eine agile Vorgehensweise erzeugt. Dieser Entwurf dient der frühen Visualisierung und iterativen Optimierung einer Benutzeroberfläche und deren Interaktionsmöglichkeiten.“</a:t>
-            </a:r>
-            <a:endParaRPr lang="de" sz="3200" i="1" dirty="0">
-              <a:solidFill>
-                <a:schemeClr val="bg1"/>
-              </a:solidFill>
-              <a:latin typeface="-apple-system"/>
-            </a:endParaRPr>
-          </a:p>
-        </p:txBody>
-      </p:sp>
-      <p:sp>
-        <p:nvSpPr>
-          <p:cNvPr id="49" name="Rechteck 48">
-            <a:extLst>
-              <a:ext uri="{FF2B5EF4-FFF2-40B4-BE49-F238E27FC236}">
-                <a16:creationId xmlns:a16="http://schemas.microsoft.com/office/drawing/2014/main" id="{4260EDE0-989C-4E16-AF94-F652294D828E}"/>
-              </a:ext>
-              <a:ext uri="{C183D7F6-B498-43B3-948B-1728B52AA6E4}">
-                <adec:decorative xmlns:adec="http://schemas.microsoft.com/office/drawing/2017/decorative" val="1"/>
-              </a:ext>
-            </a:extLst>
-          </p:cNvPr>
-          <p:cNvSpPr>
-            <a:spLocks noGrp="1" noRot="1" noChangeAspect="1" noMove="1" noResize="1" noEditPoints="1" noAdjustHandles="1" noChangeArrowheads="1" noChangeShapeType="1" noTextEdit="1"/>
-          </p:cNvSpPr>
-          <p:nvPr>
-            <p:extLst>
-              <p:ext uri="{386F3935-93C4-4BCD-93E2-E3B085C9AB24}">
-                <p16:designElem xmlns:p16="http://schemas.microsoft.com/office/powerpoint/2015/main" val="1"/>
-              </p:ext>
-            </p:extLst>
-          </p:nvPr>
-        </p:nvSpPr>
-        <p:spPr bwMode="white">
-          <a:xfrm>
-            <a:off x="1507" y="4953000"/>
-            <a:ext cx="12188952" cy="1905000"/>
-          </a:xfrm>
-          <a:prstGeom prst="rect">
-            <a:avLst/>
-          </a:prstGeom>
-          <a:solidFill>
-            <a:srgbClr val="262626"/>
-          </a:solidFill>
-          <a:ln>
-            <a:noFill/>
-          </a:ln>
-        </p:spPr>
-        <p:style>
-          <a:lnRef idx="2">
-            <a:schemeClr val="accent1">
-              <a:shade val="50000"/>
-            </a:schemeClr>
-          </a:lnRef>
-          <a:fillRef idx="1">
-            <a:schemeClr val="accent1"/>
-          </a:fillRef>
-          <a:effectRef idx="0">
-            <a:schemeClr val="accent1"/>
-          </a:effectRef>
-          <a:fontRef idx="minor">
-            <a:schemeClr val="lt1"/>
-          </a:fontRef>
-        </p:style>
-      </p:sp>
-      <p:sp>
-        <p:nvSpPr>
-          <p:cNvPr id="3" name="Untertitel 2">
-            <a:extLst>
-              <a:ext uri="{FF2B5EF4-FFF2-40B4-BE49-F238E27FC236}">
-                <a16:creationId xmlns:a16="http://schemas.microsoft.com/office/drawing/2014/main" id="{255E1F2F-E259-4EA8-9FFD-3A10AF541859}"/>
-              </a:ext>
-            </a:extLst>
-          </p:cNvPr>
-          <p:cNvSpPr>
-            <a:spLocks noGrp="1"/>
-          </p:cNvSpPr>
-          <p:nvPr>
-            <p:ph type="subTitle" idx="1"/>
-          </p:nvPr>
-        </p:nvSpPr>
-        <p:spPr>
-          <a:xfrm>
-            <a:off x="1100051" y="5225240"/>
-            <a:ext cx="10058400" cy="1143000"/>
-          </a:xfrm>
-        </p:spPr>
-        <p:txBody>
-          <a:bodyPr rtlCol="0">
-            <a:normAutofit/>
-          </a:bodyPr>
-          <a:lstStyle/>
-          <a:p>
-            <a:r>
-              <a:rPr lang="de" sz="1500" dirty="0">
-                <a:solidFill>
-                  <a:srgbClr val="FFFFFF"/>
-                </a:solidFill>
-              </a:rPr>
-              <a:t>Quelle: </a:t>
-            </a:r>
-            <a:br>
-              <a:rPr lang="de-DE" sz="1100" u="sng" dirty="0">
-                <a:solidFill>
-                  <a:srgbClr val="24292E"/>
-                </a:solidFill>
-                <a:latin typeface="-apple-system"/>
-              </a:rPr>
-            </a:br>
-            <a:r>
-              <a:rPr lang="de-DE" sz="1100" dirty="0">
-                <a:hlinkClick r:id="rId2"/>
-              </a:rPr>
-              <a:t>Warum </a:t>
-            </a:r>
-            <a:r>
-              <a:rPr lang="de-DE" sz="1100" dirty="0" err="1">
-                <a:hlinkClick r:id="rId2"/>
-              </a:rPr>
-              <a:t>Prototyping</a:t>
-            </a:r>
-            <a:r>
-              <a:rPr lang="de-DE" sz="1100" dirty="0">
-                <a:hlinkClick r:id="rId2"/>
-              </a:rPr>
-              <a:t> heutzutage unverzichtbar ist - </a:t>
-            </a:r>
-            <a:r>
-              <a:rPr lang="de-DE" sz="1100" dirty="0" err="1">
-                <a:hlinkClick r:id="rId2"/>
-              </a:rPr>
-              <a:t>basecom</a:t>
-            </a:r>
-            <a:endParaRPr lang="de-DE" sz="1400" dirty="0"/>
-          </a:p>
-          <a:p>
-            <a:pPr rtl="0"/>
-            <a:endParaRPr lang="de" sz="2000" dirty="0">
-              <a:solidFill>
-                <a:srgbClr val="FFFFFF"/>
-              </a:solidFill>
-            </a:endParaRPr>
-          </a:p>
-        </p:txBody>
-      </p:sp>
-      <p:sp>
-        <p:nvSpPr>
-          <p:cNvPr id="4" name="Foliennummernplatzhalter 3">
-            <a:extLst>
-              <a:ext uri="{FF2B5EF4-FFF2-40B4-BE49-F238E27FC236}">
-                <a16:creationId xmlns:a16="http://schemas.microsoft.com/office/drawing/2014/main" id="{34E22E51-4478-4FA7-BA99-61E4A491B8A6}"/>
-              </a:ext>
-            </a:extLst>
-          </p:cNvPr>
-          <p:cNvSpPr>
-            <a:spLocks noGrp="1"/>
-          </p:cNvSpPr>
-          <p:nvPr>
-            <p:ph type="sldNum" sz="quarter" idx="12"/>
-          </p:nvPr>
-        </p:nvSpPr>
-        <p:spPr/>
-        <p:txBody>
-          <a:bodyPr/>
-          <a:lstStyle/>
-          <a:p>
-            <a:pPr rtl="0"/>
-            <a:fld id="{3A98EE3D-8CD1-4C3F-BD1C-C98C9596463C}" type="slidenum">
-              <a:rPr lang="en-US" smtClean="0"/>
-              <a:t>2</a:t>
-            </a:fld>
-            <a:endParaRPr lang="en-US" dirty="0"/>
-          </a:p>
-        </p:txBody>
-      </p:sp>
-    </p:spTree>
-    <p:extLst>
-      <p:ext uri="{BB962C8B-B14F-4D97-AF65-F5344CB8AC3E}">
-        <p14:creationId xmlns:p14="http://schemas.microsoft.com/office/powerpoint/2010/main" val="191714609"/>
-      </p:ext>
-    </p:extLst>
-  </p:cSld>
-  <p:clrMapOvr>
-    <a:masterClrMapping/>
-  </p:clrMapOvr>
-</p:sld>
-</file>
-
-<file path=ppt/slides/slide3.xml><?xml version="1.0" encoding="utf-8"?>
-<p:sld xmlns:a="http://schemas.openxmlformats.org/drawingml/2006/main" xmlns:r="http://schemas.openxmlformats.org/officeDocument/2006/relationships" xmlns:p="http://schemas.openxmlformats.org/presentationml/2006/main">
-  <p:cSld>
-    <p:spTree>
-      <p:nvGrpSpPr>
-        <p:cNvPr id="1" name=""/>
-        <p:cNvGrpSpPr/>
-        <p:nvPr/>
-      </p:nvGrpSpPr>
-      <p:grpSpPr>
-        <a:xfrm>
-          <a:off x="0" y="0"/>
-          <a:ext cx="0" cy="0"/>
-          <a:chOff x="0" y="0"/>
-          <a:chExt cx="0" cy="0"/>
-        </a:xfrm>
-      </p:grpSpPr>
-      <p:sp>
-        <p:nvSpPr>
-          <p:cNvPr id="2" name="Titel 1">
-            <a:extLst>
-              <a:ext uri="{FF2B5EF4-FFF2-40B4-BE49-F238E27FC236}">
-                <a16:creationId xmlns:a16="http://schemas.microsoft.com/office/drawing/2014/main" id="{492E36D4-F4B4-468C-A22F-C0B64D0DC470}"/>
-              </a:ext>
-            </a:extLst>
-          </p:cNvPr>
-          <p:cNvSpPr>
-            <a:spLocks noGrp="1"/>
-          </p:cNvSpPr>
-          <p:nvPr>
-            <p:ph type="title"/>
-          </p:nvPr>
-        </p:nvSpPr>
-        <p:spPr/>
-        <p:txBody>
-          <a:bodyPr/>
-          <a:lstStyle/>
-          <a:p>
-            <a:r>
-              <a:rPr lang="de-DE" dirty="0"/>
-              <a:t>Vermerk:</a:t>
-            </a:r>
-          </a:p>
-        </p:txBody>
-      </p:sp>
-      <p:sp>
-        <p:nvSpPr>
-          <p:cNvPr id="3" name="Foliennummernplatzhalter 2">
-            <a:extLst>
-              <a:ext uri="{FF2B5EF4-FFF2-40B4-BE49-F238E27FC236}">
-                <a16:creationId xmlns:a16="http://schemas.microsoft.com/office/drawing/2014/main" id="{A4034147-4E4F-45E6-AEBD-DC5BBF65CC82}"/>
-              </a:ext>
-            </a:extLst>
-          </p:cNvPr>
-          <p:cNvSpPr>
-            <a:spLocks noGrp="1"/>
-          </p:cNvSpPr>
-          <p:nvPr>
-            <p:ph type="sldNum" sz="quarter" idx="12"/>
-          </p:nvPr>
-        </p:nvSpPr>
-        <p:spPr/>
-        <p:txBody>
-          <a:bodyPr/>
-          <a:lstStyle/>
-          <a:p>
-            <a:pPr rtl="0"/>
-            <a:fld id="{3A98EE3D-8CD1-4C3F-BD1C-C98C9596463C}" type="slidenum">
-              <a:rPr lang="en-US" smtClean="0"/>
-              <a:t>3</a:t>
-            </a:fld>
-            <a:endParaRPr lang="en-US" dirty="0"/>
-          </a:p>
-        </p:txBody>
-      </p:sp>
-      <p:sp>
-        <p:nvSpPr>
-          <p:cNvPr id="5" name="Textfeld 4">
-            <a:extLst>
-              <a:ext uri="{FF2B5EF4-FFF2-40B4-BE49-F238E27FC236}">
-                <a16:creationId xmlns:a16="http://schemas.microsoft.com/office/drawing/2014/main" id="{DB63D29E-4337-4C4F-B124-969A5AA18458}"/>
-              </a:ext>
-            </a:extLst>
-          </p:cNvPr>
-          <p:cNvSpPr txBox="1"/>
-          <p:nvPr/>
-        </p:nvSpPr>
-        <p:spPr>
-          <a:xfrm>
-            <a:off x="1097280" y="3076435"/>
-            <a:ext cx="10058400" cy="1369606"/>
-          </a:xfrm>
-          <a:prstGeom prst="rect">
-            <a:avLst/>
-          </a:prstGeom>
-          <a:noFill/>
-        </p:spPr>
-        <p:txBody>
-          <a:bodyPr wrap="square" rtlCol="0">
-            <a:spAutoFit/>
-          </a:bodyPr>
-          <a:lstStyle/>
-          <a:p>
-            <a:pPr algn="ctr"/>
-            <a:r>
-              <a:rPr lang="de-DE" sz="2700" dirty="0"/>
-              <a:t>Alle Artefakte mit Begründungen befinden sich auch noch einmal auf unserem GitHub </a:t>
-            </a:r>
-            <a:r>
-              <a:rPr lang="de-DE" sz="2800" dirty="0">
-                <a:hlinkClick r:id="rId2"/>
-              </a:rPr>
-              <a:t>Kplacken/EPWS2020SerttasPlackenhohn</a:t>
-            </a:r>
-            <a:r>
-              <a:rPr lang="de-DE" sz="2800" dirty="0"/>
-              <a:t> unter Wiki. </a:t>
-            </a:r>
-            <a:endParaRPr lang="de-DE" sz="2700" dirty="0"/>
-          </a:p>
-        </p:txBody>
-      </p:sp>
-    </p:spTree>
-    <p:extLst>
-      <p:ext uri="{BB962C8B-B14F-4D97-AF65-F5344CB8AC3E}">
-        <p14:creationId xmlns:p14="http://schemas.microsoft.com/office/powerpoint/2010/main" val="45970498"/>
-      </p:ext>
-    </p:extLst>
-  </p:cSld>
-  <p:clrMapOvr>
-    <a:masterClrMapping/>
-  </p:clrMapOvr>
-</p:sld>
-</file>
-
-<file path=ppt/slides/slide4.xml><?xml version="1.0" encoding="utf-8"?>
-<p:sld xmlns:a="http://schemas.openxmlformats.org/drawingml/2006/main" xmlns:r="http://schemas.openxmlformats.org/officeDocument/2006/relationships" xmlns:p="http://schemas.openxmlformats.org/presentationml/2006/main">
-  <p:cSld>
-    <p:spTree>
-      <p:nvGrpSpPr>
-        <p:cNvPr id="1" name=""/>
-        <p:cNvGrpSpPr/>
-        <p:nvPr/>
-      </p:nvGrpSpPr>
-      <p:grpSpPr>
-        <a:xfrm>
-          <a:off x="0" y="0"/>
-          <a:ext cx="0" cy="0"/>
-          <a:chOff x="0" y="0"/>
-          <a:chExt cx="0" cy="0"/>
-        </a:xfrm>
-      </p:grpSpPr>
-      <p:sp>
-        <p:nvSpPr>
-          <p:cNvPr id="2" name="Titel 1">
-            <a:extLst>
-              <a:ext uri="{FF2B5EF4-FFF2-40B4-BE49-F238E27FC236}">
                 <a16:creationId xmlns:a16="http://schemas.microsoft.com/office/drawing/2014/main" id="{8E6F87C2-E244-41E0-AFF6-CCBE3E7A9F0F}"/>
               </a:ext>
             </a:extLst>
@@ -7163,7 +6262,7 @@
           <a:p>
             <a:r>
               <a:rPr lang="de-DE" dirty="0"/>
-              <a:t>Inhalt</a:t>
+              <a:t>Fazit </a:t>
             </a:r>
           </a:p>
         </p:txBody>
@@ -7186,74 +6285,145 @@
         </p:nvSpPr>
         <p:spPr>
           <a:xfrm>
-            <a:off x="1097280" y="2286586"/>
-            <a:ext cx="10058400" cy="4160252"/>
+            <a:off x="1097280" y="2134186"/>
+            <a:ext cx="3925982" cy="4160252"/>
           </a:xfrm>
         </p:spPr>
         <p:txBody>
           <a:bodyPr>
-            <a:normAutofit/>
+            <a:normAutofit fontScale="92500"/>
           </a:bodyPr>
           <a:lstStyle/>
           <a:p>
-            <a:pPr marL="457200" indent="-457200">
-              <a:buFont typeface="+mj-lt"/>
-              <a:buAutoNum type="arabicPeriod"/>
+            <a:pPr marL="0" indent="0">
+              <a:buNone/>
             </a:pPr>
             <a:r>
-              <a:rPr lang="de-DE" dirty="0">
+              <a:rPr lang="de-DE" sz="2200" i="1" dirty="0">
                 <a:latin typeface="-apple-system"/>
               </a:rPr>
-              <a:t>Iterierte Modellierung</a:t>
-            </a:r>
-          </a:p>
-          <a:p>
-            <a:pPr marL="749808" lvl="1" indent="-457200">
-              <a:buFont typeface="+mj-lt"/>
-              <a:buAutoNum type="arabicPeriod"/>
-            </a:pPr>
-            <a:r>
-              <a:rPr lang="de-DE" dirty="0">
+              <a:t>Umgesetzt</a:t>
+            </a:r>
+            <a:r>
+              <a:rPr lang="de-DE" sz="2400" i="1" dirty="0">
                 <a:latin typeface="-apple-system"/>
               </a:rPr>
-              <a:t>Domänenmodell</a:t>
-            </a:r>
-          </a:p>
-          <a:p>
-            <a:pPr marL="457200" indent="-457200">
-              <a:buFont typeface="+mj-lt"/>
-              <a:buAutoNum type="arabicPeriod"/>
+              <a:t>:</a:t>
+            </a:r>
+          </a:p>
+          <a:p>
+            <a:pPr>
+              <a:buFont typeface="Arial" panose="020B0604020202020204" pitchFamily="34" charset="0"/>
+              <a:buChar char="•"/>
             </a:pPr>
             <a:r>
-              <a:rPr lang="de-DE" dirty="0">
-                <a:latin typeface="-apple-system"/>
+              <a:rPr lang="de-DE" sz="1700" dirty="0">
+                <a:solidFill>
+                  <a:schemeClr val="tx1"/>
+                </a:solidFill>
+                <a:latin typeface="Open Sans"/>
               </a:rPr>
-              <a:t>Coding</a:t>
-            </a:r>
-          </a:p>
-          <a:p>
-            <a:pPr marL="457200" indent="-457200">
-              <a:buFont typeface="+mj-lt"/>
-              <a:buAutoNum type="arabicPeriod"/>
+              <a:t> Erinnerungen ans trinken und an Pausen</a:t>
+            </a:r>
+          </a:p>
+          <a:p>
+            <a:pPr>
+              <a:buFont typeface="Arial" panose="020B0604020202020204" pitchFamily="34" charset="0"/>
+              <a:buChar char="•"/>
             </a:pPr>
             <a:r>
-              <a:rPr lang="de-DE" dirty="0">
-                <a:latin typeface="-apple-system"/>
+              <a:rPr lang="de-DE" sz="1700" dirty="0">
+                <a:solidFill>
+                  <a:schemeClr val="tx1"/>
+                </a:solidFill>
+                <a:latin typeface="Open Sans"/>
               </a:rPr>
-              <a:t>Fazit</a:t>
-            </a:r>
-          </a:p>
-          <a:p>
-            <a:pPr marL="457200" indent="-457200">
-              <a:buFont typeface="+mj-lt"/>
-              <a:buAutoNum type="arabicPeriod"/>
+              <a:t> Literangabe</a:t>
+            </a:r>
+          </a:p>
+          <a:p>
+            <a:pPr>
+              <a:buFont typeface="Arial" panose="020B0604020202020204" pitchFamily="34" charset="0"/>
+              <a:buChar char="•"/>
             </a:pPr>
             <a:r>
-              <a:rPr lang="de-DE" dirty="0">
-                <a:latin typeface="-apple-system"/>
+              <a:rPr lang="de-DE" sz="1700" dirty="0">
+                <a:solidFill>
+                  <a:schemeClr val="tx1"/>
+                </a:solidFill>
+                <a:latin typeface="Open Sans"/>
               </a:rPr>
-              <a:t>Quellen</a:t>
-            </a:r>
+              <a:t> Tägliche Umfrage (Morgens und Abends)</a:t>
+            </a:r>
+          </a:p>
+          <a:p>
+            <a:pPr>
+              <a:buFont typeface="Arial" panose="020B0604020202020204" pitchFamily="34" charset="0"/>
+              <a:buChar char="•"/>
+            </a:pPr>
+            <a:r>
+              <a:rPr lang="de-DE" sz="1700" dirty="0">
+                <a:solidFill>
+                  <a:schemeClr val="tx1"/>
+                </a:solidFill>
+                <a:latin typeface="Open Sans"/>
+              </a:rPr>
+              <a:t> Monatliche Umfrage</a:t>
+            </a:r>
+          </a:p>
+          <a:p>
+            <a:pPr>
+              <a:buFont typeface="Arial" panose="020B0604020202020204" pitchFamily="34" charset="0"/>
+              <a:buChar char="•"/>
+            </a:pPr>
+            <a:r>
+              <a:rPr lang="de-DE" sz="1700" dirty="0">
+                <a:solidFill>
+                  <a:schemeClr val="tx1"/>
+                </a:solidFill>
+                <a:latin typeface="Open Sans"/>
+              </a:rPr>
+              <a:t> Auswertungen</a:t>
+            </a:r>
+          </a:p>
+          <a:p>
+            <a:pPr>
+              <a:buFont typeface="Arial" panose="020B0604020202020204" pitchFamily="34" charset="0"/>
+              <a:buChar char="•"/>
+            </a:pPr>
+            <a:r>
+              <a:rPr lang="de-DE" sz="1700" dirty="0">
+                <a:solidFill>
+                  <a:schemeClr val="tx1"/>
+                </a:solidFill>
+                <a:latin typeface="Open Sans"/>
+              </a:rPr>
+              <a:t> Verschiedene Übungen</a:t>
+            </a:r>
+          </a:p>
+          <a:p>
+            <a:pPr>
+              <a:buFont typeface="Arial" panose="020B0604020202020204" pitchFamily="34" charset="0"/>
+              <a:buChar char="•"/>
+            </a:pPr>
+            <a:r>
+              <a:rPr lang="de-DE" sz="1700" dirty="0">
+                <a:solidFill>
+                  <a:schemeClr val="tx1"/>
+                </a:solidFill>
+                <a:latin typeface="Open Sans"/>
+              </a:rPr>
+              <a:t> Musik, Hörbücher, ASMR (App Verlinkung)</a:t>
+            </a:r>
+          </a:p>
+          <a:p>
+            <a:pPr>
+              <a:buFont typeface="Arial" panose="020B0604020202020204" pitchFamily="34" charset="0"/>
+              <a:buChar char="•"/>
+            </a:pPr>
+            <a:endParaRPr lang="de-DE" dirty="0">
+              <a:latin typeface="-apple-system"/>
+            </a:endParaRPr>
           </a:p>
         </p:txBody>
       </p:sp>
@@ -7281,881 +6451,7 @@
             <a:pPr rtl="0"/>
             <a:fld id="{3A98EE3D-8CD1-4C3F-BD1C-C98C9596463C}" type="slidenum">
               <a:rPr lang="en-US" smtClean="0"/>
-              <a:t>4</a:t>
-            </a:fld>
-            <a:endParaRPr lang="en-US" dirty="0"/>
-          </a:p>
-        </p:txBody>
-      </p:sp>
-    </p:spTree>
-    <p:extLst>
-      <p:ext uri="{BB962C8B-B14F-4D97-AF65-F5344CB8AC3E}">
-        <p14:creationId xmlns:p14="http://schemas.microsoft.com/office/powerpoint/2010/main" val="69688017"/>
-      </p:ext>
-    </p:extLst>
-  </p:cSld>
-  <p:clrMapOvr>
-    <a:masterClrMapping/>
-  </p:clrMapOvr>
-</p:sld>
-</file>
-
-<file path=ppt/slides/slide5.xml><?xml version="1.0" encoding="utf-8"?>
-<p:sld xmlns:a="http://schemas.openxmlformats.org/drawingml/2006/main" xmlns:r="http://schemas.openxmlformats.org/officeDocument/2006/relationships" xmlns:p="http://schemas.openxmlformats.org/presentationml/2006/main">
-  <p:cSld>
-    <p:spTree>
-      <p:nvGrpSpPr>
-        <p:cNvPr id="1" name=""/>
-        <p:cNvGrpSpPr/>
-        <p:nvPr/>
-      </p:nvGrpSpPr>
-      <p:grpSpPr>
-        <a:xfrm>
-          <a:off x="0" y="0"/>
-          <a:ext cx="0" cy="0"/>
-          <a:chOff x="0" y="0"/>
-          <a:chExt cx="0" cy="0"/>
-        </a:xfrm>
-      </p:grpSpPr>
-      <p:sp>
-        <p:nvSpPr>
-          <p:cNvPr id="2" name="Titel 1">
-            <a:extLst>
-              <a:ext uri="{FF2B5EF4-FFF2-40B4-BE49-F238E27FC236}">
-                <a16:creationId xmlns:a16="http://schemas.microsoft.com/office/drawing/2014/main" id="{4DC4D8DE-1034-4059-B907-B2FCA56F6799}"/>
-              </a:ext>
-            </a:extLst>
-          </p:cNvPr>
-          <p:cNvSpPr>
-            <a:spLocks noGrp="1"/>
-          </p:cNvSpPr>
-          <p:nvPr>
-            <p:ph type="title"/>
-          </p:nvPr>
-        </p:nvSpPr>
-        <p:spPr>
-          <a:xfrm>
-            <a:off x="1097280" y="758952"/>
-            <a:ext cx="10058400" cy="3566160"/>
-          </a:xfrm>
-        </p:spPr>
-        <p:txBody>
-          <a:bodyPr anchor="b">
-            <a:normAutofit/>
-          </a:bodyPr>
-          <a:lstStyle/>
-          <a:p>
-            <a:r>
-              <a:rPr lang="de-DE" sz="7400" dirty="0"/>
-              <a:t>Iterierte Modellierung</a:t>
-            </a:r>
-          </a:p>
-        </p:txBody>
-      </p:sp>
-      <p:sp>
-        <p:nvSpPr>
-          <p:cNvPr id="3" name="Foliennummernplatzhalter 2">
-            <a:extLst>
-              <a:ext uri="{FF2B5EF4-FFF2-40B4-BE49-F238E27FC236}">
-                <a16:creationId xmlns:a16="http://schemas.microsoft.com/office/drawing/2014/main" id="{585CF4AE-527C-4AA2-906C-B9F7B3281748}"/>
-              </a:ext>
-            </a:extLst>
-          </p:cNvPr>
-          <p:cNvSpPr>
-            <a:spLocks noGrp="1"/>
-          </p:cNvSpPr>
-          <p:nvPr>
-            <p:ph type="sldNum" sz="quarter" idx="12"/>
-          </p:nvPr>
-        </p:nvSpPr>
-        <p:spPr>
-          <a:xfrm>
-            <a:off x="10993582" y="6446838"/>
-            <a:ext cx="780010" cy="365125"/>
-          </a:xfrm>
-        </p:spPr>
-        <p:txBody>
-          <a:bodyPr anchor="ctr">
-            <a:normAutofit/>
-          </a:bodyPr>
-          <a:lstStyle/>
-          <a:p>
-            <a:pPr rtl="0">
-              <a:spcAft>
-                <a:spcPts val="600"/>
-              </a:spcAft>
-            </a:pPr>
-            <a:fld id="{3A98EE3D-8CD1-4C3F-BD1C-C98C9596463C}" type="slidenum">
-              <a:rPr lang="en-US" smtClean="0"/>
-              <a:pPr rtl="0">
-                <a:spcAft>
-                  <a:spcPts val="600"/>
-                </a:spcAft>
-              </a:pPr>
-              <a:t>5</a:t>
-            </a:fld>
-            <a:endParaRPr lang="en-US"/>
-          </a:p>
-        </p:txBody>
-      </p:sp>
-      <p:sp>
-        <p:nvSpPr>
-          <p:cNvPr id="4" name="Titel 1">
-            <a:extLst>
-              <a:ext uri="{FF2B5EF4-FFF2-40B4-BE49-F238E27FC236}">
-                <a16:creationId xmlns:a16="http://schemas.microsoft.com/office/drawing/2014/main" id="{14040106-2C9B-47A0-AA16-571538A46A0C}"/>
-              </a:ext>
-            </a:extLst>
-          </p:cNvPr>
-          <p:cNvSpPr txBox="1">
-            <a:spLocks/>
-          </p:cNvSpPr>
-          <p:nvPr/>
-        </p:nvSpPr>
-        <p:spPr>
-          <a:xfrm>
-            <a:off x="1097280" y="4744569"/>
-            <a:ext cx="10058400" cy="641405"/>
-          </a:xfrm>
-          <a:prstGeom prst="rect">
-            <a:avLst/>
-          </a:prstGeom>
-        </p:spPr>
-        <p:txBody>
-          <a:bodyPr vert="horz" lIns="91440" tIns="45720" rIns="91440" bIns="45720" rtlCol="0" anchor="b" anchorCtr="0">
-            <a:normAutofit fontScale="62500" lnSpcReduction="20000"/>
-          </a:bodyPr>
-          <a:lstStyle>
-            <a:lvl1pPr algn="l" defTabSz="914400" rtl="0" eaLnBrk="1" latinLnBrk="0" hangingPunct="1">
-              <a:lnSpc>
-                <a:spcPct val="90000"/>
-              </a:lnSpc>
-              <a:spcBef>
-                <a:spcPct val="0"/>
-              </a:spcBef>
-              <a:buNone/>
-              <a:defRPr sz="8000" b="0" i="0" kern="1200" spc="-50" baseline="0">
-                <a:solidFill>
-                  <a:schemeClr val="tx1">
-                    <a:lumMod val="85000"/>
-                    <a:lumOff val="15000"/>
-                  </a:schemeClr>
-                </a:solidFill>
-                <a:latin typeface="+mj-lt"/>
-                <a:ea typeface="+mj-ea"/>
-                <a:cs typeface="+mj-cs"/>
-              </a:defRPr>
-            </a:lvl1pPr>
-          </a:lstStyle>
-          <a:p>
-            <a:endParaRPr lang="de-DE" sz="7900" dirty="0"/>
-          </a:p>
-        </p:txBody>
-      </p:sp>
-    </p:spTree>
-    <p:extLst>
-      <p:ext uri="{BB962C8B-B14F-4D97-AF65-F5344CB8AC3E}">
-        <p14:creationId xmlns:p14="http://schemas.microsoft.com/office/powerpoint/2010/main" val="2273288455"/>
-      </p:ext>
-    </p:extLst>
-  </p:cSld>
-  <p:clrMapOvr>
-    <a:masterClrMapping/>
-  </p:clrMapOvr>
-</p:sld>
-</file>
-
-<file path=ppt/slides/slide6.xml><?xml version="1.0" encoding="utf-8"?>
-<p:sld xmlns:a="http://schemas.openxmlformats.org/drawingml/2006/main" xmlns:r="http://schemas.openxmlformats.org/officeDocument/2006/relationships" xmlns:p="http://schemas.openxmlformats.org/presentationml/2006/main">
-  <p:cSld>
-    <p:spTree>
-      <p:nvGrpSpPr>
-        <p:cNvPr id="1" name=""/>
-        <p:cNvGrpSpPr/>
-        <p:nvPr/>
-      </p:nvGrpSpPr>
-      <p:grpSpPr>
-        <a:xfrm>
-          <a:off x="0" y="0"/>
-          <a:ext cx="0" cy="0"/>
-          <a:chOff x="0" y="0"/>
-          <a:chExt cx="0" cy="0"/>
-        </a:xfrm>
-      </p:grpSpPr>
-      <p:sp>
-        <p:nvSpPr>
-          <p:cNvPr id="2" name="Titel 1">
-            <a:extLst>
-              <a:ext uri="{FF2B5EF4-FFF2-40B4-BE49-F238E27FC236}">
-                <a16:creationId xmlns:a16="http://schemas.microsoft.com/office/drawing/2014/main" id="{80EE4ADB-3912-4818-9107-B9B53667FC56}"/>
-              </a:ext>
-            </a:extLst>
-          </p:cNvPr>
-          <p:cNvSpPr>
-            <a:spLocks noGrp="1"/>
-          </p:cNvSpPr>
-          <p:nvPr>
-            <p:ph type="title"/>
-          </p:nvPr>
-        </p:nvSpPr>
-        <p:spPr>
-          <a:xfrm>
-            <a:off x="1097280" y="286603"/>
-            <a:ext cx="10058400" cy="1450757"/>
-          </a:xfrm>
-        </p:spPr>
-        <p:txBody>
-          <a:bodyPr anchor="b">
-            <a:normAutofit/>
-          </a:bodyPr>
-          <a:lstStyle/>
-          <a:p>
-            <a:r>
-              <a:rPr lang="de-DE"/>
-              <a:t>Domänenmodell</a:t>
-            </a:r>
-          </a:p>
-        </p:txBody>
-      </p:sp>
-      <p:pic>
-        <p:nvPicPr>
-          <p:cNvPr id="5" name="Grafik 4">
-            <a:extLst>
-              <a:ext uri="{FF2B5EF4-FFF2-40B4-BE49-F238E27FC236}">
-                <a16:creationId xmlns:a16="http://schemas.microsoft.com/office/drawing/2014/main" id="{E1BD5BA9-0475-4344-9704-09C5A6417CA2}"/>
-              </a:ext>
-            </a:extLst>
-          </p:cNvPr>
-          <p:cNvPicPr>
-            <a:picLocks noChangeAspect="1"/>
-          </p:cNvPicPr>
-          <p:nvPr/>
-        </p:nvPicPr>
-        <p:blipFill rotWithShape="1">
-          <a:blip r:embed="rId3">
-            <a:extLst>
-              <a:ext uri="{28A0092B-C50C-407E-A947-70E740481C1C}">
-                <a14:useLocalDpi xmlns:a14="http://schemas.microsoft.com/office/drawing/2010/main" val="0"/>
-              </a:ext>
-            </a:extLst>
-          </a:blip>
-          <a:srcRect t="2621" b="3375"/>
-          <a:stretch/>
-        </p:blipFill>
-        <p:spPr>
-          <a:xfrm>
-            <a:off x="1929807" y="1958007"/>
-            <a:ext cx="8393346" cy="4378987"/>
-          </a:xfrm>
-          <a:prstGeom prst="rect">
-            <a:avLst/>
-          </a:prstGeom>
-          <a:noFill/>
-        </p:spPr>
-      </p:pic>
-      <p:sp>
-        <p:nvSpPr>
-          <p:cNvPr id="4" name="Foliennummernplatzhalter 3">
-            <a:extLst>
-              <a:ext uri="{FF2B5EF4-FFF2-40B4-BE49-F238E27FC236}">
-                <a16:creationId xmlns:a16="http://schemas.microsoft.com/office/drawing/2014/main" id="{0A6814A5-E621-4F6A-97F4-4E20661FA280}"/>
-              </a:ext>
-            </a:extLst>
-          </p:cNvPr>
-          <p:cNvSpPr>
-            <a:spLocks noGrp="1"/>
-          </p:cNvSpPr>
-          <p:nvPr>
-            <p:ph type="sldNum" sz="quarter" idx="12"/>
-          </p:nvPr>
-        </p:nvSpPr>
-        <p:spPr>
-          <a:xfrm>
-            <a:off x="10993582" y="6446838"/>
-            <a:ext cx="780010" cy="365125"/>
-          </a:xfrm>
-        </p:spPr>
-        <p:txBody>
-          <a:bodyPr anchor="ctr">
-            <a:normAutofit/>
-          </a:bodyPr>
-          <a:lstStyle/>
-          <a:p>
-            <a:pPr rtl="0">
-              <a:spcAft>
-                <a:spcPts val="600"/>
-              </a:spcAft>
-            </a:pPr>
-            <a:fld id="{3A98EE3D-8CD1-4C3F-BD1C-C98C9596463C}" type="slidenum">
-              <a:rPr lang="en-US" smtClean="0"/>
-              <a:pPr rtl="0">
-                <a:spcAft>
-                  <a:spcPts val="600"/>
-                </a:spcAft>
-              </a:pPr>
-              <a:t>6</a:t>
-            </a:fld>
-            <a:endParaRPr lang="en-US"/>
-          </a:p>
-        </p:txBody>
-      </p:sp>
-    </p:spTree>
-    <p:extLst>
-      <p:ext uri="{BB962C8B-B14F-4D97-AF65-F5344CB8AC3E}">
-        <p14:creationId xmlns:p14="http://schemas.microsoft.com/office/powerpoint/2010/main" val="281341001"/>
-      </p:ext>
-    </p:extLst>
-  </p:cSld>
-  <p:clrMapOvr>
-    <a:masterClrMapping/>
-  </p:clrMapOvr>
-</p:sld>
-</file>
-
-<file path=ppt/slides/slide7.xml><?xml version="1.0" encoding="utf-8"?>
-<p:sld xmlns:a="http://schemas.openxmlformats.org/drawingml/2006/main" xmlns:r="http://schemas.openxmlformats.org/officeDocument/2006/relationships" xmlns:p="http://schemas.openxmlformats.org/presentationml/2006/main">
-  <p:cSld>
-    <p:spTree>
-      <p:nvGrpSpPr>
-        <p:cNvPr id="1" name=""/>
-        <p:cNvGrpSpPr/>
-        <p:nvPr/>
-      </p:nvGrpSpPr>
-      <p:grpSpPr>
-        <a:xfrm>
-          <a:off x="0" y="0"/>
-          <a:ext cx="0" cy="0"/>
-          <a:chOff x="0" y="0"/>
-          <a:chExt cx="0" cy="0"/>
-        </a:xfrm>
-      </p:grpSpPr>
-      <p:sp>
-        <p:nvSpPr>
-          <p:cNvPr id="2" name="Titel 1">
-            <a:extLst>
-              <a:ext uri="{FF2B5EF4-FFF2-40B4-BE49-F238E27FC236}">
-                <a16:creationId xmlns:a16="http://schemas.microsoft.com/office/drawing/2014/main" id="{436359DD-4B52-4F0A-9866-3DCBBE533075}"/>
-              </a:ext>
-            </a:extLst>
-          </p:cNvPr>
-          <p:cNvSpPr>
-            <a:spLocks noGrp="1"/>
-          </p:cNvSpPr>
-          <p:nvPr>
-            <p:ph type="title"/>
-          </p:nvPr>
-        </p:nvSpPr>
-        <p:spPr/>
-        <p:txBody>
-          <a:bodyPr/>
-          <a:lstStyle/>
-          <a:p>
-            <a:r>
-              <a:rPr lang="de-DE" dirty="0"/>
-              <a:t>Coding</a:t>
-            </a:r>
-          </a:p>
-        </p:txBody>
-      </p:sp>
-      <p:sp>
-        <p:nvSpPr>
-          <p:cNvPr id="3" name="Textplatzhalter 2">
-            <a:extLst>
-              <a:ext uri="{FF2B5EF4-FFF2-40B4-BE49-F238E27FC236}">
-                <a16:creationId xmlns:a16="http://schemas.microsoft.com/office/drawing/2014/main" id="{020E7A6C-5273-4AF6-A6C9-99B7EF7074CF}"/>
-              </a:ext>
-            </a:extLst>
-          </p:cNvPr>
-          <p:cNvSpPr>
-            <a:spLocks noGrp="1"/>
-          </p:cNvSpPr>
-          <p:nvPr>
-            <p:ph type="body" idx="1"/>
-          </p:nvPr>
-        </p:nvSpPr>
-        <p:spPr>
-          <a:xfrm>
-            <a:off x="1097280" y="4663440"/>
-            <a:ext cx="10504910" cy="1143000"/>
-          </a:xfrm>
-        </p:spPr>
-        <p:txBody>
-          <a:bodyPr>
-            <a:normAutofit/>
-          </a:bodyPr>
-          <a:lstStyle/>
-          <a:p>
-            <a:r>
-              <a:rPr lang="de-DE" sz="2000" dirty="0"/>
-              <a:t>Den code dazu finden SIE in UNSEREM GitHub: </a:t>
-            </a:r>
-            <a:br>
-              <a:rPr lang="de-DE" sz="2000" dirty="0"/>
-            </a:br>
-            <a:r>
-              <a:rPr lang="de-DE" sz="1400" dirty="0"/>
-              <a:t>* </a:t>
-            </a:r>
-            <a:r>
-              <a:rPr lang="de-DE" sz="1400" dirty="0">
-                <a:hlinkClick r:id="rId3"/>
-              </a:rPr>
-              <a:t>EPWS2020SerttasPlackenhohn/Coding at </a:t>
-            </a:r>
-            <a:r>
-              <a:rPr lang="de-DE" sz="1400" dirty="0" err="1">
-                <a:hlinkClick r:id="rId3"/>
-              </a:rPr>
-              <a:t>main</a:t>
-            </a:r>
-            <a:r>
-              <a:rPr lang="de-DE" sz="1400" dirty="0">
-                <a:hlinkClick r:id="rId3"/>
-              </a:rPr>
-              <a:t> · Kplacken/EPWS2020SerttasPlackenhohn (github.com) </a:t>
-            </a:r>
-            <a:endParaRPr lang="de-DE" sz="1400" dirty="0"/>
-          </a:p>
-        </p:txBody>
-      </p:sp>
-      <p:sp>
-        <p:nvSpPr>
-          <p:cNvPr id="4" name="Foliennummernplatzhalter 3">
-            <a:extLst>
-              <a:ext uri="{FF2B5EF4-FFF2-40B4-BE49-F238E27FC236}">
-                <a16:creationId xmlns:a16="http://schemas.microsoft.com/office/drawing/2014/main" id="{AC9E70D6-4156-47E7-B66D-263C13269DBE}"/>
-              </a:ext>
-            </a:extLst>
-          </p:cNvPr>
-          <p:cNvSpPr>
-            <a:spLocks noGrp="1"/>
-          </p:cNvSpPr>
-          <p:nvPr>
-            <p:ph type="sldNum" sz="quarter" idx="12"/>
-          </p:nvPr>
-        </p:nvSpPr>
-        <p:spPr/>
-        <p:txBody>
-          <a:bodyPr/>
-          <a:lstStyle/>
-          <a:p>
-            <a:pPr rtl="0"/>
-            <a:fld id="{3A98EE3D-8CD1-4C3F-BD1C-C98C9596463C}" type="slidenum">
-              <a:rPr lang="en-US" smtClean="0"/>
-              <a:t>7</a:t>
-            </a:fld>
-            <a:endParaRPr lang="en-US" dirty="0"/>
-          </a:p>
-        </p:txBody>
-      </p:sp>
-    </p:spTree>
-    <p:extLst>
-      <p:ext uri="{BB962C8B-B14F-4D97-AF65-F5344CB8AC3E}">
-        <p14:creationId xmlns:p14="http://schemas.microsoft.com/office/powerpoint/2010/main" val="399139841"/>
-      </p:ext>
-    </p:extLst>
-  </p:cSld>
-  <p:clrMapOvr>
-    <a:masterClrMapping/>
-  </p:clrMapOvr>
-</p:sld>
-</file>
-
-<file path=ppt/slides/slide8.xml><?xml version="1.0" encoding="utf-8"?>
-<p:sld xmlns:a="http://schemas.openxmlformats.org/drawingml/2006/main" xmlns:r="http://schemas.openxmlformats.org/officeDocument/2006/relationships" xmlns:p="http://schemas.openxmlformats.org/presentationml/2006/main">
-  <p:cSld>
-    <p:spTree>
-      <p:nvGrpSpPr>
-        <p:cNvPr id="1" name=""/>
-        <p:cNvGrpSpPr/>
-        <p:nvPr/>
-      </p:nvGrpSpPr>
-      <p:grpSpPr>
-        <a:xfrm>
-          <a:off x="0" y="0"/>
-          <a:ext cx="0" cy="0"/>
-          <a:chOff x="0" y="0"/>
-          <a:chExt cx="0" cy="0"/>
-        </a:xfrm>
-      </p:grpSpPr>
-      <p:sp>
-        <p:nvSpPr>
-          <p:cNvPr id="2" name="Titel 1">
-            <a:extLst>
-              <a:ext uri="{FF2B5EF4-FFF2-40B4-BE49-F238E27FC236}">
-                <a16:creationId xmlns:a16="http://schemas.microsoft.com/office/drawing/2014/main" id="{4DC4D8DE-1034-4059-B907-B2FCA56F6799}"/>
-              </a:ext>
-            </a:extLst>
-          </p:cNvPr>
-          <p:cNvSpPr>
-            <a:spLocks noGrp="1"/>
-          </p:cNvSpPr>
-          <p:nvPr>
-            <p:ph type="title"/>
-          </p:nvPr>
-        </p:nvSpPr>
-        <p:spPr>
-          <a:xfrm>
-            <a:off x="1097280" y="758952"/>
-            <a:ext cx="10058400" cy="3566160"/>
-          </a:xfrm>
-        </p:spPr>
-        <p:txBody>
-          <a:bodyPr anchor="b">
-            <a:normAutofit/>
-          </a:bodyPr>
-          <a:lstStyle/>
-          <a:p>
-            <a:r>
-              <a:rPr lang="de-DE" sz="7400" dirty="0"/>
-              <a:t>Fazit</a:t>
-            </a:r>
-          </a:p>
-        </p:txBody>
-      </p:sp>
-      <p:sp>
-        <p:nvSpPr>
-          <p:cNvPr id="3" name="Foliennummernplatzhalter 2">
-            <a:extLst>
-              <a:ext uri="{FF2B5EF4-FFF2-40B4-BE49-F238E27FC236}">
-                <a16:creationId xmlns:a16="http://schemas.microsoft.com/office/drawing/2014/main" id="{585CF4AE-527C-4AA2-906C-B9F7B3281748}"/>
-              </a:ext>
-            </a:extLst>
-          </p:cNvPr>
-          <p:cNvSpPr>
-            <a:spLocks noGrp="1"/>
-          </p:cNvSpPr>
-          <p:nvPr>
-            <p:ph type="sldNum" sz="quarter" idx="12"/>
-          </p:nvPr>
-        </p:nvSpPr>
-        <p:spPr>
-          <a:xfrm>
-            <a:off x="10993582" y="6446838"/>
-            <a:ext cx="780010" cy="365125"/>
-          </a:xfrm>
-        </p:spPr>
-        <p:txBody>
-          <a:bodyPr anchor="ctr">
-            <a:normAutofit/>
-          </a:bodyPr>
-          <a:lstStyle/>
-          <a:p>
-            <a:pPr rtl="0">
-              <a:spcAft>
-                <a:spcPts val="600"/>
-              </a:spcAft>
-            </a:pPr>
-            <a:fld id="{3A98EE3D-8CD1-4C3F-BD1C-C98C9596463C}" type="slidenum">
-              <a:rPr lang="en-US" smtClean="0"/>
-              <a:pPr rtl="0">
-                <a:spcAft>
-                  <a:spcPts val="600"/>
-                </a:spcAft>
-              </a:pPr>
-              <a:t>8</a:t>
-            </a:fld>
-            <a:endParaRPr lang="en-US"/>
-          </a:p>
-        </p:txBody>
-      </p:sp>
-      <p:sp>
-        <p:nvSpPr>
-          <p:cNvPr id="4" name="Titel 1">
-            <a:extLst>
-              <a:ext uri="{FF2B5EF4-FFF2-40B4-BE49-F238E27FC236}">
-                <a16:creationId xmlns:a16="http://schemas.microsoft.com/office/drawing/2014/main" id="{14040106-2C9B-47A0-AA16-571538A46A0C}"/>
-              </a:ext>
-            </a:extLst>
-          </p:cNvPr>
-          <p:cNvSpPr txBox="1">
-            <a:spLocks/>
-          </p:cNvSpPr>
-          <p:nvPr/>
-        </p:nvSpPr>
-        <p:spPr>
-          <a:xfrm>
-            <a:off x="1097280" y="4744569"/>
-            <a:ext cx="10058400" cy="641405"/>
-          </a:xfrm>
-          <a:prstGeom prst="rect">
-            <a:avLst/>
-          </a:prstGeom>
-        </p:spPr>
-        <p:txBody>
-          <a:bodyPr vert="horz" lIns="91440" tIns="45720" rIns="91440" bIns="45720" rtlCol="0" anchor="b" anchorCtr="0">
-            <a:normAutofit fontScale="62500" lnSpcReduction="20000"/>
-          </a:bodyPr>
-          <a:lstStyle>
-            <a:lvl1pPr algn="l" defTabSz="914400" rtl="0" eaLnBrk="1" latinLnBrk="0" hangingPunct="1">
-              <a:lnSpc>
-                <a:spcPct val="90000"/>
-              </a:lnSpc>
-              <a:spcBef>
-                <a:spcPct val="0"/>
-              </a:spcBef>
-              <a:buNone/>
-              <a:defRPr sz="8000" b="0" i="0" kern="1200" spc="-50" baseline="0">
-                <a:solidFill>
-                  <a:schemeClr val="tx1">
-                    <a:lumMod val="85000"/>
-                    <a:lumOff val="15000"/>
-                  </a:schemeClr>
-                </a:solidFill>
-                <a:latin typeface="+mj-lt"/>
-                <a:ea typeface="+mj-ea"/>
-                <a:cs typeface="+mj-cs"/>
-              </a:defRPr>
-            </a:lvl1pPr>
-          </a:lstStyle>
-          <a:p>
-            <a:endParaRPr lang="de-DE" sz="7900" dirty="0"/>
-          </a:p>
-        </p:txBody>
-      </p:sp>
-    </p:spTree>
-    <p:extLst>
-      <p:ext uri="{BB962C8B-B14F-4D97-AF65-F5344CB8AC3E}">
-        <p14:creationId xmlns:p14="http://schemas.microsoft.com/office/powerpoint/2010/main" val="1270792329"/>
-      </p:ext>
-    </p:extLst>
-  </p:cSld>
-  <p:clrMapOvr>
-    <a:masterClrMapping/>
-  </p:clrMapOvr>
-</p:sld>
-</file>
-
-<file path=ppt/slides/slide9.xml><?xml version="1.0" encoding="utf-8"?>
-<p:sld xmlns:a="http://schemas.openxmlformats.org/drawingml/2006/main" xmlns:r="http://schemas.openxmlformats.org/officeDocument/2006/relationships" xmlns:p="http://schemas.openxmlformats.org/presentationml/2006/main">
-  <p:cSld>
-    <p:spTree>
-      <p:nvGrpSpPr>
-        <p:cNvPr id="1" name=""/>
-        <p:cNvGrpSpPr/>
-        <p:nvPr/>
-      </p:nvGrpSpPr>
-      <p:grpSpPr>
-        <a:xfrm>
-          <a:off x="0" y="0"/>
-          <a:ext cx="0" cy="0"/>
-          <a:chOff x="0" y="0"/>
-          <a:chExt cx="0" cy="0"/>
-        </a:xfrm>
-      </p:grpSpPr>
-      <p:sp>
-        <p:nvSpPr>
-          <p:cNvPr id="2" name="Titel 1">
-            <a:extLst>
-              <a:ext uri="{FF2B5EF4-FFF2-40B4-BE49-F238E27FC236}">
-                <a16:creationId xmlns:a16="http://schemas.microsoft.com/office/drawing/2014/main" id="{8E6F87C2-E244-41E0-AFF6-CCBE3E7A9F0F}"/>
-              </a:ext>
-            </a:extLst>
-          </p:cNvPr>
-          <p:cNvSpPr>
-            <a:spLocks noGrp="1"/>
-          </p:cNvSpPr>
-          <p:nvPr>
-            <p:ph type="title"/>
-          </p:nvPr>
-        </p:nvSpPr>
-        <p:spPr/>
-        <p:txBody>
-          <a:bodyPr/>
-          <a:lstStyle/>
-          <a:p>
-            <a:r>
-              <a:rPr lang="de-DE" dirty="0"/>
-              <a:t>Fazit </a:t>
-            </a:r>
-          </a:p>
-        </p:txBody>
-      </p:sp>
-      <p:sp>
-        <p:nvSpPr>
-          <p:cNvPr id="3" name="Inhaltsplatzhalter 2">
-            <a:extLst>
-              <a:ext uri="{FF2B5EF4-FFF2-40B4-BE49-F238E27FC236}">
-                <a16:creationId xmlns:a16="http://schemas.microsoft.com/office/drawing/2014/main" id="{B546AAA2-7A8F-484E-BDB8-F068E851712C}"/>
-              </a:ext>
-            </a:extLst>
-          </p:cNvPr>
-          <p:cNvSpPr>
-            <a:spLocks noGrp="1"/>
-          </p:cNvSpPr>
-          <p:nvPr>
-            <p:ph idx="1"/>
-          </p:nvPr>
-        </p:nvSpPr>
-        <p:spPr>
-          <a:xfrm>
-            <a:off x="1097280" y="2134186"/>
-            <a:ext cx="3925982" cy="4160252"/>
-          </a:xfrm>
-        </p:spPr>
-        <p:txBody>
-          <a:bodyPr>
-            <a:normAutofit fontScale="92500"/>
-          </a:bodyPr>
-          <a:lstStyle/>
-          <a:p>
-            <a:pPr marL="0" indent="0">
-              <a:buNone/>
-            </a:pPr>
-            <a:r>
-              <a:rPr lang="de-DE" sz="2200" i="1" dirty="0">
-                <a:latin typeface="-apple-system"/>
-              </a:rPr>
-              <a:t>Umgesetzt</a:t>
-            </a:r>
-            <a:r>
-              <a:rPr lang="de-DE" sz="2400" i="1" dirty="0">
-                <a:latin typeface="-apple-system"/>
-              </a:rPr>
-              <a:t>:</a:t>
-            </a:r>
-          </a:p>
-          <a:p>
-            <a:pPr>
-              <a:buFont typeface="Arial" panose="020B0604020202020204" pitchFamily="34" charset="0"/>
-              <a:buChar char="•"/>
-            </a:pPr>
-            <a:r>
-              <a:rPr lang="de-DE" sz="1700" dirty="0">
-                <a:solidFill>
-                  <a:schemeClr val="tx1"/>
-                </a:solidFill>
-                <a:latin typeface="Open Sans"/>
-              </a:rPr>
-              <a:t> Erinnerungen ans trinken und an Pausen</a:t>
-            </a:r>
-          </a:p>
-          <a:p>
-            <a:pPr>
-              <a:buFont typeface="Arial" panose="020B0604020202020204" pitchFamily="34" charset="0"/>
-              <a:buChar char="•"/>
-            </a:pPr>
-            <a:r>
-              <a:rPr lang="de-DE" sz="1700" dirty="0">
-                <a:solidFill>
-                  <a:schemeClr val="tx1"/>
-                </a:solidFill>
-                <a:latin typeface="Open Sans"/>
-              </a:rPr>
-              <a:t> Literangabe</a:t>
-            </a:r>
-          </a:p>
-          <a:p>
-            <a:pPr>
-              <a:buFont typeface="Arial" panose="020B0604020202020204" pitchFamily="34" charset="0"/>
-              <a:buChar char="•"/>
-            </a:pPr>
-            <a:r>
-              <a:rPr lang="de-DE" sz="1700" dirty="0">
-                <a:solidFill>
-                  <a:schemeClr val="tx1"/>
-                </a:solidFill>
-                <a:latin typeface="Open Sans"/>
-              </a:rPr>
-              <a:t> Tägliche Umfrage (Morgens und Abends)</a:t>
-            </a:r>
-          </a:p>
-          <a:p>
-            <a:pPr>
-              <a:buFont typeface="Arial" panose="020B0604020202020204" pitchFamily="34" charset="0"/>
-              <a:buChar char="•"/>
-            </a:pPr>
-            <a:r>
-              <a:rPr lang="de-DE" sz="1700" dirty="0">
-                <a:solidFill>
-                  <a:schemeClr val="tx1"/>
-                </a:solidFill>
-                <a:latin typeface="Open Sans"/>
-              </a:rPr>
-              <a:t> Monatliche Umfrage</a:t>
-            </a:r>
-          </a:p>
-          <a:p>
-            <a:pPr>
-              <a:buFont typeface="Arial" panose="020B0604020202020204" pitchFamily="34" charset="0"/>
-              <a:buChar char="•"/>
-            </a:pPr>
-            <a:r>
-              <a:rPr lang="de-DE" sz="1700" dirty="0">
-                <a:solidFill>
-                  <a:schemeClr val="tx1"/>
-                </a:solidFill>
-                <a:latin typeface="Open Sans"/>
-              </a:rPr>
-              <a:t> Auswertungen</a:t>
-            </a:r>
-          </a:p>
-          <a:p>
-            <a:pPr>
-              <a:buFont typeface="Arial" panose="020B0604020202020204" pitchFamily="34" charset="0"/>
-              <a:buChar char="•"/>
-            </a:pPr>
-            <a:r>
-              <a:rPr lang="de-DE" sz="1700" dirty="0">
-                <a:solidFill>
-                  <a:schemeClr val="tx1"/>
-                </a:solidFill>
-                <a:latin typeface="Open Sans"/>
-              </a:rPr>
-              <a:t> Verschiedene Übungen</a:t>
-            </a:r>
-          </a:p>
-          <a:p>
-            <a:pPr>
-              <a:buFont typeface="Arial" panose="020B0604020202020204" pitchFamily="34" charset="0"/>
-              <a:buChar char="•"/>
-            </a:pPr>
-            <a:r>
-              <a:rPr lang="de-DE" sz="1700" dirty="0">
-                <a:solidFill>
-                  <a:schemeClr val="tx1"/>
-                </a:solidFill>
-                <a:latin typeface="Open Sans"/>
-              </a:rPr>
-              <a:t> Musik, Hörbücher, ASMR (App Verlinkung)</a:t>
-            </a:r>
-          </a:p>
-          <a:p>
-            <a:pPr>
-              <a:buFont typeface="Arial" panose="020B0604020202020204" pitchFamily="34" charset="0"/>
-              <a:buChar char="•"/>
-            </a:pPr>
-            <a:endParaRPr lang="de-DE" dirty="0">
-              <a:latin typeface="-apple-system"/>
-            </a:endParaRPr>
-          </a:p>
-        </p:txBody>
-      </p:sp>
-      <p:sp>
-        <p:nvSpPr>
-          <p:cNvPr id="5" name="Foliennummernplatzhalter 4">
-            <a:extLst>
-              <a:ext uri="{FF2B5EF4-FFF2-40B4-BE49-F238E27FC236}">
-                <a16:creationId xmlns:a16="http://schemas.microsoft.com/office/drawing/2014/main" id="{83972841-72E7-45F6-9D79-4FAE81CFBAF2}"/>
-              </a:ext>
-            </a:extLst>
-          </p:cNvPr>
-          <p:cNvSpPr>
-            <a:spLocks noGrp="1"/>
-          </p:cNvSpPr>
-          <p:nvPr>
-            <p:ph type="sldNum" sz="quarter" idx="12"/>
-          </p:nvPr>
-        </p:nvSpPr>
-        <p:spPr/>
-        <p:txBody>
-          <a:bodyPr/>
-          <a:lstStyle/>
-          <a:p>
-            <a:pPr rtl="0"/>
-            <a:fld id="{3A98EE3D-8CD1-4C3F-BD1C-C98C9596463C}" type="slidenum">
-              <a:rPr lang="en-US" smtClean="0"/>
-              <a:t>9</a:t>
+              <a:t>11</a:t>
             </a:fld>
             <a:endParaRPr lang="en-US" dirty="0"/>
           </a:p>
@@ -8551,6 +6847,2276 @@
     <p:extLst>
       <p:ext uri="{BB962C8B-B14F-4D97-AF65-F5344CB8AC3E}">
         <p14:creationId xmlns:p14="http://schemas.microsoft.com/office/powerpoint/2010/main" val="2848183911"/>
+      </p:ext>
+    </p:extLst>
+  </p:cSld>
+  <p:clrMapOvr>
+    <a:masterClrMapping/>
+  </p:clrMapOvr>
+</p:sld>
+</file>
+
+<file path=ppt/slides/slide12.xml><?xml version="1.0" encoding="utf-8"?>
+<p:sld xmlns:a="http://schemas.openxmlformats.org/drawingml/2006/main" xmlns:r="http://schemas.openxmlformats.org/officeDocument/2006/relationships" xmlns:p="http://schemas.openxmlformats.org/presentationml/2006/main">
+  <p:cSld>
+    <p:spTree>
+      <p:nvGrpSpPr>
+        <p:cNvPr id="1" name=""/>
+        <p:cNvGrpSpPr/>
+        <p:nvPr/>
+      </p:nvGrpSpPr>
+      <p:grpSpPr>
+        <a:xfrm>
+          <a:off x="0" y="0"/>
+          <a:ext cx="0" cy="0"/>
+          <a:chOff x="0" y="0"/>
+          <a:chExt cx="0" cy="0"/>
+        </a:xfrm>
+      </p:grpSpPr>
+      <p:sp>
+        <p:nvSpPr>
+          <p:cNvPr id="2" name="Titel 1">
+            <a:extLst>
+              <a:ext uri="{FF2B5EF4-FFF2-40B4-BE49-F238E27FC236}">
+                <a16:creationId xmlns:a16="http://schemas.microsoft.com/office/drawing/2014/main" id="{8E6F87C2-E244-41E0-AFF6-CCBE3E7A9F0F}"/>
+              </a:ext>
+            </a:extLst>
+          </p:cNvPr>
+          <p:cNvSpPr>
+            <a:spLocks noGrp="1"/>
+          </p:cNvSpPr>
+          <p:nvPr>
+            <p:ph type="title"/>
+          </p:nvPr>
+        </p:nvSpPr>
+        <p:spPr/>
+        <p:txBody>
+          <a:bodyPr/>
+          <a:lstStyle/>
+          <a:p>
+            <a:r>
+              <a:rPr lang="de-DE" dirty="0"/>
+              <a:t>Fazit </a:t>
+            </a:r>
+          </a:p>
+        </p:txBody>
+      </p:sp>
+      <p:sp>
+        <p:nvSpPr>
+          <p:cNvPr id="3" name="Inhaltsplatzhalter 2">
+            <a:extLst>
+              <a:ext uri="{FF2B5EF4-FFF2-40B4-BE49-F238E27FC236}">
+                <a16:creationId xmlns:a16="http://schemas.microsoft.com/office/drawing/2014/main" id="{B546AAA2-7A8F-484E-BDB8-F068E851712C}"/>
+              </a:ext>
+            </a:extLst>
+          </p:cNvPr>
+          <p:cNvSpPr>
+            <a:spLocks noGrp="1"/>
+          </p:cNvSpPr>
+          <p:nvPr>
+            <p:ph idx="1"/>
+          </p:nvPr>
+        </p:nvSpPr>
+        <p:spPr>
+          <a:xfrm>
+            <a:off x="1097280" y="2134186"/>
+            <a:ext cx="10058400" cy="4160252"/>
+          </a:xfrm>
+        </p:spPr>
+        <p:txBody>
+          <a:bodyPr>
+            <a:normAutofit/>
+          </a:bodyPr>
+          <a:lstStyle/>
+          <a:p>
+            <a:pPr marL="0" indent="0">
+              <a:buNone/>
+            </a:pPr>
+            <a:r>
+              <a:rPr lang="de-DE" sz="2000" i="1" dirty="0">
+                <a:solidFill>
+                  <a:schemeClr val="tx1"/>
+                </a:solidFill>
+                <a:latin typeface="-apple-system"/>
+              </a:rPr>
+              <a:t>Nicht umgesetzt, aber weitere Ideen:</a:t>
+            </a:r>
+          </a:p>
+          <a:p>
+            <a:pPr>
+              <a:buFont typeface="Arial" panose="020B0604020202020204" pitchFamily="34" charset="0"/>
+              <a:buChar char="•"/>
+            </a:pPr>
+            <a:r>
+              <a:rPr lang="de-DE" dirty="0">
+                <a:solidFill>
+                  <a:schemeClr val="tx1"/>
+                </a:solidFill>
+                <a:latin typeface="-apple-system"/>
+              </a:rPr>
+              <a:t> </a:t>
+            </a:r>
+            <a:r>
+              <a:rPr lang="de-DE" dirty="0">
+                <a:solidFill>
+                  <a:schemeClr val="tx1"/>
+                </a:solidFill>
+                <a:latin typeface="Open Sans"/>
+              </a:rPr>
+              <a:t>Für den User personalisierte Ansichten/ Auswertungen</a:t>
+            </a:r>
+          </a:p>
+          <a:p>
+            <a:pPr>
+              <a:buFont typeface="Arial" panose="020B0604020202020204" pitchFamily="34" charset="0"/>
+              <a:buChar char="•"/>
+            </a:pPr>
+            <a:r>
+              <a:rPr lang="de-DE" dirty="0">
+                <a:solidFill>
+                  <a:schemeClr val="tx1"/>
+                </a:solidFill>
+                <a:latin typeface="Open Sans"/>
+              </a:rPr>
+              <a:t> Apps (Musik, ASMR, Hörbücher) &amp; Übungen zu Favoriten hinzufügen</a:t>
+            </a:r>
+          </a:p>
+          <a:p>
+            <a:pPr>
+              <a:buFont typeface="Arial" panose="020B0604020202020204" pitchFamily="34" charset="0"/>
+              <a:buChar char="•"/>
+            </a:pPr>
+            <a:r>
+              <a:rPr lang="de-DE" dirty="0">
+                <a:solidFill>
+                  <a:schemeClr val="tx1"/>
+                </a:solidFill>
+                <a:latin typeface="Open Sans"/>
+              </a:rPr>
+              <a:t> Kalender inkl. Sonnenaufgang/ Sonnenuntergang und Mondphasen</a:t>
+            </a:r>
+          </a:p>
+          <a:p>
+            <a:pPr>
+              <a:buFont typeface="Arial" panose="020B0604020202020204" pitchFamily="34" charset="0"/>
+              <a:buChar char="•"/>
+            </a:pPr>
+            <a:r>
+              <a:rPr lang="de-DE" dirty="0">
+                <a:solidFill>
+                  <a:schemeClr val="tx1"/>
+                </a:solidFill>
+                <a:latin typeface="Open Sans"/>
+              </a:rPr>
+              <a:t> In der Auswertung zu den verschiedenen Tagen Notizen machen </a:t>
+            </a:r>
+          </a:p>
+          <a:p>
+            <a:pPr marL="0" indent="0">
+              <a:buNone/>
+            </a:pPr>
+            <a:endParaRPr lang="de-DE" dirty="0">
+              <a:solidFill>
+                <a:schemeClr val="tx1"/>
+              </a:solidFill>
+              <a:latin typeface="-apple-system"/>
+            </a:endParaRPr>
+          </a:p>
+        </p:txBody>
+      </p:sp>
+      <p:sp>
+        <p:nvSpPr>
+          <p:cNvPr id="5" name="Foliennummernplatzhalter 4">
+            <a:extLst>
+              <a:ext uri="{FF2B5EF4-FFF2-40B4-BE49-F238E27FC236}">
+                <a16:creationId xmlns:a16="http://schemas.microsoft.com/office/drawing/2014/main" id="{83972841-72E7-45F6-9D79-4FAE81CFBAF2}"/>
+              </a:ext>
+            </a:extLst>
+          </p:cNvPr>
+          <p:cNvSpPr>
+            <a:spLocks noGrp="1"/>
+          </p:cNvSpPr>
+          <p:nvPr>
+            <p:ph type="sldNum" sz="quarter" idx="12"/>
+          </p:nvPr>
+        </p:nvSpPr>
+        <p:spPr/>
+        <p:txBody>
+          <a:bodyPr/>
+          <a:lstStyle/>
+          <a:p>
+            <a:pPr rtl="0"/>
+            <a:fld id="{3A98EE3D-8CD1-4C3F-BD1C-C98C9596463C}" type="slidenum">
+              <a:rPr lang="en-US" smtClean="0"/>
+              <a:t>12</a:t>
+            </a:fld>
+            <a:endParaRPr lang="en-US" dirty="0"/>
+          </a:p>
+        </p:txBody>
+      </p:sp>
+    </p:spTree>
+    <p:extLst>
+      <p:ext uri="{BB962C8B-B14F-4D97-AF65-F5344CB8AC3E}">
+        <p14:creationId xmlns:p14="http://schemas.microsoft.com/office/powerpoint/2010/main" val="948829941"/>
+      </p:ext>
+    </p:extLst>
+  </p:cSld>
+  <p:clrMapOvr>
+    <a:masterClrMapping/>
+  </p:clrMapOvr>
+</p:sld>
+</file>
+
+<file path=ppt/slides/slide13.xml><?xml version="1.0" encoding="utf-8"?>
+<p:sld xmlns:a="http://schemas.openxmlformats.org/drawingml/2006/main" xmlns:r="http://schemas.openxmlformats.org/officeDocument/2006/relationships" xmlns:p="http://schemas.openxmlformats.org/presentationml/2006/main">
+  <p:cSld>
+    <p:spTree>
+      <p:nvGrpSpPr>
+        <p:cNvPr id="1" name=""/>
+        <p:cNvGrpSpPr/>
+        <p:nvPr/>
+      </p:nvGrpSpPr>
+      <p:grpSpPr>
+        <a:xfrm>
+          <a:off x="0" y="0"/>
+          <a:ext cx="0" cy="0"/>
+          <a:chOff x="0" y="0"/>
+          <a:chExt cx="0" cy="0"/>
+        </a:xfrm>
+      </p:grpSpPr>
+      <p:sp>
+        <p:nvSpPr>
+          <p:cNvPr id="2" name="Titel 1">
+            <a:extLst>
+              <a:ext uri="{FF2B5EF4-FFF2-40B4-BE49-F238E27FC236}">
+                <a16:creationId xmlns:a16="http://schemas.microsoft.com/office/drawing/2014/main" id="{1000917D-4547-48A6-84FB-F43EFC62703E}"/>
+              </a:ext>
+            </a:extLst>
+          </p:cNvPr>
+          <p:cNvSpPr>
+            <a:spLocks noGrp="1"/>
+          </p:cNvSpPr>
+          <p:nvPr>
+            <p:ph type="title"/>
+          </p:nvPr>
+        </p:nvSpPr>
+        <p:spPr/>
+        <p:txBody>
+          <a:bodyPr/>
+          <a:lstStyle/>
+          <a:p>
+            <a:r>
+              <a:rPr lang="de-DE" dirty="0"/>
+              <a:t>Quellen</a:t>
+            </a:r>
+          </a:p>
+        </p:txBody>
+      </p:sp>
+      <p:sp>
+        <p:nvSpPr>
+          <p:cNvPr id="4" name="Textfeld 3">
+            <a:extLst>
+              <a:ext uri="{FF2B5EF4-FFF2-40B4-BE49-F238E27FC236}">
+                <a16:creationId xmlns:a16="http://schemas.microsoft.com/office/drawing/2014/main" id="{7A45CCCC-0A1D-47D4-AA93-208EE6D41258}"/>
+              </a:ext>
+            </a:extLst>
+          </p:cNvPr>
+          <p:cNvSpPr txBox="1"/>
+          <p:nvPr/>
+        </p:nvSpPr>
+        <p:spPr>
+          <a:xfrm>
+            <a:off x="1208868" y="2030278"/>
+            <a:ext cx="9946812" cy="3970318"/>
+          </a:xfrm>
+          <a:prstGeom prst="rect">
+            <a:avLst/>
+          </a:prstGeom>
+          <a:noFill/>
+        </p:spPr>
+        <p:txBody>
+          <a:bodyPr wrap="square" rtlCol="0">
+            <a:spAutoFit/>
+          </a:bodyPr>
+          <a:lstStyle/>
+          <a:p>
+            <a:pPr marL="285750" indent="-285750" algn="l">
+              <a:lnSpc>
+                <a:spcPct val="150000"/>
+              </a:lnSpc>
+              <a:buFont typeface="Arial" panose="020B0604020202020204" pitchFamily="34" charset="0"/>
+              <a:buChar char="•"/>
+            </a:pPr>
+            <a:r>
+              <a:rPr lang="de-DE" sz="1600" dirty="0">
+                <a:solidFill>
+                  <a:srgbClr val="24292E"/>
+                </a:solidFill>
+                <a:latin typeface="-apple-system"/>
+              </a:rPr>
+              <a:t> </a:t>
+            </a:r>
+            <a:r>
+              <a:rPr lang="de-DE" sz="1600" b="0" i="0" u="none" strike="noStrike" dirty="0">
+                <a:solidFill>
+                  <a:srgbClr val="24292E"/>
+                </a:solidFill>
+                <a:effectLst/>
+                <a:latin typeface="-apple-system"/>
+                <a:hlinkClick r:id="rId3"/>
+              </a:rPr>
+              <a:t>https://wiki.selfhtml.org/wiki/HTML/Formulare/input/button</a:t>
+            </a:r>
+            <a:endParaRPr lang="de-DE" sz="1600" dirty="0">
+              <a:solidFill>
+                <a:srgbClr val="24292E"/>
+              </a:solidFill>
+              <a:latin typeface="-apple-system"/>
+            </a:endParaRPr>
+          </a:p>
+          <a:p>
+            <a:pPr marL="285750" indent="-285750" algn="l">
+              <a:lnSpc>
+                <a:spcPct val="150000"/>
+              </a:lnSpc>
+              <a:buFont typeface="Arial" panose="020B0604020202020204" pitchFamily="34" charset="0"/>
+              <a:buChar char="•"/>
+            </a:pPr>
+            <a:r>
+              <a:rPr lang="de-DE" sz="1600" b="0" i="0" u="none" strike="noStrike" dirty="0">
+                <a:solidFill>
+                  <a:srgbClr val="24292E"/>
+                </a:solidFill>
+                <a:effectLst/>
+                <a:latin typeface="-apple-system"/>
+                <a:hlinkClick r:id="rId4"/>
+              </a:rPr>
+              <a:t>https://jsfiddle.net/red_stapler/wu3a0y6e/18/</a:t>
+            </a:r>
+            <a:endParaRPr lang="de-DE" sz="1600" dirty="0">
+              <a:solidFill>
+                <a:srgbClr val="24292E"/>
+              </a:solidFill>
+              <a:latin typeface="-apple-system"/>
+            </a:endParaRPr>
+          </a:p>
+          <a:p>
+            <a:pPr marL="285750" indent="-285750" algn="l">
+              <a:lnSpc>
+                <a:spcPct val="150000"/>
+              </a:lnSpc>
+              <a:buFont typeface="Arial" panose="020B0604020202020204" pitchFamily="34" charset="0"/>
+              <a:buChar char="•"/>
+            </a:pPr>
+            <a:r>
+              <a:rPr lang="de-DE" sz="1600" b="0" i="0" u="none" strike="noStrike" dirty="0">
+                <a:solidFill>
+                  <a:srgbClr val="24292E"/>
+                </a:solidFill>
+                <a:effectLst/>
+                <a:latin typeface="-apple-system"/>
+                <a:hlinkClick r:id="rId5"/>
+              </a:rPr>
+              <a:t>http://microbuilder.io/blog/2016/01/10/plotting-json-data-with-chart-js.html</a:t>
+            </a:r>
+            <a:endParaRPr lang="de-DE" sz="1600" dirty="0">
+              <a:solidFill>
+                <a:srgbClr val="24292E"/>
+              </a:solidFill>
+              <a:latin typeface="-apple-system"/>
+            </a:endParaRPr>
+          </a:p>
+          <a:p>
+            <a:pPr marL="285750" indent="-285750" algn="l">
+              <a:lnSpc>
+                <a:spcPct val="150000"/>
+              </a:lnSpc>
+              <a:buFont typeface="Arial" panose="020B0604020202020204" pitchFamily="34" charset="0"/>
+              <a:buChar char="•"/>
+            </a:pPr>
+            <a:r>
+              <a:rPr lang="de-DE" sz="1600" b="0" i="0" u="none" strike="noStrike" dirty="0">
+                <a:solidFill>
+                  <a:srgbClr val="24292E"/>
+                </a:solidFill>
+                <a:effectLst/>
+                <a:latin typeface="-apple-system"/>
+                <a:hlinkClick r:id="rId6"/>
+              </a:rPr>
+              <a:t>https://www.youtube.com/watch?v=NwgKh_QTKE0</a:t>
+            </a:r>
+            <a:endParaRPr lang="de-DE" sz="1600" dirty="0">
+              <a:solidFill>
+                <a:srgbClr val="24292E"/>
+              </a:solidFill>
+              <a:latin typeface="-apple-system"/>
+            </a:endParaRPr>
+          </a:p>
+          <a:p>
+            <a:pPr marL="285750" indent="-285750" algn="l">
+              <a:lnSpc>
+                <a:spcPct val="150000"/>
+              </a:lnSpc>
+              <a:buFont typeface="Arial" panose="020B0604020202020204" pitchFamily="34" charset="0"/>
+              <a:buChar char="•"/>
+            </a:pPr>
+            <a:r>
+              <a:rPr lang="de-DE" sz="1600" b="0" i="0" u="none" strike="noStrike" dirty="0">
+                <a:solidFill>
+                  <a:srgbClr val="24292E"/>
+                </a:solidFill>
+                <a:effectLst/>
+                <a:latin typeface="-apple-system"/>
+                <a:hlinkClick r:id="rId7"/>
+              </a:rPr>
+              <a:t>https://canvasjs.com/html5-javascript-spline-chart/</a:t>
+            </a:r>
+            <a:endParaRPr lang="de-DE" sz="1600" dirty="0">
+              <a:solidFill>
+                <a:srgbClr val="24292E"/>
+              </a:solidFill>
+              <a:latin typeface="-apple-system"/>
+            </a:endParaRPr>
+          </a:p>
+          <a:p>
+            <a:pPr marL="285750" indent="-285750" algn="l">
+              <a:lnSpc>
+                <a:spcPct val="150000"/>
+              </a:lnSpc>
+              <a:buFont typeface="Arial" panose="020B0604020202020204" pitchFamily="34" charset="0"/>
+              <a:buChar char="•"/>
+            </a:pPr>
+            <a:r>
+              <a:rPr lang="de-DE" sz="1600" dirty="0">
+                <a:solidFill>
+                  <a:srgbClr val="24292E"/>
+                </a:solidFill>
+                <a:latin typeface="-apple-system"/>
+                <a:hlinkClick r:id="rId8"/>
+              </a:rPr>
+              <a:t>https://canvasjs.com/html5-javascript-line-chart/</a:t>
+            </a:r>
+            <a:endParaRPr lang="de-DE" sz="1600" dirty="0">
+              <a:solidFill>
+                <a:srgbClr val="24292E"/>
+              </a:solidFill>
+              <a:latin typeface="-apple-system"/>
+            </a:endParaRPr>
+          </a:p>
+          <a:p>
+            <a:pPr marL="285750" indent="-285750" algn="l">
+              <a:lnSpc>
+                <a:spcPct val="150000"/>
+              </a:lnSpc>
+              <a:buFont typeface="Arial" panose="020B0604020202020204" pitchFamily="34" charset="0"/>
+              <a:buChar char="•"/>
+            </a:pPr>
+            <a:r>
+              <a:rPr lang="de-DE" sz="1600" b="0" i="0" u="none" strike="noStrike" dirty="0">
+                <a:solidFill>
+                  <a:srgbClr val="24292E"/>
+                </a:solidFill>
+                <a:effectLst/>
+                <a:latin typeface="-apple-system"/>
+                <a:hlinkClick r:id="rId9"/>
+              </a:rPr>
+              <a:t>https://canvasjs.com/docs/charts/basics-of-creating-html5-chart/updating-chart-options/</a:t>
+            </a:r>
+            <a:endParaRPr lang="de-DE" sz="1600" dirty="0">
+              <a:solidFill>
+                <a:srgbClr val="24292E"/>
+              </a:solidFill>
+              <a:latin typeface="-apple-system"/>
+            </a:endParaRPr>
+          </a:p>
+          <a:p>
+            <a:pPr marL="285750" indent="-285750" algn="l">
+              <a:lnSpc>
+                <a:spcPct val="150000"/>
+              </a:lnSpc>
+              <a:buFont typeface="Arial" panose="020B0604020202020204" pitchFamily="34" charset="0"/>
+              <a:buChar char="•"/>
+            </a:pPr>
+            <a:r>
+              <a:rPr lang="de-DE" sz="1600" b="0" i="0" u="none" strike="noStrike" dirty="0">
+                <a:solidFill>
+                  <a:srgbClr val="24292E"/>
+                </a:solidFill>
+                <a:effectLst/>
+                <a:latin typeface="-apple-system"/>
+                <a:hlinkClick r:id="rId10"/>
+              </a:rPr>
+              <a:t>https://canvasjs.com/docs/charts/methods/dataseries/addto/</a:t>
+            </a:r>
+            <a:endParaRPr lang="de-DE" sz="1600" dirty="0">
+              <a:solidFill>
+                <a:srgbClr val="24292E"/>
+              </a:solidFill>
+              <a:latin typeface="-apple-system"/>
+            </a:endParaRPr>
+          </a:p>
+          <a:p>
+            <a:pPr marL="285750" indent="-285750" algn="l">
+              <a:lnSpc>
+                <a:spcPct val="150000"/>
+              </a:lnSpc>
+              <a:buFont typeface="Arial" panose="020B0604020202020204" pitchFamily="34" charset="0"/>
+              <a:buChar char="•"/>
+            </a:pPr>
+            <a:r>
+              <a:rPr lang="de-DE" sz="1600" b="0" i="0" u="none" strike="noStrike" dirty="0">
+                <a:solidFill>
+                  <a:srgbClr val="24292E"/>
+                </a:solidFill>
+                <a:effectLst/>
+                <a:latin typeface="-apple-system"/>
+                <a:hlinkClick r:id="rId11"/>
+              </a:rPr>
+              <a:t>https://www.gesundheit.gv.at/leben/ernaehrung/info/fluessigkeitsbedarf</a:t>
+            </a:r>
+            <a:endParaRPr lang="de-DE" sz="1600" b="0" i="0" dirty="0">
+              <a:solidFill>
+                <a:srgbClr val="24292E"/>
+              </a:solidFill>
+              <a:effectLst/>
+              <a:latin typeface="-apple-system"/>
+            </a:endParaRPr>
+          </a:p>
+          <a:p>
+            <a:pPr algn="l"/>
+            <a:endParaRPr lang="de-DE" b="0" i="0" u="none" strike="noStrike" dirty="0">
+              <a:solidFill>
+                <a:srgbClr val="24292E"/>
+              </a:solidFill>
+              <a:effectLst/>
+              <a:latin typeface="-apple-system"/>
+            </a:endParaRPr>
+          </a:p>
+          <a:p>
+            <a:pPr algn="l"/>
+            <a:endParaRPr lang="de-DE" b="0" i="0" dirty="0">
+              <a:solidFill>
+                <a:srgbClr val="24292E"/>
+              </a:solidFill>
+              <a:effectLst/>
+              <a:latin typeface="-apple-system"/>
+            </a:endParaRPr>
+          </a:p>
+        </p:txBody>
+      </p:sp>
+      <p:sp>
+        <p:nvSpPr>
+          <p:cNvPr id="5" name="Foliennummernplatzhalter 4">
+            <a:extLst>
+              <a:ext uri="{FF2B5EF4-FFF2-40B4-BE49-F238E27FC236}">
+                <a16:creationId xmlns:a16="http://schemas.microsoft.com/office/drawing/2014/main" id="{1BB62189-938C-4C7C-BA89-B2D315856415}"/>
+              </a:ext>
+            </a:extLst>
+          </p:cNvPr>
+          <p:cNvSpPr>
+            <a:spLocks noGrp="1"/>
+          </p:cNvSpPr>
+          <p:nvPr>
+            <p:ph type="sldNum" sz="quarter" idx="12"/>
+          </p:nvPr>
+        </p:nvSpPr>
+        <p:spPr/>
+        <p:txBody>
+          <a:bodyPr/>
+          <a:lstStyle/>
+          <a:p>
+            <a:pPr rtl="0"/>
+            <a:fld id="{3A98EE3D-8CD1-4C3F-BD1C-C98C9596463C}" type="slidenum">
+              <a:rPr lang="en-US" smtClean="0"/>
+              <a:t>13</a:t>
+            </a:fld>
+            <a:endParaRPr lang="en-US" dirty="0"/>
+          </a:p>
+        </p:txBody>
+      </p:sp>
+    </p:spTree>
+    <p:extLst>
+      <p:ext uri="{BB962C8B-B14F-4D97-AF65-F5344CB8AC3E}">
+        <p14:creationId xmlns:p14="http://schemas.microsoft.com/office/powerpoint/2010/main" val="873189558"/>
+      </p:ext>
+    </p:extLst>
+  </p:cSld>
+  <p:clrMapOvr>
+    <a:masterClrMapping/>
+  </p:clrMapOvr>
+</p:sld>
+</file>
+
+<file path=ppt/slides/slide14.xml><?xml version="1.0" encoding="utf-8"?>
+<p:sld xmlns:a="http://schemas.openxmlformats.org/drawingml/2006/main" xmlns:r="http://schemas.openxmlformats.org/officeDocument/2006/relationships" xmlns:p="http://schemas.openxmlformats.org/presentationml/2006/main">
+  <p:cSld>
+    <p:spTree>
+      <p:nvGrpSpPr>
+        <p:cNvPr id="1" name=""/>
+        <p:cNvGrpSpPr/>
+        <p:nvPr/>
+      </p:nvGrpSpPr>
+      <p:grpSpPr>
+        <a:xfrm>
+          <a:off x="0" y="0"/>
+          <a:ext cx="0" cy="0"/>
+          <a:chOff x="0" y="0"/>
+          <a:chExt cx="0" cy="0"/>
+        </a:xfrm>
+      </p:grpSpPr>
+      <p:sp>
+        <p:nvSpPr>
+          <p:cNvPr id="3" name="Titel 2">
+            <a:extLst>
+              <a:ext uri="{FF2B5EF4-FFF2-40B4-BE49-F238E27FC236}">
+                <a16:creationId xmlns:a16="http://schemas.microsoft.com/office/drawing/2014/main" id="{DB2DDE27-5081-46AD-8B84-38FA64A48C00}"/>
+              </a:ext>
+            </a:extLst>
+          </p:cNvPr>
+          <p:cNvSpPr>
+            <a:spLocks noGrp="1"/>
+          </p:cNvSpPr>
+          <p:nvPr>
+            <p:ph type="title"/>
+          </p:nvPr>
+        </p:nvSpPr>
+        <p:spPr/>
+        <p:txBody>
+          <a:bodyPr/>
+          <a:lstStyle/>
+          <a:p>
+            <a:r>
+              <a:rPr lang="de-DE" dirty="0"/>
+              <a:t>Danke für Ihre Aufmerksamkeit </a:t>
+            </a:r>
+            <a:r>
+              <a:rPr lang="de-DE" dirty="0">
+                <a:sym typeface="Wingdings" panose="05000000000000000000" pitchFamily="2" charset="2"/>
+              </a:rPr>
+              <a:t></a:t>
+            </a:r>
+            <a:endParaRPr lang="de-DE" dirty="0"/>
+          </a:p>
+        </p:txBody>
+      </p:sp>
+      <p:sp>
+        <p:nvSpPr>
+          <p:cNvPr id="4" name="Textplatzhalter 3">
+            <a:extLst>
+              <a:ext uri="{FF2B5EF4-FFF2-40B4-BE49-F238E27FC236}">
+                <a16:creationId xmlns:a16="http://schemas.microsoft.com/office/drawing/2014/main" id="{47EB3076-4347-4AC4-B0EF-74CCEC1366D0}"/>
+              </a:ext>
+            </a:extLst>
+          </p:cNvPr>
+          <p:cNvSpPr>
+            <a:spLocks noGrp="1"/>
+          </p:cNvSpPr>
+          <p:nvPr>
+            <p:ph type="body" sz="half" idx="2"/>
+          </p:nvPr>
+        </p:nvSpPr>
+        <p:spPr/>
+        <p:txBody>
+          <a:bodyPr/>
+          <a:lstStyle/>
+          <a:p>
+            <a:r>
+              <a:rPr lang="de-DE" dirty="0"/>
+              <a:t>Präsentiert von Kimberly </a:t>
+            </a:r>
+            <a:r>
+              <a:rPr lang="de-DE" dirty="0" err="1"/>
+              <a:t>Plackenhohn</a:t>
+            </a:r>
+            <a:r>
+              <a:rPr lang="de-DE" dirty="0"/>
+              <a:t> und Eda Serttas</a:t>
+            </a:r>
+          </a:p>
+        </p:txBody>
+      </p:sp>
+      <p:sp>
+        <p:nvSpPr>
+          <p:cNvPr id="2" name="Foliennummernplatzhalter 1">
+            <a:extLst>
+              <a:ext uri="{FF2B5EF4-FFF2-40B4-BE49-F238E27FC236}">
+                <a16:creationId xmlns:a16="http://schemas.microsoft.com/office/drawing/2014/main" id="{A78525E6-D0E1-4184-B6D6-920D2B3A4CDF}"/>
+              </a:ext>
+            </a:extLst>
+          </p:cNvPr>
+          <p:cNvSpPr>
+            <a:spLocks noGrp="1"/>
+          </p:cNvSpPr>
+          <p:nvPr>
+            <p:ph type="sldNum" sz="quarter" idx="12"/>
+          </p:nvPr>
+        </p:nvSpPr>
+        <p:spPr/>
+        <p:txBody>
+          <a:bodyPr/>
+          <a:lstStyle/>
+          <a:p>
+            <a:pPr rtl="0"/>
+            <a:fld id="{3A98EE3D-8CD1-4C3F-BD1C-C98C9596463C}" type="slidenum">
+              <a:rPr lang="en-US" smtClean="0"/>
+              <a:t>14</a:t>
+            </a:fld>
+            <a:endParaRPr lang="en-US" dirty="0"/>
+          </a:p>
+        </p:txBody>
+      </p:sp>
+      <p:sp>
+        <p:nvSpPr>
+          <p:cNvPr id="10" name="Textfeld 9">
+            <a:extLst>
+              <a:ext uri="{FF2B5EF4-FFF2-40B4-BE49-F238E27FC236}">
+                <a16:creationId xmlns:a16="http://schemas.microsoft.com/office/drawing/2014/main" id="{DD877133-DB78-42DD-8968-E40B82E8EBF6}"/>
+              </a:ext>
+            </a:extLst>
+          </p:cNvPr>
+          <p:cNvSpPr txBox="1"/>
+          <p:nvPr/>
+        </p:nvSpPr>
+        <p:spPr>
+          <a:xfrm>
+            <a:off x="10459142" y="0"/>
+            <a:ext cx="3644900" cy="215444"/>
+          </a:xfrm>
+          <a:prstGeom prst="rect">
+            <a:avLst/>
+          </a:prstGeom>
+          <a:noFill/>
+        </p:spPr>
+        <p:txBody>
+          <a:bodyPr wrap="square" rtlCol="0">
+            <a:spAutoFit/>
+          </a:bodyPr>
+          <a:lstStyle/>
+          <a:p>
+            <a:r>
+              <a:rPr lang="de-DE" sz="800" b="0" i="0" dirty="0">
+                <a:effectLst/>
+                <a:latin typeface="-apple-system"/>
+              </a:rPr>
+              <a:t>Foto von </a:t>
+            </a:r>
+            <a:r>
+              <a:rPr lang="de-DE" sz="800" b="1" i="0" u="none" strike="noStrike" dirty="0" err="1">
+                <a:effectLst/>
+                <a:latin typeface="-apple-system"/>
+                <a:hlinkClick r:id="rId3">
+                  <a:extLst>
+                    <a:ext uri="{A12FA001-AC4F-418D-AE19-62706E023703}">
+                      <ahyp:hlinkClr xmlns:ahyp="http://schemas.microsoft.com/office/drawing/2018/hyperlinkcolor" val="tx"/>
+                    </a:ext>
+                  </a:extLst>
+                </a:hlinkClick>
+              </a:rPr>
+              <a:t>AlphaTradeZone</a:t>
+            </a:r>
+            <a:r>
+              <a:rPr lang="de-DE" sz="800" b="0" i="0" dirty="0">
+                <a:effectLst/>
+                <a:latin typeface="-apple-system"/>
+              </a:rPr>
+              <a:t> von </a:t>
+            </a:r>
+            <a:r>
+              <a:rPr lang="de-DE" sz="800" b="1" i="0" u="none" strike="noStrike" dirty="0" err="1">
+                <a:effectLst/>
+                <a:latin typeface="-apple-system"/>
+                <a:hlinkClick r:id="rId4">
+                  <a:extLst>
+                    <a:ext uri="{A12FA001-AC4F-418D-AE19-62706E023703}">
+                      <ahyp:hlinkClr xmlns:ahyp="http://schemas.microsoft.com/office/drawing/2018/hyperlinkcolor" val="tx"/>
+                    </a:ext>
+                  </a:extLst>
+                </a:hlinkClick>
+              </a:rPr>
+              <a:t>Pexels</a:t>
+            </a:r>
+            <a:endParaRPr lang="de-DE" sz="800" dirty="0"/>
+          </a:p>
+        </p:txBody>
+      </p:sp>
+      <p:pic>
+        <p:nvPicPr>
+          <p:cNvPr id="12" name="Grafik 11" descr="Ein Bild, das Text enthält.&#10;&#10;Automatisch generierte Beschreibung">
+            <a:extLst>
+              <a:ext uri="{FF2B5EF4-FFF2-40B4-BE49-F238E27FC236}">
+                <a16:creationId xmlns:a16="http://schemas.microsoft.com/office/drawing/2014/main" id="{651C552B-3F59-4FC8-9236-1A1233A6DF88}"/>
+              </a:ext>
+            </a:extLst>
+          </p:cNvPr>
+          <p:cNvPicPr>
+            <a:picLocks noChangeAspect="1"/>
+          </p:cNvPicPr>
+          <p:nvPr/>
+        </p:nvPicPr>
+        <p:blipFill rotWithShape="1">
+          <a:blip r:embed="rId5">
+            <a:extLst>
+              <a:ext uri="{28A0092B-C50C-407E-A947-70E740481C1C}">
+                <a14:useLocalDpi xmlns:a14="http://schemas.microsoft.com/office/drawing/2010/main" val="0"/>
+              </a:ext>
+            </a:extLst>
+          </a:blip>
+          <a:srcRect b="20618"/>
+          <a:stretch/>
+        </p:blipFill>
+        <p:spPr>
+          <a:xfrm>
+            <a:off x="0" y="0"/>
+            <a:ext cx="12192000" cy="4627406"/>
+          </a:xfrm>
+          <a:prstGeom prst="rect">
+            <a:avLst/>
+          </a:prstGeom>
+        </p:spPr>
+      </p:pic>
+    </p:spTree>
+    <p:extLst>
+      <p:ext uri="{BB962C8B-B14F-4D97-AF65-F5344CB8AC3E}">
+        <p14:creationId xmlns:p14="http://schemas.microsoft.com/office/powerpoint/2010/main" val="1538874787"/>
+      </p:ext>
+    </p:extLst>
+  </p:cSld>
+  <p:clrMapOvr>
+    <a:masterClrMapping/>
+  </p:clrMapOvr>
+</p:sld>
+</file>
+
+<file path=ppt/slides/slide2.xml><?xml version="1.0" encoding="utf-8"?>
+<p:sld xmlns:a="http://schemas.openxmlformats.org/drawingml/2006/main" xmlns:r="http://schemas.openxmlformats.org/officeDocument/2006/relationships" xmlns:p="http://schemas.openxmlformats.org/presentationml/2006/main">
+  <p:cSld>
+    <p:bg>
+      <p:bgPr>
+        <a:solidFill>
+          <a:schemeClr val="bg1"/>
+        </a:solidFill>
+        <a:effectLst/>
+      </p:bgPr>
+    </p:bg>
+    <p:spTree>
+      <p:nvGrpSpPr>
+        <p:cNvPr id="1" name=""/>
+        <p:cNvGrpSpPr/>
+        <p:nvPr/>
+      </p:nvGrpSpPr>
+      <p:grpSpPr>
+        <a:xfrm>
+          <a:off x="0" y="0"/>
+          <a:ext cx="0" cy="0"/>
+          <a:chOff x="0" y="0"/>
+          <a:chExt cx="0" cy="0"/>
+        </a:xfrm>
+      </p:grpSpPr>
+      <p:sp>
+        <p:nvSpPr>
+          <p:cNvPr id="47" name="Rechteck 46">
+            <a:extLst>
+              <a:ext uri="{FF2B5EF4-FFF2-40B4-BE49-F238E27FC236}">
+                <a16:creationId xmlns:a16="http://schemas.microsoft.com/office/drawing/2014/main" id="{FBDCECDC-EEE3-4128-AA5E-82A8C08796E8}"/>
+              </a:ext>
+              <a:ext uri="{C183D7F6-B498-43B3-948B-1728B52AA6E4}">
+                <adec:decorative xmlns:adec="http://schemas.microsoft.com/office/drawing/2017/decorative" val="1"/>
+              </a:ext>
+            </a:extLst>
+          </p:cNvPr>
+          <p:cNvSpPr>
+            <a:spLocks noGrp="1" noRot="1" noChangeAspect="1" noMove="1" noResize="1" noEditPoints="1" noAdjustHandles="1" noChangeArrowheads="1" noChangeShapeType="1" noTextEdit="1"/>
+          </p:cNvSpPr>
+          <p:nvPr>
+            <p:extLst>
+              <p:ext uri="{386F3935-93C4-4BCD-93E2-E3B085C9AB24}">
+                <p16:designElem xmlns:p16="http://schemas.microsoft.com/office/powerpoint/2015/main" val="1"/>
+              </p:ext>
+            </p:extLst>
+          </p:nvPr>
+        </p:nvSpPr>
+        <p:spPr>
+          <a:xfrm>
+            <a:off x="1507" y="0"/>
+            <a:ext cx="12192000" cy="6858000"/>
+          </a:xfrm>
+          <a:prstGeom prst="rect">
+            <a:avLst/>
+          </a:prstGeom>
+          <a:solidFill>
+            <a:schemeClr val="accent1"/>
+          </a:solidFill>
+          <a:ln>
+            <a:noFill/>
+          </a:ln>
+        </p:spPr>
+        <p:style>
+          <a:lnRef idx="2">
+            <a:schemeClr val="accent1">
+              <a:shade val="50000"/>
+            </a:schemeClr>
+          </a:lnRef>
+          <a:fillRef idx="1">
+            <a:schemeClr val="accent1"/>
+          </a:fillRef>
+          <a:effectRef idx="0">
+            <a:schemeClr val="accent1"/>
+          </a:effectRef>
+          <a:fontRef idx="minor">
+            <a:schemeClr val="lt1"/>
+          </a:fontRef>
+        </p:style>
+        <p:txBody>
+          <a:bodyPr rtlCol="0" anchor="ctr"/>
+          <a:lstStyle/>
+          <a:p>
+            <a:pPr algn="ctr" rtl="0"/>
+            <a:endParaRPr lang="en-US"/>
+          </a:p>
+        </p:txBody>
+      </p:sp>
+      <p:sp>
+        <p:nvSpPr>
+          <p:cNvPr id="2" name="Titel 1">
+            <a:extLst>
+              <a:ext uri="{FF2B5EF4-FFF2-40B4-BE49-F238E27FC236}">
+                <a16:creationId xmlns:a16="http://schemas.microsoft.com/office/drawing/2014/main" id="{9AB2EA78-AEB3-469B-9025-3B17201A457B}"/>
+              </a:ext>
+            </a:extLst>
+          </p:cNvPr>
+          <p:cNvSpPr>
+            <a:spLocks noGrp="1"/>
+          </p:cNvSpPr>
+          <p:nvPr>
+            <p:ph type="ctrTitle"/>
+          </p:nvPr>
+        </p:nvSpPr>
+        <p:spPr>
+          <a:xfrm>
+            <a:off x="1097280" y="758952"/>
+            <a:ext cx="10058400" cy="3892168"/>
+          </a:xfrm>
+        </p:spPr>
+        <p:txBody>
+          <a:bodyPr rtlCol="0" anchor="ctr">
+            <a:normAutofit/>
+          </a:bodyPr>
+          <a:lstStyle/>
+          <a:p>
+            <a:pPr lvl="0" rtl="0"/>
+            <a:r>
+              <a:rPr lang="de-DE" sz="3200" dirty="0">
+                <a:solidFill>
+                  <a:schemeClr val="bg1"/>
+                </a:solidFill>
+                <a:latin typeface="-apple-system"/>
+              </a:rPr>
+              <a:t>,,</a:t>
+            </a:r>
+            <a:r>
+              <a:rPr lang="de-DE" sz="3200" b="0" i="0" dirty="0">
+                <a:solidFill>
+                  <a:schemeClr val="bg1"/>
+                </a:solidFill>
+                <a:effectLst/>
+                <a:latin typeface="-apple-system"/>
+              </a:rPr>
+              <a:t>Beim </a:t>
+            </a:r>
+            <a:r>
+              <a:rPr lang="de-DE" sz="3200" b="1" i="0" dirty="0" err="1">
+                <a:solidFill>
+                  <a:schemeClr val="bg1"/>
+                </a:solidFill>
+                <a:effectLst/>
+                <a:latin typeface="-apple-system"/>
+              </a:rPr>
+              <a:t>Prototyping</a:t>
+            </a:r>
+            <a:r>
+              <a:rPr lang="de-DE" sz="3200" b="0" i="0" dirty="0">
+                <a:solidFill>
+                  <a:schemeClr val="bg1"/>
+                </a:solidFill>
+                <a:effectLst/>
+                <a:latin typeface="-apple-system"/>
+              </a:rPr>
+              <a:t> wird ein Entwurf als erste Version eines Produktes durch eine agile Vorgehensweise erzeugt. Dieser Entwurf dient der frühen Visualisierung und iterativen Optimierung einer Benutzeroberfläche und deren Interaktionsmöglichkeiten.“</a:t>
+            </a:r>
+            <a:endParaRPr lang="de" sz="3200" i="1" dirty="0">
+              <a:solidFill>
+                <a:schemeClr val="bg1"/>
+              </a:solidFill>
+              <a:latin typeface="-apple-system"/>
+            </a:endParaRPr>
+          </a:p>
+        </p:txBody>
+      </p:sp>
+      <p:sp>
+        <p:nvSpPr>
+          <p:cNvPr id="49" name="Rechteck 48">
+            <a:extLst>
+              <a:ext uri="{FF2B5EF4-FFF2-40B4-BE49-F238E27FC236}">
+                <a16:creationId xmlns:a16="http://schemas.microsoft.com/office/drawing/2014/main" id="{4260EDE0-989C-4E16-AF94-F652294D828E}"/>
+              </a:ext>
+              <a:ext uri="{C183D7F6-B498-43B3-948B-1728B52AA6E4}">
+                <adec:decorative xmlns:adec="http://schemas.microsoft.com/office/drawing/2017/decorative" val="1"/>
+              </a:ext>
+            </a:extLst>
+          </p:cNvPr>
+          <p:cNvSpPr>
+            <a:spLocks noGrp="1" noRot="1" noChangeAspect="1" noMove="1" noResize="1" noEditPoints="1" noAdjustHandles="1" noChangeArrowheads="1" noChangeShapeType="1" noTextEdit="1"/>
+          </p:cNvSpPr>
+          <p:nvPr>
+            <p:extLst>
+              <p:ext uri="{386F3935-93C4-4BCD-93E2-E3B085C9AB24}">
+                <p16:designElem xmlns:p16="http://schemas.microsoft.com/office/powerpoint/2015/main" val="1"/>
+              </p:ext>
+            </p:extLst>
+          </p:nvPr>
+        </p:nvSpPr>
+        <p:spPr bwMode="white">
+          <a:xfrm>
+            <a:off x="1507" y="4953000"/>
+            <a:ext cx="12188952" cy="1905000"/>
+          </a:xfrm>
+          <a:prstGeom prst="rect">
+            <a:avLst/>
+          </a:prstGeom>
+          <a:solidFill>
+            <a:srgbClr val="262626"/>
+          </a:solidFill>
+          <a:ln>
+            <a:noFill/>
+          </a:ln>
+        </p:spPr>
+        <p:style>
+          <a:lnRef idx="2">
+            <a:schemeClr val="accent1">
+              <a:shade val="50000"/>
+            </a:schemeClr>
+          </a:lnRef>
+          <a:fillRef idx="1">
+            <a:schemeClr val="accent1"/>
+          </a:fillRef>
+          <a:effectRef idx="0">
+            <a:schemeClr val="accent1"/>
+          </a:effectRef>
+          <a:fontRef idx="minor">
+            <a:schemeClr val="lt1"/>
+          </a:fontRef>
+        </p:style>
+      </p:sp>
+      <p:sp>
+        <p:nvSpPr>
+          <p:cNvPr id="3" name="Untertitel 2">
+            <a:extLst>
+              <a:ext uri="{FF2B5EF4-FFF2-40B4-BE49-F238E27FC236}">
+                <a16:creationId xmlns:a16="http://schemas.microsoft.com/office/drawing/2014/main" id="{255E1F2F-E259-4EA8-9FFD-3A10AF541859}"/>
+              </a:ext>
+            </a:extLst>
+          </p:cNvPr>
+          <p:cNvSpPr>
+            <a:spLocks noGrp="1"/>
+          </p:cNvSpPr>
+          <p:nvPr>
+            <p:ph type="subTitle" idx="1"/>
+          </p:nvPr>
+        </p:nvSpPr>
+        <p:spPr>
+          <a:xfrm>
+            <a:off x="1100051" y="5225240"/>
+            <a:ext cx="10058400" cy="1143000"/>
+          </a:xfrm>
+        </p:spPr>
+        <p:txBody>
+          <a:bodyPr rtlCol="0">
+            <a:normAutofit/>
+          </a:bodyPr>
+          <a:lstStyle/>
+          <a:p>
+            <a:r>
+              <a:rPr lang="de" sz="1500" dirty="0">
+                <a:solidFill>
+                  <a:srgbClr val="FFFFFF"/>
+                </a:solidFill>
+              </a:rPr>
+              <a:t>Quelle: </a:t>
+            </a:r>
+            <a:br>
+              <a:rPr lang="de-DE" sz="1100" u="sng" dirty="0">
+                <a:solidFill>
+                  <a:srgbClr val="24292E"/>
+                </a:solidFill>
+                <a:latin typeface="-apple-system"/>
+              </a:rPr>
+            </a:br>
+            <a:r>
+              <a:rPr lang="de-DE" sz="1100" dirty="0">
+                <a:hlinkClick r:id="rId2"/>
+              </a:rPr>
+              <a:t>Warum </a:t>
+            </a:r>
+            <a:r>
+              <a:rPr lang="de-DE" sz="1100" dirty="0" err="1">
+                <a:hlinkClick r:id="rId2"/>
+              </a:rPr>
+              <a:t>Prototyping</a:t>
+            </a:r>
+            <a:r>
+              <a:rPr lang="de-DE" sz="1100" dirty="0">
+                <a:hlinkClick r:id="rId2"/>
+              </a:rPr>
+              <a:t> heutzutage unverzichtbar ist - </a:t>
+            </a:r>
+            <a:r>
+              <a:rPr lang="de-DE" sz="1100" dirty="0" err="1">
+                <a:hlinkClick r:id="rId2"/>
+              </a:rPr>
+              <a:t>basecom</a:t>
+            </a:r>
+            <a:endParaRPr lang="de-DE" sz="1400" dirty="0"/>
+          </a:p>
+          <a:p>
+            <a:pPr rtl="0"/>
+            <a:endParaRPr lang="de" sz="2000" dirty="0">
+              <a:solidFill>
+                <a:srgbClr val="FFFFFF"/>
+              </a:solidFill>
+            </a:endParaRPr>
+          </a:p>
+        </p:txBody>
+      </p:sp>
+      <p:sp>
+        <p:nvSpPr>
+          <p:cNvPr id="4" name="Foliennummernplatzhalter 3">
+            <a:extLst>
+              <a:ext uri="{FF2B5EF4-FFF2-40B4-BE49-F238E27FC236}">
+                <a16:creationId xmlns:a16="http://schemas.microsoft.com/office/drawing/2014/main" id="{34E22E51-4478-4FA7-BA99-61E4A491B8A6}"/>
+              </a:ext>
+            </a:extLst>
+          </p:cNvPr>
+          <p:cNvSpPr>
+            <a:spLocks noGrp="1"/>
+          </p:cNvSpPr>
+          <p:nvPr>
+            <p:ph type="sldNum" sz="quarter" idx="12"/>
+          </p:nvPr>
+        </p:nvSpPr>
+        <p:spPr/>
+        <p:txBody>
+          <a:bodyPr/>
+          <a:lstStyle/>
+          <a:p>
+            <a:pPr rtl="0"/>
+            <a:fld id="{3A98EE3D-8CD1-4C3F-BD1C-C98C9596463C}" type="slidenum">
+              <a:rPr lang="en-US" smtClean="0"/>
+              <a:t>2</a:t>
+            </a:fld>
+            <a:endParaRPr lang="en-US" dirty="0"/>
+          </a:p>
+        </p:txBody>
+      </p:sp>
+    </p:spTree>
+    <p:extLst>
+      <p:ext uri="{BB962C8B-B14F-4D97-AF65-F5344CB8AC3E}">
+        <p14:creationId xmlns:p14="http://schemas.microsoft.com/office/powerpoint/2010/main" val="191714609"/>
+      </p:ext>
+    </p:extLst>
+  </p:cSld>
+  <p:clrMapOvr>
+    <a:masterClrMapping/>
+  </p:clrMapOvr>
+</p:sld>
+</file>
+
+<file path=ppt/slides/slide3.xml><?xml version="1.0" encoding="utf-8"?>
+<p:sld xmlns:a="http://schemas.openxmlformats.org/drawingml/2006/main" xmlns:r="http://schemas.openxmlformats.org/officeDocument/2006/relationships" xmlns:p="http://schemas.openxmlformats.org/presentationml/2006/main">
+  <p:cSld>
+    <p:spTree>
+      <p:nvGrpSpPr>
+        <p:cNvPr id="1" name=""/>
+        <p:cNvGrpSpPr/>
+        <p:nvPr/>
+      </p:nvGrpSpPr>
+      <p:grpSpPr>
+        <a:xfrm>
+          <a:off x="0" y="0"/>
+          <a:ext cx="0" cy="0"/>
+          <a:chOff x="0" y="0"/>
+          <a:chExt cx="0" cy="0"/>
+        </a:xfrm>
+      </p:grpSpPr>
+      <p:sp>
+        <p:nvSpPr>
+          <p:cNvPr id="2" name="Titel 1">
+            <a:extLst>
+              <a:ext uri="{FF2B5EF4-FFF2-40B4-BE49-F238E27FC236}">
+                <a16:creationId xmlns:a16="http://schemas.microsoft.com/office/drawing/2014/main" id="{492E36D4-F4B4-468C-A22F-C0B64D0DC470}"/>
+              </a:ext>
+            </a:extLst>
+          </p:cNvPr>
+          <p:cNvSpPr>
+            <a:spLocks noGrp="1"/>
+          </p:cNvSpPr>
+          <p:nvPr>
+            <p:ph type="title"/>
+          </p:nvPr>
+        </p:nvSpPr>
+        <p:spPr/>
+        <p:txBody>
+          <a:bodyPr/>
+          <a:lstStyle/>
+          <a:p>
+            <a:r>
+              <a:rPr lang="de-DE" dirty="0"/>
+              <a:t>Vermerk:</a:t>
+            </a:r>
+          </a:p>
+        </p:txBody>
+      </p:sp>
+      <p:sp>
+        <p:nvSpPr>
+          <p:cNvPr id="3" name="Foliennummernplatzhalter 2">
+            <a:extLst>
+              <a:ext uri="{FF2B5EF4-FFF2-40B4-BE49-F238E27FC236}">
+                <a16:creationId xmlns:a16="http://schemas.microsoft.com/office/drawing/2014/main" id="{A4034147-4E4F-45E6-AEBD-DC5BBF65CC82}"/>
+              </a:ext>
+            </a:extLst>
+          </p:cNvPr>
+          <p:cNvSpPr>
+            <a:spLocks noGrp="1"/>
+          </p:cNvSpPr>
+          <p:nvPr>
+            <p:ph type="sldNum" sz="quarter" idx="12"/>
+          </p:nvPr>
+        </p:nvSpPr>
+        <p:spPr/>
+        <p:txBody>
+          <a:bodyPr/>
+          <a:lstStyle/>
+          <a:p>
+            <a:pPr rtl="0"/>
+            <a:fld id="{3A98EE3D-8CD1-4C3F-BD1C-C98C9596463C}" type="slidenum">
+              <a:rPr lang="en-US" smtClean="0"/>
+              <a:t>3</a:t>
+            </a:fld>
+            <a:endParaRPr lang="en-US" dirty="0"/>
+          </a:p>
+        </p:txBody>
+      </p:sp>
+      <p:sp>
+        <p:nvSpPr>
+          <p:cNvPr id="5" name="Textfeld 4">
+            <a:extLst>
+              <a:ext uri="{FF2B5EF4-FFF2-40B4-BE49-F238E27FC236}">
+                <a16:creationId xmlns:a16="http://schemas.microsoft.com/office/drawing/2014/main" id="{DB63D29E-4337-4C4F-B124-969A5AA18458}"/>
+              </a:ext>
+            </a:extLst>
+          </p:cNvPr>
+          <p:cNvSpPr txBox="1"/>
+          <p:nvPr/>
+        </p:nvSpPr>
+        <p:spPr>
+          <a:xfrm>
+            <a:off x="1097280" y="3076435"/>
+            <a:ext cx="10058400" cy="1369606"/>
+          </a:xfrm>
+          <a:prstGeom prst="rect">
+            <a:avLst/>
+          </a:prstGeom>
+          <a:noFill/>
+        </p:spPr>
+        <p:txBody>
+          <a:bodyPr wrap="square" rtlCol="0">
+            <a:spAutoFit/>
+          </a:bodyPr>
+          <a:lstStyle/>
+          <a:p>
+            <a:pPr algn="ctr"/>
+            <a:r>
+              <a:rPr lang="de-DE" sz="2700" dirty="0"/>
+              <a:t>Alle Artefakte mit Begründungen befinden sich auch noch einmal auf unserem GitHub </a:t>
+            </a:r>
+            <a:r>
+              <a:rPr lang="de-DE" sz="2800" dirty="0">
+                <a:hlinkClick r:id="rId2"/>
+              </a:rPr>
+              <a:t>Kplacken/EPWS2020SerttasPlackenhohn</a:t>
+            </a:r>
+            <a:r>
+              <a:rPr lang="de-DE" sz="2800" dirty="0"/>
+              <a:t> unter Wiki. </a:t>
+            </a:r>
+            <a:endParaRPr lang="de-DE" sz="2700" dirty="0"/>
+          </a:p>
+        </p:txBody>
+      </p:sp>
+    </p:spTree>
+    <p:extLst>
+      <p:ext uri="{BB962C8B-B14F-4D97-AF65-F5344CB8AC3E}">
+        <p14:creationId xmlns:p14="http://schemas.microsoft.com/office/powerpoint/2010/main" val="45970498"/>
+      </p:ext>
+    </p:extLst>
+  </p:cSld>
+  <p:clrMapOvr>
+    <a:masterClrMapping/>
+  </p:clrMapOvr>
+</p:sld>
+</file>
+
+<file path=ppt/slides/slide4.xml><?xml version="1.0" encoding="utf-8"?>
+<p:sld xmlns:a="http://schemas.openxmlformats.org/drawingml/2006/main" xmlns:r="http://schemas.openxmlformats.org/officeDocument/2006/relationships" xmlns:p="http://schemas.openxmlformats.org/presentationml/2006/main">
+  <p:cSld>
+    <p:spTree>
+      <p:nvGrpSpPr>
+        <p:cNvPr id="1" name=""/>
+        <p:cNvGrpSpPr/>
+        <p:nvPr/>
+      </p:nvGrpSpPr>
+      <p:grpSpPr>
+        <a:xfrm>
+          <a:off x="0" y="0"/>
+          <a:ext cx="0" cy="0"/>
+          <a:chOff x="0" y="0"/>
+          <a:chExt cx="0" cy="0"/>
+        </a:xfrm>
+      </p:grpSpPr>
+      <p:sp>
+        <p:nvSpPr>
+          <p:cNvPr id="2" name="Titel 1">
+            <a:extLst>
+              <a:ext uri="{FF2B5EF4-FFF2-40B4-BE49-F238E27FC236}">
+                <a16:creationId xmlns:a16="http://schemas.microsoft.com/office/drawing/2014/main" id="{8E6F87C2-E244-41E0-AFF6-CCBE3E7A9F0F}"/>
+              </a:ext>
+            </a:extLst>
+          </p:cNvPr>
+          <p:cNvSpPr>
+            <a:spLocks noGrp="1"/>
+          </p:cNvSpPr>
+          <p:nvPr>
+            <p:ph type="title"/>
+          </p:nvPr>
+        </p:nvSpPr>
+        <p:spPr/>
+        <p:txBody>
+          <a:bodyPr/>
+          <a:lstStyle/>
+          <a:p>
+            <a:r>
+              <a:rPr lang="de-DE" dirty="0"/>
+              <a:t>Inhalt</a:t>
+            </a:r>
+          </a:p>
+        </p:txBody>
+      </p:sp>
+      <p:sp>
+        <p:nvSpPr>
+          <p:cNvPr id="3" name="Inhaltsplatzhalter 2">
+            <a:extLst>
+              <a:ext uri="{FF2B5EF4-FFF2-40B4-BE49-F238E27FC236}">
+                <a16:creationId xmlns:a16="http://schemas.microsoft.com/office/drawing/2014/main" id="{B546AAA2-7A8F-484E-BDB8-F068E851712C}"/>
+              </a:ext>
+            </a:extLst>
+          </p:cNvPr>
+          <p:cNvSpPr>
+            <a:spLocks noGrp="1"/>
+          </p:cNvSpPr>
+          <p:nvPr>
+            <p:ph idx="1"/>
+          </p:nvPr>
+        </p:nvSpPr>
+        <p:spPr>
+          <a:xfrm>
+            <a:off x="1097280" y="2286586"/>
+            <a:ext cx="10058400" cy="4160252"/>
+          </a:xfrm>
+        </p:spPr>
+        <p:txBody>
+          <a:bodyPr>
+            <a:normAutofit/>
+          </a:bodyPr>
+          <a:lstStyle/>
+          <a:p>
+            <a:pPr marL="457200" indent="-457200">
+              <a:buFont typeface="+mj-lt"/>
+              <a:buAutoNum type="arabicPeriod"/>
+            </a:pPr>
+            <a:r>
+              <a:rPr lang="de-DE" dirty="0">
+                <a:latin typeface="-apple-system"/>
+              </a:rPr>
+              <a:t>Iterierte Modellierung</a:t>
+            </a:r>
+          </a:p>
+          <a:p>
+            <a:pPr marL="749808" lvl="1" indent="-457200">
+              <a:buFont typeface="+mj-lt"/>
+              <a:buAutoNum type="arabicPeriod"/>
+            </a:pPr>
+            <a:r>
+              <a:rPr lang="de-DE" dirty="0">
+                <a:latin typeface="-apple-system"/>
+              </a:rPr>
+              <a:t>Domänenmodell</a:t>
+            </a:r>
+          </a:p>
+          <a:p>
+            <a:pPr marL="457200" indent="-457200">
+              <a:buFont typeface="+mj-lt"/>
+              <a:buAutoNum type="arabicPeriod"/>
+            </a:pPr>
+            <a:r>
+              <a:rPr lang="de-DE" dirty="0">
+                <a:latin typeface="-apple-system"/>
+              </a:rPr>
+              <a:t>Coding</a:t>
+            </a:r>
+          </a:p>
+          <a:p>
+            <a:pPr marL="457200" indent="-457200">
+              <a:buFont typeface="+mj-lt"/>
+              <a:buAutoNum type="arabicPeriod"/>
+            </a:pPr>
+            <a:r>
+              <a:rPr lang="de-DE" dirty="0">
+                <a:latin typeface="-apple-system"/>
+              </a:rPr>
+              <a:t>Zielhierarchie</a:t>
+            </a:r>
+          </a:p>
+          <a:p>
+            <a:pPr marL="457200" indent="-457200">
+              <a:buFont typeface="+mj-lt"/>
+              <a:buAutoNum type="arabicPeriod"/>
+            </a:pPr>
+            <a:r>
+              <a:rPr lang="de-DE" dirty="0">
+                <a:latin typeface="-apple-system"/>
+              </a:rPr>
+              <a:t>Fazit</a:t>
+            </a:r>
+          </a:p>
+          <a:p>
+            <a:pPr marL="457200" indent="-457200">
+              <a:buFont typeface="+mj-lt"/>
+              <a:buAutoNum type="arabicPeriod"/>
+            </a:pPr>
+            <a:r>
+              <a:rPr lang="de-DE" dirty="0">
+                <a:latin typeface="-apple-system"/>
+              </a:rPr>
+              <a:t>Quellen</a:t>
+            </a:r>
+          </a:p>
+        </p:txBody>
+      </p:sp>
+      <p:sp>
+        <p:nvSpPr>
+          <p:cNvPr id="5" name="Foliennummernplatzhalter 4">
+            <a:extLst>
+              <a:ext uri="{FF2B5EF4-FFF2-40B4-BE49-F238E27FC236}">
+                <a16:creationId xmlns:a16="http://schemas.microsoft.com/office/drawing/2014/main" id="{83972841-72E7-45F6-9D79-4FAE81CFBAF2}"/>
+              </a:ext>
+            </a:extLst>
+          </p:cNvPr>
+          <p:cNvSpPr>
+            <a:spLocks noGrp="1"/>
+          </p:cNvSpPr>
+          <p:nvPr>
+            <p:ph type="sldNum" sz="quarter" idx="12"/>
+          </p:nvPr>
+        </p:nvSpPr>
+        <p:spPr/>
+        <p:txBody>
+          <a:bodyPr/>
+          <a:lstStyle/>
+          <a:p>
+            <a:pPr rtl="0"/>
+            <a:fld id="{3A98EE3D-8CD1-4C3F-BD1C-C98C9596463C}" type="slidenum">
+              <a:rPr lang="en-US" smtClean="0"/>
+              <a:t>4</a:t>
+            </a:fld>
+            <a:endParaRPr lang="en-US" dirty="0"/>
+          </a:p>
+        </p:txBody>
+      </p:sp>
+    </p:spTree>
+    <p:extLst>
+      <p:ext uri="{BB962C8B-B14F-4D97-AF65-F5344CB8AC3E}">
+        <p14:creationId xmlns:p14="http://schemas.microsoft.com/office/powerpoint/2010/main" val="69688017"/>
+      </p:ext>
+    </p:extLst>
+  </p:cSld>
+  <p:clrMapOvr>
+    <a:masterClrMapping/>
+  </p:clrMapOvr>
+</p:sld>
+</file>
+
+<file path=ppt/slides/slide5.xml><?xml version="1.0" encoding="utf-8"?>
+<p:sld xmlns:a="http://schemas.openxmlformats.org/drawingml/2006/main" xmlns:r="http://schemas.openxmlformats.org/officeDocument/2006/relationships" xmlns:p="http://schemas.openxmlformats.org/presentationml/2006/main">
+  <p:cSld>
+    <p:spTree>
+      <p:nvGrpSpPr>
+        <p:cNvPr id="1" name=""/>
+        <p:cNvGrpSpPr/>
+        <p:nvPr/>
+      </p:nvGrpSpPr>
+      <p:grpSpPr>
+        <a:xfrm>
+          <a:off x="0" y="0"/>
+          <a:ext cx="0" cy="0"/>
+          <a:chOff x="0" y="0"/>
+          <a:chExt cx="0" cy="0"/>
+        </a:xfrm>
+      </p:grpSpPr>
+      <p:sp>
+        <p:nvSpPr>
+          <p:cNvPr id="2" name="Titel 1">
+            <a:extLst>
+              <a:ext uri="{FF2B5EF4-FFF2-40B4-BE49-F238E27FC236}">
+                <a16:creationId xmlns:a16="http://schemas.microsoft.com/office/drawing/2014/main" id="{4DC4D8DE-1034-4059-B907-B2FCA56F6799}"/>
+              </a:ext>
+            </a:extLst>
+          </p:cNvPr>
+          <p:cNvSpPr>
+            <a:spLocks noGrp="1"/>
+          </p:cNvSpPr>
+          <p:nvPr>
+            <p:ph type="title"/>
+          </p:nvPr>
+        </p:nvSpPr>
+        <p:spPr>
+          <a:xfrm>
+            <a:off x="1097280" y="758952"/>
+            <a:ext cx="10058400" cy="3566160"/>
+          </a:xfrm>
+        </p:spPr>
+        <p:txBody>
+          <a:bodyPr anchor="b">
+            <a:normAutofit/>
+          </a:bodyPr>
+          <a:lstStyle/>
+          <a:p>
+            <a:r>
+              <a:rPr lang="de-DE" sz="7400" dirty="0"/>
+              <a:t>Iterierte Modellierung</a:t>
+            </a:r>
+          </a:p>
+        </p:txBody>
+      </p:sp>
+      <p:sp>
+        <p:nvSpPr>
+          <p:cNvPr id="3" name="Foliennummernplatzhalter 2">
+            <a:extLst>
+              <a:ext uri="{FF2B5EF4-FFF2-40B4-BE49-F238E27FC236}">
+                <a16:creationId xmlns:a16="http://schemas.microsoft.com/office/drawing/2014/main" id="{585CF4AE-527C-4AA2-906C-B9F7B3281748}"/>
+              </a:ext>
+            </a:extLst>
+          </p:cNvPr>
+          <p:cNvSpPr>
+            <a:spLocks noGrp="1"/>
+          </p:cNvSpPr>
+          <p:nvPr>
+            <p:ph type="sldNum" sz="quarter" idx="12"/>
+          </p:nvPr>
+        </p:nvSpPr>
+        <p:spPr>
+          <a:xfrm>
+            <a:off x="10993582" y="6446838"/>
+            <a:ext cx="780010" cy="365125"/>
+          </a:xfrm>
+        </p:spPr>
+        <p:txBody>
+          <a:bodyPr anchor="ctr">
+            <a:normAutofit/>
+          </a:bodyPr>
+          <a:lstStyle/>
+          <a:p>
+            <a:pPr rtl="0">
+              <a:spcAft>
+                <a:spcPts val="600"/>
+              </a:spcAft>
+            </a:pPr>
+            <a:fld id="{3A98EE3D-8CD1-4C3F-BD1C-C98C9596463C}" type="slidenum">
+              <a:rPr lang="en-US" smtClean="0"/>
+              <a:pPr rtl="0">
+                <a:spcAft>
+                  <a:spcPts val="600"/>
+                </a:spcAft>
+              </a:pPr>
+              <a:t>5</a:t>
+            </a:fld>
+            <a:endParaRPr lang="en-US"/>
+          </a:p>
+        </p:txBody>
+      </p:sp>
+      <p:sp>
+        <p:nvSpPr>
+          <p:cNvPr id="4" name="Titel 1">
+            <a:extLst>
+              <a:ext uri="{FF2B5EF4-FFF2-40B4-BE49-F238E27FC236}">
+                <a16:creationId xmlns:a16="http://schemas.microsoft.com/office/drawing/2014/main" id="{14040106-2C9B-47A0-AA16-571538A46A0C}"/>
+              </a:ext>
+            </a:extLst>
+          </p:cNvPr>
+          <p:cNvSpPr txBox="1">
+            <a:spLocks/>
+          </p:cNvSpPr>
+          <p:nvPr/>
+        </p:nvSpPr>
+        <p:spPr>
+          <a:xfrm>
+            <a:off x="1097280" y="4744569"/>
+            <a:ext cx="10058400" cy="641405"/>
+          </a:xfrm>
+          <a:prstGeom prst="rect">
+            <a:avLst/>
+          </a:prstGeom>
+        </p:spPr>
+        <p:txBody>
+          <a:bodyPr vert="horz" lIns="91440" tIns="45720" rIns="91440" bIns="45720" rtlCol="0" anchor="b" anchorCtr="0">
+            <a:normAutofit fontScale="62500" lnSpcReduction="20000"/>
+          </a:bodyPr>
+          <a:lstStyle>
+            <a:lvl1pPr algn="l" defTabSz="914400" rtl="0" eaLnBrk="1" latinLnBrk="0" hangingPunct="1">
+              <a:lnSpc>
+                <a:spcPct val="90000"/>
+              </a:lnSpc>
+              <a:spcBef>
+                <a:spcPct val="0"/>
+              </a:spcBef>
+              <a:buNone/>
+              <a:defRPr sz="8000" b="0" i="0" kern="1200" spc="-50" baseline="0">
+                <a:solidFill>
+                  <a:schemeClr val="tx1">
+                    <a:lumMod val="85000"/>
+                    <a:lumOff val="15000"/>
+                  </a:schemeClr>
+                </a:solidFill>
+                <a:latin typeface="+mj-lt"/>
+                <a:ea typeface="+mj-ea"/>
+                <a:cs typeface="+mj-cs"/>
+              </a:defRPr>
+            </a:lvl1pPr>
+          </a:lstStyle>
+          <a:p>
+            <a:endParaRPr lang="de-DE" sz="7900" dirty="0"/>
+          </a:p>
+        </p:txBody>
+      </p:sp>
+    </p:spTree>
+    <p:extLst>
+      <p:ext uri="{BB962C8B-B14F-4D97-AF65-F5344CB8AC3E}">
+        <p14:creationId xmlns:p14="http://schemas.microsoft.com/office/powerpoint/2010/main" val="2273288455"/>
+      </p:ext>
+    </p:extLst>
+  </p:cSld>
+  <p:clrMapOvr>
+    <a:masterClrMapping/>
+  </p:clrMapOvr>
+</p:sld>
+</file>
+
+<file path=ppt/slides/slide6.xml><?xml version="1.0" encoding="utf-8"?>
+<p:sld xmlns:a="http://schemas.openxmlformats.org/drawingml/2006/main" xmlns:r="http://schemas.openxmlformats.org/officeDocument/2006/relationships" xmlns:p="http://schemas.openxmlformats.org/presentationml/2006/main">
+  <p:cSld>
+    <p:spTree>
+      <p:nvGrpSpPr>
+        <p:cNvPr id="1" name=""/>
+        <p:cNvGrpSpPr/>
+        <p:nvPr/>
+      </p:nvGrpSpPr>
+      <p:grpSpPr>
+        <a:xfrm>
+          <a:off x="0" y="0"/>
+          <a:ext cx="0" cy="0"/>
+          <a:chOff x="0" y="0"/>
+          <a:chExt cx="0" cy="0"/>
+        </a:xfrm>
+      </p:grpSpPr>
+      <p:sp>
+        <p:nvSpPr>
+          <p:cNvPr id="2" name="Titel 1">
+            <a:extLst>
+              <a:ext uri="{FF2B5EF4-FFF2-40B4-BE49-F238E27FC236}">
+                <a16:creationId xmlns:a16="http://schemas.microsoft.com/office/drawing/2014/main" id="{80EE4ADB-3912-4818-9107-B9B53667FC56}"/>
+              </a:ext>
+            </a:extLst>
+          </p:cNvPr>
+          <p:cNvSpPr>
+            <a:spLocks noGrp="1"/>
+          </p:cNvSpPr>
+          <p:nvPr>
+            <p:ph type="title"/>
+          </p:nvPr>
+        </p:nvSpPr>
+        <p:spPr>
+          <a:xfrm>
+            <a:off x="1097280" y="286603"/>
+            <a:ext cx="10058400" cy="1450757"/>
+          </a:xfrm>
+        </p:spPr>
+        <p:txBody>
+          <a:bodyPr anchor="b">
+            <a:normAutofit/>
+          </a:bodyPr>
+          <a:lstStyle/>
+          <a:p>
+            <a:r>
+              <a:rPr lang="de-DE"/>
+              <a:t>Domänenmodell</a:t>
+            </a:r>
+          </a:p>
+        </p:txBody>
+      </p:sp>
+      <p:pic>
+        <p:nvPicPr>
+          <p:cNvPr id="5" name="Grafik 4">
+            <a:extLst>
+              <a:ext uri="{FF2B5EF4-FFF2-40B4-BE49-F238E27FC236}">
+                <a16:creationId xmlns:a16="http://schemas.microsoft.com/office/drawing/2014/main" id="{E1BD5BA9-0475-4344-9704-09C5A6417CA2}"/>
+              </a:ext>
+            </a:extLst>
+          </p:cNvPr>
+          <p:cNvPicPr>
+            <a:picLocks noChangeAspect="1"/>
+          </p:cNvPicPr>
+          <p:nvPr/>
+        </p:nvPicPr>
+        <p:blipFill rotWithShape="1">
+          <a:blip r:embed="rId3">
+            <a:extLst>
+              <a:ext uri="{28A0092B-C50C-407E-A947-70E740481C1C}">
+                <a14:useLocalDpi xmlns:a14="http://schemas.microsoft.com/office/drawing/2010/main" val="0"/>
+              </a:ext>
+            </a:extLst>
+          </a:blip>
+          <a:srcRect t="2621" b="3375"/>
+          <a:stretch/>
+        </p:blipFill>
+        <p:spPr>
+          <a:xfrm>
+            <a:off x="1929807" y="1958007"/>
+            <a:ext cx="8393346" cy="4378987"/>
+          </a:xfrm>
+          <a:prstGeom prst="rect">
+            <a:avLst/>
+          </a:prstGeom>
+          <a:noFill/>
+        </p:spPr>
+      </p:pic>
+      <p:sp>
+        <p:nvSpPr>
+          <p:cNvPr id="4" name="Foliennummernplatzhalter 3">
+            <a:extLst>
+              <a:ext uri="{FF2B5EF4-FFF2-40B4-BE49-F238E27FC236}">
+                <a16:creationId xmlns:a16="http://schemas.microsoft.com/office/drawing/2014/main" id="{0A6814A5-E621-4F6A-97F4-4E20661FA280}"/>
+              </a:ext>
+            </a:extLst>
+          </p:cNvPr>
+          <p:cNvSpPr>
+            <a:spLocks noGrp="1"/>
+          </p:cNvSpPr>
+          <p:nvPr>
+            <p:ph type="sldNum" sz="quarter" idx="12"/>
+          </p:nvPr>
+        </p:nvSpPr>
+        <p:spPr>
+          <a:xfrm>
+            <a:off x="10993582" y="6446838"/>
+            <a:ext cx="780010" cy="365125"/>
+          </a:xfrm>
+        </p:spPr>
+        <p:txBody>
+          <a:bodyPr anchor="ctr">
+            <a:normAutofit/>
+          </a:bodyPr>
+          <a:lstStyle/>
+          <a:p>
+            <a:pPr rtl="0">
+              <a:spcAft>
+                <a:spcPts val="600"/>
+              </a:spcAft>
+            </a:pPr>
+            <a:fld id="{3A98EE3D-8CD1-4C3F-BD1C-C98C9596463C}" type="slidenum">
+              <a:rPr lang="en-US" smtClean="0"/>
+              <a:pPr rtl="0">
+                <a:spcAft>
+                  <a:spcPts val="600"/>
+                </a:spcAft>
+              </a:pPr>
+              <a:t>6</a:t>
+            </a:fld>
+            <a:endParaRPr lang="en-US"/>
+          </a:p>
+        </p:txBody>
+      </p:sp>
+    </p:spTree>
+    <p:extLst>
+      <p:ext uri="{BB962C8B-B14F-4D97-AF65-F5344CB8AC3E}">
+        <p14:creationId xmlns:p14="http://schemas.microsoft.com/office/powerpoint/2010/main" val="281341001"/>
+      </p:ext>
+    </p:extLst>
+  </p:cSld>
+  <p:clrMapOvr>
+    <a:masterClrMapping/>
+  </p:clrMapOvr>
+</p:sld>
+</file>
+
+<file path=ppt/slides/slide7.xml><?xml version="1.0" encoding="utf-8"?>
+<p:sld xmlns:a="http://schemas.openxmlformats.org/drawingml/2006/main" xmlns:r="http://schemas.openxmlformats.org/officeDocument/2006/relationships" xmlns:p="http://schemas.openxmlformats.org/presentationml/2006/main">
+  <p:cSld>
+    <p:spTree>
+      <p:nvGrpSpPr>
+        <p:cNvPr id="1" name=""/>
+        <p:cNvGrpSpPr/>
+        <p:nvPr/>
+      </p:nvGrpSpPr>
+      <p:grpSpPr>
+        <a:xfrm>
+          <a:off x="0" y="0"/>
+          <a:ext cx="0" cy="0"/>
+          <a:chOff x="0" y="0"/>
+          <a:chExt cx="0" cy="0"/>
+        </a:xfrm>
+      </p:grpSpPr>
+      <p:sp>
+        <p:nvSpPr>
+          <p:cNvPr id="2" name="Titel 1">
+            <a:extLst>
+              <a:ext uri="{FF2B5EF4-FFF2-40B4-BE49-F238E27FC236}">
+                <a16:creationId xmlns:a16="http://schemas.microsoft.com/office/drawing/2014/main" id="{436359DD-4B52-4F0A-9866-3DCBBE533075}"/>
+              </a:ext>
+            </a:extLst>
+          </p:cNvPr>
+          <p:cNvSpPr>
+            <a:spLocks noGrp="1"/>
+          </p:cNvSpPr>
+          <p:nvPr>
+            <p:ph type="title"/>
+          </p:nvPr>
+        </p:nvSpPr>
+        <p:spPr/>
+        <p:txBody>
+          <a:bodyPr/>
+          <a:lstStyle/>
+          <a:p>
+            <a:r>
+              <a:rPr lang="de-DE" dirty="0"/>
+              <a:t>Coding</a:t>
+            </a:r>
+          </a:p>
+        </p:txBody>
+      </p:sp>
+      <p:sp>
+        <p:nvSpPr>
+          <p:cNvPr id="3" name="Textplatzhalter 2">
+            <a:extLst>
+              <a:ext uri="{FF2B5EF4-FFF2-40B4-BE49-F238E27FC236}">
+                <a16:creationId xmlns:a16="http://schemas.microsoft.com/office/drawing/2014/main" id="{020E7A6C-5273-4AF6-A6C9-99B7EF7074CF}"/>
+              </a:ext>
+            </a:extLst>
+          </p:cNvPr>
+          <p:cNvSpPr>
+            <a:spLocks noGrp="1"/>
+          </p:cNvSpPr>
+          <p:nvPr>
+            <p:ph type="body" idx="1"/>
+          </p:nvPr>
+        </p:nvSpPr>
+        <p:spPr>
+          <a:xfrm>
+            <a:off x="1097280" y="4663440"/>
+            <a:ext cx="10504910" cy="1143000"/>
+          </a:xfrm>
+        </p:spPr>
+        <p:txBody>
+          <a:bodyPr>
+            <a:normAutofit/>
+          </a:bodyPr>
+          <a:lstStyle/>
+          <a:p>
+            <a:r>
+              <a:rPr lang="de-DE" sz="2000" dirty="0"/>
+              <a:t>Den code dazu finden SIE in UNSEREM GitHub: </a:t>
+            </a:r>
+            <a:br>
+              <a:rPr lang="de-DE" sz="2000" dirty="0"/>
+            </a:br>
+            <a:r>
+              <a:rPr lang="de-DE" sz="1400" dirty="0"/>
+              <a:t>* </a:t>
+            </a:r>
+            <a:r>
+              <a:rPr lang="de-DE" sz="1400" dirty="0">
+                <a:hlinkClick r:id="rId3"/>
+              </a:rPr>
+              <a:t>EPWS2020SerttasPlackenhohn/Coding at </a:t>
+            </a:r>
+            <a:r>
+              <a:rPr lang="de-DE" sz="1400" dirty="0" err="1">
+                <a:hlinkClick r:id="rId3"/>
+              </a:rPr>
+              <a:t>main</a:t>
+            </a:r>
+            <a:r>
+              <a:rPr lang="de-DE" sz="1400" dirty="0">
+                <a:hlinkClick r:id="rId3"/>
+              </a:rPr>
+              <a:t> · Kplacken/EPWS2020SerttasPlackenhohn (github.com) </a:t>
+            </a:r>
+            <a:endParaRPr lang="de-DE" sz="1400" dirty="0"/>
+          </a:p>
+        </p:txBody>
+      </p:sp>
+      <p:sp>
+        <p:nvSpPr>
+          <p:cNvPr id="4" name="Foliennummernplatzhalter 3">
+            <a:extLst>
+              <a:ext uri="{FF2B5EF4-FFF2-40B4-BE49-F238E27FC236}">
+                <a16:creationId xmlns:a16="http://schemas.microsoft.com/office/drawing/2014/main" id="{AC9E70D6-4156-47E7-B66D-263C13269DBE}"/>
+              </a:ext>
+            </a:extLst>
+          </p:cNvPr>
+          <p:cNvSpPr>
+            <a:spLocks noGrp="1"/>
+          </p:cNvSpPr>
+          <p:nvPr>
+            <p:ph type="sldNum" sz="quarter" idx="12"/>
+          </p:nvPr>
+        </p:nvSpPr>
+        <p:spPr/>
+        <p:txBody>
+          <a:bodyPr/>
+          <a:lstStyle/>
+          <a:p>
+            <a:pPr rtl="0"/>
+            <a:fld id="{3A98EE3D-8CD1-4C3F-BD1C-C98C9596463C}" type="slidenum">
+              <a:rPr lang="en-US" smtClean="0"/>
+              <a:t>7</a:t>
+            </a:fld>
+            <a:endParaRPr lang="en-US" dirty="0"/>
+          </a:p>
+        </p:txBody>
+      </p:sp>
+    </p:spTree>
+    <p:extLst>
+      <p:ext uri="{BB962C8B-B14F-4D97-AF65-F5344CB8AC3E}">
+        <p14:creationId xmlns:p14="http://schemas.microsoft.com/office/powerpoint/2010/main" val="399139841"/>
+      </p:ext>
+    </p:extLst>
+  </p:cSld>
+  <p:clrMapOvr>
+    <a:masterClrMapping/>
+  </p:clrMapOvr>
+</p:sld>
+</file>
+
+<file path=ppt/slides/slide8.xml><?xml version="1.0" encoding="utf-8"?>
+<p:sld xmlns:a="http://schemas.openxmlformats.org/drawingml/2006/main" xmlns:r="http://schemas.openxmlformats.org/officeDocument/2006/relationships" xmlns:p="http://schemas.openxmlformats.org/presentationml/2006/main">
+  <p:cSld>
+    <p:spTree>
+      <p:nvGrpSpPr>
+        <p:cNvPr id="1" name=""/>
+        <p:cNvGrpSpPr/>
+        <p:nvPr/>
+      </p:nvGrpSpPr>
+      <p:grpSpPr>
+        <a:xfrm>
+          <a:off x="0" y="0"/>
+          <a:ext cx="0" cy="0"/>
+          <a:chOff x="0" y="0"/>
+          <a:chExt cx="0" cy="0"/>
+        </a:xfrm>
+      </p:grpSpPr>
+      <p:sp>
+        <p:nvSpPr>
+          <p:cNvPr id="2" name="Titel 1">
+            <a:extLst>
+              <a:ext uri="{FF2B5EF4-FFF2-40B4-BE49-F238E27FC236}">
+                <a16:creationId xmlns:a16="http://schemas.microsoft.com/office/drawing/2014/main" id="{4DC4D8DE-1034-4059-B907-B2FCA56F6799}"/>
+              </a:ext>
+            </a:extLst>
+          </p:cNvPr>
+          <p:cNvSpPr>
+            <a:spLocks noGrp="1"/>
+          </p:cNvSpPr>
+          <p:nvPr>
+            <p:ph type="title"/>
+          </p:nvPr>
+        </p:nvSpPr>
+        <p:spPr>
+          <a:xfrm>
+            <a:off x="1097280" y="758952"/>
+            <a:ext cx="10058400" cy="3566160"/>
+          </a:xfrm>
+        </p:spPr>
+        <p:txBody>
+          <a:bodyPr anchor="b">
+            <a:normAutofit/>
+          </a:bodyPr>
+          <a:lstStyle/>
+          <a:p>
+            <a:r>
+              <a:rPr lang="de-DE" sz="7400" dirty="0"/>
+              <a:t>Zielhierarchie</a:t>
+            </a:r>
+          </a:p>
+        </p:txBody>
+      </p:sp>
+      <p:sp>
+        <p:nvSpPr>
+          <p:cNvPr id="3" name="Foliennummernplatzhalter 2">
+            <a:extLst>
+              <a:ext uri="{FF2B5EF4-FFF2-40B4-BE49-F238E27FC236}">
+                <a16:creationId xmlns:a16="http://schemas.microsoft.com/office/drawing/2014/main" id="{585CF4AE-527C-4AA2-906C-B9F7B3281748}"/>
+              </a:ext>
+            </a:extLst>
+          </p:cNvPr>
+          <p:cNvSpPr>
+            <a:spLocks noGrp="1"/>
+          </p:cNvSpPr>
+          <p:nvPr>
+            <p:ph type="sldNum" sz="quarter" idx="12"/>
+          </p:nvPr>
+        </p:nvSpPr>
+        <p:spPr>
+          <a:xfrm>
+            <a:off x="10993582" y="6446838"/>
+            <a:ext cx="780010" cy="365125"/>
+          </a:xfrm>
+        </p:spPr>
+        <p:txBody>
+          <a:bodyPr anchor="ctr">
+            <a:normAutofit/>
+          </a:bodyPr>
+          <a:lstStyle/>
+          <a:p>
+            <a:pPr rtl="0">
+              <a:spcAft>
+                <a:spcPts val="600"/>
+              </a:spcAft>
+            </a:pPr>
+            <a:fld id="{3A98EE3D-8CD1-4C3F-BD1C-C98C9596463C}" type="slidenum">
+              <a:rPr lang="en-US" smtClean="0"/>
+              <a:pPr rtl="0">
+                <a:spcAft>
+                  <a:spcPts val="600"/>
+                </a:spcAft>
+              </a:pPr>
+              <a:t>8</a:t>
+            </a:fld>
+            <a:endParaRPr lang="en-US"/>
+          </a:p>
+        </p:txBody>
+      </p:sp>
+      <p:sp>
+        <p:nvSpPr>
+          <p:cNvPr id="4" name="Titel 1">
+            <a:extLst>
+              <a:ext uri="{FF2B5EF4-FFF2-40B4-BE49-F238E27FC236}">
+                <a16:creationId xmlns:a16="http://schemas.microsoft.com/office/drawing/2014/main" id="{14040106-2C9B-47A0-AA16-571538A46A0C}"/>
+              </a:ext>
+            </a:extLst>
+          </p:cNvPr>
+          <p:cNvSpPr txBox="1">
+            <a:spLocks/>
+          </p:cNvSpPr>
+          <p:nvPr/>
+        </p:nvSpPr>
+        <p:spPr>
+          <a:xfrm>
+            <a:off x="1097280" y="4744569"/>
+            <a:ext cx="10058400" cy="641405"/>
+          </a:xfrm>
+          <a:prstGeom prst="rect">
+            <a:avLst/>
+          </a:prstGeom>
+        </p:spPr>
+        <p:txBody>
+          <a:bodyPr vert="horz" lIns="91440" tIns="45720" rIns="91440" bIns="45720" rtlCol="0" anchor="b" anchorCtr="0">
+            <a:normAutofit fontScale="62500" lnSpcReduction="20000"/>
+          </a:bodyPr>
+          <a:lstStyle>
+            <a:lvl1pPr algn="l" defTabSz="914400" rtl="0" eaLnBrk="1" latinLnBrk="0" hangingPunct="1">
+              <a:lnSpc>
+                <a:spcPct val="90000"/>
+              </a:lnSpc>
+              <a:spcBef>
+                <a:spcPct val="0"/>
+              </a:spcBef>
+              <a:buNone/>
+              <a:defRPr sz="8000" b="0" i="0" kern="1200" spc="-50" baseline="0">
+                <a:solidFill>
+                  <a:schemeClr val="tx1">
+                    <a:lumMod val="85000"/>
+                    <a:lumOff val="15000"/>
+                  </a:schemeClr>
+                </a:solidFill>
+                <a:latin typeface="+mj-lt"/>
+                <a:ea typeface="+mj-ea"/>
+                <a:cs typeface="+mj-cs"/>
+              </a:defRPr>
+            </a:lvl1pPr>
+          </a:lstStyle>
+          <a:p>
+            <a:endParaRPr lang="de-DE" sz="7900" dirty="0"/>
+          </a:p>
+        </p:txBody>
+      </p:sp>
+    </p:spTree>
+    <p:extLst>
+      <p:ext uri="{BB962C8B-B14F-4D97-AF65-F5344CB8AC3E}">
+        <p14:creationId xmlns:p14="http://schemas.microsoft.com/office/powerpoint/2010/main" val="2660464370"/>
+      </p:ext>
+    </p:extLst>
+  </p:cSld>
+  <p:clrMapOvr>
+    <a:masterClrMapping/>
+  </p:clrMapOvr>
+</p:sld>
+</file>
+
+<file path=ppt/slides/slide9.xml><?xml version="1.0" encoding="utf-8"?>
+<p:sld xmlns:a="http://schemas.openxmlformats.org/drawingml/2006/main" xmlns:r="http://schemas.openxmlformats.org/officeDocument/2006/relationships" xmlns:p="http://schemas.openxmlformats.org/presentationml/2006/main">
+  <p:cSld>
+    <p:spTree>
+      <p:nvGrpSpPr>
+        <p:cNvPr id="1" name=""/>
+        <p:cNvGrpSpPr/>
+        <p:nvPr/>
+      </p:nvGrpSpPr>
+      <p:grpSpPr>
+        <a:xfrm>
+          <a:off x="0" y="0"/>
+          <a:ext cx="0" cy="0"/>
+          <a:chOff x="0" y="0"/>
+          <a:chExt cx="0" cy="0"/>
+        </a:xfrm>
+      </p:grpSpPr>
+      <p:sp>
+        <p:nvSpPr>
+          <p:cNvPr id="2" name="Titel 1">
+            <a:extLst>
+              <a:ext uri="{FF2B5EF4-FFF2-40B4-BE49-F238E27FC236}">
+                <a16:creationId xmlns:a16="http://schemas.microsoft.com/office/drawing/2014/main" id="{80EE4ADB-3912-4818-9107-B9B53667FC56}"/>
+              </a:ext>
+            </a:extLst>
+          </p:cNvPr>
+          <p:cNvSpPr>
+            <a:spLocks noGrp="1"/>
+          </p:cNvSpPr>
+          <p:nvPr>
+            <p:ph type="title"/>
+          </p:nvPr>
+        </p:nvSpPr>
+        <p:spPr>
+          <a:xfrm>
+            <a:off x="1097280" y="286603"/>
+            <a:ext cx="10058400" cy="1450757"/>
+          </a:xfrm>
+        </p:spPr>
+        <p:txBody>
+          <a:bodyPr anchor="b">
+            <a:normAutofit/>
+          </a:bodyPr>
+          <a:lstStyle/>
+          <a:p>
+            <a:r>
+              <a:rPr lang="de-DE" dirty="0"/>
+              <a:t>Zielhierarchie</a:t>
+            </a:r>
+          </a:p>
+        </p:txBody>
+      </p:sp>
+      <p:sp>
+        <p:nvSpPr>
+          <p:cNvPr id="4" name="Foliennummernplatzhalter 3">
+            <a:extLst>
+              <a:ext uri="{FF2B5EF4-FFF2-40B4-BE49-F238E27FC236}">
+                <a16:creationId xmlns:a16="http://schemas.microsoft.com/office/drawing/2014/main" id="{0A6814A5-E621-4F6A-97F4-4E20661FA280}"/>
+              </a:ext>
+            </a:extLst>
+          </p:cNvPr>
+          <p:cNvSpPr>
+            <a:spLocks noGrp="1"/>
+          </p:cNvSpPr>
+          <p:nvPr>
+            <p:ph type="sldNum" sz="quarter" idx="12"/>
+          </p:nvPr>
+        </p:nvSpPr>
+        <p:spPr>
+          <a:xfrm>
+            <a:off x="10993582" y="6446838"/>
+            <a:ext cx="780010" cy="365125"/>
+          </a:xfrm>
+        </p:spPr>
+        <p:txBody>
+          <a:bodyPr anchor="ctr">
+            <a:normAutofit/>
+          </a:bodyPr>
+          <a:lstStyle/>
+          <a:p>
+            <a:pPr rtl="0">
+              <a:spcAft>
+                <a:spcPts val="600"/>
+              </a:spcAft>
+            </a:pPr>
+            <a:fld id="{3A98EE3D-8CD1-4C3F-BD1C-C98C9596463C}" type="slidenum">
+              <a:rPr lang="en-US" smtClean="0"/>
+              <a:pPr rtl="0">
+                <a:spcAft>
+                  <a:spcPts val="600"/>
+                </a:spcAft>
+              </a:pPr>
+              <a:t>9</a:t>
+            </a:fld>
+            <a:endParaRPr lang="en-US"/>
+          </a:p>
+        </p:txBody>
+      </p:sp>
+      <p:pic>
+        <p:nvPicPr>
+          <p:cNvPr id="5" name="Grafik 4" descr="Ein Bild, das Text enthält.&#10;&#10;Automatisch generierte Beschreibung">
+            <a:extLst>
+              <a:ext uri="{FF2B5EF4-FFF2-40B4-BE49-F238E27FC236}">
+                <a16:creationId xmlns:a16="http://schemas.microsoft.com/office/drawing/2014/main" id="{BAD49A92-F664-475C-A0B0-442237C29E45}"/>
+              </a:ext>
+            </a:extLst>
+          </p:cNvPr>
+          <p:cNvPicPr>
+            <a:picLocks noChangeAspect="1"/>
+          </p:cNvPicPr>
+          <p:nvPr/>
+        </p:nvPicPr>
+        <p:blipFill rotWithShape="1">
+          <a:blip r:embed="rId3">
+            <a:extLst>
+              <a:ext uri="{28A0092B-C50C-407E-A947-70E740481C1C}">
+                <a14:useLocalDpi xmlns:a14="http://schemas.microsoft.com/office/drawing/2010/main" val="0"/>
+              </a:ext>
+            </a:extLst>
+          </a:blip>
+          <a:srcRect l="5502" t="14016" r="29430" b="14720"/>
+          <a:stretch/>
+        </p:blipFill>
+        <p:spPr>
+          <a:xfrm>
+            <a:off x="2619746" y="2002054"/>
+            <a:ext cx="6952507" cy="4283242"/>
+          </a:xfrm>
+          <a:prstGeom prst="rect">
+            <a:avLst/>
+          </a:prstGeom>
+        </p:spPr>
+      </p:pic>
+    </p:spTree>
+    <p:extLst>
+      <p:ext uri="{BB962C8B-B14F-4D97-AF65-F5344CB8AC3E}">
+        <p14:creationId xmlns:p14="http://schemas.microsoft.com/office/powerpoint/2010/main" val="3191535140"/>
       </p:ext>
     </p:extLst>
   </p:cSld>

--- a/Audits/Audit 4/WS2020_SerttasPlackenhohn_Audit4.pptx
+++ b/Audits/Audit 4/WS2020_SerttasPlackenhohn_Audit4.pptx
@@ -5,10 +5,10 @@
     <p:sldMasterId id="2147483746" r:id="rId1"/>
   </p:sldMasterIdLst>
   <p:notesMasterIdLst>
-    <p:notesMasterId r:id="rId16"/>
+    <p:notesMasterId r:id="rId18"/>
   </p:notesMasterIdLst>
   <p:handoutMasterIdLst>
-    <p:handoutMasterId r:id="rId17"/>
+    <p:handoutMasterId r:id="rId19"/>
   </p:handoutMasterIdLst>
   <p:sldIdLst>
     <p:sldId id="257" r:id="rId2"/>
@@ -18,13 +18,15 @@
     <p:sldId id="394" r:id="rId6"/>
     <p:sldId id="263" r:id="rId7"/>
     <p:sldId id="381" r:id="rId8"/>
-    <p:sldId id="399" r:id="rId9"/>
-    <p:sldId id="398" r:id="rId10"/>
-    <p:sldId id="395" r:id="rId11"/>
-    <p:sldId id="396" r:id="rId12"/>
-    <p:sldId id="397" r:id="rId13"/>
-    <p:sldId id="278" r:id="rId14"/>
-    <p:sldId id="271" r:id="rId15"/>
+    <p:sldId id="400" r:id="rId9"/>
+    <p:sldId id="402" r:id="rId10"/>
+    <p:sldId id="403" r:id="rId11"/>
+    <p:sldId id="399" r:id="rId12"/>
+    <p:sldId id="398" r:id="rId13"/>
+    <p:sldId id="396" r:id="rId14"/>
+    <p:sldId id="397" r:id="rId15"/>
+    <p:sldId id="278" r:id="rId16"/>
+    <p:sldId id="271" r:id="rId17"/>
   </p:sldIdLst>
   <p:sldSz cx="12192000" cy="6858000"/>
   <p:notesSz cx="7315200" cy="9601200"/>
@@ -872,7 +874,7 @@
             <a:pPr rtl="0"/>
             <a:fld id="{9C2B151B-D7D1-48E5-8230-5AADBC794F88}" type="slidenum">
               <a:rPr lang="en-US" smtClean="0"/>
-              <a:t>13</a:t>
+              <a:t>15</a:t>
             </a:fld>
             <a:endParaRPr lang="en-US"/>
           </a:p>
@@ -981,7 +983,7 @@
             <a:pPr rtl="0"/>
             <a:fld id="{9C2B151B-D7D1-48E5-8230-5AADBC794F88}" type="slidenum">
               <a:rPr lang="en-US" smtClean="0"/>
-              <a:t>14</a:t>
+              <a:t>16</a:t>
             </a:fld>
             <a:endParaRPr lang="en-US"/>
           </a:p>
@@ -1524,7 +1526,7 @@
     </p:spTree>
     <p:extLst>
       <p:ext uri="{BB962C8B-B14F-4D97-AF65-F5344CB8AC3E}">
-        <p14:creationId xmlns:p14="http://schemas.microsoft.com/office/powerpoint/2010/main" val="3240579109"/>
+        <p14:creationId xmlns:p14="http://schemas.microsoft.com/office/powerpoint/2010/main" val="1348172016"/>
       </p:ext>
     </p:extLst>
   </p:cSld>
@@ -1578,30 +1580,7 @@
           <a:bodyPr/>
           <a:lstStyle/>
           <a:p>
-            <a:r>
-              <a:rPr lang="de-DE" dirty="0"/>
-              <a:t>Da wir die Zielhierarchie überarbeitet haben und jetzt „Strategische Ziele“, „Taktische Ziele“ und „Operative Ziele“ haben, haben wir dies noch mal mit reingenommen. </a:t>
-            </a:r>
-          </a:p>
-          <a:p>
-            <a:r>
-              <a:rPr lang="de-DE" dirty="0"/>
-              <a:t>Mit den strategischen Zielen legen wir fest, was wir auf langfristiger Sicht erreichen möchten. </a:t>
-            </a:r>
-            <a:br>
-              <a:rPr lang="de-DE" dirty="0"/>
-            </a:br>
-            <a:r>
-              <a:rPr lang="de-DE" dirty="0"/>
-              <a:t>Mit den taktischen Zielen legen wir fest, wie die strategischen Ziele erreicht werden sollen.</a:t>
-            </a:r>
-            <a:br>
-              <a:rPr lang="de-DE" dirty="0"/>
-            </a:br>
-            <a:r>
-              <a:rPr lang="de-DE" dirty="0"/>
-              <a:t>Mit den operativen Zielen legen wir fest, wodurch wir unsere strategischen Ziele erreichen können.</a:t>
-            </a:r>
+            <a:endParaRPr lang="de-DE" dirty="0"/>
           </a:p>
         </p:txBody>
       </p:sp>
@@ -1621,7 +1600,7 @@
           <a:lstStyle/>
           <a:p>
             <a:pPr rtl="0"/>
-            <a:fld id="{920421C8-A15E-4073-98D7-7FDA934C0210}" type="datetime1">
+            <a:fld id="{7DA48DE9-247B-4EBD-A14B-36988774F377}" type="datetime1">
               <a:rPr lang="de-DE" smtClean="0"/>
               <a:t>15.02.2021</a:t>
             </a:fld>
@@ -1647,7 +1626,7 @@
             <a:pPr rtl="0"/>
             <a:fld id="{9C2B151B-D7D1-48E5-8230-5AADBC794F88}" type="slidenum">
               <a:rPr lang="en-US" smtClean="0"/>
-              <a:t>9</a:t>
+              <a:t>11</a:t>
             </a:fld>
             <a:endParaRPr lang="en-US"/>
           </a:p>
@@ -1656,7 +1635,7 @@
     </p:spTree>
     <p:extLst>
       <p:ext uri="{BB962C8B-B14F-4D97-AF65-F5344CB8AC3E}">
-        <p14:creationId xmlns:p14="http://schemas.microsoft.com/office/powerpoint/2010/main" val="1085079460"/>
+        <p14:creationId xmlns:p14="http://schemas.microsoft.com/office/powerpoint/2010/main" val="3240579109"/>
       </p:ext>
     </p:extLst>
   </p:cSld>
@@ -1710,7 +1689,30 @@
           <a:bodyPr/>
           <a:lstStyle/>
           <a:p>
-            <a:endParaRPr lang="de-DE" dirty="0"/>
+            <a:r>
+              <a:rPr lang="de-DE" dirty="0"/>
+              <a:t>Da wir die Zielhierarchie überarbeitet haben und jetzt „Strategische Ziele“, „Taktische Ziele“ und „Operative Ziele“ haben, haben wir dies noch mal mit reingenommen. </a:t>
+            </a:r>
+          </a:p>
+          <a:p>
+            <a:r>
+              <a:rPr lang="de-DE" dirty="0"/>
+              <a:t>Mit den strategischen Zielen legen wir fest, was wir auf langfristiger Sicht erreichen möchten. </a:t>
+            </a:r>
+            <a:br>
+              <a:rPr lang="de-DE" dirty="0"/>
+            </a:br>
+            <a:r>
+              <a:rPr lang="de-DE" dirty="0"/>
+              <a:t>Mit den taktischen Zielen legen wir fest, wie die strategischen Ziele erreicht werden sollen.</a:t>
+            </a:r>
+            <a:br>
+              <a:rPr lang="de-DE" dirty="0"/>
+            </a:br>
+            <a:r>
+              <a:rPr lang="de-DE" dirty="0"/>
+              <a:t>Mit den operativen Zielen legen wir fest, wodurch wir unsere strategischen Ziele erreichen können.</a:t>
+            </a:r>
           </a:p>
         </p:txBody>
       </p:sp>
@@ -1730,7 +1732,7 @@
           <a:lstStyle/>
           <a:p>
             <a:pPr rtl="0"/>
-            <a:fld id="{7DA48DE9-247B-4EBD-A14B-36988774F377}" type="datetime1">
+            <a:fld id="{920421C8-A15E-4073-98D7-7FDA934C0210}" type="datetime1">
               <a:rPr lang="de-DE" smtClean="0"/>
               <a:t>15.02.2021</a:t>
             </a:fld>
@@ -1756,7 +1758,7 @@
             <a:pPr rtl="0"/>
             <a:fld id="{9C2B151B-D7D1-48E5-8230-5AADBC794F88}" type="slidenum">
               <a:rPr lang="en-US" smtClean="0"/>
-              <a:t>10</a:t>
+              <a:t>12</a:t>
             </a:fld>
             <a:endParaRPr lang="en-US"/>
           </a:p>
@@ -1765,7 +1767,7 @@
     </p:spTree>
     <p:extLst>
       <p:ext uri="{BB962C8B-B14F-4D97-AF65-F5344CB8AC3E}">
-        <p14:creationId xmlns:p14="http://schemas.microsoft.com/office/powerpoint/2010/main" val="1596695056"/>
+        <p14:creationId xmlns:p14="http://schemas.microsoft.com/office/powerpoint/2010/main" val="1085079460"/>
       </p:ext>
     </p:extLst>
   </p:cSld>
@@ -1865,7 +1867,7 @@
             <a:pPr rtl="0"/>
             <a:fld id="{9C2B151B-D7D1-48E5-8230-5AADBC794F88}" type="slidenum">
               <a:rPr lang="en-US" smtClean="0"/>
-              <a:t>11</a:t>
+              <a:t>13</a:t>
             </a:fld>
             <a:endParaRPr lang="en-US"/>
           </a:p>
@@ -2011,7 +2013,7 @@
             <a:pPr rtl="0"/>
             <a:fld id="{9C2B151B-D7D1-48E5-8230-5AADBC794F88}" type="slidenum">
               <a:rPr lang="en-US" smtClean="0"/>
-              <a:t>12</a:t>
+              <a:t>14</a:t>
             </a:fld>
             <a:endParaRPr lang="en-US"/>
           </a:p>
@@ -6079,7 +6081,7 @@
           <p:cNvPr id="2" name="Titel 1">
             <a:extLst>
               <a:ext uri="{FF2B5EF4-FFF2-40B4-BE49-F238E27FC236}">
-                <a16:creationId xmlns:a16="http://schemas.microsoft.com/office/drawing/2014/main" id="{4DC4D8DE-1034-4059-B907-B2FCA56F6799}"/>
+                <a16:creationId xmlns:a16="http://schemas.microsoft.com/office/drawing/2014/main" id="{4E4056F1-95D3-4103-B2BE-651E4D917EE6}"/>
               </a:ext>
             </a:extLst>
           </p:cNvPr>
@@ -6090,129 +6092,88 @@
             <p:ph type="title"/>
           </p:nvPr>
         </p:nvSpPr>
+        <p:spPr/>
+        <p:txBody>
+          <a:bodyPr/>
+          <a:lstStyle/>
+          <a:p>
+            <a:r>
+              <a:rPr lang="de-DE" dirty="0"/>
+              <a:t>ER-Diagramm Favoriten</a:t>
+            </a:r>
+          </a:p>
+        </p:txBody>
+      </p:sp>
+      <p:sp>
+        <p:nvSpPr>
+          <p:cNvPr id="4" name="Foliennummernplatzhalter 3">
+            <a:extLst>
+              <a:ext uri="{FF2B5EF4-FFF2-40B4-BE49-F238E27FC236}">
+                <a16:creationId xmlns:a16="http://schemas.microsoft.com/office/drawing/2014/main" id="{ED11B56A-F565-4118-A8F3-E25EDF21E261}"/>
+              </a:ext>
+            </a:extLst>
+          </p:cNvPr>
+          <p:cNvSpPr>
+            <a:spLocks noGrp="1"/>
+          </p:cNvSpPr>
+          <p:nvPr>
+            <p:ph type="sldNum" sz="quarter" idx="12"/>
+          </p:nvPr>
+        </p:nvSpPr>
+        <p:spPr/>
+        <p:txBody>
+          <a:bodyPr/>
+          <a:lstStyle/>
+          <a:p>
+            <a:pPr rtl="0"/>
+            <a:fld id="{3A98EE3D-8CD1-4C3F-BD1C-C98C9596463C}" type="slidenum">
+              <a:rPr lang="en-US" smtClean="0"/>
+              <a:t>10</a:t>
+            </a:fld>
+            <a:endParaRPr lang="en-US" dirty="0"/>
+          </a:p>
+        </p:txBody>
+      </p:sp>
+      <p:pic>
+        <p:nvPicPr>
+          <p:cNvPr id="5" name="Grafik 4">
+            <a:extLst>
+              <a:ext uri="{FF2B5EF4-FFF2-40B4-BE49-F238E27FC236}">
+                <a16:creationId xmlns:a16="http://schemas.microsoft.com/office/drawing/2014/main" id="{015E2A6B-5050-40F0-814C-DD7FE3CE2754}"/>
+              </a:ext>
+            </a:extLst>
+          </p:cNvPr>
+          <p:cNvPicPr>
+            <a:picLocks noChangeAspect="1"/>
+          </p:cNvPicPr>
+          <p:nvPr/>
+        </p:nvPicPr>
+        <p:blipFill>
+          <a:blip r:embed="rId2">
+            <a:extLst>
+              <a:ext uri="{28A0092B-C50C-407E-A947-70E740481C1C}">
+                <a14:useLocalDpi xmlns:a14="http://schemas.microsoft.com/office/drawing/2010/main" val="0"/>
+              </a:ext>
+            </a:extLst>
+          </a:blip>
+          <a:stretch>
+            <a:fillRect/>
+          </a:stretch>
+        </p:blipFill>
         <p:spPr>
           <a:xfrm>
-            <a:off x="1097280" y="758952"/>
-            <a:ext cx="10058400" cy="3566160"/>
-          </a:xfrm>
-        </p:spPr>
-        <p:txBody>
-          <a:bodyPr anchor="b">
-            <a:normAutofit/>
-          </a:bodyPr>
-          <a:lstStyle/>
-          <a:p>
-            <a:r>
-              <a:rPr lang="de-DE" sz="7400" dirty="0"/>
-              <a:t>Fazit</a:t>
-            </a:r>
-          </a:p>
-        </p:txBody>
-      </p:sp>
-      <p:sp>
-        <p:nvSpPr>
-          <p:cNvPr id="3" name="Foliennummernplatzhalter 2">
-            <a:extLst>
-              <a:ext uri="{FF2B5EF4-FFF2-40B4-BE49-F238E27FC236}">
-                <a16:creationId xmlns:a16="http://schemas.microsoft.com/office/drawing/2014/main" id="{585CF4AE-527C-4AA2-906C-B9F7B3281748}"/>
-              </a:ext>
-            </a:extLst>
-          </p:cNvPr>
-          <p:cNvSpPr>
-            <a:spLocks noGrp="1"/>
-          </p:cNvSpPr>
-          <p:nvPr>
-            <p:ph type="sldNum" sz="quarter" idx="12"/>
-          </p:nvPr>
-        </p:nvSpPr>
-        <p:spPr>
-          <a:xfrm>
-            <a:off x="10993582" y="6446838"/>
-            <a:ext cx="780010" cy="365125"/>
-          </a:xfrm>
-        </p:spPr>
-        <p:txBody>
-          <a:bodyPr anchor="ctr">
-            <a:normAutofit/>
-          </a:bodyPr>
-          <a:lstStyle/>
-          <a:p>
-            <a:pPr rtl="0">
-              <a:spcAft>
-                <a:spcPts val="600"/>
-              </a:spcAft>
-            </a:pPr>
-            <a:fld id="{3A98EE3D-8CD1-4C3F-BD1C-C98C9596463C}" type="slidenum">
-              <a:rPr lang="en-US" smtClean="0"/>
-              <a:pPr rtl="0">
-                <a:spcAft>
-                  <a:spcPts val="600"/>
-                </a:spcAft>
-              </a:pPr>
-              <a:t>10</a:t>
-            </a:fld>
-            <a:endParaRPr lang="en-US"/>
-          </a:p>
-        </p:txBody>
-      </p:sp>
-      <p:sp>
-        <p:nvSpPr>
-          <p:cNvPr id="4" name="Titel 1">
-            <a:extLst>
-              <a:ext uri="{FF2B5EF4-FFF2-40B4-BE49-F238E27FC236}">
-                <a16:creationId xmlns:a16="http://schemas.microsoft.com/office/drawing/2014/main" id="{14040106-2C9B-47A0-AA16-571538A46A0C}"/>
-              </a:ext>
-            </a:extLst>
-          </p:cNvPr>
-          <p:cNvSpPr txBox="1">
-            <a:spLocks/>
-          </p:cNvSpPr>
-          <p:nvPr/>
-        </p:nvSpPr>
-        <p:spPr>
-          <a:xfrm>
-            <a:off x="1097280" y="4744569"/>
-            <a:ext cx="10058400" cy="641405"/>
+            <a:off x="2437737" y="1933912"/>
+            <a:ext cx="7377486" cy="4441676"/>
           </a:xfrm>
           <a:prstGeom prst="rect">
             <a:avLst/>
           </a:prstGeom>
         </p:spPr>
-        <p:txBody>
-          <a:bodyPr vert="horz" lIns="91440" tIns="45720" rIns="91440" bIns="45720" rtlCol="0" anchor="b" anchorCtr="0">
-            <a:normAutofit fontScale="62500" lnSpcReduction="20000"/>
-          </a:bodyPr>
-          <a:lstStyle>
-            <a:lvl1pPr algn="l" defTabSz="914400" rtl="0" eaLnBrk="1" latinLnBrk="0" hangingPunct="1">
-              <a:lnSpc>
-                <a:spcPct val="90000"/>
-              </a:lnSpc>
-              <a:spcBef>
-                <a:spcPct val="0"/>
-              </a:spcBef>
-              <a:buNone/>
-              <a:defRPr sz="8000" b="0" i="0" kern="1200" spc="-50" baseline="0">
-                <a:solidFill>
-                  <a:schemeClr val="tx1">
-                    <a:lumMod val="85000"/>
-                    <a:lumOff val="15000"/>
-                  </a:schemeClr>
-                </a:solidFill>
-                <a:latin typeface="+mj-lt"/>
-                <a:ea typeface="+mj-ea"/>
-                <a:cs typeface="+mj-cs"/>
-              </a:defRPr>
-            </a:lvl1pPr>
-          </a:lstStyle>
-          <a:p>
-            <a:endParaRPr lang="de-DE" sz="7900" dirty="0"/>
-          </a:p>
-        </p:txBody>
-      </p:sp>
+      </p:pic>
     </p:spTree>
     <p:extLst>
       <p:ext uri="{BB962C8B-B14F-4D97-AF65-F5344CB8AC3E}">
-        <p14:creationId xmlns:p14="http://schemas.microsoft.com/office/powerpoint/2010/main" val="1270792329"/>
+        <p14:creationId xmlns:p14="http://schemas.microsoft.com/office/powerpoint/2010/main" val="2617969784"/>
       </p:ext>
     </p:extLst>
   </p:cSld>
@@ -6244,7 +6205,7 @@
           <p:cNvPr id="2" name="Titel 1">
             <a:extLst>
               <a:ext uri="{FF2B5EF4-FFF2-40B4-BE49-F238E27FC236}">
-                <a16:creationId xmlns:a16="http://schemas.microsoft.com/office/drawing/2014/main" id="{8E6F87C2-E244-41E0-AFF6-CCBE3E7A9F0F}"/>
+                <a16:creationId xmlns:a16="http://schemas.microsoft.com/office/drawing/2014/main" id="{4DC4D8DE-1034-4059-B907-B2FCA56F6799}"/>
               </a:ext>
             </a:extLst>
           </p:cNvPr>
@@ -6255,15 +6216,327 @@
             <p:ph type="title"/>
           </p:nvPr>
         </p:nvSpPr>
+        <p:spPr>
+          <a:xfrm>
+            <a:off x="1097280" y="758952"/>
+            <a:ext cx="10058400" cy="3566160"/>
+          </a:xfrm>
+        </p:spPr>
+        <p:txBody>
+          <a:bodyPr anchor="b">
+            <a:normAutofit/>
+          </a:bodyPr>
+          <a:lstStyle/>
+          <a:p>
+            <a:r>
+              <a:rPr lang="de-DE" sz="7400" dirty="0"/>
+              <a:t>Zielhierarchie</a:t>
+            </a:r>
+          </a:p>
+        </p:txBody>
+      </p:sp>
+      <p:sp>
+        <p:nvSpPr>
+          <p:cNvPr id="3" name="Foliennummernplatzhalter 2">
+            <a:extLst>
+              <a:ext uri="{FF2B5EF4-FFF2-40B4-BE49-F238E27FC236}">
+                <a16:creationId xmlns:a16="http://schemas.microsoft.com/office/drawing/2014/main" id="{585CF4AE-527C-4AA2-906C-B9F7B3281748}"/>
+              </a:ext>
+            </a:extLst>
+          </p:cNvPr>
+          <p:cNvSpPr>
+            <a:spLocks noGrp="1"/>
+          </p:cNvSpPr>
+          <p:nvPr>
+            <p:ph type="sldNum" sz="quarter" idx="12"/>
+          </p:nvPr>
+        </p:nvSpPr>
+        <p:spPr>
+          <a:xfrm>
+            <a:off x="10993582" y="6446838"/>
+            <a:ext cx="780010" cy="365125"/>
+          </a:xfrm>
+        </p:spPr>
+        <p:txBody>
+          <a:bodyPr anchor="ctr">
+            <a:normAutofit/>
+          </a:bodyPr>
+          <a:lstStyle/>
+          <a:p>
+            <a:pPr rtl="0">
+              <a:spcAft>
+                <a:spcPts val="600"/>
+              </a:spcAft>
+            </a:pPr>
+            <a:fld id="{3A98EE3D-8CD1-4C3F-BD1C-C98C9596463C}" type="slidenum">
+              <a:rPr lang="en-US" smtClean="0"/>
+              <a:pPr rtl="0">
+                <a:spcAft>
+                  <a:spcPts val="600"/>
+                </a:spcAft>
+              </a:pPr>
+              <a:t>11</a:t>
+            </a:fld>
+            <a:endParaRPr lang="en-US"/>
+          </a:p>
+        </p:txBody>
+      </p:sp>
+      <p:sp>
+        <p:nvSpPr>
+          <p:cNvPr id="4" name="Titel 1">
+            <a:extLst>
+              <a:ext uri="{FF2B5EF4-FFF2-40B4-BE49-F238E27FC236}">
+                <a16:creationId xmlns:a16="http://schemas.microsoft.com/office/drawing/2014/main" id="{14040106-2C9B-47A0-AA16-571538A46A0C}"/>
+              </a:ext>
+            </a:extLst>
+          </p:cNvPr>
+          <p:cNvSpPr txBox="1">
+            <a:spLocks/>
+          </p:cNvSpPr>
+          <p:nvPr/>
+        </p:nvSpPr>
+        <p:spPr>
+          <a:xfrm>
+            <a:off x="1097280" y="4744569"/>
+            <a:ext cx="10058400" cy="641405"/>
+          </a:xfrm>
+          <a:prstGeom prst="rect">
+            <a:avLst/>
+          </a:prstGeom>
+        </p:spPr>
+        <p:txBody>
+          <a:bodyPr vert="horz" lIns="91440" tIns="45720" rIns="91440" bIns="45720" rtlCol="0" anchor="b" anchorCtr="0">
+            <a:normAutofit fontScale="62500" lnSpcReduction="20000"/>
+          </a:bodyPr>
+          <a:lstStyle>
+            <a:lvl1pPr algn="l" defTabSz="914400" rtl="0" eaLnBrk="1" latinLnBrk="0" hangingPunct="1">
+              <a:lnSpc>
+                <a:spcPct val="90000"/>
+              </a:lnSpc>
+              <a:spcBef>
+                <a:spcPct val="0"/>
+              </a:spcBef>
+              <a:buNone/>
+              <a:defRPr sz="8000" b="0" i="0" kern="1200" spc="-50" baseline="0">
+                <a:solidFill>
+                  <a:schemeClr val="tx1">
+                    <a:lumMod val="85000"/>
+                    <a:lumOff val="15000"/>
+                  </a:schemeClr>
+                </a:solidFill>
+                <a:latin typeface="+mj-lt"/>
+                <a:ea typeface="+mj-ea"/>
+                <a:cs typeface="+mj-cs"/>
+              </a:defRPr>
+            </a:lvl1pPr>
+          </a:lstStyle>
+          <a:p>
+            <a:endParaRPr lang="de-DE" sz="7900" dirty="0"/>
+          </a:p>
+        </p:txBody>
+      </p:sp>
+    </p:spTree>
+    <p:extLst>
+      <p:ext uri="{BB962C8B-B14F-4D97-AF65-F5344CB8AC3E}">
+        <p14:creationId xmlns:p14="http://schemas.microsoft.com/office/powerpoint/2010/main" val="2660464370"/>
+      </p:ext>
+    </p:extLst>
+  </p:cSld>
+  <p:clrMapOvr>
+    <a:masterClrMapping/>
+  </p:clrMapOvr>
+</p:sld>
+</file>
+
+<file path=ppt/slides/slide12.xml><?xml version="1.0" encoding="utf-8"?>
+<p:sld xmlns:a="http://schemas.openxmlformats.org/drawingml/2006/main" xmlns:r="http://schemas.openxmlformats.org/officeDocument/2006/relationships" xmlns:p="http://schemas.openxmlformats.org/presentationml/2006/main">
+  <p:cSld>
+    <p:spTree>
+      <p:nvGrpSpPr>
+        <p:cNvPr id="1" name=""/>
+        <p:cNvGrpSpPr/>
+        <p:nvPr/>
+      </p:nvGrpSpPr>
+      <p:grpSpPr>
+        <a:xfrm>
+          <a:off x="0" y="0"/>
+          <a:ext cx="0" cy="0"/>
+          <a:chOff x="0" y="0"/>
+          <a:chExt cx="0" cy="0"/>
+        </a:xfrm>
+      </p:grpSpPr>
+      <p:sp>
+        <p:nvSpPr>
+          <p:cNvPr id="2" name="Titel 1">
+            <a:extLst>
+              <a:ext uri="{FF2B5EF4-FFF2-40B4-BE49-F238E27FC236}">
+                <a16:creationId xmlns:a16="http://schemas.microsoft.com/office/drawing/2014/main" id="{80EE4ADB-3912-4818-9107-B9B53667FC56}"/>
+              </a:ext>
+            </a:extLst>
+          </p:cNvPr>
+          <p:cNvSpPr>
+            <a:spLocks noGrp="1"/>
+          </p:cNvSpPr>
+          <p:nvPr>
+            <p:ph type="title"/>
+          </p:nvPr>
+        </p:nvSpPr>
+        <p:spPr>
+          <a:xfrm>
+            <a:off x="1097280" y="286603"/>
+            <a:ext cx="10058400" cy="1450757"/>
+          </a:xfrm>
+        </p:spPr>
+        <p:txBody>
+          <a:bodyPr anchor="b">
+            <a:normAutofit/>
+          </a:bodyPr>
+          <a:lstStyle/>
+          <a:p>
+            <a:r>
+              <a:rPr lang="de-DE" dirty="0"/>
+              <a:t>Zielhierarchie</a:t>
+            </a:r>
+          </a:p>
+        </p:txBody>
+      </p:sp>
+      <p:sp>
+        <p:nvSpPr>
+          <p:cNvPr id="4" name="Foliennummernplatzhalter 3">
+            <a:extLst>
+              <a:ext uri="{FF2B5EF4-FFF2-40B4-BE49-F238E27FC236}">
+                <a16:creationId xmlns:a16="http://schemas.microsoft.com/office/drawing/2014/main" id="{0A6814A5-E621-4F6A-97F4-4E20661FA280}"/>
+              </a:ext>
+            </a:extLst>
+          </p:cNvPr>
+          <p:cNvSpPr>
+            <a:spLocks noGrp="1"/>
+          </p:cNvSpPr>
+          <p:nvPr>
+            <p:ph type="sldNum" sz="quarter" idx="12"/>
+          </p:nvPr>
+        </p:nvSpPr>
+        <p:spPr>
+          <a:xfrm>
+            <a:off x="10993582" y="6446838"/>
+            <a:ext cx="780010" cy="365125"/>
+          </a:xfrm>
+        </p:spPr>
+        <p:txBody>
+          <a:bodyPr anchor="ctr">
+            <a:normAutofit/>
+          </a:bodyPr>
+          <a:lstStyle/>
+          <a:p>
+            <a:pPr rtl="0">
+              <a:spcAft>
+                <a:spcPts val="600"/>
+              </a:spcAft>
+            </a:pPr>
+            <a:fld id="{3A98EE3D-8CD1-4C3F-BD1C-C98C9596463C}" type="slidenum">
+              <a:rPr lang="en-US" smtClean="0"/>
+              <a:pPr rtl="0">
+                <a:spcAft>
+                  <a:spcPts val="600"/>
+                </a:spcAft>
+              </a:pPr>
+              <a:t>12</a:t>
+            </a:fld>
+            <a:endParaRPr lang="en-US"/>
+          </a:p>
+        </p:txBody>
+      </p:sp>
+      <p:pic>
+        <p:nvPicPr>
+          <p:cNvPr id="5" name="Grafik 4" descr="Ein Bild, das Text enthält.&#10;&#10;Automatisch generierte Beschreibung">
+            <a:extLst>
+              <a:ext uri="{FF2B5EF4-FFF2-40B4-BE49-F238E27FC236}">
+                <a16:creationId xmlns:a16="http://schemas.microsoft.com/office/drawing/2014/main" id="{BAD49A92-F664-475C-A0B0-442237C29E45}"/>
+              </a:ext>
+            </a:extLst>
+          </p:cNvPr>
+          <p:cNvPicPr>
+            <a:picLocks noChangeAspect="1"/>
+          </p:cNvPicPr>
+          <p:nvPr/>
+        </p:nvPicPr>
+        <p:blipFill rotWithShape="1">
+          <a:blip r:embed="rId3">
+            <a:extLst>
+              <a:ext uri="{28A0092B-C50C-407E-A947-70E740481C1C}">
+                <a14:useLocalDpi xmlns:a14="http://schemas.microsoft.com/office/drawing/2010/main" val="0"/>
+              </a:ext>
+            </a:extLst>
+          </a:blip>
+          <a:srcRect l="5502" t="14016" r="29430" b="14720"/>
+          <a:stretch/>
+        </p:blipFill>
+        <p:spPr>
+          <a:xfrm>
+            <a:off x="2619746" y="2002054"/>
+            <a:ext cx="6952507" cy="4283242"/>
+          </a:xfrm>
+          <a:prstGeom prst="rect">
+            <a:avLst/>
+          </a:prstGeom>
+        </p:spPr>
+      </p:pic>
+    </p:spTree>
+    <p:extLst>
+      <p:ext uri="{BB962C8B-B14F-4D97-AF65-F5344CB8AC3E}">
+        <p14:creationId xmlns:p14="http://schemas.microsoft.com/office/powerpoint/2010/main" val="3191535140"/>
+      </p:ext>
+    </p:extLst>
+  </p:cSld>
+  <p:clrMapOvr>
+    <a:masterClrMapping/>
+  </p:clrMapOvr>
+</p:sld>
+</file>
+
+<file path=ppt/slides/slide13.xml><?xml version="1.0" encoding="utf-8"?>
+<p:sld xmlns:a="http://schemas.openxmlformats.org/drawingml/2006/main" xmlns:r="http://schemas.openxmlformats.org/officeDocument/2006/relationships" xmlns:p="http://schemas.openxmlformats.org/presentationml/2006/main">
+  <p:cSld>
+    <p:spTree>
+      <p:nvGrpSpPr>
+        <p:cNvPr id="1" name=""/>
+        <p:cNvGrpSpPr/>
+        <p:nvPr/>
+      </p:nvGrpSpPr>
+      <p:grpSpPr>
+        <a:xfrm>
+          <a:off x="0" y="0"/>
+          <a:ext cx="0" cy="0"/>
+          <a:chOff x="0" y="0"/>
+          <a:chExt cx="0" cy="0"/>
+        </a:xfrm>
+      </p:grpSpPr>
+      <p:sp>
+        <p:nvSpPr>
+          <p:cNvPr id="2" name="Titel 1">
+            <a:extLst>
+              <a:ext uri="{FF2B5EF4-FFF2-40B4-BE49-F238E27FC236}">
+                <a16:creationId xmlns:a16="http://schemas.microsoft.com/office/drawing/2014/main" id="{8E6F87C2-E244-41E0-AFF6-CCBE3E7A9F0F}"/>
+              </a:ext>
+            </a:extLst>
+          </p:cNvPr>
+          <p:cNvSpPr>
+            <a:spLocks noGrp="1"/>
+          </p:cNvSpPr>
+          <p:nvPr>
+            <p:ph type="title"/>
+          </p:nvPr>
+        </p:nvSpPr>
         <p:spPr/>
         <p:txBody>
           <a:bodyPr/>
           <a:lstStyle/>
           <a:p>
             <a:r>
-              <a:rPr lang="de-DE" dirty="0"/>
-              <a:t>Fazit </a:t>
-            </a:r>
+              <a:rPr lang="de-DE" dirty="0" err="1"/>
+              <a:t>Prozessassessment</a:t>
+            </a:r>
+            <a:endParaRPr lang="de-DE" dirty="0"/>
           </a:p>
         </p:txBody>
       </p:sp>
@@ -6451,7 +6724,7 @@
             <a:pPr rtl="0"/>
             <a:fld id="{3A98EE3D-8CD1-4C3F-BD1C-C98C9596463C}" type="slidenum">
               <a:rPr lang="en-US" smtClean="0"/>
-              <a:t>11</a:t>
+              <a:t>13</a:t>
             </a:fld>
             <a:endParaRPr lang="en-US" dirty="0"/>
           </a:p>
@@ -6856,597 +7129,6 @@
 </p:sld>
 </file>
 
-<file path=ppt/slides/slide12.xml><?xml version="1.0" encoding="utf-8"?>
-<p:sld xmlns:a="http://schemas.openxmlformats.org/drawingml/2006/main" xmlns:r="http://schemas.openxmlformats.org/officeDocument/2006/relationships" xmlns:p="http://schemas.openxmlformats.org/presentationml/2006/main">
-  <p:cSld>
-    <p:spTree>
-      <p:nvGrpSpPr>
-        <p:cNvPr id="1" name=""/>
-        <p:cNvGrpSpPr/>
-        <p:nvPr/>
-      </p:nvGrpSpPr>
-      <p:grpSpPr>
-        <a:xfrm>
-          <a:off x="0" y="0"/>
-          <a:ext cx="0" cy="0"/>
-          <a:chOff x="0" y="0"/>
-          <a:chExt cx="0" cy="0"/>
-        </a:xfrm>
-      </p:grpSpPr>
-      <p:sp>
-        <p:nvSpPr>
-          <p:cNvPr id="2" name="Titel 1">
-            <a:extLst>
-              <a:ext uri="{FF2B5EF4-FFF2-40B4-BE49-F238E27FC236}">
-                <a16:creationId xmlns:a16="http://schemas.microsoft.com/office/drawing/2014/main" id="{8E6F87C2-E244-41E0-AFF6-CCBE3E7A9F0F}"/>
-              </a:ext>
-            </a:extLst>
-          </p:cNvPr>
-          <p:cNvSpPr>
-            <a:spLocks noGrp="1"/>
-          </p:cNvSpPr>
-          <p:nvPr>
-            <p:ph type="title"/>
-          </p:nvPr>
-        </p:nvSpPr>
-        <p:spPr/>
-        <p:txBody>
-          <a:bodyPr/>
-          <a:lstStyle/>
-          <a:p>
-            <a:r>
-              <a:rPr lang="de-DE" dirty="0"/>
-              <a:t>Fazit </a:t>
-            </a:r>
-          </a:p>
-        </p:txBody>
-      </p:sp>
-      <p:sp>
-        <p:nvSpPr>
-          <p:cNvPr id="3" name="Inhaltsplatzhalter 2">
-            <a:extLst>
-              <a:ext uri="{FF2B5EF4-FFF2-40B4-BE49-F238E27FC236}">
-                <a16:creationId xmlns:a16="http://schemas.microsoft.com/office/drawing/2014/main" id="{B546AAA2-7A8F-484E-BDB8-F068E851712C}"/>
-              </a:ext>
-            </a:extLst>
-          </p:cNvPr>
-          <p:cNvSpPr>
-            <a:spLocks noGrp="1"/>
-          </p:cNvSpPr>
-          <p:nvPr>
-            <p:ph idx="1"/>
-          </p:nvPr>
-        </p:nvSpPr>
-        <p:spPr>
-          <a:xfrm>
-            <a:off x="1097280" y="2134186"/>
-            <a:ext cx="10058400" cy="4160252"/>
-          </a:xfrm>
-        </p:spPr>
-        <p:txBody>
-          <a:bodyPr>
-            <a:normAutofit/>
-          </a:bodyPr>
-          <a:lstStyle/>
-          <a:p>
-            <a:pPr marL="0" indent="0">
-              <a:buNone/>
-            </a:pPr>
-            <a:r>
-              <a:rPr lang="de-DE" sz="2000" i="1" dirty="0">
-                <a:solidFill>
-                  <a:schemeClr val="tx1"/>
-                </a:solidFill>
-                <a:latin typeface="-apple-system"/>
-              </a:rPr>
-              <a:t>Nicht umgesetzt, aber weitere Ideen:</a:t>
-            </a:r>
-          </a:p>
-          <a:p>
-            <a:pPr>
-              <a:buFont typeface="Arial" panose="020B0604020202020204" pitchFamily="34" charset="0"/>
-              <a:buChar char="•"/>
-            </a:pPr>
-            <a:r>
-              <a:rPr lang="de-DE" dirty="0">
-                <a:solidFill>
-                  <a:schemeClr val="tx1"/>
-                </a:solidFill>
-                <a:latin typeface="-apple-system"/>
-              </a:rPr>
-              <a:t> </a:t>
-            </a:r>
-            <a:r>
-              <a:rPr lang="de-DE" dirty="0">
-                <a:solidFill>
-                  <a:schemeClr val="tx1"/>
-                </a:solidFill>
-                <a:latin typeface="Open Sans"/>
-              </a:rPr>
-              <a:t>Für den User personalisierte Ansichten/ Auswertungen</a:t>
-            </a:r>
-          </a:p>
-          <a:p>
-            <a:pPr>
-              <a:buFont typeface="Arial" panose="020B0604020202020204" pitchFamily="34" charset="0"/>
-              <a:buChar char="•"/>
-            </a:pPr>
-            <a:r>
-              <a:rPr lang="de-DE" dirty="0">
-                <a:solidFill>
-                  <a:schemeClr val="tx1"/>
-                </a:solidFill>
-                <a:latin typeface="Open Sans"/>
-              </a:rPr>
-              <a:t> Apps (Musik, ASMR, Hörbücher) &amp; Übungen zu Favoriten hinzufügen</a:t>
-            </a:r>
-          </a:p>
-          <a:p>
-            <a:pPr>
-              <a:buFont typeface="Arial" panose="020B0604020202020204" pitchFamily="34" charset="0"/>
-              <a:buChar char="•"/>
-            </a:pPr>
-            <a:r>
-              <a:rPr lang="de-DE" dirty="0">
-                <a:solidFill>
-                  <a:schemeClr val="tx1"/>
-                </a:solidFill>
-                <a:latin typeface="Open Sans"/>
-              </a:rPr>
-              <a:t> Kalender inkl. Sonnenaufgang/ Sonnenuntergang und Mondphasen</a:t>
-            </a:r>
-          </a:p>
-          <a:p>
-            <a:pPr>
-              <a:buFont typeface="Arial" panose="020B0604020202020204" pitchFamily="34" charset="0"/>
-              <a:buChar char="•"/>
-            </a:pPr>
-            <a:r>
-              <a:rPr lang="de-DE" dirty="0">
-                <a:solidFill>
-                  <a:schemeClr val="tx1"/>
-                </a:solidFill>
-                <a:latin typeface="Open Sans"/>
-              </a:rPr>
-              <a:t> In der Auswertung zu den verschiedenen Tagen Notizen machen </a:t>
-            </a:r>
-          </a:p>
-          <a:p>
-            <a:pPr marL="0" indent="0">
-              <a:buNone/>
-            </a:pPr>
-            <a:endParaRPr lang="de-DE" dirty="0">
-              <a:solidFill>
-                <a:schemeClr val="tx1"/>
-              </a:solidFill>
-              <a:latin typeface="-apple-system"/>
-            </a:endParaRPr>
-          </a:p>
-        </p:txBody>
-      </p:sp>
-      <p:sp>
-        <p:nvSpPr>
-          <p:cNvPr id="5" name="Foliennummernplatzhalter 4">
-            <a:extLst>
-              <a:ext uri="{FF2B5EF4-FFF2-40B4-BE49-F238E27FC236}">
-                <a16:creationId xmlns:a16="http://schemas.microsoft.com/office/drawing/2014/main" id="{83972841-72E7-45F6-9D79-4FAE81CFBAF2}"/>
-              </a:ext>
-            </a:extLst>
-          </p:cNvPr>
-          <p:cNvSpPr>
-            <a:spLocks noGrp="1"/>
-          </p:cNvSpPr>
-          <p:nvPr>
-            <p:ph type="sldNum" sz="quarter" idx="12"/>
-          </p:nvPr>
-        </p:nvSpPr>
-        <p:spPr/>
-        <p:txBody>
-          <a:bodyPr/>
-          <a:lstStyle/>
-          <a:p>
-            <a:pPr rtl="0"/>
-            <a:fld id="{3A98EE3D-8CD1-4C3F-BD1C-C98C9596463C}" type="slidenum">
-              <a:rPr lang="en-US" smtClean="0"/>
-              <a:t>12</a:t>
-            </a:fld>
-            <a:endParaRPr lang="en-US" dirty="0"/>
-          </a:p>
-        </p:txBody>
-      </p:sp>
-    </p:spTree>
-    <p:extLst>
-      <p:ext uri="{BB962C8B-B14F-4D97-AF65-F5344CB8AC3E}">
-        <p14:creationId xmlns:p14="http://schemas.microsoft.com/office/powerpoint/2010/main" val="948829941"/>
-      </p:ext>
-    </p:extLst>
-  </p:cSld>
-  <p:clrMapOvr>
-    <a:masterClrMapping/>
-  </p:clrMapOvr>
-</p:sld>
-</file>
-
-<file path=ppt/slides/slide13.xml><?xml version="1.0" encoding="utf-8"?>
-<p:sld xmlns:a="http://schemas.openxmlformats.org/drawingml/2006/main" xmlns:r="http://schemas.openxmlformats.org/officeDocument/2006/relationships" xmlns:p="http://schemas.openxmlformats.org/presentationml/2006/main">
-  <p:cSld>
-    <p:spTree>
-      <p:nvGrpSpPr>
-        <p:cNvPr id="1" name=""/>
-        <p:cNvGrpSpPr/>
-        <p:nvPr/>
-      </p:nvGrpSpPr>
-      <p:grpSpPr>
-        <a:xfrm>
-          <a:off x="0" y="0"/>
-          <a:ext cx="0" cy="0"/>
-          <a:chOff x="0" y="0"/>
-          <a:chExt cx="0" cy="0"/>
-        </a:xfrm>
-      </p:grpSpPr>
-      <p:sp>
-        <p:nvSpPr>
-          <p:cNvPr id="2" name="Titel 1">
-            <a:extLst>
-              <a:ext uri="{FF2B5EF4-FFF2-40B4-BE49-F238E27FC236}">
-                <a16:creationId xmlns:a16="http://schemas.microsoft.com/office/drawing/2014/main" id="{1000917D-4547-48A6-84FB-F43EFC62703E}"/>
-              </a:ext>
-            </a:extLst>
-          </p:cNvPr>
-          <p:cNvSpPr>
-            <a:spLocks noGrp="1"/>
-          </p:cNvSpPr>
-          <p:nvPr>
-            <p:ph type="title"/>
-          </p:nvPr>
-        </p:nvSpPr>
-        <p:spPr/>
-        <p:txBody>
-          <a:bodyPr/>
-          <a:lstStyle/>
-          <a:p>
-            <a:r>
-              <a:rPr lang="de-DE" dirty="0"/>
-              <a:t>Quellen</a:t>
-            </a:r>
-          </a:p>
-        </p:txBody>
-      </p:sp>
-      <p:sp>
-        <p:nvSpPr>
-          <p:cNvPr id="4" name="Textfeld 3">
-            <a:extLst>
-              <a:ext uri="{FF2B5EF4-FFF2-40B4-BE49-F238E27FC236}">
-                <a16:creationId xmlns:a16="http://schemas.microsoft.com/office/drawing/2014/main" id="{7A45CCCC-0A1D-47D4-AA93-208EE6D41258}"/>
-              </a:ext>
-            </a:extLst>
-          </p:cNvPr>
-          <p:cNvSpPr txBox="1"/>
-          <p:nvPr/>
-        </p:nvSpPr>
-        <p:spPr>
-          <a:xfrm>
-            <a:off x="1208868" y="2030278"/>
-            <a:ext cx="9946812" cy="3970318"/>
-          </a:xfrm>
-          <a:prstGeom prst="rect">
-            <a:avLst/>
-          </a:prstGeom>
-          <a:noFill/>
-        </p:spPr>
-        <p:txBody>
-          <a:bodyPr wrap="square" rtlCol="0">
-            <a:spAutoFit/>
-          </a:bodyPr>
-          <a:lstStyle/>
-          <a:p>
-            <a:pPr marL="285750" indent="-285750" algn="l">
-              <a:lnSpc>
-                <a:spcPct val="150000"/>
-              </a:lnSpc>
-              <a:buFont typeface="Arial" panose="020B0604020202020204" pitchFamily="34" charset="0"/>
-              <a:buChar char="•"/>
-            </a:pPr>
-            <a:r>
-              <a:rPr lang="de-DE" sz="1600" dirty="0">
-                <a:solidFill>
-                  <a:srgbClr val="24292E"/>
-                </a:solidFill>
-                <a:latin typeface="-apple-system"/>
-              </a:rPr>
-              <a:t> </a:t>
-            </a:r>
-            <a:r>
-              <a:rPr lang="de-DE" sz="1600" b="0" i="0" u="none" strike="noStrike" dirty="0">
-                <a:solidFill>
-                  <a:srgbClr val="24292E"/>
-                </a:solidFill>
-                <a:effectLst/>
-                <a:latin typeface="-apple-system"/>
-                <a:hlinkClick r:id="rId3"/>
-              </a:rPr>
-              <a:t>https://wiki.selfhtml.org/wiki/HTML/Formulare/input/button</a:t>
-            </a:r>
-            <a:endParaRPr lang="de-DE" sz="1600" dirty="0">
-              <a:solidFill>
-                <a:srgbClr val="24292E"/>
-              </a:solidFill>
-              <a:latin typeface="-apple-system"/>
-            </a:endParaRPr>
-          </a:p>
-          <a:p>
-            <a:pPr marL="285750" indent="-285750" algn="l">
-              <a:lnSpc>
-                <a:spcPct val="150000"/>
-              </a:lnSpc>
-              <a:buFont typeface="Arial" panose="020B0604020202020204" pitchFamily="34" charset="0"/>
-              <a:buChar char="•"/>
-            </a:pPr>
-            <a:r>
-              <a:rPr lang="de-DE" sz="1600" b="0" i="0" u="none" strike="noStrike" dirty="0">
-                <a:solidFill>
-                  <a:srgbClr val="24292E"/>
-                </a:solidFill>
-                <a:effectLst/>
-                <a:latin typeface="-apple-system"/>
-                <a:hlinkClick r:id="rId4"/>
-              </a:rPr>
-              <a:t>https://jsfiddle.net/red_stapler/wu3a0y6e/18/</a:t>
-            </a:r>
-            <a:endParaRPr lang="de-DE" sz="1600" dirty="0">
-              <a:solidFill>
-                <a:srgbClr val="24292E"/>
-              </a:solidFill>
-              <a:latin typeface="-apple-system"/>
-            </a:endParaRPr>
-          </a:p>
-          <a:p>
-            <a:pPr marL="285750" indent="-285750" algn="l">
-              <a:lnSpc>
-                <a:spcPct val="150000"/>
-              </a:lnSpc>
-              <a:buFont typeface="Arial" panose="020B0604020202020204" pitchFamily="34" charset="0"/>
-              <a:buChar char="•"/>
-            </a:pPr>
-            <a:r>
-              <a:rPr lang="de-DE" sz="1600" b="0" i="0" u="none" strike="noStrike" dirty="0">
-                <a:solidFill>
-                  <a:srgbClr val="24292E"/>
-                </a:solidFill>
-                <a:effectLst/>
-                <a:latin typeface="-apple-system"/>
-                <a:hlinkClick r:id="rId5"/>
-              </a:rPr>
-              <a:t>http://microbuilder.io/blog/2016/01/10/plotting-json-data-with-chart-js.html</a:t>
-            </a:r>
-            <a:endParaRPr lang="de-DE" sz="1600" dirty="0">
-              <a:solidFill>
-                <a:srgbClr val="24292E"/>
-              </a:solidFill>
-              <a:latin typeface="-apple-system"/>
-            </a:endParaRPr>
-          </a:p>
-          <a:p>
-            <a:pPr marL="285750" indent="-285750" algn="l">
-              <a:lnSpc>
-                <a:spcPct val="150000"/>
-              </a:lnSpc>
-              <a:buFont typeface="Arial" panose="020B0604020202020204" pitchFamily="34" charset="0"/>
-              <a:buChar char="•"/>
-            </a:pPr>
-            <a:r>
-              <a:rPr lang="de-DE" sz="1600" b="0" i="0" u="none" strike="noStrike" dirty="0">
-                <a:solidFill>
-                  <a:srgbClr val="24292E"/>
-                </a:solidFill>
-                <a:effectLst/>
-                <a:latin typeface="-apple-system"/>
-                <a:hlinkClick r:id="rId6"/>
-              </a:rPr>
-              <a:t>https://www.youtube.com/watch?v=NwgKh_QTKE0</a:t>
-            </a:r>
-            <a:endParaRPr lang="de-DE" sz="1600" dirty="0">
-              <a:solidFill>
-                <a:srgbClr val="24292E"/>
-              </a:solidFill>
-              <a:latin typeface="-apple-system"/>
-            </a:endParaRPr>
-          </a:p>
-          <a:p>
-            <a:pPr marL="285750" indent="-285750" algn="l">
-              <a:lnSpc>
-                <a:spcPct val="150000"/>
-              </a:lnSpc>
-              <a:buFont typeface="Arial" panose="020B0604020202020204" pitchFamily="34" charset="0"/>
-              <a:buChar char="•"/>
-            </a:pPr>
-            <a:r>
-              <a:rPr lang="de-DE" sz="1600" b="0" i="0" u="none" strike="noStrike" dirty="0">
-                <a:solidFill>
-                  <a:srgbClr val="24292E"/>
-                </a:solidFill>
-                <a:effectLst/>
-                <a:latin typeface="-apple-system"/>
-                <a:hlinkClick r:id="rId7"/>
-              </a:rPr>
-              <a:t>https://canvasjs.com/html5-javascript-spline-chart/</a:t>
-            </a:r>
-            <a:endParaRPr lang="de-DE" sz="1600" dirty="0">
-              <a:solidFill>
-                <a:srgbClr val="24292E"/>
-              </a:solidFill>
-              <a:latin typeface="-apple-system"/>
-            </a:endParaRPr>
-          </a:p>
-          <a:p>
-            <a:pPr marL="285750" indent="-285750" algn="l">
-              <a:lnSpc>
-                <a:spcPct val="150000"/>
-              </a:lnSpc>
-              <a:buFont typeface="Arial" panose="020B0604020202020204" pitchFamily="34" charset="0"/>
-              <a:buChar char="•"/>
-            </a:pPr>
-            <a:r>
-              <a:rPr lang="de-DE" sz="1600" dirty="0">
-                <a:solidFill>
-                  <a:srgbClr val="24292E"/>
-                </a:solidFill>
-                <a:latin typeface="-apple-system"/>
-                <a:hlinkClick r:id="rId8"/>
-              </a:rPr>
-              <a:t>https://canvasjs.com/html5-javascript-line-chart/</a:t>
-            </a:r>
-            <a:endParaRPr lang="de-DE" sz="1600" dirty="0">
-              <a:solidFill>
-                <a:srgbClr val="24292E"/>
-              </a:solidFill>
-              <a:latin typeface="-apple-system"/>
-            </a:endParaRPr>
-          </a:p>
-          <a:p>
-            <a:pPr marL="285750" indent="-285750" algn="l">
-              <a:lnSpc>
-                <a:spcPct val="150000"/>
-              </a:lnSpc>
-              <a:buFont typeface="Arial" panose="020B0604020202020204" pitchFamily="34" charset="0"/>
-              <a:buChar char="•"/>
-            </a:pPr>
-            <a:r>
-              <a:rPr lang="de-DE" sz="1600" b="0" i="0" u="none" strike="noStrike" dirty="0">
-                <a:solidFill>
-                  <a:srgbClr val="24292E"/>
-                </a:solidFill>
-                <a:effectLst/>
-                <a:latin typeface="-apple-system"/>
-                <a:hlinkClick r:id="rId9"/>
-              </a:rPr>
-              <a:t>https://canvasjs.com/docs/charts/basics-of-creating-html5-chart/updating-chart-options/</a:t>
-            </a:r>
-            <a:endParaRPr lang="de-DE" sz="1600" dirty="0">
-              <a:solidFill>
-                <a:srgbClr val="24292E"/>
-              </a:solidFill>
-              <a:latin typeface="-apple-system"/>
-            </a:endParaRPr>
-          </a:p>
-          <a:p>
-            <a:pPr marL="285750" indent="-285750" algn="l">
-              <a:lnSpc>
-                <a:spcPct val="150000"/>
-              </a:lnSpc>
-              <a:buFont typeface="Arial" panose="020B0604020202020204" pitchFamily="34" charset="0"/>
-              <a:buChar char="•"/>
-            </a:pPr>
-            <a:r>
-              <a:rPr lang="de-DE" sz="1600" b="0" i="0" u="none" strike="noStrike" dirty="0">
-                <a:solidFill>
-                  <a:srgbClr val="24292E"/>
-                </a:solidFill>
-                <a:effectLst/>
-                <a:latin typeface="-apple-system"/>
-                <a:hlinkClick r:id="rId10"/>
-              </a:rPr>
-              <a:t>https://canvasjs.com/docs/charts/methods/dataseries/addto/</a:t>
-            </a:r>
-            <a:endParaRPr lang="de-DE" sz="1600" dirty="0">
-              <a:solidFill>
-                <a:srgbClr val="24292E"/>
-              </a:solidFill>
-              <a:latin typeface="-apple-system"/>
-            </a:endParaRPr>
-          </a:p>
-          <a:p>
-            <a:pPr marL="285750" indent="-285750" algn="l">
-              <a:lnSpc>
-                <a:spcPct val="150000"/>
-              </a:lnSpc>
-              <a:buFont typeface="Arial" panose="020B0604020202020204" pitchFamily="34" charset="0"/>
-              <a:buChar char="•"/>
-            </a:pPr>
-            <a:r>
-              <a:rPr lang="de-DE" sz="1600" b="0" i="0" u="none" strike="noStrike" dirty="0">
-                <a:solidFill>
-                  <a:srgbClr val="24292E"/>
-                </a:solidFill>
-                <a:effectLst/>
-                <a:latin typeface="-apple-system"/>
-                <a:hlinkClick r:id="rId11"/>
-              </a:rPr>
-              <a:t>https://www.gesundheit.gv.at/leben/ernaehrung/info/fluessigkeitsbedarf</a:t>
-            </a:r>
-            <a:endParaRPr lang="de-DE" sz="1600" b="0" i="0" dirty="0">
-              <a:solidFill>
-                <a:srgbClr val="24292E"/>
-              </a:solidFill>
-              <a:effectLst/>
-              <a:latin typeface="-apple-system"/>
-            </a:endParaRPr>
-          </a:p>
-          <a:p>
-            <a:pPr algn="l"/>
-            <a:endParaRPr lang="de-DE" b="0" i="0" u="none" strike="noStrike" dirty="0">
-              <a:solidFill>
-                <a:srgbClr val="24292E"/>
-              </a:solidFill>
-              <a:effectLst/>
-              <a:latin typeface="-apple-system"/>
-            </a:endParaRPr>
-          </a:p>
-          <a:p>
-            <a:pPr algn="l"/>
-            <a:endParaRPr lang="de-DE" b="0" i="0" dirty="0">
-              <a:solidFill>
-                <a:srgbClr val="24292E"/>
-              </a:solidFill>
-              <a:effectLst/>
-              <a:latin typeface="-apple-system"/>
-            </a:endParaRPr>
-          </a:p>
-        </p:txBody>
-      </p:sp>
-      <p:sp>
-        <p:nvSpPr>
-          <p:cNvPr id="5" name="Foliennummernplatzhalter 4">
-            <a:extLst>
-              <a:ext uri="{FF2B5EF4-FFF2-40B4-BE49-F238E27FC236}">
-                <a16:creationId xmlns:a16="http://schemas.microsoft.com/office/drawing/2014/main" id="{1BB62189-938C-4C7C-BA89-B2D315856415}"/>
-              </a:ext>
-            </a:extLst>
-          </p:cNvPr>
-          <p:cNvSpPr>
-            <a:spLocks noGrp="1"/>
-          </p:cNvSpPr>
-          <p:nvPr>
-            <p:ph type="sldNum" sz="quarter" idx="12"/>
-          </p:nvPr>
-        </p:nvSpPr>
-        <p:spPr/>
-        <p:txBody>
-          <a:bodyPr/>
-          <a:lstStyle/>
-          <a:p>
-            <a:pPr rtl="0"/>
-            <a:fld id="{3A98EE3D-8CD1-4C3F-BD1C-C98C9596463C}" type="slidenum">
-              <a:rPr lang="en-US" smtClean="0"/>
-              <a:t>13</a:t>
-            </a:fld>
-            <a:endParaRPr lang="en-US" dirty="0"/>
-          </a:p>
-        </p:txBody>
-      </p:sp>
-    </p:spTree>
-    <p:extLst>
-      <p:ext uri="{BB962C8B-B14F-4D97-AF65-F5344CB8AC3E}">
-        <p14:creationId xmlns:p14="http://schemas.microsoft.com/office/powerpoint/2010/main" val="873189558"/>
-      </p:ext>
-    </p:extLst>
-  </p:cSld>
-  <p:clrMapOvr>
-    <a:masterClrMapping/>
-  </p:clrMapOvr>
-</p:sld>
-</file>
-
 <file path=ppt/slides/slide14.xml><?xml version="1.0" encoding="utf-8"?>
 <p:sld xmlns:a="http://schemas.openxmlformats.org/drawingml/2006/main" xmlns:r="http://schemas.openxmlformats.org/officeDocument/2006/relationships" xmlns:p="http://schemas.openxmlformats.org/presentationml/2006/main">
   <p:cSld>
@@ -7466,6 +7148,597 @@
       </p:grpSpPr>
       <p:sp>
         <p:nvSpPr>
+          <p:cNvPr id="2" name="Titel 1">
+            <a:extLst>
+              <a:ext uri="{FF2B5EF4-FFF2-40B4-BE49-F238E27FC236}">
+                <a16:creationId xmlns:a16="http://schemas.microsoft.com/office/drawing/2014/main" id="{8E6F87C2-E244-41E0-AFF6-CCBE3E7A9F0F}"/>
+              </a:ext>
+            </a:extLst>
+          </p:cNvPr>
+          <p:cNvSpPr>
+            <a:spLocks noGrp="1"/>
+          </p:cNvSpPr>
+          <p:nvPr>
+            <p:ph type="title"/>
+          </p:nvPr>
+        </p:nvSpPr>
+        <p:spPr/>
+        <p:txBody>
+          <a:bodyPr/>
+          <a:lstStyle/>
+          <a:p>
+            <a:r>
+              <a:rPr lang="de-DE" dirty="0"/>
+              <a:t>Ausblick </a:t>
+            </a:r>
+          </a:p>
+        </p:txBody>
+      </p:sp>
+      <p:sp>
+        <p:nvSpPr>
+          <p:cNvPr id="3" name="Inhaltsplatzhalter 2">
+            <a:extLst>
+              <a:ext uri="{FF2B5EF4-FFF2-40B4-BE49-F238E27FC236}">
+                <a16:creationId xmlns:a16="http://schemas.microsoft.com/office/drawing/2014/main" id="{B546AAA2-7A8F-484E-BDB8-F068E851712C}"/>
+              </a:ext>
+            </a:extLst>
+          </p:cNvPr>
+          <p:cNvSpPr>
+            <a:spLocks noGrp="1"/>
+          </p:cNvSpPr>
+          <p:nvPr>
+            <p:ph idx="1"/>
+          </p:nvPr>
+        </p:nvSpPr>
+        <p:spPr>
+          <a:xfrm>
+            <a:off x="1097280" y="2134186"/>
+            <a:ext cx="10058400" cy="4160252"/>
+          </a:xfrm>
+        </p:spPr>
+        <p:txBody>
+          <a:bodyPr>
+            <a:normAutofit/>
+          </a:bodyPr>
+          <a:lstStyle/>
+          <a:p>
+            <a:pPr marL="0" indent="0">
+              <a:buNone/>
+            </a:pPr>
+            <a:r>
+              <a:rPr lang="de-DE" sz="2000" i="1" dirty="0">
+                <a:solidFill>
+                  <a:schemeClr val="tx1"/>
+                </a:solidFill>
+                <a:latin typeface="-apple-system"/>
+              </a:rPr>
+              <a:t>Nicht umgesetzt, aber weitere Ideen:</a:t>
+            </a:r>
+          </a:p>
+          <a:p>
+            <a:pPr>
+              <a:buFont typeface="Arial" panose="020B0604020202020204" pitchFamily="34" charset="0"/>
+              <a:buChar char="•"/>
+            </a:pPr>
+            <a:r>
+              <a:rPr lang="de-DE" dirty="0">
+                <a:solidFill>
+                  <a:schemeClr val="tx1"/>
+                </a:solidFill>
+                <a:latin typeface="-apple-system"/>
+              </a:rPr>
+              <a:t> </a:t>
+            </a:r>
+            <a:r>
+              <a:rPr lang="de-DE" dirty="0">
+                <a:solidFill>
+                  <a:schemeClr val="tx1"/>
+                </a:solidFill>
+                <a:latin typeface="Open Sans"/>
+              </a:rPr>
+              <a:t>Für den User personalisierte Ansichten/ Auswertungen</a:t>
+            </a:r>
+          </a:p>
+          <a:p>
+            <a:pPr>
+              <a:buFont typeface="Arial" panose="020B0604020202020204" pitchFamily="34" charset="0"/>
+              <a:buChar char="•"/>
+            </a:pPr>
+            <a:r>
+              <a:rPr lang="de-DE" dirty="0">
+                <a:solidFill>
+                  <a:schemeClr val="tx1"/>
+                </a:solidFill>
+                <a:latin typeface="Open Sans"/>
+              </a:rPr>
+              <a:t> Apps (Musik, ASMR, Hörbücher) &amp; Übungen zu Favoriten hinzufügen</a:t>
+            </a:r>
+          </a:p>
+          <a:p>
+            <a:pPr>
+              <a:buFont typeface="Arial" panose="020B0604020202020204" pitchFamily="34" charset="0"/>
+              <a:buChar char="•"/>
+            </a:pPr>
+            <a:r>
+              <a:rPr lang="de-DE" dirty="0">
+                <a:solidFill>
+                  <a:schemeClr val="tx1"/>
+                </a:solidFill>
+                <a:latin typeface="Open Sans"/>
+              </a:rPr>
+              <a:t> Kalender inkl. Sonnenaufgang/ Sonnenuntergang und Mondphasen</a:t>
+            </a:r>
+          </a:p>
+          <a:p>
+            <a:pPr>
+              <a:buFont typeface="Arial" panose="020B0604020202020204" pitchFamily="34" charset="0"/>
+              <a:buChar char="•"/>
+            </a:pPr>
+            <a:r>
+              <a:rPr lang="de-DE" dirty="0">
+                <a:solidFill>
+                  <a:schemeClr val="tx1"/>
+                </a:solidFill>
+                <a:latin typeface="Open Sans"/>
+              </a:rPr>
+              <a:t> In der Auswertung zu den verschiedenen Tagen Notizen machen </a:t>
+            </a:r>
+          </a:p>
+          <a:p>
+            <a:pPr marL="0" indent="0">
+              <a:buNone/>
+            </a:pPr>
+            <a:endParaRPr lang="de-DE" dirty="0">
+              <a:solidFill>
+                <a:schemeClr val="tx1"/>
+              </a:solidFill>
+              <a:latin typeface="-apple-system"/>
+            </a:endParaRPr>
+          </a:p>
+        </p:txBody>
+      </p:sp>
+      <p:sp>
+        <p:nvSpPr>
+          <p:cNvPr id="5" name="Foliennummernplatzhalter 4">
+            <a:extLst>
+              <a:ext uri="{FF2B5EF4-FFF2-40B4-BE49-F238E27FC236}">
+                <a16:creationId xmlns:a16="http://schemas.microsoft.com/office/drawing/2014/main" id="{83972841-72E7-45F6-9D79-4FAE81CFBAF2}"/>
+              </a:ext>
+            </a:extLst>
+          </p:cNvPr>
+          <p:cNvSpPr>
+            <a:spLocks noGrp="1"/>
+          </p:cNvSpPr>
+          <p:nvPr>
+            <p:ph type="sldNum" sz="quarter" idx="12"/>
+          </p:nvPr>
+        </p:nvSpPr>
+        <p:spPr/>
+        <p:txBody>
+          <a:bodyPr/>
+          <a:lstStyle/>
+          <a:p>
+            <a:pPr rtl="0"/>
+            <a:fld id="{3A98EE3D-8CD1-4C3F-BD1C-C98C9596463C}" type="slidenum">
+              <a:rPr lang="en-US" smtClean="0"/>
+              <a:t>14</a:t>
+            </a:fld>
+            <a:endParaRPr lang="en-US" dirty="0"/>
+          </a:p>
+        </p:txBody>
+      </p:sp>
+    </p:spTree>
+    <p:extLst>
+      <p:ext uri="{BB962C8B-B14F-4D97-AF65-F5344CB8AC3E}">
+        <p14:creationId xmlns:p14="http://schemas.microsoft.com/office/powerpoint/2010/main" val="948829941"/>
+      </p:ext>
+    </p:extLst>
+  </p:cSld>
+  <p:clrMapOvr>
+    <a:masterClrMapping/>
+  </p:clrMapOvr>
+</p:sld>
+</file>
+
+<file path=ppt/slides/slide15.xml><?xml version="1.0" encoding="utf-8"?>
+<p:sld xmlns:a="http://schemas.openxmlformats.org/drawingml/2006/main" xmlns:r="http://schemas.openxmlformats.org/officeDocument/2006/relationships" xmlns:p="http://schemas.openxmlformats.org/presentationml/2006/main">
+  <p:cSld>
+    <p:spTree>
+      <p:nvGrpSpPr>
+        <p:cNvPr id="1" name=""/>
+        <p:cNvGrpSpPr/>
+        <p:nvPr/>
+      </p:nvGrpSpPr>
+      <p:grpSpPr>
+        <a:xfrm>
+          <a:off x="0" y="0"/>
+          <a:ext cx="0" cy="0"/>
+          <a:chOff x="0" y="0"/>
+          <a:chExt cx="0" cy="0"/>
+        </a:xfrm>
+      </p:grpSpPr>
+      <p:sp>
+        <p:nvSpPr>
+          <p:cNvPr id="2" name="Titel 1">
+            <a:extLst>
+              <a:ext uri="{FF2B5EF4-FFF2-40B4-BE49-F238E27FC236}">
+                <a16:creationId xmlns:a16="http://schemas.microsoft.com/office/drawing/2014/main" id="{1000917D-4547-48A6-84FB-F43EFC62703E}"/>
+              </a:ext>
+            </a:extLst>
+          </p:cNvPr>
+          <p:cNvSpPr>
+            <a:spLocks noGrp="1"/>
+          </p:cNvSpPr>
+          <p:nvPr>
+            <p:ph type="title"/>
+          </p:nvPr>
+        </p:nvSpPr>
+        <p:spPr/>
+        <p:txBody>
+          <a:bodyPr/>
+          <a:lstStyle/>
+          <a:p>
+            <a:r>
+              <a:rPr lang="de-DE" dirty="0"/>
+              <a:t>Quellen</a:t>
+            </a:r>
+          </a:p>
+        </p:txBody>
+      </p:sp>
+      <p:sp>
+        <p:nvSpPr>
+          <p:cNvPr id="4" name="Textfeld 3">
+            <a:extLst>
+              <a:ext uri="{FF2B5EF4-FFF2-40B4-BE49-F238E27FC236}">
+                <a16:creationId xmlns:a16="http://schemas.microsoft.com/office/drawing/2014/main" id="{7A45CCCC-0A1D-47D4-AA93-208EE6D41258}"/>
+              </a:ext>
+            </a:extLst>
+          </p:cNvPr>
+          <p:cNvSpPr txBox="1"/>
+          <p:nvPr/>
+        </p:nvSpPr>
+        <p:spPr>
+          <a:xfrm>
+            <a:off x="1208868" y="2030278"/>
+            <a:ext cx="9946812" cy="3970318"/>
+          </a:xfrm>
+          <a:prstGeom prst="rect">
+            <a:avLst/>
+          </a:prstGeom>
+          <a:noFill/>
+        </p:spPr>
+        <p:txBody>
+          <a:bodyPr wrap="square" rtlCol="0">
+            <a:spAutoFit/>
+          </a:bodyPr>
+          <a:lstStyle/>
+          <a:p>
+            <a:pPr marL="285750" indent="-285750" algn="l">
+              <a:lnSpc>
+                <a:spcPct val="150000"/>
+              </a:lnSpc>
+              <a:buFont typeface="Arial" panose="020B0604020202020204" pitchFamily="34" charset="0"/>
+              <a:buChar char="•"/>
+            </a:pPr>
+            <a:r>
+              <a:rPr lang="de-DE" sz="1600" dirty="0">
+                <a:solidFill>
+                  <a:srgbClr val="24292E"/>
+                </a:solidFill>
+                <a:latin typeface="-apple-system"/>
+              </a:rPr>
+              <a:t> </a:t>
+            </a:r>
+            <a:r>
+              <a:rPr lang="de-DE" sz="1600" b="0" i="0" u="none" strike="noStrike" dirty="0">
+                <a:solidFill>
+                  <a:srgbClr val="24292E"/>
+                </a:solidFill>
+                <a:effectLst/>
+                <a:latin typeface="-apple-system"/>
+                <a:hlinkClick r:id="rId3"/>
+              </a:rPr>
+              <a:t>https://wiki.selfhtml.org/wiki/HTML/Formulare/input/button</a:t>
+            </a:r>
+            <a:endParaRPr lang="de-DE" sz="1600" dirty="0">
+              <a:solidFill>
+                <a:srgbClr val="24292E"/>
+              </a:solidFill>
+              <a:latin typeface="-apple-system"/>
+            </a:endParaRPr>
+          </a:p>
+          <a:p>
+            <a:pPr marL="285750" indent="-285750" algn="l">
+              <a:lnSpc>
+                <a:spcPct val="150000"/>
+              </a:lnSpc>
+              <a:buFont typeface="Arial" panose="020B0604020202020204" pitchFamily="34" charset="0"/>
+              <a:buChar char="•"/>
+            </a:pPr>
+            <a:r>
+              <a:rPr lang="de-DE" sz="1600" b="0" i="0" u="none" strike="noStrike" dirty="0">
+                <a:solidFill>
+                  <a:srgbClr val="24292E"/>
+                </a:solidFill>
+                <a:effectLst/>
+                <a:latin typeface="-apple-system"/>
+                <a:hlinkClick r:id="rId4"/>
+              </a:rPr>
+              <a:t>https://jsfiddle.net/red_stapler/wu3a0y6e/18/</a:t>
+            </a:r>
+            <a:endParaRPr lang="de-DE" sz="1600" dirty="0">
+              <a:solidFill>
+                <a:srgbClr val="24292E"/>
+              </a:solidFill>
+              <a:latin typeface="-apple-system"/>
+            </a:endParaRPr>
+          </a:p>
+          <a:p>
+            <a:pPr marL="285750" indent="-285750" algn="l">
+              <a:lnSpc>
+                <a:spcPct val="150000"/>
+              </a:lnSpc>
+              <a:buFont typeface="Arial" panose="020B0604020202020204" pitchFamily="34" charset="0"/>
+              <a:buChar char="•"/>
+            </a:pPr>
+            <a:r>
+              <a:rPr lang="de-DE" sz="1600" b="0" i="0" u="none" strike="noStrike" dirty="0">
+                <a:solidFill>
+                  <a:srgbClr val="24292E"/>
+                </a:solidFill>
+                <a:effectLst/>
+                <a:latin typeface="-apple-system"/>
+                <a:hlinkClick r:id="rId5"/>
+              </a:rPr>
+              <a:t>http://microbuilder.io/blog/2016/01/10/plotting-json-data-with-chart-js.html</a:t>
+            </a:r>
+            <a:endParaRPr lang="de-DE" sz="1600" dirty="0">
+              <a:solidFill>
+                <a:srgbClr val="24292E"/>
+              </a:solidFill>
+              <a:latin typeface="-apple-system"/>
+            </a:endParaRPr>
+          </a:p>
+          <a:p>
+            <a:pPr marL="285750" indent="-285750" algn="l">
+              <a:lnSpc>
+                <a:spcPct val="150000"/>
+              </a:lnSpc>
+              <a:buFont typeface="Arial" panose="020B0604020202020204" pitchFamily="34" charset="0"/>
+              <a:buChar char="•"/>
+            </a:pPr>
+            <a:r>
+              <a:rPr lang="de-DE" sz="1600" b="0" i="0" u="none" strike="noStrike" dirty="0">
+                <a:solidFill>
+                  <a:srgbClr val="24292E"/>
+                </a:solidFill>
+                <a:effectLst/>
+                <a:latin typeface="-apple-system"/>
+                <a:hlinkClick r:id="rId6"/>
+              </a:rPr>
+              <a:t>https://www.youtube.com/watch?v=NwgKh_QTKE0</a:t>
+            </a:r>
+            <a:endParaRPr lang="de-DE" sz="1600" dirty="0">
+              <a:solidFill>
+                <a:srgbClr val="24292E"/>
+              </a:solidFill>
+              <a:latin typeface="-apple-system"/>
+            </a:endParaRPr>
+          </a:p>
+          <a:p>
+            <a:pPr marL="285750" indent="-285750" algn="l">
+              <a:lnSpc>
+                <a:spcPct val="150000"/>
+              </a:lnSpc>
+              <a:buFont typeface="Arial" panose="020B0604020202020204" pitchFamily="34" charset="0"/>
+              <a:buChar char="•"/>
+            </a:pPr>
+            <a:r>
+              <a:rPr lang="de-DE" sz="1600" b="0" i="0" u="none" strike="noStrike" dirty="0">
+                <a:solidFill>
+                  <a:srgbClr val="24292E"/>
+                </a:solidFill>
+                <a:effectLst/>
+                <a:latin typeface="-apple-system"/>
+                <a:hlinkClick r:id="rId7"/>
+              </a:rPr>
+              <a:t>https://canvasjs.com/html5-javascript-spline-chart/</a:t>
+            </a:r>
+            <a:endParaRPr lang="de-DE" sz="1600" dirty="0">
+              <a:solidFill>
+                <a:srgbClr val="24292E"/>
+              </a:solidFill>
+              <a:latin typeface="-apple-system"/>
+            </a:endParaRPr>
+          </a:p>
+          <a:p>
+            <a:pPr marL="285750" indent="-285750" algn="l">
+              <a:lnSpc>
+                <a:spcPct val="150000"/>
+              </a:lnSpc>
+              <a:buFont typeface="Arial" panose="020B0604020202020204" pitchFamily="34" charset="0"/>
+              <a:buChar char="•"/>
+            </a:pPr>
+            <a:r>
+              <a:rPr lang="de-DE" sz="1600" dirty="0">
+                <a:solidFill>
+                  <a:srgbClr val="24292E"/>
+                </a:solidFill>
+                <a:latin typeface="-apple-system"/>
+                <a:hlinkClick r:id="rId8"/>
+              </a:rPr>
+              <a:t>https://canvasjs.com/html5-javascript-line-chart/</a:t>
+            </a:r>
+            <a:endParaRPr lang="de-DE" sz="1600" dirty="0">
+              <a:solidFill>
+                <a:srgbClr val="24292E"/>
+              </a:solidFill>
+              <a:latin typeface="-apple-system"/>
+            </a:endParaRPr>
+          </a:p>
+          <a:p>
+            <a:pPr marL="285750" indent="-285750" algn="l">
+              <a:lnSpc>
+                <a:spcPct val="150000"/>
+              </a:lnSpc>
+              <a:buFont typeface="Arial" panose="020B0604020202020204" pitchFamily="34" charset="0"/>
+              <a:buChar char="•"/>
+            </a:pPr>
+            <a:r>
+              <a:rPr lang="de-DE" sz="1600" b="0" i="0" u="none" strike="noStrike" dirty="0">
+                <a:solidFill>
+                  <a:srgbClr val="24292E"/>
+                </a:solidFill>
+                <a:effectLst/>
+                <a:latin typeface="-apple-system"/>
+                <a:hlinkClick r:id="rId9"/>
+              </a:rPr>
+              <a:t>https://canvasjs.com/docs/charts/basics-of-creating-html5-chart/updating-chart-options/</a:t>
+            </a:r>
+            <a:endParaRPr lang="de-DE" sz="1600" dirty="0">
+              <a:solidFill>
+                <a:srgbClr val="24292E"/>
+              </a:solidFill>
+              <a:latin typeface="-apple-system"/>
+            </a:endParaRPr>
+          </a:p>
+          <a:p>
+            <a:pPr marL="285750" indent="-285750" algn="l">
+              <a:lnSpc>
+                <a:spcPct val="150000"/>
+              </a:lnSpc>
+              <a:buFont typeface="Arial" panose="020B0604020202020204" pitchFamily="34" charset="0"/>
+              <a:buChar char="•"/>
+            </a:pPr>
+            <a:r>
+              <a:rPr lang="de-DE" sz="1600" b="0" i="0" u="none" strike="noStrike" dirty="0">
+                <a:solidFill>
+                  <a:srgbClr val="24292E"/>
+                </a:solidFill>
+                <a:effectLst/>
+                <a:latin typeface="-apple-system"/>
+                <a:hlinkClick r:id="rId10"/>
+              </a:rPr>
+              <a:t>https://canvasjs.com/docs/charts/methods/dataseries/addto/</a:t>
+            </a:r>
+            <a:endParaRPr lang="de-DE" sz="1600" dirty="0">
+              <a:solidFill>
+                <a:srgbClr val="24292E"/>
+              </a:solidFill>
+              <a:latin typeface="-apple-system"/>
+            </a:endParaRPr>
+          </a:p>
+          <a:p>
+            <a:pPr marL="285750" indent="-285750" algn="l">
+              <a:lnSpc>
+                <a:spcPct val="150000"/>
+              </a:lnSpc>
+              <a:buFont typeface="Arial" panose="020B0604020202020204" pitchFamily="34" charset="0"/>
+              <a:buChar char="•"/>
+            </a:pPr>
+            <a:r>
+              <a:rPr lang="de-DE" sz="1600" b="0" i="0" u="none" strike="noStrike" dirty="0">
+                <a:solidFill>
+                  <a:srgbClr val="24292E"/>
+                </a:solidFill>
+                <a:effectLst/>
+                <a:latin typeface="-apple-system"/>
+                <a:hlinkClick r:id="rId11"/>
+              </a:rPr>
+              <a:t>https://www.gesundheit.gv.at/leben/ernaehrung/info/fluessigkeitsbedarf</a:t>
+            </a:r>
+            <a:endParaRPr lang="de-DE" sz="1600" b="0" i="0" dirty="0">
+              <a:solidFill>
+                <a:srgbClr val="24292E"/>
+              </a:solidFill>
+              <a:effectLst/>
+              <a:latin typeface="-apple-system"/>
+            </a:endParaRPr>
+          </a:p>
+          <a:p>
+            <a:pPr algn="l"/>
+            <a:endParaRPr lang="de-DE" b="0" i="0" u="none" strike="noStrike" dirty="0">
+              <a:solidFill>
+                <a:srgbClr val="24292E"/>
+              </a:solidFill>
+              <a:effectLst/>
+              <a:latin typeface="-apple-system"/>
+            </a:endParaRPr>
+          </a:p>
+          <a:p>
+            <a:pPr algn="l"/>
+            <a:endParaRPr lang="de-DE" b="0" i="0" dirty="0">
+              <a:solidFill>
+                <a:srgbClr val="24292E"/>
+              </a:solidFill>
+              <a:effectLst/>
+              <a:latin typeface="-apple-system"/>
+            </a:endParaRPr>
+          </a:p>
+        </p:txBody>
+      </p:sp>
+      <p:sp>
+        <p:nvSpPr>
+          <p:cNvPr id="5" name="Foliennummernplatzhalter 4">
+            <a:extLst>
+              <a:ext uri="{FF2B5EF4-FFF2-40B4-BE49-F238E27FC236}">
+                <a16:creationId xmlns:a16="http://schemas.microsoft.com/office/drawing/2014/main" id="{1BB62189-938C-4C7C-BA89-B2D315856415}"/>
+              </a:ext>
+            </a:extLst>
+          </p:cNvPr>
+          <p:cNvSpPr>
+            <a:spLocks noGrp="1"/>
+          </p:cNvSpPr>
+          <p:nvPr>
+            <p:ph type="sldNum" sz="quarter" idx="12"/>
+          </p:nvPr>
+        </p:nvSpPr>
+        <p:spPr/>
+        <p:txBody>
+          <a:bodyPr/>
+          <a:lstStyle/>
+          <a:p>
+            <a:pPr rtl="0"/>
+            <a:fld id="{3A98EE3D-8CD1-4C3F-BD1C-C98C9596463C}" type="slidenum">
+              <a:rPr lang="en-US" smtClean="0"/>
+              <a:t>15</a:t>
+            </a:fld>
+            <a:endParaRPr lang="en-US" dirty="0"/>
+          </a:p>
+        </p:txBody>
+      </p:sp>
+    </p:spTree>
+    <p:extLst>
+      <p:ext uri="{BB962C8B-B14F-4D97-AF65-F5344CB8AC3E}">
+        <p14:creationId xmlns:p14="http://schemas.microsoft.com/office/powerpoint/2010/main" val="873189558"/>
+      </p:ext>
+    </p:extLst>
+  </p:cSld>
+  <p:clrMapOvr>
+    <a:masterClrMapping/>
+  </p:clrMapOvr>
+</p:sld>
+</file>
+
+<file path=ppt/slides/slide16.xml><?xml version="1.0" encoding="utf-8"?>
+<p:sld xmlns:a="http://schemas.openxmlformats.org/drawingml/2006/main" xmlns:r="http://schemas.openxmlformats.org/officeDocument/2006/relationships" xmlns:p="http://schemas.openxmlformats.org/presentationml/2006/main">
+  <p:cSld>
+    <p:spTree>
+      <p:nvGrpSpPr>
+        <p:cNvPr id="1" name=""/>
+        <p:cNvGrpSpPr/>
+        <p:nvPr/>
+      </p:nvGrpSpPr>
+      <p:grpSpPr>
+        <a:xfrm>
+          <a:off x="0" y="0"/>
+          <a:ext cx="0" cy="0"/>
+          <a:chOff x="0" y="0"/>
+          <a:chExt cx="0" cy="0"/>
+        </a:xfrm>
+      </p:grpSpPr>
+      <p:sp>
+        <p:nvSpPr>
           <p:cNvPr id="3" name="Titel 2">
             <a:extLst>
               <a:ext uri="{FF2B5EF4-FFF2-40B4-BE49-F238E27FC236}">
@@ -7559,7 +7832,7 @@
             <a:pPr rtl="0"/>
             <a:fld id="{3A98EE3D-8CD1-4C3F-BD1C-C98C9596463C}" type="slidenum">
               <a:rPr lang="en-US" smtClean="0"/>
-              <a:t>14</a:t>
+              <a:t>16</a:t>
             </a:fld>
             <a:endParaRPr lang="en-US" dirty="0"/>
           </a:p>
@@ -8234,7 +8507,7 @@
         </p:spPr>
         <p:txBody>
           <a:bodyPr>
-            <a:normAutofit/>
+            <a:normAutofit lnSpcReduction="10000"/>
           </a:bodyPr>
           <a:lstStyle/>
           <a:p>
@@ -8282,7 +8555,46 @@
               <a:rPr lang="de-DE" dirty="0">
                 <a:latin typeface="-apple-system"/>
               </a:rPr>
+              <a:t>Datenbank</a:t>
+            </a:r>
+          </a:p>
+          <a:p>
+            <a:pPr marL="457200" indent="-457200">
+              <a:buFont typeface="+mj-lt"/>
+              <a:buAutoNum type="arabicPeriod"/>
+            </a:pPr>
+            <a:r>
+              <a:rPr lang="de-DE" dirty="0">
+                <a:latin typeface="-apple-system"/>
+              </a:rPr>
               <a:t>Zielhierarchie</a:t>
+            </a:r>
+          </a:p>
+          <a:p>
+            <a:pPr marL="457200" indent="-457200">
+              <a:buFont typeface="+mj-lt"/>
+              <a:buAutoNum type="arabicPeriod"/>
+            </a:pPr>
+            <a:r>
+              <a:rPr lang="de-DE" dirty="0" err="1">
+                <a:latin typeface="-apple-system"/>
+              </a:rPr>
+              <a:t>Prozessassessment</a:t>
+            </a:r>
+            <a:endParaRPr lang="de-DE" dirty="0">
+              <a:latin typeface="-apple-system"/>
+            </a:endParaRPr>
+          </a:p>
+          <a:p>
+            <a:pPr marL="457200" indent="-457200">
+              <a:buFont typeface="+mj-lt"/>
+              <a:buAutoNum type="arabicPeriod"/>
+            </a:pPr>
+            <a:r>
+              <a:rPr lang="de-DE" dirty="0">
+                <a:latin typeface="-apple-system"/>
+              </a:rPr>
+              <a:t>Ausblick</a:t>
             </a:r>
           </a:p>
           <a:p>
@@ -8862,7 +9174,7 @@
           <a:p>
             <a:r>
               <a:rPr lang="de-DE" sz="7400" dirty="0"/>
-              <a:t>Zielhierarchie</a:t>
+              <a:t>Datenbank</a:t>
             </a:r>
           </a:p>
         </p:txBody>
@@ -8970,7 +9282,7 @@
     </p:spTree>
     <p:extLst>
       <p:ext uri="{BB962C8B-B14F-4D97-AF65-F5344CB8AC3E}">
-        <p14:creationId xmlns:p14="http://schemas.microsoft.com/office/powerpoint/2010/main" val="2660464370"/>
+        <p14:creationId xmlns:p14="http://schemas.microsoft.com/office/powerpoint/2010/main" val="4172179416"/>
       </p:ext>
     </p:extLst>
   </p:cSld>
@@ -9002,7 +9314,7 @@
           <p:cNvPr id="2" name="Titel 1">
             <a:extLst>
               <a:ext uri="{FF2B5EF4-FFF2-40B4-BE49-F238E27FC236}">
-                <a16:creationId xmlns:a16="http://schemas.microsoft.com/office/drawing/2014/main" id="{80EE4ADB-3912-4818-9107-B9B53667FC56}"/>
+                <a16:creationId xmlns:a16="http://schemas.microsoft.com/office/drawing/2014/main" id="{4E4056F1-95D3-4103-B2BE-651E4D917EE6}"/>
               </a:ext>
             </a:extLst>
           </p:cNvPr>
@@ -9013,21 +9325,14 @@
             <p:ph type="title"/>
           </p:nvPr>
         </p:nvSpPr>
-        <p:spPr>
-          <a:xfrm>
-            <a:off x="1097280" y="286603"/>
-            <a:ext cx="10058400" cy="1450757"/>
-          </a:xfrm>
-        </p:spPr>
-        <p:txBody>
-          <a:bodyPr anchor="b">
-            <a:normAutofit/>
-          </a:bodyPr>
+        <p:spPr/>
+        <p:txBody>
+          <a:bodyPr/>
           <a:lstStyle/>
           <a:p>
             <a:r>
               <a:rPr lang="de-DE" dirty="0"/>
-              <a:t>Zielhierarchie</a:t>
+              <a:t>ER-Diagramm Umfrage</a:t>
             </a:r>
           </a:p>
         </p:txBody>
@@ -9037,7 +9342,7 @@
           <p:cNvPr id="4" name="Foliennummernplatzhalter 3">
             <a:extLst>
               <a:ext uri="{FF2B5EF4-FFF2-40B4-BE49-F238E27FC236}">
-                <a16:creationId xmlns:a16="http://schemas.microsoft.com/office/drawing/2014/main" id="{0A6814A5-E621-4F6A-97F4-4E20661FA280}"/>
+                <a16:creationId xmlns:a16="http://schemas.microsoft.com/office/drawing/2014/main" id="{ED11B56A-F565-4118-A8F3-E25EDF21E261}"/>
               </a:ext>
             </a:extLst>
           </p:cNvPr>
@@ -9048,42 +9353,26 @@
             <p:ph type="sldNum" sz="quarter" idx="12"/>
           </p:nvPr>
         </p:nvSpPr>
-        <p:spPr>
-          <a:xfrm>
-            <a:off x="10993582" y="6446838"/>
-            <a:ext cx="780010" cy="365125"/>
-          </a:xfrm>
-        </p:spPr>
-        <p:txBody>
-          <a:bodyPr anchor="ctr">
-            <a:normAutofit/>
-          </a:bodyPr>
-          <a:lstStyle/>
-          <a:p>
-            <a:pPr rtl="0">
-              <a:spcAft>
-                <a:spcPts val="600"/>
-              </a:spcAft>
-            </a:pPr>
+        <p:spPr/>
+        <p:txBody>
+          <a:bodyPr/>
+          <a:lstStyle/>
+          <a:p>
+            <a:pPr rtl="0"/>
             <a:fld id="{3A98EE3D-8CD1-4C3F-BD1C-C98C9596463C}" type="slidenum">
               <a:rPr lang="en-US" smtClean="0"/>
-              <a:pPr rtl="0">
-                <a:spcAft>
-                  <a:spcPts val="600"/>
-                </a:spcAft>
-              </a:pPr>
               <a:t>9</a:t>
             </a:fld>
-            <a:endParaRPr lang="en-US"/>
+            <a:endParaRPr lang="en-US" dirty="0"/>
           </a:p>
         </p:txBody>
       </p:sp>
       <p:pic>
         <p:nvPicPr>
-          <p:cNvPr id="5" name="Grafik 4" descr="Ein Bild, das Text enthält.&#10;&#10;Automatisch generierte Beschreibung">
+          <p:cNvPr id="6" name="Grafik 5">
             <a:extLst>
               <a:ext uri="{FF2B5EF4-FFF2-40B4-BE49-F238E27FC236}">
-                <a16:creationId xmlns:a16="http://schemas.microsoft.com/office/drawing/2014/main" id="{BAD49A92-F664-475C-A0B0-442237C29E45}"/>
+                <a16:creationId xmlns:a16="http://schemas.microsoft.com/office/drawing/2014/main" id="{64E5C97B-47D7-4F8D-AF58-DC36F8ECFF72}"/>
               </a:ext>
             </a:extLst>
           </p:cNvPr>
@@ -9092,21 +9381,22 @@
           </p:cNvPicPr>
           <p:nvPr/>
         </p:nvPicPr>
-        <p:blipFill rotWithShape="1">
-          <a:blip r:embed="rId3">
+        <p:blipFill>
+          <a:blip r:embed="rId2">
             <a:extLst>
               <a:ext uri="{28A0092B-C50C-407E-A947-70E740481C1C}">
                 <a14:useLocalDpi xmlns:a14="http://schemas.microsoft.com/office/drawing/2010/main" val="0"/>
               </a:ext>
             </a:extLst>
           </a:blip>
-          <a:srcRect l="5502" t="14016" r="29430" b="14720"/>
-          <a:stretch/>
+          <a:stretch>
+            <a:fillRect/>
+          </a:stretch>
         </p:blipFill>
         <p:spPr>
           <a:xfrm>
-            <a:off x="2619746" y="2002054"/>
-            <a:ext cx="6952507" cy="4283242"/>
+            <a:off x="1704523" y="1962213"/>
+            <a:ext cx="9100872" cy="3761694"/>
           </a:xfrm>
           <a:prstGeom prst="rect">
             <a:avLst/>
@@ -9116,7 +9406,7 @@
     </p:spTree>
     <p:extLst>
       <p:ext uri="{BB962C8B-B14F-4D97-AF65-F5344CB8AC3E}">
-        <p14:creationId xmlns:p14="http://schemas.microsoft.com/office/powerpoint/2010/main" val="3191535140"/>
+        <p14:creationId xmlns:p14="http://schemas.microsoft.com/office/powerpoint/2010/main" val="4161186463"/>
       </p:ext>
     </p:extLst>
   </p:cSld>

--- a/Audits/Audit 4/WS2020_SerttasPlackenhohn_Audit4.pptx
+++ b/Audits/Audit 4/WS2020_SerttasPlackenhohn_Audit4.pptx
@@ -5821,7 +5821,9 @@
           <a:p>
             <a:pPr rtl="0"/>
             <a:r>
-              <a:rPr lang="de" sz="8000" dirty="0"/>
+              <a:rPr lang="de" sz="8000" dirty="0">
+                <a:cs typeface="Times New Roman" panose="02020603050405020304" pitchFamily="18" charset="0"/>
+              </a:rPr>
               <a:t>Life‘s Good</a:t>
             </a:r>
           </a:p>
@@ -6448,10 +6450,10 @@
       </p:sp>
       <p:pic>
         <p:nvPicPr>
-          <p:cNvPr id="5" name="Grafik 4" descr="Ein Bild, das Text enthält.&#10;&#10;Automatisch generierte Beschreibung">
+          <p:cNvPr id="6" name="Grafik 5" descr="Ein Bild, das Text enthält.&#10;&#10;Automatisch generierte Beschreibung">
             <a:extLst>
               <a:ext uri="{FF2B5EF4-FFF2-40B4-BE49-F238E27FC236}">
-                <a16:creationId xmlns:a16="http://schemas.microsoft.com/office/drawing/2014/main" id="{BAD49A92-F664-475C-A0B0-442237C29E45}"/>
+                <a16:creationId xmlns:a16="http://schemas.microsoft.com/office/drawing/2014/main" id="{5BD0F67F-BE0B-4B03-A42F-12ECCD5074C2}"/>
               </a:ext>
             </a:extLst>
           </p:cNvPr>
@@ -6468,19 +6470,145 @@
               </a:ext>
             </a:extLst>
           </a:blip>
-          <a:srcRect l="5502" t="14016" r="29430" b="14720"/>
+          <a:srcRect t="17675" r="27269" b="9892"/>
           <a:stretch/>
         </p:blipFill>
         <p:spPr>
           <a:xfrm>
-            <a:off x="2619746" y="2002054"/>
-            <a:ext cx="6952507" cy="4283242"/>
+            <a:off x="2362571" y="2027918"/>
+            <a:ext cx="7466857" cy="4182878"/>
           </a:xfrm>
           <a:prstGeom prst="rect">
             <a:avLst/>
           </a:prstGeom>
         </p:spPr>
       </p:pic>
+      <p:sp>
+        <p:nvSpPr>
+          <p:cNvPr id="10" name="Textfeld 9">
+            <a:extLst>
+              <a:ext uri="{FF2B5EF4-FFF2-40B4-BE49-F238E27FC236}">
+                <a16:creationId xmlns:a16="http://schemas.microsoft.com/office/drawing/2014/main" id="{BBC4B259-4562-434A-A636-984F52C614ED}"/>
+              </a:ext>
+            </a:extLst>
+          </p:cNvPr>
+          <p:cNvSpPr txBox="1"/>
+          <p:nvPr/>
+        </p:nvSpPr>
+        <p:spPr>
+          <a:xfrm>
+            <a:off x="2952750" y="4936916"/>
+            <a:ext cx="5876388" cy="261610"/>
+          </a:xfrm>
+          <a:prstGeom prst="rect">
+            <a:avLst/>
+          </a:prstGeom>
+          <a:noFill/>
+        </p:spPr>
+        <p:txBody>
+          <a:bodyPr wrap="square">
+            <a:spAutoFit/>
+          </a:bodyPr>
+          <a:lstStyle/>
+          <a:p>
+            <a:r>
+              <a:rPr lang="de-DE" sz="1100" b="0" i="0" dirty="0">
+                <a:solidFill>
+                  <a:srgbClr val="333333"/>
+                </a:solidFill>
+                <a:effectLst/>
+                <a:latin typeface="Source Sans Pro" panose="020B0604020202020204" pitchFamily="34" charset="0"/>
+              </a:rPr>
+              <a:t>✅</a:t>
+            </a:r>
+            <a:endParaRPr lang="de-DE" sz="1100" dirty="0"/>
+          </a:p>
+        </p:txBody>
+      </p:sp>
+      <p:sp>
+        <p:nvSpPr>
+          <p:cNvPr id="11" name="Textfeld 10">
+            <a:extLst>
+              <a:ext uri="{FF2B5EF4-FFF2-40B4-BE49-F238E27FC236}">
+                <a16:creationId xmlns:a16="http://schemas.microsoft.com/office/drawing/2014/main" id="{B6493BAC-B8E0-41B8-B401-F96E8A5722D3}"/>
+              </a:ext>
+            </a:extLst>
+          </p:cNvPr>
+          <p:cNvSpPr txBox="1"/>
+          <p:nvPr/>
+        </p:nvSpPr>
+        <p:spPr>
+          <a:xfrm>
+            <a:off x="2959100" y="5302721"/>
+            <a:ext cx="5876388" cy="261610"/>
+          </a:xfrm>
+          <a:prstGeom prst="rect">
+            <a:avLst/>
+          </a:prstGeom>
+          <a:noFill/>
+        </p:spPr>
+        <p:txBody>
+          <a:bodyPr wrap="square">
+            <a:spAutoFit/>
+          </a:bodyPr>
+          <a:lstStyle/>
+          <a:p>
+            <a:r>
+              <a:rPr lang="de-DE" sz="1100" b="0" i="0" dirty="0">
+                <a:solidFill>
+                  <a:srgbClr val="333333"/>
+                </a:solidFill>
+                <a:effectLst/>
+                <a:latin typeface="Source Sans Pro" panose="020B0604020202020204" pitchFamily="34" charset="0"/>
+              </a:rPr>
+              <a:t>✅</a:t>
+            </a:r>
+            <a:endParaRPr lang="de-DE" sz="1100" dirty="0"/>
+          </a:p>
+        </p:txBody>
+      </p:sp>
+      <p:sp>
+        <p:nvSpPr>
+          <p:cNvPr id="12" name="Textfeld 11">
+            <a:extLst>
+              <a:ext uri="{FF2B5EF4-FFF2-40B4-BE49-F238E27FC236}">
+                <a16:creationId xmlns:a16="http://schemas.microsoft.com/office/drawing/2014/main" id="{7557D5B7-D5F2-45FA-89FE-2C0CB99D0C45}"/>
+              </a:ext>
+            </a:extLst>
+          </p:cNvPr>
+          <p:cNvSpPr txBox="1"/>
+          <p:nvPr/>
+        </p:nvSpPr>
+        <p:spPr>
+          <a:xfrm>
+            <a:off x="2959100" y="5668526"/>
+            <a:ext cx="5876388" cy="261610"/>
+          </a:xfrm>
+          <a:prstGeom prst="rect">
+            <a:avLst/>
+          </a:prstGeom>
+          <a:noFill/>
+        </p:spPr>
+        <p:txBody>
+          <a:bodyPr wrap="square">
+            <a:spAutoFit/>
+          </a:bodyPr>
+          <a:lstStyle/>
+          <a:p>
+            <a:r>
+              <a:rPr lang="de-DE" sz="1100" b="0" i="0" dirty="0">
+                <a:solidFill>
+                  <a:srgbClr val="333333"/>
+                </a:solidFill>
+                <a:effectLst/>
+                <a:latin typeface="Source Sans Pro" panose="020B0604020202020204" pitchFamily="34" charset="0"/>
+              </a:rPr>
+              <a:t>✅</a:t>
+            </a:r>
+            <a:endParaRPr lang="de-DE" sz="1100" dirty="0"/>
+          </a:p>
+        </p:txBody>
+      </p:sp>
     </p:spTree>
     <p:extLst>
       <p:ext uri="{BB962C8B-B14F-4D97-AF65-F5344CB8AC3E}">
@@ -6564,7 +6692,7 @@
         </p:spPr>
         <p:txBody>
           <a:bodyPr>
-            <a:normAutofit fontScale="92500"/>
+            <a:normAutofit/>
           </a:bodyPr>
           <a:lstStyle/>
           <a:p>
@@ -6572,16 +6700,27 @@
               <a:buNone/>
             </a:pPr>
             <a:r>
-              <a:rPr lang="de-DE" sz="2200" i="1" dirty="0">
+              <a:rPr lang="de-DE" sz="2200" u="sng" dirty="0">
                 <a:latin typeface="-apple-system"/>
               </a:rPr>
               <a:t>Umgesetzt</a:t>
             </a:r>
             <a:r>
-              <a:rPr lang="de-DE" sz="2400" i="1" dirty="0">
+              <a:rPr lang="de-DE" sz="2400" u="sng" dirty="0">
                 <a:latin typeface="-apple-system"/>
               </a:rPr>
               <a:t>:</a:t>
+            </a:r>
+          </a:p>
+          <a:p>
+            <a:pPr marL="0" indent="0">
+              <a:buNone/>
+            </a:pPr>
+            <a:r>
+              <a:rPr lang="de-DE" i="1" dirty="0">
+                <a:latin typeface="-apple-system"/>
+              </a:rPr>
+              <a:t>Zielhierarchie:</a:t>
             </a:r>
           </a:p>
           <a:p>
@@ -6590,13 +6729,22 @@
               <a:buChar char="•"/>
             </a:pPr>
             <a:r>
+              <a:rPr lang="de-DE" sz="2000" dirty="0">
+                <a:solidFill>
+                  <a:schemeClr val="tx1"/>
+                </a:solidFill>
+                <a:latin typeface="-apple-system"/>
+              </a:rPr>
+              <a:t> </a:t>
+            </a:r>
+            <a:r>
               <a:rPr lang="de-DE" sz="1700" dirty="0">
                 <a:solidFill>
                   <a:schemeClr val="tx1"/>
                 </a:solidFill>
-                <a:latin typeface="Open Sans"/>
+                <a:latin typeface="-apple-system"/>
               </a:rPr>
-              <a:t> Erinnerungen ans trinken und an Pausen</a:t>
+              <a:t>Verschiedene Übungen</a:t>
             </a:r>
           </a:p>
           <a:p>
@@ -6609,10 +6757,13 @@
                 <a:solidFill>
                   <a:schemeClr val="tx1"/>
                 </a:solidFill>
-                <a:latin typeface="Open Sans"/>
+                <a:latin typeface="-apple-system"/>
               </a:rPr>
-              <a:t> Literangabe</a:t>
-            </a:r>
+              <a:t> Musik, Hörbücher, ASMR (App Verlinkung)</a:t>
+            </a:r>
+            <a:endParaRPr lang="de-DE" sz="1700" i="1" dirty="0">
+              <a:latin typeface="-apple-system"/>
+            </a:endParaRPr>
           </a:p>
           <a:p>
             <a:pPr>
@@ -6624,9 +6775,9 @@
                 <a:solidFill>
                   <a:schemeClr val="tx1"/>
                 </a:solidFill>
-                <a:latin typeface="Open Sans"/>
+                <a:latin typeface="-apple-system"/>
               </a:rPr>
-              <a:t> Tägliche Umfrage (Morgens und Abends)</a:t>
+              <a:t> Erinnerungen ans trinken und an Pausen</a:t>
             </a:r>
           </a:p>
           <a:p>
@@ -6639,60 +6790,67 @@
                 <a:solidFill>
                   <a:schemeClr val="tx1"/>
                 </a:solidFill>
-                <a:latin typeface="Open Sans"/>
+                <a:latin typeface="-apple-system"/>
               </a:rPr>
-              <a:t> Monatliche Umfrage</a:t>
-            </a:r>
-          </a:p>
-          <a:p>
-            <a:pPr>
+              <a:t> Auswertungen (mit festen Daten)</a:t>
+            </a:r>
+          </a:p>
+          <a:p>
+            <a:pPr lvl="1">
               <a:buFont typeface="Arial" panose="020B0604020202020204" pitchFamily="34" charset="0"/>
               <a:buChar char="•"/>
             </a:pPr>
             <a:r>
-              <a:rPr lang="de-DE" sz="1700" dirty="0">
+              <a:rPr lang="de-DE" sz="1600" dirty="0">
                 <a:solidFill>
                   <a:schemeClr val="tx1"/>
                 </a:solidFill>
-                <a:latin typeface="Open Sans"/>
+                <a:latin typeface="-apple-system"/>
               </a:rPr>
-              <a:t> Auswertungen</a:t>
-            </a:r>
-          </a:p>
-          <a:p>
-            <a:pPr>
+              <a:t>Tägliche Umfrage (Morgens und Abends)</a:t>
+            </a:r>
+          </a:p>
+          <a:p>
+            <a:pPr lvl="1">
               <a:buFont typeface="Arial" panose="020B0604020202020204" pitchFamily="34" charset="0"/>
               <a:buChar char="•"/>
             </a:pPr>
             <a:r>
-              <a:rPr lang="de-DE" sz="1700" dirty="0">
+              <a:rPr lang="de-DE" sz="1600" dirty="0">
                 <a:solidFill>
                   <a:schemeClr val="tx1"/>
                 </a:solidFill>
-                <a:latin typeface="Open Sans"/>
+                <a:latin typeface="-apple-system"/>
               </a:rPr>
-              <a:t> Verschiedene Übungen</a:t>
-            </a:r>
-          </a:p>
-          <a:p>
-            <a:pPr>
+              <a:t>Monatliche Umfrage</a:t>
+            </a:r>
+          </a:p>
+          <a:p>
+            <a:pPr lvl="1">
               <a:buFont typeface="Arial" panose="020B0604020202020204" pitchFamily="34" charset="0"/>
               <a:buChar char="•"/>
             </a:pPr>
-            <a:r>
-              <a:rPr lang="de-DE" sz="1700" dirty="0">
-                <a:solidFill>
-                  <a:schemeClr val="tx1"/>
-                </a:solidFill>
-                <a:latin typeface="Open Sans"/>
-              </a:rPr>
-              <a:t> Musik, Hörbücher, ASMR (App Verlinkung)</a:t>
-            </a:r>
-          </a:p>
-          <a:p>
-            <a:pPr>
-              <a:buFont typeface="Arial" panose="020B0604020202020204" pitchFamily="34" charset="0"/>
-              <a:buChar char="•"/>
+            <a:endParaRPr lang="de-DE" sz="1500" dirty="0">
+              <a:solidFill>
+                <a:schemeClr val="tx1"/>
+              </a:solidFill>
+              <a:latin typeface="-apple-system"/>
+            </a:endParaRPr>
+          </a:p>
+          <a:p>
+            <a:pPr marL="0" indent="0">
+              <a:buNone/>
+            </a:pPr>
+            <a:endParaRPr lang="de-DE" dirty="0">
+              <a:solidFill>
+                <a:schemeClr val="tx1"/>
+              </a:solidFill>
+              <a:latin typeface="-apple-system"/>
+            </a:endParaRPr>
+          </a:p>
+          <a:p>
+            <a:pPr marL="0" indent="0">
+              <a:buNone/>
             </a:pPr>
             <a:endParaRPr lang="de-DE" dirty="0">
               <a:latin typeface="-apple-system"/>
@@ -7004,7 +7162,24 @@
               <a:solidFill>
                 <a:schemeClr val="tx1"/>
               </a:solidFill>
-              <a:latin typeface="Open Sans"/>
+              <a:latin typeface="-apple-system"/>
+            </a:endParaRPr>
+          </a:p>
+          <a:p>
+            <a:pPr marL="0" indent="0">
+              <a:buNone/>
+            </a:pPr>
+            <a:r>
+              <a:rPr lang="de-DE" sz="1800" i="1" dirty="0">
+                <a:latin typeface="-apple-system"/>
+              </a:rPr>
+              <a:t>Sonstiges:</a:t>
+            </a:r>
+            <a:endParaRPr lang="de-DE" sz="1800" dirty="0">
+              <a:solidFill>
+                <a:schemeClr val="tx1"/>
+              </a:solidFill>
+              <a:latin typeface="-apple-system"/>
             </a:endParaRPr>
           </a:p>
           <a:p>
@@ -7017,7 +7192,7 @@
                 <a:solidFill>
                   <a:schemeClr val="tx1"/>
                 </a:solidFill>
-                <a:latin typeface="Open Sans"/>
+                <a:latin typeface="-apple-system"/>
               </a:rPr>
               <a:t> Anmelden</a:t>
             </a:r>
@@ -7032,7 +7207,7 @@
                 <a:solidFill>
                   <a:schemeClr val="tx1"/>
                 </a:solidFill>
-                <a:latin typeface="Open Sans"/>
+                <a:latin typeface="-apple-system"/>
               </a:rPr>
               <a:t> Registrieren</a:t>
             </a:r>
@@ -7047,7 +7222,7 @@
                 <a:solidFill>
                   <a:schemeClr val="tx1"/>
                 </a:solidFill>
-                <a:latin typeface="Open Sans"/>
+                <a:latin typeface="-apple-system"/>
               </a:rPr>
               <a:t> Datenbankverknüpfung</a:t>
             </a:r>
@@ -7062,7 +7237,22 @@
                 <a:solidFill>
                   <a:schemeClr val="tx1"/>
                 </a:solidFill>
-                <a:latin typeface="Open Sans"/>
+                <a:latin typeface="-apple-system"/>
+              </a:rPr>
+              <a:t> Literangabe</a:t>
+            </a:r>
+          </a:p>
+          <a:p>
+            <a:pPr>
+              <a:buFont typeface="Arial" panose="020B0604020202020204" pitchFamily="34" charset="0"/>
+              <a:buChar char="•"/>
+            </a:pPr>
+            <a:r>
+              <a:rPr lang="de-DE" sz="1600" dirty="0">
+                <a:solidFill>
+                  <a:schemeClr val="tx1"/>
+                </a:solidFill>
+                <a:latin typeface="-apple-system"/>
               </a:rPr>
               <a:t> Rapid</a:t>
             </a:r>
@@ -7072,7 +7262,7 @@
                   <a:schemeClr val="tx1"/>
                 </a:solidFill>
                 <a:effectLst/>
-                <a:latin typeface="Open Sans"/>
+                <a:latin typeface="-apple-system"/>
               </a:rPr>
               <a:t> </a:t>
             </a:r>
@@ -7081,7 +7271,7 @@
                 <a:solidFill>
                   <a:schemeClr val="tx1"/>
                 </a:solidFill>
-                <a:latin typeface="Open Sans"/>
+                <a:latin typeface="-apple-system"/>
               </a:rPr>
               <a:t>Prototype</a:t>
             </a:r>
@@ -7091,7 +7281,7 @@
                   <a:schemeClr val="tx1"/>
                 </a:solidFill>
                 <a:effectLst/>
-                <a:latin typeface="Open Sans"/>
+                <a:latin typeface="-apple-system"/>
               </a:rPr>
               <a:t> </a:t>
             </a:r>
@@ -7100,7 +7290,7 @@
                 <a:solidFill>
                   <a:schemeClr val="tx1"/>
                 </a:solidFill>
-                <a:latin typeface="Open Sans"/>
+                <a:latin typeface="-apple-system"/>
               </a:rPr>
               <a:t>codiert</a:t>
             </a:r>
@@ -7227,16 +7417,22 @@
                 </a:solidFill>
                 <a:latin typeface="-apple-system"/>
               </a:rPr>
-              <a:t> </a:t>
-            </a:r>
+              <a:t> Für den User personalisierte Ansichten/ Auswertungen</a:t>
+            </a:r>
+          </a:p>
+          <a:p>
+            <a:pPr>
+              <a:buFont typeface="Arial" panose="020B0604020202020204" pitchFamily="34" charset="0"/>
+              <a:buChar char="•"/>
+            </a:pPr>
             <a:r>
               <a:rPr lang="de-DE" dirty="0">
                 <a:solidFill>
                   <a:schemeClr val="tx1"/>
                 </a:solidFill>
-                <a:latin typeface="Open Sans"/>
+                <a:latin typeface="-apple-system"/>
               </a:rPr>
-              <a:t>Für den User personalisierte Ansichten/ Auswertungen</a:t>
+              <a:t> Apps (Musik, ASMR, Hörbücher) &amp; Übungen zu Favoriten hinzufügen</a:t>
             </a:r>
           </a:p>
           <a:p>
@@ -7249,9 +7445,9 @@
                 <a:solidFill>
                   <a:schemeClr val="tx1"/>
                 </a:solidFill>
-                <a:latin typeface="Open Sans"/>
+                <a:latin typeface="-apple-system"/>
               </a:rPr>
-              <a:t> Apps (Musik, ASMR, Hörbücher) &amp; Übungen zu Favoriten hinzufügen</a:t>
+              <a:t> Kalender inkl. Sonnenaufgang/ Sonnenuntergang und Mondphasen</a:t>
             </a:r>
           </a:p>
           <a:p>
@@ -7264,22 +7460,7 @@
                 <a:solidFill>
                   <a:schemeClr val="tx1"/>
                 </a:solidFill>
-                <a:latin typeface="Open Sans"/>
-              </a:rPr>
-              <a:t> Kalender inkl. Sonnenaufgang/ Sonnenuntergang und Mondphasen</a:t>
-            </a:r>
-          </a:p>
-          <a:p>
-            <a:pPr>
-              <a:buFont typeface="Arial" panose="020B0604020202020204" pitchFamily="34" charset="0"/>
-              <a:buChar char="•"/>
-            </a:pPr>
-            <a:r>
-              <a:rPr lang="de-DE" dirty="0">
-                <a:solidFill>
-                  <a:schemeClr val="tx1"/>
-                </a:solidFill>
-                <a:latin typeface="Open Sans"/>
+                <a:latin typeface="-apple-system"/>
               </a:rPr>
               <a:t> In der Auswertung zu den verschiedenen Tagen Notizen machen </a:t>
             </a:r>
@@ -8213,6 +8394,7 @@
                 <a:solidFill>
                   <a:srgbClr val="FFFFFF"/>
                 </a:solidFill>
+                <a:latin typeface="-apple-system"/>
               </a:rPr>
               <a:t>Quelle: </a:t>
             </a:r>
@@ -8226,29 +8408,35 @@
             </a:br>
             <a:r>
               <a:rPr lang="de-DE" sz="1100" dirty="0">
+                <a:latin typeface="-apple-system"/>
                 <a:hlinkClick r:id="rId2"/>
               </a:rPr>
               <a:t>Warum </a:t>
             </a:r>
             <a:r>
               <a:rPr lang="de-DE" sz="1100" dirty="0" err="1">
+                <a:latin typeface="-apple-system"/>
                 <a:hlinkClick r:id="rId2"/>
               </a:rPr>
               <a:t>Prototyping</a:t>
             </a:r>
             <a:r>
               <a:rPr lang="de-DE" sz="1100" dirty="0">
+                <a:latin typeface="-apple-system"/>
                 <a:hlinkClick r:id="rId2"/>
               </a:rPr>
               <a:t> heutzutage unverzichtbar ist - </a:t>
             </a:r>
             <a:r>
               <a:rPr lang="de-DE" sz="1100" dirty="0" err="1">
+                <a:latin typeface="-apple-system"/>
                 <a:hlinkClick r:id="rId2"/>
               </a:rPr>
               <a:t>basecom</a:t>
             </a:r>
-            <a:endParaRPr lang="de-DE" sz="1400" dirty="0"/>
+            <a:endParaRPr lang="de-DE" sz="1400" dirty="0">
+              <a:latin typeface="-apple-system"/>
+            </a:endParaRPr>
           </a:p>
           <a:p>
             <a:pPr rtl="0"/>
@@ -8342,7 +8530,9 @@
           <a:lstStyle/>
           <a:p>
             <a:r>
-              <a:rPr lang="de-DE" dirty="0"/>
+              <a:rPr lang="de-DE" dirty="0">
+                <a:cs typeface="Times New Roman" panose="02020603050405020304" pitchFamily="18" charset="0"/>
+              </a:rPr>
               <a:t>Vermerk:</a:t>
             </a:r>
           </a:p>
@@ -8393,7 +8583,7 @@
         <p:spPr>
           <a:xfrm>
             <a:off x="1097280" y="3076435"/>
-            <a:ext cx="10058400" cy="1369606"/>
+            <a:ext cx="10058400" cy="830997"/>
           </a:xfrm>
           <a:prstGeom prst="rect">
             <a:avLst/>
@@ -8408,20 +8598,24 @@
           <a:p>
             <a:pPr algn="ctr"/>
             <a:r>
-              <a:rPr lang="de-DE" sz="2700" dirty="0"/>
+              <a:rPr lang="de-DE" sz="2400" dirty="0">
+                <a:latin typeface="-apple-system"/>
+              </a:rPr>
               <a:t>Alle Artefakte mit Begründungen befinden sich auch noch einmal auf unserem GitHub </a:t>
             </a:r>
             <a:r>
-              <a:rPr lang="de-DE" sz="2800" dirty="0">
+              <a:rPr lang="de-DE" sz="2400" dirty="0">
+                <a:latin typeface="-apple-system"/>
                 <a:hlinkClick r:id="rId2"/>
               </a:rPr>
               <a:t>Kplacken/EPWS2020SerttasPlackenhohn</a:t>
             </a:r>
             <a:r>
-              <a:rPr lang="de-DE" sz="2800" dirty="0"/>
+              <a:rPr lang="de-DE" sz="2400" dirty="0">
+                <a:latin typeface="-apple-system"/>
+              </a:rPr>
               <a:t> unter Wiki. </a:t>
             </a:r>
-            <a:endParaRPr lang="de-DE" sz="2700" dirty="0"/>
           </a:p>
         </p:txBody>
       </p:sp>
@@ -8477,7 +8671,9 @@
           <a:lstStyle/>
           <a:p>
             <a:r>
-              <a:rPr lang="de-DE" dirty="0"/>
+              <a:rPr lang="de-DE" dirty="0">
+                <a:cs typeface="Times New Roman" panose="02020603050405020304" pitchFamily="18" charset="0"/>
+              </a:rPr>
               <a:t>Inhalt</a:t>
             </a:r>
           </a:p>
@@ -8877,7 +9073,7 @@
           <a:lstStyle/>
           <a:p>
             <a:r>
-              <a:rPr lang="de-DE"/>
+              <a:rPr lang="de-DE" dirty="0"/>
               <a:t>Domänenmodell</a:t>
             </a:r>
           </a:p>

--- a/Audits/Audit 4/WS2020_SerttasPlackenhohn_Audit4.pptx
+++ b/Audits/Audit 4/WS2020_SerttasPlackenhohn_Audit4.pptx
@@ -5,10 +5,10 @@
     <p:sldMasterId id="2147483746" r:id="rId1"/>
   </p:sldMasterIdLst>
   <p:notesMasterIdLst>
-    <p:notesMasterId r:id="rId18"/>
+    <p:notesMasterId r:id="rId23"/>
   </p:notesMasterIdLst>
   <p:handoutMasterIdLst>
-    <p:handoutMasterId r:id="rId19"/>
+    <p:handoutMasterId r:id="rId24"/>
   </p:handoutMasterIdLst>
   <p:sldIdLst>
     <p:sldId id="257" r:id="rId2"/>
@@ -20,13 +20,18 @@
     <p:sldId id="381" r:id="rId8"/>
     <p:sldId id="400" r:id="rId9"/>
     <p:sldId id="402" r:id="rId10"/>
-    <p:sldId id="403" r:id="rId11"/>
-    <p:sldId id="399" r:id="rId12"/>
-    <p:sldId id="398" r:id="rId13"/>
-    <p:sldId id="396" r:id="rId14"/>
-    <p:sldId id="397" r:id="rId15"/>
-    <p:sldId id="278" r:id="rId16"/>
-    <p:sldId id="271" r:id="rId17"/>
+    <p:sldId id="404" r:id="rId11"/>
+    <p:sldId id="405" r:id="rId12"/>
+    <p:sldId id="408" r:id="rId13"/>
+    <p:sldId id="403" r:id="rId14"/>
+    <p:sldId id="406" r:id="rId15"/>
+    <p:sldId id="407" r:id="rId16"/>
+    <p:sldId id="399" r:id="rId17"/>
+    <p:sldId id="398" r:id="rId18"/>
+    <p:sldId id="396" r:id="rId19"/>
+    <p:sldId id="397" r:id="rId20"/>
+    <p:sldId id="278" r:id="rId21"/>
+    <p:sldId id="271" r:id="rId22"/>
   </p:sldIdLst>
   <p:sldSz cx="12192000" cy="6858000"/>
   <p:notesSz cx="7315200" cy="9601200"/>
@@ -232,7 +237,7 @@
             <a:pPr rtl="0"/>
             <a:fld id="{AD9CF9D3-F210-41C6-99D4-BFF6B4BA81BD}" type="datetime1">
               <a:rPr lang="de-DE" smtClean="0"/>
-              <a:t>15.02.2021</a:t>
+              <a:t>16.02.2021</a:t>
             </a:fld>
             <a:endParaRPr lang="en-US" dirty="0"/>
           </a:p>
@@ -402,7 +407,7 @@
             <a:pPr rtl="0"/>
             <a:fld id="{2FFCA530-3DC9-43D3-93A9-C974C34E1DD6}" type="datetime1">
               <a:rPr lang="de-DE" smtClean="0"/>
-              <a:t>15.02.2021</a:t>
+              <a:t>16.02.2021</a:t>
             </a:fld>
             <a:endParaRPr lang="en-US"/>
           </a:p>
@@ -741,7 +746,7 @@
             <a:pPr rtl="0"/>
             <a:fld id="{88DACA00-B485-48AE-971E-CC6E1280CD66}" type="datetime1">
               <a:rPr lang="de-DE" smtClean="0"/>
-              <a:t>15.02.2021</a:t>
+              <a:t>16.02.2021</a:t>
             </a:fld>
             <a:endParaRPr lang="en-US"/>
           </a:p>
@@ -828,8 +833,45 @@
           <a:bodyPr/>
           <a:lstStyle/>
           <a:p>
+            <a:r>
+              <a:rPr lang="de-DE" dirty="0"/>
+              <a:t>Die Favoriten helfen den Endnutzer schneller auf seine Lieblings Apps und Übungen zuzugreifen.</a:t>
+            </a:r>
+          </a:p>
+          <a:p>
+            <a:br>
+              <a:rPr lang="de-DE" dirty="0"/>
+            </a:br>
+            <a:r>
+              <a:rPr lang="de-DE" dirty="0"/>
+              <a:t>Es soll einen Kalender geben, in dem der Nutzer seine Termine eintragen kann. Ebenfalls kann eingestellt werden, ob er vorher an den Termin erinnert werden möchte (Minuten, Stunden, Tage).</a:t>
+            </a:r>
+          </a:p>
+          <a:p>
+            <a:r>
+              <a:rPr lang="de-DE" dirty="0"/>
+              <a:t>In dem Kalender sollen die Sonnenaufgangs und Sonnenuntergangs Zeiten hinterlegt werden, sowie die Mondphasen. Wenn der Endnutzer Probleme hat im hellen zu schlafen, kann er sich die Sonnenuntergangs und Sonnenaufgangszeiten ansehen und nach den Zeiten schlafen gehen. </a:t>
+            </a:r>
+            <a:br>
+              <a:rPr lang="de-DE" dirty="0"/>
+            </a:br>
+            <a:r>
+              <a:rPr lang="de-DE" dirty="0"/>
+              <a:t>Hat der Endnutzer Probleme bei Vollmond zu schlafen, kann er sich die Mondphasen in dem Kalender anzeigen lassen und sich auf die Nacht vorbereiten. </a:t>
+            </a:r>
+          </a:p>
+          <a:p>
             <a:endParaRPr lang="de-DE" dirty="0"/>
           </a:p>
+          <a:p>
+            <a:r>
+              <a:rPr lang="de-DE" dirty="0"/>
+              <a:t>In der Auswertung werden verschiedene Punkte angezeigt, an den Tagen, an dem der Endnutzer an der Umfrage/ der Literangabe teilgenommen hat. Wenn man auf einen dieser Punkte klickt, soll sich der Endnutzer Notizen machen können. Wenn der Punkt von dem Endnutzer an dem Tag im unteren Bereich liegt, kann er sich z.B. Notizen dazu machen, warum er an dem Tag so viel Stress hatte.</a:t>
+            </a:r>
+          </a:p>
+          <a:p>
+            <a:endParaRPr lang="de-DE" dirty="0"/>
+          </a:p>
         </p:txBody>
       </p:sp>
       <p:sp>
@@ -848,9 +890,9 @@
           <a:lstStyle/>
           <a:p>
             <a:pPr rtl="0"/>
-            <a:fld id="{8C960F41-ADA3-4592-A6B6-979750556945}" type="datetime1">
+            <a:fld id="{88DACA00-B485-48AE-971E-CC6E1280CD66}" type="datetime1">
               <a:rPr lang="de-DE" smtClean="0"/>
-              <a:t>15.02.2021</a:t>
+              <a:t>16.02.2021</a:t>
             </a:fld>
             <a:endParaRPr lang="en-US"/>
           </a:p>
@@ -874,7 +916,7 @@
             <a:pPr rtl="0"/>
             <a:fld id="{9C2B151B-D7D1-48E5-8230-5AADBC794F88}" type="slidenum">
               <a:rPr lang="en-US" smtClean="0"/>
-              <a:t>15</a:t>
+              <a:t>19</a:t>
             </a:fld>
             <a:endParaRPr lang="en-US"/>
           </a:p>
@@ -883,7 +925,7 @@
     </p:spTree>
     <p:extLst>
       <p:ext uri="{BB962C8B-B14F-4D97-AF65-F5344CB8AC3E}">
-        <p14:creationId xmlns:p14="http://schemas.microsoft.com/office/powerpoint/2010/main" val="169757941"/>
+        <p14:creationId xmlns:p14="http://schemas.microsoft.com/office/powerpoint/2010/main" val="1093773272"/>
       </p:ext>
     </p:extLst>
   </p:cSld>
@@ -957,9 +999,9 @@
           <a:lstStyle/>
           <a:p>
             <a:pPr rtl="0"/>
-            <a:fld id="{05F945F2-6878-48BF-B08F-BD6E79E1CDD8}" type="datetime1">
+            <a:fld id="{8C960F41-ADA3-4592-A6B6-979750556945}" type="datetime1">
               <a:rPr lang="de-DE" smtClean="0"/>
-              <a:t>15.02.2021</a:t>
+              <a:t>16.02.2021</a:t>
             </a:fld>
             <a:endParaRPr lang="en-US"/>
           </a:p>
@@ -983,7 +1025,116 @@
             <a:pPr rtl="0"/>
             <a:fld id="{9C2B151B-D7D1-48E5-8230-5AADBC794F88}" type="slidenum">
               <a:rPr lang="en-US" smtClean="0"/>
-              <a:t>16</a:t>
+              <a:t>20</a:t>
+            </a:fld>
+            <a:endParaRPr lang="en-US"/>
+          </a:p>
+        </p:txBody>
+      </p:sp>
+    </p:spTree>
+    <p:extLst>
+      <p:ext uri="{BB962C8B-B14F-4D97-AF65-F5344CB8AC3E}">
+        <p14:creationId xmlns:p14="http://schemas.microsoft.com/office/powerpoint/2010/main" val="169757941"/>
+      </p:ext>
+    </p:extLst>
+  </p:cSld>
+  <p:clrMapOvr>
+    <a:masterClrMapping/>
+  </p:clrMapOvr>
+</p:notes>
+</file>
+
+<file path=ppt/notesSlides/notesSlide12.xml><?xml version="1.0" encoding="utf-8"?>
+<p:notes xmlns:a="http://schemas.openxmlformats.org/drawingml/2006/main" xmlns:r="http://schemas.openxmlformats.org/officeDocument/2006/relationships" xmlns:p="http://schemas.openxmlformats.org/presentationml/2006/main">
+  <p:cSld>
+    <p:spTree>
+      <p:nvGrpSpPr>
+        <p:cNvPr id="1" name=""/>
+        <p:cNvGrpSpPr/>
+        <p:nvPr/>
+      </p:nvGrpSpPr>
+      <p:grpSpPr>
+        <a:xfrm>
+          <a:off x="0" y="0"/>
+          <a:ext cx="0" cy="0"/>
+          <a:chOff x="0" y="0"/>
+          <a:chExt cx="0" cy="0"/>
+        </a:xfrm>
+      </p:grpSpPr>
+      <p:sp>
+        <p:nvSpPr>
+          <p:cNvPr id="2" name="Folienbildplatzhalter 1"/>
+          <p:cNvSpPr>
+            <a:spLocks noGrp="1" noRot="1" noChangeAspect="1"/>
+          </p:cNvSpPr>
+          <p:nvPr>
+            <p:ph type="sldImg"/>
+          </p:nvPr>
+        </p:nvSpPr>
+        <p:spPr/>
+      </p:sp>
+      <p:sp>
+        <p:nvSpPr>
+          <p:cNvPr id="3" name="Notizenplatzhalter 2"/>
+          <p:cNvSpPr>
+            <a:spLocks noGrp="1"/>
+          </p:cNvSpPr>
+          <p:nvPr>
+            <p:ph type="body" idx="1"/>
+          </p:nvPr>
+        </p:nvSpPr>
+        <p:spPr/>
+        <p:txBody>
+          <a:bodyPr/>
+          <a:lstStyle/>
+          <a:p>
+            <a:endParaRPr lang="de-DE" dirty="0"/>
+          </a:p>
+        </p:txBody>
+      </p:sp>
+      <p:sp>
+        <p:nvSpPr>
+          <p:cNvPr id="4" name="Datumsplatzhalter 3"/>
+          <p:cNvSpPr>
+            <a:spLocks noGrp="1"/>
+          </p:cNvSpPr>
+          <p:nvPr>
+            <p:ph type="dt" idx="1"/>
+          </p:nvPr>
+        </p:nvSpPr>
+        <p:spPr/>
+        <p:txBody>
+          <a:bodyPr/>
+          <a:lstStyle/>
+          <a:p>
+            <a:pPr rtl="0"/>
+            <a:fld id="{05F945F2-6878-48BF-B08F-BD6E79E1CDD8}" type="datetime1">
+              <a:rPr lang="de-DE" smtClean="0"/>
+              <a:t>16.02.2021</a:t>
+            </a:fld>
+            <a:endParaRPr lang="en-US"/>
+          </a:p>
+        </p:txBody>
+      </p:sp>
+      <p:sp>
+        <p:nvSpPr>
+          <p:cNvPr id="5" name="Foliennummernplatzhalter 4"/>
+          <p:cNvSpPr>
+            <a:spLocks noGrp="1"/>
+          </p:cNvSpPr>
+          <p:nvPr>
+            <p:ph type="sldNum" sz="quarter" idx="5"/>
+          </p:nvPr>
+        </p:nvSpPr>
+        <p:spPr/>
+        <p:txBody>
+          <a:bodyPr/>
+          <a:lstStyle/>
+          <a:p>
+            <a:pPr rtl="0"/>
+            <a:fld id="{9C2B151B-D7D1-48E5-8230-5AADBC794F88}" type="slidenum">
+              <a:rPr lang="en-US" smtClean="0"/>
+              <a:t>21</a:t>
             </a:fld>
             <a:endParaRPr lang="en-US"/>
           </a:p>
@@ -1068,7 +1219,7 @@
             <a:pPr rtl="0"/>
             <a:fld id="{7DA48DE9-247B-4EBD-A14B-36988774F377}" type="datetime1">
               <a:rPr lang="de-DE" smtClean="0"/>
-              <a:t>15.02.2021</a:t>
+              <a:t>16.02.2021</a:t>
             </a:fld>
             <a:endParaRPr lang="en-US"/>
           </a:p>
@@ -1275,7 +1426,7 @@
             <a:pPr rtl="0"/>
             <a:fld id="{920421C8-A15E-4073-98D7-7FDA934C0210}" type="datetime1">
               <a:rPr lang="de-DE" smtClean="0"/>
-              <a:t>15.02.2021</a:t>
+              <a:t>16.02.2021</a:t>
             </a:fld>
             <a:endParaRPr lang="en-US"/>
           </a:p>
@@ -1384,7 +1535,7 @@
             <a:pPr rtl="0"/>
             <a:fld id="{25DE598A-D9FF-4E3A-AC10-162CFCBCB8DB}" type="datetime1">
               <a:rPr lang="de-DE" smtClean="0"/>
-              <a:t>15.02.2021</a:t>
+              <a:t>16.02.2021</a:t>
             </a:fld>
             <a:endParaRPr lang="en-US"/>
           </a:p>
@@ -1493,7 +1644,7 @@
             <a:pPr rtl="0"/>
             <a:fld id="{7DA48DE9-247B-4EBD-A14B-36988774F377}" type="datetime1">
               <a:rPr lang="de-DE" smtClean="0"/>
-              <a:t>15.02.2021</a:t>
+              <a:t>16.02.2021</a:t>
             </a:fld>
             <a:endParaRPr lang="en-US"/>
           </a:p>
@@ -1580,6 +1731,16 @@
           <a:bodyPr/>
           <a:lstStyle/>
           <a:p>
+            <a:r>
+              <a:rPr lang="de-DE" b="0" i="0" dirty="0">
+                <a:solidFill>
+                  <a:srgbClr val="24292E"/>
+                </a:solidFill>
+                <a:effectLst/>
+                <a:latin typeface="-apple-system"/>
+              </a:rPr>
+              <a:t>Hier wird der Durchschnitt(Wert) aller Fragen berechnet, damit man diese später besser als Kurve darstellen kann.</a:t>
+            </a:r>
             <a:endParaRPr lang="de-DE" dirty="0"/>
           </a:p>
         </p:txBody>
@@ -1600,9 +1761,9 @@
           <a:lstStyle/>
           <a:p>
             <a:pPr rtl="0"/>
-            <a:fld id="{7DA48DE9-247B-4EBD-A14B-36988774F377}" type="datetime1">
+            <a:fld id="{2FFCA530-3DC9-43D3-93A9-C974C34E1DD6}" type="datetime1">
               <a:rPr lang="de-DE" smtClean="0"/>
-              <a:t>15.02.2021</a:t>
+              <a:t>16.02.2021</a:t>
             </a:fld>
             <a:endParaRPr lang="en-US"/>
           </a:p>
@@ -1626,7 +1787,7 @@
             <a:pPr rtl="0"/>
             <a:fld id="{9C2B151B-D7D1-48E5-8230-5AADBC794F88}" type="slidenum">
               <a:rPr lang="en-US" smtClean="0"/>
-              <a:t>11</a:t>
+              <a:t>12</a:t>
             </a:fld>
             <a:endParaRPr lang="en-US"/>
           </a:p>
@@ -1635,7 +1796,7 @@
     </p:spTree>
     <p:extLst>
       <p:ext uri="{BB962C8B-B14F-4D97-AF65-F5344CB8AC3E}">
-        <p14:creationId xmlns:p14="http://schemas.microsoft.com/office/powerpoint/2010/main" val="3240579109"/>
+        <p14:creationId xmlns:p14="http://schemas.microsoft.com/office/powerpoint/2010/main" val="3776798473"/>
       </p:ext>
     </p:extLst>
   </p:cSld>
@@ -1689,30 +1850,7 @@
           <a:bodyPr/>
           <a:lstStyle/>
           <a:p>
-            <a:r>
-              <a:rPr lang="de-DE" dirty="0"/>
-              <a:t>Da wir die Zielhierarchie überarbeitet haben und jetzt „Strategische Ziele“, „Taktische Ziele“ und „Operative Ziele“ haben, haben wir dies noch mal mit reingenommen. </a:t>
-            </a:r>
-          </a:p>
-          <a:p>
-            <a:r>
-              <a:rPr lang="de-DE" dirty="0"/>
-              <a:t>Mit den strategischen Zielen legen wir fest, was wir auf langfristiger Sicht erreichen möchten. </a:t>
-            </a:r>
-            <a:br>
-              <a:rPr lang="de-DE" dirty="0"/>
-            </a:br>
-            <a:r>
-              <a:rPr lang="de-DE" dirty="0"/>
-              <a:t>Mit den taktischen Zielen legen wir fest, wie die strategischen Ziele erreicht werden sollen.</a:t>
-            </a:r>
-            <a:br>
-              <a:rPr lang="de-DE" dirty="0"/>
-            </a:br>
-            <a:r>
-              <a:rPr lang="de-DE" dirty="0"/>
-              <a:t>Mit den operativen Zielen legen wir fest, wodurch wir unsere strategischen Ziele erreichen können.</a:t>
-            </a:r>
+            <a:endParaRPr lang="de-DE" dirty="0"/>
           </a:p>
         </p:txBody>
       </p:sp>
@@ -1732,9 +1870,9 @@
           <a:lstStyle/>
           <a:p>
             <a:pPr rtl="0"/>
-            <a:fld id="{920421C8-A15E-4073-98D7-7FDA934C0210}" type="datetime1">
+            <a:fld id="{7DA48DE9-247B-4EBD-A14B-36988774F377}" type="datetime1">
               <a:rPr lang="de-DE" smtClean="0"/>
-              <a:t>15.02.2021</a:t>
+              <a:t>16.02.2021</a:t>
             </a:fld>
             <a:endParaRPr lang="en-US"/>
           </a:p>
@@ -1758,7 +1896,7 @@
             <a:pPr rtl="0"/>
             <a:fld id="{9C2B151B-D7D1-48E5-8230-5AADBC794F88}" type="slidenum">
               <a:rPr lang="en-US" smtClean="0"/>
-              <a:t>12</a:t>
+              <a:t>16</a:t>
             </a:fld>
             <a:endParaRPr lang="en-US"/>
           </a:p>
@@ -1767,7 +1905,7 @@
     </p:spTree>
     <p:extLst>
       <p:ext uri="{BB962C8B-B14F-4D97-AF65-F5344CB8AC3E}">
-        <p14:creationId xmlns:p14="http://schemas.microsoft.com/office/powerpoint/2010/main" val="1085079460"/>
+        <p14:creationId xmlns:p14="http://schemas.microsoft.com/office/powerpoint/2010/main" val="3240579109"/>
       </p:ext>
     </p:extLst>
   </p:cSld>
@@ -1821,7 +1959,30 @@
           <a:bodyPr/>
           <a:lstStyle/>
           <a:p>
-            <a:endParaRPr lang="de-DE" dirty="0"/>
+            <a:r>
+              <a:rPr lang="de-DE" dirty="0"/>
+              <a:t>Da wir die Zielhierarchie überarbeitet haben und jetzt „Strategische Ziele“, „Taktische Ziele“ und „Operative Ziele“ haben, haben wir dies noch mal mit reingenommen. </a:t>
+            </a:r>
+          </a:p>
+          <a:p>
+            <a:r>
+              <a:rPr lang="de-DE" dirty="0"/>
+              <a:t>Mit den strategischen Zielen legen wir fest, was wir auf langfristiger Sicht erreichen möchten. </a:t>
+            </a:r>
+            <a:br>
+              <a:rPr lang="de-DE" dirty="0"/>
+            </a:br>
+            <a:r>
+              <a:rPr lang="de-DE" dirty="0"/>
+              <a:t>Mit den taktischen Zielen legen wir fest, wie die strategischen Ziele erreicht werden sollen.</a:t>
+            </a:r>
+            <a:br>
+              <a:rPr lang="de-DE" dirty="0"/>
+            </a:br>
+            <a:r>
+              <a:rPr lang="de-DE" dirty="0"/>
+              <a:t>Mit den operativen Zielen legen wir fest, wodurch wir unsere strategischen Ziele erreichen können.</a:t>
+            </a:r>
           </a:p>
         </p:txBody>
       </p:sp>
@@ -1841,9 +2002,9 @@
           <a:lstStyle/>
           <a:p>
             <a:pPr rtl="0"/>
-            <a:fld id="{88DACA00-B485-48AE-971E-CC6E1280CD66}" type="datetime1">
+            <a:fld id="{920421C8-A15E-4073-98D7-7FDA934C0210}" type="datetime1">
               <a:rPr lang="de-DE" smtClean="0"/>
-              <a:t>15.02.2021</a:t>
+              <a:t>16.02.2021</a:t>
             </a:fld>
             <a:endParaRPr lang="en-US"/>
           </a:p>
@@ -1867,7 +2028,7 @@
             <a:pPr rtl="0"/>
             <a:fld id="{9C2B151B-D7D1-48E5-8230-5AADBC794F88}" type="slidenum">
               <a:rPr lang="en-US" smtClean="0"/>
-              <a:t>13</a:t>
+              <a:t>17</a:t>
             </a:fld>
             <a:endParaRPr lang="en-US"/>
           </a:p>
@@ -1876,7 +2037,7 @@
     </p:spTree>
     <p:extLst>
       <p:ext uri="{BB962C8B-B14F-4D97-AF65-F5344CB8AC3E}">
-        <p14:creationId xmlns:p14="http://schemas.microsoft.com/office/powerpoint/2010/main" val="749225946"/>
+        <p14:creationId xmlns:p14="http://schemas.microsoft.com/office/powerpoint/2010/main" val="1085079460"/>
       </p:ext>
     </p:extLst>
   </p:cSld>
@@ -1930,43 +2091,6 @@
           <a:bodyPr/>
           <a:lstStyle/>
           <a:p>
-            <a:r>
-              <a:rPr lang="de-DE" dirty="0"/>
-              <a:t>Die Favoriten helfen den Endnutzer schneller auf seine Lieblings Apps und Übungen zuzugreifen.</a:t>
-            </a:r>
-          </a:p>
-          <a:p>
-            <a:br>
-              <a:rPr lang="de-DE" dirty="0"/>
-            </a:br>
-            <a:r>
-              <a:rPr lang="de-DE" dirty="0"/>
-              <a:t>Es soll einen Kalender geben, in dem der Nutzer seine Termine eintragen kann. Ebenfalls kann eingestellt werden, ob er vorher an den Termin erinnert werden möchte (Minuten, Stunden, Tage).</a:t>
-            </a:r>
-          </a:p>
-          <a:p>
-            <a:r>
-              <a:rPr lang="de-DE" dirty="0"/>
-              <a:t>In dem Kalender sollen die Sonnenaufgangs und Sonnenuntergangs Zeiten hinterlegt werden, sowie die Mondphasen. Wenn der Endnutzer Probleme hat im hellen zu schlafen, kann er sich die Sonnenuntergangs und Sonnenaufgangszeiten ansehen und nach den Zeiten schlafen gehen. </a:t>
-            </a:r>
-            <a:br>
-              <a:rPr lang="de-DE" dirty="0"/>
-            </a:br>
-            <a:r>
-              <a:rPr lang="de-DE" dirty="0"/>
-              <a:t>Hat der Endnutzer Probleme bei Vollmond zu schlafen, kann er sich die Mondphasen in dem Kalender anzeigen lassen und sich auf die Nacht vorbereiten. </a:t>
-            </a:r>
-          </a:p>
-          <a:p>
-            <a:endParaRPr lang="de-DE" dirty="0"/>
-          </a:p>
-          <a:p>
-            <a:r>
-              <a:rPr lang="de-DE" dirty="0"/>
-              <a:t>In der Auswertung werden verschiedene Punkte angezeigt, an den Tagen, an dem der Endnutzer an der Umfrage/ der Literangabe teilgenommen hat. Wenn man auf einen dieser Punkte klickt, soll sich der Endnutzer Notizen machen können. Wenn der Punkt von dem Endnutzer an dem Tag im unteren Bereich liegt, kann er sich z.B. Notizen dazu machen, warum er an dem Tag so viel Stress hatte.</a:t>
-            </a:r>
-          </a:p>
-          <a:p>
             <a:endParaRPr lang="de-DE" dirty="0"/>
           </a:p>
         </p:txBody>
@@ -1989,7 +2113,7 @@
             <a:pPr rtl="0"/>
             <a:fld id="{88DACA00-B485-48AE-971E-CC6E1280CD66}" type="datetime1">
               <a:rPr lang="de-DE" smtClean="0"/>
-              <a:t>15.02.2021</a:t>
+              <a:t>16.02.2021</a:t>
             </a:fld>
             <a:endParaRPr lang="en-US"/>
           </a:p>
@@ -2013,7 +2137,7 @@
             <a:pPr rtl="0"/>
             <a:fld id="{9C2B151B-D7D1-48E5-8230-5AADBC794F88}" type="slidenum">
               <a:rPr lang="en-US" smtClean="0"/>
-              <a:t>14</a:t>
+              <a:t>18</a:t>
             </a:fld>
             <a:endParaRPr lang="en-US"/>
           </a:p>
@@ -2022,7 +2146,7 @@
     </p:spTree>
     <p:extLst>
       <p:ext uri="{BB962C8B-B14F-4D97-AF65-F5344CB8AC3E}">
-        <p14:creationId xmlns:p14="http://schemas.microsoft.com/office/powerpoint/2010/main" val="1093773272"/>
+        <p14:creationId xmlns:p14="http://schemas.microsoft.com/office/powerpoint/2010/main" val="749225946"/>
       </p:ext>
     </p:extLst>
   </p:cSld>
@@ -2279,7 +2403,7 @@
             <a:pPr rtl="0"/>
             <a:fld id="{1514E7D0-C394-41B8-B7AE-64A70240C443}" type="datetime1">
               <a:rPr lang="de-DE" smtClean="0"/>
-              <a:t>15.02.2021</a:t>
+              <a:t>16.02.2021</a:t>
             </a:fld>
             <a:endParaRPr lang="en-US" dirty="0"/>
           </a:p>
@@ -2471,7 +2595,7 @@
             <a:pPr rtl="0"/>
             <a:fld id="{9F18B267-496C-4DE2-83A1-ADDE2B38BABC}" type="datetime1">
               <a:rPr lang="de-DE" smtClean="0"/>
-              <a:t>15.02.2021</a:t>
+              <a:t>16.02.2021</a:t>
             </a:fld>
             <a:endParaRPr lang="en-US" dirty="0"/>
           </a:p>
@@ -2717,7 +2841,7 @@
             <a:pPr rtl="0"/>
             <a:fld id="{E69133DC-A4FB-46C6-B336-BDC14EB1109E}" type="datetime1">
               <a:rPr lang="de-DE" smtClean="0"/>
-              <a:t>15.02.2021</a:t>
+              <a:t>16.02.2021</a:t>
             </a:fld>
             <a:endParaRPr lang="en-US" dirty="0"/>
           </a:p>
@@ -2909,7 +3033,7 @@
             <a:pPr rtl="0"/>
             <a:fld id="{F30E4169-C7C7-4376-AB11-34EB622D2405}" type="datetime1">
               <a:rPr lang="de-DE" smtClean="0"/>
-              <a:t>15.02.2021</a:t>
+              <a:t>16.02.2021</a:t>
             </a:fld>
             <a:endParaRPr lang="en-US" dirty="0"/>
           </a:p>
@@ -3286,7 +3410,7 @@
             <a:pPr rtl="0"/>
             <a:fld id="{409968DE-A4DB-495B-95AE-99CDDC855AF2}" type="datetime1">
               <a:rPr lang="de-DE" smtClean="0"/>
-              <a:t>15.02.2021</a:t>
+              <a:t>16.02.2021</a:t>
             </a:fld>
             <a:endParaRPr lang="en-US" dirty="0"/>
           </a:p>
@@ -3545,7 +3669,7 @@
             <a:pPr rtl="0"/>
             <a:fld id="{9EF45B0B-2729-48AC-9205-BE6F230C1D5B}" type="datetime1">
               <a:rPr lang="de-DE" smtClean="0"/>
-              <a:t>15.02.2021</a:t>
+              <a:t>16.02.2021</a:t>
             </a:fld>
             <a:endParaRPr lang="en-US" dirty="0"/>
           </a:p>
@@ -3946,7 +4070,7 @@
             <a:pPr rtl="0"/>
             <a:fld id="{8E4FF476-B6BA-4FEE-BDFF-03C42D8EF0BE}" type="datetime1">
               <a:rPr lang="de-DE" smtClean="0"/>
-              <a:t>15.02.2021</a:t>
+              <a:t>16.02.2021</a:t>
             </a:fld>
             <a:endParaRPr lang="en-US" dirty="0"/>
           </a:p>
@@ -4086,7 +4210,7 @@
             <a:pPr rtl="0"/>
             <a:fld id="{FA8FA527-88AE-4543-AEBC-7948E7487802}" type="datetime1">
               <a:rPr lang="de-DE" smtClean="0"/>
-              <a:t>15.02.2021</a:t>
+              <a:t>16.02.2021</a:t>
             </a:fld>
             <a:endParaRPr lang="en-US" dirty="0"/>
           </a:p>
@@ -4246,7 +4370,7 @@
             <a:pPr rtl="0"/>
             <a:fld id="{B57B0AEE-EFBF-48DE-9103-7B88127BA894}" type="datetime1">
               <a:rPr lang="de-DE" smtClean="0"/>
-              <a:t>15.02.2021</a:t>
+              <a:t>16.02.2021</a:t>
             </a:fld>
             <a:endParaRPr lang="en-US" dirty="0"/>
           </a:p>
@@ -4579,7 +4703,7 @@
             <a:pPr rtl="0"/>
             <a:fld id="{1C0B70E3-B486-492A-BCB4-D9B66A2BDF7C}" type="datetime1">
               <a:rPr lang="de-DE" smtClean="0"/>
-              <a:t>15.02.2021</a:t>
+              <a:t>16.02.2021</a:t>
             </a:fld>
             <a:endParaRPr lang="en-US" dirty="0"/>
           </a:p>
@@ -4934,7 +5058,7 @@
             <a:pPr rtl="0"/>
             <a:fld id="{61AEA410-FF34-4F91-83E1-92B094F01CEC}" type="datetime1">
               <a:rPr lang="de-DE" smtClean="0"/>
-              <a:t>15.02.2021</a:t>
+              <a:t>16.02.2021</a:t>
             </a:fld>
             <a:endParaRPr lang="en-US" dirty="0"/>
           </a:p>
@@ -5198,7 +5322,7 @@
             <a:pPr rtl="0"/>
             <a:fld id="{F4C9C9C2-3DC7-4CA0-92AE-978744C99D6B}" type="datetime1">
               <a:rPr lang="de-DE" smtClean="0"/>
-              <a:t>15.02.2021</a:t>
+              <a:t>16.02.2021</a:t>
             </a:fld>
             <a:endParaRPr lang="en-US" dirty="0"/>
           </a:p>
@@ -6083,7 +6207,7 @@
           <p:cNvPr id="2" name="Titel 1">
             <a:extLst>
               <a:ext uri="{FF2B5EF4-FFF2-40B4-BE49-F238E27FC236}">
-                <a16:creationId xmlns:a16="http://schemas.microsoft.com/office/drawing/2014/main" id="{4E4056F1-95D3-4103-B2BE-651E4D917EE6}"/>
+                <a16:creationId xmlns:a16="http://schemas.microsoft.com/office/drawing/2014/main" id="{53C4AC70-4E3E-43AE-8994-33F95C36BA92}"/>
               </a:ext>
             </a:extLst>
           </p:cNvPr>
@@ -6101,7 +6225,7 @@
           <a:p>
             <a:r>
               <a:rPr lang="de-DE" dirty="0"/>
-              <a:t>ER-Diagramm Favoriten</a:t>
+              <a:t>SQL Datenbank Umfrage</a:t>
             </a:r>
           </a:p>
         </p:txBody>
@@ -6111,7 +6235,7 @@
           <p:cNvPr id="4" name="Foliennummernplatzhalter 3">
             <a:extLst>
               <a:ext uri="{FF2B5EF4-FFF2-40B4-BE49-F238E27FC236}">
-                <a16:creationId xmlns:a16="http://schemas.microsoft.com/office/drawing/2014/main" id="{ED11B56A-F565-4118-A8F3-E25EDF21E261}"/>
+                <a16:creationId xmlns:a16="http://schemas.microsoft.com/office/drawing/2014/main" id="{0F42732D-A4AD-43D8-B118-8D899A61F12C}"/>
               </a:ext>
             </a:extLst>
           </p:cNvPr>
@@ -6138,10 +6262,10 @@
       </p:sp>
       <p:pic>
         <p:nvPicPr>
-          <p:cNvPr id="5" name="Grafik 4">
-            <a:extLst>
-              <a:ext uri="{FF2B5EF4-FFF2-40B4-BE49-F238E27FC236}">
-                <a16:creationId xmlns:a16="http://schemas.microsoft.com/office/drawing/2014/main" id="{015E2A6B-5050-40F0-814C-DD7FE3CE2754}"/>
+          <p:cNvPr id="6" name="Grafik 5">
+            <a:extLst>
+              <a:ext uri="{FF2B5EF4-FFF2-40B4-BE49-F238E27FC236}">
+                <a16:creationId xmlns:a16="http://schemas.microsoft.com/office/drawing/2014/main" id="{E80FFAEA-8E2E-4C2E-8A20-79872E4B2E8E}"/>
               </a:ext>
             </a:extLst>
           </p:cNvPr>
@@ -6164,8 +6288,8 @@
         </p:blipFill>
         <p:spPr>
           <a:xfrm>
-            <a:off x="2437737" y="1933912"/>
-            <a:ext cx="7377486" cy="4441676"/>
+            <a:off x="1158289" y="2641341"/>
+            <a:ext cx="9997391" cy="1450757"/>
           </a:xfrm>
           <a:prstGeom prst="rect">
             <a:avLst/>
@@ -6175,7 +6299,7 @@
     </p:spTree>
     <p:extLst>
       <p:ext uri="{BB962C8B-B14F-4D97-AF65-F5344CB8AC3E}">
-        <p14:creationId xmlns:p14="http://schemas.microsoft.com/office/powerpoint/2010/main" val="2617969784"/>
+        <p14:creationId xmlns:p14="http://schemas.microsoft.com/office/powerpoint/2010/main" val="434794103"/>
       </p:ext>
     </p:extLst>
   </p:cSld>
@@ -6207,7 +6331,7 @@
           <p:cNvPr id="2" name="Titel 1">
             <a:extLst>
               <a:ext uri="{FF2B5EF4-FFF2-40B4-BE49-F238E27FC236}">
-                <a16:creationId xmlns:a16="http://schemas.microsoft.com/office/drawing/2014/main" id="{4DC4D8DE-1034-4059-B907-B2FCA56F6799}"/>
+                <a16:creationId xmlns:a16="http://schemas.microsoft.com/office/drawing/2014/main" id="{A2F404CC-5FDC-484F-8C5C-BBABDE280C96}"/>
               </a:ext>
             </a:extLst>
           </p:cNvPr>
@@ -6218,129 +6342,88 @@
             <p:ph type="title"/>
           </p:nvPr>
         </p:nvSpPr>
+        <p:spPr/>
+        <p:txBody>
+          <a:bodyPr/>
+          <a:lstStyle/>
+          <a:p>
+            <a:r>
+              <a:rPr lang="de-DE" dirty="0"/>
+              <a:t>SQL Struktur Umfrage</a:t>
+            </a:r>
+          </a:p>
+        </p:txBody>
+      </p:sp>
+      <p:sp>
+        <p:nvSpPr>
+          <p:cNvPr id="4" name="Foliennummernplatzhalter 3">
+            <a:extLst>
+              <a:ext uri="{FF2B5EF4-FFF2-40B4-BE49-F238E27FC236}">
+                <a16:creationId xmlns:a16="http://schemas.microsoft.com/office/drawing/2014/main" id="{E9898528-BCEC-4CEA-BF98-0B01018CCB93}"/>
+              </a:ext>
+            </a:extLst>
+          </p:cNvPr>
+          <p:cNvSpPr>
+            <a:spLocks noGrp="1"/>
+          </p:cNvSpPr>
+          <p:nvPr>
+            <p:ph type="sldNum" sz="quarter" idx="12"/>
+          </p:nvPr>
+        </p:nvSpPr>
+        <p:spPr/>
+        <p:txBody>
+          <a:bodyPr/>
+          <a:lstStyle/>
+          <a:p>
+            <a:pPr rtl="0"/>
+            <a:fld id="{3A98EE3D-8CD1-4C3F-BD1C-C98C9596463C}" type="slidenum">
+              <a:rPr lang="en-US" smtClean="0"/>
+              <a:t>11</a:t>
+            </a:fld>
+            <a:endParaRPr lang="en-US" dirty="0"/>
+          </a:p>
+        </p:txBody>
+      </p:sp>
+      <p:pic>
+        <p:nvPicPr>
+          <p:cNvPr id="6" name="Grafik 5" descr="Ein Bild, das Tisch enthält.&#10;&#10;Automatisch generierte Beschreibung">
+            <a:extLst>
+              <a:ext uri="{FF2B5EF4-FFF2-40B4-BE49-F238E27FC236}">
+                <a16:creationId xmlns:a16="http://schemas.microsoft.com/office/drawing/2014/main" id="{75632BF8-7E5B-47E2-8D50-96171E93A81B}"/>
+              </a:ext>
+            </a:extLst>
+          </p:cNvPr>
+          <p:cNvPicPr>
+            <a:picLocks noChangeAspect="1"/>
+          </p:cNvPicPr>
+          <p:nvPr/>
+        </p:nvPicPr>
+        <p:blipFill>
+          <a:blip r:embed="rId2">
+            <a:extLst>
+              <a:ext uri="{28A0092B-C50C-407E-A947-70E740481C1C}">
+                <a14:useLocalDpi xmlns:a14="http://schemas.microsoft.com/office/drawing/2010/main" val="0"/>
+              </a:ext>
+            </a:extLst>
+          </a:blip>
+          <a:stretch>
+            <a:fillRect/>
+          </a:stretch>
+        </p:blipFill>
         <p:spPr>
           <a:xfrm>
-            <a:off x="1097280" y="758952"/>
-            <a:ext cx="10058400" cy="3566160"/>
-          </a:xfrm>
-        </p:spPr>
-        <p:txBody>
-          <a:bodyPr anchor="b">
-            <a:normAutofit/>
-          </a:bodyPr>
-          <a:lstStyle/>
-          <a:p>
-            <a:r>
-              <a:rPr lang="de-DE" sz="7400" dirty="0"/>
-              <a:t>Zielhierarchie</a:t>
-            </a:r>
-          </a:p>
-        </p:txBody>
-      </p:sp>
-      <p:sp>
-        <p:nvSpPr>
-          <p:cNvPr id="3" name="Foliennummernplatzhalter 2">
-            <a:extLst>
-              <a:ext uri="{FF2B5EF4-FFF2-40B4-BE49-F238E27FC236}">
-                <a16:creationId xmlns:a16="http://schemas.microsoft.com/office/drawing/2014/main" id="{585CF4AE-527C-4AA2-906C-B9F7B3281748}"/>
-              </a:ext>
-            </a:extLst>
-          </p:cNvPr>
-          <p:cNvSpPr>
-            <a:spLocks noGrp="1"/>
-          </p:cNvSpPr>
-          <p:nvPr>
-            <p:ph type="sldNum" sz="quarter" idx="12"/>
-          </p:nvPr>
-        </p:nvSpPr>
-        <p:spPr>
-          <a:xfrm>
-            <a:off x="10993582" y="6446838"/>
-            <a:ext cx="780010" cy="365125"/>
-          </a:xfrm>
-        </p:spPr>
-        <p:txBody>
-          <a:bodyPr anchor="ctr">
-            <a:normAutofit/>
-          </a:bodyPr>
-          <a:lstStyle/>
-          <a:p>
-            <a:pPr rtl="0">
-              <a:spcAft>
-                <a:spcPts val="600"/>
-              </a:spcAft>
-            </a:pPr>
-            <a:fld id="{3A98EE3D-8CD1-4C3F-BD1C-C98C9596463C}" type="slidenum">
-              <a:rPr lang="en-US" smtClean="0"/>
-              <a:pPr rtl="0">
-                <a:spcAft>
-                  <a:spcPts val="600"/>
-                </a:spcAft>
-              </a:pPr>
-              <a:t>11</a:t>
-            </a:fld>
-            <a:endParaRPr lang="en-US"/>
-          </a:p>
-        </p:txBody>
-      </p:sp>
-      <p:sp>
-        <p:nvSpPr>
-          <p:cNvPr id="4" name="Titel 1">
-            <a:extLst>
-              <a:ext uri="{FF2B5EF4-FFF2-40B4-BE49-F238E27FC236}">
-                <a16:creationId xmlns:a16="http://schemas.microsoft.com/office/drawing/2014/main" id="{14040106-2C9B-47A0-AA16-571538A46A0C}"/>
-              </a:ext>
-            </a:extLst>
-          </p:cNvPr>
-          <p:cNvSpPr txBox="1">
-            <a:spLocks/>
-          </p:cNvSpPr>
-          <p:nvPr/>
-        </p:nvSpPr>
-        <p:spPr>
-          <a:xfrm>
-            <a:off x="1097280" y="4744569"/>
-            <a:ext cx="10058400" cy="641405"/>
+            <a:off x="931596" y="2129246"/>
+            <a:ext cx="10389767" cy="3541782"/>
           </a:xfrm>
           <a:prstGeom prst="rect">
             <a:avLst/>
           </a:prstGeom>
         </p:spPr>
-        <p:txBody>
-          <a:bodyPr vert="horz" lIns="91440" tIns="45720" rIns="91440" bIns="45720" rtlCol="0" anchor="b" anchorCtr="0">
-            <a:normAutofit fontScale="62500" lnSpcReduction="20000"/>
-          </a:bodyPr>
-          <a:lstStyle>
-            <a:lvl1pPr algn="l" defTabSz="914400" rtl="0" eaLnBrk="1" latinLnBrk="0" hangingPunct="1">
-              <a:lnSpc>
-                <a:spcPct val="90000"/>
-              </a:lnSpc>
-              <a:spcBef>
-                <a:spcPct val="0"/>
-              </a:spcBef>
-              <a:buNone/>
-              <a:defRPr sz="8000" b="0" i="0" kern="1200" spc="-50" baseline="0">
-                <a:solidFill>
-                  <a:schemeClr val="tx1">
-                    <a:lumMod val="85000"/>
-                    <a:lumOff val="15000"/>
-                  </a:schemeClr>
-                </a:solidFill>
-                <a:latin typeface="+mj-lt"/>
-                <a:ea typeface="+mj-ea"/>
-                <a:cs typeface="+mj-cs"/>
-              </a:defRPr>
-            </a:lvl1pPr>
-          </a:lstStyle>
-          <a:p>
-            <a:endParaRPr lang="de-DE" sz="7900" dirty="0"/>
-          </a:p>
-        </p:txBody>
-      </p:sp>
+      </p:pic>
     </p:spTree>
     <p:extLst>
       <p:ext uri="{BB962C8B-B14F-4D97-AF65-F5344CB8AC3E}">
-        <p14:creationId xmlns:p14="http://schemas.microsoft.com/office/powerpoint/2010/main" val="2660464370"/>
+        <p14:creationId xmlns:p14="http://schemas.microsoft.com/office/powerpoint/2010/main" val="1831127501"/>
       </p:ext>
     </p:extLst>
   </p:cSld>
@@ -6372,7 +6455,7 @@
           <p:cNvPr id="2" name="Titel 1">
             <a:extLst>
               <a:ext uri="{FF2B5EF4-FFF2-40B4-BE49-F238E27FC236}">
-                <a16:creationId xmlns:a16="http://schemas.microsoft.com/office/drawing/2014/main" id="{80EE4ADB-3912-4818-9107-B9B53667FC56}"/>
+                <a16:creationId xmlns:a16="http://schemas.microsoft.com/office/drawing/2014/main" id="{A2D3A25A-5204-45CD-91C8-B6A7852910A3}"/>
               </a:ext>
             </a:extLst>
           </p:cNvPr>
@@ -6383,21 +6466,14 @@
             <p:ph type="title"/>
           </p:nvPr>
         </p:nvSpPr>
-        <p:spPr>
-          <a:xfrm>
-            <a:off x="1097280" y="286603"/>
-            <a:ext cx="10058400" cy="1450757"/>
-          </a:xfrm>
-        </p:spPr>
-        <p:txBody>
-          <a:bodyPr anchor="b">
-            <a:normAutofit/>
-          </a:bodyPr>
+        <p:spPr/>
+        <p:txBody>
+          <a:bodyPr/>
           <a:lstStyle/>
           <a:p>
             <a:r>
               <a:rPr lang="de-DE" dirty="0"/>
-              <a:t>Zielhierarchie</a:t>
+              <a:t>SQL Datenbank Umfrage Auswertung</a:t>
             </a:r>
           </a:p>
         </p:txBody>
@@ -6407,7 +6483,7 @@
           <p:cNvPr id="4" name="Foliennummernplatzhalter 3">
             <a:extLst>
               <a:ext uri="{FF2B5EF4-FFF2-40B4-BE49-F238E27FC236}">
-                <a16:creationId xmlns:a16="http://schemas.microsoft.com/office/drawing/2014/main" id="{0A6814A5-E621-4F6A-97F4-4E20661FA280}"/>
+                <a16:creationId xmlns:a16="http://schemas.microsoft.com/office/drawing/2014/main" id="{B2133442-97E1-4466-84EC-0776884F4D30}"/>
               </a:ext>
             </a:extLst>
           </p:cNvPr>
@@ -6418,42 +6494,26 @@
             <p:ph type="sldNum" sz="quarter" idx="12"/>
           </p:nvPr>
         </p:nvSpPr>
-        <p:spPr>
-          <a:xfrm>
-            <a:off x="10993582" y="6446838"/>
-            <a:ext cx="780010" cy="365125"/>
-          </a:xfrm>
-        </p:spPr>
-        <p:txBody>
-          <a:bodyPr anchor="ctr">
-            <a:normAutofit/>
-          </a:bodyPr>
-          <a:lstStyle/>
-          <a:p>
-            <a:pPr rtl="0">
-              <a:spcAft>
-                <a:spcPts val="600"/>
-              </a:spcAft>
-            </a:pPr>
+        <p:spPr/>
+        <p:txBody>
+          <a:bodyPr/>
+          <a:lstStyle/>
+          <a:p>
+            <a:pPr rtl="0"/>
             <a:fld id="{3A98EE3D-8CD1-4C3F-BD1C-C98C9596463C}" type="slidenum">
               <a:rPr lang="en-US" smtClean="0"/>
-              <a:pPr rtl="0">
-                <a:spcAft>
-                  <a:spcPts val="600"/>
-                </a:spcAft>
-              </a:pPr>
               <a:t>12</a:t>
             </a:fld>
-            <a:endParaRPr lang="en-US"/>
+            <a:endParaRPr lang="en-US" dirty="0"/>
           </a:p>
         </p:txBody>
       </p:sp>
       <p:pic>
         <p:nvPicPr>
-          <p:cNvPr id="6" name="Grafik 5" descr="Ein Bild, das Text enthält.&#10;&#10;Automatisch generierte Beschreibung">
-            <a:extLst>
-              <a:ext uri="{FF2B5EF4-FFF2-40B4-BE49-F238E27FC236}">
-                <a16:creationId xmlns:a16="http://schemas.microsoft.com/office/drawing/2014/main" id="{5BD0F67F-BE0B-4B03-A42F-12ECCD5074C2}"/>
+          <p:cNvPr id="6" name="Grafik 5">
+            <a:extLst>
+              <a:ext uri="{FF2B5EF4-FFF2-40B4-BE49-F238E27FC236}">
+                <a16:creationId xmlns:a16="http://schemas.microsoft.com/office/drawing/2014/main" id="{5F87EF04-00CF-4AF4-AC65-0923600AC66A}"/>
               </a:ext>
             </a:extLst>
           </p:cNvPr>
@@ -6462,7 +6522,7 @@
           </p:cNvPicPr>
           <p:nvPr/>
         </p:nvPicPr>
-        <p:blipFill rotWithShape="1">
+        <p:blipFill>
           <a:blip r:embed="rId3">
             <a:extLst>
               <a:ext uri="{28A0092B-C50C-407E-A947-70E740481C1C}">
@@ -6470,149 +6530,24 @@
               </a:ext>
             </a:extLst>
           </a:blip>
-          <a:srcRect t="17675" r="27269" b="9892"/>
-          <a:stretch/>
+          <a:stretch>
+            <a:fillRect/>
+          </a:stretch>
         </p:blipFill>
         <p:spPr>
           <a:xfrm>
-            <a:off x="2362571" y="2027918"/>
-            <a:ext cx="7466857" cy="4182878"/>
+            <a:off x="1672820" y="2122086"/>
+            <a:ext cx="8907319" cy="3940026"/>
           </a:xfrm>
           <a:prstGeom prst="rect">
             <a:avLst/>
           </a:prstGeom>
         </p:spPr>
       </p:pic>
-      <p:sp>
-        <p:nvSpPr>
-          <p:cNvPr id="10" name="Textfeld 9">
-            <a:extLst>
-              <a:ext uri="{FF2B5EF4-FFF2-40B4-BE49-F238E27FC236}">
-                <a16:creationId xmlns:a16="http://schemas.microsoft.com/office/drawing/2014/main" id="{BBC4B259-4562-434A-A636-984F52C614ED}"/>
-              </a:ext>
-            </a:extLst>
-          </p:cNvPr>
-          <p:cNvSpPr txBox="1"/>
-          <p:nvPr/>
-        </p:nvSpPr>
-        <p:spPr>
-          <a:xfrm>
-            <a:off x="2952750" y="4936916"/>
-            <a:ext cx="5876388" cy="261610"/>
-          </a:xfrm>
-          <a:prstGeom prst="rect">
-            <a:avLst/>
-          </a:prstGeom>
-          <a:noFill/>
-        </p:spPr>
-        <p:txBody>
-          <a:bodyPr wrap="square">
-            <a:spAutoFit/>
-          </a:bodyPr>
-          <a:lstStyle/>
-          <a:p>
-            <a:r>
-              <a:rPr lang="de-DE" sz="1100" b="0" i="0" dirty="0">
-                <a:solidFill>
-                  <a:srgbClr val="333333"/>
-                </a:solidFill>
-                <a:effectLst/>
-                <a:latin typeface="Source Sans Pro" panose="020B0604020202020204" pitchFamily="34" charset="0"/>
-              </a:rPr>
-              <a:t>✅</a:t>
-            </a:r>
-            <a:endParaRPr lang="de-DE" sz="1100" dirty="0"/>
-          </a:p>
-        </p:txBody>
-      </p:sp>
-      <p:sp>
-        <p:nvSpPr>
-          <p:cNvPr id="11" name="Textfeld 10">
-            <a:extLst>
-              <a:ext uri="{FF2B5EF4-FFF2-40B4-BE49-F238E27FC236}">
-                <a16:creationId xmlns:a16="http://schemas.microsoft.com/office/drawing/2014/main" id="{B6493BAC-B8E0-41B8-B401-F96E8A5722D3}"/>
-              </a:ext>
-            </a:extLst>
-          </p:cNvPr>
-          <p:cNvSpPr txBox="1"/>
-          <p:nvPr/>
-        </p:nvSpPr>
-        <p:spPr>
-          <a:xfrm>
-            <a:off x="2959100" y="5302721"/>
-            <a:ext cx="5876388" cy="261610"/>
-          </a:xfrm>
-          <a:prstGeom prst="rect">
-            <a:avLst/>
-          </a:prstGeom>
-          <a:noFill/>
-        </p:spPr>
-        <p:txBody>
-          <a:bodyPr wrap="square">
-            <a:spAutoFit/>
-          </a:bodyPr>
-          <a:lstStyle/>
-          <a:p>
-            <a:r>
-              <a:rPr lang="de-DE" sz="1100" b="0" i="0" dirty="0">
-                <a:solidFill>
-                  <a:srgbClr val="333333"/>
-                </a:solidFill>
-                <a:effectLst/>
-                <a:latin typeface="Source Sans Pro" panose="020B0604020202020204" pitchFamily="34" charset="0"/>
-              </a:rPr>
-              <a:t>✅</a:t>
-            </a:r>
-            <a:endParaRPr lang="de-DE" sz="1100" dirty="0"/>
-          </a:p>
-        </p:txBody>
-      </p:sp>
-      <p:sp>
-        <p:nvSpPr>
-          <p:cNvPr id="12" name="Textfeld 11">
-            <a:extLst>
-              <a:ext uri="{FF2B5EF4-FFF2-40B4-BE49-F238E27FC236}">
-                <a16:creationId xmlns:a16="http://schemas.microsoft.com/office/drawing/2014/main" id="{7557D5B7-D5F2-45FA-89FE-2C0CB99D0C45}"/>
-              </a:ext>
-            </a:extLst>
-          </p:cNvPr>
-          <p:cNvSpPr txBox="1"/>
-          <p:nvPr/>
-        </p:nvSpPr>
-        <p:spPr>
-          <a:xfrm>
-            <a:off x="2959100" y="5668526"/>
-            <a:ext cx="5876388" cy="261610"/>
-          </a:xfrm>
-          <a:prstGeom prst="rect">
-            <a:avLst/>
-          </a:prstGeom>
-          <a:noFill/>
-        </p:spPr>
-        <p:txBody>
-          <a:bodyPr wrap="square">
-            <a:spAutoFit/>
-          </a:bodyPr>
-          <a:lstStyle/>
-          <a:p>
-            <a:r>
-              <a:rPr lang="de-DE" sz="1100" b="0" i="0" dirty="0">
-                <a:solidFill>
-                  <a:srgbClr val="333333"/>
-                </a:solidFill>
-                <a:effectLst/>
-                <a:latin typeface="Source Sans Pro" panose="020B0604020202020204" pitchFamily="34" charset="0"/>
-              </a:rPr>
-              <a:t>✅</a:t>
-            </a:r>
-            <a:endParaRPr lang="de-DE" sz="1100" dirty="0"/>
-          </a:p>
-        </p:txBody>
-      </p:sp>
     </p:spTree>
     <p:extLst>
       <p:ext uri="{BB962C8B-B14F-4D97-AF65-F5344CB8AC3E}">
-        <p14:creationId xmlns:p14="http://schemas.microsoft.com/office/powerpoint/2010/main" val="3191535140"/>
+        <p14:creationId xmlns:p14="http://schemas.microsoft.com/office/powerpoint/2010/main" val="2836353388"/>
       </p:ext>
     </p:extLst>
   </p:cSld>
@@ -6644,6 +6579,886 @@
           <p:cNvPr id="2" name="Titel 1">
             <a:extLst>
               <a:ext uri="{FF2B5EF4-FFF2-40B4-BE49-F238E27FC236}">
+                <a16:creationId xmlns:a16="http://schemas.microsoft.com/office/drawing/2014/main" id="{4E4056F1-95D3-4103-B2BE-651E4D917EE6}"/>
+              </a:ext>
+            </a:extLst>
+          </p:cNvPr>
+          <p:cNvSpPr>
+            <a:spLocks noGrp="1"/>
+          </p:cNvSpPr>
+          <p:nvPr>
+            <p:ph type="title"/>
+          </p:nvPr>
+        </p:nvSpPr>
+        <p:spPr/>
+        <p:txBody>
+          <a:bodyPr/>
+          <a:lstStyle/>
+          <a:p>
+            <a:r>
+              <a:rPr lang="de-DE" dirty="0"/>
+              <a:t>ER-Diagramm Favoriten</a:t>
+            </a:r>
+          </a:p>
+        </p:txBody>
+      </p:sp>
+      <p:sp>
+        <p:nvSpPr>
+          <p:cNvPr id="4" name="Foliennummernplatzhalter 3">
+            <a:extLst>
+              <a:ext uri="{FF2B5EF4-FFF2-40B4-BE49-F238E27FC236}">
+                <a16:creationId xmlns:a16="http://schemas.microsoft.com/office/drawing/2014/main" id="{ED11B56A-F565-4118-A8F3-E25EDF21E261}"/>
+              </a:ext>
+            </a:extLst>
+          </p:cNvPr>
+          <p:cNvSpPr>
+            <a:spLocks noGrp="1"/>
+          </p:cNvSpPr>
+          <p:nvPr>
+            <p:ph type="sldNum" sz="quarter" idx="12"/>
+          </p:nvPr>
+        </p:nvSpPr>
+        <p:spPr/>
+        <p:txBody>
+          <a:bodyPr/>
+          <a:lstStyle/>
+          <a:p>
+            <a:pPr rtl="0"/>
+            <a:fld id="{3A98EE3D-8CD1-4C3F-BD1C-C98C9596463C}" type="slidenum">
+              <a:rPr lang="en-US" smtClean="0"/>
+              <a:t>13</a:t>
+            </a:fld>
+            <a:endParaRPr lang="en-US" dirty="0"/>
+          </a:p>
+        </p:txBody>
+      </p:sp>
+      <p:pic>
+        <p:nvPicPr>
+          <p:cNvPr id="6" name="Grafik 5">
+            <a:extLst>
+              <a:ext uri="{FF2B5EF4-FFF2-40B4-BE49-F238E27FC236}">
+                <a16:creationId xmlns:a16="http://schemas.microsoft.com/office/drawing/2014/main" id="{15CE0D53-A421-4F20-A266-5039CC98F763}"/>
+              </a:ext>
+            </a:extLst>
+          </p:cNvPr>
+          <p:cNvPicPr>
+            <a:picLocks noChangeAspect="1"/>
+          </p:cNvPicPr>
+          <p:nvPr/>
+        </p:nvPicPr>
+        <p:blipFill rotWithShape="1">
+          <a:blip r:embed="rId2">
+            <a:extLst>
+              <a:ext uri="{28A0092B-C50C-407E-A947-70E740481C1C}">
+                <a14:useLocalDpi xmlns:a14="http://schemas.microsoft.com/office/drawing/2010/main" val="0"/>
+              </a:ext>
+            </a:extLst>
+          </a:blip>
+          <a:srcRect l="1895" t="4286" r="2730" b="4176"/>
+          <a:stretch/>
+        </p:blipFill>
+        <p:spPr>
+          <a:xfrm>
+            <a:off x="2782118" y="1947552"/>
+            <a:ext cx="6627763" cy="4394965"/>
+          </a:xfrm>
+          <a:prstGeom prst="rect">
+            <a:avLst/>
+          </a:prstGeom>
+        </p:spPr>
+      </p:pic>
+    </p:spTree>
+    <p:extLst>
+      <p:ext uri="{BB962C8B-B14F-4D97-AF65-F5344CB8AC3E}">
+        <p14:creationId xmlns:p14="http://schemas.microsoft.com/office/powerpoint/2010/main" val="2617969784"/>
+      </p:ext>
+    </p:extLst>
+  </p:cSld>
+  <p:clrMapOvr>
+    <a:masterClrMapping/>
+  </p:clrMapOvr>
+</p:sld>
+</file>
+
+<file path=ppt/slides/slide14.xml><?xml version="1.0" encoding="utf-8"?>
+<p:sld xmlns:a="http://schemas.openxmlformats.org/drawingml/2006/main" xmlns:r="http://schemas.openxmlformats.org/officeDocument/2006/relationships" xmlns:p="http://schemas.openxmlformats.org/presentationml/2006/main">
+  <p:cSld>
+    <p:spTree>
+      <p:nvGrpSpPr>
+        <p:cNvPr id="1" name=""/>
+        <p:cNvGrpSpPr/>
+        <p:nvPr/>
+      </p:nvGrpSpPr>
+      <p:grpSpPr>
+        <a:xfrm>
+          <a:off x="0" y="0"/>
+          <a:ext cx="0" cy="0"/>
+          <a:chOff x="0" y="0"/>
+          <a:chExt cx="0" cy="0"/>
+        </a:xfrm>
+      </p:grpSpPr>
+      <p:sp>
+        <p:nvSpPr>
+          <p:cNvPr id="2" name="Titel 1">
+            <a:extLst>
+              <a:ext uri="{FF2B5EF4-FFF2-40B4-BE49-F238E27FC236}">
+                <a16:creationId xmlns:a16="http://schemas.microsoft.com/office/drawing/2014/main" id="{301E3B99-90E6-4810-9291-4FFCF04B9D93}"/>
+              </a:ext>
+            </a:extLst>
+          </p:cNvPr>
+          <p:cNvSpPr>
+            <a:spLocks noGrp="1"/>
+          </p:cNvSpPr>
+          <p:nvPr>
+            <p:ph type="title"/>
+          </p:nvPr>
+        </p:nvSpPr>
+        <p:spPr/>
+        <p:txBody>
+          <a:bodyPr/>
+          <a:lstStyle/>
+          <a:p>
+            <a:r>
+              <a:rPr lang="de-DE" dirty="0"/>
+              <a:t>SQL Datenbank Favorit</a:t>
+            </a:r>
+          </a:p>
+        </p:txBody>
+      </p:sp>
+      <p:sp>
+        <p:nvSpPr>
+          <p:cNvPr id="4" name="Foliennummernplatzhalter 3">
+            <a:extLst>
+              <a:ext uri="{FF2B5EF4-FFF2-40B4-BE49-F238E27FC236}">
+                <a16:creationId xmlns:a16="http://schemas.microsoft.com/office/drawing/2014/main" id="{1576703A-D045-4142-B6BC-28811375C559}"/>
+              </a:ext>
+            </a:extLst>
+          </p:cNvPr>
+          <p:cNvSpPr>
+            <a:spLocks noGrp="1"/>
+          </p:cNvSpPr>
+          <p:nvPr>
+            <p:ph type="sldNum" sz="quarter" idx="12"/>
+          </p:nvPr>
+        </p:nvSpPr>
+        <p:spPr/>
+        <p:txBody>
+          <a:bodyPr/>
+          <a:lstStyle/>
+          <a:p>
+            <a:pPr rtl="0"/>
+            <a:fld id="{3A98EE3D-8CD1-4C3F-BD1C-C98C9596463C}" type="slidenum">
+              <a:rPr lang="en-US" smtClean="0"/>
+              <a:t>14</a:t>
+            </a:fld>
+            <a:endParaRPr lang="en-US" dirty="0"/>
+          </a:p>
+        </p:txBody>
+      </p:sp>
+      <p:pic>
+        <p:nvPicPr>
+          <p:cNvPr id="6" name="Grafik 5">
+            <a:extLst>
+              <a:ext uri="{FF2B5EF4-FFF2-40B4-BE49-F238E27FC236}">
+                <a16:creationId xmlns:a16="http://schemas.microsoft.com/office/drawing/2014/main" id="{593217E4-29FC-4329-80A6-2BB582584D41}"/>
+              </a:ext>
+            </a:extLst>
+          </p:cNvPr>
+          <p:cNvPicPr>
+            <a:picLocks noChangeAspect="1"/>
+          </p:cNvPicPr>
+          <p:nvPr/>
+        </p:nvPicPr>
+        <p:blipFill>
+          <a:blip r:embed="rId2">
+            <a:extLst>
+              <a:ext uri="{28A0092B-C50C-407E-A947-70E740481C1C}">
+                <a14:useLocalDpi xmlns:a14="http://schemas.microsoft.com/office/drawing/2010/main" val="0"/>
+              </a:ext>
+            </a:extLst>
+          </a:blip>
+          <a:stretch>
+            <a:fillRect/>
+          </a:stretch>
+        </p:blipFill>
+        <p:spPr>
+          <a:xfrm>
+            <a:off x="1098710" y="2263656"/>
+            <a:ext cx="10056970" cy="1548319"/>
+          </a:xfrm>
+          <a:prstGeom prst="rect">
+            <a:avLst/>
+          </a:prstGeom>
+        </p:spPr>
+      </p:pic>
+      <p:pic>
+        <p:nvPicPr>
+          <p:cNvPr id="8" name="Grafik 7">
+            <a:extLst>
+              <a:ext uri="{FF2B5EF4-FFF2-40B4-BE49-F238E27FC236}">
+                <a16:creationId xmlns:a16="http://schemas.microsoft.com/office/drawing/2014/main" id="{8A83C62C-6979-406D-8767-9D97D06DABE3}"/>
+              </a:ext>
+            </a:extLst>
+          </p:cNvPr>
+          <p:cNvPicPr>
+            <a:picLocks noChangeAspect="1"/>
+          </p:cNvPicPr>
+          <p:nvPr/>
+        </p:nvPicPr>
+        <p:blipFill>
+          <a:blip r:embed="rId3">
+            <a:extLst>
+              <a:ext uri="{28A0092B-C50C-407E-A947-70E740481C1C}">
+                <a14:useLocalDpi xmlns:a14="http://schemas.microsoft.com/office/drawing/2010/main" val="0"/>
+              </a:ext>
+            </a:extLst>
+          </a:blip>
+          <a:stretch>
+            <a:fillRect/>
+          </a:stretch>
+        </p:blipFill>
+        <p:spPr>
+          <a:xfrm>
+            <a:off x="1097280" y="4384572"/>
+            <a:ext cx="2999387" cy="1351209"/>
+          </a:xfrm>
+          <a:prstGeom prst="rect">
+            <a:avLst/>
+          </a:prstGeom>
+        </p:spPr>
+      </p:pic>
+    </p:spTree>
+    <p:extLst>
+      <p:ext uri="{BB962C8B-B14F-4D97-AF65-F5344CB8AC3E}">
+        <p14:creationId xmlns:p14="http://schemas.microsoft.com/office/powerpoint/2010/main" val="785191862"/>
+      </p:ext>
+    </p:extLst>
+  </p:cSld>
+  <p:clrMapOvr>
+    <a:masterClrMapping/>
+  </p:clrMapOvr>
+</p:sld>
+</file>
+
+<file path=ppt/slides/slide15.xml><?xml version="1.0" encoding="utf-8"?>
+<p:sld xmlns:a="http://schemas.openxmlformats.org/drawingml/2006/main" xmlns:r="http://schemas.openxmlformats.org/officeDocument/2006/relationships" xmlns:p="http://schemas.openxmlformats.org/presentationml/2006/main">
+  <p:cSld>
+    <p:spTree>
+      <p:nvGrpSpPr>
+        <p:cNvPr id="1" name=""/>
+        <p:cNvGrpSpPr/>
+        <p:nvPr/>
+      </p:nvGrpSpPr>
+      <p:grpSpPr>
+        <a:xfrm>
+          <a:off x="0" y="0"/>
+          <a:ext cx="0" cy="0"/>
+          <a:chOff x="0" y="0"/>
+          <a:chExt cx="0" cy="0"/>
+        </a:xfrm>
+      </p:grpSpPr>
+      <p:sp>
+        <p:nvSpPr>
+          <p:cNvPr id="2" name="Titel 1">
+            <a:extLst>
+              <a:ext uri="{FF2B5EF4-FFF2-40B4-BE49-F238E27FC236}">
+                <a16:creationId xmlns:a16="http://schemas.microsoft.com/office/drawing/2014/main" id="{C5CEC7AA-D6D0-4A38-A1E0-6F021008DBE3}"/>
+              </a:ext>
+            </a:extLst>
+          </p:cNvPr>
+          <p:cNvSpPr>
+            <a:spLocks noGrp="1"/>
+          </p:cNvSpPr>
+          <p:nvPr>
+            <p:ph type="title"/>
+          </p:nvPr>
+        </p:nvSpPr>
+        <p:spPr/>
+        <p:txBody>
+          <a:bodyPr/>
+          <a:lstStyle/>
+          <a:p>
+            <a:r>
+              <a:rPr lang="de-DE" dirty="0"/>
+              <a:t>SQL Struktur Favorit</a:t>
+            </a:r>
+          </a:p>
+        </p:txBody>
+      </p:sp>
+      <p:sp>
+        <p:nvSpPr>
+          <p:cNvPr id="4" name="Foliennummernplatzhalter 3">
+            <a:extLst>
+              <a:ext uri="{FF2B5EF4-FFF2-40B4-BE49-F238E27FC236}">
+                <a16:creationId xmlns:a16="http://schemas.microsoft.com/office/drawing/2014/main" id="{AE2EFFA6-5193-4DE4-8AAD-206D3391BFE2}"/>
+              </a:ext>
+            </a:extLst>
+          </p:cNvPr>
+          <p:cNvSpPr>
+            <a:spLocks noGrp="1"/>
+          </p:cNvSpPr>
+          <p:nvPr>
+            <p:ph type="sldNum" sz="quarter" idx="12"/>
+          </p:nvPr>
+        </p:nvSpPr>
+        <p:spPr/>
+        <p:txBody>
+          <a:bodyPr/>
+          <a:lstStyle/>
+          <a:p>
+            <a:pPr rtl="0"/>
+            <a:fld id="{3A98EE3D-8CD1-4C3F-BD1C-C98C9596463C}" type="slidenum">
+              <a:rPr lang="en-US" smtClean="0"/>
+              <a:t>15</a:t>
+            </a:fld>
+            <a:endParaRPr lang="en-US" dirty="0"/>
+          </a:p>
+        </p:txBody>
+      </p:sp>
+      <p:pic>
+        <p:nvPicPr>
+          <p:cNvPr id="6" name="Grafik 5" descr="Ein Bild, das Text enthält.&#10;&#10;Automatisch generierte Beschreibung">
+            <a:extLst>
+              <a:ext uri="{FF2B5EF4-FFF2-40B4-BE49-F238E27FC236}">
+                <a16:creationId xmlns:a16="http://schemas.microsoft.com/office/drawing/2014/main" id="{C278BA14-3424-4A78-9440-89895EB97CDF}"/>
+              </a:ext>
+            </a:extLst>
+          </p:cNvPr>
+          <p:cNvPicPr>
+            <a:picLocks noChangeAspect="1"/>
+          </p:cNvPicPr>
+          <p:nvPr/>
+        </p:nvPicPr>
+        <p:blipFill>
+          <a:blip r:embed="rId2">
+            <a:extLst>
+              <a:ext uri="{28A0092B-C50C-407E-A947-70E740481C1C}">
+                <a14:useLocalDpi xmlns:a14="http://schemas.microsoft.com/office/drawing/2010/main" val="0"/>
+              </a:ext>
+            </a:extLst>
+          </a:blip>
+          <a:stretch>
+            <a:fillRect/>
+          </a:stretch>
+        </p:blipFill>
+        <p:spPr>
+          <a:xfrm>
+            <a:off x="966872" y="2303964"/>
+            <a:ext cx="10258256" cy="1450757"/>
+          </a:xfrm>
+          <a:prstGeom prst="rect">
+            <a:avLst/>
+          </a:prstGeom>
+        </p:spPr>
+      </p:pic>
+      <p:pic>
+        <p:nvPicPr>
+          <p:cNvPr id="8" name="Grafik 7">
+            <a:extLst>
+              <a:ext uri="{FF2B5EF4-FFF2-40B4-BE49-F238E27FC236}">
+                <a16:creationId xmlns:a16="http://schemas.microsoft.com/office/drawing/2014/main" id="{A48D8983-542A-4738-8252-257BDBCCF1B7}"/>
+              </a:ext>
+            </a:extLst>
+          </p:cNvPr>
+          <p:cNvPicPr>
+            <a:picLocks noChangeAspect="1"/>
+          </p:cNvPicPr>
+          <p:nvPr/>
+        </p:nvPicPr>
+        <p:blipFill>
+          <a:blip r:embed="rId3">
+            <a:extLst>
+              <a:ext uri="{28A0092B-C50C-407E-A947-70E740481C1C}">
+                <a14:useLocalDpi xmlns:a14="http://schemas.microsoft.com/office/drawing/2010/main" val="0"/>
+              </a:ext>
+            </a:extLst>
+          </a:blip>
+          <a:stretch>
+            <a:fillRect/>
+          </a:stretch>
+        </p:blipFill>
+        <p:spPr>
+          <a:xfrm>
+            <a:off x="966872" y="4360667"/>
+            <a:ext cx="6811326" cy="1076475"/>
+          </a:xfrm>
+          <a:prstGeom prst="rect">
+            <a:avLst/>
+          </a:prstGeom>
+        </p:spPr>
+      </p:pic>
+    </p:spTree>
+    <p:extLst>
+      <p:ext uri="{BB962C8B-B14F-4D97-AF65-F5344CB8AC3E}">
+        <p14:creationId xmlns:p14="http://schemas.microsoft.com/office/powerpoint/2010/main" val="1191174246"/>
+      </p:ext>
+    </p:extLst>
+  </p:cSld>
+  <p:clrMapOvr>
+    <a:masterClrMapping/>
+  </p:clrMapOvr>
+</p:sld>
+</file>
+
+<file path=ppt/slides/slide16.xml><?xml version="1.0" encoding="utf-8"?>
+<p:sld xmlns:a="http://schemas.openxmlformats.org/drawingml/2006/main" xmlns:r="http://schemas.openxmlformats.org/officeDocument/2006/relationships" xmlns:p="http://schemas.openxmlformats.org/presentationml/2006/main">
+  <p:cSld>
+    <p:spTree>
+      <p:nvGrpSpPr>
+        <p:cNvPr id="1" name=""/>
+        <p:cNvGrpSpPr/>
+        <p:nvPr/>
+      </p:nvGrpSpPr>
+      <p:grpSpPr>
+        <a:xfrm>
+          <a:off x="0" y="0"/>
+          <a:ext cx="0" cy="0"/>
+          <a:chOff x="0" y="0"/>
+          <a:chExt cx="0" cy="0"/>
+        </a:xfrm>
+      </p:grpSpPr>
+      <p:sp>
+        <p:nvSpPr>
+          <p:cNvPr id="2" name="Titel 1">
+            <a:extLst>
+              <a:ext uri="{FF2B5EF4-FFF2-40B4-BE49-F238E27FC236}">
+                <a16:creationId xmlns:a16="http://schemas.microsoft.com/office/drawing/2014/main" id="{4DC4D8DE-1034-4059-B907-B2FCA56F6799}"/>
+              </a:ext>
+            </a:extLst>
+          </p:cNvPr>
+          <p:cNvSpPr>
+            <a:spLocks noGrp="1"/>
+          </p:cNvSpPr>
+          <p:nvPr>
+            <p:ph type="title"/>
+          </p:nvPr>
+        </p:nvSpPr>
+        <p:spPr>
+          <a:xfrm>
+            <a:off x="1097280" y="758952"/>
+            <a:ext cx="10058400" cy="3566160"/>
+          </a:xfrm>
+        </p:spPr>
+        <p:txBody>
+          <a:bodyPr anchor="b">
+            <a:normAutofit/>
+          </a:bodyPr>
+          <a:lstStyle/>
+          <a:p>
+            <a:r>
+              <a:rPr lang="de-DE" sz="7400" dirty="0"/>
+              <a:t>Zielhierarchie</a:t>
+            </a:r>
+          </a:p>
+        </p:txBody>
+      </p:sp>
+      <p:sp>
+        <p:nvSpPr>
+          <p:cNvPr id="3" name="Foliennummernplatzhalter 2">
+            <a:extLst>
+              <a:ext uri="{FF2B5EF4-FFF2-40B4-BE49-F238E27FC236}">
+                <a16:creationId xmlns:a16="http://schemas.microsoft.com/office/drawing/2014/main" id="{585CF4AE-527C-4AA2-906C-B9F7B3281748}"/>
+              </a:ext>
+            </a:extLst>
+          </p:cNvPr>
+          <p:cNvSpPr>
+            <a:spLocks noGrp="1"/>
+          </p:cNvSpPr>
+          <p:nvPr>
+            <p:ph type="sldNum" sz="quarter" idx="12"/>
+          </p:nvPr>
+        </p:nvSpPr>
+        <p:spPr>
+          <a:xfrm>
+            <a:off x="10993582" y="6446838"/>
+            <a:ext cx="780010" cy="365125"/>
+          </a:xfrm>
+        </p:spPr>
+        <p:txBody>
+          <a:bodyPr anchor="ctr">
+            <a:normAutofit/>
+          </a:bodyPr>
+          <a:lstStyle/>
+          <a:p>
+            <a:pPr rtl="0">
+              <a:spcAft>
+                <a:spcPts val="600"/>
+              </a:spcAft>
+            </a:pPr>
+            <a:fld id="{3A98EE3D-8CD1-4C3F-BD1C-C98C9596463C}" type="slidenum">
+              <a:rPr lang="en-US" smtClean="0"/>
+              <a:pPr rtl="0">
+                <a:spcAft>
+                  <a:spcPts val="600"/>
+                </a:spcAft>
+              </a:pPr>
+              <a:t>16</a:t>
+            </a:fld>
+            <a:endParaRPr lang="en-US"/>
+          </a:p>
+        </p:txBody>
+      </p:sp>
+      <p:sp>
+        <p:nvSpPr>
+          <p:cNvPr id="4" name="Titel 1">
+            <a:extLst>
+              <a:ext uri="{FF2B5EF4-FFF2-40B4-BE49-F238E27FC236}">
+                <a16:creationId xmlns:a16="http://schemas.microsoft.com/office/drawing/2014/main" id="{14040106-2C9B-47A0-AA16-571538A46A0C}"/>
+              </a:ext>
+            </a:extLst>
+          </p:cNvPr>
+          <p:cNvSpPr txBox="1">
+            <a:spLocks/>
+          </p:cNvSpPr>
+          <p:nvPr/>
+        </p:nvSpPr>
+        <p:spPr>
+          <a:xfrm>
+            <a:off x="1097280" y="4744569"/>
+            <a:ext cx="10058400" cy="641405"/>
+          </a:xfrm>
+          <a:prstGeom prst="rect">
+            <a:avLst/>
+          </a:prstGeom>
+        </p:spPr>
+        <p:txBody>
+          <a:bodyPr vert="horz" lIns="91440" tIns="45720" rIns="91440" bIns="45720" rtlCol="0" anchor="b" anchorCtr="0">
+            <a:normAutofit fontScale="62500" lnSpcReduction="20000"/>
+          </a:bodyPr>
+          <a:lstStyle>
+            <a:lvl1pPr algn="l" defTabSz="914400" rtl="0" eaLnBrk="1" latinLnBrk="0" hangingPunct="1">
+              <a:lnSpc>
+                <a:spcPct val="90000"/>
+              </a:lnSpc>
+              <a:spcBef>
+                <a:spcPct val="0"/>
+              </a:spcBef>
+              <a:buNone/>
+              <a:defRPr sz="8000" b="0" i="0" kern="1200" spc="-50" baseline="0">
+                <a:solidFill>
+                  <a:schemeClr val="tx1">
+                    <a:lumMod val="85000"/>
+                    <a:lumOff val="15000"/>
+                  </a:schemeClr>
+                </a:solidFill>
+                <a:latin typeface="+mj-lt"/>
+                <a:ea typeface="+mj-ea"/>
+                <a:cs typeface="+mj-cs"/>
+              </a:defRPr>
+            </a:lvl1pPr>
+          </a:lstStyle>
+          <a:p>
+            <a:endParaRPr lang="de-DE" sz="7900" dirty="0"/>
+          </a:p>
+        </p:txBody>
+      </p:sp>
+    </p:spTree>
+    <p:extLst>
+      <p:ext uri="{BB962C8B-B14F-4D97-AF65-F5344CB8AC3E}">
+        <p14:creationId xmlns:p14="http://schemas.microsoft.com/office/powerpoint/2010/main" val="2660464370"/>
+      </p:ext>
+    </p:extLst>
+  </p:cSld>
+  <p:clrMapOvr>
+    <a:masterClrMapping/>
+  </p:clrMapOvr>
+</p:sld>
+</file>
+
+<file path=ppt/slides/slide17.xml><?xml version="1.0" encoding="utf-8"?>
+<p:sld xmlns:a="http://schemas.openxmlformats.org/drawingml/2006/main" xmlns:r="http://schemas.openxmlformats.org/officeDocument/2006/relationships" xmlns:p="http://schemas.openxmlformats.org/presentationml/2006/main">
+  <p:cSld>
+    <p:spTree>
+      <p:nvGrpSpPr>
+        <p:cNvPr id="1" name=""/>
+        <p:cNvGrpSpPr/>
+        <p:nvPr/>
+      </p:nvGrpSpPr>
+      <p:grpSpPr>
+        <a:xfrm>
+          <a:off x="0" y="0"/>
+          <a:ext cx="0" cy="0"/>
+          <a:chOff x="0" y="0"/>
+          <a:chExt cx="0" cy="0"/>
+        </a:xfrm>
+      </p:grpSpPr>
+      <p:sp>
+        <p:nvSpPr>
+          <p:cNvPr id="2" name="Titel 1">
+            <a:extLst>
+              <a:ext uri="{FF2B5EF4-FFF2-40B4-BE49-F238E27FC236}">
+                <a16:creationId xmlns:a16="http://schemas.microsoft.com/office/drawing/2014/main" id="{80EE4ADB-3912-4818-9107-B9B53667FC56}"/>
+              </a:ext>
+            </a:extLst>
+          </p:cNvPr>
+          <p:cNvSpPr>
+            <a:spLocks noGrp="1"/>
+          </p:cNvSpPr>
+          <p:nvPr>
+            <p:ph type="title"/>
+          </p:nvPr>
+        </p:nvSpPr>
+        <p:spPr>
+          <a:xfrm>
+            <a:off x="1097280" y="286603"/>
+            <a:ext cx="10058400" cy="1450757"/>
+          </a:xfrm>
+        </p:spPr>
+        <p:txBody>
+          <a:bodyPr anchor="b">
+            <a:normAutofit/>
+          </a:bodyPr>
+          <a:lstStyle/>
+          <a:p>
+            <a:r>
+              <a:rPr lang="de-DE" dirty="0"/>
+              <a:t>Zielhierarchie</a:t>
+            </a:r>
+          </a:p>
+        </p:txBody>
+      </p:sp>
+      <p:sp>
+        <p:nvSpPr>
+          <p:cNvPr id="4" name="Foliennummernplatzhalter 3">
+            <a:extLst>
+              <a:ext uri="{FF2B5EF4-FFF2-40B4-BE49-F238E27FC236}">
+                <a16:creationId xmlns:a16="http://schemas.microsoft.com/office/drawing/2014/main" id="{0A6814A5-E621-4F6A-97F4-4E20661FA280}"/>
+              </a:ext>
+            </a:extLst>
+          </p:cNvPr>
+          <p:cNvSpPr>
+            <a:spLocks noGrp="1"/>
+          </p:cNvSpPr>
+          <p:nvPr>
+            <p:ph type="sldNum" sz="quarter" idx="12"/>
+          </p:nvPr>
+        </p:nvSpPr>
+        <p:spPr>
+          <a:xfrm>
+            <a:off x="10993582" y="6446838"/>
+            <a:ext cx="780010" cy="365125"/>
+          </a:xfrm>
+        </p:spPr>
+        <p:txBody>
+          <a:bodyPr anchor="ctr">
+            <a:normAutofit/>
+          </a:bodyPr>
+          <a:lstStyle/>
+          <a:p>
+            <a:pPr rtl="0">
+              <a:spcAft>
+                <a:spcPts val="600"/>
+              </a:spcAft>
+            </a:pPr>
+            <a:fld id="{3A98EE3D-8CD1-4C3F-BD1C-C98C9596463C}" type="slidenum">
+              <a:rPr lang="en-US" smtClean="0"/>
+              <a:pPr rtl="0">
+                <a:spcAft>
+                  <a:spcPts val="600"/>
+                </a:spcAft>
+              </a:pPr>
+              <a:t>17</a:t>
+            </a:fld>
+            <a:endParaRPr lang="en-US"/>
+          </a:p>
+        </p:txBody>
+      </p:sp>
+      <p:pic>
+        <p:nvPicPr>
+          <p:cNvPr id="6" name="Grafik 5" descr="Ein Bild, das Text enthält.&#10;&#10;Automatisch generierte Beschreibung">
+            <a:extLst>
+              <a:ext uri="{FF2B5EF4-FFF2-40B4-BE49-F238E27FC236}">
+                <a16:creationId xmlns:a16="http://schemas.microsoft.com/office/drawing/2014/main" id="{5BD0F67F-BE0B-4B03-A42F-12ECCD5074C2}"/>
+              </a:ext>
+            </a:extLst>
+          </p:cNvPr>
+          <p:cNvPicPr>
+            <a:picLocks noChangeAspect="1"/>
+          </p:cNvPicPr>
+          <p:nvPr/>
+        </p:nvPicPr>
+        <p:blipFill rotWithShape="1">
+          <a:blip r:embed="rId3">
+            <a:extLst>
+              <a:ext uri="{28A0092B-C50C-407E-A947-70E740481C1C}">
+                <a14:useLocalDpi xmlns:a14="http://schemas.microsoft.com/office/drawing/2010/main" val="0"/>
+              </a:ext>
+            </a:extLst>
+          </a:blip>
+          <a:srcRect t="17675" r="27269" b="9892"/>
+          <a:stretch/>
+        </p:blipFill>
+        <p:spPr>
+          <a:xfrm>
+            <a:off x="2362571" y="2027918"/>
+            <a:ext cx="7466857" cy="4182878"/>
+          </a:xfrm>
+          <a:prstGeom prst="rect">
+            <a:avLst/>
+          </a:prstGeom>
+        </p:spPr>
+      </p:pic>
+      <p:sp>
+        <p:nvSpPr>
+          <p:cNvPr id="10" name="Textfeld 9">
+            <a:extLst>
+              <a:ext uri="{FF2B5EF4-FFF2-40B4-BE49-F238E27FC236}">
+                <a16:creationId xmlns:a16="http://schemas.microsoft.com/office/drawing/2014/main" id="{BBC4B259-4562-434A-A636-984F52C614ED}"/>
+              </a:ext>
+            </a:extLst>
+          </p:cNvPr>
+          <p:cNvSpPr txBox="1"/>
+          <p:nvPr/>
+        </p:nvSpPr>
+        <p:spPr>
+          <a:xfrm>
+            <a:off x="2952750" y="4936916"/>
+            <a:ext cx="5876388" cy="261610"/>
+          </a:xfrm>
+          <a:prstGeom prst="rect">
+            <a:avLst/>
+          </a:prstGeom>
+          <a:noFill/>
+        </p:spPr>
+        <p:txBody>
+          <a:bodyPr wrap="square">
+            <a:spAutoFit/>
+          </a:bodyPr>
+          <a:lstStyle/>
+          <a:p>
+            <a:r>
+              <a:rPr lang="de-DE" sz="1100" b="0" i="0" dirty="0">
+                <a:solidFill>
+                  <a:srgbClr val="333333"/>
+                </a:solidFill>
+                <a:effectLst/>
+                <a:latin typeface="Source Sans Pro" panose="020B0604020202020204" pitchFamily="34" charset="0"/>
+              </a:rPr>
+              <a:t>✅</a:t>
+            </a:r>
+            <a:endParaRPr lang="de-DE" sz="1100" dirty="0"/>
+          </a:p>
+        </p:txBody>
+      </p:sp>
+      <p:sp>
+        <p:nvSpPr>
+          <p:cNvPr id="11" name="Textfeld 10">
+            <a:extLst>
+              <a:ext uri="{FF2B5EF4-FFF2-40B4-BE49-F238E27FC236}">
+                <a16:creationId xmlns:a16="http://schemas.microsoft.com/office/drawing/2014/main" id="{B6493BAC-B8E0-41B8-B401-F96E8A5722D3}"/>
+              </a:ext>
+            </a:extLst>
+          </p:cNvPr>
+          <p:cNvSpPr txBox="1"/>
+          <p:nvPr/>
+        </p:nvSpPr>
+        <p:spPr>
+          <a:xfrm>
+            <a:off x="2959100" y="5302721"/>
+            <a:ext cx="5876388" cy="261610"/>
+          </a:xfrm>
+          <a:prstGeom prst="rect">
+            <a:avLst/>
+          </a:prstGeom>
+          <a:noFill/>
+        </p:spPr>
+        <p:txBody>
+          <a:bodyPr wrap="square">
+            <a:spAutoFit/>
+          </a:bodyPr>
+          <a:lstStyle/>
+          <a:p>
+            <a:r>
+              <a:rPr lang="de-DE" sz="1100" b="0" i="0" dirty="0">
+                <a:solidFill>
+                  <a:srgbClr val="333333"/>
+                </a:solidFill>
+                <a:effectLst/>
+                <a:latin typeface="Source Sans Pro" panose="020B0604020202020204" pitchFamily="34" charset="0"/>
+              </a:rPr>
+              <a:t>✅</a:t>
+            </a:r>
+            <a:endParaRPr lang="de-DE" sz="1100" dirty="0"/>
+          </a:p>
+        </p:txBody>
+      </p:sp>
+      <p:sp>
+        <p:nvSpPr>
+          <p:cNvPr id="12" name="Textfeld 11">
+            <a:extLst>
+              <a:ext uri="{FF2B5EF4-FFF2-40B4-BE49-F238E27FC236}">
+                <a16:creationId xmlns:a16="http://schemas.microsoft.com/office/drawing/2014/main" id="{7557D5B7-D5F2-45FA-89FE-2C0CB99D0C45}"/>
+              </a:ext>
+            </a:extLst>
+          </p:cNvPr>
+          <p:cNvSpPr txBox="1"/>
+          <p:nvPr/>
+        </p:nvSpPr>
+        <p:spPr>
+          <a:xfrm>
+            <a:off x="2959100" y="5668526"/>
+            <a:ext cx="5876388" cy="261610"/>
+          </a:xfrm>
+          <a:prstGeom prst="rect">
+            <a:avLst/>
+          </a:prstGeom>
+          <a:noFill/>
+        </p:spPr>
+        <p:txBody>
+          <a:bodyPr wrap="square">
+            <a:spAutoFit/>
+          </a:bodyPr>
+          <a:lstStyle/>
+          <a:p>
+            <a:r>
+              <a:rPr lang="de-DE" sz="1100" b="0" i="0" dirty="0">
+                <a:solidFill>
+                  <a:srgbClr val="333333"/>
+                </a:solidFill>
+                <a:effectLst/>
+                <a:latin typeface="Source Sans Pro" panose="020B0604020202020204" pitchFamily="34" charset="0"/>
+              </a:rPr>
+              <a:t>✅</a:t>
+            </a:r>
+            <a:endParaRPr lang="de-DE" sz="1100" dirty="0"/>
+          </a:p>
+        </p:txBody>
+      </p:sp>
+    </p:spTree>
+    <p:extLst>
+      <p:ext uri="{BB962C8B-B14F-4D97-AF65-F5344CB8AC3E}">
+        <p14:creationId xmlns:p14="http://schemas.microsoft.com/office/powerpoint/2010/main" val="3191535140"/>
+      </p:ext>
+    </p:extLst>
+  </p:cSld>
+  <p:clrMapOvr>
+    <a:masterClrMapping/>
+  </p:clrMapOvr>
+</p:sld>
+</file>
+
+<file path=ppt/slides/slide18.xml><?xml version="1.0" encoding="utf-8"?>
+<p:sld xmlns:a="http://schemas.openxmlformats.org/drawingml/2006/main" xmlns:r="http://schemas.openxmlformats.org/officeDocument/2006/relationships" xmlns:p="http://schemas.openxmlformats.org/presentationml/2006/main">
+  <p:cSld>
+    <p:spTree>
+      <p:nvGrpSpPr>
+        <p:cNvPr id="1" name=""/>
+        <p:cNvGrpSpPr/>
+        <p:nvPr/>
+      </p:nvGrpSpPr>
+      <p:grpSpPr>
+        <a:xfrm>
+          <a:off x="0" y="0"/>
+          <a:ext cx="0" cy="0"/>
+          <a:chOff x="0" y="0"/>
+          <a:chExt cx="0" cy="0"/>
+        </a:xfrm>
+      </p:grpSpPr>
+      <p:sp>
+        <p:nvSpPr>
+          <p:cNvPr id="2" name="Titel 1">
+            <a:extLst>
+              <a:ext uri="{FF2B5EF4-FFF2-40B4-BE49-F238E27FC236}">
                 <a16:creationId xmlns:a16="http://schemas.microsoft.com/office/drawing/2014/main" id="{8E6F87C2-E244-41E0-AFF6-CCBE3E7A9F0F}"/>
               </a:ext>
             </a:extLst>
@@ -6686,8 +7501,8 @@
         </p:nvSpPr>
         <p:spPr>
           <a:xfrm>
-            <a:off x="1097280" y="2134186"/>
-            <a:ext cx="3925982" cy="4160252"/>
+            <a:off x="1216034" y="2615723"/>
+            <a:ext cx="3925982" cy="3013183"/>
           </a:xfrm>
         </p:spPr>
         <p:txBody>
@@ -6695,23 +7510,6 @@
             <a:normAutofit/>
           </a:bodyPr>
           <a:lstStyle/>
-          <a:p>
-            <a:pPr marL="0" indent="0">
-              <a:buNone/>
-            </a:pPr>
-            <a:r>
-              <a:rPr lang="de-DE" sz="2200" u="sng" dirty="0">
-                <a:latin typeface="-apple-system"/>
-              </a:rPr>
-              <a:t>Umgesetzt</a:t>
-            </a:r>
-            <a:r>
-              <a:rPr lang="de-DE" sz="2400" u="sng" dirty="0">
-                <a:latin typeface="-apple-system"/>
-              </a:rPr>
-              <a:t>:</a:t>
-            </a:r>
-          </a:p>
           <a:p>
             <a:pPr marL="0" indent="0">
               <a:buNone/>
@@ -6882,7 +7680,7 @@
             <a:pPr rtl="0"/>
             <a:fld id="{3A98EE3D-8CD1-4C3F-BD1C-C98C9596463C}" type="slidenum">
               <a:rPr lang="en-US" smtClean="0"/>
-              <a:t>13</a:t>
+              <a:t>18</a:t>
             </a:fld>
             <a:endParaRPr lang="en-US" dirty="0"/>
           </a:p>
@@ -6904,8 +7702,8 @@
         </p:nvSpPr>
         <p:spPr>
           <a:xfrm>
-            <a:off x="6498574" y="2152585"/>
-            <a:ext cx="3925982" cy="4160252"/>
+            <a:off x="6617328" y="2615723"/>
+            <a:ext cx="3925982" cy="3013183"/>
           </a:xfrm>
           <a:prstGeom prst="rect">
             <a:avLst/>
@@ -7155,25 +7953,19 @@
           </a:lstStyle>
           <a:p>
             <a:pPr marL="0" indent="0">
-              <a:buFont typeface="Calibri" panose="020F0502020204030204" pitchFamily="34" charset="0"/>
               <a:buNone/>
             </a:pPr>
-            <a:endParaRPr lang="de-DE" dirty="0">
-              <a:solidFill>
-                <a:schemeClr val="tx1"/>
-              </a:solidFill>
-              <a:latin typeface="-apple-system"/>
-            </a:endParaRPr>
-          </a:p>
-          <a:p>
-            <a:pPr marL="0" indent="0">
-              <a:buNone/>
-            </a:pPr>
+            <a:r>
+              <a:rPr lang="de-DE" i="1" dirty="0">
+                <a:latin typeface="-apple-system"/>
+              </a:rPr>
+              <a:t>Sonstiges</a:t>
+            </a:r>
             <a:r>
               <a:rPr lang="de-DE" sz="1800" i="1" dirty="0">
                 <a:latin typeface="-apple-system"/>
               </a:rPr>
-              <a:t>Sonstiges:</a:t>
+              <a:t>:</a:t>
             </a:r>
             <a:endParaRPr lang="de-DE" sz="1800" dirty="0">
               <a:solidFill>
@@ -7194,7 +7986,16 @@
                 </a:solidFill>
                 <a:latin typeface="-apple-system"/>
               </a:rPr>
-              <a:t> Anmelden</a:t>
+              <a:t> </a:t>
+            </a:r>
+            <a:r>
+              <a:rPr lang="de-DE" sz="1700" dirty="0">
+                <a:solidFill>
+                  <a:schemeClr val="tx1"/>
+                </a:solidFill>
+                <a:latin typeface="-apple-system"/>
+              </a:rPr>
+              <a:t>Anmelden</a:t>
             </a:r>
           </a:p>
           <a:p>
@@ -7203,7 +8004,7 @@
               <a:buChar char="•"/>
             </a:pPr>
             <a:r>
-              <a:rPr lang="de-DE" sz="1600" dirty="0">
+              <a:rPr lang="de-DE" sz="1700" dirty="0">
                 <a:solidFill>
                   <a:schemeClr val="tx1"/>
                 </a:solidFill>
@@ -7218,7 +8019,7 @@
               <a:buChar char="•"/>
             </a:pPr>
             <a:r>
-              <a:rPr lang="de-DE" sz="1600" dirty="0">
+              <a:rPr lang="de-DE" sz="1700" dirty="0">
                 <a:solidFill>
                   <a:schemeClr val="tx1"/>
                 </a:solidFill>
@@ -7233,7 +8034,7 @@
               <a:buChar char="•"/>
             </a:pPr>
             <a:r>
-              <a:rPr lang="de-DE" sz="1600" dirty="0">
+              <a:rPr lang="de-DE" sz="1700" dirty="0">
                 <a:solidFill>
                   <a:schemeClr val="tx1"/>
                 </a:solidFill>
@@ -7248,7 +8049,7 @@
               <a:buChar char="•"/>
             </a:pPr>
             <a:r>
-              <a:rPr lang="de-DE" sz="1600" dirty="0">
+              <a:rPr lang="de-DE" sz="1700" dirty="0">
                 <a:solidFill>
                   <a:schemeClr val="tx1"/>
                 </a:solidFill>
@@ -7257,7 +8058,7 @@
               <a:t> Rapid</a:t>
             </a:r>
             <a:r>
-              <a:rPr lang="de-DE" b="0" i="0" dirty="0">
+              <a:rPr lang="de-DE" sz="1700" b="0" i="0" dirty="0">
                 <a:solidFill>
                   <a:schemeClr val="tx1"/>
                 </a:solidFill>
@@ -7267,7 +8068,7 @@
               <a:t> </a:t>
             </a:r>
             <a:r>
-              <a:rPr lang="de-DE" sz="1600" dirty="0">
+              <a:rPr lang="de-DE" sz="1700" dirty="0">
                 <a:solidFill>
                   <a:schemeClr val="tx1"/>
                 </a:solidFill>
@@ -7276,7 +8077,7 @@
               <a:t>Prototype</a:t>
             </a:r>
             <a:r>
-              <a:rPr lang="de-DE" b="0" i="0" dirty="0">
+              <a:rPr lang="de-DE" sz="1700" b="0" i="0" dirty="0">
                 <a:solidFill>
                   <a:schemeClr val="tx1"/>
                 </a:solidFill>
@@ -7286,7 +8087,7 @@
               <a:t> </a:t>
             </a:r>
             <a:r>
-              <a:rPr lang="de-DE" sz="1600" dirty="0">
+              <a:rPr lang="de-DE" sz="1700" dirty="0">
                 <a:solidFill>
                   <a:schemeClr val="tx1"/>
                 </a:solidFill>
@@ -7303,6 +8104,47 @@
             <a:endParaRPr lang="de-DE" dirty="0">
               <a:latin typeface="-apple-system"/>
             </a:endParaRPr>
+          </a:p>
+        </p:txBody>
+      </p:sp>
+      <p:sp>
+        <p:nvSpPr>
+          <p:cNvPr id="4" name="Textfeld 3">
+            <a:extLst>
+              <a:ext uri="{FF2B5EF4-FFF2-40B4-BE49-F238E27FC236}">
+                <a16:creationId xmlns:a16="http://schemas.microsoft.com/office/drawing/2014/main" id="{DE22BC41-D830-4058-8F5E-C3FE539722FC}"/>
+              </a:ext>
+            </a:extLst>
+          </p:cNvPr>
+          <p:cNvSpPr txBox="1"/>
+          <p:nvPr/>
+        </p:nvSpPr>
+        <p:spPr>
+          <a:xfrm>
+            <a:off x="1097280" y="2077426"/>
+            <a:ext cx="1805050" cy="400110"/>
+          </a:xfrm>
+          <a:prstGeom prst="rect">
+            <a:avLst/>
+          </a:prstGeom>
+          <a:noFill/>
+        </p:spPr>
+        <p:txBody>
+          <a:bodyPr wrap="square" rtlCol="0">
+            <a:spAutoFit/>
+          </a:bodyPr>
+          <a:lstStyle/>
+          <a:p>
+            <a:r>
+              <a:rPr lang="de-DE" sz="2000" i="1" u="sng" dirty="0">
+                <a:latin typeface="-apple-system"/>
+              </a:rPr>
+              <a:t>Umgesetzt</a:t>
+            </a:r>
+            <a:r>
+              <a:rPr lang="de-DE" sz="2000" u="sng" dirty="0"/>
+              <a:t>:</a:t>
+            </a:r>
           </a:p>
         </p:txBody>
       </p:sp>
@@ -7319,7 +8161,7 @@
 </p:sld>
 </file>
 
-<file path=ppt/slides/slide14.xml><?xml version="1.0" encoding="utf-8"?>
+<file path=ppt/slides/slide19.xml><?xml version="1.0" encoding="utf-8"?>
 <p:sld xmlns:a="http://schemas.openxmlformats.org/drawingml/2006/main" xmlns:r="http://schemas.openxmlformats.org/officeDocument/2006/relationships" xmlns:p="http://schemas.openxmlformats.org/presentationml/2006/main">
   <p:cSld>
     <p:spTree>
@@ -7396,7 +8238,7 @@
               <a:buNone/>
             </a:pPr>
             <a:r>
-              <a:rPr lang="de-DE" sz="2000" i="1" dirty="0">
+              <a:rPr lang="de-DE" sz="2000" i="1" u="sng" dirty="0">
                 <a:solidFill>
                   <a:schemeClr val="tx1"/>
                 </a:solidFill>
@@ -7502,7 +8344,7 @@
             <a:pPr rtl="0"/>
             <a:fld id="{3A98EE3D-8CD1-4C3F-BD1C-C98C9596463C}" type="slidenum">
               <a:rPr lang="en-US" smtClean="0"/>
-              <a:t>14</a:t>
+              <a:t>19</a:t>
             </a:fld>
             <a:endParaRPr lang="en-US" dirty="0"/>
           </a:p>
@@ -7512,626 +8354,6 @@
     <p:extLst>
       <p:ext uri="{BB962C8B-B14F-4D97-AF65-F5344CB8AC3E}">
         <p14:creationId xmlns:p14="http://schemas.microsoft.com/office/powerpoint/2010/main" val="948829941"/>
-      </p:ext>
-    </p:extLst>
-  </p:cSld>
-  <p:clrMapOvr>
-    <a:masterClrMapping/>
-  </p:clrMapOvr>
-</p:sld>
-</file>
-
-<file path=ppt/slides/slide15.xml><?xml version="1.0" encoding="utf-8"?>
-<p:sld xmlns:a="http://schemas.openxmlformats.org/drawingml/2006/main" xmlns:r="http://schemas.openxmlformats.org/officeDocument/2006/relationships" xmlns:p="http://schemas.openxmlformats.org/presentationml/2006/main">
-  <p:cSld>
-    <p:spTree>
-      <p:nvGrpSpPr>
-        <p:cNvPr id="1" name=""/>
-        <p:cNvGrpSpPr/>
-        <p:nvPr/>
-      </p:nvGrpSpPr>
-      <p:grpSpPr>
-        <a:xfrm>
-          <a:off x="0" y="0"/>
-          <a:ext cx="0" cy="0"/>
-          <a:chOff x="0" y="0"/>
-          <a:chExt cx="0" cy="0"/>
-        </a:xfrm>
-      </p:grpSpPr>
-      <p:sp>
-        <p:nvSpPr>
-          <p:cNvPr id="2" name="Titel 1">
-            <a:extLst>
-              <a:ext uri="{FF2B5EF4-FFF2-40B4-BE49-F238E27FC236}">
-                <a16:creationId xmlns:a16="http://schemas.microsoft.com/office/drawing/2014/main" id="{1000917D-4547-48A6-84FB-F43EFC62703E}"/>
-              </a:ext>
-            </a:extLst>
-          </p:cNvPr>
-          <p:cNvSpPr>
-            <a:spLocks noGrp="1"/>
-          </p:cNvSpPr>
-          <p:nvPr>
-            <p:ph type="title"/>
-          </p:nvPr>
-        </p:nvSpPr>
-        <p:spPr/>
-        <p:txBody>
-          <a:bodyPr/>
-          <a:lstStyle/>
-          <a:p>
-            <a:r>
-              <a:rPr lang="de-DE" dirty="0"/>
-              <a:t>Quellen</a:t>
-            </a:r>
-          </a:p>
-        </p:txBody>
-      </p:sp>
-      <p:sp>
-        <p:nvSpPr>
-          <p:cNvPr id="4" name="Textfeld 3">
-            <a:extLst>
-              <a:ext uri="{FF2B5EF4-FFF2-40B4-BE49-F238E27FC236}">
-                <a16:creationId xmlns:a16="http://schemas.microsoft.com/office/drawing/2014/main" id="{7A45CCCC-0A1D-47D4-AA93-208EE6D41258}"/>
-              </a:ext>
-            </a:extLst>
-          </p:cNvPr>
-          <p:cNvSpPr txBox="1"/>
-          <p:nvPr/>
-        </p:nvSpPr>
-        <p:spPr>
-          <a:xfrm>
-            <a:off x="1208868" y="2030278"/>
-            <a:ext cx="9946812" cy="3970318"/>
-          </a:xfrm>
-          <a:prstGeom prst="rect">
-            <a:avLst/>
-          </a:prstGeom>
-          <a:noFill/>
-        </p:spPr>
-        <p:txBody>
-          <a:bodyPr wrap="square" rtlCol="0">
-            <a:spAutoFit/>
-          </a:bodyPr>
-          <a:lstStyle/>
-          <a:p>
-            <a:pPr marL="285750" indent="-285750" algn="l">
-              <a:lnSpc>
-                <a:spcPct val="150000"/>
-              </a:lnSpc>
-              <a:buFont typeface="Arial" panose="020B0604020202020204" pitchFamily="34" charset="0"/>
-              <a:buChar char="•"/>
-            </a:pPr>
-            <a:r>
-              <a:rPr lang="de-DE" sz="1600" dirty="0">
-                <a:solidFill>
-                  <a:srgbClr val="24292E"/>
-                </a:solidFill>
-                <a:latin typeface="-apple-system"/>
-              </a:rPr>
-              <a:t> </a:t>
-            </a:r>
-            <a:r>
-              <a:rPr lang="de-DE" sz="1600" b="0" i="0" u="none" strike="noStrike" dirty="0">
-                <a:solidFill>
-                  <a:srgbClr val="24292E"/>
-                </a:solidFill>
-                <a:effectLst/>
-                <a:latin typeface="-apple-system"/>
-                <a:hlinkClick r:id="rId3"/>
-              </a:rPr>
-              <a:t>https://wiki.selfhtml.org/wiki/HTML/Formulare/input/button</a:t>
-            </a:r>
-            <a:endParaRPr lang="de-DE" sz="1600" dirty="0">
-              <a:solidFill>
-                <a:srgbClr val="24292E"/>
-              </a:solidFill>
-              <a:latin typeface="-apple-system"/>
-            </a:endParaRPr>
-          </a:p>
-          <a:p>
-            <a:pPr marL="285750" indent="-285750" algn="l">
-              <a:lnSpc>
-                <a:spcPct val="150000"/>
-              </a:lnSpc>
-              <a:buFont typeface="Arial" panose="020B0604020202020204" pitchFamily="34" charset="0"/>
-              <a:buChar char="•"/>
-            </a:pPr>
-            <a:r>
-              <a:rPr lang="de-DE" sz="1600" b="0" i="0" u="none" strike="noStrike" dirty="0">
-                <a:solidFill>
-                  <a:srgbClr val="24292E"/>
-                </a:solidFill>
-                <a:effectLst/>
-                <a:latin typeface="-apple-system"/>
-                <a:hlinkClick r:id="rId4"/>
-              </a:rPr>
-              <a:t>https://jsfiddle.net/red_stapler/wu3a0y6e/18/</a:t>
-            </a:r>
-            <a:endParaRPr lang="de-DE" sz="1600" dirty="0">
-              <a:solidFill>
-                <a:srgbClr val="24292E"/>
-              </a:solidFill>
-              <a:latin typeface="-apple-system"/>
-            </a:endParaRPr>
-          </a:p>
-          <a:p>
-            <a:pPr marL="285750" indent="-285750" algn="l">
-              <a:lnSpc>
-                <a:spcPct val="150000"/>
-              </a:lnSpc>
-              <a:buFont typeface="Arial" panose="020B0604020202020204" pitchFamily="34" charset="0"/>
-              <a:buChar char="•"/>
-            </a:pPr>
-            <a:r>
-              <a:rPr lang="de-DE" sz="1600" b="0" i="0" u="none" strike="noStrike" dirty="0">
-                <a:solidFill>
-                  <a:srgbClr val="24292E"/>
-                </a:solidFill>
-                <a:effectLst/>
-                <a:latin typeface="-apple-system"/>
-                <a:hlinkClick r:id="rId5"/>
-              </a:rPr>
-              <a:t>http://microbuilder.io/blog/2016/01/10/plotting-json-data-with-chart-js.html</a:t>
-            </a:r>
-            <a:endParaRPr lang="de-DE" sz="1600" dirty="0">
-              <a:solidFill>
-                <a:srgbClr val="24292E"/>
-              </a:solidFill>
-              <a:latin typeface="-apple-system"/>
-            </a:endParaRPr>
-          </a:p>
-          <a:p>
-            <a:pPr marL="285750" indent="-285750" algn="l">
-              <a:lnSpc>
-                <a:spcPct val="150000"/>
-              </a:lnSpc>
-              <a:buFont typeface="Arial" panose="020B0604020202020204" pitchFamily="34" charset="0"/>
-              <a:buChar char="•"/>
-            </a:pPr>
-            <a:r>
-              <a:rPr lang="de-DE" sz="1600" b="0" i="0" u="none" strike="noStrike" dirty="0">
-                <a:solidFill>
-                  <a:srgbClr val="24292E"/>
-                </a:solidFill>
-                <a:effectLst/>
-                <a:latin typeface="-apple-system"/>
-                <a:hlinkClick r:id="rId6"/>
-              </a:rPr>
-              <a:t>https://www.youtube.com/watch?v=NwgKh_QTKE0</a:t>
-            </a:r>
-            <a:endParaRPr lang="de-DE" sz="1600" dirty="0">
-              <a:solidFill>
-                <a:srgbClr val="24292E"/>
-              </a:solidFill>
-              <a:latin typeface="-apple-system"/>
-            </a:endParaRPr>
-          </a:p>
-          <a:p>
-            <a:pPr marL="285750" indent="-285750" algn="l">
-              <a:lnSpc>
-                <a:spcPct val="150000"/>
-              </a:lnSpc>
-              <a:buFont typeface="Arial" panose="020B0604020202020204" pitchFamily="34" charset="0"/>
-              <a:buChar char="•"/>
-            </a:pPr>
-            <a:r>
-              <a:rPr lang="de-DE" sz="1600" b="0" i="0" u="none" strike="noStrike" dirty="0">
-                <a:solidFill>
-                  <a:srgbClr val="24292E"/>
-                </a:solidFill>
-                <a:effectLst/>
-                <a:latin typeface="-apple-system"/>
-                <a:hlinkClick r:id="rId7"/>
-              </a:rPr>
-              <a:t>https://canvasjs.com/html5-javascript-spline-chart/</a:t>
-            </a:r>
-            <a:endParaRPr lang="de-DE" sz="1600" dirty="0">
-              <a:solidFill>
-                <a:srgbClr val="24292E"/>
-              </a:solidFill>
-              <a:latin typeface="-apple-system"/>
-            </a:endParaRPr>
-          </a:p>
-          <a:p>
-            <a:pPr marL="285750" indent="-285750" algn="l">
-              <a:lnSpc>
-                <a:spcPct val="150000"/>
-              </a:lnSpc>
-              <a:buFont typeface="Arial" panose="020B0604020202020204" pitchFamily="34" charset="0"/>
-              <a:buChar char="•"/>
-            </a:pPr>
-            <a:r>
-              <a:rPr lang="de-DE" sz="1600" dirty="0">
-                <a:solidFill>
-                  <a:srgbClr val="24292E"/>
-                </a:solidFill>
-                <a:latin typeface="-apple-system"/>
-                <a:hlinkClick r:id="rId8"/>
-              </a:rPr>
-              <a:t>https://canvasjs.com/html5-javascript-line-chart/</a:t>
-            </a:r>
-            <a:endParaRPr lang="de-DE" sz="1600" dirty="0">
-              <a:solidFill>
-                <a:srgbClr val="24292E"/>
-              </a:solidFill>
-              <a:latin typeface="-apple-system"/>
-            </a:endParaRPr>
-          </a:p>
-          <a:p>
-            <a:pPr marL="285750" indent="-285750" algn="l">
-              <a:lnSpc>
-                <a:spcPct val="150000"/>
-              </a:lnSpc>
-              <a:buFont typeface="Arial" panose="020B0604020202020204" pitchFamily="34" charset="0"/>
-              <a:buChar char="•"/>
-            </a:pPr>
-            <a:r>
-              <a:rPr lang="de-DE" sz="1600" b="0" i="0" u="none" strike="noStrike" dirty="0">
-                <a:solidFill>
-                  <a:srgbClr val="24292E"/>
-                </a:solidFill>
-                <a:effectLst/>
-                <a:latin typeface="-apple-system"/>
-                <a:hlinkClick r:id="rId9"/>
-              </a:rPr>
-              <a:t>https://canvasjs.com/docs/charts/basics-of-creating-html5-chart/updating-chart-options/</a:t>
-            </a:r>
-            <a:endParaRPr lang="de-DE" sz="1600" dirty="0">
-              <a:solidFill>
-                <a:srgbClr val="24292E"/>
-              </a:solidFill>
-              <a:latin typeface="-apple-system"/>
-            </a:endParaRPr>
-          </a:p>
-          <a:p>
-            <a:pPr marL="285750" indent="-285750" algn="l">
-              <a:lnSpc>
-                <a:spcPct val="150000"/>
-              </a:lnSpc>
-              <a:buFont typeface="Arial" panose="020B0604020202020204" pitchFamily="34" charset="0"/>
-              <a:buChar char="•"/>
-            </a:pPr>
-            <a:r>
-              <a:rPr lang="de-DE" sz="1600" b="0" i="0" u="none" strike="noStrike" dirty="0">
-                <a:solidFill>
-                  <a:srgbClr val="24292E"/>
-                </a:solidFill>
-                <a:effectLst/>
-                <a:latin typeface="-apple-system"/>
-                <a:hlinkClick r:id="rId10"/>
-              </a:rPr>
-              <a:t>https://canvasjs.com/docs/charts/methods/dataseries/addto/</a:t>
-            </a:r>
-            <a:endParaRPr lang="de-DE" sz="1600" dirty="0">
-              <a:solidFill>
-                <a:srgbClr val="24292E"/>
-              </a:solidFill>
-              <a:latin typeface="-apple-system"/>
-            </a:endParaRPr>
-          </a:p>
-          <a:p>
-            <a:pPr marL="285750" indent="-285750" algn="l">
-              <a:lnSpc>
-                <a:spcPct val="150000"/>
-              </a:lnSpc>
-              <a:buFont typeface="Arial" panose="020B0604020202020204" pitchFamily="34" charset="0"/>
-              <a:buChar char="•"/>
-            </a:pPr>
-            <a:r>
-              <a:rPr lang="de-DE" sz="1600" b="0" i="0" u="none" strike="noStrike" dirty="0">
-                <a:solidFill>
-                  <a:srgbClr val="24292E"/>
-                </a:solidFill>
-                <a:effectLst/>
-                <a:latin typeface="-apple-system"/>
-                <a:hlinkClick r:id="rId11"/>
-              </a:rPr>
-              <a:t>https://www.gesundheit.gv.at/leben/ernaehrung/info/fluessigkeitsbedarf</a:t>
-            </a:r>
-            <a:endParaRPr lang="de-DE" sz="1600" b="0" i="0" dirty="0">
-              <a:solidFill>
-                <a:srgbClr val="24292E"/>
-              </a:solidFill>
-              <a:effectLst/>
-              <a:latin typeface="-apple-system"/>
-            </a:endParaRPr>
-          </a:p>
-          <a:p>
-            <a:pPr algn="l"/>
-            <a:endParaRPr lang="de-DE" b="0" i="0" u="none" strike="noStrike" dirty="0">
-              <a:solidFill>
-                <a:srgbClr val="24292E"/>
-              </a:solidFill>
-              <a:effectLst/>
-              <a:latin typeface="-apple-system"/>
-            </a:endParaRPr>
-          </a:p>
-          <a:p>
-            <a:pPr algn="l"/>
-            <a:endParaRPr lang="de-DE" b="0" i="0" dirty="0">
-              <a:solidFill>
-                <a:srgbClr val="24292E"/>
-              </a:solidFill>
-              <a:effectLst/>
-              <a:latin typeface="-apple-system"/>
-            </a:endParaRPr>
-          </a:p>
-        </p:txBody>
-      </p:sp>
-      <p:sp>
-        <p:nvSpPr>
-          <p:cNvPr id="5" name="Foliennummernplatzhalter 4">
-            <a:extLst>
-              <a:ext uri="{FF2B5EF4-FFF2-40B4-BE49-F238E27FC236}">
-                <a16:creationId xmlns:a16="http://schemas.microsoft.com/office/drawing/2014/main" id="{1BB62189-938C-4C7C-BA89-B2D315856415}"/>
-              </a:ext>
-            </a:extLst>
-          </p:cNvPr>
-          <p:cNvSpPr>
-            <a:spLocks noGrp="1"/>
-          </p:cNvSpPr>
-          <p:nvPr>
-            <p:ph type="sldNum" sz="quarter" idx="12"/>
-          </p:nvPr>
-        </p:nvSpPr>
-        <p:spPr/>
-        <p:txBody>
-          <a:bodyPr/>
-          <a:lstStyle/>
-          <a:p>
-            <a:pPr rtl="0"/>
-            <a:fld id="{3A98EE3D-8CD1-4C3F-BD1C-C98C9596463C}" type="slidenum">
-              <a:rPr lang="en-US" smtClean="0"/>
-              <a:t>15</a:t>
-            </a:fld>
-            <a:endParaRPr lang="en-US" dirty="0"/>
-          </a:p>
-        </p:txBody>
-      </p:sp>
-    </p:spTree>
-    <p:extLst>
-      <p:ext uri="{BB962C8B-B14F-4D97-AF65-F5344CB8AC3E}">
-        <p14:creationId xmlns:p14="http://schemas.microsoft.com/office/powerpoint/2010/main" val="873189558"/>
-      </p:ext>
-    </p:extLst>
-  </p:cSld>
-  <p:clrMapOvr>
-    <a:masterClrMapping/>
-  </p:clrMapOvr>
-</p:sld>
-</file>
-
-<file path=ppt/slides/slide16.xml><?xml version="1.0" encoding="utf-8"?>
-<p:sld xmlns:a="http://schemas.openxmlformats.org/drawingml/2006/main" xmlns:r="http://schemas.openxmlformats.org/officeDocument/2006/relationships" xmlns:p="http://schemas.openxmlformats.org/presentationml/2006/main">
-  <p:cSld>
-    <p:spTree>
-      <p:nvGrpSpPr>
-        <p:cNvPr id="1" name=""/>
-        <p:cNvGrpSpPr/>
-        <p:nvPr/>
-      </p:nvGrpSpPr>
-      <p:grpSpPr>
-        <a:xfrm>
-          <a:off x="0" y="0"/>
-          <a:ext cx="0" cy="0"/>
-          <a:chOff x="0" y="0"/>
-          <a:chExt cx="0" cy="0"/>
-        </a:xfrm>
-      </p:grpSpPr>
-      <p:sp>
-        <p:nvSpPr>
-          <p:cNvPr id="3" name="Titel 2">
-            <a:extLst>
-              <a:ext uri="{FF2B5EF4-FFF2-40B4-BE49-F238E27FC236}">
-                <a16:creationId xmlns:a16="http://schemas.microsoft.com/office/drawing/2014/main" id="{DB2DDE27-5081-46AD-8B84-38FA64A48C00}"/>
-              </a:ext>
-            </a:extLst>
-          </p:cNvPr>
-          <p:cNvSpPr>
-            <a:spLocks noGrp="1"/>
-          </p:cNvSpPr>
-          <p:nvPr>
-            <p:ph type="title"/>
-          </p:nvPr>
-        </p:nvSpPr>
-        <p:spPr/>
-        <p:txBody>
-          <a:bodyPr/>
-          <a:lstStyle/>
-          <a:p>
-            <a:r>
-              <a:rPr lang="de-DE" dirty="0"/>
-              <a:t>Danke für Ihre Aufmerksamkeit </a:t>
-            </a:r>
-            <a:r>
-              <a:rPr lang="de-DE" dirty="0">
-                <a:sym typeface="Wingdings" panose="05000000000000000000" pitchFamily="2" charset="2"/>
-              </a:rPr>
-              <a:t></a:t>
-            </a:r>
-            <a:endParaRPr lang="de-DE" dirty="0"/>
-          </a:p>
-        </p:txBody>
-      </p:sp>
-      <p:sp>
-        <p:nvSpPr>
-          <p:cNvPr id="4" name="Textplatzhalter 3">
-            <a:extLst>
-              <a:ext uri="{FF2B5EF4-FFF2-40B4-BE49-F238E27FC236}">
-                <a16:creationId xmlns:a16="http://schemas.microsoft.com/office/drawing/2014/main" id="{47EB3076-4347-4AC4-B0EF-74CCEC1366D0}"/>
-              </a:ext>
-            </a:extLst>
-          </p:cNvPr>
-          <p:cNvSpPr>
-            <a:spLocks noGrp="1"/>
-          </p:cNvSpPr>
-          <p:nvPr>
-            <p:ph type="body" sz="half" idx="2"/>
-          </p:nvPr>
-        </p:nvSpPr>
-        <p:spPr/>
-        <p:txBody>
-          <a:bodyPr/>
-          <a:lstStyle/>
-          <a:p>
-            <a:r>
-              <a:rPr lang="de-DE" dirty="0"/>
-              <a:t>Präsentiert von Kimberly </a:t>
-            </a:r>
-            <a:r>
-              <a:rPr lang="de-DE" dirty="0" err="1"/>
-              <a:t>Plackenhohn</a:t>
-            </a:r>
-            <a:r>
-              <a:rPr lang="de-DE" dirty="0"/>
-              <a:t> und Eda Serttas</a:t>
-            </a:r>
-          </a:p>
-        </p:txBody>
-      </p:sp>
-      <p:sp>
-        <p:nvSpPr>
-          <p:cNvPr id="2" name="Foliennummernplatzhalter 1">
-            <a:extLst>
-              <a:ext uri="{FF2B5EF4-FFF2-40B4-BE49-F238E27FC236}">
-                <a16:creationId xmlns:a16="http://schemas.microsoft.com/office/drawing/2014/main" id="{A78525E6-D0E1-4184-B6D6-920D2B3A4CDF}"/>
-              </a:ext>
-            </a:extLst>
-          </p:cNvPr>
-          <p:cNvSpPr>
-            <a:spLocks noGrp="1"/>
-          </p:cNvSpPr>
-          <p:nvPr>
-            <p:ph type="sldNum" sz="quarter" idx="12"/>
-          </p:nvPr>
-        </p:nvSpPr>
-        <p:spPr/>
-        <p:txBody>
-          <a:bodyPr/>
-          <a:lstStyle/>
-          <a:p>
-            <a:pPr rtl="0"/>
-            <a:fld id="{3A98EE3D-8CD1-4C3F-BD1C-C98C9596463C}" type="slidenum">
-              <a:rPr lang="en-US" smtClean="0"/>
-              <a:t>16</a:t>
-            </a:fld>
-            <a:endParaRPr lang="en-US" dirty="0"/>
-          </a:p>
-        </p:txBody>
-      </p:sp>
-      <p:sp>
-        <p:nvSpPr>
-          <p:cNvPr id="10" name="Textfeld 9">
-            <a:extLst>
-              <a:ext uri="{FF2B5EF4-FFF2-40B4-BE49-F238E27FC236}">
-                <a16:creationId xmlns:a16="http://schemas.microsoft.com/office/drawing/2014/main" id="{DD877133-DB78-42DD-8968-E40B82E8EBF6}"/>
-              </a:ext>
-            </a:extLst>
-          </p:cNvPr>
-          <p:cNvSpPr txBox="1"/>
-          <p:nvPr/>
-        </p:nvSpPr>
-        <p:spPr>
-          <a:xfrm>
-            <a:off x="10459142" y="0"/>
-            <a:ext cx="3644900" cy="215444"/>
-          </a:xfrm>
-          <a:prstGeom prst="rect">
-            <a:avLst/>
-          </a:prstGeom>
-          <a:noFill/>
-        </p:spPr>
-        <p:txBody>
-          <a:bodyPr wrap="square" rtlCol="0">
-            <a:spAutoFit/>
-          </a:bodyPr>
-          <a:lstStyle/>
-          <a:p>
-            <a:r>
-              <a:rPr lang="de-DE" sz="800" b="0" i="0" dirty="0">
-                <a:effectLst/>
-                <a:latin typeface="-apple-system"/>
-              </a:rPr>
-              <a:t>Foto von </a:t>
-            </a:r>
-            <a:r>
-              <a:rPr lang="de-DE" sz="800" b="1" i="0" u="none" strike="noStrike" dirty="0" err="1">
-                <a:effectLst/>
-                <a:latin typeface="-apple-system"/>
-                <a:hlinkClick r:id="rId3">
-                  <a:extLst>
-                    <a:ext uri="{A12FA001-AC4F-418D-AE19-62706E023703}">
-                      <ahyp:hlinkClr xmlns:ahyp="http://schemas.microsoft.com/office/drawing/2018/hyperlinkcolor" val="tx"/>
-                    </a:ext>
-                  </a:extLst>
-                </a:hlinkClick>
-              </a:rPr>
-              <a:t>AlphaTradeZone</a:t>
-            </a:r>
-            <a:r>
-              <a:rPr lang="de-DE" sz="800" b="0" i="0" dirty="0">
-                <a:effectLst/>
-                <a:latin typeface="-apple-system"/>
-              </a:rPr>
-              <a:t> von </a:t>
-            </a:r>
-            <a:r>
-              <a:rPr lang="de-DE" sz="800" b="1" i="0" u="none" strike="noStrike" dirty="0" err="1">
-                <a:effectLst/>
-                <a:latin typeface="-apple-system"/>
-                <a:hlinkClick r:id="rId4">
-                  <a:extLst>
-                    <a:ext uri="{A12FA001-AC4F-418D-AE19-62706E023703}">
-                      <ahyp:hlinkClr xmlns:ahyp="http://schemas.microsoft.com/office/drawing/2018/hyperlinkcolor" val="tx"/>
-                    </a:ext>
-                  </a:extLst>
-                </a:hlinkClick>
-              </a:rPr>
-              <a:t>Pexels</a:t>
-            </a:r>
-            <a:endParaRPr lang="de-DE" sz="800" dirty="0"/>
-          </a:p>
-        </p:txBody>
-      </p:sp>
-      <p:pic>
-        <p:nvPicPr>
-          <p:cNvPr id="12" name="Grafik 11" descr="Ein Bild, das Text enthält.&#10;&#10;Automatisch generierte Beschreibung">
-            <a:extLst>
-              <a:ext uri="{FF2B5EF4-FFF2-40B4-BE49-F238E27FC236}">
-                <a16:creationId xmlns:a16="http://schemas.microsoft.com/office/drawing/2014/main" id="{651C552B-3F59-4FC8-9236-1A1233A6DF88}"/>
-              </a:ext>
-            </a:extLst>
-          </p:cNvPr>
-          <p:cNvPicPr>
-            <a:picLocks noChangeAspect="1"/>
-          </p:cNvPicPr>
-          <p:nvPr/>
-        </p:nvPicPr>
-        <p:blipFill rotWithShape="1">
-          <a:blip r:embed="rId5">
-            <a:extLst>
-              <a:ext uri="{28A0092B-C50C-407E-A947-70E740481C1C}">
-                <a14:useLocalDpi xmlns:a14="http://schemas.microsoft.com/office/drawing/2010/main" val="0"/>
-              </a:ext>
-            </a:extLst>
-          </a:blip>
-          <a:srcRect b="20618"/>
-          <a:stretch/>
-        </p:blipFill>
-        <p:spPr>
-          <a:xfrm>
-            <a:off x="0" y="0"/>
-            <a:ext cx="12192000" cy="4627406"/>
-          </a:xfrm>
-          <a:prstGeom prst="rect">
-            <a:avLst/>
-          </a:prstGeom>
-        </p:spPr>
-      </p:pic>
-    </p:spTree>
-    <p:extLst>
-      <p:ext uri="{BB962C8B-B14F-4D97-AF65-F5344CB8AC3E}">
-        <p14:creationId xmlns:p14="http://schemas.microsoft.com/office/powerpoint/2010/main" val="1538874787"/>
       </p:ext>
     </p:extLst>
   </p:cSld>
@@ -8491,6 +8713,626 @@
 </p:sld>
 </file>
 
+<file path=ppt/slides/slide20.xml><?xml version="1.0" encoding="utf-8"?>
+<p:sld xmlns:a="http://schemas.openxmlformats.org/drawingml/2006/main" xmlns:r="http://schemas.openxmlformats.org/officeDocument/2006/relationships" xmlns:p="http://schemas.openxmlformats.org/presentationml/2006/main">
+  <p:cSld>
+    <p:spTree>
+      <p:nvGrpSpPr>
+        <p:cNvPr id="1" name=""/>
+        <p:cNvGrpSpPr/>
+        <p:nvPr/>
+      </p:nvGrpSpPr>
+      <p:grpSpPr>
+        <a:xfrm>
+          <a:off x="0" y="0"/>
+          <a:ext cx="0" cy="0"/>
+          <a:chOff x="0" y="0"/>
+          <a:chExt cx="0" cy="0"/>
+        </a:xfrm>
+      </p:grpSpPr>
+      <p:sp>
+        <p:nvSpPr>
+          <p:cNvPr id="2" name="Titel 1">
+            <a:extLst>
+              <a:ext uri="{FF2B5EF4-FFF2-40B4-BE49-F238E27FC236}">
+                <a16:creationId xmlns:a16="http://schemas.microsoft.com/office/drawing/2014/main" id="{1000917D-4547-48A6-84FB-F43EFC62703E}"/>
+              </a:ext>
+            </a:extLst>
+          </p:cNvPr>
+          <p:cNvSpPr>
+            <a:spLocks noGrp="1"/>
+          </p:cNvSpPr>
+          <p:nvPr>
+            <p:ph type="title"/>
+          </p:nvPr>
+        </p:nvSpPr>
+        <p:spPr/>
+        <p:txBody>
+          <a:bodyPr/>
+          <a:lstStyle/>
+          <a:p>
+            <a:r>
+              <a:rPr lang="de-DE" dirty="0"/>
+              <a:t>Quellen</a:t>
+            </a:r>
+          </a:p>
+        </p:txBody>
+      </p:sp>
+      <p:sp>
+        <p:nvSpPr>
+          <p:cNvPr id="4" name="Textfeld 3">
+            <a:extLst>
+              <a:ext uri="{FF2B5EF4-FFF2-40B4-BE49-F238E27FC236}">
+                <a16:creationId xmlns:a16="http://schemas.microsoft.com/office/drawing/2014/main" id="{7A45CCCC-0A1D-47D4-AA93-208EE6D41258}"/>
+              </a:ext>
+            </a:extLst>
+          </p:cNvPr>
+          <p:cNvSpPr txBox="1"/>
+          <p:nvPr/>
+        </p:nvSpPr>
+        <p:spPr>
+          <a:xfrm>
+            <a:off x="1208868" y="2030278"/>
+            <a:ext cx="9946812" cy="3970318"/>
+          </a:xfrm>
+          <a:prstGeom prst="rect">
+            <a:avLst/>
+          </a:prstGeom>
+          <a:noFill/>
+        </p:spPr>
+        <p:txBody>
+          <a:bodyPr wrap="square" rtlCol="0">
+            <a:spAutoFit/>
+          </a:bodyPr>
+          <a:lstStyle/>
+          <a:p>
+            <a:pPr marL="285750" indent="-285750" algn="l">
+              <a:lnSpc>
+                <a:spcPct val="150000"/>
+              </a:lnSpc>
+              <a:buFont typeface="Arial" panose="020B0604020202020204" pitchFamily="34" charset="0"/>
+              <a:buChar char="•"/>
+            </a:pPr>
+            <a:r>
+              <a:rPr lang="de-DE" sz="1600" dirty="0">
+                <a:solidFill>
+                  <a:srgbClr val="24292E"/>
+                </a:solidFill>
+                <a:latin typeface="-apple-system"/>
+              </a:rPr>
+              <a:t> </a:t>
+            </a:r>
+            <a:r>
+              <a:rPr lang="de-DE" sz="1600" b="0" i="0" u="none" strike="noStrike" dirty="0">
+                <a:solidFill>
+                  <a:srgbClr val="24292E"/>
+                </a:solidFill>
+                <a:effectLst/>
+                <a:latin typeface="-apple-system"/>
+                <a:hlinkClick r:id="rId3"/>
+              </a:rPr>
+              <a:t>https://wiki.selfhtml.org/wiki/HTML/Formulare/input/button</a:t>
+            </a:r>
+            <a:endParaRPr lang="de-DE" sz="1600" dirty="0">
+              <a:solidFill>
+                <a:srgbClr val="24292E"/>
+              </a:solidFill>
+              <a:latin typeface="-apple-system"/>
+            </a:endParaRPr>
+          </a:p>
+          <a:p>
+            <a:pPr marL="285750" indent="-285750" algn="l">
+              <a:lnSpc>
+                <a:spcPct val="150000"/>
+              </a:lnSpc>
+              <a:buFont typeface="Arial" panose="020B0604020202020204" pitchFamily="34" charset="0"/>
+              <a:buChar char="•"/>
+            </a:pPr>
+            <a:r>
+              <a:rPr lang="de-DE" sz="1600" b="0" i="0" u="none" strike="noStrike" dirty="0">
+                <a:solidFill>
+                  <a:srgbClr val="24292E"/>
+                </a:solidFill>
+                <a:effectLst/>
+                <a:latin typeface="-apple-system"/>
+                <a:hlinkClick r:id="rId4"/>
+              </a:rPr>
+              <a:t>https://jsfiddle.net/red_stapler/wu3a0y6e/18/</a:t>
+            </a:r>
+            <a:endParaRPr lang="de-DE" sz="1600" dirty="0">
+              <a:solidFill>
+                <a:srgbClr val="24292E"/>
+              </a:solidFill>
+              <a:latin typeface="-apple-system"/>
+            </a:endParaRPr>
+          </a:p>
+          <a:p>
+            <a:pPr marL="285750" indent="-285750" algn="l">
+              <a:lnSpc>
+                <a:spcPct val="150000"/>
+              </a:lnSpc>
+              <a:buFont typeface="Arial" panose="020B0604020202020204" pitchFamily="34" charset="0"/>
+              <a:buChar char="•"/>
+            </a:pPr>
+            <a:r>
+              <a:rPr lang="de-DE" sz="1600" b="0" i="0" u="none" strike="noStrike" dirty="0">
+                <a:solidFill>
+                  <a:srgbClr val="24292E"/>
+                </a:solidFill>
+                <a:effectLst/>
+                <a:latin typeface="-apple-system"/>
+                <a:hlinkClick r:id="rId5"/>
+              </a:rPr>
+              <a:t>http://microbuilder.io/blog/2016/01/10/plotting-json-data-with-chart-js.html</a:t>
+            </a:r>
+            <a:endParaRPr lang="de-DE" sz="1600" dirty="0">
+              <a:solidFill>
+                <a:srgbClr val="24292E"/>
+              </a:solidFill>
+              <a:latin typeface="-apple-system"/>
+            </a:endParaRPr>
+          </a:p>
+          <a:p>
+            <a:pPr marL="285750" indent="-285750" algn="l">
+              <a:lnSpc>
+                <a:spcPct val="150000"/>
+              </a:lnSpc>
+              <a:buFont typeface="Arial" panose="020B0604020202020204" pitchFamily="34" charset="0"/>
+              <a:buChar char="•"/>
+            </a:pPr>
+            <a:r>
+              <a:rPr lang="de-DE" sz="1600" b="0" i="0" u="none" strike="noStrike" dirty="0">
+                <a:solidFill>
+                  <a:srgbClr val="24292E"/>
+                </a:solidFill>
+                <a:effectLst/>
+                <a:latin typeface="-apple-system"/>
+                <a:hlinkClick r:id="rId6"/>
+              </a:rPr>
+              <a:t>https://www.youtube.com/watch?v=NwgKh_QTKE0</a:t>
+            </a:r>
+            <a:endParaRPr lang="de-DE" sz="1600" dirty="0">
+              <a:solidFill>
+                <a:srgbClr val="24292E"/>
+              </a:solidFill>
+              <a:latin typeface="-apple-system"/>
+            </a:endParaRPr>
+          </a:p>
+          <a:p>
+            <a:pPr marL="285750" indent="-285750" algn="l">
+              <a:lnSpc>
+                <a:spcPct val="150000"/>
+              </a:lnSpc>
+              <a:buFont typeface="Arial" panose="020B0604020202020204" pitchFamily="34" charset="0"/>
+              <a:buChar char="•"/>
+            </a:pPr>
+            <a:r>
+              <a:rPr lang="de-DE" sz="1600" b="0" i="0" u="none" strike="noStrike" dirty="0">
+                <a:solidFill>
+                  <a:srgbClr val="24292E"/>
+                </a:solidFill>
+                <a:effectLst/>
+                <a:latin typeface="-apple-system"/>
+                <a:hlinkClick r:id="rId7"/>
+              </a:rPr>
+              <a:t>https://canvasjs.com/html5-javascript-spline-chart/</a:t>
+            </a:r>
+            <a:endParaRPr lang="de-DE" sz="1600" dirty="0">
+              <a:solidFill>
+                <a:srgbClr val="24292E"/>
+              </a:solidFill>
+              <a:latin typeface="-apple-system"/>
+            </a:endParaRPr>
+          </a:p>
+          <a:p>
+            <a:pPr marL="285750" indent="-285750" algn="l">
+              <a:lnSpc>
+                <a:spcPct val="150000"/>
+              </a:lnSpc>
+              <a:buFont typeface="Arial" panose="020B0604020202020204" pitchFamily="34" charset="0"/>
+              <a:buChar char="•"/>
+            </a:pPr>
+            <a:r>
+              <a:rPr lang="de-DE" sz="1600" dirty="0">
+                <a:solidFill>
+                  <a:srgbClr val="24292E"/>
+                </a:solidFill>
+                <a:latin typeface="-apple-system"/>
+                <a:hlinkClick r:id="rId8"/>
+              </a:rPr>
+              <a:t>https://canvasjs.com/html5-javascript-line-chart/</a:t>
+            </a:r>
+            <a:endParaRPr lang="de-DE" sz="1600" dirty="0">
+              <a:solidFill>
+                <a:srgbClr val="24292E"/>
+              </a:solidFill>
+              <a:latin typeface="-apple-system"/>
+            </a:endParaRPr>
+          </a:p>
+          <a:p>
+            <a:pPr marL="285750" indent="-285750" algn="l">
+              <a:lnSpc>
+                <a:spcPct val="150000"/>
+              </a:lnSpc>
+              <a:buFont typeface="Arial" panose="020B0604020202020204" pitchFamily="34" charset="0"/>
+              <a:buChar char="•"/>
+            </a:pPr>
+            <a:r>
+              <a:rPr lang="de-DE" sz="1600" b="0" i="0" u="none" strike="noStrike" dirty="0">
+                <a:solidFill>
+                  <a:srgbClr val="24292E"/>
+                </a:solidFill>
+                <a:effectLst/>
+                <a:latin typeface="-apple-system"/>
+                <a:hlinkClick r:id="rId9"/>
+              </a:rPr>
+              <a:t>https://canvasjs.com/docs/charts/basics-of-creating-html5-chart/updating-chart-options/</a:t>
+            </a:r>
+            <a:endParaRPr lang="de-DE" sz="1600" dirty="0">
+              <a:solidFill>
+                <a:srgbClr val="24292E"/>
+              </a:solidFill>
+              <a:latin typeface="-apple-system"/>
+            </a:endParaRPr>
+          </a:p>
+          <a:p>
+            <a:pPr marL="285750" indent="-285750" algn="l">
+              <a:lnSpc>
+                <a:spcPct val="150000"/>
+              </a:lnSpc>
+              <a:buFont typeface="Arial" panose="020B0604020202020204" pitchFamily="34" charset="0"/>
+              <a:buChar char="•"/>
+            </a:pPr>
+            <a:r>
+              <a:rPr lang="de-DE" sz="1600" b="0" i="0" u="none" strike="noStrike" dirty="0">
+                <a:solidFill>
+                  <a:srgbClr val="24292E"/>
+                </a:solidFill>
+                <a:effectLst/>
+                <a:latin typeface="-apple-system"/>
+                <a:hlinkClick r:id="rId10"/>
+              </a:rPr>
+              <a:t>https://canvasjs.com/docs/charts/methods/dataseries/addto/</a:t>
+            </a:r>
+            <a:endParaRPr lang="de-DE" sz="1600" dirty="0">
+              <a:solidFill>
+                <a:srgbClr val="24292E"/>
+              </a:solidFill>
+              <a:latin typeface="-apple-system"/>
+            </a:endParaRPr>
+          </a:p>
+          <a:p>
+            <a:pPr marL="285750" indent="-285750" algn="l">
+              <a:lnSpc>
+                <a:spcPct val="150000"/>
+              </a:lnSpc>
+              <a:buFont typeface="Arial" panose="020B0604020202020204" pitchFamily="34" charset="0"/>
+              <a:buChar char="•"/>
+            </a:pPr>
+            <a:r>
+              <a:rPr lang="de-DE" sz="1600" b="0" i="0" u="none" strike="noStrike" dirty="0">
+                <a:solidFill>
+                  <a:srgbClr val="24292E"/>
+                </a:solidFill>
+                <a:effectLst/>
+                <a:latin typeface="-apple-system"/>
+                <a:hlinkClick r:id="rId11"/>
+              </a:rPr>
+              <a:t>https://www.gesundheit.gv.at/leben/ernaehrung/info/fluessigkeitsbedarf</a:t>
+            </a:r>
+            <a:endParaRPr lang="de-DE" sz="1600" b="0" i="0" dirty="0">
+              <a:solidFill>
+                <a:srgbClr val="24292E"/>
+              </a:solidFill>
+              <a:effectLst/>
+              <a:latin typeface="-apple-system"/>
+            </a:endParaRPr>
+          </a:p>
+          <a:p>
+            <a:pPr algn="l"/>
+            <a:endParaRPr lang="de-DE" b="0" i="0" u="none" strike="noStrike" dirty="0">
+              <a:solidFill>
+                <a:srgbClr val="24292E"/>
+              </a:solidFill>
+              <a:effectLst/>
+              <a:latin typeface="-apple-system"/>
+            </a:endParaRPr>
+          </a:p>
+          <a:p>
+            <a:pPr algn="l"/>
+            <a:endParaRPr lang="de-DE" b="0" i="0" dirty="0">
+              <a:solidFill>
+                <a:srgbClr val="24292E"/>
+              </a:solidFill>
+              <a:effectLst/>
+              <a:latin typeface="-apple-system"/>
+            </a:endParaRPr>
+          </a:p>
+        </p:txBody>
+      </p:sp>
+      <p:sp>
+        <p:nvSpPr>
+          <p:cNvPr id="5" name="Foliennummernplatzhalter 4">
+            <a:extLst>
+              <a:ext uri="{FF2B5EF4-FFF2-40B4-BE49-F238E27FC236}">
+                <a16:creationId xmlns:a16="http://schemas.microsoft.com/office/drawing/2014/main" id="{1BB62189-938C-4C7C-BA89-B2D315856415}"/>
+              </a:ext>
+            </a:extLst>
+          </p:cNvPr>
+          <p:cNvSpPr>
+            <a:spLocks noGrp="1"/>
+          </p:cNvSpPr>
+          <p:nvPr>
+            <p:ph type="sldNum" sz="quarter" idx="12"/>
+          </p:nvPr>
+        </p:nvSpPr>
+        <p:spPr/>
+        <p:txBody>
+          <a:bodyPr/>
+          <a:lstStyle/>
+          <a:p>
+            <a:pPr rtl="0"/>
+            <a:fld id="{3A98EE3D-8CD1-4C3F-BD1C-C98C9596463C}" type="slidenum">
+              <a:rPr lang="en-US" smtClean="0"/>
+              <a:t>20</a:t>
+            </a:fld>
+            <a:endParaRPr lang="en-US" dirty="0"/>
+          </a:p>
+        </p:txBody>
+      </p:sp>
+    </p:spTree>
+    <p:extLst>
+      <p:ext uri="{BB962C8B-B14F-4D97-AF65-F5344CB8AC3E}">
+        <p14:creationId xmlns:p14="http://schemas.microsoft.com/office/powerpoint/2010/main" val="873189558"/>
+      </p:ext>
+    </p:extLst>
+  </p:cSld>
+  <p:clrMapOvr>
+    <a:masterClrMapping/>
+  </p:clrMapOvr>
+</p:sld>
+</file>
+
+<file path=ppt/slides/slide21.xml><?xml version="1.0" encoding="utf-8"?>
+<p:sld xmlns:a="http://schemas.openxmlformats.org/drawingml/2006/main" xmlns:r="http://schemas.openxmlformats.org/officeDocument/2006/relationships" xmlns:p="http://schemas.openxmlformats.org/presentationml/2006/main">
+  <p:cSld>
+    <p:spTree>
+      <p:nvGrpSpPr>
+        <p:cNvPr id="1" name=""/>
+        <p:cNvGrpSpPr/>
+        <p:nvPr/>
+      </p:nvGrpSpPr>
+      <p:grpSpPr>
+        <a:xfrm>
+          <a:off x="0" y="0"/>
+          <a:ext cx="0" cy="0"/>
+          <a:chOff x="0" y="0"/>
+          <a:chExt cx="0" cy="0"/>
+        </a:xfrm>
+      </p:grpSpPr>
+      <p:sp>
+        <p:nvSpPr>
+          <p:cNvPr id="3" name="Titel 2">
+            <a:extLst>
+              <a:ext uri="{FF2B5EF4-FFF2-40B4-BE49-F238E27FC236}">
+                <a16:creationId xmlns:a16="http://schemas.microsoft.com/office/drawing/2014/main" id="{DB2DDE27-5081-46AD-8B84-38FA64A48C00}"/>
+              </a:ext>
+            </a:extLst>
+          </p:cNvPr>
+          <p:cNvSpPr>
+            <a:spLocks noGrp="1"/>
+          </p:cNvSpPr>
+          <p:nvPr>
+            <p:ph type="title"/>
+          </p:nvPr>
+        </p:nvSpPr>
+        <p:spPr/>
+        <p:txBody>
+          <a:bodyPr/>
+          <a:lstStyle/>
+          <a:p>
+            <a:r>
+              <a:rPr lang="de-DE" dirty="0"/>
+              <a:t>Danke für Ihre Aufmerksamkeit </a:t>
+            </a:r>
+            <a:r>
+              <a:rPr lang="de-DE" dirty="0">
+                <a:sym typeface="Wingdings" panose="05000000000000000000" pitchFamily="2" charset="2"/>
+              </a:rPr>
+              <a:t></a:t>
+            </a:r>
+            <a:endParaRPr lang="de-DE" dirty="0"/>
+          </a:p>
+        </p:txBody>
+      </p:sp>
+      <p:sp>
+        <p:nvSpPr>
+          <p:cNvPr id="4" name="Textplatzhalter 3">
+            <a:extLst>
+              <a:ext uri="{FF2B5EF4-FFF2-40B4-BE49-F238E27FC236}">
+                <a16:creationId xmlns:a16="http://schemas.microsoft.com/office/drawing/2014/main" id="{47EB3076-4347-4AC4-B0EF-74CCEC1366D0}"/>
+              </a:ext>
+            </a:extLst>
+          </p:cNvPr>
+          <p:cNvSpPr>
+            <a:spLocks noGrp="1"/>
+          </p:cNvSpPr>
+          <p:nvPr>
+            <p:ph type="body" sz="half" idx="2"/>
+          </p:nvPr>
+        </p:nvSpPr>
+        <p:spPr/>
+        <p:txBody>
+          <a:bodyPr/>
+          <a:lstStyle/>
+          <a:p>
+            <a:r>
+              <a:rPr lang="de-DE" dirty="0"/>
+              <a:t>Präsentiert von Kimberly </a:t>
+            </a:r>
+            <a:r>
+              <a:rPr lang="de-DE" dirty="0" err="1"/>
+              <a:t>Plackenhohn</a:t>
+            </a:r>
+            <a:r>
+              <a:rPr lang="de-DE" dirty="0"/>
+              <a:t> und Eda Serttas</a:t>
+            </a:r>
+          </a:p>
+        </p:txBody>
+      </p:sp>
+      <p:sp>
+        <p:nvSpPr>
+          <p:cNvPr id="2" name="Foliennummernplatzhalter 1">
+            <a:extLst>
+              <a:ext uri="{FF2B5EF4-FFF2-40B4-BE49-F238E27FC236}">
+                <a16:creationId xmlns:a16="http://schemas.microsoft.com/office/drawing/2014/main" id="{A78525E6-D0E1-4184-B6D6-920D2B3A4CDF}"/>
+              </a:ext>
+            </a:extLst>
+          </p:cNvPr>
+          <p:cNvSpPr>
+            <a:spLocks noGrp="1"/>
+          </p:cNvSpPr>
+          <p:nvPr>
+            <p:ph type="sldNum" sz="quarter" idx="12"/>
+          </p:nvPr>
+        </p:nvSpPr>
+        <p:spPr/>
+        <p:txBody>
+          <a:bodyPr/>
+          <a:lstStyle/>
+          <a:p>
+            <a:pPr rtl="0"/>
+            <a:fld id="{3A98EE3D-8CD1-4C3F-BD1C-C98C9596463C}" type="slidenum">
+              <a:rPr lang="en-US" smtClean="0"/>
+              <a:t>21</a:t>
+            </a:fld>
+            <a:endParaRPr lang="en-US" dirty="0"/>
+          </a:p>
+        </p:txBody>
+      </p:sp>
+      <p:sp>
+        <p:nvSpPr>
+          <p:cNvPr id="10" name="Textfeld 9">
+            <a:extLst>
+              <a:ext uri="{FF2B5EF4-FFF2-40B4-BE49-F238E27FC236}">
+                <a16:creationId xmlns:a16="http://schemas.microsoft.com/office/drawing/2014/main" id="{DD877133-DB78-42DD-8968-E40B82E8EBF6}"/>
+              </a:ext>
+            </a:extLst>
+          </p:cNvPr>
+          <p:cNvSpPr txBox="1"/>
+          <p:nvPr/>
+        </p:nvSpPr>
+        <p:spPr>
+          <a:xfrm>
+            <a:off x="10459142" y="0"/>
+            <a:ext cx="3644900" cy="215444"/>
+          </a:xfrm>
+          <a:prstGeom prst="rect">
+            <a:avLst/>
+          </a:prstGeom>
+          <a:noFill/>
+        </p:spPr>
+        <p:txBody>
+          <a:bodyPr wrap="square" rtlCol="0">
+            <a:spAutoFit/>
+          </a:bodyPr>
+          <a:lstStyle/>
+          <a:p>
+            <a:r>
+              <a:rPr lang="de-DE" sz="800" b="0" i="0" dirty="0">
+                <a:effectLst/>
+                <a:latin typeface="-apple-system"/>
+              </a:rPr>
+              <a:t>Foto von </a:t>
+            </a:r>
+            <a:r>
+              <a:rPr lang="de-DE" sz="800" b="1" i="0" u="none" strike="noStrike" dirty="0" err="1">
+                <a:effectLst/>
+                <a:latin typeface="-apple-system"/>
+                <a:hlinkClick r:id="rId3">
+                  <a:extLst>
+                    <a:ext uri="{A12FA001-AC4F-418D-AE19-62706E023703}">
+                      <ahyp:hlinkClr xmlns:ahyp="http://schemas.microsoft.com/office/drawing/2018/hyperlinkcolor" val="tx"/>
+                    </a:ext>
+                  </a:extLst>
+                </a:hlinkClick>
+              </a:rPr>
+              <a:t>AlphaTradeZone</a:t>
+            </a:r>
+            <a:r>
+              <a:rPr lang="de-DE" sz="800" b="0" i="0" dirty="0">
+                <a:effectLst/>
+                <a:latin typeface="-apple-system"/>
+              </a:rPr>
+              <a:t> von </a:t>
+            </a:r>
+            <a:r>
+              <a:rPr lang="de-DE" sz="800" b="1" i="0" u="none" strike="noStrike" dirty="0" err="1">
+                <a:effectLst/>
+                <a:latin typeface="-apple-system"/>
+                <a:hlinkClick r:id="rId4">
+                  <a:extLst>
+                    <a:ext uri="{A12FA001-AC4F-418D-AE19-62706E023703}">
+                      <ahyp:hlinkClr xmlns:ahyp="http://schemas.microsoft.com/office/drawing/2018/hyperlinkcolor" val="tx"/>
+                    </a:ext>
+                  </a:extLst>
+                </a:hlinkClick>
+              </a:rPr>
+              <a:t>Pexels</a:t>
+            </a:r>
+            <a:endParaRPr lang="de-DE" sz="800" dirty="0"/>
+          </a:p>
+        </p:txBody>
+      </p:sp>
+      <p:pic>
+        <p:nvPicPr>
+          <p:cNvPr id="12" name="Grafik 11" descr="Ein Bild, das Text enthält.&#10;&#10;Automatisch generierte Beschreibung">
+            <a:extLst>
+              <a:ext uri="{FF2B5EF4-FFF2-40B4-BE49-F238E27FC236}">
+                <a16:creationId xmlns:a16="http://schemas.microsoft.com/office/drawing/2014/main" id="{651C552B-3F59-4FC8-9236-1A1233A6DF88}"/>
+              </a:ext>
+            </a:extLst>
+          </p:cNvPr>
+          <p:cNvPicPr>
+            <a:picLocks noChangeAspect="1"/>
+          </p:cNvPicPr>
+          <p:nvPr/>
+        </p:nvPicPr>
+        <p:blipFill rotWithShape="1">
+          <a:blip r:embed="rId5">
+            <a:extLst>
+              <a:ext uri="{28A0092B-C50C-407E-A947-70E740481C1C}">
+                <a14:useLocalDpi xmlns:a14="http://schemas.microsoft.com/office/drawing/2010/main" val="0"/>
+              </a:ext>
+            </a:extLst>
+          </a:blip>
+          <a:srcRect b="20618"/>
+          <a:stretch/>
+        </p:blipFill>
+        <p:spPr>
+          <a:xfrm>
+            <a:off x="0" y="0"/>
+            <a:ext cx="12192000" cy="4627406"/>
+          </a:xfrm>
+          <a:prstGeom prst="rect">
+            <a:avLst/>
+          </a:prstGeom>
+        </p:spPr>
+      </p:pic>
+    </p:spTree>
+    <p:extLst>
+      <p:ext uri="{BB962C8B-B14F-4D97-AF65-F5344CB8AC3E}">
+        <p14:creationId xmlns:p14="http://schemas.microsoft.com/office/powerpoint/2010/main" val="1538874787"/>
+      </p:ext>
+    </p:extLst>
+  </p:cSld>
+  <p:clrMapOvr>
+    <a:masterClrMapping/>
+  </p:clrMapOvr>
+</p:sld>
+</file>
+
 <file path=ppt/slides/slide3.xml><?xml version="1.0" encoding="utf-8"?>
 <p:sld xmlns:a="http://schemas.openxmlformats.org/drawingml/2006/main" xmlns:r="http://schemas.openxmlformats.org/officeDocument/2006/relationships" xmlns:p="http://schemas.openxmlformats.org/presentationml/2006/main">
   <p:cSld>
@@ -8719,10 +9561,7 @@
             </a:r>
           </a:p>
           <a:p>
-            <a:pPr marL="749808" lvl="1" indent="-457200">
-              <a:buFont typeface="+mj-lt"/>
-              <a:buAutoNum type="arabicPeriod"/>
-            </a:pPr>
+            <a:pPr marL="635508" lvl="1" indent="-342900"/>
             <a:r>
               <a:rPr lang="de-DE" dirty="0">
                 <a:latin typeface="-apple-system"/>

--- a/Audits/Audit 4/WS2020_SerttasPlackenhohn_Audit4.pptx
+++ b/Audits/Audit 4/WS2020_SerttasPlackenhohn_Audit4.pptx
@@ -237,7 +237,7 @@
             <a:pPr rtl="0"/>
             <a:fld id="{AD9CF9D3-F210-41C6-99D4-BFF6B4BA81BD}" type="datetime1">
               <a:rPr lang="de-DE" smtClean="0"/>
-              <a:t>16.02.2021</a:t>
+              <a:t>17.02.2021</a:t>
             </a:fld>
             <a:endParaRPr lang="en-US" dirty="0"/>
           </a:p>
@@ -407,7 +407,7 @@
             <a:pPr rtl="0"/>
             <a:fld id="{2FFCA530-3DC9-43D3-93A9-C974C34E1DD6}" type="datetime1">
               <a:rPr lang="de-DE" smtClean="0"/>
-              <a:t>16.02.2021</a:t>
+              <a:t>17.02.2021</a:t>
             </a:fld>
             <a:endParaRPr lang="en-US"/>
           </a:p>
@@ -746,7 +746,7 @@
             <a:pPr rtl="0"/>
             <a:fld id="{88DACA00-B485-48AE-971E-CC6E1280CD66}" type="datetime1">
               <a:rPr lang="de-DE" smtClean="0"/>
-              <a:t>16.02.2021</a:t>
+              <a:t>17.02.2021</a:t>
             </a:fld>
             <a:endParaRPr lang="en-US"/>
           </a:p>
@@ -892,7 +892,7 @@
             <a:pPr rtl="0"/>
             <a:fld id="{88DACA00-B485-48AE-971E-CC6E1280CD66}" type="datetime1">
               <a:rPr lang="de-DE" smtClean="0"/>
-              <a:t>16.02.2021</a:t>
+              <a:t>17.02.2021</a:t>
             </a:fld>
             <a:endParaRPr lang="en-US"/>
           </a:p>
@@ -1001,7 +1001,7 @@
             <a:pPr rtl="0"/>
             <a:fld id="{8C960F41-ADA3-4592-A6B6-979750556945}" type="datetime1">
               <a:rPr lang="de-DE" smtClean="0"/>
-              <a:t>16.02.2021</a:t>
+              <a:t>17.02.2021</a:t>
             </a:fld>
             <a:endParaRPr lang="en-US"/>
           </a:p>
@@ -1110,7 +1110,7 @@
             <a:pPr rtl="0"/>
             <a:fld id="{05F945F2-6878-48BF-B08F-BD6E79E1CDD8}" type="datetime1">
               <a:rPr lang="de-DE" smtClean="0"/>
-              <a:t>16.02.2021</a:t>
+              <a:t>17.02.2021</a:t>
             </a:fld>
             <a:endParaRPr lang="en-US"/>
           </a:p>
@@ -1219,7 +1219,7 @@
             <a:pPr rtl="0"/>
             <a:fld id="{7DA48DE9-247B-4EBD-A14B-36988774F377}" type="datetime1">
               <a:rPr lang="de-DE" smtClean="0"/>
-              <a:t>16.02.2021</a:t>
+              <a:t>17.02.2021</a:t>
             </a:fld>
             <a:endParaRPr lang="en-US"/>
           </a:p>
@@ -1426,7 +1426,7 @@
             <a:pPr rtl="0"/>
             <a:fld id="{920421C8-A15E-4073-98D7-7FDA934C0210}" type="datetime1">
               <a:rPr lang="de-DE" smtClean="0"/>
-              <a:t>16.02.2021</a:t>
+              <a:t>17.02.2021</a:t>
             </a:fld>
             <a:endParaRPr lang="en-US"/>
           </a:p>
@@ -1535,7 +1535,7 @@
             <a:pPr rtl="0"/>
             <a:fld id="{25DE598A-D9FF-4E3A-AC10-162CFCBCB8DB}" type="datetime1">
               <a:rPr lang="de-DE" smtClean="0"/>
-              <a:t>16.02.2021</a:t>
+              <a:t>17.02.2021</a:t>
             </a:fld>
             <a:endParaRPr lang="en-US"/>
           </a:p>
@@ -1644,7 +1644,7 @@
             <a:pPr rtl="0"/>
             <a:fld id="{7DA48DE9-247B-4EBD-A14B-36988774F377}" type="datetime1">
               <a:rPr lang="de-DE" smtClean="0"/>
-              <a:t>16.02.2021</a:t>
+              <a:t>17.02.2021</a:t>
             </a:fld>
             <a:endParaRPr lang="en-US"/>
           </a:p>
@@ -1763,7 +1763,7 @@
             <a:pPr rtl="0"/>
             <a:fld id="{2FFCA530-3DC9-43D3-93A9-C974C34E1DD6}" type="datetime1">
               <a:rPr lang="de-DE" smtClean="0"/>
-              <a:t>16.02.2021</a:t>
+              <a:t>17.02.2021</a:t>
             </a:fld>
             <a:endParaRPr lang="en-US"/>
           </a:p>
@@ -1872,7 +1872,7 @@
             <a:pPr rtl="0"/>
             <a:fld id="{7DA48DE9-247B-4EBD-A14B-36988774F377}" type="datetime1">
               <a:rPr lang="de-DE" smtClean="0"/>
-              <a:t>16.02.2021</a:t>
+              <a:t>17.02.2021</a:t>
             </a:fld>
             <a:endParaRPr lang="en-US"/>
           </a:p>
@@ -2004,7 +2004,7 @@
             <a:pPr rtl="0"/>
             <a:fld id="{920421C8-A15E-4073-98D7-7FDA934C0210}" type="datetime1">
               <a:rPr lang="de-DE" smtClean="0"/>
-              <a:t>16.02.2021</a:t>
+              <a:t>17.02.2021</a:t>
             </a:fld>
             <a:endParaRPr lang="en-US"/>
           </a:p>
@@ -2113,7 +2113,7 @@
             <a:pPr rtl="0"/>
             <a:fld id="{88DACA00-B485-48AE-971E-CC6E1280CD66}" type="datetime1">
               <a:rPr lang="de-DE" smtClean="0"/>
-              <a:t>16.02.2021</a:t>
+              <a:t>17.02.2021</a:t>
             </a:fld>
             <a:endParaRPr lang="en-US"/>
           </a:p>
@@ -2403,7 +2403,7 @@
             <a:pPr rtl="0"/>
             <a:fld id="{1514E7D0-C394-41B8-B7AE-64A70240C443}" type="datetime1">
               <a:rPr lang="de-DE" smtClean="0"/>
-              <a:t>16.02.2021</a:t>
+              <a:t>17.02.2021</a:t>
             </a:fld>
             <a:endParaRPr lang="en-US" dirty="0"/>
           </a:p>
@@ -2595,7 +2595,7 @@
             <a:pPr rtl="0"/>
             <a:fld id="{9F18B267-496C-4DE2-83A1-ADDE2B38BABC}" type="datetime1">
               <a:rPr lang="de-DE" smtClean="0"/>
-              <a:t>16.02.2021</a:t>
+              <a:t>17.02.2021</a:t>
             </a:fld>
             <a:endParaRPr lang="en-US" dirty="0"/>
           </a:p>
@@ -2841,7 +2841,7 @@
             <a:pPr rtl="0"/>
             <a:fld id="{E69133DC-A4FB-46C6-B336-BDC14EB1109E}" type="datetime1">
               <a:rPr lang="de-DE" smtClean="0"/>
-              <a:t>16.02.2021</a:t>
+              <a:t>17.02.2021</a:t>
             </a:fld>
             <a:endParaRPr lang="en-US" dirty="0"/>
           </a:p>
@@ -3033,7 +3033,7 @@
             <a:pPr rtl="0"/>
             <a:fld id="{F30E4169-C7C7-4376-AB11-34EB622D2405}" type="datetime1">
               <a:rPr lang="de-DE" smtClean="0"/>
-              <a:t>16.02.2021</a:t>
+              <a:t>17.02.2021</a:t>
             </a:fld>
             <a:endParaRPr lang="en-US" dirty="0"/>
           </a:p>
@@ -3410,7 +3410,7 @@
             <a:pPr rtl="0"/>
             <a:fld id="{409968DE-A4DB-495B-95AE-99CDDC855AF2}" type="datetime1">
               <a:rPr lang="de-DE" smtClean="0"/>
-              <a:t>16.02.2021</a:t>
+              <a:t>17.02.2021</a:t>
             </a:fld>
             <a:endParaRPr lang="en-US" dirty="0"/>
           </a:p>
@@ -3669,7 +3669,7 @@
             <a:pPr rtl="0"/>
             <a:fld id="{9EF45B0B-2729-48AC-9205-BE6F230C1D5B}" type="datetime1">
               <a:rPr lang="de-DE" smtClean="0"/>
-              <a:t>16.02.2021</a:t>
+              <a:t>17.02.2021</a:t>
             </a:fld>
             <a:endParaRPr lang="en-US" dirty="0"/>
           </a:p>
@@ -4070,7 +4070,7 @@
             <a:pPr rtl="0"/>
             <a:fld id="{8E4FF476-B6BA-4FEE-BDFF-03C42D8EF0BE}" type="datetime1">
               <a:rPr lang="de-DE" smtClean="0"/>
-              <a:t>16.02.2021</a:t>
+              <a:t>17.02.2021</a:t>
             </a:fld>
             <a:endParaRPr lang="en-US" dirty="0"/>
           </a:p>
@@ -4210,7 +4210,7 @@
             <a:pPr rtl="0"/>
             <a:fld id="{FA8FA527-88AE-4543-AEBC-7948E7487802}" type="datetime1">
               <a:rPr lang="de-DE" smtClean="0"/>
-              <a:t>16.02.2021</a:t>
+              <a:t>17.02.2021</a:t>
             </a:fld>
             <a:endParaRPr lang="en-US" dirty="0"/>
           </a:p>
@@ -4370,7 +4370,7 @@
             <a:pPr rtl="0"/>
             <a:fld id="{B57B0AEE-EFBF-48DE-9103-7B88127BA894}" type="datetime1">
               <a:rPr lang="de-DE" smtClean="0"/>
-              <a:t>16.02.2021</a:t>
+              <a:t>17.02.2021</a:t>
             </a:fld>
             <a:endParaRPr lang="en-US" dirty="0"/>
           </a:p>
@@ -4703,7 +4703,7 @@
             <a:pPr rtl="0"/>
             <a:fld id="{1C0B70E3-B486-492A-BCB4-D9B66A2BDF7C}" type="datetime1">
               <a:rPr lang="de-DE" smtClean="0"/>
-              <a:t>16.02.2021</a:t>
+              <a:t>17.02.2021</a:t>
             </a:fld>
             <a:endParaRPr lang="en-US" dirty="0"/>
           </a:p>
@@ -5058,7 +5058,7 @@
             <a:pPr rtl="0"/>
             <a:fld id="{61AEA410-FF34-4F91-83E1-92B094F01CEC}" type="datetime1">
               <a:rPr lang="de-DE" smtClean="0"/>
-              <a:t>16.02.2021</a:t>
+              <a:t>17.02.2021</a:t>
             </a:fld>
             <a:endParaRPr lang="en-US" dirty="0"/>
           </a:p>
@@ -5322,7 +5322,7 @@
             <a:pPr rtl="0"/>
             <a:fld id="{F4C9C9C2-3DC7-4CA0-92AE-978744C99D6B}" type="datetime1">
               <a:rPr lang="de-DE" smtClean="0"/>
-              <a:t>16.02.2021</a:t>
+              <a:t>17.02.2021</a:t>
             </a:fld>
             <a:endParaRPr lang="en-US" dirty="0"/>
           </a:p>
@@ -8773,7 +8773,7 @@
         <p:spPr>
           <a:xfrm>
             <a:off x="1208868" y="2030278"/>
-            <a:ext cx="9946812" cy="3970318"/>
+            <a:ext cx="9946812" cy="4847481"/>
           </a:xfrm>
           <a:prstGeom prst="rect">
             <a:avLst/>
@@ -8794,7 +8794,7 @@
               <a:buChar char="•"/>
             </a:pPr>
             <a:r>
-              <a:rPr lang="de-DE" sz="1600" dirty="0">
+              <a:rPr lang="de-DE" sz="1400" dirty="0">
                 <a:solidFill>
                   <a:srgbClr val="24292E"/>
                 </a:solidFill>
@@ -8803,7 +8803,7 @@
               <a:t> </a:t>
             </a:r>
             <a:r>
-              <a:rPr lang="de-DE" sz="1600" b="0" i="0" u="none" strike="noStrike" dirty="0">
+              <a:rPr lang="de-DE" sz="1400" b="0" i="0" u="none" strike="noStrike" dirty="0">
                 <a:solidFill>
                   <a:srgbClr val="24292E"/>
                 </a:solidFill>
@@ -8813,7 +8813,7 @@
               </a:rPr>
               <a:t>https://wiki.selfhtml.org/wiki/HTML/Formulare/input/button</a:t>
             </a:r>
-            <a:endParaRPr lang="de-DE" sz="1600" dirty="0">
+            <a:endParaRPr lang="de-DE" sz="1400" dirty="0">
               <a:solidFill>
                 <a:srgbClr val="24292E"/>
               </a:solidFill>
@@ -8829,7 +8829,7 @@
               <a:buChar char="•"/>
             </a:pPr>
             <a:r>
-              <a:rPr lang="de-DE" sz="1600" b="0" i="0" u="none" strike="noStrike" dirty="0">
+              <a:rPr lang="de-DE" sz="1400" b="0" i="0" u="none" strike="noStrike" dirty="0">
                 <a:solidFill>
                   <a:srgbClr val="24292E"/>
                 </a:solidFill>
@@ -8839,7 +8839,7 @@
               </a:rPr>
               <a:t>https://jsfiddle.net/red_stapler/wu3a0y6e/18/</a:t>
             </a:r>
-            <a:endParaRPr lang="de-DE" sz="1600" dirty="0">
+            <a:endParaRPr lang="de-DE" sz="1400" dirty="0">
               <a:solidFill>
                 <a:srgbClr val="24292E"/>
               </a:solidFill>
@@ -8855,7 +8855,7 @@
               <a:buChar char="•"/>
             </a:pPr>
             <a:r>
-              <a:rPr lang="de-DE" sz="1600" b="0" i="0" u="none" strike="noStrike" dirty="0">
+              <a:rPr lang="de-DE" sz="1400" b="0" i="0" u="none" strike="noStrike" dirty="0">
                 <a:solidFill>
                   <a:srgbClr val="24292E"/>
                 </a:solidFill>
@@ -8865,7 +8865,7 @@
               </a:rPr>
               <a:t>http://microbuilder.io/blog/2016/01/10/plotting-json-data-with-chart-js.html</a:t>
             </a:r>
-            <a:endParaRPr lang="de-DE" sz="1600" dirty="0">
+            <a:endParaRPr lang="de-DE" sz="1400" dirty="0">
               <a:solidFill>
                 <a:srgbClr val="24292E"/>
               </a:solidFill>
@@ -8881,7 +8881,7 @@
               <a:buChar char="•"/>
             </a:pPr>
             <a:r>
-              <a:rPr lang="de-DE" sz="1600" b="0" i="0" u="none" strike="noStrike" dirty="0">
+              <a:rPr lang="de-DE" sz="1400" b="0" i="0" u="none" strike="noStrike" dirty="0">
                 <a:solidFill>
                   <a:srgbClr val="24292E"/>
                 </a:solidFill>
@@ -8891,7 +8891,7 @@
               </a:rPr>
               <a:t>https://www.youtube.com/watch?v=NwgKh_QTKE0</a:t>
             </a:r>
-            <a:endParaRPr lang="de-DE" sz="1600" dirty="0">
+            <a:endParaRPr lang="de-DE" sz="1400" dirty="0">
               <a:solidFill>
                 <a:srgbClr val="24292E"/>
               </a:solidFill>
@@ -8907,7 +8907,7 @@
               <a:buChar char="•"/>
             </a:pPr>
             <a:r>
-              <a:rPr lang="de-DE" sz="1600" b="0" i="0" u="none" strike="noStrike" dirty="0">
+              <a:rPr lang="de-DE" sz="1400" b="0" i="0" u="none" strike="noStrike" dirty="0">
                 <a:solidFill>
                   <a:srgbClr val="24292E"/>
                 </a:solidFill>
@@ -8917,7 +8917,7 @@
               </a:rPr>
               <a:t>https://canvasjs.com/html5-javascript-spline-chart/</a:t>
             </a:r>
-            <a:endParaRPr lang="de-DE" sz="1600" dirty="0">
+            <a:endParaRPr lang="de-DE" sz="1400" dirty="0">
               <a:solidFill>
                 <a:srgbClr val="24292E"/>
               </a:solidFill>
@@ -8933,7 +8933,7 @@
               <a:buChar char="•"/>
             </a:pPr>
             <a:r>
-              <a:rPr lang="de-DE" sz="1600" dirty="0">
+              <a:rPr lang="de-DE" sz="1400" dirty="0">
                 <a:solidFill>
                   <a:srgbClr val="24292E"/>
                 </a:solidFill>
@@ -8942,7 +8942,7 @@
               </a:rPr>
               <a:t>https://canvasjs.com/html5-javascript-line-chart/</a:t>
             </a:r>
-            <a:endParaRPr lang="de-DE" sz="1600" dirty="0">
+            <a:endParaRPr lang="de-DE" sz="1400" dirty="0">
               <a:solidFill>
                 <a:srgbClr val="24292E"/>
               </a:solidFill>
@@ -8958,7 +8958,7 @@
               <a:buChar char="•"/>
             </a:pPr>
             <a:r>
-              <a:rPr lang="de-DE" sz="1600" b="0" i="0" u="none" strike="noStrike" dirty="0">
+              <a:rPr lang="de-DE" sz="1400" b="0" i="0" u="none" strike="noStrike" dirty="0">
                 <a:solidFill>
                   <a:srgbClr val="24292E"/>
                 </a:solidFill>
@@ -8968,7 +8968,7 @@
               </a:rPr>
               <a:t>https://canvasjs.com/docs/charts/basics-of-creating-html5-chart/updating-chart-options/</a:t>
             </a:r>
-            <a:endParaRPr lang="de-DE" sz="1600" dirty="0">
+            <a:endParaRPr lang="de-DE" sz="1400" dirty="0">
               <a:solidFill>
                 <a:srgbClr val="24292E"/>
               </a:solidFill>
@@ -8984,7 +8984,7 @@
               <a:buChar char="•"/>
             </a:pPr>
             <a:r>
-              <a:rPr lang="de-DE" sz="1600" b="0" i="0" u="none" strike="noStrike" dirty="0">
+              <a:rPr lang="de-DE" sz="1400" b="0" i="0" u="none" strike="noStrike" dirty="0">
                 <a:solidFill>
                   <a:srgbClr val="24292E"/>
                 </a:solidFill>
@@ -8994,7 +8994,7 @@
               </a:rPr>
               <a:t>https://canvasjs.com/docs/charts/methods/dataseries/addto/</a:t>
             </a:r>
-            <a:endParaRPr lang="de-DE" sz="1600" dirty="0">
+            <a:endParaRPr lang="de-DE" sz="1400" dirty="0">
               <a:solidFill>
                 <a:srgbClr val="24292E"/>
               </a:solidFill>
@@ -9010,7 +9010,7 @@
               <a:buChar char="•"/>
             </a:pPr>
             <a:r>
-              <a:rPr lang="de-DE" sz="1600" b="0" i="0" u="none" strike="noStrike" dirty="0">
+              <a:rPr lang="de-DE" sz="1400" b="0" i="0" u="none" strike="noStrike" dirty="0">
                 <a:solidFill>
                   <a:srgbClr val="24292E"/>
                 </a:solidFill>
@@ -9020,7 +9020,152 @@
               </a:rPr>
               <a:t>https://www.gesundheit.gv.at/leben/ernaehrung/info/fluessigkeitsbedarf</a:t>
             </a:r>
-            <a:endParaRPr lang="de-DE" sz="1600" b="0" i="0" dirty="0">
+            <a:endParaRPr lang="de-DE" sz="1400" b="0" i="0" u="none" strike="noStrike" dirty="0">
+              <a:solidFill>
+                <a:srgbClr val="24292E"/>
+              </a:solidFill>
+              <a:effectLst/>
+              <a:latin typeface="-apple-system"/>
+            </a:endParaRPr>
+          </a:p>
+          <a:p>
+            <a:pPr marL="285750" indent="-285750" algn="l">
+              <a:lnSpc>
+                <a:spcPct val="150000"/>
+              </a:lnSpc>
+              <a:buFont typeface="Arial" panose="020B0604020202020204" pitchFamily="34" charset="0"/>
+              <a:buChar char="•"/>
+            </a:pPr>
+            <a:r>
+              <a:rPr lang="de-DE" sz="1400" dirty="0">
+                <a:hlinkClick r:id="rId12"/>
+              </a:rPr>
+              <a:t>PHP </a:t>
+            </a:r>
+            <a:r>
+              <a:rPr lang="de-DE" sz="1400" dirty="0" err="1">
+                <a:hlinkClick r:id="rId12"/>
+              </a:rPr>
+              <a:t>MySQLi</a:t>
+            </a:r>
+            <a:r>
+              <a:rPr lang="de-DE" sz="1400" dirty="0">
+                <a:hlinkClick r:id="rId12"/>
+              </a:rPr>
+              <a:t> Einleitung - Dev-Tek.de (dev-tek.de)</a:t>
+            </a:r>
+            <a:endParaRPr lang="de-DE" sz="1400" dirty="0">
+              <a:solidFill>
+                <a:srgbClr val="24292E"/>
+              </a:solidFill>
+              <a:latin typeface="-apple-system"/>
+            </a:endParaRPr>
+          </a:p>
+          <a:p>
+            <a:pPr marL="285750" indent="-285750" algn="l">
+              <a:lnSpc>
+                <a:spcPct val="150000"/>
+              </a:lnSpc>
+              <a:buFont typeface="Arial" panose="020B0604020202020204" pitchFamily="34" charset="0"/>
+              <a:buChar char="•"/>
+            </a:pPr>
+            <a:r>
+              <a:rPr lang="en-US" sz="1400" dirty="0">
+                <a:hlinkClick r:id="rId13"/>
+              </a:rPr>
+              <a:t>PHP: </a:t>
+            </a:r>
+            <a:r>
+              <a:rPr lang="en-US" sz="1400" dirty="0" err="1">
+                <a:hlinkClick r:id="rId13"/>
+              </a:rPr>
+              <a:t>mysqli_result</a:t>
+            </a:r>
+            <a:r>
+              <a:rPr lang="en-US" sz="1400" dirty="0">
+                <a:hlinkClick r:id="rId13"/>
+              </a:rPr>
+              <a:t>::</a:t>
+            </a:r>
+            <a:r>
+              <a:rPr lang="en-US" sz="1400" dirty="0" err="1">
+                <a:hlinkClick r:id="rId13"/>
+              </a:rPr>
+              <a:t>fetch_array</a:t>
+            </a:r>
+            <a:r>
+              <a:rPr lang="en-US" sz="1400" dirty="0">
+                <a:hlinkClick r:id="rId13"/>
+              </a:rPr>
+              <a:t> – Manual</a:t>
+            </a:r>
+            <a:endParaRPr lang="de-DE" sz="1400" dirty="0">
+              <a:solidFill>
+                <a:srgbClr val="24292E"/>
+              </a:solidFill>
+              <a:latin typeface="-apple-system"/>
+            </a:endParaRPr>
+          </a:p>
+          <a:p>
+            <a:pPr marL="285750" indent="-285750" algn="l">
+              <a:lnSpc>
+                <a:spcPct val="150000"/>
+              </a:lnSpc>
+              <a:buFont typeface="Arial" panose="020B0604020202020204" pitchFamily="34" charset="0"/>
+              <a:buChar char="•"/>
+            </a:pPr>
+            <a:r>
+              <a:rPr lang="de-DE" sz="1400" dirty="0">
+                <a:hlinkClick r:id="rId14"/>
+              </a:rPr>
+              <a:t>PHP: </a:t>
+            </a:r>
+            <a:r>
+              <a:rPr lang="de-DE" sz="1400" dirty="0" err="1">
+                <a:hlinkClick r:id="rId14"/>
+              </a:rPr>
+              <a:t>array_sum</a:t>
+            </a:r>
+            <a:r>
+              <a:rPr lang="de-DE" sz="1400" dirty="0">
+                <a:hlinkClick r:id="rId14"/>
+              </a:rPr>
+              <a:t> – Manual</a:t>
+            </a:r>
+            <a:endParaRPr lang="de-DE" sz="1400" dirty="0">
+              <a:solidFill>
+                <a:srgbClr val="24292E"/>
+              </a:solidFill>
+              <a:latin typeface="-apple-system"/>
+            </a:endParaRPr>
+          </a:p>
+          <a:p>
+            <a:pPr marL="285750" indent="-285750" algn="l">
+              <a:lnSpc>
+                <a:spcPct val="150000"/>
+              </a:lnSpc>
+              <a:buFont typeface="Arial" panose="020B0604020202020204" pitchFamily="34" charset="0"/>
+              <a:buChar char="•"/>
+            </a:pPr>
+            <a:r>
+              <a:rPr lang="de-DE" sz="1400" dirty="0">
+                <a:hlinkClick r:id="rId15"/>
+              </a:rPr>
+              <a:t>Passing PHP Variables </a:t>
+            </a:r>
+            <a:r>
+              <a:rPr lang="de-DE" sz="1400" dirty="0" err="1">
+                <a:hlinkClick r:id="rId15"/>
+              </a:rPr>
+              <a:t>to</a:t>
+            </a:r>
+            <a:r>
+              <a:rPr lang="de-DE" sz="1400" dirty="0">
+                <a:hlinkClick r:id="rId15"/>
+              </a:rPr>
+              <a:t> JavaScript (dyn-web.com)</a:t>
+            </a:r>
+            <a:endParaRPr lang="de-DE" sz="1400" b="0" i="0" dirty="0">
               <a:solidFill>
                 <a:srgbClr val="24292E"/>
               </a:solidFill>
@@ -9545,7 +9690,7 @@
         </p:spPr>
         <p:txBody>
           <a:bodyPr>
-            <a:normAutofit lnSpcReduction="10000"/>
+            <a:normAutofit/>
           </a:bodyPr>
           <a:lstStyle/>
           <a:p>
@@ -9630,18 +9775,6 @@
                 <a:latin typeface="-apple-system"/>
               </a:rPr>
               <a:t>Ausblick</a:t>
-            </a:r>
-          </a:p>
-          <a:p>
-            <a:pPr marL="457200" indent="-457200">
-              <a:buFont typeface="+mj-lt"/>
-              <a:buAutoNum type="arabicPeriod"/>
-            </a:pPr>
-            <a:r>
-              <a:rPr lang="de-DE" dirty="0">
-                <a:latin typeface="-apple-system"/>
-              </a:rPr>
-              <a:t>Fazit</a:t>
             </a:r>
           </a:p>
           <a:p>

--- a/Audits/Audit 4/WS2020_SerttasPlackenhohn_Audit4.pptx
+++ b/Audits/Audit 4/WS2020_SerttasPlackenhohn_Audit4.pptx
@@ -17,12 +17,12 @@
     <p:sldId id="261" r:id="rId5"/>
     <p:sldId id="394" r:id="rId6"/>
     <p:sldId id="263" r:id="rId7"/>
-    <p:sldId id="381" r:id="rId8"/>
-    <p:sldId id="400" r:id="rId9"/>
-    <p:sldId id="402" r:id="rId10"/>
-    <p:sldId id="404" r:id="rId11"/>
-    <p:sldId id="405" r:id="rId12"/>
-    <p:sldId id="408" r:id="rId13"/>
+    <p:sldId id="409" r:id="rId8"/>
+    <p:sldId id="381" r:id="rId9"/>
+    <p:sldId id="400" r:id="rId10"/>
+    <p:sldId id="402" r:id="rId11"/>
+    <p:sldId id="404" r:id="rId12"/>
+    <p:sldId id="405" r:id="rId13"/>
     <p:sldId id="403" r:id="rId14"/>
     <p:sldId id="406" r:id="rId15"/>
     <p:sldId id="407" r:id="rId16"/>
@@ -1559,7 +1559,7 @@
             <a:pPr rtl="0"/>
             <a:fld id="{9C2B151B-D7D1-48E5-8230-5AADBC794F88}" type="slidenum">
               <a:rPr lang="en-US" smtClean="0"/>
-              <a:t>7</a:t>
+              <a:t>8</a:t>
             </a:fld>
             <a:endParaRPr lang="en-US"/>
           </a:p>
@@ -1668,7 +1668,7 @@
             <a:pPr rtl="0"/>
             <a:fld id="{9C2B151B-D7D1-48E5-8230-5AADBC794F88}" type="slidenum">
               <a:rPr lang="en-US" smtClean="0"/>
-              <a:t>8</a:t>
+              <a:t>9</a:t>
             </a:fld>
             <a:endParaRPr lang="en-US"/>
           </a:p>
@@ -1731,16 +1731,6 @@
           <a:bodyPr/>
           <a:lstStyle/>
           <a:p>
-            <a:r>
-              <a:rPr lang="de-DE" b="0" i="0" dirty="0">
-                <a:solidFill>
-                  <a:srgbClr val="24292E"/>
-                </a:solidFill>
-                <a:effectLst/>
-                <a:latin typeface="-apple-system"/>
-              </a:rPr>
-              <a:t>Hier wird der Durchschnitt(Wert) aller Fragen berechnet, damit man diese später besser als Kurve darstellen kann.</a:t>
-            </a:r>
             <a:endParaRPr lang="de-DE" dirty="0"/>
           </a:p>
         </p:txBody>
@@ -1787,7 +1777,7 @@
             <a:pPr rtl="0"/>
             <a:fld id="{9C2B151B-D7D1-48E5-8230-5AADBC794F88}" type="slidenum">
               <a:rPr lang="en-US" smtClean="0"/>
-              <a:t>12</a:t>
+              <a:t>13</a:t>
             </a:fld>
             <a:endParaRPr lang="en-US"/>
           </a:p>
@@ -1796,7 +1786,7 @@
     </p:spTree>
     <p:extLst>
       <p:ext uri="{BB962C8B-B14F-4D97-AF65-F5344CB8AC3E}">
-        <p14:creationId xmlns:p14="http://schemas.microsoft.com/office/powerpoint/2010/main" val="3776798473"/>
+        <p14:creationId xmlns:p14="http://schemas.microsoft.com/office/powerpoint/2010/main" val="992739036"/>
       </p:ext>
     </p:extLst>
   </p:cSld>
@@ -6207,7 +6197,7 @@
           <p:cNvPr id="2" name="Titel 1">
             <a:extLst>
               <a:ext uri="{FF2B5EF4-FFF2-40B4-BE49-F238E27FC236}">
-                <a16:creationId xmlns:a16="http://schemas.microsoft.com/office/drawing/2014/main" id="{53C4AC70-4E3E-43AE-8994-33F95C36BA92}"/>
+                <a16:creationId xmlns:a16="http://schemas.microsoft.com/office/drawing/2014/main" id="{4E4056F1-95D3-4103-B2BE-651E4D917EE6}"/>
               </a:ext>
             </a:extLst>
           </p:cNvPr>
@@ -6218,14 +6208,19 @@
             <p:ph type="title"/>
           </p:nvPr>
         </p:nvSpPr>
-        <p:spPr/>
+        <p:spPr>
+          <a:xfrm>
+            <a:off x="1097280" y="186590"/>
+            <a:ext cx="10058400" cy="1450757"/>
+          </a:xfrm>
+        </p:spPr>
         <p:txBody>
           <a:bodyPr/>
           <a:lstStyle/>
           <a:p>
             <a:r>
               <a:rPr lang="de-DE" dirty="0"/>
-              <a:t>SQL Datenbank Umfrage</a:t>
+              <a:t>ER-Diagramm Umfrage</a:t>
             </a:r>
           </a:p>
         </p:txBody>
@@ -6235,7 +6230,7 @@
           <p:cNvPr id="4" name="Foliennummernplatzhalter 3">
             <a:extLst>
               <a:ext uri="{FF2B5EF4-FFF2-40B4-BE49-F238E27FC236}">
-                <a16:creationId xmlns:a16="http://schemas.microsoft.com/office/drawing/2014/main" id="{0F42732D-A4AD-43D8-B118-8D899A61F12C}"/>
+                <a16:creationId xmlns:a16="http://schemas.microsoft.com/office/drawing/2014/main" id="{ED11B56A-F565-4118-A8F3-E25EDF21E261}"/>
               </a:ext>
             </a:extLst>
           </p:cNvPr>
@@ -6265,7 +6260,7 @@
           <p:cNvPr id="6" name="Grafik 5">
             <a:extLst>
               <a:ext uri="{FF2B5EF4-FFF2-40B4-BE49-F238E27FC236}">
-                <a16:creationId xmlns:a16="http://schemas.microsoft.com/office/drawing/2014/main" id="{E80FFAEA-8E2E-4C2E-8A20-79872E4B2E8E}"/>
+                <a16:creationId xmlns:a16="http://schemas.microsoft.com/office/drawing/2014/main" id="{64E5C97B-47D7-4F8D-AF58-DC36F8ECFF72}"/>
               </a:ext>
             </a:extLst>
           </p:cNvPr>
@@ -6288,18 +6283,53 @@
         </p:blipFill>
         <p:spPr>
           <a:xfrm>
-            <a:off x="1158289" y="2641341"/>
-            <a:ext cx="9997391" cy="1450757"/>
+            <a:off x="1604507" y="1962213"/>
+            <a:ext cx="9100872" cy="3761694"/>
           </a:xfrm>
           <a:prstGeom prst="rect">
             <a:avLst/>
           </a:prstGeom>
         </p:spPr>
       </p:pic>
+      <p:sp>
+        <p:nvSpPr>
+          <p:cNvPr id="5" name="Textfeld 4">
+            <a:extLst>
+              <a:ext uri="{FF2B5EF4-FFF2-40B4-BE49-F238E27FC236}">
+                <a16:creationId xmlns:a16="http://schemas.microsoft.com/office/drawing/2014/main" id="{38450409-229E-4473-A68F-2208EA3F7838}"/>
+              </a:ext>
+            </a:extLst>
+          </p:cNvPr>
+          <p:cNvSpPr txBox="1"/>
+          <p:nvPr/>
+        </p:nvSpPr>
+        <p:spPr>
+          <a:xfrm>
+            <a:off x="10015668" y="1452681"/>
+            <a:ext cx="2158104" cy="369332"/>
+          </a:xfrm>
+          <a:prstGeom prst="rect">
+            <a:avLst/>
+          </a:prstGeom>
+          <a:noFill/>
+        </p:spPr>
+        <p:txBody>
+          <a:bodyPr wrap="square" rtlCol="0">
+            <a:spAutoFit/>
+          </a:bodyPr>
+          <a:lstStyle/>
+          <a:p>
+            <a:r>
+              <a:rPr lang="de-DE" dirty="0"/>
+              <a:t>Umgesetzt</a:t>
+            </a:r>
+          </a:p>
+        </p:txBody>
+      </p:sp>
     </p:spTree>
     <p:extLst>
       <p:ext uri="{BB962C8B-B14F-4D97-AF65-F5344CB8AC3E}">
-        <p14:creationId xmlns:p14="http://schemas.microsoft.com/office/powerpoint/2010/main" val="434794103"/>
+        <p14:creationId xmlns:p14="http://schemas.microsoft.com/office/powerpoint/2010/main" val="4161186463"/>
       </p:ext>
     </p:extLst>
   </p:cSld>
@@ -6331,7 +6361,7 @@
           <p:cNvPr id="2" name="Titel 1">
             <a:extLst>
               <a:ext uri="{FF2B5EF4-FFF2-40B4-BE49-F238E27FC236}">
-                <a16:creationId xmlns:a16="http://schemas.microsoft.com/office/drawing/2014/main" id="{A2F404CC-5FDC-484F-8C5C-BBABDE280C96}"/>
+                <a16:creationId xmlns:a16="http://schemas.microsoft.com/office/drawing/2014/main" id="{53C4AC70-4E3E-43AE-8994-33F95C36BA92}"/>
               </a:ext>
             </a:extLst>
           </p:cNvPr>
@@ -6349,7 +6379,7 @@
           <a:p>
             <a:r>
               <a:rPr lang="de-DE" dirty="0"/>
-              <a:t>SQL Struktur Umfrage</a:t>
+              <a:t>SQL Datenbank Umfrage</a:t>
             </a:r>
           </a:p>
         </p:txBody>
@@ -6359,7 +6389,7 @@
           <p:cNvPr id="4" name="Foliennummernplatzhalter 3">
             <a:extLst>
               <a:ext uri="{FF2B5EF4-FFF2-40B4-BE49-F238E27FC236}">
-                <a16:creationId xmlns:a16="http://schemas.microsoft.com/office/drawing/2014/main" id="{E9898528-BCEC-4CEA-BF98-0B01018CCB93}"/>
+                <a16:creationId xmlns:a16="http://schemas.microsoft.com/office/drawing/2014/main" id="{0F42732D-A4AD-43D8-B118-8D899A61F12C}"/>
               </a:ext>
             </a:extLst>
           </p:cNvPr>
@@ -6386,10 +6416,10 @@
       </p:sp>
       <p:pic>
         <p:nvPicPr>
-          <p:cNvPr id="6" name="Grafik 5" descr="Ein Bild, das Tisch enthält.&#10;&#10;Automatisch generierte Beschreibung">
-            <a:extLst>
-              <a:ext uri="{FF2B5EF4-FFF2-40B4-BE49-F238E27FC236}">
-                <a16:creationId xmlns:a16="http://schemas.microsoft.com/office/drawing/2014/main" id="{75632BF8-7E5B-47E2-8D50-96171E93A81B}"/>
+          <p:cNvPr id="6" name="Grafik 5">
+            <a:extLst>
+              <a:ext uri="{FF2B5EF4-FFF2-40B4-BE49-F238E27FC236}">
+                <a16:creationId xmlns:a16="http://schemas.microsoft.com/office/drawing/2014/main" id="{E80FFAEA-8E2E-4C2E-8A20-79872E4B2E8E}"/>
               </a:ext>
             </a:extLst>
           </p:cNvPr>
@@ -6412,18 +6442,53 @@
         </p:blipFill>
         <p:spPr>
           <a:xfrm>
-            <a:off x="931596" y="2129246"/>
-            <a:ext cx="10389767" cy="3541782"/>
+            <a:off x="1158289" y="2641341"/>
+            <a:ext cx="9997391" cy="1450757"/>
           </a:xfrm>
           <a:prstGeom prst="rect">
             <a:avLst/>
           </a:prstGeom>
         </p:spPr>
       </p:pic>
+      <p:sp>
+        <p:nvSpPr>
+          <p:cNvPr id="5" name="Textfeld 4">
+            <a:extLst>
+              <a:ext uri="{FF2B5EF4-FFF2-40B4-BE49-F238E27FC236}">
+                <a16:creationId xmlns:a16="http://schemas.microsoft.com/office/drawing/2014/main" id="{BBAE33A2-FF1B-4C08-98A5-FB7787107E03}"/>
+              </a:ext>
+            </a:extLst>
+          </p:cNvPr>
+          <p:cNvSpPr txBox="1"/>
+          <p:nvPr/>
+        </p:nvSpPr>
+        <p:spPr>
+          <a:xfrm>
+            <a:off x="10015668" y="1452681"/>
+            <a:ext cx="2158104" cy="369332"/>
+          </a:xfrm>
+          <a:prstGeom prst="rect">
+            <a:avLst/>
+          </a:prstGeom>
+          <a:noFill/>
+        </p:spPr>
+        <p:txBody>
+          <a:bodyPr wrap="square" rtlCol="0">
+            <a:spAutoFit/>
+          </a:bodyPr>
+          <a:lstStyle/>
+          <a:p>
+            <a:r>
+              <a:rPr lang="de-DE" dirty="0"/>
+              <a:t>Umgesetzt</a:t>
+            </a:r>
+          </a:p>
+        </p:txBody>
+      </p:sp>
     </p:spTree>
     <p:extLst>
       <p:ext uri="{BB962C8B-B14F-4D97-AF65-F5344CB8AC3E}">
-        <p14:creationId xmlns:p14="http://schemas.microsoft.com/office/powerpoint/2010/main" val="1831127501"/>
+        <p14:creationId xmlns:p14="http://schemas.microsoft.com/office/powerpoint/2010/main" val="434794103"/>
       </p:ext>
     </p:extLst>
   </p:cSld>
@@ -6455,7 +6520,7 @@
           <p:cNvPr id="2" name="Titel 1">
             <a:extLst>
               <a:ext uri="{FF2B5EF4-FFF2-40B4-BE49-F238E27FC236}">
-                <a16:creationId xmlns:a16="http://schemas.microsoft.com/office/drawing/2014/main" id="{A2D3A25A-5204-45CD-91C8-B6A7852910A3}"/>
+                <a16:creationId xmlns:a16="http://schemas.microsoft.com/office/drawing/2014/main" id="{A2F404CC-5FDC-484F-8C5C-BBABDE280C96}"/>
               </a:ext>
             </a:extLst>
           </p:cNvPr>
@@ -6473,7 +6538,7 @@
           <a:p>
             <a:r>
               <a:rPr lang="de-DE" dirty="0"/>
-              <a:t>SQL Datenbank Umfrage Auswertung</a:t>
+              <a:t>SQL Struktur Umfrage</a:t>
             </a:r>
           </a:p>
         </p:txBody>
@@ -6483,7 +6548,7 @@
           <p:cNvPr id="4" name="Foliennummernplatzhalter 3">
             <a:extLst>
               <a:ext uri="{FF2B5EF4-FFF2-40B4-BE49-F238E27FC236}">
-                <a16:creationId xmlns:a16="http://schemas.microsoft.com/office/drawing/2014/main" id="{B2133442-97E1-4466-84EC-0776884F4D30}"/>
+                <a16:creationId xmlns:a16="http://schemas.microsoft.com/office/drawing/2014/main" id="{E9898528-BCEC-4CEA-BF98-0B01018CCB93}"/>
               </a:ext>
             </a:extLst>
           </p:cNvPr>
@@ -6510,10 +6575,10 @@
       </p:sp>
       <p:pic>
         <p:nvPicPr>
-          <p:cNvPr id="6" name="Grafik 5">
-            <a:extLst>
-              <a:ext uri="{FF2B5EF4-FFF2-40B4-BE49-F238E27FC236}">
-                <a16:creationId xmlns:a16="http://schemas.microsoft.com/office/drawing/2014/main" id="{5F87EF04-00CF-4AF4-AC65-0923600AC66A}"/>
+          <p:cNvPr id="6" name="Grafik 5" descr="Ein Bild, das Tisch enthält.&#10;&#10;Automatisch generierte Beschreibung">
+            <a:extLst>
+              <a:ext uri="{FF2B5EF4-FFF2-40B4-BE49-F238E27FC236}">
+                <a16:creationId xmlns:a16="http://schemas.microsoft.com/office/drawing/2014/main" id="{75632BF8-7E5B-47E2-8D50-96171E93A81B}"/>
               </a:ext>
             </a:extLst>
           </p:cNvPr>
@@ -6523,7 +6588,7 @@
           <p:nvPr/>
         </p:nvPicPr>
         <p:blipFill>
-          <a:blip r:embed="rId3">
+          <a:blip r:embed="rId2">
             <a:extLst>
               <a:ext uri="{28A0092B-C50C-407E-A947-70E740481C1C}">
                 <a14:useLocalDpi xmlns:a14="http://schemas.microsoft.com/office/drawing/2010/main" val="0"/>
@@ -6536,18 +6601,53 @@
         </p:blipFill>
         <p:spPr>
           <a:xfrm>
-            <a:off x="1672820" y="2122086"/>
-            <a:ext cx="8907319" cy="3940026"/>
+            <a:off x="931596" y="2129246"/>
+            <a:ext cx="10389767" cy="3541782"/>
           </a:xfrm>
           <a:prstGeom prst="rect">
             <a:avLst/>
           </a:prstGeom>
         </p:spPr>
       </p:pic>
+      <p:sp>
+        <p:nvSpPr>
+          <p:cNvPr id="5" name="Textfeld 4">
+            <a:extLst>
+              <a:ext uri="{FF2B5EF4-FFF2-40B4-BE49-F238E27FC236}">
+                <a16:creationId xmlns:a16="http://schemas.microsoft.com/office/drawing/2014/main" id="{231EEC7C-B27D-48E3-9088-5B9CA9FF43FF}"/>
+              </a:ext>
+            </a:extLst>
+          </p:cNvPr>
+          <p:cNvSpPr txBox="1"/>
+          <p:nvPr/>
+        </p:nvSpPr>
+        <p:spPr>
+          <a:xfrm>
+            <a:off x="10015668" y="1452681"/>
+            <a:ext cx="2158104" cy="369332"/>
+          </a:xfrm>
+          <a:prstGeom prst="rect">
+            <a:avLst/>
+          </a:prstGeom>
+          <a:noFill/>
+        </p:spPr>
+        <p:txBody>
+          <a:bodyPr wrap="square" rtlCol="0">
+            <a:spAutoFit/>
+          </a:bodyPr>
+          <a:lstStyle/>
+          <a:p>
+            <a:r>
+              <a:rPr lang="de-DE" dirty="0"/>
+              <a:t>Umgesetzt</a:t>
+            </a:r>
+          </a:p>
+        </p:txBody>
+      </p:sp>
     </p:spTree>
     <p:extLst>
       <p:ext uri="{BB962C8B-B14F-4D97-AF65-F5344CB8AC3E}">
-        <p14:creationId xmlns:p14="http://schemas.microsoft.com/office/powerpoint/2010/main" val="2836353388"/>
+        <p14:creationId xmlns:p14="http://schemas.microsoft.com/office/powerpoint/2010/main" val="1831127501"/>
       </p:ext>
     </p:extLst>
   </p:cSld>
@@ -6647,7 +6747,7 @@
           <p:nvPr/>
         </p:nvPicPr>
         <p:blipFill rotWithShape="1">
-          <a:blip r:embed="rId2">
+          <a:blip r:embed="rId3">
             <a:extLst>
               <a:ext uri="{28A0092B-C50C-407E-A947-70E740481C1C}">
                 <a14:useLocalDpi xmlns:a14="http://schemas.microsoft.com/office/drawing/2010/main" val="0"/>
@@ -6667,6 +6767,41 @@
           </a:prstGeom>
         </p:spPr>
       </p:pic>
+      <p:sp>
+        <p:nvSpPr>
+          <p:cNvPr id="3" name="Textfeld 2">
+            <a:extLst>
+              <a:ext uri="{FF2B5EF4-FFF2-40B4-BE49-F238E27FC236}">
+                <a16:creationId xmlns:a16="http://schemas.microsoft.com/office/drawing/2014/main" id="{3725DAE3-D620-4329-BB86-C99E592409B3}"/>
+              </a:ext>
+            </a:extLst>
+          </p:cNvPr>
+          <p:cNvSpPr txBox="1"/>
+          <p:nvPr/>
+        </p:nvSpPr>
+        <p:spPr>
+          <a:xfrm>
+            <a:off x="9409881" y="1473124"/>
+            <a:ext cx="2158104" cy="369332"/>
+          </a:xfrm>
+          <a:prstGeom prst="rect">
+            <a:avLst/>
+          </a:prstGeom>
+          <a:noFill/>
+        </p:spPr>
+        <p:txBody>
+          <a:bodyPr wrap="square" rtlCol="0">
+            <a:spAutoFit/>
+          </a:bodyPr>
+          <a:lstStyle/>
+          <a:p>
+            <a:r>
+              <a:rPr lang="de-DE" dirty="0"/>
+              <a:t>Nicht umgesetzt</a:t>
+            </a:r>
+          </a:p>
+        </p:txBody>
+      </p:sp>
     </p:spTree>
     <p:extLst>
       <p:ext uri="{BB962C8B-B14F-4D97-AF65-F5344CB8AC3E}">
@@ -6827,6 +6962,41 @@
           </a:prstGeom>
         </p:spPr>
       </p:pic>
+      <p:sp>
+        <p:nvSpPr>
+          <p:cNvPr id="7" name="Textfeld 6">
+            <a:extLst>
+              <a:ext uri="{FF2B5EF4-FFF2-40B4-BE49-F238E27FC236}">
+                <a16:creationId xmlns:a16="http://schemas.microsoft.com/office/drawing/2014/main" id="{A0C45FFC-1D80-415F-AEB8-965C748DC274}"/>
+              </a:ext>
+            </a:extLst>
+          </p:cNvPr>
+          <p:cNvSpPr txBox="1"/>
+          <p:nvPr/>
+        </p:nvSpPr>
+        <p:spPr>
+          <a:xfrm>
+            <a:off x="9409881" y="1473124"/>
+            <a:ext cx="2158104" cy="369332"/>
+          </a:xfrm>
+          <a:prstGeom prst="rect">
+            <a:avLst/>
+          </a:prstGeom>
+          <a:noFill/>
+        </p:spPr>
+        <p:txBody>
+          <a:bodyPr wrap="square" rtlCol="0">
+            <a:spAutoFit/>
+          </a:bodyPr>
+          <a:lstStyle/>
+          <a:p>
+            <a:r>
+              <a:rPr lang="de-DE" dirty="0"/>
+              <a:t>Nicht umgesetzt</a:t>
+            </a:r>
+          </a:p>
+        </p:txBody>
+      </p:sp>
     </p:spTree>
     <p:extLst>
       <p:ext uri="{BB962C8B-B14F-4D97-AF65-F5344CB8AC3E}">
@@ -6987,6 +7157,41 @@
           </a:prstGeom>
         </p:spPr>
       </p:pic>
+      <p:sp>
+        <p:nvSpPr>
+          <p:cNvPr id="7" name="Textfeld 6">
+            <a:extLst>
+              <a:ext uri="{FF2B5EF4-FFF2-40B4-BE49-F238E27FC236}">
+                <a16:creationId xmlns:a16="http://schemas.microsoft.com/office/drawing/2014/main" id="{B6BEE93D-56FE-4DD0-9DBA-6170FA6AF840}"/>
+              </a:ext>
+            </a:extLst>
+          </p:cNvPr>
+          <p:cNvSpPr txBox="1"/>
+          <p:nvPr/>
+        </p:nvSpPr>
+        <p:spPr>
+          <a:xfrm>
+            <a:off x="9409881" y="1473124"/>
+            <a:ext cx="2158104" cy="369332"/>
+          </a:xfrm>
+          <a:prstGeom prst="rect">
+            <a:avLst/>
+          </a:prstGeom>
+          <a:noFill/>
+        </p:spPr>
+        <p:txBody>
+          <a:bodyPr wrap="square" rtlCol="0">
+            <a:spAutoFit/>
+          </a:bodyPr>
+          <a:lstStyle/>
+          <a:p>
+            <a:r>
+              <a:rPr lang="de-DE" dirty="0"/>
+              <a:t>Nicht umgesetzt</a:t>
+            </a:r>
+          </a:p>
+        </p:txBody>
+      </p:sp>
     </p:spTree>
     <p:extLst>
       <p:ext uri="{BB962C8B-B14F-4D97-AF65-F5344CB8AC3E}">
@@ -8772,7 +8977,7 @@
         </p:nvSpPr>
         <p:spPr>
           <a:xfrm>
-            <a:off x="1208868" y="2030278"/>
+            <a:off x="1208868" y="1930262"/>
             <a:ext cx="9946812" cy="4847481"/>
           </a:xfrm>
           <a:prstGeom prst="rect">
@@ -9684,8 +9889,8 @@
         </p:nvSpPr>
         <p:spPr>
           <a:xfrm>
-            <a:off x="1097280" y="2286586"/>
-            <a:ext cx="10058400" cy="4160252"/>
+            <a:off x="1192283" y="2001583"/>
+            <a:ext cx="10058400" cy="4268587"/>
           </a:xfrm>
         </p:spPr>
         <p:txBody>
@@ -9712,6 +9917,15 @@
                 <a:latin typeface="-apple-system"/>
               </a:rPr>
               <a:t>Domänenmodell</a:t>
+            </a:r>
+          </a:p>
+          <a:p>
+            <a:pPr marL="635508" lvl="1" indent="-342900"/>
+            <a:r>
+              <a:rPr lang="de-DE" dirty="0">
+                <a:latin typeface="-apple-system"/>
+              </a:rPr>
+              <a:t>Use-Case</a:t>
             </a:r>
           </a:p>
           <a:p>
@@ -9880,9 +10094,10 @@
           <a:lstStyle/>
           <a:p>
             <a:r>
-              <a:rPr lang="de-DE" sz="7400" dirty="0"/>
+              <a:rPr lang="de-DE" sz="7400"/>
               <a:t>Iterierte Modellierung</a:t>
             </a:r>
+            <a:endParaRPr lang="de-DE" sz="7400" dirty="0"/>
           </a:p>
         </p:txBody>
       </p:sp>
@@ -10168,7 +10383,7 @@
           <p:cNvPr id="2" name="Titel 1">
             <a:extLst>
               <a:ext uri="{FF2B5EF4-FFF2-40B4-BE49-F238E27FC236}">
-                <a16:creationId xmlns:a16="http://schemas.microsoft.com/office/drawing/2014/main" id="{436359DD-4B52-4F0A-9866-3DCBBE533075}"/>
+                <a16:creationId xmlns:a16="http://schemas.microsoft.com/office/drawing/2014/main" id="{62B3ADCB-147C-4F7A-A007-124FB6562639}"/>
               </a:ext>
             </a:extLst>
           </p:cNvPr>
@@ -10177,40 +10392,83 @@
           </p:cNvSpPr>
           <p:nvPr>
             <p:ph type="title"/>
-          </p:nvPr>
-        </p:nvSpPr>
-        <p:spPr/>
-        <p:txBody>
-          <a:bodyPr/>
-          <a:lstStyle/>
-          <a:p>
-            <a:r>
-              <a:rPr lang="de-DE" dirty="0"/>
-              <a:t>Coding</a:t>
-            </a:r>
-          </a:p>
-        </p:txBody>
-      </p:sp>
-      <p:sp>
-        <p:nvSpPr>
-          <p:cNvPr id="3" name="Textplatzhalter 2">
-            <a:extLst>
-              <a:ext uri="{FF2B5EF4-FFF2-40B4-BE49-F238E27FC236}">
-                <a16:creationId xmlns:a16="http://schemas.microsoft.com/office/drawing/2014/main" id="{020E7A6C-5273-4AF6-A6C9-99B7EF7074CF}"/>
-              </a:ext>
-            </a:extLst>
-          </p:cNvPr>
-          <p:cNvSpPr>
-            <a:spLocks noGrp="1"/>
-          </p:cNvSpPr>
-          <p:nvPr>
-            <p:ph type="body" idx="1"/>
           </p:nvPr>
         </p:nvSpPr>
         <p:spPr>
           <a:xfrm>
-            <a:off x="1097280" y="4663440"/>
-            <a:ext cx="10504910" cy="1143000"/>
+            <a:off x="643466" y="786383"/>
+            <a:ext cx="3517567" cy="2093975"/>
+          </a:xfrm>
+        </p:spPr>
+        <p:txBody>
+          <a:bodyPr anchor="b">
+            <a:normAutofit/>
+          </a:bodyPr>
+          <a:lstStyle/>
+          <a:p>
+            <a:r>
+              <a:rPr lang="de-DE" dirty="0"/>
+              <a:t>Use-Case</a:t>
+            </a:r>
+          </a:p>
+        </p:txBody>
+      </p:sp>
+      <p:pic>
+        <p:nvPicPr>
+          <p:cNvPr id="6" name="Grafik 5">
+            <a:extLst>
+              <a:ext uri="{FF2B5EF4-FFF2-40B4-BE49-F238E27FC236}">
+                <a16:creationId xmlns:a16="http://schemas.microsoft.com/office/drawing/2014/main" id="{B2A18E4F-7DBA-480E-8B38-CF231DCE7287}"/>
+              </a:ext>
+            </a:extLst>
+          </p:cNvPr>
+          <p:cNvPicPr>
+            <a:picLocks noChangeAspect="1"/>
+          </p:cNvPicPr>
+          <p:nvPr/>
+        </p:nvPicPr>
+        <p:blipFill rotWithShape="1">
+          <a:blip r:embed="rId2">
+            <a:extLst>
+              <a:ext uri="{28A0092B-C50C-407E-A947-70E740481C1C}">
+                <a14:useLocalDpi xmlns:a14="http://schemas.microsoft.com/office/drawing/2010/main" val="0"/>
+              </a:ext>
+            </a:extLst>
+          </a:blip>
+          <a:srcRect l="5069" t="3458" r="1785" b="8180"/>
+          <a:stretch/>
+        </p:blipFill>
+        <p:spPr>
+          <a:xfrm>
+            <a:off x="4661207" y="1489718"/>
+            <a:ext cx="7518917" cy="4154820"/>
+          </a:xfrm>
+          <a:prstGeom prst="rect">
+            <a:avLst/>
+          </a:prstGeom>
+          <a:noFill/>
+        </p:spPr>
+      </p:pic>
+      <p:sp>
+        <p:nvSpPr>
+          <p:cNvPr id="11" name="Text Placeholder 3">
+            <a:extLst>
+              <a:ext uri="{FF2B5EF4-FFF2-40B4-BE49-F238E27FC236}">
+                <a16:creationId xmlns:a16="http://schemas.microsoft.com/office/drawing/2014/main" id="{2070856C-BA20-448A-A6A5-A4EA714F2C2F}"/>
+              </a:ext>
+            </a:extLst>
+          </p:cNvPr>
+          <p:cNvSpPr>
+            <a:spLocks noGrp="1"/>
+          </p:cNvSpPr>
+          <p:nvPr>
+            <p:ph type="body" sz="half" idx="2"/>
+          </p:nvPr>
+        </p:nvSpPr>
+        <p:spPr>
+          <a:xfrm>
+            <a:off x="643465" y="3043050"/>
+            <a:ext cx="3517567" cy="3064505"/>
           </a:xfrm>
         </p:spPr>
         <p:txBody>
@@ -10220,35 +10478,10 @@
           <a:lstStyle/>
           <a:p>
             <a:r>
-              <a:rPr lang="de-DE" sz="2000" dirty="0"/>
-              <a:t>Den code dazu finden SIE in UNSEREM GitHub: </a:t>
-            </a:r>
-            <a:br>
-              <a:rPr lang="de-DE" sz="2000" dirty="0"/>
-            </a:br>
-            <a:r>
-              <a:rPr lang="de-DE" sz="1400" dirty="0"/>
-              <a:t>* </a:t>
-            </a:r>
-            <a:r>
-              <a:rPr lang="de-DE" sz="1400" dirty="0">
-                <a:hlinkClick r:id="rId3"/>
-              </a:rPr>
-              <a:t>EPWS2020SerttasPlackenhohn/Coding at </a:t>
-            </a:r>
-            <a:r>
-              <a:rPr lang="de-DE" sz="1400" dirty="0" err="1">
-                <a:hlinkClick r:id="rId3"/>
-              </a:rPr>
-              <a:t>main</a:t>
-            </a:r>
-            <a:r>
-              <a:rPr lang="de-DE" sz="1400" dirty="0">
-                <a:hlinkClick r:id="rId3"/>
-              </a:rPr>
-              <a:t> · Kplacken/EPWS2020SerttasPlackenhohn (github.com) </a:t>
-            </a:r>
-            <a:endParaRPr lang="de-DE" sz="1400" dirty="0"/>
+              <a:rPr lang="de-DE" dirty="0"/>
+              <a:t>Beschreibung des Prototypen</a:t>
+            </a:r>
+            <a:endParaRPr lang="en-US" dirty="0"/>
           </a:p>
         </p:txBody>
       </p:sp>
@@ -10257,7 +10490,7 @@
           <p:cNvPr id="4" name="Foliennummernplatzhalter 3">
             <a:extLst>
               <a:ext uri="{FF2B5EF4-FFF2-40B4-BE49-F238E27FC236}">
-                <a16:creationId xmlns:a16="http://schemas.microsoft.com/office/drawing/2014/main" id="{AC9E70D6-4156-47E7-B66D-263C13269DBE}"/>
+                <a16:creationId xmlns:a16="http://schemas.microsoft.com/office/drawing/2014/main" id="{A5C49048-DC2E-460F-9A0D-F43A6AB25779}"/>
               </a:ext>
             </a:extLst>
           </p:cNvPr>
@@ -10268,24 +10501,40 @@
             <p:ph type="sldNum" sz="quarter" idx="12"/>
           </p:nvPr>
         </p:nvSpPr>
-        <p:spPr/>
-        <p:txBody>
-          <a:bodyPr/>
-          <a:lstStyle/>
-          <a:p>
-            <a:pPr rtl="0"/>
+        <p:spPr>
+          <a:xfrm>
+            <a:off x="10993582" y="6446838"/>
+            <a:ext cx="780010" cy="365125"/>
+          </a:xfrm>
+        </p:spPr>
+        <p:txBody>
+          <a:bodyPr anchor="ctr">
+            <a:normAutofit/>
+          </a:bodyPr>
+          <a:lstStyle/>
+          <a:p>
+            <a:pPr rtl="0">
+              <a:spcAft>
+                <a:spcPts val="600"/>
+              </a:spcAft>
+            </a:pPr>
             <a:fld id="{3A98EE3D-8CD1-4C3F-BD1C-C98C9596463C}" type="slidenum">
               <a:rPr lang="en-US" smtClean="0"/>
+              <a:pPr rtl="0">
+                <a:spcAft>
+                  <a:spcPts val="600"/>
+                </a:spcAft>
+              </a:pPr>
               <a:t>7</a:t>
             </a:fld>
-            <a:endParaRPr lang="en-US" dirty="0"/>
+            <a:endParaRPr lang="en-US"/>
           </a:p>
         </p:txBody>
       </p:sp>
     </p:spTree>
     <p:extLst>
       <p:ext uri="{BB962C8B-B14F-4D97-AF65-F5344CB8AC3E}">
-        <p14:creationId xmlns:p14="http://schemas.microsoft.com/office/powerpoint/2010/main" val="399139841"/>
+        <p14:creationId xmlns:p14="http://schemas.microsoft.com/office/powerpoint/2010/main" val="3441586349"/>
       </p:ext>
     </p:extLst>
   </p:cSld>
@@ -10317,7 +10566,7 @@
           <p:cNvPr id="2" name="Titel 1">
             <a:extLst>
               <a:ext uri="{FF2B5EF4-FFF2-40B4-BE49-F238E27FC236}">
-                <a16:creationId xmlns:a16="http://schemas.microsoft.com/office/drawing/2014/main" id="{4DC4D8DE-1034-4059-B907-B2FCA56F6799}"/>
+                <a16:creationId xmlns:a16="http://schemas.microsoft.com/office/drawing/2014/main" id="{436359DD-4B52-4F0A-9866-3DCBBE533075}"/>
               </a:ext>
             </a:extLst>
           </p:cNvPr>
@@ -10326,33 +10575,87 @@
           </p:cNvSpPr>
           <p:nvPr>
             <p:ph type="title"/>
+          </p:nvPr>
+        </p:nvSpPr>
+        <p:spPr/>
+        <p:txBody>
+          <a:bodyPr/>
+          <a:lstStyle/>
+          <a:p>
+            <a:r>
+              <a:rPr lang="de-DE" dirty="0"/>
+              <a:t>Coding</a:t>
+            </a:r>
+          </a:p>
+        </p:txBody>
+      </p:sp>
+      <p:sp>
+        <p:nvSpPr>
+          <p:cNvPr id="3" name="Textplatzhalter 2">
+            <a:extLst>
+              <a:ext uri="{FF2B5EF4-FFF2-40B4-BE49-F238E27FC236}">
+                <a16:creationId xmlns:a16="http://schemas.microsoft.com/office/drawing/2014/main" id="{020E7A6C-5273-4AF6-A6C9-99B7EF7074CF}"/>
+              </a:ext>
+            </a:extLst>
+          </p:cNvPr>
+          <p:cNvSpPr>
+            <a:spLocks noGrp="1"/>
+          </p:cNvSpPr>
+          <p:nvPr>
+            <p:ph type="body" idx="1"/>
           </p:nvPr>
         </p:nvSpPr>
         <p:spPr>
           <a:xfrm>
-            <a:off x="1097280" y="758952"/>
-            <a:ext cx="10058400" cy="3566160"/>
+            <a:off x="1097280" y="4663440"/>
+            <a:ext cx="10504910" cy="1143000"/>
           </a:xfrm>
         </p:spPr>
         <p:txBody>
-          <a:bodyPr anchor="b">
+          <a:bodyPr>
             <a:normAutofit/>
           </a:bodyPr>
           <a:lstStyle/>
           <a:p>
             <a:r>
-              <a:rPr lang="de-DE" sz="7400" dirty="0"/>
-              <a:t>Datenbank</a:t>
-            </a:r>
-          </a:p>
-        </p:txBody>
-      </p:sp>
-      <p:sp>
-        <p:nvSpPr>
-          <p:cNvPr id="3" name="Foliennummernplatzhalter 2">
-            <a:extLst>
-              <a:ext uri="{FF2B5EF4-FFF2-40B4-BE49-F238E27FC236}">
-                <a16:creationId xmlns:a16="http://schemas.microsoft.com/office/drawing/2014/main" id="{585CF4AE-527C-4AA2-906C-B9F7B3281748}"/>
+              <a:rPr lang="de-DE" sz="2000" dirty="0"/>
+              <a:t>Den code dazu finden SIE in UNSEREM GitHub: </a:t>
+            </a:r>
+            <a:br>
+              <a:rPr lang="de-DE" sz="2000" dirty="0"/>
+            </a:br>
+            <a:r>
+              <a:rPr lang="de-DE" sz="1400" dirty="0"/>
+              <a:t>* </a:t>
+            </a:r>
+            <a:r>
+              <a:rPr lang="de-DE" sz="1400" dirty="0">
+                <a:hlinkClick r:id="rId3"/>
+              </a:rPr>
+              <a:t>EPWS2020SerttasPlackenhohn/Coding at </a:t>
+            </a:r>
+            <a:r>
+              <a:rPr lang="de-DE" sz="1400" dirty="0" err="1">
+                <a:hlinkClick r:id="rId3"/>
+              </a:rPr>
+              <a:t>main</a:t>
+            </a:r>
+            <a:r>
+              <a:rPr lang="de-DE" sz="1400" dirty="0">
+                <a:hlinkClick r:id="rId3"/>
+              </a:rPr>
+              <a:t> · Kplacken/EPWS2020SerttasPlackenhohn (github.com) </a:t>
+            </a:r>
+            <a:endParaRPr lang="de-DE" sz="1400" dirty="0"/>
+          </a:p>
+        </p:txBody>
+      </p:sp>
+      <p:sp>
+        <p:nvSpPr>
+          <p:cNvPr id="4" name="Foliennummernplatzhalter 3">
+            <a:extLst>
+              <a:ext uri="{FF2B5EF4-FFF2-40B4-BE49-F238E27FC236}">
+                <a16:creationId xmlns:a16="http://schemas.microsoft.com/office/drawing/2014/main" id="{AC9E70D6-4156-47E7-B66D-263C13269DBE}"/>
               </a:ext>
             </a:extLst>
           </p:cNvPr>
@@ -10363,94 +10666,24 @@
             <p:ph type="sldNum" sz="quarter" idx="12"/>
           </p:nvPr>
         </p:nvSpPr>
-        <p:spPr>
-          <a:xfrm>
-            <a:off x="10993582" y="6446838"/>
-            <a:ext cx="780010" cy="365125"/>
-          </a:xfrm>
-        </p:spPr>
-        <p:txBody>
-          <a:bodyPr anchor="ctr">
-            <a:normAutofit/>
-          </a:bodyPr>
-          <a:lstStyle/>
-          <a:p>
-            <a:pPr rtl="0">
-              <a:spcAft>
-                <a:spcPts val="600"/>
-              </a:spcAft>
-            </a:pPr>
+        <p:spPr/>
+        <p:txBody>
+          <a:bodyPr/>
+          <a:lstStyle/>
+          <a:p>
+            <a:pPr rtl="0"/>
             <a:fld id="{3A98EE3D-8CD1-4C3F-BD1C-C98C9596463C}" type="slidenum">
               <a:rPr lang="en-US" smtClean="0"/>
-              <a:pPr rtl="0">
-                <a:spcAft>
-                  <a:spcPts val="600"/>
-                </a:spcAft>
-              </a:pPr>
               <a:t>8</a:t>
             </a:fld>
-            <a:endParaRPr lang="en-US"/>
-          </a:p>
-        </p:txBody>
-      </p:sp>
-      <p:sp>
-        <p:nvSpPr>
-          <p:cNvPr id="4" name="Titel 1">
-            <a:extLst>
-              <a:ext uri="{FF2B5EF4-FFF2-40B4-BE49-F238E27FC236}">
-                <a16:creationId xmlns:a16="http://schemas.microsoft.com/office/drawing/2014/main" id="{14040106-2C9B-47A0-AA16-571538A46A0C}"/>
-              </a:ext>
-            </a:extLst>
-          </p:cNvPr>
-          <p:cNvSpPr txBox="1">
-            <a:spLocks/>
-          </p:cNvSpPr>
-          <p:nvPr/>
-        </p:nvSpPr>
-        <p:spPr>
-          <a:xfrm>
-            <a:off x="1097280" y="4744569"/>
-            <a:ext cx="10058400" cy="641405"/>
-          </a:xfrm>
-          <a:prstGeom prst="rect">
-            <a:avLst/>
-          </a:prstGeom>
-        </p:spPr>
-        <p:txBody>
-          <a:bodyPr vert="horz" lIns="91440" tIns="45720" rIns="91440" bIns="45720" rtlCol="0" anchor="b" anchorCtr="0">
-            <a:normAutofit fontScale="62500" lnSpcReduction="20000"/>
-          </a:bodyPr>
-          <a:lstStyle>
-            <a:lvl1pPr algn="l" defTabSz="914400" rtl="0" eaLnBrk="1" latinLnBrk="0" hangingPunct="1">
-              <a:lnSpc>
-                <a:spcPct val="90000"/>
-              </a:lnSpc>
-              <a:spcBef>
-                <a:spcPct val="0"/>
-              </a:spcBef>
-              <a:buNone/>
-              <a:defRPr sz="8000" b="0" i="0" kern="1200" spc="-50" baseline="0">
-                <a:solidFill>
-                  <a:schemeClr val="tx1">
-                    <a:lumMod val="85000"/>
-                    <a:lumOff val="15000"/>
-                  </a:schemeClr>
-                </a:solidFill>
-                <a:latin typeface="+mj-lt"/>
-                <a:ea typeface="+mj-ea"/>
-                <a:cs typeface="+mj-cs"/>
-              </a:defRPr>
-            </a:lvl1pPr>
-          </a:lstStyle>
-          <a:p>
-            <a:endParaRPr lang="de-DE" sz="7900" dirty="0"/>
+            <a:endParaRPr lang="en-US" dirty="0"/>
           </a:p>
         </p:txBody>
       </p:sp>
     </p:spTree>
     <p:extLst>
       <p:ext uri="{BB962C8B-B14F-4D97-AF65-F5344CB8AC3E}">
-        <p14:creationId xmlns:p14="http://schemas.microsoft.com/office/powerpoint/2010/main" val="4172179416"/>
+        <p14:creationId xmlns:p14="http://schemas.microsoft.com/office/powerpoint/2010/main" val="399139841"/>
       </p:ext>
     </p:extLst>
   </p:cSld>
@@ -10482,7 +10715,7 @@
           <p:cNvPr id="2" name="Titel 1">
             <a:extLst>
               <a:ext uri="{FF2B5EF4-FFF2-40B4-BE49-F238E27FC236}">
-                <a16:creationId xmlns:a16="http://schemas.microsoft.com/office/drawing/2014/main" id="{4E4056F1-95D3-4103-B2BE-651E4D917EE6}"/>
+                <a16:creationId xmlns:a16="http://schemas.microsoft.com/office/drawing/2014/main" id="{4DC4D8DE-1034-4059-B907-B2FCA56F6799}"/>
               </a:ext>
             </a:extLst>
           </p:cNvPr>
@@ -10493,24 +10726,31 @@
             <p:ph type="title"/>
           </p:nvPr>
         </p:nvSpPr>
-        <p:spPr/>
-        <p:txBody>
-          <a:bodyPr/>
-          <a:lstStyle/>
-          <a:p>
-            <a:r>
-              <a:rPr lang="de-DE" dirty="0"/>
-              <a:t>ER-Diagramm Umfrage</a:t>
-            </a:r>
-          </a:p>
-        </p:txBody>
-      </p:sp>
-      <p:sp>
-        <p:nvSpPr>
-          <p:cNvPr id="4" name="Foliennummernplatzhalter 3">
-            <a:extLst>
-              <a:ext uri="{FF2B5EF4-FFF2-40B4-BE49-F238E27FC236}">
-                <a16:creationId xmlns:a16="http://schemas.microsoft.com/office/drawing/2014/main" id="{ED11B56A-F565-4118-A8F3-E25EDF21E261}"/>
+        <p:spPr>
+          <a:xfrm>
+            <a:off x="1097280" y="758952"/>
+            <a:ext cx="10058400" cy="3566160"/>
+          </a:xfrm>
+        </p:spPr>
+        <p:txBody>
+          <a:bodyPr anchor="b">
+            <a:normAutofit/>
+          </a:bodyPr>
+          <a:lstStyle/>
+          <a:p>
+            <a:r>
+              <a:rPr lang="de-DE" sz="7400" dirty="0"/>
+              <a:t>Datenbank</a:t>
+            </a:r>
+          </a:p>
+        </p:txBody>
+      </p:sp>
+      <p:sp>
+        <p:nvSpPr>
+          <p:cNvPr id="3" name="Foliennummernplatzhalter 2">
+            <a:extLst>
+              <a:ext uri="{FF2B5EF4-FFF2-40B4-BE49-F238E27FC236}">
+                <a16:creationId xmlns:a16="http://schemas.microsoft.com/office/drawing/2014/main" id="{585CF4AE-527C-4AA2-906C-B9F7B3281748}"/>
               </a:ext>
             </a:extLst>
           </p:cNvPr>
@@ -10521,60 +10761,94 @@
             <p:ph type="sldNum" sz="quarter" idx="12"/>
           </p:nvPr>
         </p:nvSpPr>
-        <p:spPr/>
-        <p:txBody>
-          <a:bodyPr/>
-          <a:lstStyle/>
-          <a:p>
-            <a:pPr rtl="0"/>
+        <p:spPr>
+          <a:xfrm>
+            <a:off x="10993582" y="6446838"/>
+            <a:ext cx="780010" cy="365125"/>
+          </a:xfrm>
+        </p:spPr>
+        <p:txBody>
+          <a:bodyPr anchor="ctr">
+            <a:normAutofit/>
+          </a:bodyPr>
+          <a:lstStyle/>
+          <a:p>
+            <a:pPr rtl="0">
+              <a:spcAft>
+                <a:spcPts val="600"/>
+              </a:spcAft>
+            </a:pPr>
             <a:fld id="{3A98EE3D-8CD1-4C3F-BD1C-C98C9596463C}" type="slidenum">
               <a:rPr lang="en-US" smtClean="0"/>
+              <a:pPr rtl="0">
+                <a:spcAft>
+                  <a:spcPts val="600"/>
+                </a:spcAft>
+              </a:pPr>
               <a:t>9</a:t>
             </a:fld>
-            <a:endParaRPr lang="en-US" dirty="0"/>
-          </a:p>
-        </p:txBody>
-      </p:sp>
-      <p:pic>
-        <p:nvPicPr>
-          <p:cNvPr id="6" name="Grafik 5">
-            <a:extLst>
-              <a:ext uri="{FF2B5EF4-FFF2-40B4-BE49-F238E27FC236}">
-                <a16:creationId xmlns:a16="http://schemas.microsoft.com/office/drawing/2014/main" id="{64E5C97B-47D7-4F8D-AF58-DC36F8ECFF72}"/>
-              </a:ext>
-            </a:extLst>
-          </p:cNvPr>
-          <p:cNvPicPr>
-            <a:picLocks noChangeAspect="1"/>
-          </p:cNvPicPr>
+            <a:endParaRPr lang="en-US"/>
+          </a:p>
+        </p:txBody>
+      </p:sp>
+      <p:sp>
+        <p:nvSpPr>
+          <p:cNvPr id="4" name="Titel 1">
+            <a:extLst>
+              <a:ext uri="{FF2B5EF4-FFF2-40B4-BE49-F238E27FC236}">
+                <a16:creationId xmlns:a16="http://schemas.microsoft.com/office/drawing/2014/main" id="{14040106-2C9B-47A0-AA16-571538A46A0C}"/>
+              </a:ext>
+            </a:extLst>
+          </p:cNvPr>
+          <p:cNvSpPr txBox="1">
+            <a:spLocks/>
+          </p:cNvSpPr>
           <p:nvPr/>
-        </p:nvPicPr>
-        <p:blipFill>
-          <a:blip r:embed="rId2">
-            <a:extLst>
-              <a:ext uri="{28A0092B-C50C-407E-A947-70E740481C1C}">
-                <a14:useLocalDpi xmlns:a14="http://schemas.microsoft.com/office/drawing/2010/main" val="0"/>
-              </a:ext>
-            </a:extLst>
-          </a:blip>
-          <a:stretch>
-            <a:fillRect/>
-          </a:stretch>
-        </p:blipFill>
+        </p:nvSpPr>
         <p:spPr>
           <a:xfrm>
-            <a:off x="1704523" y="1962213"/>
-            <a:ext cx="9100872" cy="3761694"/>
+            <a:off x="1097280" y="4744569"/>
+            <a:ext cx="10058400" cy="641405"/>
           </a:xfrm>
           <a:prstGeom prst="rect">
             <a:avLst/>
           </a:prstGeom>
         </p:spPr>
-      </p:pic>
+        <p:txBody>
+          <a:bodyPr vert="horz" lIns="91440" tIns="45720" rIns="91440" bIns="45720" rtlCol="0" anchor="b" anchorCtr="0">
+            <a:normAutofit fontScale="62500" lnSpcReduction="20000"/>
+          </a:bodyPr>
+          <a:lstStyle>
+            <a:lvl1pPr algn="l" defTabSz="914400" rtl="0" eaLnBrk="1" latinLnBrk="0" hangingPunct="1">
+              <a:lnSpc>
+                <a:spcPct val="90000"/>
+              </a:lnSpc>
+              <a:spcBef>
+                <a:spcPct val="0"/>
+              </a:spcBef>
+              <a:buNone/>
+              <a:defRPr sz="8000" b="0" i="0" kern="1200" spc="-50" baseline="0">
+                <a:solidFill>
+                  <a:schemeClr val="tx1">
+                    <a:lumMod val="85000"/>
+                    <a:lumOff val="15000"/>
+                  </a:schemeClr>
+                </a:solidFill>
+                <a:latin typeface="+mj-lt"/>
+                <a:ea typeface="+mj-ea"/>
+                <a:cs typeface="+mj-cs"/>
+              </a:defRPr>
+            </a:lvl1pPr>
+          </a:lstStyle>
+          <a:p>
+            <a:endParaRPr lang="de-DE" sz="7900" dirty="0"/>
+          </a:p>
+        </p:txBody>
+      </p:sp>
     </p:spTree>
     <p:extLst>
       <p:ext uri="{BB962C8B-B14F-4D97-AF65-F5344CB8AC3E}">
-        <p14:creationId xmlns:p14="http://schemas.microsoft.com/office/powerpoint/2010/main" val="4161186463"/>
+        <p14:creationId xmlns:p14="http://schemas.microsoft.com/office/powerpoint/2010/main" val="4172179416"/>
       </p:ext>
     </p:extLst>
   </p:cSld>

--- a/Audits/Audit 4/WS2020_SerttasPlackenhohn_Audit4.pptx
+++ b/Audits/Audit 4/WS2020_SerttasPlackenhohn_Audit4.pptx
@@ -5,10 +5,10 @@
     <p:sldMasterId id="2147483746" r:id="rId1"/>
   </p:sldMasterIdLst>
   <p:notesMasterIdLst>
-    <p:notesMasterId r:id="rId23"/>
+    <p:notesMasterId r:id="rId33"/>
   </p:notesMasterIdLst>
   <p:handoutMasterIdLst>
-    <p:handoutMasterId r:id="rId24"/>
+    <p:handoutMasterId r:id="rId34"/>
   </p:handoutMasterIdLst>
   <p:sldIdLst>
     <p:sldId id="257" r:id="rId2"/>
@@ -19,19 +19,29 @@
     <p:sldId id="263" r:id="rId7"/>
     <p:sldId id="409" r:id="rId8"/>
     <p:sldId id="381" r:id="rId9"/>
-    <p:sldId id="400" r:id="rId10"/>
-    <p:sldId id="402" r:id="rId11"/>
-    <p:sldId id="404" r:id="rId12"/>
-    <p:sldId id="405" r:id="rId13"/>
-    <p:sldId id="403" r:id="rId14"/>
-    <p:sldId id="406" r:id="rId15"/>
-    <p:sldId id="407" r:id="rId16"/>
-    <p:sldId id="399" r:id="rId17"/>
-    <p:sldId id="398" r:id="rId18"/>
-    <p:sldId id="396" r:id="rId19"/>
-    <p:sldId id="397" r:id="rId20"/>
-    <p:sldId id="278" r:id="rId21"/>
-    <p:sldId id="271" r:id="rId22"/>
+    <p:sldId id="413" r:id="rId10"/>
+    <p:sldId id="416" r:id="rId11"/>
+    <p:sldId id="414" r:id="rId12"/>
+    <p:sldId id="415" r:id="rId13"/>
+    <p:sldId id="400" r:id="rId14"/>
+    <p:sldId id="402" r:id="rId15"/>
+    <p:sldId id="404" r:id="rId16"/>
+    <p:sldId id="405" r:id="rId17"/>
+    <p:sldId id="410" r:id="rId18"/>
+    <p:sldId id="411" r:id="rId19"/>
+    <p:sldId id="412" r:id="rId20"/>
+    <p:sldId id="417" r:id="rId21"/>
+    <p:sldId id="418" r:id="rId22"/>
+    <p:sldId id="419" r:id="rId23"/>
+    <p:sldId id="403" r:id="rId24"/>
+    <p:sldId id="406" r:id="rId25"/>
+    <p:sldId id="407" r:id="rId26"/>
+    <p:sldId id="399" r:id="rId27"/>
+    <p:sldId id="398" r:id="rId28"/>
+    <p:sldId id="396" r:id="rId29"/>
+    <p:sldId id="397" r:id="rId30"/>
+    <p:sldId id="278" r:id="rId31"/>
+    <p:sldId id="271" r:id="rId32"/>
   </p:sldIdLst>
   <p:sldSz cx="12192000" cy="6858000"/>
   <p:notesSz cx="7315200" cy="9601200"/>
@@ -237,7 +247,7 @@
             <a:pPr rtl="0"/>
             <a:fld id="{AD9CF9D3-F210-41C6-99D4-BFF6B4BA81BD}" type="datetime1">
               <a:rPr lang="de-DE" smtClean="0"/>
-              <a:t>17.02.2021</a:t>
+              <a:t>18.02.2021</a:t>
             </a:fld>
             <a:endParaRPr lang="en-US" dirty="0"/>
           </a:p>
@@ -407,7 +417,7 @@
             <a:pPr rtl="0"/>
             <a:fld id="{2FFCA530-3DC9-43D3-93A9-C974C34E1DD6}" type="datetime1">
               <a:rPr lang="de-DE" smtClean="0"/>
-              <a:t>17.02.2021</a:t>
+              <a:t>18.02.2021</a:t>
             </a:fld>
             <a:endParaRPr lang="en-US"/>
           </a:p>
@@ -746,7 +756,7 @@
             <a:pPr rtl="0"/>
             <a:fld id="{88DACA00-B485-48AE-971E-CC6E1280CD66}" type="datetime1">
               <a:rPr lang="de-DE" smtClean="0"/>
-              <a:t>17.02.2021</a:t>
+              <a:t>18.02.2021</a:t>
             </a:fld>
             <a:endParaRPr lang="en-US"/>
           </a:p>
@@ -833,45 +843,8 @@
           <a:bodyPr/>
           <a:lstStyle/>
           <a:p>
-            <a:r>
-              <a:rPr lang="de-DE" dirty="0"/>
-              <a:t>Die Favoriten helfen den Endnutzer schneller auf seine Lieblings Apps und Übungen zuzugreifen.</a:t>
-            </a:r>
-          </a:p>
-          <a:p>
-            <a:br>
-              <a:rPr lang="de-DE" dirty="0"/>
-            </a:br>
-            <a:r>
-              <a:rPr lang="de-DE" dirty="0"/>
-              <a:t>Es soll einen Kalender geben, in dem der Nutzer seine Termine eintragen kann. Ebenfalls kann eingestellt werden, ob er vorher an den Termin erinnert werden möchte (Minuten, Stunden, Tage).</a:t>
-            </a:r>
-          </a:p>
-          <a:p>
-            <a:r>
-              <a:rPr lang="de-DE" dirty="0"/>
-              <a:t>In dem Kalender sollen die Sonnenaufgangs und Sonnenuntergangs Zeiten hinterlegt werden, sowie die Mondphasen. Wenn der Endnutzer Probleme hat im hellen zu schlafen, kann er sich die Sonnenuntergangs und Sonnenaufgangszeiten ansehen und nach den Zeiten schlafen gehen. </a:t>
-            </a:r>
-            <a:br>
-              <a:rPr lang="de-DE" dirty="0"/>
-            </a:br>
-            <a:r>
-              <a:rPr lang="de-DE" dirty="0"/>
-              <a:t>Hat der Endnutzer Probleme bei Vollmond zu schlafen, kann er sich die Mondphasen in dem Kalender anzeigen lassen und sich auf die Nacht vorbereiten. </a:t>
-            </a:r>
-          </a:p>
-          <a:p>
             <a:endParaRPr lang="de-DE" dirty="0"/>
           </a:p>
-          <a:p>
-            <a:r>
-              <a:rPr lang="de-DE" dirty="0"/>
-              <a:t>In der Auswertung werden verschiedene Punkte angezeigt, an den Tagen, an dem der Endnutzer an der Umfrage/ der Literangabe teilgenommen hat. Wenn man auf einen dieser Punkte klickt, soll sich der Endnutzer Notizen machen können. Wenn der Punkt von dem Endnutzer an dem Tag im unteren Bereich liegt, kann er sich z.B. Notizen dazu machen, warum er an dem Tag so viel Stress hatte.</a:t>
-            </a:r>
-          </a:p>
-          <a:p>
-            <a:endParaRPr lang="de-DE" dirty="0"/>
-          </a:p>
         </p:txBody>
       </p:sp>
       <p:sp>
@@ -890,9 +863,9 @@
           <a:lstStyle/>
           <a:p>
             <a:pPr rtl="0"/>
-            <a:fld id="{88DACA00-B485-48AE-971E-CC6E1280CD66}" type="datetime1">
+            <a:fld id="{2FFCA530-3DC9-43D3-93A9-C974C34E1DD6}" type="datetime1">
               <a:rPr lang="de-DE" smtClean="0"/>
-              <a:t>17.02.2021</a:t>
+              <a:t>18.02.2021</a:t>
             </a:fld>
             <a:endParaRPr lang="en-US"/>
           </a:p>
@@ -916,7 +889,7 @@
             <a:pPr rtl="0"/>
             <a:fld id="{9C2B151B-D7D1-48E5-8230-5AADBC794F88}" type="slidenum">
               <a:rPr lang="en-US" smtClean="0"/>
-              <a:t>19</a:t>
+              <a:t>23</a:t>
             </a:fld>
             <a:endParaRPr lang="en-US"/>
           </a:p>
@@ -925,7 +898,7 @@
     </p:spTree>
     <p:extLst>
       <p:ext uri="{BB962C8B-B14F-4D97-AF65-F5344CB8AC3E}">
-        <p14:creationId xmlns:p14="http://schemas.microsoft.com/office/powerpoint/2010/main" val="1093773272"/>
+        <p14:creationId xmlns:p14="http://schemas.microsoft.com/office/powerpoint/2010/main" val="992739036"/>
       </p:ext>
     </p:extLst>
   </p:cSld>
@@ -999,9 +972,9 @@
           <a:lstStyle/>
           <a:p>
             <a:pPr rtl="0"/>
-            <a:fld id="{8C960F41-ADA3-4592-A6B6-979750556945}" type="datetime1">
+            <a:fld id="{7DA48DE9-247B-4EBD-A14B-36988774F377}" type="datetime1">
               <a:rPr lang="de-DE" smtClean="0"/>
-              <a:t>17.02.2021</a:t>
+              <a:t>18.02.2021</a:t>
             </a:fld>
             <a:endParaRPr lang="en-US"/>
           </a:p>
@@ -1025,7 +998,7 @@
             <a:pPr rtl="0"/>
             <a:fld id="{9C2B151B-D7D1-48E5-8230-5AADBC794F88}" type="slidenum">
               <a:rPr lang="en-US" smtClean="0"/>
-              <a:t>20</a:t>
+              <a:t>26</a:t>
             </a:fld>
             <a:endParaRPr lang="en-US"/>
           </a:p>
@@ -1034,7 +1007,7 @@
     </p:spTree>
     <p:extLst>
       <p:ext uri="{BB962C8B-B14F-4D97-AF65-F5344CB8AC3E}">
-        <p14:creationId xmlns:p14="http://schemas.microsoft.com/office/powerpoint/2010/main" val="169757941"/>
+        <p14:creationId xmlns:p14="http://schemas.microsoft.com/office/powerpoint/2010/main" val="3240579109"/>
       </p:ext>
     </p:extLst>
   </p:cSld>
@@ -1088,6 +1061,502 @@
           <a:bodyPr/>
           <a:lstStyle/>
           <a:p>
+            <a:r>
+              <a:rPr lang="de-DE" dirty="0"/>
+              <a:t>Da wir die Zielhierarchie überarbeitet haben und jetzt „Strategische Ziele“, „Taktische Ziele“ und „Operative Ziele“ haben, haben wir dies noch mal mit reingenommen. </a:t>
+            </a:r>
+          </a:p>
+          <a:p>
+            <a:r>
+              <a:rPr lang="de-DE" dirty="0"/>
+              <a:t>Mit den strategischen Zielen legen wir fest, was wir auf langfristiger Sicht erreichen möchten. </a:t>
+            </a:r>
+            <a:br>
+              <a:rPr lang="de-DE" dirty="0"/>
+            </a:br>
+            <a:r>
+              <a:rPr lang="de-DE" dirty="0"/>
+              <a:t>Mit den taktischen Zielen legen wir fest, wie die strategischen Ziele erreicht werden sollen.</a:t>
+            </a:r>
+            <a:br>
+              <a:rPr lang="de-DE" dirty="0"/>
+            </a:br>
+            <a:r>
+              <a:rPr lang="de-DE" dirty="0"/>
+              <a:t>Mit den operativen Zielen legen wir fest, wodurch wir unsere strategischen Ziele erreichen können.</a:t>
+            </a:r>
+          </a:p>
+        </p:txBody>
+      </p:sp>
+      <p:sp>
+        <p:nvSpPr>
+          <p:cNvPr id="4" name="Datumsplatzhalter 3"/>
+          <p:cNvSpPr>
+            <a:spLocks noGrp="1"/>
+          </p:cNvSpPr>
+          <p:nvPr>
+            <p:ph type="dt" idx="1"/>
+          </p:nvPr>
+        </p:nvSpPr>
+        <p:spPr/>
+        <p:txBody>
+          <a:bodyPr/>
+          <a:lstStyle/>
+          <a:p>
+            <a:pPr rtl="0"/>
+            <a:fld id="{920421C8-A15E-4073-98D7-7FDA934C0210}" type="datetime1">
+              <a:rPr lang="de-DE" smtClean="0"/>
+              <a:t>18.02.2021</a:t>
+            </a:fld>
+            <a:endParaRPr lang="en-US"/>
+          </a:p>
+        </p:txBody>
+      </p:sp>
+      <p:sp>
+        <p:nvSpPr>
+          <p:cNvPr id="5" name="Foliennummernplatzhalter 4"/>
+          <p:cNvSpPr>
+            <a:spLocks noGrp="1"/>
+          </p:cNvSpPr>
+          <p:nvPr>
+            <p:ph type="sldNum" sz="quarter" idx="5"/>
+          </p:nvPr>
+        </p:nvSpPr>
+        <p:spPr/>
+        <p:txBody>
+          <a:bodyPr/>
+          <a:lstStyle/>
+          <a:p>
+            <a:pPr rtl="0"/>
+            <a:fld id="{9C2B151B-D7D1-48E5-8230-5AADBC794F88}" type="slidenum">
+              <a:rPr lang="en-US" smtClean="0"/>
+              <a:t>27</a:t>
+            </a:fld>
+            <a:endParaRPr lang="en-US"/>
+          </a:p>
+        </p:txBody>
+      </p:sp>
+    </p:spTree>
+    <p:extLst>
+      <p:ext uri="{BB962C8B-B14F-4D97-AF65-F5344CB8AC3E}">
+        <p14:creationId xmlns:p14="http://schemas.microsoft.com/office/powerpoint/2010/main" val="1085079460"/>
+      </p:ext>
+    </p:extLst>
+  </p:cSld>
+  <p:clrMapOvr>
+    <a:masterClrMapping/>
+  </p:clrMapOvr>
+</p:notes>
+</file>
+
+<file path=ppt/notesSlides/notesSlide13.xml><?xml version="1.0" encoding="utf-8"?>
+<p:notes xmlns:a="http://schemas.openxmlformats.org/drawingml/2006/main" xmlns:r="http://schemas.openxmlformats.org/officeDocument/2006/relationships" xmlns:p="http://schemas.openxmlformats.org/presentationml/2006/main">
+  <p:cSld>
+    <p:spTree>
+      <p:nvGrpSpPr>
+        <p:cNvPr id="1" name=""/>
+        <p:cNvGrpSpPr/>
+        <p:nvPr/>
+      </p:nvGrpSpPr>
+      <p:grpSpPr>
+        <a:xfrm>
+          <a:off x="0" y="0"/>
+          <a:ext cx="0" cy="0"/>
+          <a:chOff x="0" y="0"/>
+          <a:chExt cx="0" cy="0"/>
+        </a:xfrm>
+      </p:grpSpPr>
+      <p:sp>
+        <p:nvSpPr>
+          <p:cNvPr id="2" name="Folienbildplatzhalter 1"/>
+          <p:cNvSpPr>
+            <a:spLocks noGrp="1" noRot="1" noChangeAspect="1"/>
+          </p:cNvSpPr>
+          <p:nvPr>
+            <p:ph type="sldImg"/>
+          </p:nvPr>
+        </p:nvSpPr>
+        <p:spPr/>
+      </p:sp>
+      <p:sp>
+        <p:nvSpPr>
+          <p:cNvPr id="3" name="Notizenplatzhalter 2"/>
+          <p:cNvSpPr>
+            <a:spLocks noGrp="1"/>
+          </p:cNvSpPr>
+          <p:nvPr>
+            <p:ph type="body" idx="1"/>
+          </p:nvPr>
+        </p:nvSpPr>
+        <p:spPr/>
+        <p:txBody>
+          <a:bodyPr/>
+          <a:lstStyle/>
+          <a:p>
+            <a:endParaRPr lang="de-DE" dirty="0"/>
+          </a:p>
+        </p:txBody>
+      </p:sp>
+      <p:sp>
+        <p:nvSpPr>
+          <p:cNvPr id="4" name="Datumsplatzhalter 3"/>
+          <p:cNvSpPr>
+            <a:spLocks noGrp="1"/>
+          </p:cNvSpPr>
+          <p:nvPr>
+            <p:ph type="dt" idx="1"/>
+          </p:nvPr>
+        </p:nvSpPr>
+        <p:spPr/>
+        <p:txBody>
+          <a:bodyPr/>
+          <a:lstStyle/>
+          <a:p>
+            <a:pPr rtl="0"/>
+            <a:fld id="{88DACA00-B485-48AE-971E-CC6E1280CD66}" type="datetime1">
+              <a:rPr lang="de-DE" smtClean="0"/>
+              <a:t>18.02.2021</a:t>
+            </a:fld>
+            <a:endParaRPr lang="en-US"/>
+          </a:p>
+        </p:txBody>
+      </p:sp>
+      <p:sp>
+        <p:nvSpPr>
+          <p:cNvPr id="5" name="Foliennummernplatzhalter 4"/>
+          <p:cNvSpPr>
+            <a:spLocks noGrp="1"/>
+          </p:cNvSpPr>
+          <p:nvPr>
+            <p:ph type="sldNum" sz="quarter" idx="5"/>
+          </p:nvPr>
+        </p:nvSpPr>
+        <p:spPr/>
+        <p:txBody>
+          <a:bodyPr/>
+          <a:lstStyle/>
+          <a:p>
+            <a:pPr rtl="0"/>
+            <a:fld id="{9C2B151B-D7D1-48E5-8230-5AADBC794F88}" type="slidenum">
+              <a:rPr lang="en-US" smtClean="0"/>
+              <a:t>28</a:t>
+            </a:fld>
+            <a:endParaRPr lang="en-US"/>
+          </a:p>
+        </p:txBody>
+      </p:sp>
+    </p:spTree>
+    <p:extLst>
+      <p:ext uri="{BB962C8B-B14F-4D97-AF65-F5344CB8AC3E}">
+        <p14:creationId xmlns:p14="http://schemas.microsoft.com/office/powerpoint/2010/main" val="749225946"/>
+      </p:ext>
+    </p:extLst>
+  </p:cSld>
+  <p:clrMapOvr>
+    <a:masterClrMapping/>
+  </p:clrMapOvr>
+</p:notes>
+</file>
+
+<file path=ppt/notesSlides/notesSlide14.xml><?xml version="1.0" encoding="utf-8"?>
+<p:notes xmlns:a="http://schemas.openxmlformats.org/drawingml/2006/main" xmlns:r="http://schemas.openxmlformats.org/officeDocument/2006/relationships" xmlns:p="http://schemas.openxmlformats.org/presentationml/2006/main">
+  <p:cSld>
+    <p:spTree>
+      <p:nvGrpSpPr>
+        <p:cNvPr id="1" name=""/>
+        <p:cNvGrpSpPr/>
+        <p:nvPr/>
+      </p:nvGrpSpPr>
+      <p:grpSpPr>
+        <a:xfrm>
+          <a:off x="0" y="0"/>
+          <a:ext cx="0" cy="0"/>
+          <a:chOff x="0" y="0"/>
+          <a:chExt cx="0" cy="0"/>
+        </a:xfrm>
+      </p:grpSpPr>
+      <p:sp>
+        <p:nvSpPr>
+          <p:cNvPr id="2" name="Folienbildplatzhalter 1"/>
+          <p:cNvSpPr>
+            <a:spLocks noGrp="1" noRot="1" noChangeAspect="1"/>
+          </p:cNvSpPr>
+          <p:nvPr>
+            <p:ph type="sldImg"/>
+          </p:nvPr>
+        </p:nvSpPr>
+        <p:spPr/>
+      </p:sp>
+      <p:sp>
+        <p:nvSpPr>
+          <p:cNvPr id="3" name="Notizenplatzhalter 2"/>
+          <p:cNvSpPr>
+            <a:spLocks noGrp="1"/>
+          </p:cNvSpPr>
+          <p:nvPr>
+            <p:ph type="body" idx="1"/>
+          </p:nvPr>
+        </p:nvSpPr>
+        <p:spPr/>
+        <p:txBody>
+          <a:bodyPr/>
+          <a:lstStyle/>
+          <a:p>
+            <a:r>
+              <a:rPr lang="de-DE" dirty="0"/>
+              <a:t>Die Favoriten helfen den Endnutzer schneller auf seine Lieblings Apps und Übungen zuzugreifen.</a:t>
+            </a:r>
+          </a:p>
+          <a:p>
+            <a:br>
+              <a:rPr lang="de-DE" dirty="0"/>
+            </a:br>
+            <a:r>
+              <a:rPr lang="de-DE" dirty="0"/>
+              <a:t>Es soll einen Kalender geben, in dem der Nutzer seine Termine eintragen kann. Ebenfalls kann eingestellt werden, ob er vorher an den Termin erinnert werden möchte (Minuten, Stunden, Tage).</a:t>
+            </a:r>
+          </a:p>
+          <a:p>
+            <a:r>
+              <a:rPr lang="de-DE" dirty="0"/>
+              <a:t>In dem Kalender sollen die Sonnenaufgangs und Sonnenuntergangs Zeiten hinterlegt werden, sowie die Mondphasen. Wenn der Endnutzer Probleme hat im hellen zu schlafen, kann er sich die Sonnenuntergangs und Sonnenaufgangszeiten ansehen und nach den Zeiten schlafen gehen. </a:t>
+            </a:r>
+            <a:br>
+              <a:rPr lang="de-DE" dirty="0"/>
+            </a:br>
+            <a:r>
+              <a:rPr lang="de-DE" dirty="0"/>
+              <a:t>Hat der Endnutzer Probleme bei Vollmond zu schlafen, kann er sich die Mondphasen in dem Kalender anzeigen lassen und sich auf die Nacht vorbereiten. </a:t>
+            </a:r>
+          </a:p>
+          <a:p>
+            <a:endParaRPr lang="de-DE" dirty="0"/>
+          </a:p>
+          <a:p>
+            <a:r>
+              <a:rPr lang="de-DE" dirty="0"/>
+              <a:t>In der Auswertung werden verschiedene Punkte angezeigt, an den Tagen, an dem der Endnutzer an der Umfrage/ der Literangabe teilgenommen hat. Wenn man auf einen dieser Punkte klickt, soll sich der Endnutzer Notizen machen können. Wenn der Punkt von dem Endnutzer an dem Tag im unteren Bereich liegt, kann er sich z.B. Notizen dazu machen, warum er an dem Tag so viel Stress hatte.</a:t>
+            </a:r>
+          </a:p>
+          <a:p>
+            <a:endParaRPr lang="de-DE" dirty="0"/>
+          </a:p>
+        </p:txBody>
+      </p:sp>
+      <p:sp>
+        <p:nvSpPr>
+          <p:cNvPr id="4" name="Datumsplatzhalter 3"/>
+          <p:cNvSpPr>
+            <a:spLocks noGrp="1"/>
+          </p:cNvSpPr>
+          <p:nvPr>
+            <p:ph type="dt" idx="1"/>
+          </p:nvPr>
+        </p:nvSpPr>
+        <p:spPr/>
+        <p:txBody>
+          <a:bodyPr/>
+          <a:lstStyle/>
+          <a:p>
+            <a:pPr rtl="0"/>
+            <a:fld id="{88DACA00-B485-48AE-971E-CC6E1280CD66}" type="datetime1">
+              <a:rPr lang="de-DE" smtClean="0"/>
+              <a:t>18.02.2021</a:t>
+            </a:fld>
+            <a:endParaRPr lang="en-US"/>
+          </a:p>
+        </p:txBody>
+      </p:sp>
+      <p:sp>
+        <p:nvSpPr>
+          <p:cNvPr id="5" name="Foliennummernplatzhalter 4"/>
+          <p:cNvSpPr>
+            <a:spLocks noGrp="1"/>
+          </p:cNvSpPr>
+          <p:nvPr>
+            <p:ph type="sldNum" sz="quarter" idx="5"/>
+          </p:nvPr>
+        </p:nvSpPr>
+        <p:spPr/>
+        <p:txBody>
+          <a:bodyPr/>
+          <a:lstStyle/>
+          <a:p>
+            <a:pPr rtl="0"/>
+            <a:fld id="{9C2B151B-D7D1-48E5-8230-5AADBC794F88}" type="slidenum">
+              <a:rPr lang="en-US" smtClean="0"/>
+              <a:t>29</a:t>
+            </a:fld>
+            <a:endParaRPr lang="en-US"/>
+          </a:p>
+        </p:txBody>
+      </p:sp>
+    </p:spTree>
+    <p:extLst>
+      <p:ext uri="{BB962C8B-B14F-4D97-AF65-F5344CB8AC3E}">
+        <p14:creationId xmlns:p14="http://schemas.microsoft.com/office/powerpoint/2010/main" val="1093773272"/>
+      </p:ext>
+    </p:extLst>
+  </p:cSld>
+  <p:clrMapOvr>
+    <a:masterClrMapping/>
+  </p:clrMapOvr>
+</p:notes>
+</file>
+
+<file path=ppt/notesSlides/notesSlide15.xml><?xml version="1.0" encoding="utf-8"?>
+<p:notes xmlns:a="http://schemas.openxmlformats.org/drawingml/2006/main" xmlns:r="http://schemas.openxmlformats.org/officeDocument/2006/relationships" xmlns:p="http://schemas.openxmlformats.org/presentationml/2006/main">
+  <p:cSld>
+    <p:spTree>
+      <p:nvGrpSpPr>
+        <p:cNvPr id="1" name=""/>
+        <p:cNvGrpSpPr/>
+        <p:nvPr/>
+      </p:nvGrpSpPr>
+      <p:grpSpPr>
+        <a:xfrm>
+          <a:off x="0" y="0"/>
+          <a:ext cx="0" cy="0"/>
+          <a:chOff x="0" y="0"/>
+          <a:chExt cx="0" cy="0"/>
+        </a:xfrm>
+      </p:grpSpPr>
+      <p:sp>
+        <p:nvSpPr>
+          <p:cNvPr id="2" name="Folienbildplatzhalter 1"/>
+          <p:cNvSpPr>
+            <a:spLocks noGrp="1" noRot="1" noChangeAspect="1"/>
+          </p:cNvSpPr>
+          <p:nvPr>
+            <p:ph type="sldImg"/>
+          </p:nvPr>
+        </p:nvSpPr>
+        <p:spPr/>
+      </p:sp>
+      <p:sp>
+        <p:nvSpPr>
+          <p:cNvPr id="3" name="Notizenplatzhalter 2"/>
+          <p:cNvSpPr>
+            <a:spLocks noGrp="1"/>
+          </p:cNvSpPr>
+          <p:nvPr>
+            <p:ph type="body" idx="1"/>
+          </p:nvPr>
+        </p:nvSpPr>
+        <p:spPr/>
+        <p:txBody>
+          <a:bodyPr/>
+          <a:lstStyle/>
+          <a:p>
+            <a:endParaRPr lang="de-DE" dirty="0"/>
+          </a:p>
+        </p:txBody>
+      </p:sp>
+      <p:sp>
+        <p:nvSpPr>
+          <p:cNvPr id="4" name="Datumsplatzhalter 3"/>
+          <p:cNvSpPr>
+            <a:spLocks noGrp="1"/>
+          </p:cNvSpPr>
+          <p:nvPr>
+            <p:ph type="dt" idx="1"/>
+          </p:nvPr>
+        </p:nvSpPr>
+        <p:spPr/>
+        <p:txBody>
+          <a:bodyPr/>
+          <a:lstStyle/>
+          <a:p>
+            <a:pPr rtl="0"/>
+            <a:fld id="{8C960F41-ADA3-4592-A6B6-979750556945}" type="datetime1">
+              <a:rPr lang="de-DE" smtClean="0"/>
+              <a:t>18.02.2021</a:t>
+            </a:fld>
+            <a:endParaRPr lang="en-US"/>
+          </a:p>
+        </p:txBody>
+      </p:sp>
+      <p:sp>
+        <p:nvSpPr>
+          <p:cNvPr id="5" name="Foliennummernplatzhalter 4"/>
+          <p:cNvSpPr>
+            <a:spLocks noGrp="1"/>
+          </p:cNvSpPr>
+          <p:nvPr>
+            <p:ph type="sldNum" sz="quarter" idx="5"/>
+          </p:nvPr>
+        </p:nvSpPr>
+        <p:spPr/>
+        <p:txBody>
+          <a:bodyPr/>
+          <a:lstStyle/>
+          <a:p>
+            <a:pPr rtl="0"/>
+            <a:fld id="{9C2B151B-D7D1-48E5-8230-5AADBC794F88}" type="slidenum">
+              <a:rPr lang="en-US" smtClean="0"/>
+              <a:t>30</a:t>
+            </a:fld>
+            <a:endParaRPr lang="en-US"/>
+          </a:p>
+        </p:txBody>
+      </p:sp>
+    </p:spTree>
+    <p:extLst>
+      <p:ext uri="{BB962C8B-B14F-4D97-AF65-F5344CB8AC3E}">
+        <p14:creationId xmlns:p14="http://schemas.microsoft.com/office/powerpoint/2010/main" val="169757941"/>
+      </p:ext>
+    </p:extLst>
+  </p:cSld>
+  <p:clrMapOvr>
+    <a:masterClrMapping/>
+  </p:clrMapOvr>
+</p:notes>
+</file>
+
+<file path=ppt/notesSlides/notesSlide16.xml><?xml version="1.0" encoding="utf-8"?>
+<p:notes xmlns:a="http://schemas.openxmlformats.org/drawingml/2006/main" xmlns:r="http://schemas.openxmlformats.org/officeDocument/2006/relationships" xmlns:p="http://schemas.openxmlformats.org/presentationml/2006/main">
+  <p:cSld>
+    <p:spTree>
+      <p:nvGrpSpPr>
+        <p:cNvPr id="1" name=""/>
+        <p:cNvGrpSpPr/>
+        <p:nvPr/>
+      </p:nvGrpSpPr>
+      <p:grpSpPr>
+        <a:xfrm>
+          <a:off x="0" y="0"/>
+          <a:ext cx="0" cy="0"/>
+          <a:chOff x="0" y="0"/>
+          <a:chExt cx="0" cy="0"/>
+        </a:xfrm>
+      </p:grpSpPr>
+      <p:sp>
+        <p:nvSpPr>
+          <p:cNvPr id="2" name="Folienbildplatzhalter 1"/>
+          <p:cNvSpPr>
+            <a:spLocks noGrp="1" noRot="1" noChangeAspect="1"/>
+          </p:cNvSpPr>
+          <p:nvPr>
+            <p:ph type="sldImg"/>
+          </p:nvPr>
+        </p:nvSpPr>
+        <p:spPr/>
+      </p:sp>
+      <p:sp>
+        <p:nvSpPr>
+          <p:cNvPr id="3" name="Notizenplatzhalter 2"/>
+          <p:cNvSpPr>
+            <a:spLocks noGrp="1"/>
+          </p:cNvSpPr>
+          <p:nvPr>
+            <p:ph type="body" idx="1"/>
+          </p:nvPr>
+        </p:nvSpPr>
+        <p:spPr/>
+        <p:txBody>
+          <a:bodyPr/>
+          <a:lstStyle/>
+          <a:p>
             <a:endParaRPr lang="de-DE" dirty="0"/>
           </a:p>
         </p:txBody>
@@ -1110,7 +1579,7 @@
             <a:pPr rtl="0"/>
             <a:fld id="{05F945F2-6878-48BF-B08F-BD6E79E1CDD8}" type="datetime1">
               <a:rPr lang="de-DE" smtClean="0"/>
-              <a:t>17.02.2021</a:t>
+              <a:t>18.02.2021</a:t>
             </a:fld>
             <a:endParaRPr lang="en-US"/>
           </a:p>
@@ -1134,7 +1603,7 @@
             <a:pPr rtl="0"/>
             <a:fld id="{9C2B151B-D7D1-48E5-8230-5AADBC794F88}" type="slidenum">
               <a:rPr lang="en-US" smtClean="0"/>
-              <a:t>21</a:t>
+              <a:t>31</a:t>
             </a:fld>
             <a:endParaRPr lang="en-US"/>
           </a:p>
@@ -1219,7 +1688,7 @@
             <a:pPr rtl="0"/>
             <a:fld id="{7DA48DE9-247B-4EBD-A14B-36988774F377}" type="datetime1">
               <a:rPr lang="de-DE" smtClean="0"/>
-              <a:t>17.02.2021</a:t>
+              <a:t>18.02.2021</a:t>
             </a:fld>
             <a:endParaRPr lang="en-US"/>
           </a:p>
@@ -1426,7 +1895,7 @@
             <a:pPr rtl="0"/>
             <a:fld id="{920421C8-A15E-4073-98D7-7FDA934C0210}" type="datetime1">
               <a:rPr lang="de-DE" smtClean="0"/>
-              <a:t>17.02.2021</a:t>
+              <a:t>18.02.2021</a:t>
             </a:fld>
             <a:endParaRPr lang="en-US"/>
           </a:p>
@@ -1535,7 +2004,7 @@
             <a:pPr rtl="0"/>
             <a:fld id="{25DE598A-D9FF-4E3A-AC10-162CFCBCB8DB}" type="datetime1">
               <a:rPr lang="de-DE" smtClean="0"/>
-              <a:t>17.02.2021</a:t>
+              <a:t>18.02.2021</a:t>
             </a:fld>
             <a:endParaRPr lang="en-US"/>
           </a:p>
@@ -1644,7 +2113,7 @@
             <a:pPr rtl="0"/>
             <a:fld id="{7DA48DE9-247B-4EBD-A14B-36988774F377}" type="datetime1">
               <a:rPr lang="de-DE" smtClean="0"/>
-              <a:t>17.02.2021</a:t>
+              <a:t>18.02.2021</a:t>
             </a:fld>
             <a:endParaRPr lang="en-US"/>
           </a:p>
@@ -1677,7 +2146,7 @@
     </p:spTree>
     <p:extLst>
       <p:ext uri="{BB962C8B-B14F-4D97-AF65-F5344CB8AC3E}">
-        <p14:creationId xmlns:p14="http://schemas.microsoft.com/office/powerpoint/2010/main" val="1348172016"/>
+        <p14:creationId xmlns:p14="http://schemas.microsoft.com/office/powerpoint/2010/main" val="4074544119"/>
       </p:ext>
     </p:extLst>
   </p:cSld>
@@ -1731,7 +2200,34 @@
           <a:bodyPr/>
           <a:lstStyle/>
           <a:p>
-            <a:endParaRPr lang="de-DE" dirty="0"/>
+            <a:r>
+              <a:rPr lang="de-DE" dirty="0"/>
+              <a:t>Der Nutzer kann auf der Homepage sein Trinkverhalten angeben. Dies macht man in dem man auf:</a:t>
+            </a:r>
+          </a:p>
+          <a:p>
+            <a:r>
+              <a:rPr lang="de-DE" dirty="0"/>
+              <a:t> „-/+“, </a:t>
+            </a:r>
+          </a:p>
+          <a:p>
+            <a:r>
+              <a:rPr lang="de-DE" dirty="0"/>
+              <a:t>„+0,3L“, </a:t>
+            </a:r>
+          </a:p>
+          <a:p>
+            <a:r>
+              <a:rPr lang="de-DE" dirty="0"/>
+              <a:t>„+0,5L“ oder „+0,7L“ klickt.</a:t>
+            </a:r>
+          </a:p>
+          <a:p>
+            <a:r>
+              <a:rPr lang="de-DE" dirty="0"/>
+              <a:t>Dieser Wert wird zuerst in die Datenbank gespeichert und anschließend in der Kurve als neuer Punkt für den Tag angezeigt.</a:t>
+            </a:r>
           </a:p>
         </p:txBody>
       </p:sp>
@@ -1753,7 +2249,7 @@
             <a:pPr rtl="0"/>
             <a:fld id="{2FFCA530-3DC9-43D3-93A9-C974C34E1DD6}" type="datetime1">
               <a:rPr lang="de-DE" smtClean="0"/>
-              <a:t>17.02.2021</a:t>
+              <a:t>18.02.2021</a:t>
             </a:fld>
             <a:endParaRPr lang="en-US"/>
           </a:p>
@@ -1777,7 +2273,7 @@
             <a:pPr rtl="0"/>
             <a:fld id="{9C2B151B-D7D1-48E5-8230-5AADBC794F88}" type="slidenum">
               <a:rPr lang="en-US" smtClean="0"/>
-              <a:t>13</a:t>
+              <a:t>10</a:t>
             </a:fld>
             <a:endParaRPr lang="en-US"/>
           </a:p>
@@ -1786,7 +2282,7 @@
     </p:spTree>
     <p:extLst>
       <p:ext uri="{BB962C8B-B14F-4D97-AF65-F5344CB8AC3E}">
-        <p14:creationId xmlns:p14="http://schemas.microsoft.com/office/powerpoint/2010/main" val="992739036"/>
+        <p14:creationId xmlns:p14="http://schemas.microsoft.com/office/powerpoint/2010/main" val="328162340"/>
       </p:ext>
     </p:extLst>
   </p:cSld>
@@ -1840,8 +2336,57 @@
           <a:bodyPr/>
           <a:lstStyle/>
           <a:p>
+            <a:pPr marL="0" marR="0" lvl="0" indent="0" algn="l" defTabSz="914400" rtl="0" eaLnBrk="1" fontAlgn="auto" latinLnBrk="0" hangingPunct="1">
+              <a:lnSpc>
+                <a:spcPct val="100000"/>
+              </a:lnSpc>
+              <a:spcBef>
+                <a:spcPts val="0"/>
+              </a:spcBef>
+              <a:spcAft>
+                <a:spcPts val="0"/>
+              </a:spcAft>
+              <a:buClrTx/>
+              <a:buSzTx/>
+              <a:buFontTx/>
+              <a:buNone/>
+              <a:tabLst/>
+              <a:defRPr/>
+            </a:pPr>
+            <a:r>
+              <a:rPr lang="de-DE" b="0" i="0" dirty="0">
+                <a:solidFill>
+                  <a:srgbClr val="000000"/>
+                </a:solidFill>
+                <a:effectLst/>
+                <a:latin typeface="-apple-system"/>
+              </a:rPr>
+              <a:t>Bei der täglichen Befragung mit den Smileys werden die Antworten mit 1-5 Punkten bewertet. </a:t>
+            </a:r>
+            <a:br>
+              <a:rPr lang="de-DE" b="0" i="0" dirty="0">
+                <a:solidFill>
+                  <a:srgbClr val="000000"/>
+                </a:solidFill>
+                <a:effectLst/>
+                <a:latin typeface="-apple-system"/>
+              </a:rPr>
+            </a:br>
+            <a:r>
+              <a:rPr lang="de-DE" b="0" i="0" dirty="0">
+                <a:solidFill>
+                  <a:srgbClr val="000000"/>
+                </a:solidFill>
+                <a:effectLst/>
+                <a:latin typeface="-apple-system"/>
+              </a:rPr>
+              <a:t>Bei der Frage mit „ja/nein“ wird „ja=4“ und „nein=2“ Bewertet. Hat der Nutzer alle Fragen beantwortet und anschließend auf Speichern gedrückt, werden alle Punkte zusammengezählt. Das Ergebnis wird durch die Anzahl der Fragen dividiert. Dadurch ergibt sich der Durchschnitt (das Stresslevel) für den Tag. Diese Werte fließen dann zuerst in die Datenbank und von da in die Wöchentliche Auswertung.</a:t>
+            </a:r>
             <a:endParaRPr lang="de-DE" dirty="0"/>
           </a:p>
+          <a:p>
+            <a:endParaRPr lang="de-DE" dirty="0"/>
+          </a:p>
         </p:txBody>
       </p:sp>
       <p:sp>
@@ -1860,9 +2405,9 @@
           <a:lstStyle/>
           <a:p>
             <a:pPr rtl="0"/>
-            <a:fld id="{7DA48DE9-247B-4EBD-A14B-36988774F377}" type="datetime1">
+            <a:fld id="{2FFCA530-3DC9-43D3-93A9-C974C34E1DD6}" type="datetime1">
               <a:rPr lang="de-DE" smtClean="0"/>
-              <a:t>17.02.2021</a:t>
+              <a:t>18.02.2021</a:t>
             </a:fld>
             <a:endParaRPr lang="en-US"/>
           </a:p>
@@ -1886,7 +2431,7 @@
             <a:pPr rtl="0"/>
             <a:fld id="{9C2B151B-D7D1-48E5-8230-5AADBC794F88}" type="slidenum">
               <a:rPr lang="en-US" smtClean="0"/>
-              <a:t>16</a:t>
+              <a:t>11</a:t>
             </a:fld>
             <a:endParaRPr lang="en-US"/>
           </a:p>
@@ -1895,7 +2440,7 @@
     </p:spTree>
     <p:extLst>
       <p:ext uri="{BB962C8B-B14F-4D97-AF65-F5344CB8AC3E}">
-        <p14:creationId xmlns:p14="http://schemas.microsoft.com/office/powerpoint/2010/main" val="3240579109"/>
+        <p14:creationId xmlns:p14="http://schemas.microsoft.com/office/powerpoint/2010/main" val="1025756278"/>
       </p:ext>
     </p:extLst>
   </p:cSld>
@@ -1950,29 +2495,16 @@
           <a:lstStyle/>
           <a:p>
             <a:r>
-              <a:rPr lang="de-DE" dirty="0"/>
-              <a:t>Da wir die Zielhierarchie überarbeitet haben und jetzt „Strategische Ziele“, „Taktische Ziele“ und „Operative Ziele“ haben, haben wir dies noch mal mit reingenommen. </a:t>
-            </a:r>
-          </a:p>
-          <a:p>
-            <a:r>
-              <a:rPr lang="de-DE" dirty="0"/>
-              <a:t>Mit den strategischen Zielen legen wir fest, was wir auf langfristiger Sicht erreichen möchten. </a:t>
-            </a:r>
-            <a:br>
-              <a:rPr lang="de-DE" dirty="0"/>
-            </a:br>
-            <a:r>
-              <a:rPr lang="de-DE" dirty="0"/>
-              <a:t>Mit den taktischen Zielen legen wir fest, wie die strategischen Ziele erreicht werden sollen.</a:t>
-            </a:r>
-            <a:br>
-              <a:rPr lang="de-DE" dirty="0"/>
-            </a:br>
-            <a:r>
-              <a:rPr lang="de-DE" dirty="0"/>
-              <a:t>Mit den operativen Zielen legen wir fest, wodurch wir unsere strategischen Ziele erreichen können.</a:t>
-            </a:r>
+              <a:rPr lang="de-DE" b="0" i="0" dirty="0">
+                <a:solidFill>
+                  <a:srgbClr val="000000"/>
+                </a:solidFill>
+                <a:effectLst/>
+                <a:latin typeface="-apple-system"/>
+              </a:rPr>
+              <a:t>In der Umfrage werden die Antworten mit 1-3 Punkten bewertet. 3 steht für sehr gut, 2 steht für gut und 1 für schlecht. Hat der Nutzer alle Fragen beantwortet, werden alle Punkte zusammengezählt. Das Ergebnis wird durch die Anzahl der Fragen dividiert. Dadurch ergibt sich der Durchschnitt (das Stresslevel) für einen Monat.</a:t>
+            </a:r>
+            <a:endParaRPr lang="de-DE" dirty="0"/>
           </a:p>
         </p:txBody>
       </p:sp>
@@ -1992,9 +2524,9 @@
           <a:lstStyle/>
           <a:p>
             <a:pPr rtl="0"/>
-            <a:fld id="{920421C8-A15E-4073-98D7-7FDA934C0210}" type="datetime1">
+            <a:fld id="{2FFCA530-3DC9-43D3-93A9-C974C34E1DD6}" type="datetime1">
               <a:rPr lang="de-DE" smtClean="0"/>
-              <a:t>17.02.2021</a:t>
+              <a:t>18.02.2021</a:t>
             </a:fld>
             <a:endParaRPr lang="en-US"/>
           </a:p>
@@ -2018,7 +2550,7 @@
             <a:pPr rtl="0"/>
             <a:fld id="{9C2B151B-D7D1-48E5-8230-5AADBC794F88}" type="slidenum">
               <a:rPr lang="en-US" smtClean="0"/>
-              <a:t>17</a:t>
+              <a:t>12</a:t>
             </a:fld>
             <a:endParaRPr lang="en-US"/>
           </a:p>
@@ -2027,7 +2559,7 @@
     </p:spTree>
     <p:extLst>
       <p:ext uri="{BB962C8B-B14F-4D97-AF65-F5344CB8AC3E}">
-        <p14:creationId xmlns:p14="http://schemas.microsoft.com/office/powerpoint/2010/main" val="1085079460"/>
+        <p14:creationId xmlns:p14="http://schemas.microsoft.com/office/powerpoint/2010/main" val="4178868877"/>
       </p:ext>
     </p:extLst>
   </p:cSld>
@@ -2101,9 +2633,9 @@
           <a:lstStyle/>
           <a:p>
             <a:pPr rtl="0"/>
-            <a:fld id="{88DACA00-B485-48AE-971E-CC6E1280CD66}" type="datetime1">
+            <a:fld id="{7DA48DE9-247B-4EBD-A14B-36988774F377}" type="datetime1">
               <a:rPr lang="de-DE" smtClean="0"/>
-              <a:t>17.02.2021</a:t>
+              <a:t>18.02.2021</a:t>
             </a:fld>
             <a:endParaRPr lang="en-US"/>
           </a:p>
@@ -2127,7 +2659,7 @@
             <a:pPr rtl="0"/>
             <a:fld id="{9C2B151B-D7D1-48E5-8230-5AADBC794F88}" type="slidenum">
               <a:rPr lang="en-US" smtClean="0"/>
-              <a:t>18</a:t>
+              <a:t>13</a:t>
             </a:fld>
             <a:endParaRPr lang="en-US"/>
           </a:p>
@@ -2136,7 +2668,7 @@
     </p:spTree>
     <p:extLst>
       <p:ext uri="{BB962C8B-B14F-4D97-AF65-F5344CB8AC3E}">
-        <p14:creationId xmlns:p14="http://schemas.microsoft.com/office/powerpoint/2010/main" val="749225946"/>
+        <p14:creationId xmlns:p14="http://schemas.microsoft.com/office/powerpoint/2010/main" val="1348172016"/>
       </p:ext>
     </p:extLst>
   </p:cSld>
@@ -2393,7 +2925,7 @@
             <a:pPr rtl="0"/>
             <a:fld id="{1514E7D0-C394-41B8-B7AE-64A70240C443}" type="datetime1">
               <a:rPr lang="de-DE" smtClean="0"/>
-              <a:t>17.02.2021</a:t>
+              <a:t>18.02.2021</a:t>
             </a:fld>
             <a:endParaRPr lang="en-US" dirty="0"/>
           </a:p>
@@ -2585,7 +3117,7 @@
             <a:pPr rtl="0"/>
             <a:fld id="{9F18B267-496C-4DE2-83A1-ADDE2B38BABC}" type="datetime1">
               <a:rPr lang="de-DE" smtClean="0"/>
-              <a:t>17.02.2021</a:t>
+              <a:t>18.02.2021</a:t>
             </a:fld>
             <a:endParaRPr lang="en-US" dirty="0"/>
           </a:p>
@@ -2831,7 +3363,7 @@
             <a:pPr rtl="0"/>
             <a:fld id="{E69133DC-A4FB-46C6-B336-BDC14EB1109E}" type="datetime1">
               <a:rPr lang="de-DE" smtClean="0"/>
-              <a:t>17.02.2021</a:t>
+              <a:t>18.02.2021</a:t>
             </a:fld>
             <a:endParaRPr lang="en-US" dirty="0"/>
           </a:p>
@@ -3023,7 +3555,7 @@
             <a:pPr rtl="0"/>
             <a:fld id="{F30E4169-C7C7-4376-AB11-34EB622D2405}" type="datetime1">
               <a:rPr lang="de-DE" smtClean="0"/>
-              <a:t>17.02.2021</a:t>
+              <a:t>18.02.2021</a:t>
             </a:fld>
             <a:endParaRPr lang="en-US" dirty="0"/>
           </a:p>
@@ -3400,7 +3932,7 @@
             <a:pPr rtl="0"/>
             <a:fld id="{409968DE-A4DB-495B-95AE-99CDDC855AF2}" type="datetime1">
               <a:rPr lang="de-DE" smtClean="0"/>
-              <a:t>17.02.2021</a:t>
+              <a:t>18.02.2021</a:t>
             </a:fld>
             <a:endParaRPr lang="en-US" dirty="0"/>
           </a:p>
@@ -3659,7 +4191,7 @@
             <a:pPr rtl="0"/>
             <a:fld id="{9EF45B0B-2729-48AC-9205-BE6F230C1D5B}" type="datetime1">
               <a:rPr lang="de-DE" smtClean="0"/>
-              <a:t>17.02.2021</a:t>
+              <a:t>18.02.2021</a:t>
             </a:fld>
             <a:endParaRPr lang="en-US" dirty="0"/>
           </a:p>
@@ -4060,7 +4592,7 @@
             <a:pPr rtl="0"/>
             <a:fld id="{8E4FF476-B6BA-4FEE-BDFF-03C42D8EF0BE}" type="datetime1">
               <a:rPr lang="de-DE" smtClean="0"/>
-              <a:t>17.02.2021</a:t>
+              <a:t>18.02.2021</a:t>
             </a:fld>
             <a:endParaRPr lang="en-US" dirty="0"/>
           </a:p>
@@ -4200,7 +4732,7 @@
             <a:pPr rtl="0"/>
             <a:fld id="{FA8FA527-88AE-4543-AEBC-7948E7487802}" type="datetime1">
               <a:rPr lang="de-DE" smtClean="0"/>
-              <a:t>17.02.2021</a:t>
+              <a:t>18.02.2021</a:t>
             </a:fld>
             <a:endParaRPr lang="en-US" dirty="0"/>
           </a:p>
@@ -4360,7 +4892,7 @@
             <a:pPr rtl="0"/>
             <a:fld id="{B57B0AEE-EFBF-48DE-9103-7B88127BA894}" type="datetime1">
               <a:rPr lang="de-DE" smtClean="0"/>
-              <a:t>17.02.2021</a:t>
+              <a:t>18.02.2021</a:t>
             </a:fld>
             <a:endParaRPr lang="en-US" dirty="0"/>
           </a:p>
@@ -4693,7 +5225,7 @@
             <a:pPr rtl="0"/>
             <a:fld id="{1C0B70E3-B486-492A-BCB4-D9B66A2BDF7C}" type="datetime1">
               <a:rPr lang="de-DE" smtClean="0"/>
-              <a:t>17.02.2021</a:t>
+              <a:t>18.02.2021</a:t>
             </a:fld>
             <a:endParaRPr lang="en-US" dirty="0"/>
           </a:p>
@@ -5048,7 +5580,7 @@
             <a:pPr rtl="0"/>
             <a:fld id="{61AEA410-FF34-4F91-83E1-92B094F01CEC}" type="datetime1">
               <a:rPr lang="de-DE" smtClean="0"/>
-              <a:t>17.02.2021</a:t>
+              <a:t>18.02.2021</a:t>
             </a:fld>
             <a:endParaRPr lang="en-US" dirty="0"/>
           </a:p>
@@ -5312,7 +5844,7 @@
             <a:pPr rtl="0"/>
             <a:fld id="{F4C9C9C2-3DC7-4CA0-92AE-978744C99D6B}" type="datetime1">
               <a:rPr lang="de-DE" smtClean="0"/>
-              <a:t>17.02.2021</a:t>
+              <a:t>18.02.2021</a:t>
             </a:fld>
             <a:endParaRPr lang="en-US" dirty="0"/>
           </a:p>
@@ -6197,7 +6729,7 @@
           <p:cNvPr id="2" name="Titel 1">
             <a:extLst>
               <a:ext uri="{FF2B5EF4-FFF2-40B4-BE49-F238E27FC236}">
-                <a16:creationId xmlns:a16="http://schemas.microsoft.com/office/drawing/2014/main" id="{4E4056F1-95D3-4103-B2BE-651E4D917EE6}"/>
+                <a16:creationId xmlns:a16="http://schemas.microsoft.com/office/drawing/2014/main" id="{FE373B74-C72F-4B46-A1CD-07B4A5ADB475}"/>
               </a:ext>
             </a:extLst>
           </p:cNvPr>
@@ -6210,7 +6742,7 @@
         </p:nvSpPr>
         <p:spPr>
           <a:xfrm>
-            <a:off x="1097280" y="186590"/>
+            <a:off x="1097280" y="187749"/>
             <a:ext cx="10058400" cy="1450757"/>
           </a:xfrm>
         </p:spPr>
@@ -6220,17 +6752,17 @@
           <a:p>
             <a:r>
               <a:rPr lang="de-DE" dirty="0"/>
-              <a:t>ER-Diagramm Umfrage</a:t>
-            </a:r>
-          </a:p>
-        </p:txBody>
-      </p:sp>
-      <p:sp>
-        <p:nvSpPr>
-          <p:cNvPr id="4" name="Foliennummernplatzhalter 3">
-            <a:extLst>
-              <a:ext uri="{FF2B5EF4-FFF2-40B4-BE49-F238E27FC236}">
-                <a16:creationId xmlns:a16="http://schemas.microsoft.com/office/drawing/2014/main" id="{ED11B56A-F565-4118-A8F3-E25EDF21E261}"/>
+              <a:t>Auswertung Trinkverhalten</a:t>
+            </a:r>
+          </a:p>
+        </p:txBody>
+      </p:sp>
+      <p:sp>
+        <p:nvSpPr>
+          <p:cNvPr id="3" name="Foliennummernplatzhalter 2">
+            <a:extLst>
+              <a:ext uri="{FF2B5EF4-FFF2-40B4-BE49-F238E27FC236}">
+                <a16:creationId xmlns:a16="http://schemas.microsoft.com/office/drawing/2014/main" id="{A20F5F5C-BD3E-4AA5-926F-99D932B23226}"/>
               </a:ext>
             </a:extLst>
           </p:cNvPr>
@@ -6255,12 +6787,82 @@
           </a:p>
         </p:txBody>
       </p:sp>
+      <p:sp>
+        <p:nvSpPr>
+          <p:cNvPr id="4" name="Textfeld 3">
+            <a:extLst>
+              <a:ext uri="{FF2B5EF4-FFF2-40B4-BE49-F238E27FC236}">
+                <a16:creationId xmlns:a16="http://schemas.microsoft.com/office/drawing/2014/main" id="{7BCA37F8-C51F-47C8-AD72-DA8EB82AE118}"/>
+              </a:ext>
+            </a:extLst>
+          </p:cNvPr>
+          <p:cNvSpPr txBox="1"/>
+          <p:nvPr/>
+        </p:nvSpPr>
+        <p:spPr>
+          <a:xfrm>
+            <a:off x="7762024" y="1927654"/>
+            <a:ext cx="3855308" cy="369332"/>
+          </a:xfrm>
+          <a:prstGeom prst="rect">
+            <a:avLst/>
+          </a:prstGeom>
+          <a:noFill/>
+        </p:spPr>
+        <p:txBody>
+          <a:bodyPr wrap="square" rtlCol="0">
+            <a:spAutoFit/>
+          </a:bodyPr>
+          <a:lstStyle/>
+          <a:p>
+            <a:r>
+              <a:rPr lang="de-DE" dirty="0"/>
+              <a:t>Anhand der täglichen Liter Angaben</a:t>
+            </a:r>
+          </a:p>
+        </p:txBody>
+      </p:sp>
       <p:pic>
         <p:nvPicPr>
-          <p:cNvPr id="6" name="Grafik 5">
-            <a:extLst>
-              <a:ext uri="{FF2B5EF4-FFF2-40B4-BE49-F238E27FC236}">
-                <a16:creationId xmlns:a16="http://schemas.microsoft.com/office/drawing/2014/main" id="{64E5C97B-47D7-4F8D-AF58-DC36F8ECFF72}"/>
+          <p:cNvPr id="5" name="Grafik 4">
+            <a:extLst>
+              <a:ext uri="{FF2B5EF4-FFF2-40B4-BE49-F238E27FC236}">
+                <a16:creationId xmlns:a16="http://schemas.microsoft.com/office/drawing/2014/main" id="{50AF98DB-1D06-4EB8-884F-6436EAF5F676}"/>
+              </a:ext>
+            </a:extLst>
+          </p:cNvPr>
+          <p:cNvPicPr>
+            <a:picLocks noChangeAspect="1"/>
+          </p:cNvPicPr>
+          <p:nvPr/>
+        </p:nvPicPr>
+        <p:blipFill rotWithShape="1">
+          <a:blip r:embed="rId3">
+            <a:extLst>
+              <a:ext uri="{28A0092B-C50C-407E-A947-70E740481C1C}">
+                <a14:useLocalDpi xmlns:a14="http://schemas.microsoft.com/office/drawing/2010/main" val="0"/>
+              </a:ext>
+            </a:extLst>
+          </a:blip>
+          <a:srcRect t="28171" r="46365" b="7570"/>
+          <a:stretch/>
+        </p:blipFill>
+        <p:spPr>
+          <a:xfrm>
+            <a:off x="664794" y="2112320"/>
+            <a:ext cx="6862871" cy="3877604"/>
+          </a:xfrm>
+          <a:prstGeom prst="rect">
+            <a:avLst/>
+          </a:prstGeom>
+        </p:spPr>
+      </p:pic>
+      <p:pic>
+        <p:nvPicPr>
+          <p:cNvPr id="7" name="Grafik 6">
+            <a:extLst>
+              <a:ext uri="{FF2B5EF4-FFF2-40B4-BE49-F238E27FC236}">
+                <a16:creationId xmlns:a16="http://schemas.microsoft.com/office/drawing/2014/main" id="{E2FB4A84-3937-4930-99B8-66F5A3352FA9}"/>
               </a:ext>
             </a:extLst>
           </p:cNvPr>
@@ -6270,7 +6872,7 @@
           <p:nvPr/>
         </p:nvPicPr>
         <p:blipFill>
-          <a:blip r:embed="rId2">
+          <a:blip r:embed="rId4">
             <a:extLst>
               <a:ext uri="{28A0092B-C50C-407E-A947-70E740481C1C}">
                 <a14:useLocalDpi xmlns:a14="http://schemas.microsoft.com/office/drawing/2010/main" val="0"/>
@@ -6283,53 +6885,18 @@
         </p:blipFill>
         <p:spPr>
           <a:xfrm>
-            <a:off x="1604507" y="1962213"/>
-            <a:ext cx="9100872" cy="3761694"/>
+            <a:off x="8183499" y="2525845"/>
+            <a:ext cx="2810083" cy="1525277"/>
           </a:xfrm>
           <a:prstGeom prst="rect">
             <a:avLst/>
           </a:prstGeom>
         </p:spPr>
       </p:pic>
-      <p:sp>
-        <p:nvSpPr>
-          <p:cNvPr id="5" name="Textfeld 4">
-            <a:extLst>
-              <a:ext uri="{FF2B5EF4-FFF2-40B4-BE49-F238E27FC236}">
-                <a16:creationId xmlns:a16="http://schemas.microsoft.com/office/drawing/2014/main" id="{38450409-229E-4473-A68F-2208EA3F7838}"/>
-              </a:ext>
-            </a:extLst>
-          </p:cNvPr>
-          <p:cNvSpPr txBox="1"/>
-          <p:nvPr/>
-        </p:nvSpPr>
-        <p:spPr>
-          <a:xfrm>
-            <a:off x="10015668" y="1452681"/>
-            <a:ext cx="2158104" cy="369332"/>
-          </a:xfrm>
-          <a:prstGeom prst="rect">
-            <a:avLst/>
-          </a:prstGeom>
-          <a:noFill/>
-        </p:spPr>
-        <p:txBody>
-          <a:bodyPr wrap="square" rtlCol="0">
-            <a:spAutoFit/>
-          </a:bodyPr>
-          <a:lstStyle/>
-          <a:p>
-            <a:r>
-              <a:rPr lang="de-DE" dirty="0"/>
-              <a:t>Umgesetzt</a:t>
-            </a:r>
-          </a:p>
-        </p:txBody>
-      </p:sp>
     </p:spTree>
     <p:extLst>
       <p:ext uri="{BB962C8B-B14F-4D97-AF65-F5344CB8AC3E}">
-        <p14:creationId xmlns:p14="http://schemas.microsoft.com/office/powerpoint/2010/main" val="4161186463"/>
+        <p14:creationId xmlns:p14="http://schemas.microsoft.com/office/powerpoint/2010/main" val="2901108922"/>
       </p:ext>
     </p:extLst>
   </p:cSld>
@@ -6361,7 +6928,7 @@
           <p:cNvPr id="2" name="Titel 1">
             <a:extLst>
               <a:ext uri="{FF2B5EF4-FFF2-40B4-BE49-F238E27FC236}">
-                <a16:creationId xmlns:a16="http://schemas.microsoft.com/office/drawing/2014/main" id="{53C4AC70-4E3E-43AE-8994-33F95C36BA92}"/>
+                <a16:creationId xmlns:a16="http://schemas.microsoft.com/office/drawing/2014/main" id="{FE373B74-C72F-4B46-A1CD-07B4A5ADB475}"/>
               </a:ext>
             </a:extLst>
           </p:cNvPr>
@@ -6372,24 +6939,29 @@
             <p:ph type="title"/>
           </p:nvPr>
         </p:nvSpPr>
-        <p:spPr/>
+        <p:spPr>
+          <a:xfrm>
+            <a:off x="1097280" y="187749"/>
+            <a:ext cx="10058400" cy="1450757"/>
+          </a:xfrm>
+        </p:spPr>
         <p:txBody>
           <a:bodyPr/>
           <a:lstStyle/>
           <a:p>
             <a:r>
               <a:rPr lang="de-DE" dirty="0"/>
-              <a:t>SQL Datenbank Umfrage</a:t>
-            </a:r>
-          </a:p>
-        </p:txBody>
-      </p:sp>
-      <p:sp>
-        <p:nvSpPr>
-          <p:cNvPr id="4" name="Foliennummernplatzhalter 3">
-            <a:extLst>
-              <a:ext uri="{FF2B5EF4-FFF2-40B4-BE49-F238E27FC236}">
-                <a16:creationId xmlns:a16="http://schemas.microsoft.com/office/drawing/2014/main" id="{0F42732D-A4AD-43D8-B118-8D899A61F12C}"/>
+              <a:t>Wöchentliche Auswertung</a:t>
+            </a:r>
+          </a:p>
+        </p:txBody>
+      </p:sp>
+      <p:sp>
+        <p:nvSpPr>
+          <p:cNvPr id="3" name="Foliennummernplatzhalter 2">
+            <a:extLst>
+              <a:ext uri="{FF2B5EF4-FFF2-40B4-BE49-F238E27FC236}">
+                <a16:creationId xmlns:a16="http://schemas.microsoft.com/office/drawing/2014/main" id="{A20F5F5C-BD3E-4AA5-926F-99D932B23226}"/>
               </a:ext>
             </a:extLst>
           </p:cNvPr>
@@ -6414,12 +6986,82 @@
           </a:p>
         </p:txBody>
       </p:sp>
+      <p:sp>
+        <p:nvSpPr>
+          <p:cNvPr id="4" name="Textfeld 3">
+            <a:extLst>
+              <a:ext uri="{FF2B5EF4-FFF2-40B4-BE49-F238E27FC236}">
+                <a16:creationId xmlns:a16="http://schemas.microsoft.com/office/drawing/2014/main" id="{7BCA37F8-C51F-47C8-AD72-DA8EB82AE118}"/>
+              </a:ext>
+            </a:extLst>
+          </p:cNvPr>
+          <p:cNvSpPr txBox="1"/>
+          <p:nvPr/>
+        </p:nvSpPr>
+        <p:spPr>
+          <a:xfrm>
+            <a:off x="7957751" y="1915297"/>
+            <a:ext cx="3855308" cy="369332"/>
+          </a:xfrm>
+          <a:prstGeom prst="rect">
+            <a:avLst/>
+          </a:prstGeom>
+          <a:noFill/>
+        </p:spPr>
+        <p:txBody>
+          <a:bodyPr wrap="square" rtlCol="0">
+            <a:spAutoFit/>
+          </a:bodyPr>
+          <a:lstStyle/>
+          <a:p>
+            <a:r>
+              <a:rPr lang="de-DE" dirty="0"/>
+              <a:t>Anhand der täglichen Befragung</a:t>
+            </a:r>
+          </a:p>
+        </p:txBody>
+      </p:sp>
       <p:pic>
         <p:nvPicPr>
           <p:cNvPr id="6" name="Grafik 5">
             <a:extLst>
               <a:ext uri="{FF2B5EF4-FFF2-40B4-BE49-F238E27FC236}">
-                <a16:creationId xmlns:a16="http://schemas.microsoft.com/office/drawing/2014/main" id="{E80FFAEA-8E2E-4C2E-8A20-79872E4B2E8E}"/>
+                <a16:creationId xmlns:a16="http://schemas.microsoft.com/office/drawing/2014/main" id="{7C6E7706-566A-49A8-937D-3C1A6F0CC661}"/>
+              </a:ext>
+            </a:extLst>
+          </p:cNvPr>
+          <p:cNvPicPr>
+            <a:picLocks noChangeAspect="1"/>
+          </p:cNvPicPr>
+          <p:nvPr/>
+        </p:nvPicPr>
+        <p:blipFill rotWithShape="1">
+          <a:blip r:embed="rId3">
+            <a:extLst>
+              <a:ext uri="{28A0092B-C50C-407E-A947-70E740481C1C}">
+                <a14:useLocalDpi xmlns:a14="http://schemas.microsoft.com/office/drawing/2010/main" val="0"/>
+              </a:ext>
+            </a:extLst>
+          </a:blip>
+          <a:srcRect l="811" t="28281" r="47095" b="8616"/>
+          <a:stretch/>
+        </p:blipFill>
+        <p:spPr>
+          <a:xfrm>
+            <a:off x="654909" y="2099963"/>
+            <a:ext cx="6771502" cy="3846847"/>
+          </a:xfrm>
+          <a:prstGeom prst="rect">
+            <a:avLst/>
+          </a:prstGeom>
+        </p:spPr>
+      </p:pic>
+      <p:pic>
+        <p:nvPicPr>
+          <p:cNvPr id="10" name="Grafik 9" descr="Ein Bild, das Text enthält.&#10;&#10;Automatisch generierte Beschreibung">
+            <a:extLst>
+              <a:ext uri="{FF2B5EF4-FFF2-40B4-BE49-F238E27FC236}">
+                <a16:creationId xmlns:a16="http://schemas.microsoft.com/office/drawing/2014/main" id="{D94F6D9E-5B51-47E7-954F-16A0B0E57544}"/>
               </a:ext>
             </a:extLst>
           </p:cNvPr>
@@ -6429,7 +7071,7 @@
           <p:nvPr/>
         </p:nvPicPr>
         <p:blipFill>
-          <a:blip r:embed="rId2">
+          <a:blip r:embed="rId4">
             <a:extLst>
               <a:ext uri="{28A0092B-C50C-407E-A947-70E740481C1C}">
                 <a14:useLocalDpi xmlns:a14="http://schemas.microsoft.com/office/drawing/2010/main" val="0"/>
@@ -6442,53 +7084,18 @@
         </p:blipFill>
         <p:spPr>
           <a:xfrm>
-            <a:off x="1158289" y="2641341"/>
-            <a:ext cx="9997391" cy="1450757"/>
+            <a:off x="8615958" y="2376069"/>
+            <a:ext cx="2094049" cy="3756787"/>
           </a:xfrm>
           <a:prstGeom prst="rect">
             <a:avLst/>
           </a:prstGeom>
         </p:spPr>
       </p:pic>
-      <p:sp>
-        <p:nvSpPr>
-          <p:cNvPr id="5" name="Textfeld 4">
-            <a:extLst>
-              <a:ext uri="{FF2B5EF4-FFF2-40B4-BE49-F238E27FC236}">
-                <a16:creationId xmlns:a16="http://schemas.microsoft.com/office/drawing/2014/main" id="{BBAE33A2-FF1B-4C08-98A5-FB7787107E03}"/>
-              </a:ext>
-            </a:extLst>
-          </p:cNvPr>
-          <p:cNvSpPr txBox="1"/>
-          <p:nvPr/>
-        </p:nvSpPr>
-        <p:spPr>
-          <a:xfrm>
-            <a:off x="10015668" y="1452681"/>
-            <a:ext cx="2158104" cy="369332"/>
-          </a:xfrm>
-          <a:prstGeom prst="rect">
-            <a:avLst/>
-          </a:prstGeom>
-          <a:noFill/>
-        </p:spPr>
-        <p:txBody>
-          <a:bodyPr wrap="square" rtlCol="0">
-            <a:spAutoFit/>
-          </a:bodyPr>
-          <a:lstStyle/>
-          <a:p>
-            <a:r>
-              <a:rPr lang="de-DE" dirty="0"/>
-              <a:t>Umgesetzt</a:t>
-            </a:r>
-          </a:p>
-        </p:txBody>
-      </p:sp>
     </p:spTree>
     <p:extLst>
       <p:ext uri="{BB962C8B-B14F-4D97-AF65-F5344CB8AC3E}">
-        <p14:creationId xmlns:p14="http://schemas.microsoft.com/office/powerpoint/2010/main" val="434794103"/>
+        <p14:creationId xmlns:p14="http://schemas.microsoft.com/office/powerpoint/2010/main" val="4031629585"/>
       </p:ext>
     </p:extLst>
   </p:cSld>
@@ -6520,7 +7127,7 @@
           <p:cNvPr id="2" name="Titel 1">
             <a:extLst>
               <a:ext uri="{FF2B5EF4-FFF2-40B4-BE49-F238E27FC236}">
-                <a16:creationId xmlns:a16="http://schemas.microsoft.com/office/drawing/2014/main" id="{A2F404CC-5FDC-484F-8C5C-BBABDE280C96}"/>
+                <a16:creationId xmlns:a16="http://schemas.microsoft.com/office/drawing/2014/main" id="{FE373B74-C72F-4B46-A1CD-07B4A5ADB475}"/>
               </a:ext>
             </a:extLst>
           </p:cNvPr>
@@ -6538,17 +7145,17 @@
           <a:p>
             <a:r>
               <a:rPr lang="de-DE" dirty="0"/>
-              <a:t>SQL Struktur Umfrage</a:t>
-            </a:r>
-          </a:p>
-        </p:txBody>
-      </p:sp>
-      <p:sp>
-        <p:nvSpPr>
-          <p:cNvPr id="4" name="Foliennummernplatzhalter 3">
-            <a:extLst>
-              <a:ext uri="{FF2B5EF4-FFF2-40B4-BE49-F238E27FC236}">
-                <a16:creationId xmlns:a16="http://schemas.microsoft.com/office/drawing/2014/main" id="{E9898528-BCEC-4CEA-BF98-0B01018CCB93}"/>
+              <a:t>Monatliche Auswertung</a:t>
+            </a:r>
+          </a:p>
+        </p:txBody>
+      </p:sp>
+      <p:sp>
+        <p:nvSpPr>
+          <p:cNvPr id="3" name="Foliennummernplatzhalter 2">
+            <a:extLst>
+              <a:ext uri="{FF2B5EF4-FFF2-40B4-BE49-F238E27FC236}">
+                <a16:creationId xmlns:a16="http://schemas.microsoft.com/office/drawing/2014/main" id="{A20F5F5C-BD3E-4AA5-926F-99D932B23226}"/>
               </a:ext>
             </a:extLst>
           </p:cNvPr>
@@ -6573,12 +7180,47 @@
           </a:p>
         </p:txBody>
       </p:sp>
+      <p:sp>
+        <p:nvSpPr>
+          <p:cNvPr id="4" name="Textfeld 3">
+            <a:extLst>
+              <a:ext uri="{FF2B5EF4-FFF2-40B4-BE49-F238E27FC236}">
+                <a16:creationId xmlns:a16="http://schemas.microsoft.com/office/drawing/2014/main" id="{C50ABE94-0424-4736-8F85-5CFFCFCDBAF8}"/>
+              </a:ext>
+            </a:extLst>
+          </p:cNvPr>
+          <p:cNvSpPr txBox="1"/>
+          <p:nvPr/>
+        </p:nvSpPr>
+        <p:spPr>
+          <a:xfrm>
+            <a:off x="7745286" y="1915297"/>
+            <a:ext cx="3855308" cy="369332"/>
+          </a:xfrm>
+          <a:prstGeom prst="rect">
+            <a:avLst/>
+          </a:prstGeom>
+          <a:noFill/>
+        </p:spPr>
+        <p:txBody>
+          <a:bodyPr wrap="square" rtlCol="0">
+            <a:spAutoFit/>
+          </a:bodyPr>
+          <a:lstStyle/>
+          <a:p>
+            <a:r>
+              <a:rPr lang="de-DE" dirty="0"/>
+              <a:t>Anhand der monatlichen Umfrage</a:t>
+            </a:r>
+          </a:p>
+        </p:txBody>
+      </p:sp>
       <p:pic>
         <p:nvPicPr>
-          <p:cNvPr id="6" name="Grafik 5" descr="Ein Bild, das Tisch enthält.&#10;&#10;Automatisch generierte Beschreibung">
-            <a:extLst>
-              <a:ext uri="{FF2B5EF4-FFF2-40B4-BE49-F238E27FC236}">
-                <a16:creationId xmlns:a16="http://schemas.microsoft.com/office/drawing/2014/main" id="{75632BF8-7E5B-47E2-8D50-96171E93A81B}"/>
+          <p:cNvPr id="10" name="Grafik 9">
+            <a:extLst>
+              <a:ext uri="{FF2B5EF4-FFF2-40B4-BE49-F238E27FC236}">
+                <a16:creationId xmlns:a16="http://schemas.microsoft.com/office/drawing/2014/main" id="{B182FBEF-7134-4373-99C4-525AF93ACB10}"/>
               </a:ext>
             </a:extLst>
           </p:cNvPr>
@@ -6587,67 +7229,101 @@
           </p:cNvPicPr>
           <p:nvPr/>
         </p:nvPicPr>
-        <p:blipFill>
-          <a:blip r:embed="rId2">
+        <p:blipFill rotWithShape="1">
+          <a:blip r:embed="rId3">
             <a:extLst>
               <a:ext uri="{28A0092B-C50C-407E-A947-70E740481C1C}">
                 <a14:useLocalDpi xmlns:a14="http://schemas.microsoft.com/office/drawing/2010/main" val="0"/>
               </a:ext>
             </a:extLst>
           </a:blip>
-          <a:stretch>
-            <a:fillRect/>
-          </a:stretch>
+          <a:srcRect l="1216" t="27928" r="47804" b="18919"/>
+          <a:stretch/>
         </p:blipFill>
         <p:spPr>
           <a:xfrm>
-            <a:off x="931596" y="2129246"/>
-            <a:ext cx="10389767" cy="3541782"/>
+            <a:off x="719487" y="2099963"/>
+            <a:ext cx="6895072" cy="4043831"/>
           </a:xfrm>
           <a:prstGeom prst="rect">
             <a:avLst/>
           </a:prstGeom>
         </p:spPr>
       </p:pic>
-      <p:sp>
-        <p:nvSpPr>
-          <p:cNvPr id="5" name="Textfeld 4">
-            <a:extLst>
-              <a:ext uri="{FF2B5EF4-FFF2-40B4-BE49-F238E27FC236}">
-                <a16:creationId xmlns:a16="http://schemas.microsoft.com/office/drawing/2014/main" id="{231EEC7C-B27D-48E3-9088-5B9CA9FF43FF}"/>
-              </a:ext>
-            </a:extLst>
-          </p:cNvPr>
-          <p:cNvSpPr txBox="1"/>
+      <p:pic>
+        <p:nvPicPr>
+          <p:cNvPr id="12" name="Grafik 11" descr="Ein Bild, das Text, Screenshot, Computer, computer enthält.&#10;&#10;Automatisch generierte Beschreibung">
+            <a:extLst>
+              <a:ext uri="{FF2B5EF4-FFF2-40B4-BE49-F238E27FC236}">
+                <a16:creationId xmlns:a16="http://schemas.microsoft.com/office/drawing/2014/main" id="{E6652D64-087B-48DB-B60A-878A130F0B04}"/>
+              </a:ext>
+            </a:extLst>
+          </p:cNvPr>
+          <p:cNvPicPr>
+            <a:picLocks noChangeAspect="1"/>
+          </p:cNvPicPr>
           <p:nvPr/>
-        </p:nvSpPr>
+        </p:nvPicPr>
+        <p:blipFill rotWithShape="1">
+          <a:blip r:embed="rId4">
+            <a:extLst>
+              <a:ext uri="{28A0092B-C50C-407E-A947-70E740481C1C}">
+                <a14:useLocalDpi xmlns:a14="http://schemas.microsoft.com/office/drawing/2010/main" val="0"/>
+              </a:ext>
+            </a:extLst>
+          </a:blip>
+          <a:srcRect l="20154" t="34417" r="53611" b="14414"/>
+          <a:stretch/>
+        </p:blipFill>
         <p:spPr>
           <a:xfrm>
-            <a:off x="10015668" y="1452681"/>
-            <a:ext cx="2158104" cy="369332"/>
+            <a:off x="8006740" y="2284629"/>
+            <a:ext cx="1713514" cy="1879884"/>
           </a:xfrm>
           <a:prstGeom prst="rect">
             <a:avLst/>
           </a:prstGeom>
-          <a:noFill/>
         </p:spPr>
-        <p:txBody>
-          <a:bodyPr wrap="square" rtlCol="0">
-            <a:spAutoFit/>
-          </a:bodyPr>
-          <a:lstStyle/>
-          <a:p>
-            <a:r>
-              <a:rPr lang="de-DE" dirty="0"/>
-              <a:t>Umgesetzt</a:t>
-            </a:r>
-          </a:p>
-        </p:txBody>
-      </p:sp>
+      </p:pic>
+      <p:pic>
+        <p:nvPicPr>
+          <p:cNvPr id="14" name="Grafik 13" descr="Ein Bild, das Text, Screenshot, Computer, computer enthält.&#10;&#10;Automatisch generierte Beschreibung">
+            <a:extLst>
+              <a:ext uri="{FF2B5EF4-FFF2-40B4-BE49-F238E27FC236}">
+                <a16:creationId xmlns:a16="http://schemas.microsoft.com/office/drawing/2014/main" id="{66E5BC9B-E203-442E-AFA3-2776BF85707F}"/>
+              </a:ext>
+            </a:extLst>
+          </p:cNvPr>
+          <p:cNvPicPr>
+            <a:picLocks noChangeAspect="1"/>
+          </p:cNvPicPr>
+          <p:nvPr/>
+        </p:nvPicPr>
+        <p:blipFill rotWithShape="1">
+          <a:blip r:embed="rId5">
+            <a:extLst>
+              <a:ext uri="{28A0092B-C50C-407E-A947-70E740481C1C}">
+                <a14:useLocalDpi xmlns:a14="http://schemas.microsoft.com/office/drawing/2010/main" val="0"/>
+              </a:ext>
+            </a:extLst>
+          </a:blip>
+          <a:srcRect l="19865" t="25333" r="43429" b="11713"/>
+          <a:stretch/>
+        </p:blipFill>
+        <p:spPr>
+          <a:xfrm>
+            <a:off x="8006740" y="4164513"/>
+            <a:ext cx="2311153" cy="2229733"/>
+          </a:xfrm>
+          <a:prstGeom prst="rect">
+            <a:avLst/>
+          </a:prstGeom>
+        </p:spPr>
+      </p:pic>
     </p:spTree>
     <p:extLst>
       <p:ext uri="{BB962C8B-B14F-4D97-AF65-F5344CB8AC3E}">
-        <p14:creationId xmlns:p14="http://schemas.microsoft.com/office/powerpoint/2010/main" val="1831127501"/>
+        <p14:creationId xmlns:p14="http://schemas.microsoft.com/office/powerpoint/2010/main" val="553901710"/>
       </p:ext>
     </p:extLst>
   </p:cSld>
@@ -6679,7 +7355,7 @@
           <p:cNvPr id="2" name="Titel 1">
             <a:extLst>
               <a:ext uri="{FF2B5EF4-FFF2-40B4-BE49-F238E27FC236}">
-                <a16:creationId xmlns:a16="http://schemas.microsoft.com/office/drawing/2014/main" id="{4E4056F1-95D3-4103-B2BE-651E4D917EE6}"/>
+                <a16:creationId xmlns:a16="http://schemas.microsoft.com/office/drawing/2014/main" id="{4DC4D8DE-1034-4059-B907-B2FCA56F6799}"/>
               </a:ext>
             </a:extLst>
           </p:cNvPr>
@@ -6690,24 +7366,31 @@
             <p:ph type="title"/>
           </p:nvPr>
         </p:nvSpPr>
-        <p:spPr/>
-        <p:txBody>
-          <a:bodyPr/>
-          <a:lstStyle/>
-          <a:p>
-            <a:r>
-              <a:rPr lang="de-DE" dirty="0"/>
-              <a:t>ER-Diagramm Favoriten</a:t>
-            </a:r>
-          </a:p>
-        </p:txBody>
-      </p:sp>
-      <p:sp>
-        <p:nvSpPr>
-          <p:cNvPr id="4" name="Foliennummernplatzhalter 3">
-            <a:extLst>
-              <a:ext uri="{FF2B5EF4-FFF2-40B4-BE49-F238E27FC236}">
-                <a16:creationId xmlns:a16="http://schemas.microsoft.com/office/drawing/2014/main" id="{ED11B56A-F565-4118-A8F3-E25EDF21E261}"/>
+        <p:spPr>
+          <a:xfrm>
+            <a:off x="1097280" y="758952"/>
+            <a:ext cx="10058400" cy="3566160"/>
+          </a:xfrm>
+        </p:spPr>
+        <p:txBody>
+          <a:bodyPr anchor="b">
+            <a:normAutofit/>
+          </a:bodyPr>
+          <a:lstStyle/>
+          <a:p>
+            <a:r>
+              <a:rPr lang="de-DE" sz="7400" dirty="0"/>
+              <a:t>Datenbank</a:t>
+            </a:r>
+          </a:p>
+        </p:txBody>
+      </p:sp>
+      <p:sp>
+        <p:nvSpPr>
+          <p:cNvPr id="3" name="Foliennummernplatzhalter 2">
+            <a:extLst>
+              <a:ext uri="{FF2B5EF4-FFF2-40B4-BE49-F238E27FC236}">
+                <a16:creationId xmlns:a16="http://schemas.microsoft.com/office/drawing/2014/main" id="{585CF4AE-527C-4AA2-906C-B9F7B3281748}"/>
               </a:ext>
             </a:extLst>
           </p:cNvPr>
@@ -6718,94 +7401,94 @@
             <p:ph type="sldNum" sz="quarter" idx="12"/>
           </p:nvPr>
         </p:nvSpPr>
-        <p:spPr/>
-        <p:txBody>
-          <a:bodyPr/>
-          <a:lstStyle/>
-          <a:p>
-            <a:pPr rtl="0"/>
+        <p:spPr>
+          <a:xfrm>
+            <a:off x="10993582" y="6446838"/>
+            <a:ext cx="780010" cy="365125"/>
+          </a:xfrm>
+        </p:spPr>
+        <p:txBody>
+          <a:bodyPr anchor="ctr">
+            <a:normAutofit/>
+          </a:bodyPr>
+          <a:lstStyle/>
+          <a:p>
+            <a:pPr rtl="0">
+              <a:spcAft>
+                <a:spcPts val="600"/>
+              </a:spcAft>
+            </a:pPr>
             <a:fld id="{3A98EE3D-8CD1-4C3F-BD1C-C98C9596463C}" type="slidenum">
               <a:rPr lang="en-US" smtClean="0"/>
+              <a:pPr rtl="0">
+                <a:spcAft>
+                  <a:spcPts val="600"/>
+                </a:spcAft>
+              </a:pPr>
               <a:t>13</a:t>
             </a:fld>
-            <a:endParaRPr lang="en-US" dirty="0"/>
-          </a:p>
-        </p:txBody>
-      </p:sp>
-      <p:pic>
-        <p:nvPicPr>
-          <p:cNvPr id="6" name="Grafik 5">
-            <a:extLst>
-              <a:ext uri="{FF2B5EF4-FFF2-40B4-BE49-F238E27FC236}">
-                <a16:creationId xmlns:a16="http://schemas.microsoft.com/office/drawing/2014/main" id="{15CE0D53-A421-4F20-A266-5039CC98F763}"/>
-              </a:ext>
-            </a:extLst>
-          </p:cNvPr>
-          <p:cNvPicPr>
-            <a:picLocks noChangeAspect="1"/>
-          </p:cNvPicPr>
+            <a:endParaRPr lang="en-US"/>
+          </a:p>
+        </p:txBody>
+      </p:sp>
+      <p:sp>
+        <p:nvSpPr>
+          <p:cNvPr id="4" name="Titel 1">
+            <a:extLst>
+              <a:ext uri="{FF2B5EF4-FFF2-40B4-BE49-F238E27FC236}">
+                <a16:creationId xmlns:a16="http://schemas.microsoft.com/office/drawing/2014/main" id="{14040106-2C9B-47A0-AA16-571538A46A0C}"/>
+              </a:ext>
+            </a:extLst>
+          </p:cNvPr>
+          <p:cNvSpPr txBox="1">
+            <a:spLocks/>
+          </p:cNvSpPr>
           <p:nvPr/>
-        </p:nvPicPr>
-        <p:blipFill rotWithShape="1">
-          <a:blip r:embed="rId3">
-            <a:extLst>
-              <a:ext uri="{28A0092B-C50C-407E-A947-70E740481C1C}">
-                <a14:useLocalDpi xmlns:a14="http://schemas.microsoft.com/office/drawing/2010/main" val="0"/>
-              </a:ext>
-            </a:extLst>
-          </a:blip>
-          <a:srcRect l="1895" t="4286" r="2730" b="4176"/>
-          <a:stretch/>
-        </p:blipFill>
+        </p:nvSpPr>
         <p:spPr>
           <a:xfrm>
-            <a:off x="2782118" y="1947552"/>
-            <a:ext cx="6627763" cy="4394965"/>
+            <a:off x="1097280" y="4744569"/>
+            <a:ext cx="10058400" cy="641405"/>
           </a:xfrm>
           <a:prstGeom prst="rect">
             <a:avLst/>
           </a:prstGeom>
         </p:spPr>
-      </p:pic>
-      <p:sp>
-        <p:nvSpPr>
-          <p:cNvPr id="3" name="Textfeld 2">
-            <a:extLst>
-              <a:ext uri="{FF2B5EF4-FFF2-40B4-BE49-F238E27FC236}">
-                <a16:creationId xmlns:a16="http://schemas.microsoft.com/office/drawing/2014/main" id="{3725DAE3-D620-4329-BB86-C99E592409B3}"/>
-              </a:ext>
-            </a:extLst>
-          </p:cNvPr>
-          <p:cNvSpPr txBox="1"/>
-          <p:nvPr/>
-        </p:nvSpPr>
-        <p:spPr>
-          <a:xfrm>
-            <a:off x="9409881" y="1473124"/>
-            <a:ext cx="2158104" cy="369332"/>
-          </a:xfrm>
-          <a:prstGeom prst="rect">
-            <a:avLst/>
-          </a:prstGeom>
-          <a:noFill/>
-        </p:spPr>
-        <p:txBody>
-          <a:bodyPr wrap="square" rtlCol="0">
-            <a:spAutoFit/>
+        <p:txBody>
+          <a:bodyPr vert="horz" lIns="91440" tIns="45720" rIns="91440" bIns="45720" rtlCol="0" anchor="b" anchorCtr="0">
+            <a:normAutofit fontScale="62500" lnSpcReduction="20000"/>
           </a:bodyPr>
-          <a:lstStyle/>
-          <a:p>
-            <a:r>
-              <a:rPr lang="de-DE" dirty="0"/>
-              <a:t>Nicht umgesetzt</a:t>
-            </a:r>
+          <a:lstStyle>
+            <a:lvl1pPr algn="l" defTabSz="914400" rtl="0" eaLnBrk="1" latinLnBrk="0" hangingPunct="1">
+              <a:lnSpc>
+                <a:spcPct val="90000"/>
+              </a:lnSpc>
+              <a:spcBef>
+                <a:spcPct val="0"/>
+              </a:spcBef>
+              <a:buNone/>
+              <a:defRPr sz="8000" b="0" i="0" kern="1200" spc="-50" baseline="0">
+                <a:solidFill>
+                  <a:schemeClr val="tx1">
+                    <a:lumMod val="85000"/>
+                    <a:lumOff val="15000"/>
+                  </a:schemeClr>
+                </a:solidFill>
+                <a:latin typeface="+mj-lt"/>
+                <a:ea typeface="+mj-ea"/>
+                <a:cs typeface="+mj-cs"/>
+              </a:defRPr>
+            </a:lvl1pPr>
+          </a:lstStyle>
+          <a:p>
+            <a:endParaRPr lang="de-DE" sz="7900" dirty="0"/>
           </a:p>
         </p:txBody>
       </p:sp>
     </p:spTree>
     <p:extLst>
       <p:ext uri="{BB962C8B-B14F-4D97-AF65-F5344CB8AC3E}">
-        <p14:creationId xmlns:p14="http://schemas.microsoft.com/office/powerpoint/2010/main" val="2617969784"/>
+        <p14:creationId xmlns:p14="http://schemas.microsoft.com/office/powerpoint/2010/main" val="4172179416"/>
       </p:ext>
     </p:extLst>
   </p:cSld>
@@ -6837,7 +7520,7 @@
           <p:cNvPr id="2" name="Titel 1">
             <a:extLst>
               <a:ext uri="{FF2B5EF4-FFF2-40B4-BE49-F238E27FC236}">
-                <a16:creationId xmlns:a16="http://schemas.microsoft.com/office/drawing/2014/main" id="{301E3B99-90E6-4810-9291-4FFCF04B9D93}"/>
+                <a16:creationId xmlns:a16="http://schemas.microsoft.com/office/drawing/2014/main" id="{4E4056F1-95D3-4103-B2BE-651E4D917EE6}"/>
               </a:ext>
             </a:extLst>
           </p:cNvPr>
@@ -6848,14 +7531,26 @@
             <p:ph type="title"/>
           </p:nvPr>
         </p:nvSpPr>
-        <p:spPr/>
+        <p:spPr>
+          <a:xfrm>
+            <a:off x="1066800" y="446087"/>
+            <a:ext cx="10058400" cy="1450757"/>
+          </a:xfrm>
+        </p:spPr>
         <p:txBody>
           <a:bodyPr/>
           <a:lstStyle/>
           <a:p>
             <a:r>
               <a:rPr lang="de-DE" dirty="0"/>
-              <a:t>SQL Datenbank Favorit</a:t>
+              <a:t>ER-Diagramm </a:t>
+            </a:r>
+            <a:br>
+              <a:rPr lang="de-DE" dirty="0"/>
+            </a:br>
+            <a:r>
+              <a:rPr lang="de-DE" dirty="0"/>
+              <a:t>Monatliche Umfrage</a:t>
             </a:r>
           </a:p>
         </p:txBody>
@@ -6865,7 +7560,7 @@
           <p:cNvPr id="4" name="Foliennummernplatzhalter 3">
             <a:extLst>
               <a:ext uri="{FF2B5EF4-FFF2-40B4-BE49-F238E27FC236}">
-                <a16:creationId xmlns:a16="http://schemas.microsoft.com/office/drawing/2014/main" id="{1576703A-D045-4142-B6BC-28811375C559}"/>
+                <a16:creationId xmlns:a16="http://schemas.microsoft.com/office/drawing/2014/main" id="{ED11B56A-F565-4118-A8F3-E25EDF21E261}"/>
               </a:ext>
             </a:extLst>
           </p:cNvPr>
@@ -6895,7 +7590,7 @@
           <p:cNvPr id="6" name="Grafik 5">
             <a:extLst>
               <a:ext uri="{FF2B5EF4-FFF2-40B4-BE49-F238E27FC236}">
-                <a16:creationId xmlns:a16="http://schemas.microsoft.com/office/drawing/2014/main" id="{593217E4-29FC-4329-80A6-2BB582584D41}"/>
+                <a16:creationId xmlns:a16="http://schemas.microsoft.com/office/drawing/2014/main" id="{64E5C97B-47D7-4F8D-AF58-DC36F8ECFF72}"/>
               </a:ext>
             </a:extLst>
           </p:cNvPr>
@@ -6918,65 +7613,29 @@
         </p:blipFill>
         <p:spPr>
           <a:xfrm>
-            <a:off x="1098710" y="2263656"/>
-            <a:ext cx="10056970" cy="1548319"/>
+            <a:off x="1604507" y="1962213"/>
+            <a:ext cx="9100872" cy="3761694"/>
           </a:xfrm>
           <a:prstGeom prst="rect">
             <a:avLst/>
           </a:prstGeom>
         </p:spPr>
       </p:pic>
-      <p:pic>
-        <p:nvPicPr>
-          <p:cNvPr id="8" name="Grafik 7">
-            <a:extLst>
-              <a:ext uri="{FF2B5EF4-FFF2-40B4-BE49-F238E27FC236}">
-                <a16:creationId xmlns:a16="http://schemas.microsoft.com/office/drawing/2014/main" id="{8A83C62C-6979-406D-8767-9D97D06DABE3}"/>
-              </a:ext>
-            </a:extLst>
-          </p:cNvPr>
-          <p:cNvPicPr>
-            <a:picLocks noChangeAspect="1"/>
-          </p:cNvPicPr>
+      <p:sp>
+        <p:nvSpPr>
+          <p:cNvPr id="5" name="Textfeld 4">
+            <a:extLst>
+              <a:ext uri="{FF2B5EF4-FFF2-40B4-BE49-F238E27FC236}">
+                <a16:creationId xmlns:a16="http://schemas.microsoft.com/office/drawing/2014/main" id="{38450409-229E-4473-A68F-2208EA3F7838}"/>
+              </a:ext>
+            </a:extLst>
+          </p:cNvPr>
+          <p:cNvSpPr txBox="1"/>
           <p:nvPr/>
-        </p:nvPicPr>
-        <p:blipFill>
-          <a:blip r:embed="rId3">
-            <a:extLst>
-              <a:ext uri="{28A0092B-C50C-407E-A947-70E740481C1C}">
-                <a14:useLocalDpi xmlns:a14="http://schemas.microsoft.com/office/drawing/2010/main" val="0"/>
-              </a:ext>
-            </a:extLst>
-          </a:blip>
-          <a:stretch>
-            <a:fillRect/>
-          </a:stretch>
-        </p:blipFill>
+        </p:nvSpPr>
         <p:spPr>
           <a:xfrm>
-            <a:off x="1097280" y="4384572"/>
-            <a:ext cx="2999387" cy="1351209"/>
-          </a:xfrm>
-          <a:prstGeom prst="rect">
-            <a:avLst/>
-          </a:prstGeom>
-        </p:spPr>
-      </p:pic>
-      <p:sp>
-        <p:nvSpPr>
-          <p:cNvPr id="7" name="Textfeld 6">
-            <a:extLst>
-              <a:ext uri="{FF2B5EF4-FFF2-40B4-BE49-F238E27FC236}">
-                <a16:creationId xmlns:a16="http://schemas.microsoft.com/office/drawing/2014/main" id="{A0C45FFC-1D80-415F-AEB8-965C748DC274}"/>
-              </a:ext>
-            </a:extLst>
-          </p:cNvPr>
-          <p:cNvSpPr txBox="1"/>
-          <p:nvPr/>
-        </p:nvSpPr>
-        <p:spPr>
-          <a:xfrm>
-            <a:off x="9409881" y="1473124"/>
+            <a:off x="10015668" y="1452681"/>
             <a:ext cx="2158104" cy="369332"/>
           </a:xfrm>
           <a:prstGeom prst="rect">
@@ -6992,7 +7651,7 @@
           <a:p>
             <a:r>
               <a:rPr lang="de-DE" dirty="0"/>
-              <a:t>Nicht umgesetzt</a:t>
+              <a:t>Umgesetzt</a:t>
             </a:r>
           </a:p>
         </p:txBody>
@@ -7000,7 +7659,7 @@
     </p:spTree>
     <p:extLst>
       <p:ext uri="{BB962C8B-B14F-4D97-AF65-F5344CB8AC3E}">
-        <p14:creationId xmlns:p14="http://schemas.microsoft.com/office/powerpoint/2010/main" val="785191862"/>
+        <p14:creationId xmlns:p14="http://schemas.microsoft.com/office/powerpoint/2010/main" val="4161186463"/>
       </p:ext>
     </p:extLst>
   </p:cSld>
@@ -7032,7 +7691,7 @@
           <p:cNvPr id="2" name="Titel 1">
             <a:extLst>
               <a:ext uri="{FF2B5EF4-FFF2-40B4-BE49-F238E27FC236}">
-                <a16:creationId xmlns:a16="http://schemas.microsoft.com/office/drawing/2014/main" id="{C5CEC7AA-D6D0-4A38-A1E0-6F021008DBE3}"/>
+                <a16:creationId xmlns:a16="http://schemas.microsoft.com/office/drawing/2014/main" id="{53C4AC70-4E3E-43AE-8994-33F95C36BA92}"/>
               </a:ext>
             </a:extLst>
           </p:cNvPr>
@@ -7043,14 +7702,26 @@
             <p:ph type="title"/>
           </p:nvPr>
         </p:nvSpPr>
-        <p:spPr/>
+        <p:spPr>
+          <a:xfrm>
+            <a:off x="1097280" y="447244"/>
+            <a:ext cx="10058400" cy="1450757"/>
+          </a:xfrm>
+        </p:spPr>
         <p:txBody>
           <a:bodyPr/>
           <a:lstStyle/>
           <a:p>
             <a:r>
               <a:rPr lang="de-DE" dirty="0"/>
-              <a:t>SQL Struktur Favorit</a:t>
+              <a:t>SQL Datenbank </a:t>
+            </a:r>
+            <a:br>
+              <a:rPr lang="de-DE" dirty="0"/>
+            </a:br>
+            <a:r>
+              <a:rPr lang="de-DE" dirty="0"/>
+              <a:t>Monatliche Umfrage</a:t>
             </a:r>
           </a:p>
         </p:txBody>
@@ -7060,7 +7731,7 @@
           <p:cNvPr id="4" name="Foliennummernplatzhalter 3">
             <a:extLst>
               <a:ext uri="{FF2B5EF4-FFF2-40B4-BE49-F238E27FC236}">
-                <a16:creationId xmlns:a16="http://schemas.microsoft.com/office/drawing/2014/main" id="{AE2EFFA6-5193-4DE4-8AAD-206D3391BFE2}"/>
+                <a16:creationId xmlns:a16="http://schemas.microsoft.com/office/drawing/2014/main" id="{0F42732D-A4AD-43D8-B118-8D899A61F12C}"/>
               </a:ext>
             </a:extLst>
           </p:cNvPr>
@@ -7087,10 +7758,10 @@
       </p:sp>
       <p:pic>
         <p:nvPicPr>
-          <p:cNvPr id="6" name="Grafik 5" descr="Ein Bild, das Text enthält.&#10;&#10;Automatisch generierte Beschreibung">
-            <a:extLst>
-              <a:ext uri="{FF2B5EF4-FFF2-40B4-BE49-F238E27FC236}">
-                <a16:creationId xmlns:a16="http://schemas.microsoft.com/office/drawing/2014/main" id="{C278BA14-3424-4A78-9440-89895EB97CDF}"/>
+          <p:cNvPr id="6" name="Grafik 5">
+            <a:extLst>
+              <a:ext uri="{FF2B5EF4-FFF2-40B4-BE49-F238E27FC236}">
+                <a16:creationId xmlns:a16="http://schemas.microsoft.com/office/drawing/2014/main" id="{E80FFAEA-8E2E-4C2E-8A20-79872E4B2E8E}"/>
               </a:ext>
             </a:extLst>
           </p:cNvPr>
@@ -7113,65 +7784,29 @@
         </p:blipFill>
         <p:spPr>
           <a:xfrm>
-            <a:off x="966872" y="2303964"/>
-            <a:ext cx="10258256" cy="1450757"/>
+            <a:off x="1158289" y="2641341"/>
+            <a:ext cx="9997391" cy="1450757"/>
           </a:xfrm>
           <a:prstGeom prst="rect">
             <a:avLst/>
           </a:prstGeom>
         </p:spPr>
       </p:pic>
-      <p:pic>
-        <p:nvPicPr>
-          <p:cNvPr id="8" name="Grafik 7">
-            <a:extLst>
-              <a:ext uri="{FF2B5EF4-FFF2-40B4-BE49-F238E27FC236}">
-                <a16:creationId xmlns:a16="http://schemas.microsoft.com/office/drawing/2014/main" id="{A48D8983-542A-4738-8252-257BDBCCF1B7}"/>
-              </a:ext>
-            </a:extLst>
-          </p:cNvPr>
-          <p:cNvPicPr>
-            <a:picLocks noChangeAspect="1"/>
-          </p:cNvPicPr>
+      <p:sp>
+        <p:nvSpPr>
+          <p:cNvPr id="5" name="Textfeld 4">
+            <a:extLst>
+              <a:ext uri="{FF2B5EF4-FFF2-40B4-BE49-F238E27FC236}">
+                <a16:creationId xmlns:a16="http://schemas.microsoft.com/office/drawing/2014/main" id="{BBAE33A2-FF1B-4C08-98A5-FB7787107E03}"/>
+              </a:ext>
+            </a:extLst>
+          </p:cNvPr>
+          <p:cNvSpPr txBox="1"/>
           <p:nvPr/>
-        </p:nvPicPr>
-        <p:blipFill>
-          <a:blip r:embed="rId3">
-            <a:extLst>
-              <a:ext uri="{28A0092B-C50C-407E-A947-70E740481C1C}">
-                <a14:useLocalDpi xmlns:a14="http://schemas.microsoft.com/office/drawing/2010/main" val="0"/>
-              </a:ext>
-            </a:extLst>
-          </a:blip>
-          <a:stretch>
-            <a:fillRect/>
-          </a:stretch>
-        </p:blipFill>
+        </p:nvSpPr>
         <p:spPr>
           <a:xfrm>
-            <a:off x="966872" y="4360667"/>
-            <a:ext cx="6811326" cy="1076475"/>
-          </a:xfrm>
-          <a:prstGeom prst="rect">
-            <a:avLst/>
-          </a:prstGeom>
-        </p:spPr>
-      </p:pic>
-      <p:sp>
-        <p:nvSpPr>
-          <p:cNvPr id="7" name="Textfeld 6">
-            <a:extLst>
-              <a:ext uri="{FF2B5EF4-FFF2-40B4-BE49-F238E27FC236}">
-                <a16:creationId xmlns:a16="http://schemas.microsoft.com/office/drawing/2014/main" id="{B6BEE93D-56FE-4DD0-9DBA-6170FA6AF840}"/>
-              </a:ext>
-            </a:extLst>
-          </p:cNvPr>
-          <p:cNvSpPr txBox="1"/>
-          <p:nvPr/>
-        </p:nvSpPr>
-        <p:spPr>
-          <a:xfrm>
-            <a:off x="9409881" y="1473124"/>
+            <a:off x="10015668" y="1452681"/>
             <a:ext cx="2158104" cy="369332"/>
           </a:xfrm>
           <a:prstGeom prst="rect">
@@ -7187,7 +7822,7 @@
           <a:p>
             <a:r>
               <a:rPr lang="de-DE" dirty="0"/>
-              <a:t>Nicht umgesetzt</a:t>
+              <a:t>Umgesetzt</a:t>
             </a:r>
           </a:p>
         </p:txBody>
@@ -7195,7 +7830,7 @@
     </p:spTree>
     <p:extLst>
       <p:ext uri="{BB962C8B-B14F-4D97-AF65-F5344CB8AC3E}">
-        <p14:creationId xmlns:p14="http://schemas.microsoft.com/office/powerpoint/2010/main" val="1191174246"/>
+        <p14:creationId xmlns:p14="http://schemas.microsoft.com/office/powerpoint/2010/main" val="434794103"/>
       </p:ext>
     </p:extLst>
   </p:cSld>
@@ -7227,7 +7862,7 @@
           <p:cNvPr id="2" name="Titel 1">
             <a:extLst>
               <a:ext uri="{FF2B5EF4-FFF2-40B4-BE49-F238E27FC236}">
-                <a16:creationId xmlns:a16="http://schemas.microsoft.com/office/drawing/2014/main" id="{4DC4D8DE-1034-4059-B907-B2FCA56F6799}"/>
+                <a16:creationId xmlns:a16="http://schemas.microsoft.com/office/drawing/2014/main" id="{A2F404CC-5FDC-484F-8C5C-BBABDE280C96}"/>
               </a:ext>
             </a:extLst>
           </p:cNvPr>
@@ -7240,29 +7875,34 @@
         </p:nvSpPr>
         <p:spPr>
           <a:xfrm>
-            <a:off x="1097280" y="758952"/>
-            <a:ext cx="10058400" cy="3566160"/>
+            <a:off x="1097280" y="447244"/>
+            <a:ext cx="10058400" cy="1450757"/>
           </a:xfrm>
         </p:spPr>
         <p:txBody>
-          <a:bodyPr anchor="b">
-            <a:normAutofit/>
-          </a:bodyPr>
-          <a:lstStyle/>
-          <a:p>
-            <a:r>
-              <a:rPr lang="de-DE" sz="7400" dirty="0"/>
-              <a:t>Zielhierarchie</a:t>
-            </a:r>
-          </a:p>
-        </p:txBody>
-      </p:sp>
-      <p:sp>
-        <p:nvSpPr>
-          <p:cNvPr id="3" name="Foliennummernplatzhalter 2">
-            <a:extLst>
-              <a:ext uri="{FF2B5EF4-FFF2-40B4-BE49-F238E27FC236}">
-                <a16:creationId xmlns:a16="http://schemas.microsoft.com/office/drawing/2014/main" id="{585CF4AE-527C-4AA2-906C-B9F7B3281748}"/>
+          <a:bodyPr/>
+          <a:lstStyle/>
+          <a:p>
+            <a:r>
+              <a:rPr lang="de-DE" dirty="0"/>
+              <a:t>SQL Struktur </a:t>
+            </a:r>
+            <a:br>
+              <a:rPr lang="de-DE" dirty="0"/>
+            </a:br>
+            <a:r>
+              <a:rPr lang="de-DE" dirty="0"/>
+              <a:t>Monatliche Umfrage</a:t>
+            </a:r>
+          </a:p>
+        </p:txBody>
+      </p:sp>
+      <p:sp>
+        <p:nvSpPr>
+          <p:cNvPr id="4" name="Foliennummernplatzhalter 3">
+            <a:extLst>
+              <a:ext uri="{FF2B5EF4-FFF2-40B4-BE49-F238E27FC236}">
+                <a16:creationId xmlns:a16="http://schemas.microsoft.com/office/drawing/2014/main" id="{E9898528-BCEC-4CEA-BF98-0B01018CCB93}"/>
               </a:ext>
             </a:extLst>
           </p:cNvPr>
@@ -7273,94 +7913,95 @@
             <p:ph type="sldNum" sz="quarter" idx="12"/>
           </p:nvPr>
         </p:nvSpPr>
+        <p:spPr/>
+        <p:txBody>
+          <a:bodyPr/>
+          <a:lstStyle/>
+          <a:p>
+            <a:pPr rtl="0"/>
+            <a:fld id="{3A98EE3D-8CD1-4C3F-BD1C-C98C9596463C}" type="slidenum">
+              <a:rPr lang="en-US" smtClean="0"/>
+              <a:t>16</a:t>
+            </a:fld>
+            <a:endParaRPr lang="en-US" dirty="0"/>
+          </a:p>
+        </p:txBody>
+      </p:sp>
+      <p:pic>
+        <p:nvPicPr>
+          <p:cNvPr id="6" name="Grafik 5" descr="Ein Bild, das Tisch enthält.&#10;&#10;Automatisch generierte Beschreibung">
+            <a:extLst>
+              <a:ext uri="{FF2B5EF4-FFF2-40B4-BE49-F238E27FC236}">
+                <a16:creationId xmlns:a16="http://schemas.microsoft.com/office/drawing/2014/main" id="{75632BF8-7E5B-47E2-8D50-96171E93A81B}"/>
+              </a:ext>
+            </a:extLst>
+          </p:cNvPr>
+          <p:cNvPicPr>
+            <a:picLocks noChangeAspect="1"/>
+          </p:cNvPicPr>
+          <p:nvPr/>
+        </p:nvPicPr>
+        <p:blipFill>
+          <a:blip r:embed="rId2">
+            <a:extLst>
+              <a:ext uri="{28A0092B-C50C-407E-A947-70E740481C1C}">
+                <a14:useLocalDpi xmlns:a14="http://schemas.microsoft.com/office/drawing/2010/main" val="0"/>
+              </a:ext>
+            </a:extLst>
+          </a:blip>
+          <a:stretch>
+            <a:fillRect/>
+          </a:stretch>
+        </p:blipFill>
         <p:spPr>
           <a:xfrm>
-            <a:off x="10993582" y="6446838"/>
-            <a:ext cx="780010" cy="365125"/>
-          </a:xfrm>
-        </p:spPr>
-        <p:txBody>
-          <a:bodyPr anchor="ctr">
-            <a:normAutofit/>
-          </a:bodyPr>
-          <a:lstStyle/>
-          <a:p>
-            <a:pPr rtl="0">
-              <a:spcAft>
-                <a:spcPts val="600"/>
-              </a:spcAft>
-            </a:pPr>
-            <a:fld id="{3A98EE3D-8CD1-4C3F-BD1C-C98C9596463C}" type="slidenum">
-              <a:rPr lang="en-US" smtClean="0"/>
-              <a:pPr rtl="0">
-                <a:spcAft>
-                  <a:spcPts val="600"/>
-                </a:spcAft>
-              </a:pPr>
-              <a:t>16</a:t>
-            </a:fld>
-            <a:endParaRPr lang="en-US"/>
-          </a:p>
-        </p:txBody>
-      </p:sp>
-      <p:sp>
-        <p:nvSpPr>
-          <p:cNvPr id="4" name="Titel 1">
-            <a:extLst>
-              <a:ext uri="{FF2B5EF4-FFF2-40B4-BE49-F238E27FC236}">
-                <a16:creationId xmlns:a16="http://schemas.microsoft.com/office/drawing/2014/main" id="{14040106-2C9B-47A0-AA16-571538A46A0C}"/>
-              </a:ext>
-            </a:extLst>
-          </p:cNvPr>
-          <p:cNvSpPr txBox="1">
-            <a:spLocks/>
-          </p:cNvSpPr>
-          <p:nvPr/>
-        </p:nvSpPr>
-        <p:spPr>
-          <a:xfrm>
-            <a:off x="1097280" y="4744569"/>
-            <a:ext cx="10058400" cy="641405"/>
+            <a:off x="931596" y="2129246"/>
+            <a:ext cx="10389767" cy="3541782"/>
           </a:xfrm>
           <a:prstGeom prst="rect">
             <a:avLst/>
           </a:prstGeom>
         </p:spPr>
-        <p:txBody>
-          <a:bodyPr vert="horz" lIns="91440" tIns="45720" rIns="91440" bIns="45720" rtlCol="0" anchor="b" anchorCtr="0">
-            <a:normAutofit fontScale="62500" lnSpcReduction="20000"/>
+      </p:pic>
+      <p:sp>
+        <p:nvSpPr>
+          <p:cNvPr id="5" name="Textfeld 4">
+            <a:extLst>
+              <a:ext uri="{FF2B5EF4-FFF2-40B4-BE49-F238E27FC236}">
+                <a16:creationId xmlns:a16="http://schemas.microsoft.com/office/drawing/2014/main" id="{231EEC7C-B27D-48E3-9088-5B9CA9FF43FF}"/>
+              </a:ext>
+            </a:extLst>
+          </p:cNvPr>
+          <p:cNvSpPr txBox="1"/>
+          <p:nvPr/>
+        </p:nvSpPr>
+        <p:spPr>
+          <a:xfrm>
+            <a:off x="10015668" y="1452681"/>
+            <a:ext cx="2158104" cy="369332"/>
+          </a:xfrm>
+          <a:prstGeom prst="rect">
+            <a:avLst/>
+          </a:prstGeom>
+          <a:noFill/>
+        </p:spPr>
+        <p:txBody>
+          <a:bodyPr wrap="square" rtlCol="0">
+            <a:spAutoFit/>
           </a:bodyPr>
-          <a:lstStyle>
-            <a:lvl1pPr algn="l" defTabSz="914400" rtl="0" eaLnBrk="1" latinLnBrk="0" hangingPunct="1">
-              <a:lnSpc>
-                <a:spcPct val="90000"/>
-              </a:lnSpc>
-              <a:spcBef>
-                <a:spcPct val="0"/>
-              </a:spcBef>
-              <a:buNone/>
-              <a:defRPr sz="8000" b="0" i="0" kern="1200" spc="-50" baseline="0">
-                <a:solidFill>
-                  <a:schemeClr val="tx1">
-                    <a:lumMod val="85000"/>
-                    <a:lumOff val="15000"/>
-                  </a:schemeClr>
-                </a:solidFill>
-                <a:latin typeface="+mj-lt"/>
-                <a:ea typeface="+mj-ea"/>
-                <a:cs typeface="+mj-cs"/>
-              </a:defRPr>
-            </a:lvl1pPr>
-          </a:lstStyle>
-          <a:p>
-            <a:endParaRPr lang="de-DE" sz="7900" dirty="0"/>
+          <a:lstStyle/>
+          <a:p>
+            <a:r>
+              <a:rPr lang="de-DE" dirty="0"/>
+              <a:t>Umgesetzt</a:t>
+            </a:r>
           </a:p>
         </p:txBody>
       </p:sp>
     </p:spTree>
     <p:extLst>
       <p:ext uri="{BB962C8B-B14F-4D97-AF65-F5344CB8AC3E}">
-        <p14:creationId xmlns:p14="http://schemas.microsoft.com/office/powerpoint/2010/main" val="2660464370"/>
+        <p14:creationId xmlns:p14="http://schemas.microsoft.com/office/powerpoint/2010/main" val="1831127501"/>
       </p:ext>
     </p:extLst>
   </p:cSld>
@@ -7392,7 +8033,7 @@
           <p:cNvPr id="2" name="Titel 1">
             <a:extLst>
               <a:ext uri="{FF2B5EF4-FFF2-40B4-BE49-F238E27FC236}">
-                <a16:creationId xmlns:a16="http://schemas.microsoft.com/office/drawing/2014/main" id="{80EE4ADB-3912-4818-9107-B9B53667FC56}"/>
+                <a16:creationId xmlns:a16="http://schemas.microsoft.com/office/drawing/2014/main" id="{4E4056F1-95D3-4103-B2BE-651E4D917EE6}"/>
               </a:ext>
             </a:extLst>
           </p:cNvPr>
@@ -7405,19 +8046,24 @@
         </p:nvSpPr>
         <p:spPr>
           <a:xfrm>
-            <a:off x="1097280" y="286603"/>
+            <a:off x="1097280" y="446087"/>
             <a:ext cx="10058400" cy="1450757"/>
           </a:xfrm>
         </p:spPr>
         <p:txBody>
-          <a:bodyPr anchor="b">
-            <a:normAutofit/>
-          </a:bodyPr>
+          <a:bodyPr/>
           <a:lstStyle/>
           <a:p>
             <a:r>
               <a:rPr lang="de-DE" dirty="0"/>
-              <a:t>Zielhierarchie</a:t>
+              <a:t>ER-Diagramm </a:t>
+            </a:r>
+            <a:br>
+              <a:rPr lang="de-DE" dirty="0"/>
+            </a:br>
+            <a:r>
+              <a:rPr lang="de-DE" dirty="0"/>
+              <a:t>Tägliche Befragung</a:t>
             </a:r>
           </a:p>
         </p:txBody>
@@ -7427,7 +8073,7 @@
           <p:cNvPr id="4" name="Foliennummernplatzhalter 3">
             <a:extLst>
               <a:ext uri="{FF2B5EF4-FFF2-40B4-BE49-F238E27FC236}">
-                <a16:creationId xmlns:a16="http://schemas.microsoft.com/office/drawing/2014/main" id="{0A6814A5-E621-4F6A-97F4-4E20661FA280}"/>
+                <a16:creationId xmlns:a16="http://schemas.microsoft.com/office/drawing/2014/main" id="{ED11B56A-F565-4118-A8F3-E25EDF21E261}"/>
               </a:ext>
             </a:extLst>
           </p:cNvPr>
@@ -7437,43 +8083,62 @@
           <p:nvPr>
             <p:ph type="sldNum" sz="quarter" idx="12"/>
           </p:nvPr>
+        </p:nvSpPr>
+        <p:spPr/>
+        <p:txBody>
+          <a:bodyPr/>
+          <a:lstStyle/>
+          <a:p>
+            <a:pPr rtl="0"/>
+            <a:fld id="{3A98EE3D-8CD1-4C3F-BD1C-C98C9596463C}" type="slidenum">
+              <a:rPr lang="en-US" smtClean="0"/>
+              <a:t>17</a:t>
+            </a:fld>
+            <a:endParaRPr lang="en-US" dirty="0"/>
+          </a:p>
+        </p:txBody>
+      </p:sp>
+      <p:sp>
+        <p:nvSpPr>
+          <p:cNvPr id="5" name="Textfeld 4">
+            <a:extLst>
+              <a:ext uri="{FF2B5EF4-FFF2-40B4-BE49-F238E27FC236}">
+                <a16:creationId xmlns:a16="http://schemas.microsoft.com/office/drawing/2014/main" id="{38450409-229E-4473-A68F-2208EA3F7838}"/>
+              </a:ext>
+            </a:extLst>
+          </p:cNvPr>
+          <p:cNvSpPr txBox="1"/>
+          <p:nvPr/>
         </p:nvSpPr>
         <p:spPr>
           <a:xfrm>
-            <a:off x="10993582" y="6446838"/>
-            <a:ext cx="780010" cy="365125"/>
+            <a:off x="10015668" y="1452681"/>
+            <a:ext cx="2158104" cy="369332"/>
           </a:xfrm>
+          <a:prstGeom prst="rect">
+            <a:avLst/>
+          </a:prstGeom>
+          <a:noFill/>
         </p:spPr>
         <p:txBody>
-          <a:bodyPr anchor="ctr">
-            <a:normAutofit/>
+          <a:bodyPr wrap="square" rtlCol="0">
+            <a:spAutoFit/>
           </a:bodyPr>
           <a:lstStyle/>
           <a:p>
-            <a:pPr rtl="0">
-              <a:spcAft>
-                <a:spcPts val="600"/>
-              </a:spcAft>
-            </a:pPr>
-            <a:fld id="{3A98EE3D-8CD1-4C3F-BD1C-C98C9596463C}" type="slidenum">
-              <a:rPr lang="en-US" smtClean="0"/>
-              <a:pPr rtl="0">
-                <a:spcAft>
-                  <a:spcPts val="600"/>
-                </a:spcAft>
-              </a:pPr>
-              <a:t>17</a:t>
-            </a:fld>
-            <a:endParaRPr lang="en-US"/>
+            <a:r>
+              <a:rPr lang="de-DE" dirty="0"/>
+              <a:t>Umgesetzt</a:t>
+            </a:r>
           </a:p>
         </p:txBody>
       </p:sp>
       <p:pic>
         <p:nvPicPr>
-          <p:cNvPr id="6" name="Grafik 5" descr="Ein Bild, das Text enthält.&#10;&#10;Automatisch generierte Beschreibung">
-            <a:extLst>
-              <a:ext uri="{FF2B5EF4-FFF2-40B4-BE49-F238E27FC236}">
-                <a16:creationId xmlns:a16="http://schemas.microsoft.com/office/drawing/2014/main" id="{5BD0F67F-BE0B-4B03-A42F-12ECCD5074C2}"/>
+          <p:cNvPr id="7" name="Grafik 6">
+            <a:extLst>
+              <a:ext uri="{FF2B5EF4-FFF2-40B4-BE49-F238E27FC236}">
+                <a16:creationId xmlns:a16="http://schemas.microsoft.com/office/drawing/2014/main" id="{E7CFB2D6-301E-40AA-8C52-162AA78F1153}"/>
               </a:ext>
             </a:extLst>
           </p:cNvPr>
@@ -7482,157 +8147,32 @@
           </p:cNvPicPr>
           <p:nvPr/>
         </p:nvPicPr>
-        <p:blipFill rotWithShape="1">
-          <a:blip r:embed="rId3">
+        <p:blipFill>
+          <a:blip r:embed="rId2">
             <a:extLst>
               <a:ext uri="{28A0092B-C50C-407E-A947-70E740481C1C}">
                 <a14:useLocalDpi xmlns:a14="http://schemas.microsoft.com/office/drawing/2010/main" val="0"/>
               </a:ext>
             </a:extLst>
           </a:blip>
-          <a:srcRect t="17675" r="27269" b="9892"/>
-          <a:stretch/>
+          <a:stretch>
+            <a:fillRect/>
+          </a:stretch>
         </p:blipFill>
         <p:spPr>
           <a:xfrm>
-            <a:off x="2362571" y="2027918"/>
-            <a:ext cx="7466857" cy="4182878"/>
+            <a:off x="1440612" y="2405181"/>
+            <a:ext cx="9310775" cy="3000138"/>
           </a:xfrm>
           <a:prstGeom prst="rect">
             <a:avLst/>
           </a:prstGeom>
         </p:spPr>
       </p:pic>
-      <p:sp>
-        <p:nvSpPr>
-          <p:cNvPr id="10" name="Textfeld 9">
-            <a:extLst>
-              <a:ext uri="{FF2B5EF4-FFF2-40B4-BE49-F238E27FC236}">
-                <a16:creationId xmlns:a16="http://schemas.microsoft.com/office/drawing/2014/main" id="{BBC4B259-4562-434A-A636-984F52C614ED}"/>
-              </a:ext>
-            </a:extLst>
-          </p:cNvPr>
-          <p:cNvSpPr txBox="1"/>
-          <p:nvPr/>
-        </p:nvSpPr>
-        <p:spPr>
-          <a:xfrm>
-            <a:off x="2952750" y="4936916"/>
-            <a:ext cx="5876388" cy="261610"/>
-          </a:xfrm>
-          <a:prstGeom prst="rect">
-            <a:avLst/>
-          </a:prstGeom>
-          <a:noFill/>
-        </p:spPr>
-        <p:txBody>
-          <a:bodyPr wrap="square">
-            <a:spAutoFit/>
-          </a:bodyPr>
-          <a:lstStyle/>
-          <a:p>
-            <a:r>
-              <a:rPr lang="de-DE" sz="1100" b="0" i="0" dirty="0">
-                <a:solidFill>
-                  <a:srgbClr val="333333"/>
-                </a:solidFill>
-                <a:effectLst/>
-                <a:latin typeface="Source Sans Pro" panose="020B0604020202020204" pitchFamily="34" charset="0"/>
-              </a:rPr>
-              <a:t>✅</a:t>
-            </a:r>
-            <a:endParaRPr lang="de-DE" sz="1100" dirty="0"/>
-          </a:p>
-        </p:txBody>
-      </p:sp>
-      <p:sp>
-        <p:nvSpPr>
-          <p:cNvPr id="11" name="Textfeld 10">
-            <a:extLst>
-              <a:ext uri="{FF2B5EF4-FFF2-40B4-BE49-F238E27FC236}">
-                <a16:creationId xmlns:a16="http://schemas.microsoft.com/office/drawing/2014/main" id="{B6493BAC-B8E0-41B8-B401-F96E8A5722D3}"/>
-              </a:ext>
-            </a:extLst>
-          </p:cNvPr>
-          <p:cNvSpPr txBox="1"/>
-          <p:nvPr/>
-        </p:nvSpPr>
-        <p:spPr>
-          <a:xfrm>
-            <a:off x="2959100" y="5302721"/>
-            <a:ext cx="5876388" cy="261610"/>
-          </a:xfrm>
-          <a:prstGeom prst="rect">
-            <a:avLst/>
-          </a:prstGeom>
-          <a:noFill/>
-        </p:spPr>
-        <p:txBody>
-          <a:bodyPr wrap="square">
-            <a:spAutoFit/>
-          </a:bodyPr>
-          <a:lstStyle/>
-          <a:p>
-            <a:r>
-              <a:rPr lang="de-DE" sz="1100" b="0" i="0" dirty="0">
-                <a:solidFill>
-                  <a:srgbClr val="333333"/>
-                </a:solidFill>
-                <a:effectLst/>
-                <a:latin typeface="Source Sans Pro" panose="020B0604020202020204" pitchFamily="34" charset="0"/>
-              </a:rPr>
-              <a:t>✅</a:t>
-            </a:r>
-            <a:endParaRPr lang="de-DE" sz="1100" dirty="0"/>
-          </a:p>
-        </p:txBody>
-      </p:sp>
-      <p:sp>
-        <p:nvSpPr>
-          <p:cNvPr id="12" name="Textfeld 11">
-            <a:extLst>
-              <a:ext uri="{FF2B5EF4-FFF2-40B4-BE49-F238E27FC236}">
-                <a16:creationId xmlns:a16="http://schemas.microsoft.com/office/drawing/2014/main" id="{7557D5B7-D5F2-45FA-89FE-2C0CB99D0C45}"/>
-              </a:ext>
-            </a:extLst>
-          </p:cNvPr>
-          <p:cNvSpPr txBox="1"/>
-          <p:nvPr/>
-        </p:nvSpPr>
-        <p:spPr>
-          <a:xfrm>
-            <a:off x="2959100" y="5668526"/>
-            <a:ext cx="5876388" cy="261610"/>
-          </a:xfrm>
-          <a:prstGeom prst="rect">
-            <a:avLst/>
-          </a:prstGeom>
-          <a:noFill/>
-        </p:spPr>
-        <p:txBody>
-          <a:bodyPr wrap="square">
-            <a:spAutoFit/>
-          </a:bodyPr>
-          <a:lstStyle/>
-          <a:p>
-            <a:r>
-              <a:rPr lang="de-DE" sz="1100" b="0" i="0" dirty="0">
-                <a:solidFill>
-                  <a:srgbClr val="333333"/>
-                </a:solidFill>
-                <a:effectLst/>
-                <a:latin typeface="Source Sans Pro" panose="020B0604020202020204" pitchFamily="34" charset="0"/>
-              </a:rPr>
-              <a:t>✅</a:t>
-            </a:r>
-            <a:endParaRPr lang="de-DE" sz="1100" dirty="0"/>
-          </a:p>
-        </p:txBody>
-      </p:sp>
     </p:spTree>
     <p:extLst>
       <p:ext uri="{BB962C8B-B14F-4D97-AF65-F5344CB8AC3E}">
-        <p14:creationId xmlns:p14="http://schemas.microsoft.com/office/powerpoint/2010/main" val="3191535140"/>
+        <p14:creationId xmlns:p14="http://schemas.microsoft.com/office/powerpoint/2010/main" val="1491183482"/>
       </p:ext>
     </p:extLst>
   </p:cSld>
@@ -7664,6 +8204,2217 @@
           <p:cNvPr id="2" name="Titel 1">
             <a:extLst>
               <a:ext uri="{FF2B5EF4-FFF2-40B4-BE49-F238E27FC236}">
+                <a16:creationId xmlns:a16="http://schemas.microsoft.com/office/drawing/2014/main" id="{53C4AC70-4E3E-43AE-8994-33F95C36BA92}"/>
+              </a:ext>
+            </a:extLst>
+          </p:cNvPr>
+          <p:cNvSpPr>
+            <a:spLocks noGrp="1"/>
+          </p:cNvSpPr>
+          <p:nvPr>
+            <p:ph type="title"/>
+          </p:nvPr>
+        </p:nvSpPr>
+        <p:spPr>
+          <a:xfrm>
+            <a:off x="1097280" y="434887"/>
+            <a:ext cx="10058400" cy="1450757"/>
+          </a:xfrm>
+        </p:spPr>
+        <p:txBody>
+          <a:bodyPr/>
+          <a:lstStyle/>
+          <a:p>
+            <a:r>
+              <a:rPr lang="de-DE" dirty="0"/>
+              <a:t>SQL Datenbank </a:t>
+            </a:r>
+            <a:br>
+              <a:rPr lang="de-DE" dirty="0"/>
+            </a:br>
+            <a:r>
+              <a:rPr lang="de-DE" dirty="0"/>
+              <a:t>Tägliche Befragung</a:t>
+            </a:r>
+          </a:p>
+        </p:txBody>
+      </p:sp>
+      <p:sp>
+        <p:nvSpPr>
+          <p:cNvPr id="4" name="Foliennummernplatzhalter 3">
+            <a:extLst>
+              <a:ext uri="{FF2B5EF4-FFF2-40B4-BE49-F238E27FC236}">
+                <a16:creationId xmlns:a16="http://schemas.microsoft.com/office/drawing/2014/main" id="{0F42732D-A4AD-43D8-B118-8D899A61F12C}"/>
+              </a:ext>
+            </a:extLst>
+          </p:cNvPr>
+          <p:cNvSpPr>
+            <a:spLocks noGrp="1"/>
+          </p:cNvSpPr>
+          <p:nvPr>
+            <p:ph type="sldNum" sz="quarter" idx="12"/>
+          </p:nvPr>
+        </p:nvSpPr>
+        <p:spPr/>
+        <p:txBody>
+          <a:bodyPr/>
+          <a:lstStyle/>
+          <a:p>
+            <a:pPr rtl="0"/>
+            <a:fld id="{3A98EE3D-8CD1-4C3F-BD1C-C98C9596463C}" type="slidenum">
+              <a:rPr lang="en-US" smtClean="0"/>
+              <a:t>18</a:t>
+            </a:fld>
+            <a:endParaRPr lang="en-US" dirty="0"/>
+          </a:p>
+        </p:txBody>
+      </p:sp>
+      <p:sp>
+        <p:nvSpPr>
+          <p:cNvPr id="5" name="Textfeld 4">
+            <a:extLst>
+              <a:ext uri="{FF2B5EF4-FFF2-40B4-BE49-F238E27FC236}">
+                <a16:creationId xmlns:a16="http://schemas.microsoft.com/office/drawing/2014/main" id="{BBAE33A2-FF1B-4C08-98A5-FB7787107E03}"/>
+              </a:ext>
+            </a:extLst>
+          </p:cNvPr>
+          <p:cNvSpPr txBox="1"/>
+          <p:nvPr/>
+        </p:nvSpPr>
+        <p:spPr>
+          <a:xfrm>
+            <a:off x="10015668" y="1452681"/>
+            <a:ext cx="2158104" cy="369332"/>
+          </a:xfrm>
+          <a:prstGeom prst="rect">
+            <a:avLst/>
+          </a:prstGeom>
+          <a:noFill/>
+        </p:spPr>
+        <p:txBody>
+          <a:bodyPr wrap="square" rtlCol="0">
+            <a:spAutoFit/>
+          </a:bodyPr>
+          <a:lstStyle/>
+          <a:p>
+            <a:r>
+              <a:rPr lang="de-DE" dirty="0"/>
+              <a:t>Umgesetzt</a:t>
+            </a:r>
+          </a:p>
+        </p:txBody>
+      </p:sp>
+      <p:pic>
+        <p:nvPicPr>
+          <p:cNvPr id="7" name="Grafik 6" descr="Ein Bild, das Text enthält.&#10;&#10;Automatisch generierte Beschreibung">
+            <a:extLst>
+              <a:ext uri="{FF2B5EF4-FFF2-40B4-BE49-F238E27FC236}">
+                <a16:creationId xmlns:a16="http://schemas.microsoft.com/office/drawing/2014/main" id="{421D2CA8-B8B4-4B53-A39E-15604366F30A}"/>
+              </a:ext>
+            </a:extLst>
+          </p:cNvPr>
+          <p:cNvPicPr>
+            <a:picLocks noChangeAspect="1"/>
+          </p:cNvPicPr>
+          <p:nvPr/>
+        </p:nvPicPr>
+        <p:blipFill>
+          <a:blip r:embed="rId2">
+            <a:extLst>
+              <a:ext uri="{28A0092B-C50C-407E-A947-70E740481C1C}">
+                <a14:useLocalDpi xmlns:a14="http://schemas.microsoft.com/office/drawing/2010/main" val="0"/>
+              </a:ext>
+            </a:extLst>
+          </a:blip>
+          <a:stretch>
+            <a:fillRect/>
+          </a:stretch>
+        </p:blipFill>
+        <p:spPr>
+          <a:xfrm>
+            <a:off x="1751456" y="2643066"/>
+            <a:ext cx="8689087" cy="2157534"/>
+          </a:xfrm>
+          <a:prstGeom prst="rect">
+            <a:avLst/>
+          </a:prstGeom>
+        </p:spPr>
+      </p:pic>
+    </p:spTree>
+    <p:extLst>
+      <p:ext uri="{BB962C8B-B14F-4D97-AF65-F5344CB8AC3E}">
+        <p14:creationId xmlns:p14="http://schemas.microsoft.com/office/powerpoint/2010/main" val="2693731678"/>
+      </p:ext>
+    </p:extLst>
+  </p:cSld>
+  <p:clrMapOvr>
+    <a:masterClrMapping/>
+  </p:clrMapOvr>
+</p:sld>
+</file>
+
+<file path=ppt/slides/slide19.xml><?xml version="1.0" encoding="utf-8"?>
+<p:sld xmlns:a="http://schemas.openxmlformats.org/drawingml/2006/main" xmlns:r="http://schemas.openxmlformats.org/officeDocument/2006/relationships" xmlns:p="http://schemas.openxmlformats.org/presentationml/2006/main">
+  <p:cSld>
+    <p:spTree>
+      <p:nvGrpSpPr>
+        <p:cNvPr id="1" name=""/>
+        <p:cNvGrpSpPr/>
+        <p:nvPr/>
+      </p:nvGrpSpPr>
+      <p:grpSpPr>
+        <a:xfrm>
+          <a:off x="0" y="0"/>
+          <a:ext cx="0" cy="0"/>
+          <a:chOff x="0" y="0"/>
+          <a:chExt cx="0" cy="0"/>
+        </a:xfrm>
+      </p:grpSpPr>
+      <p:sp>
+        <p:nvSpPr>
+          <p:cNvPr id="2" name="Titel 1">
+            <a:extLst>
+              <a:ext uri="{FF2B5EF4-FFF2-40B4-BE49-F238E27FC236}">
+                <a16:creationId xmlns:a16="http://schemas.microsoft.com/office/drawing/2014/main" id="{A2F404CC-5FDC-484F-8C5C-BBABDE280C96}"/>
+              </a:ext>
+            </a:extLst>
+          </p:cNvPr>
+          <p:cNvSpPr>
+            <a:spLocks noGrp="1"/>
+          </p:cNvSpPr>
+          <p:nvPr>
+            <p:ph type="title"/>
+          </p:nvPr>
+        </p:nvSpPr>
+        <p:spPr>
+          <a:xfrm>
+            <a:off x="1097280" y="434887"/>
+            <a:ext cx="10058400" cy="1450757"/>
+          </a:xfrm>
+        </p:spPr>
+        <p:txBody>
+          <a:bodyPr/>
+          <a:lstStyle/>
+          <a:p>
+            <a:r>
+              <a:rPr lang="de-DE" dirty="0"/>
+              <a:t>SQL Struktur </a:t>
+            </a:r>
+            <a:br>
+              <a:rPr lang="de-DE" dirty="0"/>
+            </a:br>
+            <a:r>
+              <a:rPr lang="de-DE" dirty="0"/>
+              <a:t>Tägliche Befragung</a:t>
+            </a:r>
+          </a:p>
+        </p:txBody>
+      </p:sp>
+      <p:sp>
+        <p:nvSpPr>
+          <p:cNvPr id="4" name="Foliennummernplatzhalter 3">
+            <a:extLst>
+              <a:ext uri="{FF2B5EF4-FFF2-40B4-BE49-F238E27FC236}">
+                <a16:creationId xmlns:a16="http://schemas.microsoft.com/office/drawing/2014/main" id="{E9898528-BCEC-4CEA-BF98-0B01018CCB93}"/>
+              </a:ext>
+            </a:extLst>
+          </p:cNvPr>
+          <p:cNvSpPr>
+            <a:spLocks noGrp="1"/>
+          </p:cNvSpPr>
+          <p:nvPr>
+            <p:ph type="sldNum" sz="quarter" idx="12"/>
+          </p:nvPr>
+        </p:nvSpPr>
+        <p:spPr/>
+        <p:txBody>
+          <a:bodyPr/>
+          <a:lstStyle/>
+          <a:p>
+            <a:pPr rtl="0"/>
+            <a:fld id="{3A98EE3D-8CD1-4C3F-BD1C-C98C9596463C}" type="slidenum">
+              <a:rPr lang="en-US" smtClean="0"/>
+              <a:t>19</a:t>
+            </a:fld>
+            <a:endParaRPr lang="en-US" dirty="0"/>
+          </a:p>
+        </p:txBody>
+      </p:sp>
+      <p:sp>
+        <p:nvSpPr>
+          <p:cNvPr id="5" name="Textfeld 4">
+            <a:extLst>
+              <a:ext uri="{FF2B5EF4-FFF2-40B4-BE49-F238E27FC236}">
+                <a16:creationId xmlns:a16="http://schemas.microsoft.com/office/drawing/2014/main" id="{231EEC7C-B27D-48E3-9088-5B9CA9FF43FF}"/>
+              </a:ext>
+            </a:extLst>
+          </p:cNvPr>
+          <p:cNvSpPr txBox="1"/>
+          <p:nvPr/>
+        </p:nvSpPr>
+        <p:spPr>
+          <a:xfrm>
+            <a:off x="10015668" y="1452681"/>
+            <a:ext cx="2158104" cy="369332"/>
+          </a:xfrm>
+          <a:prstGeom prst="rect">
+            <a:avLst/>
+          </a:prstGeom>
+          <a:noFill/>
+        </p:spPr>
+        <p:txBody>
+          <a:bodyPr wrap="square" rtlCol="0">
+            <a:spAutoFit/>
+          </a:bodyPr>
+          <a:lstStyle/>
+          <a:p>
+            <a:r>
+              <a:rPr lang="de-DE" dirty="0"/>
+              <a:t>Umgesetzt</a:t>
+            </a:r>
+          </a:p>
+        </p:txBody>
+      </p:sp>
+      <p:pic>
+        <p:nvPicPr>
+          <p:cNvPr id="7" name="Grafik 6">
+            <a:extLst>
+              <a:ext uri="{FF2B5EF4-FFF2-40B4-BE49-F238E27FC236}">
+                <a16:creationId xmlns:a16="http://schemas.microsoft.com/office/drawing/2014/main" id="{E319C52C-80BC-47F3-B608-20DB09F12B53}"/>
+              </a:ext>
+            </a:extLst>
+          </p:cNvPr>
+          <p:cNvPicPr>
+            <a:picLocks noChangeAspect="1"/>
+          </p:cNvPicPr>
+          <p:nvPr/>
+        </p:nvPicPr>
+        <p:blipFill>
+          <a:blip r:embed="rId2">
+            <a:extLst>
+              <a:ext uri="{28A0092B-C50C-407E-A947-70E740481C1C}">
+                <a14:useLocalDpi xmlns:a14="http://schemas.microsoft.com/office/drawing/2010/main" val="0"/>
+              </a:ext>
+            </a:extLst>
+          </a:blip>
+          <a:stretch>
+            <a:fillRect/>
+          </a:stretch>
+        </p:blipFill>
+        <p:spPr>
+          <a:xfrm>
+            <a:off x="1134515" y="2609667"/>
+            <a:ext cx="10021165" cy="2201318"/>
+          </a:xfrm>
+          <a:prstGeom prst="rect">
+            <a:avLst/>
+          </a:prstGeom>
+        </p:spPr>
+      </p:pic>
+    </p:spTree>
+    <p:extLst>
+      <p:ext uri="{BB962C8B-B14F-4D97-AF65-F5344CB8AC3E}">
+        <p14:creationId xmlns:p14="http://schemas.microsoft.com/office/powerpoint/2010/main" val="3440815865"/>
+      </p:ext>
+    </p:extLst>
+  </p:cSld>
+  <p:clrMapOvr>
+    <a:masterClrMapping/>
+  </p:clrMapOvr>
+</p:sld>
+</file>
+
+<file path=ppt/slides/slide2.xml><?xml version="1.0" encoding="utf-8"?>
+<p:sld xmlns:a="http://schemas.openxmlformats.org/drawingml/2006/main" xmlns:r="http://schemas.openxmlformats.org/officeDocument/2006/relationships" xmlns:p="http://schemas.openxmlformats.org/presentationml/2006/main">
+  <p:cSld>
+    <p:bg>
+      <p:bgPr>
+        <a:solidFill>
+          <a:schemeClr val="bg1"/>
+        </a:solidFill>
+        <a:effectLst/>
+      </p:bgPr>
+    </p:bg>
+    <p:spTree>
+      <p:nvGrpSpPr>
+        <p:cNvPr id="1" name=""/>
+        <p:cNvGrpSpPr/>
+        <p:nvPr/>
+      </p:nvGrpSpPr>
+      <p:grpSpPr>
+        <a:xfrm>
+          <a:off x="0" y="0"/>
+          <a:ext cx="0" cy="0"/>
+          <a:chOff x="0" y="0"/>
+          <a:chExt cx="0" cy="0"/>
+        </a:xfrm>
+      </p:grpSpPr>
+      <p:sp>
+        <p:nvSpPr>
+          <p:cNvPr id="47" name="Rechteck 46">
+            <a:extLst>
+              <a:ext uri="{FF2B5EF4-FFF2-40B4-BE49-F238E27FC236}">
+                <a16:creationId xmlns:a16="http://schemas.microsoft.com/office/drawing/2014/main" id="{FBDCECDC-EEE3-4128-AA5E-82A8C08796E8}"/>
+              </a:ext>
+              <a:ext uri="{C183D7F6-B498-43B3-948B-1728B52AA6E4}">
+                <adec:decorative xmlns:adec="http://schemas.microsoft.com/office/drawing/2017/decorative" val="1"/>
+              </a:ext>
+            </a:extLst>
+          </p:cNvPr>
+          <p:cNvSpPr>
+            <a:spLocks noGrp="1" noRot="1" noChangeAspect="1" noMove="1" noResize="1" noEditPoints="1" noAdjustHandles="1" noChangeArrowheads="1" noChangeShapeType="1" noTextEdit="1"/>
+          </p:cNvSpPr>
+          <p:nvPr>
+            <p:extLst>
+              <p:ext uri="{386F3935-93C4-4BCD-93E2-E3B085C9AB24}">
+                <p16:designElem xmlns:p16="http://schemas.microsoft.com/office/powerpoint/2015/main" val="1"/>
+              </p:ext>
+            </p:extLst>
+          </p:nvPr>
+        </p:nvSpPr>
+        <p:spPr>
+          <a:xfrm>
+            <a:off x="1507" y="0"/>
+            <a:ext cx="12192000" cy="6858000"/>
+          </a:xfrm>
+          <a:prstGeom prst="rect">
+            <a:avLst/>
+          </a:prstGeom>
+          <a:solidFill>
+            <a:schemeClr val="accent1"/>
+          </a:solidFill>
+          <a:ln>
+            <a:noFill/>
+          </a:ln>
+        </p:spPr>
+        <p:style>
+          <a:lnRef idx="2">
+            <a:schemeClr val="accent1">
+              <a:shade val="50000"/>
+            </a:schemeClr>
+          </a:lnRef>
+          <a:fillRef idx="1">
+            <a:schemeClr val="accent1"/>
+          </a:fillRef>
+          <a:effectRef idx="0">
+            <a:schemeClr val="accent1"/>
+          </a:effectRef>
+          <a:fontRef idx="minor">
+            <a:schemeClr val="lt1"/>
+          </a:fontRef>
+        </p:style>
+        <p:txBody>
+          <a:bodyPr rtlCol="0" anchor="ctr"/>
+          <a:lstStyle/>
+          <a:p>
+            <a:pPr algn="ctr" rtl="0"/>
+            <a:endParaRPr lang="en-US"/>
+          </a:p>
+        </p:txBody>
+      </p:sp>
+      <p:sp>
+        <p:nvSpPr>
+          <p:cNvPr id="2" name="Titel 1">
+            <a:extLst>
+              <a:ext uri="{FF2B5EF4-FFF2-40B4-BE49-F238E27FC236}">
+                <a16:creationId xmlns:a16="http://schemas.microsoft.com/office/drawing/2014/main" id="{9AB2EA78-AEB3-469B-9025-3B17201A457B}"/>
+              </a:ext>
+            </a:extLst>
+          </p:cNvPr>
+          <p:cNvSpPr>
+            <a:spLocks noGrp="1"/>
+          </p:cNvSpPr>
+          <p:nvPr>
+            <p:ph type="ctrTitle"/>
+          </p:nvPr>
+        </p:nvSpPr>
+        <p:spPr>
+          <a:xfrm>
+            <a:off x="1097280" y="758952"/>
+            <a:ext cx="10058400" cy="3892168"/>
+          </a:xfrm>
+        </p:spPr>
+        <p:txBody>
+          <a:bodyPr rtlCol="0" anchor="ctr">
+            <a:normAutofit/>
+          </a:bodyPr>
+          <a:lstStyle/>
+          <a:p>
+            <a:pPr lvl="0" rtl="0"/>
+            <a:r>
+              <a:rPr lang="de-DE" sz="3200" dirty="0">
+                <a:solidFill>
+                  <a:schemeClr val="bg1"/>
+                </a:solidFill>
+                <a:latin typeface="-apple-system"/>
+              </a:rPr>
+              <a:t>,,</a:t>
+            </a:r>
+            <a:r>
+              <a:rPr lang="de-DE" sz="3200" b="0" i="0" dirty="0">
+                <a:solidFill>
+                  <a:schemeClr val="bg1"/>
+                </a:solidFill>
+                <a:effectLst/>
+                <a:latin typeface="-apple-system"/>
+              </a:rPr>
+              <a:t>Beim </a:t>
+            </a:r>
+            <a:r>
+              <a:rPr lang="de-DE" sz="3200" b="1" i="0" dirty="0" err="1">
+                <a:solidFill>
+                  <a:schemeClr val="bg1"/>
+                </a:solidFill>
+                <a:effectLst/>
+                <a:latin typeface="-apple-system"/>
+              </a:rPr>
+              <a:t>Prototyping</a:t>
+            </a:r>
+            <a:r>
+              <a:rPr lang="de-DE" sz="3200" b="0" i="0" dirty="0">
+                <a:solidFill>
+                  <a:schemeClr val="bg1"/>
+                </a:solidFill>
+                <a:effectLst/>
+                <a:latin typeface="-apple-system"/>
+              </a:rPr>
+              <a:t> wird ein Entwurf als erste Version eines Produktes durch eine agile Vorgehensweise erzeugt. Dieser Entwurf dient der frühen Visualisierung und iterativen Optimierung einer Benutzeroberfläche und deren Interaktionsmöglichkeiten.“</a:t>
+            </a:r>
+            <a:endParaRPr lang="de" sz="3200" i="1" dirty="0">
+              <a:solidFill>
+                <a:schemeClr val="bg1"/>
+              </a:solidFill>
+              <a:latin typeface="-apple-system"/>
+            </a:endParaRPr>
+          </a:p>
+        </p:txBody>
+      </p:sp>
+      <p:sp>
+        <p:nvSpPr>
+          <p:cNvPr id="49" name="Rechteck 48">
+            <a:extLst>
+              <a:ext uri="{FF2B5EF4-FFF2-40B4-BE49-F238E27FC236}">
+                <a16:creationId xmlns:a16="http://schemas.microsoft.com/office/drawing/2014/main" id="{4260EDE0-989C-4E16-AF94-F652294D828E}"/>
+              </a:ext>
+              <a:ext uri="{C183D7F6-B498-43B3-948B-1728B52AA6E4}">
+                <adec:decorative xmlns:adec="http://schemas.microsoft.com/office/drawing/2017/decorative" val="1"/>
+              </a:ext>
+            </a:extLst>
+          </p:cNvPr>
+          <p:cNvSpPr>
+            <a:spLocks noGrp="1" noRot="1" noChangeAspect="1" noMove="1" noResize="1" noEditPoints="1" noAdjustHandles="1" noChangeArrowheads="1" noChangeShapeType="1" noTextEdit="1"/>
+          </p:cNvSpPr>
+          <p:nvPr>
+            <p:extLst>
+              <p:ext uri="{386F3935-93C4-4BCD-93E2-E3B085C9AB24}">
+                <p16:designElem xmlns:p16="http://schemas.microsoft.com/office/powerpoint/2015/main" val="1"/>
+              </p:ext>
+            </p:extLst>
+          </p:nvPr>
+        </p:nvSpPr>
+        <p:spPr bwMode="white">
+          <a:xfrm>
+            <a:off x="1507" y="4953000"/>
+            <a:ext cx="12188952" cy="1905000"/>
+          </a:xfrm>
+          <a:prstGeom prst="rect">
+            <a:avLst/>
+          </a:prstGeom>
+          <a:solidFill>
+            <a:srgbClr val="262626"/>
+          </a:solidFill>
+          <a:ln>
+            <a:noFill/>
+          </a:ln>
+        </p:spPr>
+        <p:style>
+          <a:lnRef idx="2">
+            <a:schemeClr val="accent1">
+              <a:shade val="50000"/>
+            </a:schemeClr>
+          </a:lnRef>
+          <a:fillRef idx="1">
+            <a:schemeClr val="accent1"/>
+          </a:fillRef>
+          <a:effectRef idx="0">
+            <a:schemeClr val="accent1"/>
+          </a:effectRef>
+          <a:fontRef idx="minor">
+            <a:schemeClr val="lt1"/>
+          </a:fontRef>
+        </p:style>
+      </p:sp>
+      <p:sp>
+        <p:nvSpPr>
+          <p:cNvPr id="3" name="Untertitel 2">
+            <a:extLst>
+              <a:ext uri="{FF2B5EF4-FFF2-40B4-BE49-F238E27FC236}">
+                <a16:creationId xmlns:a16="http://schemas.microsoft.com/office/drawing/2014/main" id="{255E1F2F-E259-4EA8-9FFD-3A10AF541859}"/>
+              </a:ext>
+            </a:extLst>
+          </p:cNvPr>
+          <p:cNvSpPr>
+            <a:spLocks noGrp="1"/>
+          </p:cNvSpPr>
+          <p:nvPr>
+            <p:ph type="subTitle" idx="1"/>
+          </p:nvPr>
+        </p:nvSpPr>
+        <p:spPr>
+          <a:xfrm>
+            <a:off x="1100051" y="5225240"/>
+            <a:ext cx="10058400" cy="1143000"/>
+          </a:xfrm>
+        </p:spPr>
+        <p:txBody>
+          <a:bodyPr rtlCol="0">
+            <a:normAutofit/>
+          </a:bodyPr>
+          <a:lstStyle/>
+          <a:p>
+            <a:r>
+              <a:rPr lang="de" sz="1500" dirty="0">
+                <a:solidFill>
+                  <a:srgbClr val="FFFFFF"/>
+                </a:solidFill>
+                <a:latin typeface="-apple-system"/>
+              </a:rPr>
+              <a:t>Quelle: </a:t>
+            </a:r>
+            <a:br>
+              <a:rPr lang="de-DE" sz="1100" u="sng" dirty="0">
+                <a:solidFill>
+                  <a:srgbClr val="24292E"/>
+                </a:solidFill>
+                <a:latin typeface="-apple-system"/>
+              </a:rPr>
+            </a:br>
+            <a:r>
+              <a:rPr lang="de-DE" sz="1100" dirty="0">
+                <a:latin typeface="-apple-system"/>
+                <a:hlinkClick r:id="rId2"/>
+              </a:rPr>
+              <a:t>Warum </a:t>
+            </a:r>
+            <a:r>
+              <a:rPr lang="de-DE" sz="1100" dirty="0" err="1">
+                <a:latin typeface="-apple-system"/>
+                <a:hlinkClick r:id="rId2"/>
+              </a:rPr>
+              <a:t>Prototyping</a:t>
+            </a:r>
+            <a:r>
+              <a:rPr lang="de-DE" sz="1100" dirty="0">
+                <a:latin typeface="-apple-system"/>
+                <a:hlinkClick r:id="rId2"/>
+              </a:rPr>
+              <a:t> heutzutage unverzichtbar ist - </a:t>
+            </a:r>
+            <a:r>
+              <a:rPr lang="de-DE" sz="1100" dirty="0" err="1">
+                <a:latin typeface="-apple-system"/>
+                <a:hlinkClick r:id="rId2"/>
+              </a:rPr>
+              <a:t>basecom</a:t>
+            </a:r>
+            <a:endParaRPr lang="de-DE" sz="1400" dirty="0">
+              <a:latin typeface="-apple-system"/>
+            </a:endParaRPr>
+          </a:p>
+          <a:p>
+            <a:pPr rtl="0"/>
+            <a:endParaRPr lang="de" sz="2000" dirty="0">
+              <a:solidFill>
+                <a:srgbClr val="FFFFFF"/>
+              </a:solidFill>
+            </a:endParaRPr>
+          </a:p>
+        </p:txBody>
+      </p:sp>
+      <p:sp>
+        <p:nvSpPr>
+          <p:cNvPr id="4" name="Foliennummernplatzhalter 3">
+            <a:extLst>
+              <a:ext uri="{FF2B5EF4-FFF2-40B4-BE49-F238E27FC236}">
+                <a16:creationId xmlns:a16="http://schemas.microsoft.com/office/drawing/2014/main" id="{34E22E51-4478-4FA7-BA99-61E4A491B8A6}"/>
+              </a:ext>
+            </a:extLst>
+          </p:cNvPr>
+          <p:cNvSpPr>
+            <a:spLocks noGrp="1"/>
+          </p:cNvSpPr>
+          <p:nvPr>
+            <p:ph type="sldNum" sz="quarter" idx="12"/>
+          </p:nvPr>
+        </p:nvSpPr>
+        <p:spPr/>
+        <p:txBody>
+          <a:bodyPr/>
+          <a:lstStyle/>
+          <a:p>
+            <a:pPr rtl="0"/>
+            <a:fld id="{3A98EE3D-8CD1-4C3F-BD1C-C98C9596463C}" type="slidenum">
+              <a:rPr lang="en-US" smtClean="0"/>
+              <a:t>2</a:t>
+            </a:fld>
+            <a:endParaRPr lang="en-US" dirty="0"/>
+          </a:p>
+        </p:txBody>
+      </p:sp>
+    </p:spTree>
+    <p:extLst>
+      <p:ext uri="{BB962C8B-B14F-4D97-AF65-F5344CB8AC3E}">
+        <p14:creationId xmlns:p14="http://schemas.microsoft.com/office/powerpoint/2010/main" val="191714609"/>
+      </p:ext>
+    </p:extLst>
+  </p:cSld>
+  <p:clrMapOvr>
+    <a:masterClrMapping/>
+  </p:clrMapOvr>
+</p:sld>
+</file>
+
+<file path=ppt/slides/slide20.xml><?xml version="1.0" encoding="utf-8"?>
+<p:sld xmlns:a="http://schemas.openxmlformats.org/drawingml/2006/main" xmlns:r="http://schemas.openxmlformats.org/officeDocument/2006/relationships" xmlns:p="http://schemas.openxmlformats.org/presentationml/2006/main">
+  <p:cSld>
+    <p:spTree>
+      <p:nvGrpSpPr>
+        <p:cNvPr id="1" name=""/>
+        <p:cNvGrpSpPr/>
+        <p:nvPr/>
+      </p:nvGrpSpPr>
+      <p:grpSpPr>
+        <a:xfrm>
+          <a:off x="0" y="0"/>
+          <a:ext cx="0" cy="0"/>
+          <a:chOff x="0" y="0"/>
+          <a:chExt cx="0" cy="0"/>
+        </a:xfrm>
+      </p:grpSpPr>
+      <p:sp>
+        <p:nvSpPr>
+          <p:cNvPr id="2" name="Titel 1">
+            <a:extLst>
+              <a:ext uri="{FF2B5EF4-FFF2-40B4-BE49-F238E27FC236}">
+                <a16:creationId xmlns:a16="http://schemas.microsoft.com/office/drawing/2014/main" id="{4E4056F1-95D3-4103-B2BE-651E4D917EE6}"/>
+              </a:ext>
+            </a:extLst>
+          </p:cNvPr>
+          <p:cNvSpPr>
+            <a:spLocks noGrp="1"/>
+          </p:cNvSpPr>
+          <p:nvPr>
+            <p:ph type="title"/>
+          </p:nvPr>
+        </p:nvSpPr>
+        <p:spPr>
+          <a:xfrm>
+            <a:off x="1097280" y="446087"/>
+            <a:ext cx="10058400" cy="1450757"/>
+          </a:xfrm>
+        </p:spPr>
+        <p:txBody>
+          <a:bodyPr/>
+          <a:lstStyle/>
+          <a:p>
+            <a:r>
+              <a:rPr lang="de-DE" dirty="0"/>
+              <a:t>ER-Diagramm </a:t>
+            </a:r>
+            <a:br>
+              <a:rPr lang="de-DE" dirty="0"/>
+            </a:br>
+            <a:r>
+              <a:rPr lang="de-DE" dirty="0"/>
+              <a:t>Trinkverhalten</a:t>
+            </a:r>
+          </a:p>
+        </p:txBody>
+      </p:sp>
+      <p:sp>
+        <p:nvSpPr>
+          <p:cNvPr id="4" name="Foliennummernplatzhalter 3">
+            <a:extLst>
+              <a:ext uri="{FF2B5EF4-FFF2-40B4-BE49-F238E27FC236}">
+                <a16:creationId xmlns:a16="http://schemas.microsoft.com/office/drawing/2014/main" id="{ED11B56A-F565-4118-A8F3-E25EDF21E261}"/>
+              </a:ext>
+            </a:extLst>
+          </p:cNvPr>
+          <p:cNvSpPr>
+            <a:spLocks noGrp="1"/>
+          </p:cNvSpPr>
+          <p:nvPr>
+            <p:ph type="sldNum" sz="quarter" idx="12"/>
+          </p:nvPr>
+        </p:nvSpPr>
+        <p:spPr/>
+        <p:txBody>
+          <a:bodyPr/>
+          <a:lstStyle/>
+          <a:p>
+            <a:pPr rtl="0"/>
+            <a:fld id="{3A98EE3D-8CD1-4C3F-BD1C-C98C9596463C}" type="slidenum">
+              <a:rPr lang="en-US" smtClean="0"/>
+              <a:t>20</a:t>
+            </a:fld>
+            <a:endParaRPr lang="en-US" dirty="0"/>
+          </a:p>
+        </p:txBody>
+      </p:sp>
+      <p:sp>
+        <p:nvSpPr>
+          <p:cNvPr id="5" name="Textfeld 4">
+            <a:extLst>
+              <a:ext uri="{FF2B5EF4-FFF2-40B4-BE49-F238E27FC236}">
+                <a16:creationId xmlns:a16="http://schemas.microsoft.com/office/drawing/2014/main" id="{38450409-229E-4473-A68F-2208EA3F7838}"/>
+              </a:ext>
+            </a:extLst>
+          </p:cNvPr>
+          <p:cNvSpPr txBox="1"/>
+          <p:nvPr/>
+        </p:nvSpPr>
+        <p:spPr>
+          <a:xfrm>
+            <a:off x="10015668" y="1452681"/>
+            <a:ext cx="2158104" cy="369332"/>
+          </a:xfrm>
+          <a:prstGeom prst="rect">
+            <a:avLst/>
+          </a:prstGeom>
+          <a:noFill/>
+        </p:spPr>
+        <p:txBody>
+          <a:bodyPr wrap="square" rtlCol="0">
+            <a:spAutoFit/>
+          </a:bodyPr>
+          <a:lstStyle/>
+          <a:p>
+            <a:r>
+              <a:rPr lang="de-DE" dirty="0"/>
+              <a:t>Umgesetzt</a:t>
+            </a:r>
+          </a:p>
+        </p:txBody>
+      </p:sp>
+      <p:pic>
+        <p:nvPicPr>
+          <p:cNvPr id="7" name="Grafik 6">
+            <a:extLst>
+              <a:ext uri="{FF2B5EF4-FFF2-40B4-BE49-F238E27FC236}">
+                <a16:creationId xmlns:a16="http://schemas.microsoft.com/office/drawing/2014/main" id="{7AAE3E04-D90E-4913-936A-1F3FB8E23A37}"/>
+              </a:ext>
+            </a:extLst>
+          </p:cNvPr>
+          <p:cNvPicPr>
+            <a:picLocks noChangeAspect="1"/>
+          </p:cNvPicPr>
+          <p:nvPr/>
+        </p:nvPicPr>
+        <p:blipFill>
+          <a:blip r:embed="rId2">
+            <a:extLst>
+              <a:ext uri="{28A0092B-C50C-407E-A947-70E740481C1C}">
+                <a14:useLocalDpi xmlns:a14="http://schemas.microsoft.com/office/drawing/2010/main" val="0"/>
+              </a:ext>
+            </a:extLst>
+          </a:blip>
+          <a:stretch>
+            <a:fillRect/>
+          </a:stretch>
+        </p:blipFill>
+        <p:spPr>
+          <a:xfrm>
+            <a:off x="1425146" y="2458994"/>
+            <a:ext cx="9341707" cy="2594918"/>
+          </a:xfrm>
+          <a:prstGeom prst="rect">
+            <a:avLst/>
+          </a:prstGeom>
+        </p:spPr>
+      </p:pic>
+    </p:spTree>
+    <p:extLst>
+      <p:ext uri="{BB962C8B-B14F-4D97-AF65-F5344CB8AC3E}">
+        <p14:creationId xmlns:p14="http://schemas.microsoft.com/office/powerpoint/2010/main" val="3075566435"/>
+      </p:ext>
+    </p:extLst>
+  </p:cSld>
+  <p:clrMapOvr>
+    <a:masterClrMapping/>
+  </p:clrMapOvr>
+</p:sld>
+</file>
+
+<file path=ppt/slides/slide21.xml><?xml version="1.0" encoding="utf-8"?>
+<p:sld xmlns:a="http://schemas.openxmlformats.org/drawingml/2006/main" xmlns:r="http://schemas.openxmlformats.org/officeDocument/2006/relationships" xmlns:p="http://schemas.openxmlformats.org/presentationml/2006/main">
+  <p:cSld>
+    <p:spTree>
+      <p:nvGrpSpPr>
+        <p:cNvPr id="1" name=""/>
+        <p:cNvGrpSpPr/>
+        <p:nvPr/>
+      </p:nvGrpSpPr>
+      <p:grpSpPr>
+        <a:xfrm>
+          <a:off x="0" y="0"/>
+          <a:ext cx="0" cy="0"/>
+          <a:chOff x="0" y="0"/>
+          <a:chExt cx="0" cy="0"/>
+        </a:xfrm>
+      </p:grpSpPr>
+      <p:sp>
+        <p:nvSpPr>
+          <p:cNvPr id="2" name="Titel 1">
+            <a:extLst>
+              <a:ext uri="{FF2B5EF4-FFF2-40B4-BE49-F238E27FC236}">
+                <a16:creationId xmlns:a16="http://schemas.microsoft.com/office/drawing/2014/main" id="{53C4AC70-4E3E-43AE-8994-33F95C36BA92}"/>
+              </a:ext>
+            </a:extLst>
+          </p:cNvPr>
+          <p:cNvSpPr>
+            <a:spLocks noGrp="1"/>
+          </p:cNvSpPr>
+          <p:nvPr>
+            <p:ph type="title"/>
+          </p:nvPr>
+        </p:nvSpPr>
+        <p:spPr>
+          <a:xfrm>
+            <a:off x="1097280" y="447240"/>
+            <a:ext cx="10058400" cy="1450757"/>
+          </a:xfrm>
+        </p:spPr>
+        <p:txBody>
+          <a:bodyPr/>
+          <a:lstStyle/>
+          <a:p>
+            <a:r>
+              <a:rPr lang="de-DE" dirty="0"/>
+              <a:t>SQL Datenbank </a:t>
+            </a:r>
+            <a:br>
+              <a:rPr lang="de-DE" dirty="0"/>
+            </a:br>
+            <a:r>
+              <a:rPr lang="de-DE" dirty="0"/>
+              <a:t>Trinkverhalten</a:t>
+            </a:r>
+          </a:p>
+        </p:txBody>
+      </p:sp>
+      <p:sp>
+        <p:nvSpPr>
+          <p:cNvPr id="4" name="Foliennummernplatzhalter 3">
+            <a:extLst>
+              <a:ext uri="{FF2B5EF4-FFF2-40B4-BE49-F238E27FC236}">
+                <a16:creationId xmlns:a16="http://schemas.microsoft.com/office/drawing/2014/main" id="{0F42732D-A4AD-43D8-B118-8D899A61F12C}"/>
+              </a:ext>
+            </a:extLst>
+          </p:cNvPr>
+          <p:cNvSpPr>
+            <a:spLocks noGrp="1"/>
+          </p:cNvSpPr>
+          <p:nvPr>
+            <p:ph type="sldNum" sz="quarter" idx="12"/>
+          </p:nvPr>
+        </p:nvSpPr>
+        <p:spPr/>
+        <p:txBody>
+          <a:bodyPr/>
+          <a:lstStyle/>
+          <a:p>
+            <a:pPr rtl="0"/>
+            <a:fld id="{3A98EE3D-8CD1-4C3F-BD1C-C98C9596463C}" type="slidenum">
+              <a:rPr lang="en-US" smtClean="0"/>
+              <a:t>21</a:t>
+            </a:fld>
+            <a:endParaRPr lang="en-US" dirty="0"/>
+          </a:p>
+        </p:txBody>
+      </p:sp>
+      <p:sp>
+        <p:nvSpPr>
+          <p:cNvPr id="5" name="Textfeld 4">
+            <a:extLst>
+              <a:ext uri="{FF2B5EF4-FFF2-40B4-BE49-F238E27FC236}">
+                <a16:creationId xmlns:a16="http://schemas.microsoft.com/office/drawing/2014/main" id="{BBAE33A2-FF1B-4C08-98A5-FB7787107E03}"/>
+              </a:ext>
+            </a:extLst>
+          </p:cNvPr>
+          <p:cNvSpPr txBox="1"/>
+          <p:nvPr/>
+        </p:nvSpPr>
+        <p:spPr>
+          <a:xfrm>
+            <a:off x="10015668" y="1452681"/>
+            <a:ext cx="2158104" cy="369332"/>
+          </a:xfrm>
+          <a:prstGeom prst="rect">
+            <a:avLst/>
+          </a:prstGeom>
+          <a:noFill/>
+        </p:spPr>
+        <p:txBody>
+          <a:bodyPr wrap="square" rtlCol="0">
+            <a:spAutoFit/>
+          </a:bodyPr>
+          <a:lstStyle/>
+          <a:p>
+            <a:r>
+              <a:rPr lang="de-DE" dirty="0"/>
+              <a:t>Umgesetzt</a:t>
+            </a:r>
+          </a:p>
+        </p:txBody>
+      </p:sp>
+      <p:pic>
+        <p:nvPicPr>
+          <p:cNvPr id="7" name="Grafik 6">
+            <a:extLst>
+              <a:ext uri="{FF2B5EF4-FFF2-40B4-BE49-F238E27FC236}">
+                <a16:creationId xmlns:a16="http://schemas.microsoft.com/office/drawing/2014/main" id="{5B33A9D5-6DAF-4D2C-A5B2-3AC93EB6C657}"/>
+              </a:ext>
+            </a:extLst>
+          </p:cNvPr>
+          <p:cNvPicPr>
+            <a:picLocks noChangeAspect="1"/>
+          </p:cNvPicPr>
+          <p:nvPr/>
+        </p:nvPicPr>
+        <p:blipFill>
+          <a:blip r:embed="rId2">
+            <a:extLst>
+              <a:ext uri="{28A0092B-C50C-407E-A947-70E740481C1C}">
+                <a14:useLocalDpi xmlns:a14="http://schemas.microsoft.com/office/drawing/2010/main" val="0"/>
+              </a:ext>
+            </a:extLst>
+          </a:blip>
+          <a:stretch>
+            <a:fillRect/>
+          </a:stretch>
+        </p:blipFill>
+        <p:spPr>
+          <a:xfrm>
+            <a:off x="3818447" y="2951537"/>
+            <a:ext cx="4555106" cy="1786044"/>
+          </a:xfrm>
+          <a:prstGeom prst="rect">
+            <a:avLst/>
+          </a:prstGeom>
+        </p:spPr>
+      </p:pic>
+    </p:spTree>
+    <p:extLst>
+      <p:ext uri="{BB962C8B-B14F-4D97-AF65-F5344CB8AC3E}">
+        <p14:creationId xmlns:p14="http://schemas.microsoft.com/office/powerpoint/2010/main" val="1965952619"/>
+      </p:ext>
+    </p:extLst>
+  </p:cSld>
+  <p:clrMapOvr>
+    <a:masterClrMapping/>
+  </p:clrMapOvr>
+</p:sld>
+</file>
+
+<file path=ppt/slides/slide22.xml><?xml version="1.0" encoding="utf-8"?>
+<p:sld xmlns:a="http://schemas.openxmlformats.org/drawingml/2006/main" xmlns:r="http://schemas.openxmlformats.org/officeDocument/2006/relationships" xmlns:p="http://schemas.openxmlformats.org/presentationml/2006/main">
+  <p:cSld>
+    <p:spTree>
+      <p:nvGrpSpPr>
+        <p:cNvPr id="1" name=""/>
+        <p:cNvGrpSpPr/>
+        <p:nvPr/>
+      </p:nvGrpSpPr>
+      <p:grpSpPr>
+        <a:xfrm>
+          <a:off x="0" y="0"/>
+          <a:ext cx="0" cy="0"/>
+          <a:chOff x="0" y="0"/>
+          <a:chExt cx="0" cy="0"/>
+        </a:xfrm>
+      </p:grpSpPr>
+      <p:sp>
+        <p:nvSpPr>
+          <p:cNvPr id="2" name="Titel 1">
+            <a:extLst>
+              <a:ext uri="{FF2B5EF4-FFF2-40B4-BE49-F238E27FC236}">
+                <a16:creationId xmlns:a16="http://schemas.microsoft.com/office/drawing/2014/main" id="{A2F404CC-5FDC-484F-8C5C-BBABDE280C96}"/>
+              </a:ext>
+            </a:extLst>
+          </p:cNvPr>
+          <p:cNvSpPr>
+            <a:spLocks noGrp="1"/>
+          </p:cNvSpPr>
+          <p:nvPr>
+            <p:ph type="title"/>
+          </p:nvPr>
+        </p:nvSpPr>
+        <p:spPr>
+          <a:xfrm>
+            <a:off x="1097280" y="447244"/>
+            <a:ext cx="10058400" cy="1450757"/>
+          </a:xfrm>
+        </p:spPr>
+        <p:txBody>
+          <a:bodyPr/>
+          <a:lstStyle/>
+          <a:p>
+            <a:r>
+              <a:rPr lang="de-DE" dirty="0"/>
+              <a:t>SQL Struktur </a:t>
+            </a:r>
+            <a:br>
+              <a:rPr lang="de-DE" dirty="0"/>
+            </a:br>
+            <a:r>
+              <a:rPr lang="de-DE" dirty="0"/>
+              <a:t>Trinkverhalten</a:t>
+            </a:r>
+          </a:p>
+        </p:txBody>
+      </p:sp>
+      <p:sp>
+        <p:nvSpPr>
+          <p:cNvPr id="4" name="Foliennummernplatzhalter 3">
+            <a:extLst>
+              <a:ext uri="{FF2B5EF4-FFF2-40B4-BE49-F238E27FC236}">
+                <a16:creationId xmlns:a16="http://schemas.microsoft.com/office/drawing/2014/main" id="{E9898528-BCEC-4CEA-BF98-0B01018CCB93}"/>
+              </a:ext>
+            </a:extLst>
+          </p:cNvPr>
+          <p:cNvSpPr>
+            <a:spLocks noGrp="1"/>
+          </p:cNvSpPr>
+          <p:nvPr>
+            <p:ph type="sldNum" sz="quarter" idx="12"/>
+          </p:nvPr>
+        </p:nvSpPr>
+        <p:spPr/>
+        <p:txBody>
+          <a:bodyPr/>
+          <a:lstStyle/>
+          <a:p>
+            <a:pPr rtl="0"/>
+            <a:fld id="{3A98EE3D-8CD1-4C3F-BD1C-C98C9596463C}" type="slidenum">
+              <a:rPr lang="en-US" smtClean="0"/>
+              <a:t>22</a:t>
+            </a:fld>
+            <a:endParaRPr lang="en-US" dirty="0"/>
+          </a:p>
+        </p:txBody>
+      </p:sp>
+      <p:sp>
+        <p:nvSpPr>
+          <p:cNvPr id="5" name="Textfeld 4">
+            <a:extLst>
+              <a:ext uri="{FF2B5EF4-FFF2-40B4-BE49-F238E27FC236}">
+                <a16:creationId xmlns:a16="http://schemas.microsoft.com/office/drawing/2014/main" id="{231EEC7C-B27D-48E3-9088-5B9CA9FF43FF}"/>
+              </a:ext>
+            </a:extLst>
+          </p:cNvPr>
+          <p:cNvSpPr txBox="1"/>
+          <p:nvPr/>
+        </p:nvSpPr>
+        <p:spPr>
+          <a:xfrm>
+            <a:off x="10015668" y="1452681"/>
+            <a:ext cx="2158104" cy="369332"/>
+          </a:xfrm>
+          <a:prstGeom prst="rect">
+            <a:avLst/>
+          </a:prstGeom>
+          <a:noFill/>
+        </p:spPr>
+        <p:txBody>
+          <a:bodyPr wrap="square" rtlCol="0">
+            <a:spAutoFit/>
+          </a:bodyPr>
+          <a:lstStyle/>
+          <a:p>
+            <a:r>
+              <a:rPr lang="de-DE" dirty="0"/>
+              <a:t>Umgesetzt</a:t>
+            </a:r>
+          </a:p>
+        </p:txBody>
+      </p:sp>
+      <p:pic>
+        <p:nvPicPr>
+          <p:cNvPr id="7" name="Grafik 6" descr="Ein Bild, das Text enthält.&#10;&#10;Automatisch generierte Beschreibung">
+            <a:extLst>
+              <a:ext uri="{FF2B5EF4-FFF2-40B4-BE49-F238E27FC236}">
+                <a16:creationId xmlns:a16="http://schemas.microsoft.com/office/drawing/2014/main" id="{D1F3A61C-417C-4F36-A014-856B08A39615}"/>
+              </a:ext>
+            </a:extLst>
+          </p:cNvPr>
+          <p:cNvPicPr>
+            <a:picLocks noChangeAspect="1"/>
+          </p:cNvPicPr>
+          <p:nvPr/>
+        </p:nvPicPr>
+        <p:blipFill>
+          <a:blip r:embed="rId2">
+            <a:extLst>
+              <a:ext uri="{28A0092B-C50C-407E-A947-70E740481C1C}">
+                <a14:useLocalDpi xmlns:a14="http://schemas.microsoft.com/office/drawing/2010/main" val="0"/>
+              </a:ext>
+            </a:extLst>
+          </a:blip>
+          <a:stretch>
+            <a:fillRect/>
+          </a:stretch>
+        </p:blipFill>
+        <p:spPr>
+          <a:xfrm>
+            <a:off x="1691973" y="2903438"/>
+            <a:ext cx="8869013" cy="1648055"/>
+          </a:xfrm>
+          <a:prstGeom prst="rect">
+            <a:avLst/>
+          </a:prstGeom>
+        </p:spPr>
+      </p:pic>
+    </p:spTree>
+    <p:extLst>
+      <p:ext uri="{BB962C8B-B14F-4D97-AF65-F5344CB8AC3E}">
+        <p14:creationId xmlns:p14="http://schemas.microsoft.com/office/powerpoint/2010/main" val="4293412709"/>
+      </p:ext>
+    </p:extLst>
+  </p:cSld>
+  <p:clrMapOvr>
+    <a:masterClrMapping/>
+  </p:clrMapOvr>
+</p:sld>
+</file>
+
+<file path=ppt/slides/slide23.xml><?xml version="1.0" encoding="utf-8"?>
+<p:sld xmlns:a="http://schemas.openxmlformats.org/drawingml/2006/main" xmlns:r="http://schemas.openxmlformats.org/officeDocument/2006/relationships" xmlns:p="http://schemas.openxmlformats.org/presentationml/2006/main">
+  <p:cSld>
+    <p:spTree>
+      <p:nvGrpSpPr>
+        <p:cNvPr id="1" name=""/>
+        <p:cNvGrpSpPr/>
+        <p:nvPr/>
+      </p:nvGrpSpPr>
+      <p:grpSpPr>
+        <a:xfrm>
+          <a:off x="0" y="0"/>
+          <a:ext cx="0" cy="0"/>
+          <a:chOff x="0" y="0"/>
+          <a:chExt cx="0" cy="0"/>
+        </a:xfrm>
+      </p:grpSpPr>
+      <p:sp>
+        <p:nvSpPr>
+          <p:cNvPr id="2" name="Titel 1">
+            <a:extLst>
+              <a:ext uri="{FF2B5EF4-FFF2-40B4-BE49-F238E27FC236}">
+                <a16:creationId xmlns:a16="http://schemas.microsoft.com/office/drawing/2014/main" id="{4E4056F1-95D3-4103-B2BE-651E4D917EE6}"/>
+              </a:ext>
+            </a:extLst>
+          </p:cNvPr>
+          <p:cNvSpPr>
+            <a:spLocks noGrp="1"/>
+          </p:cNvSpPr>
+          <p:nvPr>
+            <p:ph type="title"/>
+          </p:nvPr>
+        </p:nvSpPr>
+        <p:spPr/>
+        <p:txBody>
+          <a:bodyPr/>
+          <a:lstStyle/>
+          <a:p>
+            <a:r>
+              <a:rPr lang="de-DE" dirty="0"/>
+              <a:t>ER-Diagramm </a:t>
+            </a:r>
+            <a:br>
+              <a:rPr lang="de-DE" dirty="0"/>
+            </a:br>
+            <a:r>
+              <a:rPr lang="de-DE" dirty="0"/>
+              <a:t>Favoriten</a:t>
+            </a:r>
+          </a:p>
+        </p:txBody>
+      </p:sp>
+      <p:sp>
+        <p:nvSpPr>
+          <p:cNvPr id="4" name="Foliennummernplatzhalter 3">
+            <a:extLst>
+              <a:ext uri="{FF2B5EF4-FFF2-40B4-BE49-F238E27FC236}">
+                <a16:creationId xmlns:a16="http://schemas.microsoft.com/office/drawing/2014/main" id="{ED11B56A-F565-4118-A8F3-E25EDF21E261}"/>
+              </a:ext>
+            </a:extLst>
+          </p:cNvPr>
+          <p:cNvSpPr>
+            <a:spLocks noGrp="1"/>
+          </p:cNvSpPr>
+          <p:nvPr>
+            <p:ph type="sldNum" sz="quarter" idx="12"/>
+          </p:nvPr>
+        </p:nvSpPr>
+        <p:spPr/>
+        <p:txBody>
+          <a:bodyPr/>
+          <a:lstStyle/>
+          <a:p>
+            <a:pPr rtl="0"/>
+            <a:fld id="{3A98EE3D-8CD1-4C3F-BD1C-C98C9596463C}" type="slidenum">
+              <a:rPr lang="en-US" smtClean="0"/>
+              <a:t>23</a:t>
+            </a:fld>
+            <a:endParaRPr lang="en-US" dirty="0"/>
+          </a:p>
+        </p:txBody>
+      </p:sp>
+      <p:pic>
+        <p:nvPicPr>
+          <p:cNvPr id="6" name="Grafik 5">
+            <a:extLst>
+              <a:ext uri="{FF2B5EF4-FFF2-40B4-BE49-F238E27FC236}">
+                <a16:creationId xmlns:a16="http://schemas.microsoft.com/office/drawing/2014/main" id="{15CE0D53-A421-4F20-A266-5039CC98F763}"/>
+              </a:ext>
+            </a:extLst>
+          </p:cNvPr>
+          <p:cNvPicPr>
+            <a:picLocks noChangeAspect="1"/>
+          </p:cNvPicPr>
+          <p:nvPr/>
+        </p:nvPicPr>
+        <p:blipFill rotWithShape="1">
+          <a:blip r:embed="rId3">
+            <a:extLst>
+              <a:ext uri="{28A0092B-C50C-407E-A947-70E740481C1C}">
+                <a14:useLocalDpi xmlns:a14="http://schemas.microsoft.com/office/drawing/2010/main" val="0"/>
+              </a:ext>
+            </a:extLst>
+          </a:blip>
+          <a:srcRect l="1895" t="4286" r="2730" b="4176"/>
+          <a:stretch/>
+        </p:blipFill>
+        <p:spPr>
+          <a:xfrm>
+            <a:off x="2782118" y="1947552"/>
+            <a:ext cx="6627763" cy="4394965"/>
+          </a:xfrm>
+          <a:prstGeom prst="rect">
+            <a:avLst/>
+          </a:prstGeom>
+        </p:spPr>
+      </p:pic>
+      <p:sp>
+        <p:nvSpPr>
+          <p:cNvPr id="3" name="Textfeld 2">
+            <a:extLst>
+              <a:ext uri="{FF2B5EF4-FFF2-40B4-BE49-F238E27FC236}">
+                <a16:creationId xmlns:a16="http://schemas.microsoft.com/office/drawing/2014/main" id="{3725DAE3-D620-4329-BB86-C99E592409B3}"/>
+              </a:ext>
+            </a:extLst>
+          </p:cNvPr>
+          <p:cNvSpPr txBox="1"/>
+          <p:nvPr/>
+        </p:nvSpPr>
+        <p:spPr>
+          <a:xfrm>
+            <a:off x="9409881" y="1473124"/>
+            <a:ext cx="2158104" cy="369332"/>
+          </a:xfrm>
+          <a:prstGeom prst="rect">
+            <a:avLst/>
+          </a:prstGeom>
+          <a:noFill/>
+        </p:spPr>
+        <p:txBody>
+          <a:bodyPr wrap="square" rtlCol="0">
+            <a:spAutoFit/>
+          </a:bodyPr>
+          <a:lstStyle/>
+          <a:p>
+            <a:r>
+              <a:rPr lang="de-DE" dirty="0"/>
+              <a:t>Nicht umgesetzt</a:t>
+            </a:r>
+          </a:p>
+        </p:txBody>
+      </p:sp>
+    </p:spTree>
+    <p:extLst>
+      <p:ext uri="{BB962C8B-B14F-4D97-AF65-F5344CB8AC3E}">
+        <p14:creationId xmlns:p14="http://schemas.microsoft.com/office/powerpoint/2010/main" val="2617969784"/>
+      </p:ext>
+    </p:extLst>
+  </p:cSld>
+  <p:clrMapOvr>
+    <a:masterClrMapping/>
+  </p:clrMapOvr>
+</p:sld>
+</file>
+
+<file path=ppt/slides/slide24.xml><?xml version="1.0" encoding="utf-8"?>
+<p:sld xmlns:a="http://schemas.openxmlformats.org/drawingml/2006/main" xmlns:r="http://schemas.openxmlformats.org/officeDocument/2006/relationships" xmlns:p="http://schemas.openxmlformats.org/presentationml/2006/main">
+  <p:cSld>
+    <p:spTree>
+      <p:nvGrpSpPr>
+        <p:cNvPr id="1" name=""/>
+        <p:cNvGrpSpPr/>
+        <p:nvPr/>
+      </p:nvGrpSpPr>
+      <p:grpSpPr>
+        <a:xfrm>
+          <a:off x="0" y="0"/>
+          <a:ext cx="0" cy="0"/>
+          <a:chOff x="0" y="0"/>
+          <a:chExt cx="0" cy="0"/>
+        </a:xfrm>
+      </p:grpSpPr>
+      <p:sp>
+        <p:nvSpPr>
+          <p:cNvPr id="2" name="Titel 1">
+            <a:extLst>
+              <a:ext uri="{FF2B5EF4-FFF2-40B4-BE49-F238E27FC236}">
+                <a16:creationId xmlns:a16="http://schemas.microsoft.com/office/drawing/2014/main" id="{301E3B99-90E6-4810-9291-4FFCF04B9D93}"/>
+              </a:ext>
+            </a:extLst>
+          </p:cNvPr>
+          <p:cNvSpPr>
+            <a:spLocks noGrp="1"/>
+          </p:cNvSpPr>
+          <p:nvPr>
+            <p:ph type="title"/>
+          </p:nvPr>
+        </p:nvSpPr>
+        <p:spPr/>
+        <p:txBody>
+          <a:bodyPr/>
+          <a:lstStyle/>
+          <a:p>
+            <a:r>
+              <a:rPr lang="de-DE" dirty="0"/>
+              <a:t>SQL Datenbank </a:t>
+            </a:r>
+            <a:br>
+              <a:rPr lang="de-DE" dirty="0"/>
+            </a:br>
+            <a:r>
+              <a:rPr lang="de-DE" dirty="0"/>
+              <a:t>Favoriten</a:t>
+            </a:r>
+          </a:p>
+        </p:txBody>
+      </p:sp>
+      <p:sp>
+        <p:nvSpPr>
+          <p:cNvPr id="4" name="Foliennummernplatzhalter 3">
+            <a:extLst>
+              <a:ext uri="{FF2B5EF4-FFF2-40B4-BE49-F238E27FC236}">
+                <a16:creationId xmlns:a16="http://schemas.microsoft.com/office/drawing/2014/main" id="{1576703A-D045-4142-B6BC-28811375C559}"/>
+              </a:ext>
+            </a:extLst>
+          </p:cNvPr>
+          <p:cNvSpPr>
+            <a:spLocks noGrp="1"/>
+          </p:cNvSpPr>
+          <p:nvPr>
+            <p:ph type="sldNum" sz="quarter" idx="12"/>
+          </p:nvPr>
+        </p:nvSpPr>
+        <p:spPr/>
+        <p:txBody>
+          <a:bodyPr/>
+          <a:lstStyle/>
+          <a:p>
+            <a:pPr rtl="0"/>
+            <a:fld id="{3A98EE3D-8CD1-4C3F-BD1C-C98C9596463C}" type="slidenum">
+              <a:rPr lang="en-US" smtClean="0"/>
+              <a:t>24</a:t>
+            </a:fld>
+            <a:endParaRPr lang="en-US" dirty="0"/>
+          </a:p>
+        </p:txBody>
+      </p:sp>
+      <p:pic>
+        <p:nvPicPr>
+          <p:cNvPr id="6" name="Grafik 5">
+            <a:extLst>
+              <a:ext uri="{FF2B5EF4-FFF2-40B4-BE49-F238E27FC236}">
+                <a16:creationId xmlns:a16="http://schemas.microsoft.com/office/drawing/2014/main" id="{593217E4-29FC-4329-80A6-2BB582584D41}"/>
+              </a:ext>
+            </a:extLst>
+          </p:cNvPr>
+          <p:cNvPicPr>
+            <a:picLocks noChangeAspect="1"/>
+          </p:cNvPicPr>
+          <p:nvPr/>
+        </p:nvPicPr>
+        <p:blipFill>
+          <a:blip r:embed="rId2">
+            <a:extLst>
+              <a:ext uri="{28A0092B-C50C-407E-A947-70E740481C1C}">
+                <a14:useLocalDpi xmlns:a14="http://schemas.microsoft.com/office/drawing/2010/main" val="0"/>
+              </a:ext>
+            </a:extLst>
+          </a:blip>
+          <a:stretch>
+            <a:fillRect/>
+          </a:stretch>
+        </p:blipFill>
+        <p:spPr>
+          <a:xfrm>
+            <a:off x="1098710" y="2263656"/>
+            <a:ext cx="10056970" cy="1548319"/>
+          </a:xfrm>
+          <a:prstGeom prst="rect">
+            <a:avLst/>
+          </a:prstGeom>
+        </p:spPr>
+      </p:pic>
+      <p:pic>
+        <p:nvPicPr>
+          <p:cNvPr id="8" name="Grafik 7">
+            <a:extLst>
+              <a:ext uri="{FF2B5EF4-FFF2-40B4-BE49-F238E27FC236}">
+                <a16:creationId xmlns:a16="http://schemas.microsoft.com/office/drawing/2014/main" id="{8A83C62C-6979-406D-8767-9D97D06DABE3}"/>
+              </a:ext>
+            </a:extLst>
+          </p:cNvPr>
+          <p:cNvPicPr>
+            <a:picLocks noChangeAspect="1"/>
+          </p:cNvPicPr>
+          <p:nvPr/>
+        </p:nvPicPr>
+        <p:blipFill>
+          <a:blip r:embed="rId3">
+            <a:extLst>
+              <a:ext uri="{28A0092B-C50C-407E-A947-70E740481C1C}">
+                <a14:useLocalDpi xmlns:a14="http://schemas.microsoft.com/office/drawing/2010/main" val="0"/>
+              </a:ext>
+            </a:extLst>
+          </a:blip>
+          <a:stretch>
+            <a:fillRect/>
+          </a:stretch>
+        </p:blipFill>
+        <p:spPr>
+          <a:xfrm>
+            <a:off x="1097280" y="4384572"/>
+            <a:ext cx="2999387" cy="1351209"/>
+          </a:xfrm>
+          <a:prstGeom prst="rect">
+            <a:avLst/>
+          </a:prstGeom>
+        </p:spPr>
+      </p:pic>
+      <p:sp>
+        <p:nvSpPr>
+          <p:cNvPr id="7" name="Textfeld 6">
+            <a:extLst>
+              <a:ext uri="{FF2B5EF4-FFF2-40B4-BE49-F238E27FC236}">
+                <a16:creationId xmlns:a16="http://schemas.microsoft.com/office/drawing/2014/main" id="{A0C45FFC-1D80-415F-AEB8-965C748DC274}"/>
+              </a:ext>
+            </a:extLst>
+          </p:cNvPr>
+          <p:cNvSpPr txBox="1"/>
+          <p:nvPr/>
+        </p:nvSpPr>
+        <p:spPr>
+          <a:xfrm>
+            <a:off x="9409881" y="1473124"/>
+            <a:ext cx="2158104" cy="369332"/>
+          </a:xfrm>
+          <a:prstGeom prst="rect">
+            <a:avLst/>
+          </a:prstGeom>
+          <a:noFill/>
+        </p:spPr>
+        <p:txBody>
+          <a:bodyPr wrap="square" rtlCol="0">
+            <a:spAutoFit/>
+          </a:bodyPr>
+          <a:lstStyle/>
+          <a:p>
+            <a:r>
+              <a:rPr lang="de-DE" dirty="0"/>
+              <a:t>Nicht umgesetzt</a:t>
+            </a:r>
+          </a:p>
+        </p:txBody>
+      </p:sp>
+    </p:spTree>
+    <p:extLst>
+      <p:ext uri="{BB962C8B-B14F-4D97-AF65-F5344CB8AC3E}">
+        <p14:creationId xmlns:p14="http://schemas.microsoft.com/office/powerpoint/2010/main" val="785191862"/>
+      </p:ext>
+    </p:extLst>
+  </p:cSld>
+  <p:clrMapOvr>
+    <a:masterClrMapping/>
+  </p:clrMapOvr>
+</p:sld>
+</file>
+
+<file path=ppt/slides/slide25.xml><?xml version="1.0" encoding="utf-8"?>
+<p:sld xmlns:a="http://schemas.openxmlformats.org/drawingml/2006/main" xmlns:r="http://schemas.openxmlformats.org/officeDocument/2006/relationships" xmlns:p="http://schemas.openxmlformats.org/presentationml/2006/main">
+  <p:cSld>
+    <p:spTree>
+      <p:nvGrpSpPr>
+        <p:cNvPr id="1" name=""/>
+        <p:cNvGrpSpPr/>
+        <p:nvPr/>
+      </p:nvGrpSpPr>
+      <p:grpSpPr>
+        <a:xfrm>
+          <a:off x="0" y="0"/>
+          <a:ext cx="0" cy="0"/>
+          <a:chOff x="0" y="0"/>
+          <a:chExt cx="0" cy="0"/>
+        </a:xfrm>
+      </p:grpSpPr>
+      <p:sp>
+        <p:nvSpPr>
+          <p:cNvPr id="2" name="Titel 1">
+            <a:extLst>
+              <a:ext uri="{FF2B5EF4-FFF2-40B4-BE49-F238E27FC236}">
+                <a16:creationId xmlns:a16="http://schemas.microsoft.com/office/drawing/2014/main" id="{C5CEC7AA-D6D0-4A38-A1E0-6F021008DBE3}"/>
+              </a:ext>
+            </a:extLst>
+          </p:cNvPr>
+          <p:cNvSpPr>
+            <a:spLocks noGrp="1"/>
+          </p:cNvSpPr>
+          <p:nvPr>
+            <p:ph type="title"/>
+          </p:nvPr>
+        </p:nvSpPr>
+        <p:spPr/>
+        <p:txBody>
+          <a:bodyPr/>
+          <a:lstStyle/>
+          <a:p>
+            <a:r>
+              <a:rPr lang="de-DE" dirty="0"/>
+              <a:t>SQL Struktur </a:t>
+            </a:r>
+            <a:br>
+              <a:rPr lang="de-DE" dirty="0"/>
+            </a:br>
+            <a:r>
+              <a:rPr lang="de-DE" dirty="0"/>
+              <a:t>Favoriten</a:t>
+            </a:r>
+          </a:p>
+        </p:txBody>
+      </p:sp>
+      <p:sp>
+        <p:nvSpPr>
+          <p:cNvPr id="4" name="Foliennummernplatzhalter 3">
+            <a:extLst>
+              <a:ext uri="{FF2B5EF4-FFF2-40B4-BE49-F238E27FC236}">
+                <a16:creationId xmlns:a16="http://schemas.microsoft.com/office/drawing/2014/main" id="{AE2EFFA6-5193-4DE4-8AAD-206D3391BFE2}"/>
+              </a:ext>
+            </a:extLst>
+          </p:cNvPr>
+          <p:cNvSpPr>
+            <a:spLocks noGrp="1"/>
+          </p:cNvSpPr>
+          <p:nvPr>
+            <p:ph type="sldNum" sz="quarter" idx="12"/>
+          </p:nvPr>
+        </p:nvSpPr>
+        <p:spPr/>
+        <p:txBody>
+          <a:bodyPr/>
+          <a:lstStyle/>
+          <a:p>
+            <a:pPr rtl="0"/>
+            <a:fld id="{3A98EE3D-8CD1-4C3F-BD1C-C98C9596463C}" type="slidenum">
+              <a:rPr lang="en-US" smtClean="0"/>
+              <a:t>25</a:t>
+            </a:fld>
+            <a:endParaRPr lang="en-US" dirty="0"/>
+          </a:p>
+        </p:txBody>
+      </p:sp>
+      <p:pic>
+        <p:nvPicPr>
+          <p:cNvPr id="6" name="Grafik 5" descr="Ein Bild, das Text enthält.&#10;&#10;Automatisch generierte Beschreibung">
+            <a:extLst>
+              <a:ext uri="{FF2B5EF4-FFF2-40B4-BE49-F238E27FC236}">
+                <a16:creationId xmlns:a16="http://schemas.microsoft.com/office/drawing/2014/main" id="{C278BA14-3424-4A78-9440-89895EB97CDF}"/>
+              </a:ext>
+            </a:extLst>
+          </p:cNvPr>
+          <p:cNvPicPr>
+            <a:picLocks noChangeAspect="1"/>
+          </p:cNvPicPr>
+          <p:nvPr/>
+        </p:nvPicPr>
+        <p:blipFill>
+          <a:blip r:embed="rId2">
+            <a:extLst>
+              <a:ext uri="{28A0092B-C50C-407E-A947-70E740481C1C}">
+                <a14:useLocalDpi xmlns:a14="http://schemas.microsoft.com/office/drawing/2010/main" val="0"/>
+              </a:ext>
+            </a:extLst>
+          </a:blip>
+          <a:stretch>
+            <a:fillRect/>
+          </a:stretch>
+        </p:blipFill>
+        <p:spPr>
+          <a:xfrm>
+            <a:off x="966872" y="2303964"/>
+            <a:ext cx="10258256" cy="1450757"/>
+          </a:xfrm>
+          <a:prstGeom prst="rect">
+            <a:avLst/>
+          </a:prstGeom>
+        </p:spPr>
+      </p:pic>
+      <p:pic>
+        <p:nvPicPr>
+          <p:cNvPr id="8" name="Grafik 7">
+            <a:extLst>
+              <a:ext uri="{FF2B5EF4-FFF2-40B4-BE49-F238E27FC236}">
+                <a16:creationId xmlns:a16="http://schemas.microsoft.com/office/drawing/2014/main" id="{A48D8983-542A-4738-8252-257BDBCCF1B7}"/>
+              </a:ext>
+            </a:extLst>
+          </p:cNvPr>
+          <p:cNvPicPr>
+            <a:picLocks noChangeAspect="1"/>
+          </p:cNvPicPr>
+          <p:nvPr/>
+        </p:nvPicPr>
+        <p:blipFill>
+          <a:blip r:embed="rId3">
+            <a:extLst>
+              <a:ext uri="{28A0092B-C50C-407E-A947-70E740481C1C}">
+                <a14:useLocalDpi xmlns:a14="http://schemas.microsoft.com/office/drawing/2010/main" val="0"/>
+              </a:ext>
+            </a:extLst>
+          </a:blip>
+          <a:stretch>
+            <a:fillRect/>
+          </a:stretch>
+        </p:blipFill>
+        <p:spPr>
+          <a:xfrm>
+            <a:off x="966872" y="4360667"/>
+            <a:ext cx="6811326" cy="1076475"/>
+          </a:xfrm>
+          <a:prstGeom prst="rect">
+            <a:avLst/>
+          </a:prstGeom>
+        </p:spPr>
+      </p:pic>
+      <p:sp>
+        <p:nvSpPr>
+          <p:cNvPr id="7" name="Textfeld 6">
+            <a:extLst>
+              <a:ext uri="{FF2B5EF4-FFF2-40B4-BE49-F238E27FC236}">
+                <a16:creationId xmlns:a16="http://schemas.microsoft.com/office/drawing/2014/main" id="{B6BEE93D-56FE-4DD0-9DBA-6170FA6AF840}"/>
+              </a:ext>
+            </a:extLst>
+          </p:cNvPr>
+          <p:cNvSpPr txBox="1"/>
+          <p:nvPr/>
+        </p:nvSpPr>
+        <p:spPr>
+          <a:xfrm>
+            <a:off x="9409881" y="1473124"/>
+            <a:ext cx="2158104" cy="369332"/>
+          </a:xfrm>
+          <a:prstGeom prst="rect">
+            <a:avLst/>
+          </a:prstGeom>
+          <a:noFill/>
+        </p:spPr>
+        <p:txBody>
+          <a:bodyPr wrap="square" rtlCol="0">
+            <a:spAutoFit/>
+          </a:bodyPr>
+          <a:lstStyle/>
+          <a:p>
+            <a:r>
+              <a:rPr lang="de-DE" dirty="0"/>
+              <a:t>Nicht umgesetzt</a:t>
+            </a:r>
+          </a:p>
+        </p:txBody>
+      </p:sp>
+    </p:spTree>
+    <p:extLst>
+      <p:ext uri="{BB962C8B-B14F-4D97-AF65-F5344CB8AC3E}">
+        <p14:creationId xmlns:p14="http://schemas.microsoft.com/office/powerpoint/2010/main" val="1191174246"/>
+      </p:ext>
+    </p:extLst>
+  </p:cSld>
+  <p:clrMapOvr>
+    <a:masterClrMapping/>
+  </p:clrMapOvr>
+</p:sld>
+</file>
+
+<file path=ppt/slides/slide26.xml><?xml version="1.0" encoding="utf-8"?>
+<p:sld xmlns:a="http://schemas.openxmlformats.org/drawingml/2006/main" xmlns:r="http://schemas.openxmlformats.org/officeDocument/2006/relationships" xmlns:p="http://schemas.openxmlformats.org/presentationml/2006/main">
+  <p:cSld>
+    <p:spTree>
+      <p:nvGrpSpPr>
+        <p:cNvPr id="1" name=""/>
+        <p:cNvGrpSpPr/>
+        <p:nvPr/>
+      </p:nvGrpSpPr>
+      <p:grpSpPr>
+        <a:xfrm>
+          <a:off x="0" y="0"/>
+          <a:ext cx="0" cy="0"/>
+          <a:chOff x="0" y="0"/>
+          <a:chExt cx="0" cy="0"/>
+        </a:xfrm>
+      </p:grpSpPr>
+      <p:sp>
+        <p:nvSpPr>
+          <p:cNvPr id="2" name="Titel 1">
+            <a:extLst>
+              <a:ext uri="{FF2B5EF4-FFF2-40B4-BE49-F238E27FC236}">
+                <a16:creationId xmlns:a16="http://schemas.microsoft.com/office/drawing/2014/main" id="{4DC4D8DE-1034-4059-B907-B2FCA56F6799}"/>
+              </a:ext>
+            </a:extLst>
+          </p:cNvPr>
+          <p:cNvSpPr>
+            <a:spLocks noGrp="1"/>
+          </p:cNvSpPr>
+          <p:nvPr>
+            <p:ph type="title"/>
+          </p:nvPr>
+        </p:nvSpPr>
+        <p:spPr>
+          <a:xfrm>
+            <a:off x="1097280" y="758952"/>
+            <a:ext cx="10058400" cy="3566160"/>
+          </a:xfrm>
+        </p:spPr>
+        <p:txBody>
+          <a:bodyPr anchor="b">
+            <a:normAutofit/>
+          </a:bodyPr>
+          <a:lstStyle/>
+          <a:p>
+            <a:r>
+              <a:rPr lang="de-DE" sz="7400" dirty="0"/>
+              <a:t>Zielhierarchie</a:t>
+            </a:r>
+          </a:p>
+        </p:txBody>
+      </p:sp>
+      <p:sp>
+        <p:nvSpPr>
+          <p:cNvPr id="3" name="Foliennummernplatzhalter 2">
+            <a:extLst>
+              <a:ext uri="{FF2B5EF4-FFF2-40B4-BE49-F238E27FC236}">
+                <a16:creationId xmlns:a16="http://schemas.microsoft.com/office/drawing/2014/main" id="{585CF4AE-527C-4AA2-906C-B9F7B3281748}"/>
+              </a:ext>
+            </a:extLst>
+          </p:cNvPr>
+          <p:cNvSpPr>
+            <a:spLocks noGrp="1"/>
+          </p:cNvSpPr>
+          <p:nvPr>
+            <p:ph type="sldNum" sz="quarter" idx="12"/>
+          </p:nvPr>
+        </p:nvSpPr>
+        <p:spPr>
+          <a:xfrm>
+            <a:off x="10993582" y="6446838"/>
+            <a:ext cx="780010" cy="365125"/>
+          </a:xfrm>
+        </p:spPr>
+        <p:txBody>
+          <a:bodyPr anchor="ctr">
+            <a:normAutofit/>
+          </a:bodyPr>
+          <a:lstStyle/>
+          <a:p>
+            <a:pPr rtl="0">
+              <a:spcAft>
+                <a:spcPts val="600"/>
+              </a:spcAft>
+            </a:pPr>
+            <a:fld id="{3A98EE3D-8CD1-4C3F-BD1C-C98C9596463C}" type="slidenum">
+              <a:rPr lang="en-US" smtClean="0"/>
+              <a:pPr rtl="0">
+                <a:spcAft>
+                  <a:spcPts val="600"/>
+                </a:spcAft>
+              </a:pPr>
+              <a:t>26</a:t>
+            </a:fld>
+            <a:endParaRPr lang="en-US"/>
+          </a:p>
+        </p:txBody>
+      </p:sp>
+      <p:sp>
+        <p:nvSpPr>
+          <p:cNvPr id="4" name="Titel 1">
+            <a:extLst>
+              <a:ext uri="{FF2B5EF4-FFF2-40B4-BE49-F238E27FC236}">
+                <a16:creationId xmlns:a16="http://schemas.microsoft.com/office/drawing/2014/main" id="{14040106-2C9B-47A0-AA16-571538A46A0C}"/>
+              </a:ext>
+            </a:extLst>
+          </p:cNvPr>
+          <p:cNvSpPr txBox="1">
+            <a:spLocks/>
+          </p:cNvSpPr>
+          <p:nvPr/>
+        </p:nvSpPr>
+        <p:spPr>
+          <a:xfrm>
+            <a:off x="1097280" y="4744569"/>
+            <a:ext cx="10058400" cy="641405"/>
+          </a:xfrm>
+          <a:prstGeom prst="rect">
+            <a:avLst/>
+          </a:prstGeom>
+        </p:spPr>
+        <p:txBody>
+          <a:bodyPr vert="horz" lIns="91440" tIns="45720" rIns="91440" bIns="45720" rtlCol="0" anchor="b" anchorCtr="0">
+            <a:normAutofit fontScale="62500" lnSpcReduction="20000"/>
+          </a:bodyPr>
+          <a:lstStyle>
+            <a:lvl1pPr algn="l" defTabSz="914400" rtl="0" eaLnBrk="1" latinLnBrk="0" hangingPunct="1">
+              <a:lnSpc>
+                <a:spcPct val="90000"/>
+              </a:lnSpc>
+              <a:spcBef>
+                <a:spcPct val="0"/>
+              </a:spcBef>
+              <a:buNone/>
+              <a:defRPr sz="8000" b="0" i="0" kern="1200" spc="-50" baseline="0">
+                <a:solidFill>
+                  <a:schemeClr val="tx1">
+                    <a:lumMod val="85000"/>
+                    <a:lumOff val="15000"/>
+                  </a:schemeClr>
+                </a:solidFill>
+                <a:latin typeface="+mj-lt"/>
+                <a:ea typeface="+mj-ea"/>
+                <a:cs typeface="+mj-cs"/>
+              </a:defRPr>
+            </a:lvl1pPr>
+          </a:lstStyle>
+          <a:p>
+            <a:endParaRPr lang="de-DE" sz="7900" dirty="0"/>
+          </a:p>
+        </p:txBody>
+      </p:sp>
+    </p:spTree>
+    <p:extLst>
+      <p:ext uri="{BB962C8B-B14F-4D97-AF65-F5344CB8AC3E}">
+        <p14:creationId xmlns:p14="http://schemas.microsoft.com/office/powerpoint/2010/main" val="2660464370"/>
+      </p:ext>
+    </p:extLst>
+  </p:cSld>
+  <p:clrMapOvr>
+    <a:masterClrMapping/>
+  </p:clrMapOvr>
+</p:sld>
+</file>
+
+<file path=ppt/slides/slide27.xml><?xml version="1.0" encoding="utf-8"?>
+<p:sld xmlns:a="http://schemas.openxmlformats.org/drawingml/2006/main" xmlns:r="http://schemas.openxmlformats.org/officeDocument/2006/relationships" xmlns:p="http://schemas.openxmlformats.org/presentationml/2006/main">
+  <p:cSld>
+    <p:spTree>
+      <p:nvGrpSpPr>
+        <p:cNvPr id="1" name=""/>
+        <p:cNvGrpSpPr/>
+        <p:nvPr/>
+      </p:nvGrpSpPr>
+      <p:grpSpPr>
+        <a:xfrm>
+          <a:off x="0" y="0"/>
+          <a:ext cx="0" cy="0"/>
+          <a:chOff x="0" y="0"/>
+          <a:chExt cx="0" cy="0"/>
+        </a:xfrm>
+      </p:grpSpPr>
+      <p:sp>
+        <p:nvSpPr>
+          <p:cNvPr id="2" name="Titel 1">
+            <a:extLst>
+              <a:ext uri="{FF2B5EF4-FFF2-40B4-BE49-F238E27FC236}">
+                <a16:creationId xmlns:a16="http://schemas.microsoft.com/office/drawing/2014/main" id="{80EE4ADB-3912-4818-9107-B9B53667FC56}"/>
+              </a:ext>
+            </a:extLst>
+          </p:cNvPr>
+          <p:cNvSpPr>
+            <a:spLocks noGrp="1"/>
+          </p:cNvSpPr>
+          <p:nvPr>
+            <p:ph type="title"/>
+          </p:nvPr>
+        </p:nvSpPr>
+        <p:spPr>
+          <a:xfrm>
+            <a:off x="1097280" y="286603"/>
+            <a:ext cx="10058400" cy="1450757"/>
+          </a:xfrm>
+        </p:spPr>
+        <p:txBody>
+          <a:bodyPr anchor="b">
+            <a:normAutofit/>
+          </a:bodyPr>
+          <a:lstStyle/>
+          <a:p>
+            <a:r>
+              <a:rPr lang="de-DE" dirty="0"/>
+              <a:t>Zielhierarchie</a:t>
+            </a:r>
+          </a:p>
+        </p:txBody>
+      </p:sp>
+      <p:sp>
+        <p:nvSpPr>
+          <p:cNvPr id="4" name="Foliennummernplatzhalter 3">
+            <a:extLst>
+              <a:ext uri="{FF2B5EF4-FFF2-40B4-BE49-F238E27FC236}">
+                <a16:creationId xmlns:a16="http://schemas.microsoft.com/office/drawing/2014/main" id="{0A6814A5-E621-4F6A-97F4-4E20661FA280}"/>
+              </a:ext>
+            </a:extLst>
+          </p:cNvPr>
+          <p:cNvSpPr>
+            <a:spLocks noGrp="1"/>
+          </p:cNvSpPr>
+          <p:nvPr>
+            <p:ph type="sldNum" sz="quarter" idx="12"/>
+          </p:nvPr>
+        </p:nvSpPr>
+        <p:spPr>
+          <a:xfrm>
+            <a:off x="10993582" y="6446838"/>
+            <a:ext cx="780010" cy="365125"/>
+          </a:xfrm>
+        </p:spPr>
+        <p:txBody>
+          <a:bodyPr anchor="ctr">
+            <a:normAutofit/>
+          </a:bodyPr>
+          <a:lstStyle/>
+          <a:p>
+            <a:pPr rtl="0">
+              <a:spcAft>
+                <a:spcPts val="600"/>
+              </a:spcAft>
+            </a:pPr>
+            <a:fld id="{3A98EE3D-8CD1-4C3F-BD1C-C98C9596463C}" type="slidenum">
+              <a:rPr lang="en-US" smtClean="0"/>
+              <a:pPr rtl="0">
+                <a:spcAft>
+                  <a:spcPts val="600"/>
+                </a:spcAft>
+              </a:pPr>
+              <a:t>27</a:t>
+            </a:fld>
+            <a:endParaRPr lang="en-US"/>
+          </a:p>
+        </p:txBody>
+      </p:sp>
+      <p:pic>
+        <p:nvPicPr>
+          <p:cNvPr id="6" name="Grafik 5" descr="Ein Bild, das Text enthält.&#10;&#10;Automatisch generierte Beschreibung">
+            <a:extLst>
+              <a:ext uri="{FF2B5EF4-FFF2-40B4-BE49-F238E27FC236}">
+                <a16:creationId xmlns:a16="http://schemas.microsoft.com/office/drawing/2014/main" id="{5BD0F67F-BE0B-4B03-A42F-12ECCD5074C2}"/>
+              </a:ext>
+            </a:extLst>
+          </p:cNvPr>
+          <p:cNvPicPr>
+            <a:picLocks noChangeAspect="1"/>
+          </p:cNvPicPr>
+          <p:nvPr/>
+        </p:nvPicPr>
+        <p:blipFill rotWithShape="1">
+          <a:blip r:embed="rId3">
+            <a:extLst>
+              <a:ext uri="{28A0092B-C50C-407E-A947-70E740481C1C}">
+                <a14:useLocalDpi xmlns:a14="http://schemas.microsoft.com/office/drawing/2010/main" val="0"/>
+              </a:ext>
+            </a:extLst>
+          </a:blip>
+          <a:srcRect t="17675" r="27269" b="9892"/>
+          <a:stretch/>
+        </p:blipFill>
+        <p:spPr>
+          <a:xfrm>
+            <a:off x="2362571" y="2027918"/>
+            <a:ext cx="7466857" cy="4182878"/>
+          </a:xfrm>
+          <a:prstGeom prst="rect">
+            <a:avLst/>
+          </a:prstGeom>
+        </p:spPr>
+      </p:pic>
+      <p:sp>
+        <p:nvSpPr>
+          <p:cNvPr id="10" name="Textfeld 9">
+            <a:extLst>
+              <a:ext uri="{FF2B5EF4-FFF2-40B4-BE49-F238E27FC236}">
+                <a16:creationId xmlns:a16="http://schemas.microsoft.com/office/drawing/2014/main" id="{BBC4B259-4562-434A-A636-984F52C614ED}"/>
+              </a:ext>
+            </a:extLst>
+          </p:cNvPr>
+          <p:cNvSpPr txBox="1"/>
+          <p:nvPr/>
+        </p:nvSpPr>
+        <p:spPr>
+          <a:xfrm>
+            <a:off x="2952750" y="4936916"/>
+            <a:ext cx="5876388" cy="261610"/>
+          </a:xfrm>
+          <a:prstGeom prst="rect">
+            <a:avLst/>
+          </a:prstGeom>
+          <a:noFill/>
+        </p:spPr>
+        <p:txBody>
+          <a:bodyPr wrap="square">
+            <a:spAutoFit/>
+          </a:bodyPr>
+          <a:lstStyle/>
+          <a:p>
+            <a:r>
+              <a:rPr lang="de-DE" sz="1100" b="0" i="0" dirty="0">
+                <a:solidFill>
+                  <a:srgbClr val="333333"/>
+                </a:solidFill>
+                <a:effectLst/>
+                <a:latin typeface="Source Sans Pro" panose="020B0604020202020204" pitchFamily="34" charset="0"/>
+              </a:rPr>
+              <a:t>✅</a:t>
+            </a:r>
+            <a:endParaRPr lang="de-DE" sz="1100" dirty="0"/>
+          </a:p>
+        </p:txBody>
+      </p:sp>
+      <p:sp>
+        <p:nvSpPr>
+          <p:cNvPr id="11" name="Textfeld 10">
+            <a:extLst>
+              <a:ext uri="{FF2B5EF4-FFF2-40B4-BE49-F238E27FC236}">
+                <a16:creationId xmlns:a16="http://schemas.microsoft.com/office/drawing/2014/main" id="{B6493BAC-B8E0-41B8-B401-F96E8A5722D3}"/>
+              </a:ext>
+            </a:extLst>
+          </p:cNvPr>
+          <p:cNvSpPr txBox="1"/>
+          <p:nvPr/>
+        </p:nvSpPr>
+        <p:spPr>
+          <a:xfrm>
+            <a:off x="2959100" y="5302721"/>
+            <a:ext cx="5876388" cy="261610"/>
+          </a:xfrm>
+          <a:prstGeom prst="rect">
+            <a:avLst/>
+          </a:prstGeom>
+          <a:noFill/>
+        </p:spPr>
+        <p:txBody>
+          <a:bodyPr wrap="square">
+            <a:spAutoFit/>
+          </a:bodyPr>
+          <a:lstStyle/>
+          <a:p>
+            <a:r>
+              <a:rPr lang="de-DE" sz="1100" b="0" i="0" dirty="0">
+                <a:solidFill>
+                  <a:srgbClr val="333333"/>
+                </a:solidFill>
+                <a:effectLst/>
+                <a:latin typeface="Source Sans Pro" panose="020B0604020202020204" pitchFamily="34" charset="0"/>
+              </a:rPr>
+              <a:t>✅</a:t>
+            </a:r>
+            <a:endParaRPr lang="de-DE" sz="1100" dirty="0"/>
+          </a:p>
+        </p:txBody>
+      </p:sp>
+      <p:sp>
+        <p:nvSpPr>
+          <p:cNvPr id="12" name="Textfeld 11">
+            <a:extLst>
+              <a:ext uri="{FF2B5EF4-FFF2-40B4-BE49-F238E27FC236}">
+                <a16:creationId xmlns:a16="http://schemas.microsoft.com/office/drawing/2014/main" id="{7557D5B7-D5F2-45FA-89FE-2C0CB99D0C45}"/>
+              </a:ext>
+            </a:extLst>
+          </p:cNvPr>
+          <p:cNvSpPr txBox="1"/>
+          <p:nvPr/>
+        </p:nvSpPr>
+        <p:spPr>
+          <a:xfrm>
+            <a:off x="2959100" y="5668526"/>
+            <a:ext cx="5876388" cy="261610"/>
+          </a:xfrm>
+          <a:prstGeom prst="rect">
+            <a:avLst/>
+          </a:prstGeom>
+          <a:noFill/>
+        </p:spPr>
+        <p:txBody>
+          <a:bodyPr wrap="square">
+            <a:spAutoFit/>
+          </a:bodyPr>
+          <a:lstStyle/>
+          <a:p>
+            <a:r>
+              <a:rPr lang="de-DE" sz="1100" b="0" i="0" dirty="0">
+                <a:solidFill>
+                  <a:srgbClr val="333333"/>
+                </a:solidFill>
+                <a:effectLst/>
+                <a:latin typeface="Source Sans Pro" panose="020B0604020202020204" pitchFamily="34" charset="0"/>
+              </a:rPr>
+              <a:t>✅</a:t>
+            </a:r>
+            <a:endParaRPr lang="de-DE" sz="1100" dirty="0"/>
+          </a:p>
+        </p:txBody>
+      </p:sp>
+    </p:spTree>
+    <p:extLst>
+      <p:ext uri="{BB962C8B-B14F-4D97-AF65-F5344CB8AC3E}">
+        <p14:creationId xmlns:p14="http://schemas.microsoft.com/office/powerpoint/2010/main" val="3191535140"/>
+      </p:ext>
+    </p:extLst>
+  </p:cSld>
+  <p:clrMapOvr>
+    <a:masterClrMapping/>
+  </p:clrMapOvr>
+</p:sld>
+</file>
+
+<file path=ppt/slides/slide28.xml><?xml version="1.0" encoding="utf-8"?>
+<p:sld xmlns:a="http://schemas.openxmlformats.org/drawingml/2006/main" xmlns:r="http://schemas.openxmlformats.org/officeDocument/2006/relationships" xmlns:p="http://schemas.openxmlformats.org/presentationml/2006/main">
+  <p:cSld>
+    <p:spTree>
+      <p:nvGrpSpPr>
+        <p:cNvPr id="1" name=""/>
+        <p:cNvGrpSpPr/>
+        <p:nvPr/>
+      </p:nvGrpSpPr>
+      <p:grpSpPr>
+        <a:xfrm>
+          <a:off x="0" y="0"/>
+          <a:ext cx="0" cy="0"/>
+          <a:chOff x="0" y="0"/>
+          <a:chExt cx="0" cy="0"/>
+        </a:xfrm>
+      </p:grpSpPr>
+      <p:sp>
+        <p:nvSpPr>
+          <p:cNvPr id="2" name="Titel 1">
+            <a:extLst>
+              <a:ext uri="{FF2B5EF4-FFF2-40B4-BE49-F238E27FC236}">
                 <a16:creationId xmlns:a16="http://schemas.microsoft.com/office/drawing/2014/main" id="{8E6F87C2-E244-41E0-AFF6-CCBE3E7A9F0F}"/>
               </a:ext>
             </a:extLst>
@@ -7885,7 +10636,7 @@
             <a:pPr rtl="0"/>
             <a:fld id="{3A98EE3D-8CD1-4C3F-BD1C-C98C9596463C}" type="slidenum">
               <a:rPr lang="en-US" smtClean="0"/>
-              <a:t>18</a:t>
+              <a:t>28</a:t>
             </a:fld>
             <a:endParaRPr lang="en-US" dirty="0"/>
           </a:p>
@@ -8366,7 +11117,7 @@
 </p:sld>
 </file>
 
-<file path=ppt/slides/slide19.xml><?xml version="1.0" encoding="utf-8"?>
+<file path=ppt/slides/slide29.xml><?xml version="1.0" encoding="utf-8"?>
 <p:sld xmlns:a="http://schemas.openxmlformats.org/drawingml/2006/main" xmlns:r="http://schemas.openxmlformats.org/officeDocument/2006/relationships" xmlns:p="http://schemas.openxmlformats.org/presentationml/2006/main">
   <p:cSld>
     <p:spTree>
@@ -8549,7 +11300,7 @@
             <a:pPr rtl="0"/>
             <a:fld id="{3A98EE3D-8CD1-4C3F-BD1C-C98C9596463C}" type="slidenum">
               <a:rPr lang="en-US" smtClean="0"/>
-              <a:t>19</a:t>
+              <a:t>29</a:t>
             </a:fld>
             <a:endParaRPr lang="en-US" dirty="0"/>
           </a:p>
@@ -8568,357 +11319,7 @@
 </p:sld>
 </file>
 
-<file path=ppt/slides/slide2.xml><?xml version="1.0" encoding="utf-8"?>
-<p:sld xmlns:a="http://schemas.openxmlformats.org/drawingml/2006/main" xmlns:r="http://schemas.openxmlformats.org/officeDocument/2006/relationships" xmlns:p="http://schemas.openxmlformats.org/presentationml/2006/main">
-  <p:cSld>
-    <p:bg>
-      <p:bgPr>
-        <a:solidFill>
-          <a:schemeClr val="bg1"/>
-        </a:solidFill>
-        <a:effectLst/>
-      </p:bgPr>
-    </p:bg>
-    <p:spTree>
-      <p:nvGrpSpPr>
-        <p:cNvPr id="1" name=""/>
-        <p:cNvGrpSpPr/>
-        <p:nvPr/>
-      </p:nvGrpSpPr>
-      <p:grpSpPr>
-        <a:xfrm>
-          <a:off x="0" y="0"/>
-          <a:ext cx="0" cy="0"/>
-          <a:chOff x="0" y="0"/>
-          <a:chExt cx="0" cy="0"/>
-        </a:xfrm>
-      </p:grpSpPr>
-      <p:sp>
-        <p:nvSpPr>
-          <p:cNvPr id="47" name="Rechteck 46">
-            <a:extLst>
-              <a:ext uri="{FF2B5EF4-FFF2-40B4-BE49-F238E27FC236}">
-                <a16:creationId xmlns:a16="http://schemas.microsoft.com/office/drawing/2014/main" id="{FBDCECDC-EEE3-4128-AA5E-82A8C08796E8}"/>
-              </a:ext>
-              <a:ext uri="{C183D7F6-B498-43B3-948B-1728B52AA6E4}">
-                <adec:decorative xmlns:adec="http://schemas.microsoft.com/office/drawing/2017/decorative" val="1"/>
-              </a:ext>
-            </a:extLst>
-          </p:cNvPr>
-          <p:cNvSpPr>
-            <a:spLocks noGrp="1" noRot="1" noChangeAspect="1" noMove="1" noResize="1" noEditPoints="1" noAdjustHandles="1" noChangeArrowheads="1" noChangeShapeType="1" noTextEdit="1"/>
-          </p:cNvSpPr>
-          <p:nvPr>
-            <p:extLst>
-              <p:ext uri="{386F3935-93C4-4BCD-93E2-E3B085C9AB24}">
-                <p16:designElem xmlns:p16="http://schemas.microsoft.com/office/powerpoint/2015/main" val="1"/>
-              </p:ext>
-            </p:extLst>
-          </p:nvPr>
-        </p:nvSpPr>
-        <p:spPr>
-          <a:xfrm>
-            <a:off x="1507" y="0"/>
-            <a:ext cx="12192000" cy="6858000"/>
-          </a:xfrm>
-          <a:prstGeom prst="rect">
-            <a:avLst/>
-          </a:prstGeom>
-          <a:solidFill>
-            <a:schemeClr val="accent1"/>
-          </a:solidFill>
-          <a:ln>
-            <a:noFill/>
-          </a:ln>
-        </p:spPr>
-        <p:style>
-          <a:lnRef idx="2">
-            <a:schemeClr val="accent1">
-              <a:shade val="50000"/>
-            </a:schemeClr>
-          </a:lnRef>
-          <a:fillRef idx="1">
-            <a:schemeClr val="accent1"/>
-          </a:fillRef>
-          <a:effectRef idx="0">
-            <a:schemeClr val="accent1"/>
-          </a:effectRef>
-          <a:fontRef idx="minor">
-            <a:schemeClr val="lt1"/>
-          </a:fontRef>
-        </p:style>
-        <p:txBody>
-          <a:bodyPr rtlCol="0" anchor="ctr"/>
-          <a:lstStyle/>
-          <a:p>
-            <a:pPr algn="ctr" rtl="0"/>
-            <a:endParaRPr lang="en-US"/>
-          </a:p>
-        </p:txBody>
-      </p:sp>
-      <p:sp>
-        <p:nvSpPr>
-          <p:cNvPr id="2" name="Titel 1">
-            <a:extLst>
-              <a:ext uri="{FF2B5EF4-FFF2-40B4-BE49-F238E27FC236}">
-                <a16:creationId xmlns:a16="http://schemas.microsoft.com/office/drawing/2014/main" id="{9AB2EA78-AEB3-469B-9025-3B17201A457B}"/>
-              </a:ext>
-            </a:extLst>
-          </p:cNvPr>
-          <p:cNvSpPr>
-            <a:spLocks noGrp="1"/>
-          </p:cNvSpPr>
-          <p:nvPr>
-            <p:ph type="ctrTitle"/>
-          </p:nvPr>
-        </p:nvSpPr>
-        <p:spPr>
-          <a:xfrm>
-            <a:off x="1097280" y="758952"/>
-            <a:ext cx="10058400" cy="3892168"/>
-          </a:xfrm>
-        </p:spPr>
-        <p:txBody>
-          <a:bodyPr rtlCol="0" anchor="ctr">
-            <a:normAutofit/>
-          </a:bodyPr>
-          <a:lstStyle/>
-          <a:p>
-            <a:pPr lvl="0" rtl="0"/>
-            <a:r>
-              <a:rPr lang="de-DE" sz="3200" dirty="0">
-                <a:solidFill>
-                  <a:schemeClr val="bg1"/>
-                </a:solidFill>
-                <a:latin typeface="-apple-system"/>
-              </a:rPr>
-              <a:t>,,</a:t>
-            </a:r>
-            <a:r>
-              <a:rPr lang="de-DE" sz="3200" b="0" i="0" dirty="0">
-                <a:solidFill>
-                  <a:schemeClr val="bg1"/>
-                </a:solidFill>
-                <a:effectLst/>
-                <a:latin typeface="-apple-system"/>
-              </a:rPr>
-              <a:t>Beim </a:t>
-            </a:r>
-            <a:r>
-              <a:rPr lang="de-DE" sz="3200" b="1" i="0" dirty="0" err="1">
-                <a:solidFill>
-                  <a:schemeClr val="bg1"/>
-                </a:solidFill>
-                <a:effectLst/>
-                <a:latin typeface="-apple-system"/>
-              </a:rPr>
-              <a:t>Prototyping</a:t>
-            </a:r>
-            <a:r>
-              <a:rPr lang="de-DE" sz="3200" b="0" i="0" dirty="0">
-                <a:solidFill>
-                  <a:schemeClr val="bg1"/>
-                </a:solidFill>
-                <a:effectLst/>
-                <a:latin typeface="-apple-system"/>
-              </a:rPr>
-              <a:t> wird ein Entwurf als erste Version eines Produktes durch eine agile Vorgehensweise erzeugt. Dieser Entwurf dient der frühen Visualisierung und iterativen Optimierung einer Benutzeroberfläche und deren Interaktionsmöglichkeiten.“</a:t>
-            </a:r>
-            <a:endParaRPr lang="de" sz="3200" i="1" dirty="0">
-              <a:solidFill>
-                <a:schemeClr val="bg1"/>
-              </a:solidFill>
-              <a:latin typeface="-apple-system"/>
-            </a:endParaRPr>
-          </a:p>
-        </p:txBody>
-      </p:sp>
-      <p:sp>
-        <p:nvSpPr>
-          <p:cNvPr id="49" name="Rechteck 48">
-            <a:extLst>
-              <a:ext uri="{FF2B5EF4-FFF2-40B4-BE49-F238E27FC236}">
-                <a16:creationId xmlns:a16="http://schemas.microsoft.com/office/drawing/2014/main" id="{4260EDE0-989C-4E16-AF94-F652294D828E}"/>
-              </a:ext>
-              <a:ext uri="{C183D7F6-B498-43B3-948B-1728B52AA6E4}">
-                <adec:decorative xmlns:adec="http://schemas.microsoft.com/office/drawing/2017/decorative" val="1"/>
-              </a:ext>
-            </a:extLst>
-          </p:cNvPr>
-          <p:cNvSpPr>
-            <a:spLocks noGrp="1" noRot="1" noChangeAspect="1" noMove="1" noResize="1" noEditPoints="1" noAdjustHandles="1" noChangeArrowheads="1" noChangeShapeType="1" noTextEdit="1"/>
-          </p:cNvSpPr>
-          <p:nvPr>
-            <p:extLst>
-              <p:ext uri="{386F3935-93C4-4BCD-93E2-E3B085C9AB24}">
-                <p16:designElem xmlns:p16="http://schemas.microsoft.com/office/powerpoint/2015/main" val="1"/>
-              </p:ext>
-            </p:extLst>
-          </p:nvPr>
-        </p:nvSpPr>
-        <p:spPr bwMode="white">
-          <a:xfrm>
-            <a:off x="1507" y="4953000"/>
-            <a:ext cx="12188952" cy="1905000"/>
-          </a:xfrm>
-          <a:prstGeom prst="rect">
-            <a:avLst/>
-          </a:prstGeom>
-          <a:solidFill>
-            <a:srgbClr val="262626"/>
-          </a:solidFill>
-          <a:ln>
-            <a:noFill/>
-          </a:ln>
-        </p:spPr>
-        <p:style>
-          <a:lnRef idx="2">
-            <a:schemeClr val="accent1">
-              <a:shade val="50000"/>
-            </a:schemeClr>
-          </a:lnRef>
-          <a:fillRef idx="1">
-            <a:schemeClr val="accent1"/>
-          </a:fillRef>
-          <a:effectRef idx="0">
-            <a:schemeClr val="accent1"/>
-          </a:effectRef>
-          <a:fontRef idx="minor">
-            <a:schemeClr val="lt1"/>
-          </a:fontRef>
-        </p:style>
-      </p:sp>
-      <p:sp>
-        <p:nvSpPr>
-          <p:cNvPr id="3" name="Untertitel 2">
-            <a:extLst>
-              <a:ext uri="{FF2B5EF4-FFF2-40B4-BE49-F238E27FC236}">
-                <a16:creationId xmlns:a16="http://schemas.microsoft.com/office/drawing/2014/main" id="{255E1F2F-E259-4EA8-9FFD-3A10AF541859}"/>
-              </a:ext>
-            </a:extLst>
-          </p:cNvPr>
-          <p:cNvSpPr>
-            <a:spLocks noGrp="1"/>
-          </p:cNvSpPr>
-          <p:nvPr>
-            <p:ph type="subTitle" idx="1"/>
-          </p:nvPr>
-        </p:nvSpPr>
-        <p:spPr>
-          <a:xfrm>
-            <a:off x="1100051" y="5225240"/>
-            <a:ext cx="10058400" cy="1143000"/>
-          </a:xfrm>
-        </p:spPr>
-        <p:txBody>
-          <a:bodyPr rtlCol="0">
-            <a:normAutofit/>
-          </a:bodyPr>
-          <a:lstStyle/>
-          <a:p>
-            <a:r>
-              <a:rPr lang="de" sz="1500" dirty="0">
-                <a:solidFill>
-                  <a:srgbClr val="FFFFFF"/>
-                </a:solidFill>
-                <a:latin typeface="-apple-system"/>
-              </a:rPr>
-              <a:t>Quelle: </a:t>
-            </a:r>
-            <a:br>
-              <a:rPr lang="de-DE" sz="1100" u="sng" dirty="0">
-                <a:solidFill>
-                  <a:srgbClr val="24292E"/>
-                </a:solidFill>
-                <a:latin typeface="-apple-system"/>
-              </a:rPr>
-            </a:br>
-            <a:r>
-              <a:rPr lang="de-DE" sz="1100" dirty="0">
-                <a:latin typeface="-apple-system"/>
-                <a:hlinkClick r:id="rId2"/>
-              </a:rPr>
-              <a:t>Warum </a:t>
-            </a:r>
-            <a:r>
-              <a:rPr lang="de-DE" sz="1100" dirty="0" err="1">
-                <a:latin typeface="-apple-system"/>
-                <a:hlinkClick r:id="rId2"/>
-              </a:rPr>
-              <a:t>Prototyping</a:t>
-            </a:r>
-            <a:r>
-              <a:rPr lang="de-DE" sz="1100" dirty="0">
-                <a:latin typeface="-apple-system"/>
-                <a:hlinkClick r:id="rId2"/>
-              </a:rPr>
-              <a:t> heutzutage unverzichtbar ist - </a:t>
-            </a:r>
-            <a:r>
-              <a:rPr lang="de-DE" sz="1100" dirty="0" err="1">
-                <a:latin typeface="-apple-system"/>
-                <a:hlinkClick r:id="rId2"/>
-              </a:rPr>
-              <a:t>basecom</a:t>
-            </a:r>
-            <a:endParaRPr lang="de-DE" sz="1400" dirty="0">
-              <a:latin typeface="-apple-system"/>
-            </a:endParaRPr>
-          </a:p>
-          <a:p>
-            <a:pPr rtl="0"/>
-            <a:endParaRPr lang="de" sz="2000" dirty="0">
-              <a:solidFill>
-                <a:srgbClr val="FFFFFF"/>
-              </a:solidFill>
-            </a:endParaRPr>
-          </a:p>
-        </p:txBody>
-      </p:sp>
-      <p:sp>
-        <p:nvSpPr>
-          <p:cNvPr id="4" name="Foliennummernplatzhalter 3">
-            <a:extLst>
-              <a:ext uri="{FF2B5EF4-FFF2-40B4-BE49-F238E27FC236}">
-                <a16:creationId xmlns:a16="http://schemas.microsoft.com/office/drawing/2014/main" id="{34E22E51-4478-4FA7-BA99-61E4A491B8A6}"/>
-              </a:ext>
-            </a:extLst>
-          </p:cNvPr>
-          <p:cNvSpPr>
-            <a:spLocks noGrp="1"/>
-          </p:cNvSpPr>
-          <p:nvPr>
-            <p:ph type="sldNum" sz="quarter" idx="12"/>
-          </p:nvPr>
-        </p:nvSpPr>
-        <p:spPr/>
-        <p:txBody>
-          <a:bodyPr/>
-          <a:lstStyle/>
-          <a:p>
-            <a:pPr rtl="0"/>
-            <a:fld id="{3A98EE3D-8CD1-4C3F-BD1C-C98C9596463C}" type="slidenum">
-              <a:rPr lang="en-US" smtClean="0"/>
-              <a:t>2</a:t>
-            </a:fld>
-            <a:endParaRPr lang="en-US" dirty="0"/>
-          </a:p>
-        </p:txBody>
-      </p:sp>
-    </p:spTree>
-    <p:extLst>
-      <p:ext uri="{BB962C8B-B14F-4D97-AF65-F5344CB8AC3E}">
-        <p14:creationId xmlns:p14="http://schemas.microsoft.com/office/powerpoint/2010/main" val="191714609"/>
-      </p:ext>
-    </p:extLst>
-  </p:cSld>
-  <p:clrMapOvr>
-    <a:masterClrMapping/>
-  </p:clrMapOvr>
-</p:sld>
-</file>
-
-<file path=ppt/slides/slide20.xml><?xml version="1.0" encoding="utf-8"?>
+<file path=ppt/slides/slide3.xml><?xml version="1.0" encoding="utf-8"?>
 <p:sld xmlns:a="http://schemas.openxmlformats.org/drawingml/2006/main" xmlns:r="http://schemas.openxmlformats.org/officeDocument/2006/relationships" xmlns:p="http://schemas.openxmlformats.org/presentationml/2006/main">
   <p:cSld>
     <p:spTree>
@@ -8940,7 +11341,7 @@
           <p:cNvPr id="2" name="Titel 1">
             <a:extLst>
               <a:ext uri="{FF2B5EF4-FFF2-40B4-BE49-F238E27FC236}">
-                <a16:creationId xmlns:a16="http://schemas.microsoft.com/office/drawing/2014/main" id="{1000917D-4547-48A6-84FB-F43EFC62703E}"/>
+                <a16:creationId xmlns:a16="http://schemas.microsoft.com/office/drawing/2014/main" id="{492E36D4-F4B4-468C-A22F-C0B64D0DC470}"/>
               </a:ext>
             </a:extLst>
           </p:cNvPr>
@@ -8957,18 +11358,50 @@
           <a:lstStyle/>
           <a:p>
             <a:r>
-              <a:rPr lang="de-DE" dirty="0"/>
-              <a:t>Quellen</a:t>
-            </a:r>
-          </a:p>
-        </p:txBody>
-      </p:sp>
-      <p:sp>
-        <p:nvSpPr>
-          <p:cNvPr id="4" name="Textfeld 3">
-            <a:extLst>
-              <a:ext uri="{FF2B5EF4-FFF2-40B4-BE49-F238E27FC236}">
-                <a16:creationId xmlns:a16="http://schemas.microsoft.com/office/drawing/2014/main" id="{7A45CCCC-0A1D-47D4-AA93-208EE6D41258}"/>
+              <a:rPr lang="de-DE" dirty="0">
+                <a:cs typeface="Times New Roman" panose="02020603050405020304" pitchFamily="18" charset="0"/>
+              </a:rPr>
+              <a:t>Vermerk:</a:t>
+            </a:r>
+          </a:p>
+        </p:txBody>
+      </p:sp>
+      <p:sp>
+        <p:nvSpPr>
+          <p:cNvPr id="3" name="Foliennummernplatzhalter 2">
+            <a:extLst>
+              <a:ext uri="{FF2B5EF4-FFF2-40B4-BE49-F238E27FC236}">
+                <a16:creationId xmlns:a16="http://schemas.microsoft.com/office/drawing/2014/main" id="{A4034147-4E4F-45E6-AEBD-DC5BBF65CC82}"/>
+              </a:ext>
+            </a:extLst>
+          </p:cNvPr>
+          <p:cNvSpPr>
+            <a:spLocks noGrp="1"/>
+          </p:cNvSpPr>
+          <p:nvPr>
+            <p:ph type="sldNum" sz="quarter" idx="12"/>
+          </p:nvPr>
+        </p:nvSpPr>
+        <p:spPr/>
+        <p:txBody>
+          <a:bodyPr/>
+          <a:lstStyle/>
+          <a:p>
+            <a:pPr rtl="0"/>
+            <a:fld id="{3A98EE3D-8CD1-4C3F-BD1C-C98C9596463C}" type="slidenum">
+              <a:rPr lang="en-US" smtClean="0"/>
+              <a:t>3</a:t>
+            </a:fld>
+            <a:endParaRPr lang="en-US" dirty="0"/>
+          </a:p>
+        </p:txBody>
+      </p:sp>
+      <p:sp>
+        <p:nvSpPr>
+          <p:cNvPr id="5" name="Textfeld 4">
+            <a:extLst>
+              <a:ext uri="{FF2B5EF4-FFF2-40B4-BE49-F238E27FC236}">
+                <a16:creationId xmlns:a16="http://schemas.microsoft.com/office/drawing/2014/main" id="{DB63D29E-4337-4C4F-B124-969A5AA18458}"/>
               </a:ext>
             </a:extLst>
           </p:cNvPr>
@@ -8977,8 +11410,8 @@
         </p:nvSpPr>
         <p:spPr>
           <a:xfrm>
-            <a:off x="1208868" y="1930262"/>
-            <a:ext cx="9946812" cy="4847481"/>
+            <a:off x="1097280" y="3076435"/>
+            <a:ext cx="10058400" cy="830997"/>
           </a:xfrm>
           <a:prstGeom prst="rect">
             <a:avLst/>
@@ -8991,449 +11424,33 @@
           </a:bodyPr>
           <a:lstStyle/>
           <a:p>
-            <a:pPr marL="285750" indent="-285750" algn="l">
-              <a:lnSpc>
-                <a:spcPct val="150000"/>
-              </a:lnSpc>
-              <a:buFont typeface="Arial" panose="020B0604020202020204" pitchFamily="34" charset="0"/>
-              <a:buChar char="•"/>
-            </a:pPr>
-            <a:r>
-              <a:rPr lang="de-DE" sz="1400" dirty="0">
-                <a:solidFill>
-                  <a:srgbClr val="24292E"/>
-                </a:solidFill>
+            <a:pPr algn="ctr"/>
+            <a:r>
+              <a:rPr lang="de-DE" sz="2400" dirty="0">
                 <a:latin typeface="-apple-system"/>
               </a:rPr>
-              <a:t> </a:t>
-            </a:r>
-            <a:r>
-              <a:rPr lang="de-DE" sz="1400" b="0" i="0" u="none" strike="noStrike" dirty="0">
-                <a:solidFill>
-                  <a:srgbClr val="24292E"/>
-                </a:solidFill>
-                <a:effectLst/>
+              <a:t>Alle Artefakte mit Begründungen befinden sich auch noch einmal auf unserem GitHub </a:t>
+            </a:r>
+            <a:r>
+              <a:rPr lang="de-DE" sz="2400" dirty="0">
                 <a:latin typeface="-apple-system"/>
-                <a:hlinkClick r:id="rId3"/>
+                <a:hlinkClick r:id="rId2"/>
               </a:rPr>
-              <a:t>https://wiki.selfhtml.org/wiki/HTML/Formulare/input/button</a:t>
-            </a:r>
-            <a:endParaRPr lang="de-DE" sz="1400" dirty="0">
-              <a:solidFill>
-                <a:srgbClr val="24292E"/>
-              </a:solidFill>
-              <a:latin typeface="-apple-system"/>
-            </a:endParaRPr>
-          </a:p>
-          <a:p>
-            <a:pPr marL="285750" indent="-285750" algn="l">
-              <a:lnSpc>
-                <a:spcPct val="150000"/>
-              </a:lnSpc>
-              <a:buFont typeface="Arial" panose="020B0604020202020204" pitchFamily="34" charset="0"/>
-              <a:buChar char="•"/>
-            </a:pPr>
-            <a:r>
-              <a:rPr lang="de-DE" sz="1400" b="0" i="0" u="none" strike="noStrike" dirty="0">
-                <a:solidFill>
-                  <a:srgbClr val="24292E"/>
-                </a:solidFill>
-                <a:effectLst/>
+              <a:t>Kplacken/EPWS2020SerttasPlackenhohn</a:t>
+            </a:r>
+            <a:r>
+              <a:rPr lang="de-DE" sz="2400" dirty="0">
                 <a:latin typeface="-apple-system"/>
-                <a:hlinkClick r:id="rId4"/>
               </a:rPr>
-              <a:t>https://jsfiddle.net/red_stapler/wu3a0y6e/18/</a:t>
-            </a:r>
-            <a:endParaRPr lang="de-DE" sz="1400" dirty="0">
-              <a:solidFill>
-                <a:srgbClr val="24292E"/>
-              </a:solidFill>
-              <a:latin typeface="-apple-system"/>
-            </a:endParaRPr>
-          </a:p>
-          <a:p>
-            <a:pPr marL="285750" indent="-285750" algn="l">
-              <a:lnSpc>
-                <a:spcPct val="150000"/>
-              </a:lnSpc>
-              <a:buFont typeface="Arial" panose="020B0604020202020204" pitchFamily="34" charset="0"/>
-              <a:buChar char="•"/>
-            </a:pPr>
-            <a:r>
-              <a:rPr lang="de-DE" sz="1400" b="0" i="0" u="none" strike="noStrike" dirty="0">
-                <a:solidFill>
-                  <a:srgbClr val="24292E"/>
-                </a:solidFill>
-                <a:effectLst/>
-                <a:latin typeface="-apple-system"/>
-                <a:hlinkClick r:id="rId5"/>
-              </a:rPr>
-              <a:t>http://microbuilder.io/blog/2016/01/10/plotting-json-data-with-chart-js.html</a:t>
-            </a:r>
-            <a:endParaRPr lang="de-DE" sz="1400" dirty="0">
-              <a:solidFill>
-                <a:srgbClr val="24292E"/>
-              </a:solidFill>
-              <a:latin typeface="-apple-system"/>
-            </a:endParaRPr>
-          </a:p>
-          <a:p>
-            <a:pPr marL="285750" indent="-285750" algn="l">
-              <a:lnSpc>
-                <a:spcPct val="150000"/>
-              </a:lnSpc>
-              <a:buFont typeface="Arial" panose="020B0604020202020204" pitchFamily="34" charset="0"/>
-              <a:buChar char="•"/>
-            </a:pPr>
-            <a:r>
-              <a:rPr lang="de-DE" sz="1400" b="0" i="0" u="none" strike="noStrike" dirty="0">
-                <a:solidFill>
-                  <a:srgbClr val="24292E"/>
-                </a:solidFill>
-                <a:effectLst/>
-                <a:latin typeface="-apple-system"/>
-                <a:hlinkClick r:id="rId6"/>
-              </a:rPr>
-              <a:t>https://www.youtube.com/watch?v=NwgKh_QTKE0</a:t>
-            </a:r>
-            <a:endParaRPr lang="de-DE" sz="1400" dirty="0">
-              <a:solidFill>
-                <a:srgbClr val="24292E"/>
-              </a:solidFill>
-              <a:latin typeface="-apple-system"/>
-            </a:endParaRPr>
-          </a:p>
-          <a:p>
-            <a:pPr marL="285750" indent="-285750" algn="l">
-              <a:lnSpc>
-                <a:spcPct val="150000"/>
-              </a:lnSpc>
-              <a:buFont typeface="Arial" panose="020B0604020202020204" pitchFamily="34" charset="0"/>
-              <a:buChar char="•"/>
-            </a:pPr>
-            <a:r>
-              <a:rPr lang="de-DE" sz="1400" b="0" i="0" u="none" strike="noStrike" dirty="0">
-                <a:solidFill>
-                  <a:srgbClr val="24292E"/>
-                </a:solidFill>
-                <a:effectLst/>
-                <a:latin typeface="-apple-system"/>
-                <a:hlinkClick r:id="rId7"/>
-              </a:rPr>
-              <a:t>https://canvasjs.com/html5-javascript-spline-chart/</a:t>
-            </a:r>
-            <a:endParaRPr lang="de-DE" sz="1400" dirty="0">
-              <a:solidFill>
-                <a:srgbClr val="24292E"/>
-              </a:solidFill>
-              <a:latin typeface="-apple-system"/>
-            </a:endParaRPr>
-          </a:p>
-          <a:p>
-            <a:pPr marL="285750" indent="-285750" algn="l">
-              <a:lnSpc>
-                <a:spcPct val="150000"/>
-              </a:lnSpc>
-              <a:buFont typeface="Arial" panose="020B0604020202020204" pitchFamily="34" charset="0"/>
-              <a:buChar char="•"/>
-            </a:pPr>
-            <a:r>
-              <a:rPr lang="de-DE" sz="1400" dirty="0">
-                <a:solidFill>
-                  <a:srgbClr val="24292E"/>
-                </a:solidFill>
-                <a:latin typeface="-apple-system"/>
-                <a:hlinkClick r:id="rId8"/>
-              </a:rPr>
-              <a:t>https://canvasjs.com/html5-javascript-line-chart/</a:t>
-            </a:r>
-            <a:endParaRPr lang="de-DE" sz="1400" dirty="0">
-              <a:solidFill>
-                <a:srgbClr val="24292E"/>
-              </a:solidFill>
-              <a:latin typeface="-apple-system"/>
-            </a:endParaRPr>
-          </a:p>
-          <a:p>
-            <a:pPr marL="285750" indent="-285750" algn="l">
-              <a:lnSpc>
-                <a:spcPct val="150000"/>
-              </a:lnSpc>
-              <a:buFont typeface="Arial" panose="020B0604020202020204" pitchFamily="34" charset="0"/>
-              <a:buChar char="•"/>
-            </a:pPr>
-            <a:r>
-              <a:rPr lang="de-DE" sz="1400" b="0" i="0" u="none" strike="noStrike" dirty="0">
-                <a:solidFill>
-                  <a:srgbClr val="24292E"/>
-                </a:solidFill>
-                <a:effectLst/>
-                <a:latin typeface="-apple-system"/>
-                <a:hlinkClick r:id="rId9"/>
-              </a:rPr>
-              <a:t>https://canvasjs.com/docs/charts/basics-of-creating-html5-chart/updating-chart-options/</a:t>
-            </a:r>
-            <a:endParaRPr lang="de-DE" sz="1400" dirty="0">
-              <a:solidFill>
-                <a:srgbClr val="24292E"/>
-              </a:solidFill>
-              <a:latin typeface="-apple-system"/>
-            </a:endParaRPr>
-          </a:p>
-          <a:p>
-            <a:pPr marL="285750" indent="-285750" algn="l">
-              <a:lnSpc>
-                <a:spcPct val="150000"/>
-              </a:lnSpc>
-              <a:buFont typeface="Arial" panose="020B0604020202020204" pitchFamily="34" charset="0"/>
-              <a:buChar char="•"/>
-            </a:pPr>
-            <a:r>
-              <a:rPr lang="de-DE" sz="1400" b="0" i="0" u="none" strike="noStrike" dirty="0">
-                <a:solidFill>
-                  <a:srgbClr val="24292E"/>
-                </a:solidFill>
-                <a:effectLst/>
-                <a:latin typeface="-apple-system"/>
-                <a:hlinkClick r:id="rId10"/>
-              </a:rPr>
-              <a:t>https://canvasjs.com/docs/charts/methods/dataseries/addto/</a:t>
-            </a:r>
-            <a:endParaRPr lang="de-DE" sz="1400" dirty="0">
-              <a:solidFill>
-                <a:srgbClr val="24292E"/>
-              </a:solidFill>
-              <a:latin typeface="-apple-system"/>
-            </a:endParaRPr>
-          </a:p>
-          <a:p>
-            <a:pPr marL="285750" indent="-285750" algn="l">
-              <a:lnSpc>
-                <a:spcPct val="150000"/>
-              </a:lnSpc>
-              <a:buFont typeface="Arial" panose="020B0604020202020204" pitchFamily="34" charset="0"/>
-              <a:buChar char="•"/>
-            </a:pPr>
-            <a:r>
-              <a:rPr lang="de-DE" sz="1400" b="0" i="0" u="none" strike="noStrike" dirty="0">
-                <a:solidFill>
-                  <a:srgbClr val="24292E"/>
-                </a:solidFill>
-                <a:effectLst/>
-                <a:latin typeface="-apple-system"/>
-                <a:hlinkClick r:id="rId11"/>
-              </a:rPr>
-              <a:t>https://www.gesundheit.gv.at/leben/ernaehrung/info/fluessigkeitsbedarf</a:t>
-            </a:r>
-            <a:endParaRPr lang="de-DE" sz="1400" b="0" i="0" u="none" strike="noStrike" dirty="0">
-              <a:solidFill>
-                <a:srgbClr val="24292E"/>
-              </a:solidFill>
-              <a:effectLst/>
-              <a:latin typeface="-apple-system"/>
-            </a:endParaRPr>
-          </a:p>
-          <a:p>
-            <a:pPr marL="285750" indent="-285750" algn="l">
-              <a:lnSpc>
-                <a:spcPct val="150000"/>
-              </a:lnSpc>
-              <a:buFont typeface="Arial" panose="020B0604020202020204" pitchFamily="34" charset="0"/>
-              <a:buChar char="•"/>
-            </a:pPr>
-            <a:r>
-              <a:rPr lang="de-DE" sz="1400" dirty="0">
-                <a:hlinkClick r:id="rId12"/>
-              </a:rPr>
-              <a:t>PHP </a:t>
-            </a:r>
-            <a:r>
-              <a:rPr lang="de-DE" sz="1400" dirty="0" err="1">
-                <a:hlinkClick r:id="rId12"/>
-              </a:rPr>
-              <a:t>MySQLi</a:t>
-            </a:r>
-            <a:r>
-              <a:rPr lang="de-DE" sz="1400" dirty="0">
-                <a:hlinkClick r:id="rId12"/>
-              </a:rPr>
-              <a:t> Einleitung - Dev-Tek.de (dev-tek.de)</a:t>
-            </a:r>
-            <a:endParaRPr lang="de-DE" sz="1400" dirty="0">
-              <a:solidFill>
-                <a:srgbClr val="24292E"/>
-              </a:solidFill>
-              <a:latin typeface="-apple-system"/>
-            </a:endParaRPr>
-          </a:p>
-          <a:p>
-            <a:pPr marL="285750" indent="-285750" algn="l">
-              <a:lnSpc>
-                <a:spcPct val="150000"/>
-              </a:lnSpc>
-              <a:buFont typeface="Arial" panose="020B0604020202020204" pitchFamily="34" charset="0"/>
-              <a:buChar char="•"/>
-            </a:pPr>
-            <a:r>
-              <a:rPr lang="en-US" sz="1400" dirty="0">
-                <a:hlinkClick r:id="rId13"/>
-              </a:rPr>
-              <a:t>PHP: </a:t>
-            </a:r>
-            <a:r>
-              <a:rPr lang="en-US" sz="1400" dirty="0" err="1">
-                <a:hlinkClick r:id="rId13"/>
-              </a:rPr>
-              <a:t>mysqli_result</a:t>
-            </a:r>
-            <a:r>
-              <a:rPr lang="en-US" sz="1400" dirty="0">
-                <a:hlinkClick r:id="rId13"/>
-              </a:rPr>
-              <a:t>::</a:t>
-            </a:r>
-            <a:r>
-              <a:rPr lang="en-US" sz="1400" dirty="0" err="1">
-                <a:hlinkClick r:id="rId13"/>
-              </a:rPr>
-              <a:t>fetch_array</a:t>
-            </a:r>
-            <a:r>
-              <a:rPr lang="en-US" sz="1400" dirty="0">
-                <a:hlinkClick r:id="rId13"/>
-              </a:rPr>
-              <a:t> – Manual</a:t>
-            </a:r>
-            <a:endParaRPr lang="de-DE" sz="1400" dirty="0">
-              <a:solidFill>
-                <a:srgbClr val="24292E"/>
-              </a:solidFill>
-              <a:latin typeface="-apple-system"/>
-            </a:endParaRPr>
-          </a:p>
-          <a:p>
-            <a:pPr marL="285750" indent="-285750" algn="l">
-              <a:lnSpc>
-                <a:spcPct val="150000"/>
-              </a:lnSpc>
-              <a:buFont typeface="Arial" panose="020B0604020202020204" pitchFamily="34" charset="0"/>
-              <a:buChar char="•"/>
-            </a:pPr>
-            <a:r>
-              <a:rPr lang="de-DE" sz="1400" dirty="0">
-                <a:hlinkClick r:id="rId14"/>
-              </a:rPr>
-              <a:t>PHP: </a:t>
-            </a:r>
-            <a:r>
-              <a:rPr lang="de-DE" sz="1400" dirty="0" err="1">
-                <a:hlinkClick r:id="rId14"/>
-              </a:rPr>
-              <a:t>array_sum</a:t>
-            </a:r>
-            <a:r>
-              <a:rPr lang="de-DE" sz="1400" dirty="0">
-                <a:hlinkClick r:id="rId14"/>
-              </a:rPr>
-              <a:t> – Manual</a:t>
-            </a:r>
-            <a:endParaRPr lang="de-DE" sz="1400" dirty="0">
-              <a:solidFill>
-                <a:srgbClr val="24292E"/>
-              </a:solidFill>
-              <a:latin typeface="-apple-system"/>
-            </a:endParaRPr>
-          </a:p>
-          <a:p>
-            <a:pPr marL="285750" indent="-285750" algn="l">
-              <a:lnSpc>
-                <a:spcPct val="150000"/>
-              </a:lnSpc>
-              <a:buFont typeface="Arial" panose="020B0604020202020204" pitchFamily="34" charset="0"/>
-              <a:buChar char="•"/>
-            </a:pPr>
-            <a:r>
-              <a:rPr lang="de-DE" sz="1400" dirty="0">
-                <a:hlinkClick r:id="rId15"/>
-              </a:rPr>
-              <a:t>Passing PHP Variables </a:t>
-            </a:r>
-            <a:r>
-              <a:rPr lang="de-DE" sz="1400" dirty="0" err="1">
-                <a:hlinkClick r:id="rId15"/>
-              </a:rPr>
-              <a:t>to</a:t>
-            </a:r>
-            <a:r>
-              <a:rPr lang="de-DE" sz="1400" dirty="0">
-                <a:hlinkClick r:id="rId15"/>
-              </a:rPr>
-              <a:t> JavaScript (dyn-web.com)</a:t>
-            </a:r>
-            <a:endParaRPr lang="de-DE" sz="1400" b="0" i="0" dirty="0">
-              <a:solidFill>
-                <a:srgbClr val="24292E"/>
-              </a:solidFill>
-              <a:effectLst/>
-              <a:latin typeface="-apple-system"/>
-            </a:endParaRPr>
-          </a:p>
-          <a:p>
-            <a:pPr algn="l"/>
-            <a:endParaRPr lang="de-DE" b="0" i="0" u="none" strike="noStrike" dirty="0">
-              <a:solidFill>
-                <a:srgbClr val="24292E"/>
-              </a:solidFill>
-              <a:effectLst/>
-              <a:latin typeface="-apple-system"/>
-            </a:endParaRPr>
-          </a:p>
-          <a:p>
-            <a:pPr algn="l"/>
-            <a:endParaRPr lang="de-DE" b="0" i="0" dirty="0">
-              <a:solidFill>
-                <a:srgbClr val="24292E"/>
-              </a:solidFill>
-              <a:effectLst/>
-              <a:latin typeface="-apple-system"/>
-            </a:endParaRPr>
-          </a:p>
-        </p:txBody>
-      </p:sp>
-      <p:sp>
-        <p:nvSpPr>
-          <p:cNvPr id="5" name="Foliennummernplatzhalter 4">
-            <a:extLst>
-              <a:ext uri="{FF2B5EF4-FFF2-40B4-BE49-F238E27FC236}">
-                <a16:creationId xmlns:a16="http://schemas.microsoft.com/office/drawing/2014/main" id="{1BB62189-938C-4C7C-BA89-B2D315856415}"/>
-              </a:ext>
-            </a:extLst>
-          </p:cNvPr>
-          <p:cNvSpPr>
-            <a:spLocks noGrp="1"/>
-          </p:cNvSpPr>
-          <p:nvPr>
-            <p:ph type="sldNum" sz="quarter" idx="12"/>
-          </p:nvPr>
-        </p:nvSpPr>
-        <p:spPr/>
-        <p:txBody>
-          <a:bodyPr/>
-          <a:lstStyle/>
-          <a:p>
-            <a:pPr rtl="0"/>
-            <a:fld id="{3A98EE3D-8CD1-4C3F-BD1C-C98C9596463C}" type="slidenum">
-              <a:rPr lang="en-US" smtClean="0"/>
-              <a:t>20</a:t>
-            </a:fld>
-            <a:endParaRPr lang="en-US" dirty="0"/>
+              <a:t> unter Wiki. </a:t>
+            </a:r>
           </a:p>
         </p:txBody>
       </p:sp>
     </p:spTree>
     <p:extLst>
       <p:ext uri="{BB962C8B-B14F-4D97-AF65-F5344CB8AC3E}">
-        <p14:creationId xmlns:p14="http://schemas.microsoft.com/office/powerpoint/2010/main" val="873189558"/>
+        <p14:creationId xmlns:p14="http://schemas.microsoft.com/office/powerpoint/2010/main" val="45970498"/>
       </p:ext>
     </p:extLst>
   </p:cSld>
@@ -9443,7 +11460,7 @@
 </p:sld>
 </file>
 
-<file path=ppt/slides/slide21.xml><?xml version="1.0" encoding="utf-8"?>
+<file path=ppt/slides/slide30.xml><?xml version="1.0" encoding="utf-8"?>
 <p:sld xmlns:a="http://schemas.openxmlformats.org/drawingml/2006/main" xmlns:r="http://schemas.openxmlformats.org/officeDocument/2006/relationships" xmlns:p="http://schemas.openxmlformats.org/presentationml/2006/main">
   <p:cSld>
     <p:spTree>
@@ -9462,6 +11479,531 @@
       </p:grpSpPr>
       <p:sp>
         <p:nvSpPr>
+          <p:cNvPr id="2" name="Titel 1">
+            <a:extLst>
+              <a:ext uri="{FF2B5EF4-FFF2-40B4-BE49-F238E27FC236}">
+                <a16:creationId xmlns:a16="http://schemas.microsoft.com/office/drawing/2014/main" id="{1000917D-4547-48A6-84FB-F43EFC62703E}"/>
+              </a:ext>
+            </a:extLst>
+          </p:cNvPr>
+          <p:cNvSpPr>
+            <a:spLocks noGrp="1"/>
+          </p:cNvSpPr>
+          <p:nvPr>
+            <p:ph type="title"/>
+          </p:nvPr>
+        </p:nvSpPr>
+        <p:spPr/>
+        <p:txBody>
+          <a:bodyPr/>
+          <a:lstStyle/>
+          <a:p>
+            <a:r>
+              <a:rPr lang="de-DE" dirty="0"/>
+              <a:t>Quellen</a:t>
+            </a:r>
+          </a:p>
+        </p:txBody>
+      </p:sp>
+      <p:sp>
+        <p:nvSpPr>
+          <p:cNvPr id="4" name="Textfeld 3">
+            <a:extLst>
+              <a:ext uri="{FF2B5EF4-FFF2-40B4-BE49-F238E27FC236}">
+                <a16:creationId xmlns:a16="http://schemas.microsoft.com/office/drawing/2014/main" id="{7A45CCCC-0A1D-47D4-AA93-208EE6D41258}"/>
+              </a:ext>
+            </a:extLst>
+          </p:cNvPr>
+          <p:cNvSpPr txBox="1"/>
+          <p:nvPr/>
+        </p:nvSpPr>
+        <p:spPr>
+          <a:xfrm>
+            <a:off x="1208868" y="1930262"/>
+            <a:ext cx="9946812" cy="4847481"/>
+          </a:xfrm>
+          <a:prstGeom prst="rect">
+            <a:avLst/>
+          </a:prstGeom>
+          <a:noFill/>
+        </p:spPr>
+        <p:txBody>
+          <a:bodyPr wrap="square" rtlCol="0">
+            <a:spAutoFit/>
+          </a:bodyPr>
+          <a:lstStyle/>
+          <a:p>
+            <a:pPr marL="285750" indent="-285750" algn="l">
+              <a:lnSpc>
+                <a:spcPct val="150000"/>
+              </a:lnSpc>
+              <a:buFont typeface="Arial" panose="020B0604020202020204" pitchFamily="34" charset="0"/>
+              <a:buChar char="•"/>
+            </a:pPr>
+            <a:r>
+              <a:rPr lang="de-DE" sz="1400" dirty="0">
+                <a:solidFill>
+                  <a:srgbClr val="24292E"/>
+                </a:solidFill>
+                <a:latin typeface="-apple-system"/>
+              </a:rPr>
+              <a:t> </a:t>
+            </a:r>
+            <a:r>
+              <a:rPr lang="de-DE" sz="1400" b="0" i="0" u="none" strike="noStrike" dirty="0">
+                <a:solidFill>
+                  <a:srgbClr val="24292E"/>
+                </a:solidFill>
+                <a:effectLst/>
+                <a:latin typeface="-apple-system"/>
+                <a:hlinkClick r:id="rId3"/>
+              </a:rPr>
+              <a:t>https://wiki.selfhtml.org/wiki/HTML/Formulare/input/button</a:t>
+            </a:r>
+            <a:endParaRPr lang="de-DE" sz="1400" dirty="0">
+              <a:solidFill>
+                <a:srgbClr val="24292E"/>
+              </a:solidFill>
+              <a:latin typeface="-apple-system"/>
+            </a:endParaRPr>
+          </a:p>
+          <a:p>
+            <a:pPr marL="285750" indent="-285750" algn="l">
+              <a:lnSpc>
+                <a:spcPct val="150000"/>
+              </a:lnSpc>
+              <a:buFont typeface="Arial" panose="020B0604020202020204" pitchFamily="34" charset="0"/>
+              <a:buChar char="•"/>
+            </a:pPr>
+            <a:r>
+              <a:rPr lang="de-DE" sz="1400" b="0" i="0" u="none" strike="noStrike" dirty="0">
+                <a:solidFill>
+                  <a:srgbClr val="24292E"/>
+                </a:solidFill>
+                <a:effectLst/>
+                <a:latin typeface="-apple-system"/>
+                <a:hlinkClick r:id="rId4"/>
+              </a:rPr>
+              <a:t>https://jsfiddle.net/red_stapler/wu3a0y6e/18/</a:t>
+            </a:r>
+            <a:endParaRPr lang="de-DE" sz="1400" dirty="0">
+              <a:solidFill>
+                <a:srgbClr val="24292E"/>
+              </a:solidFill>
+              <a:latin typeface="-apple-system"/>
+            </a:endParaRPr>
+          </a:p>
+          <a:p>
+            <a:pPr marL="285750" indent="-285750" algn="l">
+              <a:lnSpc>
+                <a:spcPct val="150000"/>
+              </a:lnSpc>
+              <a:buFont typeface="Arial" panose="020B0604020202020204" pitchFamily="34" charset="0"/>
+              <a:buChar char="•"/>
+            </a:pPr>
+            <a:r>
+              <a:rPr lang="de-DE" sz="1400" b="0" i="0" u="none" strike="noStrike" dirty="0">
+                <a:solidFill>
+                  <a:srgbClr val="24292E"/>
+                </a:solidFill>
+                <a:effectLst/>
+                <a:latin typeface="-apple-system"/>
+                <a:hlinkClick r:id="rId5"/>
+              </a:rPr>
+              <a:t>http://microbuilder.io/blog/2016/01/10/plotting-json-data-with-chart-js.html</a:t>
+            </a:r>
+            <a:endParaRPr lang="de-DE" sz="1400" dirty="0">
+              <a:solidFill>
+                <a:srgbClr val="24292E"/>
+              </a:solidFill>
+              <a:latin typeface="-apple-system"/>
+            </a:endParaRPr>
+          </a:p>
+          <a:p>
+            <a:pPr marL="285750" indent="-285750" algn="l">
+              <a:lnSpc>
+                <a:spcPct val="150000"/>
+              </a:lnSpc>
+              <a:buFont typeface="Arial" panose="020B0604020202020204" pitchFamily="34" charset="0"/>
+              <a:buChar char="•"/>
+            </a:pPr>
+            <a:r>
+              <a:rPr lang="de-DE" sz="1400" b="0" i="0" u="none" strike="noStrike" dirty="0">
+                <a:solidFill>
+                  <a:srgbClr val="24292E"/>
+                </a:solidFill>
+                <a:effectLst/>
+                <a:latin typeface="-apple-system"/>
+                <a:hlinkClick r:id="rId6"/>
+              </a:rPr>
+              <a:t>https://www.youtube.com/watch?v=NwgKh_QTKE0</a:t>
+            </a:r>
+            <a:endParaRPr lang="de-DE" sz="1400" dirty="0">
+              <a:solidFill>
+                <a:srgbClr val="24292E"/>
+              </a:solidFill>
+              <a:latin typeface="-apple-system"/>
+            </a:endParaRPr>
+          </a:p>
+          <a:p>
+            <a:pPr marL="285750" indent="-285750" algn="l">
+              <a:lnSpc>
+                <a:spcPct val="150000"/>
+              </a:lnSpc>
+              <a:buFont typeface="Arial" panose="020B0604020202020204" pitchFamily="34" charset="0"/>
+              <a:buChar char="•"/>
+            </a:pPr>
+            <a:r>
+              <a:rPr lang="de-DE" sz="1400" b="0" i="0" u="none" strike="noStrike" dirty="0">
+                <a:solidFill>
+                  <a:srgbClr val="24292E"/>
+                </a:solidFill>
+                <a:effectLst/>
+                <a:latin typeface="-apple-system"/>
+                <a:hlinkClick r:id="rId7"/>
+              </a:rPr>
+              <a:t>https://canvasjs.com/html5-javascript-spline-chart/</a:t>
+            </a:r>
+            <a:endParaRPr lang="de-DE" sz="1400" dirty="0">
+              <a:solidFill>
+                <a:srgbClr val="24292E"/>
+              </a:solidFill>
+              <a:latin typeface="-apple-system"/>
+            </a:endParaRPr>
+          </a:p>
+          <a:p>
+            <a:pPr marL="285750" indent="-285750" algn="l">
+              <a:lnSpc>
+                <a:spcPct val="150000"/>
+              </a:lnSpc>
+              <a:buFont typeface="Arial" panose="020B0604020202020204" pitchFamily="34" charset="0"/>
+              <a:buChar char="•"/>
+            </a:pPr>
+            <a:r>
+              <a:rPr lang="de-DE" sz="1400" dirty="0">
+                <a:solidFill>
+                  <a:srgbClr val="24292E"/>
+                </a:solidFill>
+                <a:latin typeface="-apple-system"/>
+                <a:hlinkClick r:id="rId8"/>
+              </a:rPr>
+              <a:t>https://canvasjs.com/html5-javascript-line-chart/</a:t>
+            </a:r>
+            <a:endParaRPr lang="de-DE" sz="1400" dirty="0">
+              <a:solidFill>
+                <a:srgbClr val="24292E"/>
+              </a:solidFill>
+              <a:latin typeface="-apple-system"/>
+            </a:endParaRPr>
+          </a:p>
+          <a:p>
+            <a:pPr marL="285750" indent="-285750" algn="l">
+              <a:lnSpc>
+                <a:spcPct val="150000"/>
+              </a:lnSpc>
+              <a:buFont typeface="Arial" panose="020B0604020202020204" pitchFamily="34" charset="0"/>
+              <a:buChar char="•"/>
+            </a:pPr>
+            <a:r>
+              <a:rPr lang="de-DE" sz="1400" b="0" i="0" u="none" strike="noStrike" dirty="0">
+                <a:solidFill>
+                  <a:srgbClr val="24292E"/>
+                </a:solidFill>
+                <a:effectLst/>
+                <a:latin typeface="-apple-system"/>
+                <a:hlinkClick r:id="rId9"/>
+              </a:rPr>
+              <a:t>https://canvasjs.com/docs/charts/basics-of-creating-html5-chart/updating-chart-options/</a:t>
+            </a:r>
+            <a:endParaRPr lang="de-DE" sz="1400" dirty="0">
+              <a:solidFill>
+                <a:srgbClr val="24292E"/>
+              </a:solidFill>
+              <a:latin typeface="-apple-system"/>
+            </a:endParaRPr>
+          </a:p>
+          <a:p>
+            <a:pPr marL="285750" indent="-285750" algn="l">
+              <a:lnSpc>
+                <a:spcPct val="150000"/>
+              </a:lnSpc>
+              <a:buFont typeface="Arial" panose="020B0604020202020204" pitchFamily="34" charset="0"/>
+              <a:buChar char="•"/>
+            </a:pPr>
+            <a:r>
+              <a:rPr lang="de-DE" sz="1400" b="0" i="0" u="none" strike="noStrike" dirty="0">
+                <a:solidFill>
+                  <a:srgbClr val="24292E"/>
+                </a:solidFill>
+                <a:effectLst/>
+                <a:latin typeface="-apple-system"/>
+                <a:hlinkClick r:id="rId10"/>
+              </a:rPr>
+              <a:t>https://canvasjs.com/docs/charts/methods/dataseries/addto/</a:t>
+            </a:r>
+            <a:endParaRPr lang="de-DE" sz="1400" dirty="0">
+              <a:solidFill>
+                <a:srgbClr val="24292E"/>
+              </a:solidFill>
+              <a:latin typeface="-apple-system"/>
+            </a:endParaRPr>
+          </a:p>
+          <a:p>
+            <a:pPr marL="285750" indent="-285750" algn="l">
+              <a:lnSpc>
+                <a:spcPct val="150000"/>
+              </a:lnSpc>
+              <a:buFont typeface="Arial" panose="020B0604020202020204" pitchFamily="34" charset="0"/>
+              <a:buChar char="•"/>
+            </a:pPr>
+            <a:r>
+              <a:rPr lang="de-DE" sz="1400" b="0" i="0" u="none" strike="noStrike" dirty="0">
+                <a:solidFill>
+                  <a:srgbClr val="24292E"/>
+                </a:solidFill>
+                <a:effectLst/>
+                <a:latin typeface="-apple-system"/>
+                <a:hlinkClick r:id="rId11"/>
+              </a:rPr>
+              <a:t>https://www.gesundheit.gv.at/leben/ernaehrung/info/fluessigkeitsbedarf</a:t>
+            </a:r>
+            <a:endParaRPr lang="de-DE" sz="1400" b="0" i="0" u="none" strike="noStrike" dirty="0">
+              <a:solidFill>
+                <a:srgbClr val="24292E"/>
+              </a:solidFill>
+              <a:effectLst/>
+              <a:latin typeface="-apple-system"/>
+            </a:endParaRPr>
+          </a:p>
+          <a:p>
+            <a:pPr marL="285750" indent="-285750" algn="l">
+              <a:lnSpc>
+                <a:spcPct val="150000"/>
+              </a:lnSpc>
+              <a:buFont typeface="Arial" panose="020B0604020202020204" pitchFamily="34" charset="0"/>
+              <a:buChar char="•"/>
+            </a:pPr>
+            <a:r>
+              <a:rPr lang="de-DE" sz="1400" dirty="0">
+                <a:hlinkClick r:id="rId12"/>
+              </a:rPr>
+              <a:t>PHP </a:t>
+            </a:r>
+            <a:r>
+              <a:rPr lang="de-DE" sz="1400" dirty="0" err="1">
+                <a:hlinkClick r:id="rId12"/>
+              </a:rPr>
+              <a:t>MySQLi</a:t>
+            </a:r>
+            <a:r>
+              <a:rPr lang="de-DE" sz="1400" dirty="0">
+                <a:hlinkClick r:id="rId12"/>
+              </a:rPr>
+              <a:t> Einleitung - Dev-Tek.de (dev-tek.de)</a:t>
+            </a:r>
+            <a:endParaRPr lang="de-DE" sz="1400" dirty="0">
+              <a:solidFill>
+                <a:srgbClr val="24292E"/>
+              </a:solidFill>
+              <a:latin typeface="-apple-system"/>
+            </a:endParaRPr>
+          </a:p>
+          <a:p>
+            <a:pPr marL="285750" indent="-285750" algn="l">
+              <a:lnSpc>
+                <a:spcPct val="150000"/>
+              </a:lnSpc>
+              <a:buFont typeface="Arial" panose="020B0604020202020204" pitchFamily="34" charset="0"/>
+              <a:buChar char="•"/>
+            </a:pPr>
+            <a:r>
+              <a:rPr lang="en-US" sz="1400" dirty="0">
+                <a:hlinkClick r:id="rId13"/>
+              </a:rPr>
+              <a:t>PHP: </a:t>
+            </a:r>
+            <a:r>
+              <a:rPr lang="en-US" sz="1400" dirty="0" err="1">
+                <a:hlinkClick r:id="rId13"/>
+              </a:rPr>
+              <a:t>mysqli_result</a:t>
+            </a:r>
+            <a:r>
+              <a:rPr lang="en-US" sz="1400" dirty="0">
+                <a:hlinkClick r:id="rId13"/>
+              </a:rPr>
+              <a:t>::</a:t>
+            </a:r>
+            <a:r>
+              <a:rPr lang="en-US" sz="1400" dirty="0" err="1">
+                <a:hlinkClick r:id="rId13"/>
+              </a:rPr>
+              <a:t>fetch_array</a:t>
+            </a:r>
+            <a:r>
+              <a:rPr lang="en-US" sz="1400" dirty="0">
+                <a:hlinkClick r:id="rId13"/>
+              </a:rPr>
+              <a:t> – Manual</a:t>
+            </a:r>
+            <a:endParaRPr lang="de-DE" sz="1400" dirty="0">
+              <a:solidFill>
+                <a:srgbClr val="24292E"/>
+              </a:solidFill>
+              <a:latin typeface="-apple-system"/>
+            </a:endParaRPr>
+          </a:p>
+          <a:p>
+            <a:pPr marL="285750" indent="-285750" algn="l">
+              <a:lnSpc>
+                <a:spcPct val="150000"/>
+              </a:lnSpc>
+              <a:buFont typeface="Arial" panose="020B0604020202020204" pitchFamily="34" charset="0"/>
+              <a:buChar char="•"/>
+            </a:pPr>
+            <a:r>
+              <a:rPr lang="de-DE" sz="1400" dirty="0">
+                <a:hlinkClick r:id="rId14"/>
+              </a:rPr>
+              <a:t>PHP: </a:t>
+            </a:r>
+            <a:r>
+              <a:rPr lang="de-DE" sz="1400" dirty="0" err="1">
+                <a:hlinkClick r:id="rId14"/>
+              </a:rPr>
+              <a:t>array_sum</a:t>
+            </a:r>
+            <a:r>
+              <a:rPr lang="de-DE" sz="1400" dirty="0">
+                <a:hlinkClick r:id="rId14"/>
+              </a:rPr>
+              <a:t> – Manual</a:t>
+            </a:r>
+            <a:endParaRPr lang="de-DE" sz="1400" dirty="0">
+              <a:solidFill>
+                <a:srgbClr val="24292E"/>
+              </a:solidFill>
+              <a:latin typeface="-apple-system"/>
+            </a:endParaRPr>
+          </a:p>
+          <a:p>
+            <a:pPr marL="285750" indent="-285750" algn="l">
+              <a:lnSpc>
+                <a:spcPct val="150000"/>
+              </a:lnSpc>
+              <a:buFont typeface="Arial" panose="020B0604020202020204" pitchFamily="34" charset="0"/>
+              <a:buChar char="•"/>
+            </a:pPr>
+            <a:r>
+              <a:rPr lang="de-DE" sz="1400" dirty="0">
+                <a:hlinkClick r:id="rId15"/>
+              </a:rPr>
+              <a:t>Passing PHP Variables </a:t>
+            </a:r>
+            <a:r>
+              <a:rPr lang="de-DE" sz="1400" dirty="0" err="1">
+                <a:hlinkClick r:id="rId15"/>
+              </a:rPr>
+              <a:t>to</a:t>
+            </a:r>
+            <a:r>
+              <a:rPr lang="de-DE" sz="1400" dirty="0">
+                <a:hlinkClick r:id="rId15"/>
+              </a:rPr>
+              <a:t> JavaScript (dyn-web.com)</a:t>
+            </a:r>
+            <a:endParaRPr lang="de-DE" sz="1400" b="0" i="0" dirty="0">
+              <a:solidFill>
+                <a:srgbClr val="24292E"/>
+              </a:solidFill>
+              <a:effectLst/>
+              <a:latin typeface="-apple-system"/>
+            </a:endParaRPr>
+          </a:p>
+          <a:p>
+            <a:pPr algn="l"/>
+            <a:endParaRPr lang="de-DE" b="0" i="0" u="none" strike="noStrike" dirty="0">
+              <a:solidFill>
+                <a:srgbClr val="24292E"/>
+              </a:solidFill>
+              <a:effectLst/>
+              <a:latin typeface="-apple-system"/>
+            </a:endParaRPr>
+          </a:p>
+          <a:p>
+            <a:pPr algn="l"/>
+            <a:endParaRPr lang="de-DE" b="0" i="0" dirty="0">
+              <a:solidFill>
+                <a:srgbClr val="24292E"/>
+              </a:solidFill>
+              <a:effectLst/>
+              <a:latin typeface="-apple-system"/>
+            </a:endParaRPr>
+          </a:p>
+        </p:txBody>
+      </p:sp>
+      <p:sp>
+        <p:nvSpPr>
+          <p:cNvPr id="5" name="Foliennummernplatzhalter 4">
+            <a:extLst>
+              <a:ext uri="{FF2B5EF4-FFF2-40B4-BE49-F238E27FC236}">
+                <a16:creationId xmlns:a16="http://schemas.microsoft.com/office/drawing/2014/main" id="{1BB62189-938C-4C7C-BA89-B2D315856415}"/>
+              </a:ext>
+            </a:extLst>
+          </p:cNvPr>
+          <p:cNvSpPr>
+            <a:spLocks noGrp="1"/>
+          </p:cNvSpPr>
+          <p:nvPr>
+            <p:ph type="sldNum" sz="quarter" idx="12"/>
+          </p:nvPr>
+        </p:nvSpPr>
+        <p:spPr/>
+        <p:txBody>
+          <a:bodyPr/>
+          <a:lstStyle/>
+          <a:p>
+            <a:pPr rtl="0"/>
+            <a:fld id="{3A98EE3D-8CD1-4C3F-BD1C-C98C9596463C}" type="slidenum">
+              <a:rPr lang="en-US" smtClean="0"/>
+              <a:t>30</a:t>
+            </a:fld>
+            <a:endParaRPr lang="en-US" dirty="0"/>
+          </a:p>
+        </p:txBody>
+      </p:sp>
+    </p:spTree>
+    <p:extLst>
+      <p:ext uri="{BB962C8B-B14F-4D97-AF65-F5344CB8AC3E}">
+        <p14:creationId xmlns:p14="http://schemas.microsoft.com/office/powerpoint/2010/main" val="873189558"/>
+      </p:ext>
+    </p:extLst>
+  </p:cSld>
+  <p:clrMapOvr>
+    <a:masterClrMapping/>
+  </p:clrMapOvr>
+</p:sld>
+</file>
+
+<file path=ppt/slides/slide31.xml><?xml version="1.0" encoding="utf-8"?>
+<p:sld xmlns:a="http://schemas.openxmlformats.org/drawingml/2006/main" xmlns:r="http://schemas.openxmlformats.org/officeDocument/2006/relationships" xmlns:p="http://schemas.openxmlformats.org/presentationml/2006/main">
+  <p:cSld>
+    <p:spTree>
+      <p:nvGrpSpPr>
+        <p:cNvPr id="1" name=""/>
+        <p:cNvGrpSpPr/>
+        <p:nvPr/>
+      </p:nvGrpSpPr>
+      <p:grpSpPr>
+        <a:xfrm>
+          <a:off x="0" y="0"/>
+          <a:ext cx="0" cy="0"/>
+          <a:chOff x="0" y="0"/>
+          <a:chExt cx="0" cy="0"/>
+        </a:xfrm>
+      </p:grpSpPr>
+      <p:sp>
+        <p:nvSpPr>
           <p:cNvPr id="3" name="Titel 2">
             <a:extLst>
               <a:ext uri="{FF2B5EF4-FFF2-40B4-BE49-F238E27FC236}">
@@ -9555,7 +12097,7 @@
             <a:pPr rtl="0"/>
             <a:fld id="{3A98EE3D-8CD1-4C3F-BD1C-C98C9596463C}" type="slidenum">
               <a:rPr lang="en-US" smtClean="0"/>
-              <a:t>21</a:t>
+              <a:t>31</a:t>
             </a:fld>
             <a:endParaRPr lang="en-US" dirty="0"/>
           </a:p>
@@ -9683,147 +12225,6 @@
 </p:sld>
 </file>
 
-<file path=ppt/slides/slide3.xml><?xml version="1.0" encoding="utf-8"?>
-<p:sld xmlns:a="http://schemas.openxmlformats.org/drawingml/2006/main" xmlns:r="http://schemas.openxmlformats.org/officeDocument/2006/relationships" xmlns:p="http://schemas.openxmlformats.org/presentationml/2006/main">
-  <p:cSld>
-    <p:spTree>
-      <p:nvGrpSpPr>
-        <p:cNvPr id="1" name=""/>
-        <p:cNvGrpSpPr/>
-        <p:nvPr/>
-      </p:nvGrpSpPr>
-      <p:grpSpPr>
-        <a:xfrm>
-          <a:off x="0" y="0"/>
-          <a:ext cx="0" cy="0"/>
-          <a:chOff x="0" y="0"/>
-          <a:chExt cx="0" cy="0"/>
-        </a:xfrm>
-      </p:grpSpPr>
-      <p:sp>
-        <p:nvSpPr>
-          <p:cNvPr id="2" name="Titel 1">
-            <a:extLst>
-              <a:ext uri="{FF2B5EF4-FFF2-40B4-BE49-F238E27FC236}">
-                <a16:creationId xmlns:a16="http://schemas.microsoft.com/office/drawing/2014/main" id="{492E36D4-F4B4-468C-A22F-C0B64D0DC470}"/>
-              </a:ext>
-            </a:extLst>
-          </p:cNvPr>
-          <p:cNvSpPr>
-            <a:spLocks noGrp="1"/>
-          </p:cNvSpPr>
-          <p:nvPr>
-            <p:ph type="title"/>
-          </p:nvPr>
-        </p:nvSpPr>
-        <p:spPr/>
-        <p:txBody>
-          <a:bodyPr/>
-          <a:lstStyle/>
-          <a:p>
-            <a:r>
-              <a:rPr lang="de-DE" dirty="0">
-                <a:cs typeface="Times New Roman" panose="02020603050405020304" pitchFamily="18" charset="0"/>
-              </a:rPr>
-              <a:t>Vermerk:</a:t>
-            </a:r>
-          </a:p>
-        </p:txBody>
-      </p:sp>
-      <p:sp>
-        <p:nvSpPr>
-          <p:cNvPr id="3" name="Foliennummernplatzhalter 2">
-            <a:extLst>
-              <a:ext uri="{FF2B5EF4-FFF2-40B4-BE49-F238E27FC236}">
-                <a16:creationId xmlns:a16="http://schemas.microsoft.com/office/drawing/2014/main" id="{A4034147-4E4F-45E6-AEBD-DC5BBF65CC82}"/>
-              </a:ext>
-            </a:extLst>
-          </p:cNvPr>
-          <p:cNvSpPr>
-            <a:spLocks noGrp="1"/>
-          </p:cNvSpPr>
-          <p:nvPr>
-            <p:ph type="sldNum" sz="quarter" idx="12"/>
-          </p:nvPr>
-        </p:nvSpPr>
-        <p:spPr/>
-        <p:txBody>
-          <a:bodyPr/>
-          <a:lstStyle/>
-          <a:p>
-            <a:pPr rtl="0"/>
-            <a:fld id="{3A98EE3D-8CD1-4C3F-BD1C-C98C9596463C}" type="slidenum">
-              <a:rPr lang="en-US" smtClean="0"/>
-              <a:t>3</a:t>
-            </a:fld>
-            <a:endParaRPr lang="en-US" dirty="0"/>
-          </a:p>
-        </p:txBody>
-      </p:sp>
-      <p:sp>
-        <p:nvSpPr>
-          <p:cNvPr id="5" name="Textfeld 4">
-            <a:extLst>
-              <a:ext uri="{FF2B5EF4-FFF2-40B4-BE49-F238E27FC236}">
-                <a16:creationId xmlns:a16="http://schemas.microsoft.com/office/drawing/2014/main" id="{DB63D29E-4337-4C4F-B124-969A5AA18458}"/>
-              </a:ext>
-            </a:extLst>
-          </p:cNvPr>
-          <p:cNvSpPr txBox="1"/>
-          <p:nvPr/>
-        </p:nvSpPr>
-        <p:spPr>
-          <a:xfrm>
-            <a:off x="1097280" y="3076435"/>
-            <a:ext cx="10058400" cy="830997"/>
-          </a:xfrm>
-          <a:prstGeom prst="rect">
-            <a:avLst/>
-          </a:prstGeom>
-          <a:noFill/>
-        </p:spPr>
-        <p:txBody>
-          <a:bodyPr wrap="square" rtlCol="0">
-            <a:spAutoFit/>
-          </a:bodyPr>
-          <a:lstStyle/>
-          <a:p>
-            <a:pPr algn="ctr"/>
-            <a:r>
-              <a:rPr lang="de-DE" sz="2400" dirty="0">
-                <a:latin typeface="-apple-system"/>
-              </a:rPr>
-              <a:t>Alle Artefakte mit Begründungen befinden sich auch noch einmal auf unserem GitHub </a:t>
-            </a:r>
-            <a:r>
-              <a:rPr lang="de-DE" sz="2400" dirty="0">
-                <a:latin typeface="-apple-system"/>
-                <a:hlinkClick r:id="rId2"/>
-              </a:rPr>
-              <a:t>Kplacken/EPWS2020SerttasPlackenhohn</a:t>
-            </a:r>
-            <a:r>
-              <a:rPr lang="de-DE" sz="2400" dirty="0">
-                <a:latin typeface="-apple-system"/>
-              </a:rPr>
-              <a:t> unter Wiki. </a:t>
-            </a:r>
-          </a:p>
-        </p:txBody>
-      </p:sp>
-    </p:spTree>
-    <p:extLst>
-      <p:ext uri="{BB962C8B-B14F-4D97-AF65-F5344CB8AC3E}">
-        <p14:creationId xmlns:p14="http://schemas.microsoft.com/office/powerpoint/2010/main" val="45970498"/>
-      </p:ext>
-    </p:extLst>
-  </p:cSld>
-  <p:clrMapOvr>
-    <a:masterClrMapping/>
-  </p:clrMapOvr>
-</p:sld>
-</file>
-
 <file path=ppt/slides/slide4.xml><?xml version="1.0" encoding="utf-8"?>
 <p:sld xmlns:a="http://schemas.openxmlformats.org/drawingml/2006/main" xmlns:r="http://schemas.openxmlformats.org/officeDocument/2006/relationships" xmlns:p="http://schemas.openxmlformats.org/presentationml/2006/main">
   <p:cSld>
@@ -9895,7 +12296,7 @@
         </p:spPr>
         <p:txBody>
           <a:bodyPr>
-            <a:normAutofit/>
+            <a:normAutofit fontScale="92500" lnSpcReduction="10000"/>
           </a:bodyPr>
           <a:lstStyle/>
           <a:p>
@@ -9938,6 +12339,18 @@
                 <a:latin typeface="-apple-system"/>
               </a:rPr>
               <a:t>Coding</a:t>
+            </a:r>
+          </a:p>
+          <a:p>
+            <a:pPr marL="457200" indent="-457200">
+              <a:buFont typeface="+mj-lt"/>
+              <a:buAutoNum type="arabicPeriod"/>
+            </a:pPr>
+            <a:r>
+              <a:rPr lang="de-DE" dirty="0">
+                <a:latin typeface="-apple-system"/>
+              </a:rPr>
+              <a:t>Auswertung/ Verlauf</a:t>
             </a:r>
           </a:p>
           <a:p>
@@ -10413,42 +12826,6 @@
           </a:p>
         </p:txBody>
       </p:sp>
-      <p:pic>
-        <p:nvPicPr>
-          <p:cNvPr id="6" name="Grafik 5">
-            <a:extLst>
-              <a:ext uri="{FF2B5EF4-FFF2-40B4-BE49-F238E27FC236}">
-                <a16:creationId xmlns:a16="http://schemas.microsoft.com/office/drawing/2014/main" id="{B2A18E4F-7DBA-480E-8B38-CF231DCE7287}"/>
-              </a:ext>
-            </a:extLst>
-          </p:cNvPr>
-          <p:cNvPicPr>
-            <a:picLocks noChangeAspect="1"/>
-          </p:cNvPicPr>
-          <p:nvPr/>
-        </p:nvPicPr>
-        <p:blipFill rotWithShape="1">
-          <a:blip r:embed="rId2">
-            <a:extLst>
-              <a:ext uri="{28A0092B-C50C-407E-A947-70E740481C1C}">
-                <a14:useLocalDpi xmlns:a14="http://schemas.microsoft.com/office/drawing/2010/main" val="0"/>
-              </a:ext>
-            </a:extLst>
-          </a:blip>
-          <a:srcRect l="5069" t="3458" r="1785" b="8180"/>
-          <a:stretch/>
-        </p:blipFill>
-        <p:spPr>
-          <a:xfrm>
-            <a:off x="4661207" y="1489718"/>
-            <a:ext cx="7518917" cy="4154820"/>
-          </a:xfrm>
-          <a:prstGeom prst="rect">
-            <a:avLst/>
-          </a:prstGeom>
-          <a:noFill/>
-        </p:spPr>
-      </p:pic>
       <p:sp>
         <p:nvSpPr>
           <p:cNvPr id="11" name="Text Placeholder 3">
@@ -10531,6 +12908,41 @@
           </a:p>
         </p:txBody>
       </p:sp>
+      <p:pic>
+        <p:nvPicPr>
+          <p:cNvPr id="5" name="Grafik 4">
+            <a:extLst>
+              <a:ext uri="{FF2B5EF4-FFF2-40B4-BE49-F238E27FC236}">
+                <a16:creationId xmlns:a16="http://schemas.microsoft.com/office/drawing/2014/main" id="{EE7CECD2-5B96-48EA-88A0-887D3BB3ADF4}"/>
+              </a:ext>
+            </a:extLst>
+          </p:cNvPr>
+          <p:cNvPicPr>
+            <a:picLocks noChangeAspect="1"/>
+          </p:cNvPicPr>
+          <p:nvPr/>
+        </p:nvPicPr>
+        <p:blipFill rotWithShape="1">
+          <a:blip r:embed="rId2">
+            <a:extLst>
+              <a:ext uri="{28A0092B-C50C-407E-A947-70E740481C1C}">
+                <a14:useLocalDpi xmlns:a14="http://schemas.microsoft.com/office/drawing/2010/main" val="0"/>
+              </a:ext>
+            </a:extLst>
+          </a:blip>
+          <a:srcRect l="5389" t="2342" r="1336" b="2883"/>
+          <a:stretch/>
+        </p:blipFill>
+        <p:spPr>
+          <a:xfrm>
+            <a:off x="4670855" y="843649"/>
+            <a:ext cx="7521146" cy="5207604"/>
+          </a:xfrm>
+          <a:prstGeom prst="rect">
+            <a:avLst/>
+          </a:prstGeom>
+        </p:spPr>
+      </p:pic>
     </p:spTree>
     <p:extLst>
       <p:ext uri="{BB962C8B-B14F-4D97-AF65-F5344CB8AC3E}">
@@ -10740,7 +13152,7 @@
           <a:p>
             <a:r>
               <a:rPr lang="de-DE" sz="7400" dirty="0"/>
-              <a:t>Datenbank</a:t>
+              <a:t>Auswertung/ Verlauf</a:t>
             </a:r>
           </a:p>
         </p:txBody>
@@ -10848,7 +13260,7 @@
     </p:spTree>
     <p:extLst>
       <p:ext uri="{BB962C8B-B14F-4D97-AF65-F5344CB8AC3E}">
-        <p14:creationId xmlns:p14="http://schemas.microsoft.com/office/powerpoint/2010/main" val="4172179416"/>
+        <p14:creationId xmlns:p14="http://schemas.microsoft.com/office/powerpoint/2010/main" val="2749553653"/>
       </p:ext>
     </p:extLst>
   </p:cSld>

--- a/Audits/Audit 4/WS2020_SerttasPlackenhohn_Audit4.pptx
+++ b/Audits/Audit 4/WS2020_SerttasPlackenhohn_Audit4.pptx
@@ -247,7 +247,7 @@
             <a:pPr rtl="0"/>
             <a:fld id="{AD9CF9D3-F210-41C6-99D4-BFF6B4BA81BD}" type="datetime1">
               <a:rPr lang="de-DE" smtClean="0"/>
-              <a:t>18.02.2021</a:t>
+              <a:t>19.02.2021</a:t>
             </a:fld>
             <a:endParaRPr lang="en-US" dirty="0"/>
           </a:p>
@@ -417,7 +417,7 @@
             <a:pPr rtl="0"/>
             <a:fld id="{2FFCA530-3DC9-43D3-93A9-C974C34E1DD6}" type="datetime1">
               <a:rPr lang="de-DE" smtClean="0"/>
-              <a:t>18.02.2021</a:t>
+              <a:t>19.02.2021</a:t>
             </a:fld>
             <a:endParaRPr lang="en-US"/>
           </a:p>
@@ -756,7 +756,7 @@
             <a:pPr rtl="0"/>
             <a:fld id="{88DACA00-B485-48AE-971E-CC6E1280CD66}" type="datetime1">
               <a:rPr lang="de-DE" smtClean="0"/>
-              <a:t>18.02.2021</a:t>
+              <a:t>19.02.2021</a:t>
             </a:fld>
             <a:endParaRPr lang="en-US"/>
           </a:p>
@@ -863,9 +863,9 @@
           <a:lstStyle/>
           <a:p>
             <a:pPr rtl="0"/>
-            <a:fld id="{2FFCA530-3DC9-43D3-93A9-C974C34E1DD6}" type="datetime1">
+            <a:fld id="{7DA48DE9-247B-4EBD-A14B-36988774F377}" type="datetime1">
               <a:rPr lang="de-DE" smtClean="0"/>
-              <a:t>18.02.2021</a:t>
+              <a:t>19.02.2021</a:t>
             </a:fld>
             <a:endParaRPr lang="en-US"/>
           </a:p>
@@ -889,7 +889,7 @@
             <a:pPr rtl="0"/>
             <a:fld id="{9C2B151B-D7D1-48E5-8230-5AADBC794F88}" type="slidenum">
               <a:rPr lang="en-US" smtClean="0"/>
-              <a:t>23</a:t>
+              <a:t>13</a:t>
             </a:fld>
             <a:endParaRPr lang="en-US"/>
           </a:p>
@@ -898,7 +898,7 @@
     </p:spTree>
     <p:extLst>
       <p:ext uri="{BB962C8B-B14F-4D97-AF65-F5344CB8AC3E}">
-        <p14:creationId xmlns:p14="http://schemas.microsoft.com/office/powerpoint/2010/main" val="992739036"/>
+        <p14:creationId xmlns:p14="http://schemas.microsoft.com/office/powerpoint/2010/main" val="1348172016"/>
       </p:ext>
     </p:extLst>
   </p:cSld>
@@ -952,7 +952,17 @@
           <a:bodyPr/>
           <a:lstStyle/>
           <a:p>
-            <a:endParaRPr lang="de-DE" dirty="0"/>
+            <a:r>
+              <a:rPr lang="de-DE" dirty="0"/>
+              <a:t>Hier sieht man das ER-Diagramm für die monatliche Umfrage.</a:t>
+            </a:r>
+            <a:br>
+              <a:rPr lang="de-DE" dirty="0"/>
+            </a:br>
+            <a:r>
+              <a:rPr lang="de-DE" dirty="0"/>
+              <a:t>Das ER-Diagramm hilft uns bei der Umsetzung.</a:t>
+            </a:r>
           </a:p>
         </p:txBody>
       </p:sp>
@@ -972,9 +982,9 @@
           <a:lstStyle/>
           <a:p>
             <a:pPr rtl="0"/>
-            <a:fld id="{7DA48DE9-247B-4EBD-A14B-36988774F377}" type="datetime1">
+            <a:fld id="{2FFCA530-3DC9-43D3-93A9-C974C34E1DD6}" type="datetime1">
               <a:rPr lang="de-DE" smtClean="0"/>
-              <a:t>18.02.2021</a:t>
+              <a:t>19.02.2021</a:t>
             </a:fld>
             <a:endParaRPr lang="en-US"/>
           </a:p>
@@ -998,7 +1008,7 @@
             <a:pPr rtl="0"/>
             <a:fld id="{9C2B151B-D7D1-48E5-8230-5AADBC794F88}" type="slidenum">
               <a:rPr lang="en-US" smtClean="0"/>
-              <a:t>26</a:t>
+              <a:t>14</a:t>
             </a:fld>
             <a:endParaRPr lang="en-US"/>
           </a:p>
@@ -1007,7 +1017,7 @@
     </p:spTree>
     <p:extLst>
       <p:ext uri="{BB962C8B-B14F-4D97-AF65-F5344CB8AC3E}">
-        <p14:creationId xmlns:p14="http://schemas.microsoft.com/office/powerpoint/2010/main" val="3240579109"/>
+        <p14:creationId xmlns:p14="http://schemas.microsoft.com/office/powerpoint/2010/main" val="1975399380"/>
       </p:ext>
     </p:extLst>
   </p:cSld>
@@ -1063,27 +1073,7 @@
           <a:p>
             <a:r>
               <a:rPr lang="de-DE" dirty="0"/>
-              <a:t>Da wir die Zielhierarchie überarbeitet haben und jetzt „Strategische Ziele“, „Taktische Ziele“ und „Operative Ziele“ haben, haben wir dies noch mal mit reingenommen. </a:t>
-            </a:r>
-          </a:p>
-          <a:p>
-            <a:r>
-              <a:rPr lang="de-DE" dirty="0"/>
-              <a:t>Mit den strategischen Zielen legen wir fest, was wir auf langfristiger Sicht erreichen möchten. </a:t>
-            </a:r>
-            <a:br>
-              <a:rPr lang="de-DE" dirty="0"/>
-            </a:br>
-            <a:r>
-              <a:rPr lang="de-DE" dirty="0"/>
-              <a:t>Mit den taktischen Zielen legen wir fest, wie die strategischen Ziele erreicht werden sollen.</a:t>
-            </a:r>
-            <a:br>
-              <a:rPr lang="de-DE" dirty="0"/>
-            </a:br>
-            <a:r>
-              <a:rPr lang="de-DE" dirty="0"/>
-              <a:t>Mit den operativen Zielen legen wir fest, wodurch wir unsere strategischen Ziele erreichen können.</a:t>
+              <a:t>Hier haben wir das ER-Diagramm in der Datenbank umgesetzt.</a:t>
             </a:r>
           </a:p>
         </p:txBody>
@@ -1104,9 +1094,9 @@
           <a:lstStyle/>
           <a:p>
             <a:pPr rtl="0"/>
-            <a:fld id="{920421C8-A15E-4073-98D7-7FDA934C0210}" type="datetime1">
+            <a:fld id="{2FFCA530-3DC9-43D3-93A9-C974C34E1DD6}" type="datetime1">
               <a:rPr lang="de-DE" smtClean="0"/>
-              <a:t>18.02.2021</a:t>
+              <a:t>19.02.2021</a:t>
             </a:fld>
             <a:endParaRPr lang="en-US"/>
           </a:p>
@@ -1130,7 +1120,7 @@
             <a:pPr rtl="0"/>
             <a:fld id="{9C2B151B-D7D1-48E5-8230-5AADBC794F88}" type="slidenum">
               <a:rPr lang="en-US" smtClean="0"/>
-              <a:t>27</a:t>
+              <a:t>15</a:t>
             </a:fld>
             <a:endParaRPr lang="en-US"/>
           </a:p>
@@ -1139,7 +1129,7 @@
     </p:spTree>
     <p:extLst>
       <p:ext uri="{BB962C8B-B14F-4D97-AF65-F5344CB8AC3E}">
-        <p14:creationId xmlns:p14="http://schemas.microsoft.com/office/powerpoint/2010/main" val="1085079460"/>
+        <p14:creationId xmlns:p14="http://schemas.microsoft.com/office/powerpoint/2010/main" val="3212896286"/>
       </p:ext>
     </p:extLst>
   </p:cSld>
@@ -1213,9 +1203,9 @@
           <a:lstStyle/>
           <a:p>
             <a:pPr rtl="0"/>
-            <a:fld id="{88DACA00-B485-48AE-971E-CC6E1280CD66}" type="datetime1">
+            <a:fld id="{2FFCA530-3DC9-43D3-93A9-C974C34E1DD6}" type="datetime1">
               <a:rPr lang="de-DE" smtClean="0"/>
-              <a:t>18.02.2021</a:t>
+              <a:t>19.02.2021</a:t>
             </a:fld>
             <a:endParaRPr lang="en-US"/>
           </a:p>
@@ -1239,7 +1229,7 @@
             <a:pPr rtl="0"/>
             <a:fld id="{9C2B151B-D7D1-48E5-8230-5AADBC794F88}" type="slidenum">
               <a:rPr lang="en-US" smtClean="0"/>
-              <a:t>28</a:t>
+              <a:t>16</a:t>
             </a:fld>
             <a:endParaRPr lang="en-US"/>
           </a:p>
@@ -1248,7 +1238,7 @@
     </p:spTree>
     <p:extLst>
       <p:ext uri="{BB962C8B-B14F-4D97-AF65-F5344CB8AC3E}">
-        <p14:creationId xmlns:p14="http://schemas.microsoft.com/office/powerpoint/2010/main" val="749225946"/>
+        <p14:creationId xmlns:p14="http://schemas.microsoft.com/office/powerpoint/2010/main" val="3059377493"/>
       </p:ext>
     </p:extLst>
   </p:cSld>
@@ -1302,45 +1292,38 @@
           <a:bodyPr/>
           <a:lstStyle/>
           <a:p>
+            <a:pPr marL="0" marR="0" lvl="0" indent="0" algn="l" defTabSz="914400" rtl="0" eaLnBrk="1" fontAlgn="auto" latinLnBrk="0" hangingPunct="1">
+              <a:lnSpc>
+                <a:spcPct val="100000"/>
+              </a:lnSpc>
+              <a:spcBef>
+                <a:spcPts val="0"/>
+              </a:spcBef>
+              <a:spcAft>
+                <a:spcPts val="0"/>
+              </a:spcAft>
+              <a:buClrTx/>
+              <a:buSzTx/>
+              <a:buFontTx/>
+              <a:buNone/>
+              <a:tabLst/>
+              <a:defRPr/>
+            </a:pPr>
             <a:r>
               <a:rPr lang="de-DE" dirty="0"/>
-              <a:t>Die Favoriten helfen den Endnutzer schneller auf seine Lieblings Apps und Übungen zuzugreifen.</a:t>
-            </a:r>
-          </a:p>
-          <a:p>
+              <a:t>Hier sieht man das ER-Diagramm für die tägliche Befragung.</a:t>
+            </a:r>
             <a:br>
               <a:rPr lang="de-DE" dirty="0"/>
             </a:br>
             <a:r>
               <a:rPr lang="de-DE" dirty="0"/>
-              <a:t>Es soll einen Kalender geben, in dem der Nutzer seine Termine eintragen kann. Ebenfalls kann eingestellt werden, ob er vorher an den Termin erinnert werden möchte (Minuten, Stunden, Tage).</a:t>
-            </a:r>
-          </a:p>
-          <a:p>
-            <a:r>
-              <a:rPr lang="de-DE" dirty="0"/>
-              <a:t>In dem Kalender sollen die Sonnenaufgangs und Sonnenuntergangs Zeiten hinterlegt werden, sowie die Mondphasen. Wenn der Endnutzer Probleme hat im hellen zu schlafen, kann er sich die Sonnenuntergangs und Sonnenaufgangszeiten ansehen und nach den Zeiten schlafen gehen. </a:t>
-            </a:r>
-            <a:br>
-              <a:rPr lang="de-DE" dirty="0"/>
-            </a:br>
-            <a:r>
-              <a:rPr lang="de-DE" dirty="0"/>
-              <a:t>Hat der Endnutzer Probleme bei Vollmond zu schlafen, kann er sich die Mondphasen in dem Kalender anzeigen lassen und sich auf die Nacht vorbereiten. </a:t>
+              <a:t>Das ER-Diagramm hilft uns bei der Umsetzung.</a:t>
             </a:r>
           </a:p>
           <a:p>
             <a:endParaRPr lang="de-DE" dirty="0"/>
           </a:p>
-          <a:p>
-            <a:r>
-              <a:rPr lang="de-DE" dirty="0"/>
-              <a:t>In der Auswertung werden verschiedene Punkte angezeigt, an den Tagen, an dem der Endnutzer an der Umfrage/ der Literangabe teilgenommen hat. Wenn man auf einen dieser Punkte klickt, soll sich der Endnutzer Notizen machen können. Wenn der Punkt von dem Endnutzer an dem Tag im unteren Bereich liegt, kann er sich z.B. Notizen dazu machen, warum er an dem Tag so viel Stress hatte.</a:t>
-            </a:r>
-          </a:p>
-          <a:p>
-            <a:endParaRPr lang="de-DE" dirty="0"/>
-          </a:p>
         </p:txBody>
       </p:sp>
       <p:sp>
@@ -1359,9 +1342,9 @@
           <a:lstStyle/>
           <a:p>
             <a:pPr rtl="0"/>
-            <a:fld id="{88DACA00-B485-48AE-971E-CC6E1280CD66}" type="datetime1">
+            <a:fld id="{2FFCA530-3DC9-43D3-93A9-C974C34E1DD6}" type="datetime1">
               <a:rPr lang="de-DE" smtClean="0"/>
-              <a:t>18.02.2021</a:t>
+              <a:t>19.02.2021</a:t>
             </a:fld>
             <a:endParaRPr lang="en-US"/>
           </a:p>
@@ -1385,7 +1368,7 @@
             <a:pPr rtl="0"/>
             <a:fld id="{9C2B151B-D7D1-48E5-8230-5AADBC794F88}" type="slidenum">
               <a:rPr lang="en-US" smtClean="0"/>
-              <a:t>29</a:t>
+              <a:t>17</a:t>
             </a:fld>
             <a:endParaRPr lang="en-US"/>
           </a:p>
@@ -1394,7 +1377,7 @@
     </p:spTree>
     <p:extLst>
       <p:ext uri="{BB962C8B-B14F-4D97-AF65-F5344CB8AC3E}">
-        <p14:creationId xmlns:p14="http://schemas.microsoft.com/office/powerpoint/2010/main" val="1093773272"/>
+        <p14:creationId xmlns:p14="http://schemas.microsoft.com/office/powerpoint/2010/main" val="1632386750"/>
       </p:ext>
     </p:extLst>
   </p:cSld>
@@ -1448,6 +1431,29 @@
           <a:bodyPr/>
           <a:lstStyle/>
           <a:p>
+            <a:pPr marL="0" marR="0" lvl="0" indent="0" algn="l" defTabSz="914400" rtl="0" eaLnBrk="1" fontAlgn="auto" latinLnBrk="0" hangingPunct="1">
+              <a:lnSpc>
+                <a:spcPct val="100000"/>
+              </a:lnSpc>
+              <a:spcBef>
+                <a:spcPts val="0"/>
+              </a:spcBef>
+              <a:spcAft>
+                <a:spcPts val="0"/>
+              </a:spcAft>
+              <a:buClrTx/>
+              <a:buSzTx/>
+              <a:buFontTx/>
+              <a:buNone/>
+              <a:tabLst/>
+              <a:defRPr/>
+            </a:pPr>
+            <a:r>
+              <a:rPr lang="de-DE" dirty="0"/>
+              <a:t>Hier haben wir das ER-Diagramm in der Datenbank umgesetzt.</a:t>
+            </a:r>
+          </a:p>
+          <a:p>
             <a:endParaRPr lang="de-DE" dirty="0"/>
           </a:p>
         </p:txBody>
@@ -1468,9 +1474,9 @@
           <a:lstStyle/>
           <a:p>
             <a:pPr rtl="0"/>
-            <a:fld id="{8C960F41-ADA3-4592-A6B6-979750556945}" type="datetime1">
+            <a:fld id="{2FFCA530-3DC9-43D3-93A9-C974C34E1DD6}" type="datetime1">
               <a:rPr lang="de-DE" smtClean="0"/>
-              <a:t>18.02.2021</a:t>
+              <a:t>19.02.2021</a:t>
             </a:fld>
             <a:endParaRPr lang="en-US"/>
           </a:p>
@@ -1494,7 +1500,7 @@
             <a:pPr rtl="0"/>
             <a:fld id="{9C2B151B-D7D1-48E5-8230-5AADBC794F88}" type="slidenum">
               <a:rPr lang="en-US" smtClean="0"/>
-              <a:t>30</a:t>
+              <a:t>18</a:t>
             </a:fld>
             <a:endParaRPr lang="en-US"/>
           </a:p>
@@ -1503,7 +1509,7 @@
     </p:spTree>
     <p:extLst>
       <p:ext uri="{BB962C8B-B14F-4D97-AF65-F5344CB8AC3E}">
-        <p14:creationId xmlns:p14="http://schemas.microsoft.com/office/powerpoint/2010/main" val="169757941"/>
+        <p14:creationId xmlns:p14="http://schemas.microsoft.com/office/powerpoint/2010/main" val="510249277"/>
       </p:ext>
     </p:extLst>
   </p:cSld>
@@ -1557,6 +1563,36 @@
           <a:bodyPr/>
           <a:lstStyle/>
           <a:p>
+            <a:pPr marL="0" marR="0" lvl="0" indent="0" algn="l" defTabSz="914400" rtl="0" eaLnBrk="1" fontAlgn="auto" latinLnBrk="0" hangingPunct="1">
+              <a:lnSpc>
+                <a:spcPct val="100000"/>
+              </a:lnSpc>
+              <a:spcBef>
+                <a:spcPts val="0"/>
+              </a:spcBef>
+              <a:spcAft>
+                <a:spcPts val="0"/>
+              </a:spcAft>
+              <a:buClrTx/>
+              <a:buSzTx/>
+              <a:buFontTx/>
+              <a:buNone/>
+              <a:tabLst/>
+              <a:defRPr/>
+            </a:pPr>
+            <a:r>
+              <a:rPr lang="de-DE" dirty="0"/>
+              <a:t>Hier sieht man das ER-Diagramm für das Trinkverhalten.</a:t>
+            </a:r>
+            <a:br>
+              <a:rPr lang="de-DE" dirty="0"/>
+            </a:br>
+            <a:r>
+              <a:rPr lang="de-DE" dirty="0"/>
+              <a:t>Das ER-Diagramm hilft uns bei der Umsetzung.</a:t>
+            </a:r>
+          </a:p>
+          <a:p>
             <a:endParaRPr lang="de-DE" dirty="0"/>
           </a:p>
         </p:txBody>
@@ -1577,9 +1613,9 @@
           <a:lstStyle/>
           <a:p>
             <a:pPr rtl="0"/>
-            <a:fld id="{05F945F2-6878-48BF-B08F-BD6E79E1CDD8}" type="datetime1">
+            <a:fld id="{2FFCA530-3DC9-43D3-93A9-C974C34E1DD6}" type="datetime1">
               <a:rPr lang="de-DE" smtClean="0"/>
-              <a:t>18.02.2021</a:t>
+              <a:t>19.02.2021</a:t>
             </a:fld>
             <a:endParaRPr lang="en-US"/>
           </a:p>
@@ -1603,7 +1639,7 @@
             <a:pPr rtl="0"/>
             <a:fld id="{9C2B151B-D7D1-48E5-8230-5AADBC794F88}" type="slidenum">
               <a:rPr lang="en-US" smtClean="0"/>
-              <a:t>31</a:t>
+              <a:t>20</a:t>
             </a:fld>
             <a:endParaRPr lang="en-US"/>
           </a:p>
@@ -1612,7 +1648,410 @@
     </p:spTree>
     <p:extLst>
       <p:ext uri="{BB962C8B-B14F-4D97-AF65-F5344CB8AC3E}">
-        <p14:creationId xmlns:p14="http://schemas.microsoft.com/office/powerpoint/2010/main" val="384522412"/>
+        <p14:creationId xmlns:p14="http://schemas.microsoft.com/office/powerpoint/2010/main" val="1375860725"/>
+      </p:ext>
+    </p:extLst>
+  </p:cSld>
+  <p:clrMapOvr>
+    <a:masterClrMapping/>
+  </p:clrMapOvr>
+</p:notes>
+</file>
+
+<file path=ppt/notesSlides/notesSlide17.xml><?xml version="1.0" encoding="utf-8"?>
+<p:notes xmlns:a="http://schemas.openxmlformats.org/drawingml/2006/main" xmlns:r="http://schemas.openxmlformats.org/officeDocument/2006/relationships" xmlns:p="http://schemas.openxmlformats.org/presentationml/2006/main">
+  <p:cSld>
+    <p:spTree>
+      <p:nvGrpSpPr>
+        <p:cNvPr id="1" name=""/>
+        <p:cNvGrpSpPr/>
+        <p:nvPr/>
+      </p:nvGrpSpPr>
+      <p:grpSpPr>
+        <a:xfrm>
+          <a:off x="0" y="0"/>
+          <a:ext cx="0" cy="0"/>
+          <a:chOff x="0" y="0"/>
+          <a:chExt cx="0" cy="0"/>
+        </a:xfrm>
+      </p:grpSpPr>
+      <p:sp>
+        <p:nvSpPr>
+          <p:cNvPr id="2" name="Folienbildplatzhalter 1"/>
+          <p:cNvSpPr>
+            <a:spLocks noGrp="1" noRot="1" noChangeAspect="1"/>
+          </p:cNvSpPr>
+          <p:nvPr>
+            <p:ph type="sldImg"/>
+          </p:nvPr>
+        </p:nvSpPr>
+        <p:spPr/>
+      </p:sp>
+      <p:sp>
+        <p:nvSpPr>
+          <p:cNvPr id="3" name="Notizenplatzhalter 2"/>
+          <p:cNvSpPr>
+            <a:spLocks noGrp="1"/>
+          </p:cNvSpPr>
+          <p:nvPr>
+            <p:ph type="body" idx="1"/>
+          </p:nvPr>
+        </p:nvSpPr>
+        <p:spPr/>
+        <p:txBody>
+          <a:bodyPr/>
+          <a:lstStyle/>
+          <a:p>
+            <a:pPr marL="0" marR="0" lvl="0" indent="0" algn="l" defTabSz="914400" rtl="0" eaLnBrk="1" fontAlgn="auto" latinLnBrk="0" hangingPunct="1">
+              <a:lnSpc>
+                <a:spcPct val="100000"/>
+              </a:lnSpc>
+              <a:spcBef>
+                <a:spcPts val="0"/>
+              </a:spcBef>
+              <a:spcAft>
+                <a:spcPts val="0"/>
+              </a:spcAft>
+              <a:buClrTx/>
+              <a:buSzTx/>
+              <a:buFontTx/>
+              <a:buNone/>
+              <a:tabLst/>
+              <a:defRPr/>
+            </a:pPr>
+            <a:r>
+              <a:rPr lang="de-DE" dirty="0"/>
+              <a:t>Hier haben wir das ER-Diagramm in der Datenbank umgesetzt.</a:t>
+            </a:r>
+          </a:p>
+          <a:p>
+            <a:endParaRPr lang="de-DE" dirty="0"/>
+          </a:p>
+        </p:txBody>
+      </p:sp>
+      <p:sp>
+        <p:nvSpPr>
+          <p:cNvPr id="4" name="Datumsplatzhalter 3"/>
+          <p:cNvSpPr>
+            <a:spLocks noGrp="1"/>
+          </p:cNvSpPr>
+          <p:nvPr>
+            <p:ph type="dt" idx="1"/>
+          </p:nvPr>
+        </p:nvSpPr>
+        <p:spPr/>
+        <p:txBody>
+          <a:bodyPr/>
+          <a:lstStyle/>
+          <a:p>
+            <a:pPr rtl="0"/>
+            <a:fld id="{2FFCA530-3DC9-43D3-93A9-C974C34E1DD6}" type="datetime1">
+              <a:rPr lang="de-DE" smtClean="0"/>
+              <a:t>19.02.2021</a:t>
+            </a:fld>
+            <a:endParaRPr lang="en-US"/>
+          </a:p>
+        </p:txBody>
+      </p:sp>
+      <p:sp>
+        <p:nvSpPr>
+          <p:cNvPr id="5" name="Foliennummernplatzhalter 4"/>
+          <p:cNvSpPr>
+            <a:spLocks noGrp="1"/>
+          </p:cNvSpPr>
+          <p:nvPr>
+            <p:ph type="sldNum" sz="quarter" idx="5"/>
+          </p:nvPr>
+        </p:nvSpPr>
+        <p:spPr/>
+        <p:txBody>
+          <a:bodyPr/>
+          <a:lstStyle/>
+          <a:p>
+            <a:pPr rtl="0"/>
+            <a:fld id="{9C2B151B-D7D1-48E5-8230-5AADBC794F88}" type="slidenum">
+              <a:rPr lang="en-US" smtClean="0"/>
+              <a:t>21</a:t>
+            </a:fld>
+            <a:endParaRPr lang="en-US"/>
+          </a:p>
+        </p:txBody>
+      </p:sp>
+    </p:spTree>
+    <p:extLst>
+      <p:ext uri="{BB962C8B-B14F-4D97-AF65-F5344CB8AC3E}">
+        <p14:creationId xmlns:p14="http://schemas.microsoft.com/office/powerpoint/2010/main" val="1830706783"/>
+      </p:ext>
+    </p:extLst>
+  </p:cSld>
+  <p:clrMapOvr>
+    <a:masterClrMapping/>
+  </p:clrMapOvr>
+</p:notes>
+</file>
+
+<file path=ppt/notesSlides/notesSlide18.xml><?xml version="1.0" encoding="utf-8"?>
+<p:notes xmlns:a="http://schemas.openxmlformats.org/drawingml/2006/main" xmlns:r="http://schemas.openxmlformats.org/officeDocument/2006/relationships" xmlns:p="http://schemas.openxmlformats.org/presentationml/2006/main">
+  <p:cSld>
+    <p:spTree>
+      <p:nvGrpSpPr>
+        <p:cNvPr id="1" name=""/>
+        <p:cNvGrpSpPr/>
+        <p:nvPr/>
+      </p:nvGrpSpPr>
+      <p:grpSpPr>
+        <a:xfrm>
+          <a:off x="0" y="0"/>
+          <a:ext cx="0" cy="0"/>
+          <a:chOff x="0" y="0"/>
+          <a:chExt cx="0" cy="0"/>
+        </a:xfrm>
+      </p:grpSpPr>
+      <p:sp>
+        <p:nvSpPr>
+          <p:cNvPr id="2" name="Folienbildplatzhalter 1"/>
+          <p:cNvSpPr>
+            <a:spLocks noGrp="1" noRot="1" noChangeAspect="1"/>
+          </p:cNvSpPr>
+          <p:nvPr>
+            <p:ph type="sldImg"/>
+          </p:nvPr>
+        </p:nvSpPr>
+        <p:spPr/>
+      </p:sp>
+      <p:sp>
+        <p:nvSpPr>
+          <p:cNvPr id="3" name="Notizenplatzhalter 2"/>
+          <p:cNvSpPr>
+            <a:spLocks noGrp="1"/>
+          </p:cNvSpPr>
+          <p:nvPr>
+            <p:ph type="body" idx="1"/>
+          </p:nvPr>
+        </p:nvSpPr>
+        <p:spPr/>
+        <p:txBody>
+          <a:bodyPr/>
+          <a:lstStyle/>
+          <a:p>
+            <a:pPr marL="0" marR="0" lvl="0" indent="0" algn="l" defTabSz="914400" rtl="0" eaLnBrk="1" fontAlgn="auto" latinLnBrk="0" hangingPunct="1">
+              <a:lnSpc>
+                <a:spcPct val="100000"/>
+              </a:lnSpc>
+              <a:spcBef>
+                <a:spcPts val="0"/>
+              </a:spcBef>
+              <a:spcAft>
+                <a:spcPts val="0"/>
+              </a:spcAft>
+              <a:buClrTx/>
+              <a:buSzTx/>
+              <a:buFontTx/>
+              <a:buNone/>
+              <a:tabLst/>
+              <a:defRPr/>
+            </a:pPr>
+            <a:r>
+              <a:rPr lang="de-DE" dirty="0"/>
+              <a:t>Hier sieht man das ER-Diagramm für die Favoriten.</a:t>
+            </a:r>
+            <a:br>
+              <a:rPr lang="de-DE" dirty="0"/>
+            </a:br>
+            <a:r>
+              <a:rPr lang="de-DE" dirty="0"/>
+              <a:t>Leider haben wir es zeitlich nicht geschafft die Favoriten umzusetzen, wollten aber schon mal ein ER-Diagramm erstellen, damit klar ist, wie wir dies umgesetzt hätten.</a:t>
+            </a:r>
+          </a:p>
+          <a:p>
+            <a:endParaRPr lang="de-DE" dirty="0"/>
+          </a:p>
+        </p:txBody>
+      </p:sp>
+      <p:sp>
+        <p:nvSpPr>
+          <p:cNvPr id="4" name="Datumsplatzhalter 3"/>
+          <p:cNvSpPr>
+            <a:spLocks noGrp="1"/>
+          </p:cNvSpPr>
+          <p:nvPr>
+            <p:ph type="dt" idx="1"/>
+          </p:nvPr>
+        </p:nvSpPr>
+        <p:spPr/>
+        <p:txBody>
+          <a:bodyPr/>
+          <a:lstStyle/>
+          <a:p>
+            <a:pPr rtl="0"/>
+            <a:fld id="{2FFCA530-3DC9-43D3-93A9-C974C34E1DD6}" type="datetime1">
+              <a:rPr lang="de-DE" smtClean="0"/>
+              <a:t>19.02.2021</a:t>
+            </a:fld>
+            <a:endParaRPr lang="en-US"/>
+          </a:p>
+        </p:txBody>
+      </p:sp>
+      <p:sp>
+        <p:nvSpPr>
+          <p:cNvPr id="5" name="Foliennummernplatzhalter 4"/>
+          <p:cNvSpPr>
+            <a:spLocks noGrp="1"/>
+          </p:cNvSpPr>
+          <p:nvPr>
+            <p:ph type="sldNum" sz="quarter" idx="5"/>
+          </p:nvPr>
+        </p:nvSpPr>
+        <p:spPr/>
+        <p:txBody>
+          <a:bodyPr/>
+          <a:lstStyle/>
+          <a:p>
+            <a:pPr rtl="0"/>
+            <a:fld id="{9C2B151B-D7D1-48E5-8230-5AADBC794F88}" type="slidenum">
+              <a:rPr lang="en-US" smtClean="0"/>
+              <a:t>23</a:t>
+            </a:fld>
+            <a:endParaRPr lang="en-US"/>
+          </a:p>
+        </p:txBody>
+      </p:sp>
+    </p:spTree>
+    <p:extLst>
+      <p:ext uri="{BB962C8B-B14F-4D97-AF65-F5344CB8AC3E}">
+        <p14:creationId xmlns:p14="http://schemas.microsoft.com/office/powerpoint/2010/main" val="992739036"/>
+      </p:ext>
+    </p:extLst>
+  </p:cSld>
+  <p:clrMapOvr>
+    <a:masterClrMapping/>
+  </p:clrMapOvr>
+</p:notes>
+</file>
+
+<file path=ppt/notesSlides/notesSlide19.xml><?xml version="1.0" encoding="utf-8"?>
+<p:notes xmlns:a="http://schemas.openxmlformats.org/drawingml/2006/main" xmlns:r="http://schemas.openxmlformats.org/officeDocument/2006/relationships" xmlns:p="http://schemas.openxmlformats.org/presentationml/2006/main">
+  <p:cSld>
+    <p:spTree>
+      <p:nvGrpSpPr>
+        <p:cNvPr id="1" name=""/>
+        <p:cNvGrpSpPr/>
+        <p:nvPr/>
+      </p:nvGrpSpPr>
+      <p:grpSpPr>
+        <a:xfrm>
+          <a:off x="0" y="0"/>
+          <a:ext cx="0" cy="0"/>
+          <a:chOff x="0" y="0"/>
+          <a:chExt cx="0" cy="0"/>
+        </a:xfrm>
+      </p:grpSpPr>
+      <p:sp>
+        <p:nvSpPr>
+          <p:cNvPr id="2" name="Folienbildplatzhalter 1"/>
+          <p:cNvSpPr>
+            <a:spLocks noGrp="1" noRot="1" noChangeAspect="1"/>
+          </p:cNvSpPr>
+          <p:nvPr>
+            <p:ph type="sldImg"/>
+          </p:nvPr>
+        </p:nvSpPr>
+        <p:spPr/>
+      </p:sp>
+      <p:sp>
+        <p:nvSpPr>
+          <p:cNvPr id="3" name="Notizenplatzhalter 2"/>
+          <p:cNvSpPr>
+            <a:spLocks noGrp="1"/>
+          </p:cNvSpPr>
+          <p:nvPr>
+            <p:ph type="body" idx="1"/>
+          </p:nvPr>
+        </p:nvSpPr>
+        <p:spPr/>
+        <p:txBody>
+          <a:bodyPr/>
+          <a:lstStyle/>
+          <a:p>
+            <a:pPr marL="0" marR="0" lvl="0" indent="0" algn="l" defTabSz="914400" rtl="0" eaLnBrk="1" fontAlgn="auto" latinLnBrk="0" hangingPunct="1">
+              <a:lnSpc>
+                <a:spcPct val="100000"/>
+              </a:lnSpc>
+              <a:spcBef>
+                <a:spcPts val="0"/>
+              </a:spcBef>
+              <a:spcAft>
+                <a:spcPts val="0"/>
+              </a:spcAft>
+              <a:buClrTx/>
+              <a:buSzTx/>
+              <a:buFontTx/>
+              <a:buNone/>
+              <a:tabLst/>
+              <a:defRPr/>
+            </a:pPr>
+            <a:r>
+              <a:rPr lang="de-DE" dirty="0"/>
+              <a:t>Hier haben wir das ER-Diagramm in der Datenbank umgesetzt.</a:t>
+            </a:r>
+          </a:p>
+          <a:p>
+            <a:endParaRPr lang="de-DE" dirty="0"/>
+          </a:p>
+        </p:txBody>
+      </p:sp>
+      <p:sp>
+        <p:nvSpPr>
+          <p:cNvPr id="4" name="Datumsplatzhalter 3"/>
+          <p:cNvSpPr>
+            <a:spLocks noGrp="1"/>
+          </p:cNvSpPr>
+          <p:nvPr>
+            <p:ph type="dt" idx="1"/>
+          </p:nvPr>
+        </p:nvSpPr>
+        <p:spPr/>
+        <p:txBody>
+          <a:bodyPr/>
+          <a:lstStyle/>
+          <a:p>
+            <a:pPr rtl="0"/>
+            <a:fld id="{2FFCA530-3DC9-43D3-93A9-C974C34E1DD6}" type="datetime1">
+              <a:rPr lang="de-DE" smtClean="0"/>
+              <a:t>19.02.2021</a:t>
+            </a:fld>
+            <a:endParaRPr lang="en-US"/>
+          </a:p>
+        </p:txBody>
+      </p:sp>
+      <p:sp>
+        <p:nvSpPr>
+          <p:cNvPr id="5" name="Foliennummernplatzhalter 4"/>
+          <p:cNvSpPr>
+            <a:spLocks noGrp="1"/>
+          </p:cNvSpPr>
+          <p:nvPr>
+            <p:ph type="sldNum" sz="quarter" idx="5"/>
+          </p:nvPr>
+        </p:nvSpPr>
+        <p:spPr/>
+        <p:txBody>
+          <a:bodyPr/>
+          <a:lstStyle/>
+          <a:p>
+            <a:pPr rtl="0"/>
+            <a:fld id="{9C2B151B-D7D1-48E5-8230-5AADBC794F88}" type="slidenum">
+              <a:rPr lang="en-US" smtClean="0"/>
+              <a:t>24</a:t>
+            </a:fld>
+            <a:endParaRPr lang="en-US"/>
+          </a:p>
+        </p:txBody>
+      </p:sp>
+    </p:spTree>
+    <p:extLst>
+      <p:ext uri="{BB962C8B-B14F-4D97-AF65-F5344CB8AC3E}">
+        <p14:creationId xmlns:p14="http://schemas.microsoft.com/office/powerpoint/2010/main" val="3451957729"/>
       </p:ext>
     </p:extLst>
   </p:cSld>
@@ -1688,7 +2127,7 @@
             <a:pPr rtl="0"/>
             <a:fld id="{7DA48DE9-247B-4EBD-A14B-36988774F377}" type="datetime1">
               <a:rPr lang="de-DE" smtClean="0"/>
-              <a:t>18.02.2021</a:t>
+              <a:t>19.02.2021</a:t>
             </a:fld>
             <a:endParaRPr lang="en-US"/>
           </a:p>
@@ -1722,6 +2161,739 @@
     <p:extLst>
       <p:ext uri="{BB962C8B-B14F-4D97-AF65-F5344CB8AC3E}">
         <p14:creationId xmlns:p14="http://schemas.microsoft.com/office/powerpoint/2010/main" val="3240579109"/>
+      </p:ext>
+    </p:extLst>
+  </p:cSld>
+  <p:clrMapOvr>
+    <a:masterClrMapping/>
+  </p:clrMapOvr>
+</p:notes>
+</file>
+
+<file path=ppt/notesSlides/notesSlide20.xml><?xml version="1.0" encoding="utf-8"?>
+<p:notes xmlns:a="http://schemas.openxmlformats.org/drawingml/2006/main" xmlns:r="http://schemas.openxmlformats.org/officeDocument/2006/relationships" xmlns:p="http://schemas.openxmlformats.org/presentationml/2006/main">
+  <p:cSld>
+    <p:spTree>
+      <p:nvGrpSpPr>
+        <p:cNvPr id="1" name=""/>
+        <p:cNvGrpSpPr/>
+        <p:nvPr/>
+      </p:nvGrpSpPr>
+      <p:grpSpPr>
+        <a:xfrm>
+          <a:off x="0" y="0"/>
+          <a:ext cx="0" cy="0"/>
+          <a:chOff x="0" y="0"/>
+          <a:chExt cx="0" cy="0"/>
+        </a:xfrm>
+      </p:grpSpPr>
+      <p:sp>
+        <p:nvSpPr>
+          <p:cNvPr id="2" name="Folienbildplatzhalter 1"/>
+          <p:cNvSpPr>
+            <a:spLocks noGrp="1" noRot="1" noChangeAspect="1"/>
+          </p:cNvSpPr>
+          <p:nvPr>
+            <p:ph type="sldImg"/>
+          </p:nvPr>
+        </p:nvSpPr>
+        <p:spPr/>
+      </p:sp>
+      <p:sp>
+        <p:nvSpPr>
+          <p:cNvPr id="3" name="Notizenplatzhalter 2"/>
+          <p:cNvSpPr>
+            <a:spLocks noGrp="1"/>
+          </p:cNvSpPr>
+          <p:nvPr>
+            <p:ph type="body" idx="1"/>
+          </p:nvPr>
+        </p:nvSpPr>
+        <p:spPr/>
+        <p:txBody>
+          <a:bodyPr/>
+          <a:lstStyle/>
+          <a:p>
+            <a:endParaRPr lang="de-DE" dirty="0"/>
+          </a:p>
+        </p:txBody>
+      </p:sp>
+      <p:sp>
+        <p:nvSpPr>
+          <p:cNvPr id="4" name="Datumsplatzhalter 3"/>
+          <p:cNvSpPr>
+            <a:spLocks noGrp="1"/>
+          </p:cNvSpPr>
+          <p:nvPr>
+            <p:ph type="dt" idx="1"/>
+          </p:nvPr>
+        </p:nvSpPr>
+        <p:spPr/>
+        <p:txBody>
+          <a:bodyPr/>
+          <a:lstStyle/>
+          <a:p>
+            <a:pPr rtl="0"/>
+            <a:fld id="{7DA48DE9-247B-4EBD-A14B-36988774F377}" type="datetime1">
+              <a:rPr lang="de-DE" smtClean="0"/>
+              <a:t>19.02.2021</a:t>
+            </a:fld>
+            <a:endParaRPr lang="en-US"/>
+          </a:p>
+        </p:txBody>
+      </p:sp>
+      <p:sp>
+        <p:nvSpPr>
+          <p:cNvPr id="5" name="Foliennummernplatzhalter 4"/>
+          <p:cNvSpPr>
+            <a:spLocks noGrp="1"/>
+          </p:cNvSpPr>
+          <p:nvPr>
+            <p:ph type="sldNum" sz="quarter" idx="5"/>
+          </p:nvPr>
+        </p:nvSpPr>
+        <p:spPr/>
+        <p:txBody>
+          <a:bodyPr/>
+          <a:lstStyle/>
+          <a:p>
+            <a:pPr rtl="0"/>
+            <a:fld id="{9C2B151B-D7D1-48E5-8230-5AADBC794F88}" type="slidenum">
+              <a:rPr lang="en-US" smtClean="0"/>
+              <a:t>26</a:t>
+            </a:fld>
+            <a:endParaRPr lang="en-US"/>
+          </a:p>
+        </p:txBody>
+      </p:sp>
+    </p:spTree>
+    <p:extLst>
+      <p:ext uri="{BB962C8B-B14F-4D97-AF65-F5344CB8AC3E}">
+        <p14:creationId xmlns:p14="http://schemas.microsoft.com/office/powerpoint/2010/main" val="3240579109"/>
+      </p:ext>
+    </p:extLst>
+  </p:cSld>
+  <p:clrMapOvr>
+    <a:masterClrMapping/>
+  </p:clrMapOvr>
+</p:notes>
+</file>
+
+<file path=ppt/notesSlides/notesSlide21.xml><?xml version="1.0" encoding="utf-8"?>
+<p:notes xmlns:a="http://schemas.openxmlformats.org/drawingml/2006/main" xmlns:r="http://schemas.openxmlformats.org/officeDocument/2006/relationships" xmlns:p="http://schemas.openxmlformats.org/presentationml/2006/main">
+  <p:cSld>
+    <p:spTree>
+      <p:nvGrpSpPr>
+        <p:cNvPr id="1" name=""/>
+        <p:cNvGrpSpPr/>
+        <p:nvPr/>
+      </p:nvGrpSpPr>
+      <p:grpSpPr>
+        <a:xfrm>
+          <a:off x="0" y="0"/>
+          <a:ext cx="0" cy="0"/>
+          <a:chOff x="0" y="0"/>
+          <a:chExt cx="0" cy="0"/>
+        </a:xfrm>
+      </p:grpSpPr>
+      <p:sp>
+        <p:nvSpPr>
+          <p:cNvPr id="2" name="Folienbildplatzhalter 1"/>
+          <p:cNvSpPr>
+            <a:spLocks noGrp="1" noRot="1" noChangeAspect="1"/>
+          </p:cNvSpPr>
+          <p:nvPr>
+            <p:ph type="sldImg"/>
+          </p:nvPr>
+        </p:nvSpPr>
+        <p:spPr/>
+      </p:sp>
+      <p:sp>
+        <p:nvSpPr>
+          <p:cNvPr id="3" name="Notizenplatzhalter 2"/>
+          <p:cNvSpPr>
+            <a:spLocks noGrp="1"/>
+          </p:cNvSpPr>
+          <p:nvPr>
+            <p:ph type="body" idx="1"/>
+          </p:nvPr>
+        </p:nvSpPr>
+        <p:spPr/>
+        <p:txBody>
+          <a:bodyPr/>
+          <a:lstStyle/>
+          <a:p>
+            <a:r>
+              <a:rPr lang="de-DE" dirty="0"/>
+              <a:t>Da wir die Zielhierarchie überarbeitet haben und jetzt „Strategische Ziele“, „Taktische Ziele“ und „Operative Ziele“ haben, haben wir dies noch mal mit reingenommen. </a:t>
+            </a:r>
+          </a:p>
+          <a:p>
+            <a:r>
+              <a:rPr lang="de-DE" dirty="0"/>
+              <a:t>Mit den strategischen Zielen legen wir fest, was wir auf langfristiger Sicht erreichen möchten. </a:t>
+            </a:r>
+            <a:br>
+              <a:rPr lang="de-DE" dirty="0"/>
+            </a:br>
+            <a:r>
+              <a:rPr lang="de-DE" dirty="0"/>
+              <a:t>Mit den taktischen Zielen legen wir fest, wie die strategischen Ziele erreicht werden sollen.</a:t>
+            </a:r>
+            <a:br>
+              <a:rPr lang="de-DE" dirty="0"/>
+            </a:br>
+            <a:r>
+              <a:rPr lang="de-DE" dirty="0"/>
+              <a:t>Mit den operativen Zielen legen wir fest, wodurch wir unsere strategischen Ziele erreichen können.</a:t>
+            </a:r>
+          </a:p>
+        </p:txBody>
+      </p:sp>
+      <p:sp>
+        <p:nvSpPr>
+          <p:cNvPr id="4" name="Datumsplatzhalter 3"/>
+          <p:cNvSpPr>
+            <a:spLocks noGrp="1"/>
+          </p:cNvSpPr>
+          <p:nvPr>
+            <p:ph type="dt" idx="1"/>
+          </p:nvPr>
+        </p:nvSpPr>
+        <p:spPr/>
+        <p:txBody>
+          <a:bodyPr/>
+          <a:lstStyle/>
+          <a:p>
+            <a:pPr rtl="0"/>
+            <a:fld id="{920421C8-A15E-4073-98D7-7FDA934C0210}" type="datetime1">
+              <a:rPr lang="de-DE" smtClean="0"/>
+              <a:t>19.02.2021</a:t>
+            </a:fld>
+            <a:endParaRPr lang="en-US"/>
+          </a:p>
+        </p:txBody>
+      </p:sp>
+      <p:sp>
+        <p:nvSpPr>
+          <p:cNvPr id="5" name="Foliennummernplatzhalter 4"/>
+          <p:cNvSpPr>
+            <a:spLocks noGrp="1"/>
+          </p:cNvSpPr>
+          <p:nvPr>
+            <p:ph type="sldNum" sz="quarter" idx="5"/>
+          </p:nvPr>
+        </p:nvSpPr>
+        <p:spPr/>
+        <p:txBody>
+          <a:bodyPr/>
+          <a:lstStyle/>
+          <a:p>
+            <a:pPr rtl="0"/>
+            <a:fld id="{9C2B151B-D7D1-48E5-8230-5AADBC794F88}" type="slidenum">
+              <a:rPr lang="en-US" smtClean="0"/>
+              <a:t>27</a:t>
+            </a:fld>
+            <a:endParaRPr lang="en-US"/>
+          </a:p>
+        </p:txBody>
+      </p:sp>
+    </p:spTree>
+    <p:extLst>
+      <p:ext uri="{BB962C8B-B14F-4D97-AF65-F5344CB8AC3E}">
+        <p14:creationId xmlns:p14="http://schemas.microsoft.com/office/powerpoint/2010/main" val="1085079460"/>
+      </p:ext>
+    </p:extLst>
+  </p:cSld>
+  <p:clrMapOvr>
+    <a:masterClrMapping/>
+  </p:clrMapOvr>
+</p:notes>
+</file>
+
+<file path=ppt/notesSlides/notesSlide22.xml><?xml version="1.0" encoding="utf-8"?>
+<p:notes xmlns:a="http://schemas.openxmlformats.org/drawingml/2006/main" xmlns:r="http://schemas.openxmlformats.org/officeDocument/2006/relationships" xmlns:p="http://schemas.openxmlformats.org/presentationml/2006/main">
+  <p:cSld>
+    <p:spTree>
+      <p:nvGrpSpPr>
+        <p:cNvPr id="1" name=""/>
+        <p:cNvGrpSpPr/>
+        <p:nvPr/>
+      </p:nvGrpSpPr>
+      <p:grpSpPr>
+        <a:xfrm>
+          <a:off x="0" y="0"/>
+          <a:ext cx="0" cy="0"/>
+          <a:chOff x="0" y="0"/>
+          <a:chExt cx="0" cy="0"/>
+        </a:xfrm>
+      </p:grpSpPr>
+      <p:sp>
+        <p:nvSpPr>
+          <p:cNvPr id="2" name="Folienbildplatzhalter 1"/>
+          <p:cNvSpPr>
+            <a:spLocks noGrp="1" noRot="1" noChangeAspect="1"/>
+          </p:cNvSpPr>
+          <p:nvPr>
+            <p:ph type="sldImg"/>
+          </p:nvPr>
+        </p:nvSpPr>
+        <p:spPr/>
+      </p:sp>
+      <p:sp>
+        <p:nvSpPr>
+          <p:cNvPr id="3" name="Notizenplatzhalter 2"/>
+          <p:cNvSpPr>
+            <a:spLocks noGrp="1"/>
+          </p:cNvSpPr>
+          <p:nvPr>
+            <p:ph type="body" idx="1"/>
+          </p:nvPr>
+        </p:nvSpPr>
+        <p:spPr/>
+        <p:txBody>
+          <a:bodyPr/>
+          <a:lstStyle/>
+          <a:p>
+            <a:r>
+              <a:rPr lang="de-DE" dirty="0"/>
+              <a:t>Hier sieht man noch mal die von der Zielhierarchie umgesetzten Punkte. </a:t>
+            </a:r>
+            <a:br>
+              <a:rPr lang="de-DE" dirty="0"/>
+            </a:br>
+            <a:r>
+              <a:rPr lang="de-DE" dirty="0"/>
+              <a:t>Ebenfalls sieht man, was noch umgesetzt wurde. So hat man einen besseren Überblick, was wir geschafft haben.</a:t>
+            </a:r>
+          </a:p>
+        </p:txBody>
+      </p:sp>
+      <p:sp>
+        <p:nvSpPr>
+          <p:cNvPr id="4" name="Datumsplatzhalter 3"/>
+          <p:cNvSpPr>
+            <a:spLocks noGrp="1"/>
+          </p:cNvSpPr>
+          <p:nvPr>
+            <p:ph type="dt" idx="1"/>
+          </p:nvPr>
+        </p:nvSpPr>
+        <p:spPr/>
+        <p:txBody>
+          <a:bodyPr/>
+          <a:lstStyle/>
+          <a:p>
+            <a:pPr rtl="0"/>
+            <a:fld id="{88DACA00-B485-48AE-971E-CC6E1280CD66}" type="datetime1">
+              <a:rPr lang="de-DE" smtClean="0"/>
+              <a:t>19.02.2021</a:t>
+            </a:fld>
+            <a:endParaRPr lang="en-US"/>
+          </a:p>
+        </p:txBody>
+      </p:sp>
+      <p:sp>
+        <p:nvSpPr>
+          <p:cNvPr id="5" name="Foliennummernplatzhalter 4"/>
+          <p:cNvSpPr>
+            <a:spLocks noGrp="1"/>
+          </p:cNvSpPr>
+          <p:nvPr>
+            <p:ph type="sldNum" sz="quarter" idx="5"/>
+          </p:nvPr>
+        </p:nvSpPr>
+        <p:spPr/>
+        <p:txBody>
+          <a:bodyPr/>
+          <a:lstStyle/>
+          <a:p>
+            <a:pPr rtl="0"/>
+            <a:fld id="{9C2B151B-D7D1-48E5-8230-5AADBC794F88}" type="slidenum">
+              <a:rPr lang="en-US" smtClean="0"/>
+              <a:t>28</a:t>
+            </a:fld>
+            <a:endParaRPr lang="en-US"/>
+          </a:p>
+        </p:txBody>
+      </p:sp>
+    </p:spTree>
+    <p:extLst>
+      <p:ext uri="{BB962C8B-B14F-4D97-AF65-F5344CB8AC3E}">
+        <p14:creationId xmlns:p14="http://schemas.microsoft.com/office/powerpoint/2010/main" val="749225946"/>
+      </p:ext>
+    </p:extLst>
+  </p:cSld>
+  <p:clrMapOvr>
+    <a:masterClrMapping/>
+  </p:clrMapOvr>
+</p:notes>
+</file>
+
+<file path=ppt/notesSlides/notesSlide23.xml><?xml version="1.0" encoding="utf-8"?>
+<p:notes xmlns:a="http://schemas.openxmlformats.org/drawingml/2006/main" xmlns:r="http://schemas.openxmlformats.org/officeDocument/2006/relationships" xmlns:p="http://schemas.openxmlformats.org/presentationml/2006/main">
+  <p:cSld>
+    <p:spTree>
+      <p:nvGrpSpPr>
+        <p:cNvPr id="1" name=""/>
+        <p:cNvGrpSpPr/>
+        <p:nvPr/>
+      </p:nvGrpSpPr>
+      <p:grpSpPr>
+        <a:xfrm>
+          <a:off x="0" y="0"/>
+          <a:ext cx="0" cy="0"/>
+          <a:chOff x="0" y="0"/>
+          <a:chExt cx="0" cy="0"/>
+        </a:xfrm>
+      </p:grpSpPr>
+      <p:sp>
+        <p:nvSpPr>
+          <p:cNvPr id="2" name="Folienbildplatzhalter 1"/>
+          <p:cNvSpPr>
+            <a:spLocks noGrp="1" noRot="1" noChangeAspect="1"/>
+          </p:cNvSpPr>
+          <p:nvPr>
+            <p:ph type="sldImg"/>
+          </p:nvPr>
+        </p:nvSpPr>
+        <p:spPr/>
+      </p:sp>
+      <p:sp>
+        <p:nvSpPr>
+          <p:cNvPr id="3" name="Notizenplatzhalter 2"/>
+          <p:cNvSpPr>
+            <a:spLocks noGrp="1"/>
+          </p:cNvSpPr>
+          <p:nvPr>
+            <p:ph type="body" idx="1"/>
+          </p:nvPr>
+        </p:nvSpPr>
+        <p:spPr/>
+        <p:txBody>
+          <a:bodyPr/>
+          <a:lstStyle/>
+          <a:p>
+            <a:r>
+              <a:rPr lang="de-DE" dirty="0"/>
+              <a:t>Hier findet man noch einmal einen Ausblick, um das System noch mehr zu personalisieren.</a:t>
+            </a:r>
+          </a:p>
+          <a:p>
+            <a:endParaRPr lang="de-DE" dirty="0"/>
+          </a:p>
+          <a:p>
+            <a:r>
+              <a:rPr lang="de-DE" dirty="0"/>
+              <a:t>Die Favoriten helfen den Endnutzer schneller auf seine Lieblings Apps und Übungen zuzugreifen.</a:t>
+            </a:r>
+          </a:p>
+          <a:p>
+            <a:br>
+              <a:rPr lang="de-DE" dirty="0"/>
+            </a:br>
+            <a:r>
+              <a:rPr lang="de-DE" dirty="0"/>
+              <a:t>Es soll einen Kalender geben, in dem der Nutzer seine Termine eintragen kann. Ebenfalls kann eingestellt werden, ob er vorher an den Termin erinnert werden möchte (Minuten, Stunden, Tage).</a:t>
+            </a:r>
+          </a:p>
+          <a:p>
+            <a:r>
+              <a:rPr lang="de-DE" dirty="0"/>
+              <a:t>In dem Kalender sollen die Sonnenaufgangs und Sonnenuntergangs Zeiten hinterlegt werden, sowie die Mondphasen. Wenn der Endnutzer Probleme hat im hellen zu schlafen, kann er sich die Sonnenuntergangs und Sonnenaufgangszeiten ansehen und nach den Zeiten schlafen gehen. </a:t>
+            </a:r>
+            <a:br>
+              <a:rPr lang="de-DE" dirty="0"/>
+            </a:br>
+            <a:r>
+              <a:rPr lang="de-DE" dirty="0"/>
+              <a:t>Hat der Endnutzer Probleme bei Vollmond zu schlafen, kann er sich die Mondphasen in dem Kalender anzeigen lassen und sich auf die Nacht vorbereiten. </a:t>
+            </a:r>
+          </a:p>
+          <a:p>
+            <a:endParaRPr lang="de-DE" dirty="0"/>
+          </a:p>
+          <a:p>
+            <a:r>
+              <a:rPr lang="de-DE" dirty="0"/>
+              <a:t>In der Auswertung werden verschiedene Punkte angezeigt, an den Tagen, an dem der Endnutzer an der Umfrage/ der Literangabe teilgenommen hat. Wenn man auf einen dieser Punkte klickt, soll sich der Endnutzer Notizen machen können. Wenn der Punkt von dem Endnutzer an dem Tag im unteren Bereich liegt, kann er sich z.B. Notizen dazu machen, warum er an dem Tag so viel Stress hatte.</a:t>
+            </a:r>
+          </a:p>
+          <a:p>
+            <a:endParaRPr lang="de-DE" dirty="0"/>
+          </a:p>
+        </p:txBody>
+      </p:sp>
+      <p:sp>
+        <p:nvSpPr>
+          <p:cNvPr id="4" name="Datumsplatzhalter 3"/>
+          <p:cNvSpPr>
+            <a:spLocks noGrp="1"/>
+          </p:cNvSpPr>
+          <p:nvPr>
+            <p:ph type="dt" idx="1"/>
+          </p:nvPr>
+        </p:nvSpPr>
+        <p:spPr/>
+        <p:txBody>
+          <a:bodyPr/>
+          <a:lstStyle/>
+          <a:p>
+            <a:pPr rtl="0"/>
+            <a:fld id="{88DACA00-B485-48AE-971E-CC6E1280CD66}" type="datetime1">
+              <a:rPr lang="de-DE" smtClean="0"/>
+              <a:t>19.02.2021</a:t>
+            </a:fld>
+            <a:endParaRPr lang="en-US"/>
+          </a:p>
+        </p:txBody>
+      </p:sp>
+      <p:sp>
+        <p:nvSpPr>
+          <p:cNvPr id="5" name="Foliennummernplatzhalter 4"/>
+          <p:cNvSpPr>
+            <a:spLocks noGrp="1"/>
+          </p:cNvSpPr>
+          <p:nvPr>
+            <p:ph type="sldNum" sz="quarter" idx="5"/>
+          </p:nvPr>
+        </p:nvSpPr>
+        <p:spPr/>
+        <p:txBody>
+          <a:bodyPr/>
+          <a:lstStyle/>
+          <a:p>
+            <a:pPr rtl="0"/>
+            <a:fld id="{9C2B151B-D7D1-48E5-8230-5AADBC794F88}" type="slidenum">
+              <a:rPr lang="en-US" smtClean="0"/>
+              <a:t>29</a:t>
+            </a:fld>
+            <a:endParaRPr lang="en-US"/>
+          </a:p>
+        </p:txBody>
+      </p:sp>
+    </p:spTree>
+    <p:extLst>
+      <p:ext uri="{BB962C8B-B14F-4D97-AF65-F5344CB8AC3E}">
+        <p14:creationId xmlns:p14="http://schemas.microsoft.com/office/powerpoint/2010/main" val="1093773272"/>
+      </p:ext>
+    </p:extLst>
+  </p:cSld>
+  <p:clrMapOvr>
+    <a:masterClrMapping/>
+  </p:clrMapOvr>
+</p:notes>
+</file>
+
+<file path=ppt/notesSlides/notesSlide24.xml><?xml version="1.0" encoding="utf-8"?>
+<p:notes xmlns:a="http://schemas.openxmlformats.org/drawingml/2006/main" xmlns:r="http://schemas.openxmlformats.org/officeDocument/2006/relationships" xmlns:p="http://schemas.openxmlformats.org/presentationml/2006/main">
+  <p:cSld>
+    <p:spTree>
+      <p:nvGrpSpPr>
+        <p:cNvPr id="1" name=""/>
+        <p:cNvGrpSpPr/>
+        <p:nvPr/>
+      </p:nvGrpSpPr>
+      <p:grpSpPr>
+        <a:xfrm>
+          <a:off x="0" y="0"/>
+          <a:ext cx="0" cy="0"/>
+          <a:chOff x="0" y="0"/>
+          <a:chExt cx="0" cy="0"/>
+        </a:xfrm>
+      </p:grpSpPr>
+      <p:sp>
+        <p:nvSpPr>
+          <p:cNvPr id="2" name="Folienbildplatzhalter 1"/>
+          <p:cNvSpPr>
+            <a:spLocks noGrp="1" noRot="1" noChangeAspect="1"/>
+          </p:cNvSpPr>
+          <p:nvPr>
+            <p:ph type="sldImg"/>
+          </p:nvPr>
+        </p:nvSpPr>
+        <p:spPr/>
+      </p:sp>
+      <p:sp>
+        <p:nvSpPr>
+          <p:cNvPr id="3" name="Notizenplatzhalter 2"/>
+          <p:cNvSpPr>
+            <a:spLocks noGrp="1"/>
+          </p:cNvSpPr>
+          <p:nvPr>
+            <p:ph type="body" idx="1"/>
+          </p:nvPr>
+        </p:nvSpPr>
+        <p:spPr/>
+        <p:txBody>
+          <a:bodyPr/>
+          <a:lstStyle/>
+          <a:p>
+            <a:endParaRPr lang="de-DE" dirty="0"/>
+          </a:p>
+        </p:txBody>
+      </p:sp>
+      <p:sp>
+        <p:nvSpPr>
+          <p:cNvPr id="4" name="Datumsplatzhalter 3"/>
+          <p:cNvSpPr>
+            <a:spLocks noGrp="1"/>
+          </p:cNvSpPr>
+          <p:nvPr>
+            <p:ph type="dt" idx="1"/>
+          </p:nvPr>
+        </p:nvSpPr>
+        <p:spPr/>
+        <p:txBody>
+          <a:bodyPr/>
+          <a:lstStyle/>
+          <a:p>
+            <a:pPr rtl="0"/>
+            <a:fld id="{8C960F41-ADA3-4592-A6B6-979750556945}" type="datetime1">
+              <a:rPr lang="de-DE" smtClean="0"/>
+              <a:t>19.02.2021</a:t>
+            </a:fld>
+            <a:endParaRPr lang="en-US"/>
+          </a:p>
+        </p:txBody>
+      </p:sp>
+      <p:sp>
+        <p:nvSpPr>
+          <p:cNvPr id="5" name="Foliennummernplatzhalter 4"/>
+          <p:cNvSpPr>
+            <a:spLocks noGrp="1"/>
+          </p:cNvSpPr>
+          <p:nvPr>
+            <p:ph type="sldNum" sz="quarter" idx="5"/>
+          </p:nvPr>
+        </p:nvSpPr>
+        <p:spPr/>
+        <p:txBody>
+          <a:bodyPr/>
+          <a:lstStyle/>
+          <a:p>
+            <a:pPr rtl="0"/>
+            <a:fld id="{9C2B151B-D7D1-48E5-8230-5AADBC794F88}" type="slidenum">
+              <a:rPr lang="en-US" smtClean="0"/>
+              <a:t>30</a:t>
+            </a:fld>
+            <a:endParaRPr lang="en-US"/>
+          </a:p>
+        </p:txBody>
+      </p:sp>
+    </p:spTree>
+    <p:extLst>
+      <p:ext uri="{BB962C8B-B14F-4D97-AF65-F5344CB8AC3E}">
+        <p14:creationId xmlns:p14="http://schemas.microsoft.com/office/powerpoint/2010/main" val="169757941"/>
+      </p:ext>
+    </p:extLst>
+  </p:cSld>
+  <p:clrMapOvr>
+    <a:masterClrMapping/>
+  </p:clrMapOvr>
+</p:notes>
+</file>
+
+<file path=ppt/notesSlides/notesSlide25.xml><?xml version="1.0" encoding="utf-8"?>
+<p:notes xmlns:a="http://schemas.openxmlformats.org/drawingml/2006/main" xmlns:r="http://schemas.openxmlformats.org/officeDocument/2006/relationships" xmlns:p="http://schemas.openxmlformats.org/presentationml/2006/main">
+  <p:cSld>
+    <p:spTree>
+      <p:nvGrpSpPr>
+        <p:cNvPr id="1" name=""/>
+        <p:cNvGrpSpPr/>
+        <p:nvPr/>
+      </p:nvGrpSpPr>
+      <p:grpSpPr>
+        <a:xfrm>
+          <a:off x="0" y="0"/>
+          <a:ext cx="0" cy="0"/>
+          <a:chOff x="0" y="0"/>
+          <a:chExt cx="0" cy="0"/>
+        </a:xfrm>
+      </p:grpSpPr>
+      <p:sp>
+        <p:nvSpPr>
+          <p:cNvPr id="2" name="Folienbildplatzhalter 1"/>
+          <p:cNvSpPr>
+            <a:spLocks noGrp="1" noRot="1" noChangeAspect="1"/>
+          </p:cNvSpPr>
+          <p:nvPr>
+            <p:ph type="sldImg"/>
+          </p:nvPr>
+        </p:nvSpPr>
+        <p:spPr/>
+      </p:sp>
+      <p:sp>
+        <p:nvSpPr>
+          <p:cNvPr id="3" name="Notizenplatzhalter 2"/>
+          <p:cNvSpPr>
+            <a:spLocks noGrp="1"/>
+          </p:cNvSpPr>
+          <p:nvPr>
+            <p:ph type="body" idx="1"/>
+          </p:nvPr>
+        </p:nvSpPr>
+        <p:spPr/>
+        <p:txBody>
+          <a:bodyPr/>
+          <a:lstStyle/>
+          <a:p>
+            <a:endParaRPr lang="de-DE" dirty="0"/>
+          </a:p>
+        </p:txBody>
+      </p:sp>
+      <p:sp>
+        <p:nvSpPr>
+          <p:cNvPr id="4" name="Datumsplatzhalter 3"/>
+          <p:cNvSpPr>
+            <a:spLocks noGrp="1"/>
+          </p:cNvSpPr>
+          <p:nvPr>
+            <p:ph type="dt" idx="1"/>
+          </p:nvPr>
+        </p:nvSpPr>
+        <p:spPr/>
+        <p:txBody>
+          <a:bodyPr/>
+          <a:lstStyle/>
+          <a:p>
+            <a:pPr rtl="0"/>
+            <a:fld id="{05F945F2-6878-48BF-B08F-BD6E79E1CDD8}" type="datetime1">
+              <a:rPr lang="de-DE" smtClean="0"/>
+              <a:t>19.02.2021</a:t>
+            </a:fld>
+            <a:endParaRPr lang="en-US"/>
+          </a:p>
+        </p:txBody>
+      </p:sp>
+      <p:sp>
+        <p:nvSpPr>
+          <p:cNvPr id="5" name="Foliennummernplatzhalter 4"/>
+          <p:cNvSpPr>
+            <a:spLocks noGrp="1"/>
+          </p:cNvSpPr>
+          <p:nvPr>
+            <p:ph type="sldNum" sz="quarter" idx="5"/>
+          </p:nvPr>
+        </p:nvSpPr>
+        <p:spPr/>
+        <p:txBody>
+          <a:bodyPr/>
+          <a:lstStyle/>
+          <a:p>
+            <a:pPr rtl="0"/>
+            <a:fld id="{9C2B151B-D7D1-48E5-8230-5AADBC794F88}" type="slidenum">
+              <a:rPr lang="en-US" smtClean="0"/>
+              <a:t>31</a:t>
+            </a:fld>
+            <a:endParaRPr lang="en-US"/>
+          </a:p>
+        </p:txBody>
+      </p:sp>
+    </p:spTree>
+    <p:extLst>
+      <p:ext uri="{BB962C8B-B14F-4D97-AF65-F5344CB8AC3E}">
+        <p14:creationId xmlns:p14="http://schemas.microsoft.com/office/powerpoint/2010/main" val="384522412"/>
       </p:ext>
     </p:extLst>
   </p:cSld>
@@ -1895,7 +3067,7 @@
             <a:pPr rtl="0"/>
             <a:fld id="{920421C8-A15E-4073-98D7-7FDA934C0210}" type="datetime1">
               <a:rPr lang="de-DE" smtClean="0"/>
-              <a:t>18.02.2021</a:t>
+              <a:t>19.02.2021</a:t>
             </a:fld>
             <a:endParaRPr lang="en-US"/>
           </a:p>
@@ -1982,7 +3154,10 @@
           <a:bodyPr/>
           <a:lstStyle/>
           <a:p>
-            <a:endParaRPr lang="de-DE" dirty="0"/>
+            <a:r>
+              <a:rPr lang="de-DE" dirty="0"/>
+              <a:t>Hier findet man das Use-Case zu unserem Prototypen, den wir Ihnen zeigen werden.</a:t>
+            </a:r>
           </a:p>
         </p:txBody>
       </p:sp>
@@ -2002,9 +3177,9 @@
           <a:lstStyle/>
           <a:p>
             <a:pPr rtl="0"/>
-            <a:fld id="{25DE598A-D9FF-4E3A-AC10-162CFCBCB8DB}" type="datetime1">
+            <a:fld id="{2FFCA530-3DC9-43D3-93A9-C974C34E1DD6}" type="datetime1">
               <a:rPr lang="de-DE" smtClean="0"/>
-              <a:t>18.02.2021</a:t>
+              <a:t>19.02.2021</a:t>
             </a:fld>
             <a:endParaRPr lang="en-US"/>
           </a:p>
@@ -2028,7 +3203,7 @@
             <a:pPr rtl="0"/>
             <a:fld id="{9C2B151B-D7D1-48E5-8230-5AADBC794F88}" type="slidenum">
               <a:rPr lang="en-US" smtClean="0"/>
-              <a:t>8</a:t>
+              <a:t>7</a:t>
             </a:fld>
             <a:endParaRPr lang="en-US"/>
           </a:p>
@@ -2037,7 +3212,7 @@
     </p:spTree>
     <p:extLst>
       <p:ext uri="{BB962C8B-B14F-4D97-AF65-F5344CB8AC3E}">
-        <p14:creationId xmlns:p14="http://schemas.microsoft.com/office/powerpoint/2010/main" val="3410500401"/>
+        <p14:creationId xmlns:p14="http://schemas.microsoft.com/office/powerpoint/2010/main" val="2269013514"/>
       </p:ext>
     </p:extLst>
   </p:cSld>
@@ -2091,7 +3266,10 @@
           <a:bodyPr/>
           <a:lstStyle/>
           <a:p>
-            <a:endParaRPr lang="de-DE" dirty="0"/>
+            <a:r>
+              <a:rPr lang="de-DE" dirty="0"/>
+              <a:t>Den Code und somit unseren Prototypen zeigen wir Ihnen in der Präsentation „Live“.</a:t>
+            </a:r>
           </a:p>
         </p:txBody>
       </p:sp>
@@ -2111,9 +3289,9 @@
           <a:lstStyle/>
           <a:p>
             <a:pPr rtl="0"/>
-            <a:fld id="{7DA48DE9-247B-4EBD-A14B-36988774F377}" type="datetime1">
+            <a:fld id="{25DE598A-D9FF-4E3A-AC10-162CFCBCB8DB}" type="datetime1">
               <a:rPr lang="de-DE" smtClean="0"/>
-              <a:t>18.02.2021</a:t>
+              <a:t>19.02.2021</a:t>
             </a:fld>
             <a:endParaRPr lang="en-US"/>
           </a:p>
@@ -2137,7 +3315,7 @@
             <a:pPr rtl="0"/>
             <a:fld id="{9C2B151B-D7D1-48E5-8230-5AADBC794F88}" type="slidenum">
               <a:rPr lang="en-US" smtClean="0"/>
-              <a:t>9</a:t>
+              <a:t>8</a:t>
             </a:fld>
             <a:endParaRPr lang="en-US"/>
           </a:p>
@@ -2146,7 +3324,7 @@
     </p:spTree>
     <p:extLst>
       <p:ext uri="{BB962C8B-B14F-4D97-AF65-F5344CB8AC3E}">
-        <p14:creationId xmlns:p14="http://schemas.microsoft.com/office/powerpoint/2010/main" val="4074544119"/>
+        <p14:creationId xmlns:p14="http://schemas.microsoft.com/office/powerpoint/2010/main" val="3410500401"/>
       </p:ext>
     </p:extLst>
   </p:cSld>
@@ -2200,34 +3378,7 @@
           <a:bodyPr/>
           <a:lstStyle/>
           <a:p>
-            <a:r>
-              <a:rPr lang="de-DE" dirty="0"/>
-              <a:t>Der Nutzer kann auf der Homepage sein Trinkverhalten angeben. Dies macht man in dem man auf:</a:t>
-            </a:r>
-          </a:p>
-          <a:p>
-            <a:r>
-              <a:rPr lang="de-DE" dirty="0"/>
-              <a:t> „-/+“, </a:t>
-            </a:r>
-          </a:p>
-          <a:p>
-            <a:r>
-              <a:rPr lang="de-DE" dirty="0"/>
-              <a:t>„+0,3L“, </a:t>
-            </a:r>
-          </a:p>
-          <a:p>
-            <a:r>
-              <a:rPr lang="de-DE" dirty="0"/>
-              <a:t>„+0,5L“ oder „+0,7L“ klickt.</a:t>
-            </a:r>
-          </a:p>
-          <a:p>
-            <a:r>
-              <a:rPr lang="de-DE" dirty="0"/>
-              <a:t>Dieser Wert wird zuerst in die Datenbank gespeichert und anschließend in der Kurve als neuer Punkt für den Tag angezeigt.</a:t>
-            </a:r>
+            <a:endParaRPr lang="de-DE" dirty="0"/>
           </a:p>
         </p:txBody>
       </p:sp>
@@ -2247,9 +3398,9 @@
           <a:lstStyle/>
           <a:p>
             <a:pPr rtl="0"/>
-            <a:fld id="{2FFCA530-3DC9-43D3-93A9-C974C34E1DD6}" type="datetime1">
+            <a:fld id="{7DA48DE9-247B-4EBD-A14B-36988774F377}" type="datetime1">
               <a:rPr lang="de-DE" smtClean="0"/>
-              <a:t>18.02.2021</a:t>
+              <a:t>19.02.2021</a:t>
             </a:fld>
             <a:endParaRPr lang="en-US"/>
           </a:p>
@@ -2273,7 +3424,7 @@
             <a:pPr rtl="0"/>
             <a:fld id="{9C2B151B-D7D1-48E5-8230-5AADBC794F88}" type="slidenum">
               <a:rPr lang="en-US" smtClean="0"/>
-              <a:t>10</a:t>
+              <a:t>9</a:t>
             </a:fld>
             <a:endParaRPr lang="en-US"/>
           </a:p>
@@ -2282,7 +3433,7 @@
     </p:spTree>
     <p:extLst>
       <p:ext uri="{BB962C8B-B14F-4D97-AF65-F5344CB8AC3E}">
-        <p14:creationId xmlns:p14="http://schemas.microsoft.com/office/powerpoint/2010/main" val="328162340"/>
+        <p14:creationId xmlns:p14="http://schemas.microsoft.com/office/powerpoint/2010/main" val="4074544119"/>
       </p:ext>
     </p:extLst>
   </p:cSld>
@@ -2336,56 +3487,34 @@
           <a:bodyPr/>
           <a:lstStyle/>
           <a:p>
-            <a:pPr marL="0" marR="0" lvl="0" indent="0" algn="l" defTabSz="914400" rtl="0" eaLnBrk="1" fontAlgn="auto" latinLnBrk="0" hangingPunct="1">
-              <a:lnSpc>
-                <a:spcPct val="100000"/>
-              </a:lnSpc>
-              <a:spcBef>
-                <a:spcPts val="0"/>
-              </a:spcBef>
-              <a:spcAft>
-                <a:spcPts val="0"/>
-              </a:spcAft>
-              <a:buClrTx/>
-              <a:buSzTx/>
-              <a:buFontTx/>
-              <a:buNone/>
-              <a:tabLst/>
-              <a:defRPr/>
-            </a:pPr>
-            <a:r>
-              <a:rPr lang="de-DE" b="0" i="0" dirty="0">
-                <a:solidFill>
-                  <a:srgbClr val="000000"/>
-                </a:solidFill>
-                <a:effectLst/>
-                <a:latin typeface="-apple-system"/>
-              </a:rPr>
-              <a:t>Bei der täglichen Befragung mit den Smileys werden die Antworten mit 1-5 Punkten bewertet. </a:t>
-            </a:r>
-            <a:br>
-              <a:rPr lang="de-DE" b="0" i="0" dirty="0">
-                <a:solidFill>
-                  <a:srgbClr val="000000"/>
-                </a:solidFill>
-                <a:effectLst/>
-                <a:latin typeface="-apple-system"/>
-              </a:rPr>
-            </a:br>
-            <a:r>
-              <a:rPr lang="de-DE" b="0" i="0" dirty="0">
-                <a:solidFill>
-                  <a:srgbClr val="000000"/>
-                </a:solidFill>
-                <a:effectLst/>
-                <a:latin typeface="-apple-system"/>
-              </a:rPr>
-              <a:t>Bei der Frage mit „ja/nein“ wird „ja=4“ und „nein=2“ Bewertet. Hat der Nutzer alle Fragen beantwortet und anschließend auf Speichern gedrückt, werden alle Punkte zusammengezählt. Das Ergebnis wird durch die Anzahl der Fragen dividiert. Dadurch ergibt sich der Durchschnitt (das Stresslevel) für den Tag. Diese Werte fließen dann zuerst in die Datenbank und von da in die Wöchentliche Auswertung.</a:t>
-            </a:r>
-            <a:endParaRPr lang="de-DE" dirty="0"/>
-          </a:p>
-          <a:p>
-            <a:endParaRPr lang="de-DE" dirty="0"/>
+            <a:r>
+              <a:rPr lang="de-DE" dirty="0"/>
+              <a:t>Der Nutzer kann auf der Homepage sein Trinkverhalten angeben. Dies macht man in dem man auf:</a:t>
+            </a:r>
+          </a:p>
+          <a:p>
+            <a:r>
+              <a:rPr lang="de-DE" dirty="0"/>
+              <a:t> „-/+“, </a:t>
+            </a:r>
+          </a:p>
+          <a:p>
+            <a:r>
+              <a:rPr lang="de-DE" dirty="0"/>
+              <a:t>„+0,3L“, </a:t>
+            </a:r>
+          </a:p>
+          <a:p>
+            <a:r>
+              <a:rPr lang="de-DE" dirty="0"/>
+              <a:t>„+0,5L“ oder „+0,7L“ klickt.</a:t>
+            </a:r>
+          </a:p>
+          <a:p>
+            <a:r>
+              <a:rPr lang="de-DE" dirty="0"/>
+              <a:t>Dieser Wert wird zuerst in die Datenbank gespeichert und anschließend in der Kurve als neuer Punkt für den Tag angezeigt.</a:t>
+            </a:r>
           </a:p>
         </p:txBody>
       </p:sp>
@@ -2407,7 +3536,7 @@
             <a:pPr rtl="0"/>
             <a:fld id="{2FFCA530-3DC9-43D3-93A9-C974C34E1DD6}" type="datetime1">
               <a:rPr lang="de-DE" smtClean="0"/>
-              <a:t>18.02.2021</a:t>
+              <a:t>19.02.2021</a:t>
             </a:fld>
             <a:endParaRPr lang="en-US"/>
           </a:p>
@@ -2431,7 +3560,7 @@
             <a:pPr rtl="0"/>
             <a:fld id="{9C2B151B-D7D1-48E5-8230-5AADBC794F88}" type="slidenum">
               <a:rPr lang="en-US" smtClean="0"/>
-              <a:t>11</a:t>
+              <a:t>10</a:t>
             </a:fld>
             <a:endParaRPr lang="en-US"/>
           </a:p>
@@ -2440,7 +3569,7 @@
     </p:spTree>
     <p:extLst>
       <p:ext uri="{BB962C8B-B14F-4D97-AF65-F5344CB8AC3E}">
-        <p14:creationId xmlns:p14="http://schemas.microsoft.com/office/powerpoint/2010/main" val="1025756278"/>
+        <p14:creationId xmlns:p14="http://schemas.microsoft.com/office/powerpoint/2010/main" val="328162340"/>
       </p:ext>
     </p:extLst>
   </p:cSld>
@@ -2494,6 +3623,23 @@
           <a:bodyPr/>
           <a:lstStyle/>
           <a:p>
+            <a:pPr marL="0" marR="0" lvl="0" indent="0" algn="l" defTabSz="914400" rtl="0" eaLnBrk="1" fontAlgn="auto" latinLnBrk="0" hangingPunct="1">
+              <a:lnSpc>
+                <a:spcPct val="100000"/>
+              </a:lnSpc>
+              <a:spcBef>
+                <a:spcPts val="0"/>
+              </a:spcBef>
+              <a:spcAft>
+                <a:spcPts val="0"/>
+              </a:spcAft>
+              <a:buClrTx/>
+              <a:buSzTx/>
+              <a:buFontTx/>
+              <a:buNone/>
+              <a:tabLst/>
+              <a:defRPr/>
+            </a:pPr>
             <a:r>
               <a:rPr lang="de-DE" b="0" i="0" dirty="0">
                 <a:solidFill>
@@ -2502,8 +3648,30 @@
                 <a:effectLst/>
                 <a:latin typeface="-apple-system"/>
               </a:rPr>
-              <a:t>In der Umfrage werden die Antworten mit 1-3 Punkten bewertet. 3 steht für sehr gut, 2 steht für gut und 1 für schlecht. Hat der Nutzer alle Fragen beantwortet, werden alle Punkte zusammengezählt. Das Ergebnis wird durch die Anzahl der Fragen dividiert. Dadurch ergibt sich der Durchschnitt (das Stresslevel) für einen Monat.</a:t>
-            </a:r>
+              <a:t>Bei der täglichen Befragung mit den Smileys werden die Antworten mit 1-5 Punkten bewertet. </a:t>
+            </a:r>
+            <a:br>
+              <a:rPr lang="de-DE" b="0" i="0" dirty="0">
+                <a:solidFill>
+                  <a:srgbClr val="000000"/>
+                </a:solidFill>
+                <a:effectLst/>
+                <a:latin typeface="-apple-system"/>
+              </a:rPr>
+            </a:br>
+            <a:r>
+              <a:rPr lang="de-DE" b="0" i="0" dirty="0">
+                <a:solidFill>
+                  <a:srgbClr val="000000"/>
+                </a:solidFill>
+                <a:effectLst/>
+                <a:latin typeface="-apple-system"/>
+              </a:rPr>
+              <a:t>Bei der Frage mit „ja/nein“ wird „ja=4“ und „nein=2“ bewertet. Ja wird hier mit einer 4 bewertet, da es eine höhere Gewichtung haben soll. Nein wird dafür mit einer 2 bewertet. Hat der Nutzer alle Fragen beantwortet und anschließend auf Speichern gedrückt, werden alle Punkte zusammengezählt. Das Ergebnis wird durch die Anzahl der Fragen dividiert. Dadurch ergibt sich der Durchschnitt (das Stresslevel) für den Tag. Diese Werte fließen dann zuerst in die Datenbank und von da in die Wöchentliche Auswertung.</a:t>
+            </a:r>
+            <a:endParaRPr lang="de-DE" dirty="0"/>
+          </a:p>
+          <a:p>
             <a:endParaRPr lang="de-DE" dirty="0"/>
           </a:p>
         </p:txBody>
@@ -2526,7 +3694,7 @@
             <a:pPr rtl="0"/>
             <a:fld id="{2FFCA530-3DC9-43D3-93A9-C974C34E1DD6}" type="datetime1">
               <a:rPr lang="de-DE" smtClean="0"/>
-              <a:t>18.02.2021</a:t>
+              <a:t>19.02.2021</a:t>
             </a:fld>
             <a:endParaRPr lang="en-US"/>
           </a:p>
@@ -2550,7 +3718,7 @@
             <a:pPr rtl="0"/>
             <a:fld id="{9C2B151B-D7D1-48E5-8230-5AADBC794F88}" type="slidenum">
               <a:rPr lang="en-US" smtClean="0"/>
-              <a:t>12</a:t>
+              <a:t>11</a:t>
             </a:fld>
             <a:endParaRPr lang="en-US"/>
           </a:p>
@@ -2559,7 +3727,7 @@
     </p:spTree>
     <p:extLst>
       <p:ext uri="{BB962C8B-B14F-4D97-AF65-F5344CB8AC3E}">
-        <p14:creationId xmlns:p14="http://schemas.microsoft.com/office/powerpoint/2010/main" val="4178868877"/>
+        <p14:creationId xmlns:p14="http://schemas.microsoft.com/office/powerpoint/2010/main" val="1025756278"/>
       </p:ext>
     </p:extLst>
   </p:cSld>
@@ -2613,6 +3781,16 @@
           <a:bodyPr/>
           <a:lstStyle/>
           <a:p>
+            <a:r>
+              <a:rPr lang="de-DE" b="0" i="0" dirty="0">
+                <a:solidFill>
+                  <a:srgbClr val="000000"/>
+                </a:solidFill>
+                <a:effectLst/>
+                <a:latin typeface="-apple-system"/>
+              </a:rPr>
+              <a:t>In der Umfrage werden die Antworten mit 1-3 Punkten bewertet. 3 steht für sehr gut, 2 steht für gut und 1 für schlecht. Hat der Nutzer alle Fragen beantwortet, werden alle Punkte zusammengezählt. Das Ergebnis wird durch die Anzahl der Fragen dividiert. Dadurch ergibt sich der Durchschnitt (das Stresslevel) für einen Monat.</a:t>
+            </a:r>
             <a:endParaRPr lang="de-DE" dirty="0"/>
           </a:p>
         </p:txBody>
@@ -2633,9 +3811,9 @@
           <a:lstStyle/>
           <a:p>
             <a:pPr rtl="0"/>
-            <a:fld id="{7DA48DE9-247B-4EBD-A14B-36988774F377}" type="datetime1">
+            <a:fld id="{2FFCA530-3DC9-43D3-93A9-C974C34E1DD6}" type="datetime1">
               <a:rPr lang="de-DE" smtClean="0"/>
-              <a:t>18.02.2021</a:t>
+              <a:t>19.02.2021</a:t>
             </a:fld>
             <a:endParaRPr lang="en-US"/>
           </a:p>
@@ -2659,7 +3837,7 @@
             <a:pPr rtl="0"/>
             <a:fld id="{9C2B151B-D7D1-48E5-8230-5AADBC794F88}" type="slidenum">
               <a:rPr lang="en-US" smtClean="0"/>
-              <a:t>13</a:t>
+              <a:t>12</a:t>
             </a:fld>
             <a:endParaRPr lang="en-US"/>
           </a:p>
@@ -2668,7 +3846,7 @@
     </p:spTree>
     <p:extLst>
       <p:ext uri="{BB962C8B-B14F-4D97-AF65-F5344CB8AC3E}">
-        <p14:creationId xmlns:p14="http://schemas.microsoft.com/office/powerpoint/2010/main" val="1348172016"/>
+        <p14:creationId xmlns:p14="http://schemas.microsoft.com/office/powerpoint/2010/main" val="4178868877"/>
       </p:ext>
     </p:extLst>
   </p:cSld>
@@ -2925,7 +4103,7 @@
             <a:pPr rtl="0"/>
             <a:fld id="{1514E7D0-C394-41B8-B7AE-64A70240C443}" type="datetime1">
               <a:rPr lang="de-DE" smtClean="0"/>
-              <a:t>18.02.2021</a:t>
+              <a:t>19.02.2021</a:t>
             </a:fld>
             <a:endParaRPr lang="en-US" dirty="0"/>
           </a:p>
@@ -3117,7 +4295,7 @@
             <a:pPr rtl="0"/>
             <a:fld id="{9F18B267-496C-4DE2-83A1-ADDE2B38BABC}" type="datetime1">
               <a:rPr lang="de-DE" smtClean="0"/>
-              <a:t>18.02.2021</a:t>
+              <a:t>19.02.2021</a:t>
             </a:fld>
             <a:endParaRPr lang="en-US" dirty="0"/>
           </a:p>
@@ -3363,7 +4541,7 @@
             <a:pPr rtl="0"/>
             <a:fld id="{E69133DC-A4FB-46C6-B336-BDC14EB1109E}" type="datetime1">
               <a:rPr lang="de-DE" smtClean="0"/>
-              <a:t>18.02.2021</a:t>
+              <a:t>19.02.2021</a:t>
             </a:fld>
             <a:endParaRPr lang="en-US" dirty="0"/>
           </a:p>
@@ -3555,7 +4733,7 @@
             <a:pPr rtl="0"/>
             <a:fld id="{F30E4169-C7C7-4376-AB11-34EB622D2405}" type="datetime1">
               <a:rPr lang="de-DE" smtClean="0"/>
-              <a:t>18.02.2021</a:t>
+              <a:t>19.02.2021</a:t>
             </a:fld>
             <a:endParaRPr lang="en-US" dirty="0"/>
           </a:p>
@@ -3932,7 +5110,7 @@
             <a:pPr rtl="0"/>
             <a:fld id="{409968DE-A4DB-495B-95AE-99CDDC855AF2}" type="datetime1">
               <a:rPr lang="de-DE" smtClean="0"/>
-              <a:t>18.02.2021</a:t>
+              <a:t>19.02.2021</a:t>
             </a:fld>
             <a:endParaRPr lang="en-US" dirty="0"/>
           </a:p>
@@ -4191,7 +5369,7 @@
             <a:pPr rtl="0"/>
             <a:fld id="{9EF45B0B-2729-48AC-9205-BE6F230C1D5B}" type="datetime1">
               <a:rPr lang="de-DE" smtClean="0"/>
-              <a:t>18.02.2021</a:t>
+              <a:t>19.02.2021</a:t>
             </a:fld>
             <a:endParaRPr lang="en-US" dirty="0"/>
           </a:p>
@@ -4592,7 +5770,7 @@
             <a:pPr rtl="0"/>
             <a:fld id="{8E4FF476-B6BA-4FEE-BDFF-03C42D8EF0BE}" type="datetime1">
               <a:rPr lang="de-DE" smtClean="0"/>
-              <a:t>18.02.2021</a:t>
+              <a:t>19.02.2021</a:t>
             </a:fld>
             <a:endParaRPr lang="en-US" dirty="0"/>
           </a:p>
@@ -4732,7 +5910,7 @@
             <a:pPr rtl="0"/>
             <a:fld id="{FA8FA527-88AE-4543-AEBC-7948E7487802}" type="datetime1">
               <a:rPr lang="de-DE" smtClean="0"/>
-              <a:t>18.02.2021</a:t>
+              <a:t>19.02.2021</a:t>
             </a:fld>
             <a:endParaRPr lang="en-US" dirty="0"/>
           </a:p>
@@ -4892,7 +6070,7 @@
             <a:pPr rtl="0"/>
             <a:fld id="{B57B0AEE-EFBF-48DE-9103-7B88127BA894}" type="datetime1">
               <a:rPr lang="de-DE" smtClean="0"/>
-              <a:t>18.02.2021</a:t>
+              <a:t>19.02.2021</a:t>
             </a:fld>
             <a:endParaRPr lang="en-US" dirty="0"/>
           </a:p>
@@ -5225,7 +6403,7 @@
             <a:pPr rtl="0"/>
             <a:fld id="{1C0B70E3-B486-492A-BCB4-D9B66A2BDF7C}" type="datetime1">
               <a:rPr lang="de-DE" smtClean="0"/>
-              <a:t>18.02.2021</a:t>
+              <a:t>19.02.2021</a:t>
             </a:fld>
             <a:endParaRPr lang="en-US" dirty="0"/>
           </a:p>
@@ -5580,7 +6758,7 @@
             <a:pPr rtl="0"/>
             <a:fld id="{61AEA410-FF34-4F91-83E1-92B094F01CEC}" type="datetime1">
               <a:rPr lang="de-DE" smtClean="0"/>
-              <a:t>18.02.2021</a:t>
+              <a:t>19.02.2021</a:t>
             </a:fld>
             <a:endParaRPr lang="en-US" dirty="0"/>
           </a:p>
@@ -5844,7 +7022,7 @@
             <a:pPr rtl="0"/>
             <a:fld id="{F4C9C9C2-3DC7-4CA0-92AE-978744C99D6B}" type="datetime1">
               <a:rPr lang="de-DE" smtClean="0"/>
-              <a:t>18.02.2021</a:t>
+              <a:t>19.02.2021</a:t>
             </a:fld>
             <a:endParaRPr lang="en-US" dirty="0"/>
           </a:p>
@@ -7023,41 +8201,6 @@
       </p:sp>
       <p:pic>
         <p:nvPicPr>
-          <p:cNvPr id="6" name="Grafik 5">
-            <a:extLst>
-              <a:ext uri="{FF2B5EF4-FFF2-40B4-BE49-F238E27FC236}">
-                <a16:creationId xmlns:a16="http://schemas.microsoft.com/office/drawing/2014/main" id="{7C6E7706-566A-49A8-937D-3C1A6F0CC661}"/>
-              </a:ext>
-            </a:extLst>
-          </p:cNvPr>
-          <p:cNvPicPr>
-            <a:picLocks noChangeAspect="1"/>
-          </p:cNvPicPr>
-          <p:nvPr/>
-        </p:nvPicPr>
-        <p:blipFill rotWithShape="1">
-          <a:blip r:embed="rId3">
-            <a:extLst>
-              <a:ext uri="{28A0092B-C50C-407E-A947-70E740481C1C}">
-                <a14:useLocalDpi xmlns:a14="http://schemas.microsoft.com/office/drawing/2010/main" val="0"/>
-              </a:ext>
-            </a:extLst>
-          </a:blip>
-          <a:srcRect l="811" t="28281" r="47095" b="8616"/>
-          <a:stretch/>
-        </p:blipFill>
-        <p:spPr>
-          <a:xfrm>
-            <a:off x="654909" y="2099963"/>
-            <a:ext cx="6771502" cy="3846847"/>
-          </a:xfrm>
-          <a:prstGeom prst="rect">
-            <a:avLst/>
-          </a:prstGeom>
-        </p:spPr>
-      </p:pic>
-      <p:pic>
-        <p:nvPicPr>
           <p:cNvPr id="10" name="Grafik 9" descr="Ein Bild, das Text enthält.&#10;&#10;Automatisch generierte Beschreibung">
             <a:extLst>
               <a:ext uri="{FF2B5EF4-FFF2-40B4-BE49-F238E27FC236}">
@@ -7071,7 +8214,7 @@
           <p:nvPr/>
         </p:nvPicPr>
         <p:blipFill>
-          <a:blip r:embed="rId4">
+          <a:blip r:embed="rId3">
             <a:extLst>
               <a:ext uri="{28A0092B-C50C-407E-A947-70E740481C1C}">
                 <a14:useLocalDpi xmlns:a14="http://schemas.microsoft.com/office/drawing/2010/main" val="0"/>
@@ -7086,6 +8229,42 @@
           <a:xfrm>
             <a:off x="8615958" y="2376069"/>
             <a:ext cx="2094049" cy="3756787"/>
+          </a:xfrm>
+          <a:prstGeom prst="rect">
+            <a:avLst/>
+          </a:prstGeom>
+        </p:spPr>
+      </p:pic>
+      <p:pic>
+        <p:nvPicPr>
+          <p:cNvPr id="7" name="Grafik 6">
+            <a:extLst>
+              <a:ext uri="{FF2B5EF4-FFF2-40B4-BE49-F238E27FC236}">
+                <a16:creationId xmlns:a16="http://schemas.microsoft.com/office/drawing/2014/main" id="{6D49C268-FE58-4F50-AD52-AA3A6257AB7A}"/>
+              </a:ext>
+            </a:extLst>
+          </p:cNvPr>
+          <p:cNvPicPr>
+            <a:picLocks noChangeAspect="1"/>
+          </p:cNvPicPr>
+          <p:nvPr/>
+        </p:nvPicPr>
+        <p:blipFill>
+          <a:blip r:embed="rId4">
+            <a:extLst>
+              <a:ext uri="{28A0092B-C50C-407E-A947-70E740481C1C}">
+                <a14:useLocalDpi xmlns:a14="http://schemas.microsoft.com/office/drawing/2010/main" val="0"/>
+              </a:ext>
+            </a:extLst>
+          </a:blip>
+          <a:stretch>
+            <a:fillRect/>
+          </a:stretch>
+        </p:blipFill>
+        <p:spPr>
+          <a:xfrm>
+            <a:off x="1097280" y="2096425"/>
+            <a:ext cx="6143779" cy="4053559"/>
           </a:xfrm>
           <a:prstGeom prst="rect">
             <a:avLst/>
@@ -7217,10 +8396,10 @@
       </p:sp>
       <p:pic>
         <p:nvPicPr>
-          <p:cNvPr id="10" name="Grafik 9">
-            <a:extLst>
-              <a:ext uri="{FF2B5EF4-FFF2-40B4-BE49-F238E27FC236}">
-                <a16:creationId xmlns:a16="http://schemas.microsoft.com/office/drawing/2014/main" id="{B182FBEF-7134-4373-99C4-525AF93ACB10}"/>
+          <p:cNvPr id="12" name="Grafik 11" descr="Ein Bild, das Text, Screenshot, Computer, computer enthält.&#10;&#10;Automatisch generierte Beschreibung">
+            <a:extLst>
+              <a:ext uri="{FF2B5EF4-FFF2-40B4-BE49-F238E27FC236}">
+                <a16:creationId xmlns:a16="http://schemas.microsoft.com/office/drawing/2014/main" id="{E6652D64-087B-48DB-B60A-878A130F0B04}"/>
               </a:ext>
             </a:extLst>
           </p:cNvPr>
@@ -7231,41 +8410,6 @@
         </p:nvPicPr>
         <p:blipFill rotWithShape="1">
           <a:blip r:embed="rId3">
-            <a:extLst>
-              <a:ext uri="{28A0092B-C50C-407E-A947-70E740481C1C}">
-                <a14:useLocalDpi xmlns:a14="http://schemas.microsoft.com/office/drawing/2010/main" val="0"/>
-              </a:ext>
-            </a:extLst>
-          </a:blip>
-          <a:srcRect l="1216" t="27928" r="47804" b="18919"/>
-          <a:stretch/>
-        </p:blipFill>
-        <p:spPr>
-          <a:xfrm>
-            <a:off x="719487" y="2099963"/>
-            <a:ext cx="6895072" cy="4043831"/>
-          </a:xfrm>
-          <a:prstGeom prst="rect">
-            <a:avLst/>
-          </a:prstGeom>
-        </p:spPr>
-      </p:pic>
-      <p:pic>
-        <p:nvPicPr>
-          <p:cNvPr id="12" name="Grafik 11" descr="Ein Bild, das Text, Screenshot, Computer, computer enthält.&#10;&#10;Automatisch generierte Beschreibung">
-            <a:extLst>
-              <a:ext uri="{FF2B5EF4-FFF2-40B4-BE49-F238E27FC236}">
-                <a16:creationId xmlns:a16="http://schemas.microsoft.com/office/drawing/2014/main" id="{E6652D64-087B-48DB-B60A-878A130F0B04}"/>
-              </a:ext>
-            </a:extLst>
-          </p:cNvPr>
-          <p:cNvPicPr>
-            <a:picLocks noChangeAspect="1"/>
-          </p:cNvPicPr>
-          <p:nvPr/>
-        </p:nvPicPr>
-        <p:blipFill rotWithShape="1">
-          <a:blip r:embed="rId4">
             <a:extLst>
               <a:ext uri="{28A0092B-C50C-407E-A947-70E740481C1C}">
                 <a14:useLocalDpi xmlns:a14="http://schemas.microsoft.com/office/drawing/2010/main" val="0"/>
@@ -7300,7 +8444,7 @@
           <p:nvPr/>
         </p:nvPicPr>
         <p:blipFill rotWithShape="1">
-          <a:blip r:embed="rId5">
+          <a:blip r:embed="rId4">
             <a:extLst>
               <a:ext uri="{28A0092B-C50C-407E-A947-70E740481C1C}">
                 <a14:useLocalDpi xmlns:a14="http://schemas.microsoft.com/office/drawing/2010/main" val="0"/>
@@ -7314,6 +8458,42 @@
           <a:xfrm>
             <a:off x="8006740" y="4164513"/>
             <a:ext cx="2311153" cy="2229733"/>
+          </a:xfrm>
+          <a:prstGeom prst="rect">
+            <a:avLst/>
+          </a:prstGeom>
+        </p:spPr>
+      </p:pic>
+      <p:pic>
+        <p:nvPicPr>
+          <p:cNvPr id="6" name="Grafik 5">
+            <a:extLst>
+              <a:ext uri="{FF2B5EF4-FFF2-40B4-BE49-F238E27FC236}">
+                <a16:creationId xmlns:a16="http://schemas.microsoft.com/office/drawing/2014/main" id="{3952696B-494A-4E73-BB9B-DDD763708E78}"/>
+              </a:ext>
+            </a:extLst>
+          </p:cNvPr>
+          <p:cNvPicPr>
+            <a:picLocks noChangeAspect="1"/>
+          </p:cNvPicPr>
+          <p:nvPr/>
+        </p:nvPicPr>
+        <p:blipFill>
+          <a:blip r:embed="rId5">
+            <a:extLst>
+              <a:ext uri="{28A0092B-C50C-407E-A947-70E740481C1C}">
+                <a14:useLocalDpi xmlns:a14="http://schemas.microsoft.com/office/drawing/2010/main" val="0"/>
+              </a:ext>
+            </a:extLst>
+          </a:blip>
+          <a:stretch>
+            <a:fillRect/>
+          </a:stretch>
+        </p:blipFill>
+        <p:spPr>
+          <a:xfrm>
+            <a:off x="1097280" y="2099963"/>
+            <a:ext cx="6143779" cy="4181277"/>
           </a:xfrm>
           <a:prstGeom prst="rect">
             <a:avLst/>
@@ -7600,7 +8780,7 @@
           <p:nvPr/>
         </p:nvPicPr>
         <p:blipFill>
-          <a:blip r:embed="rId2">
+          <a:blip r:embed="rId3">
             <a:extLst>
               <a:ext uri="{28A0092B-C50C-407E-A947-70E740481C1C}">
                 <a14:useLocalDpi xmlns:a14="http://schemas.microsoft.com/office/drawing/2010/main" val="0"/>
@@ -7771,7 +8951,7 @@
           <p:nvPr/>
         </p:nvPicPr>
         <p:blipFill>
-          <a:blip r:embed="rId2">
+          <a:blip r:embed="rId3">
             <a:extLst>
               <a:ext uri="{28A0092B-C50C-407E-A947-70E740481C1C}">
                 <a14:useLocalDpi xmlns:a14="http://schemas.microsoft.com/office/drawing/2010/main" val="0"/>
@@ -7942,7 +9122,7 @@
           <p:nvPr/>
         </p:nvPicPr>
         <p:blipFill>
-          <a:blip r:embed="rId2">
+          <a:blip r:embed="rId3">
             <a:extLst>
               <a:ext uri="{28A0092B-C50C-407E-A947-70E740481C1C}">
                 <a14:useLocalDpi xmlns:a14="http://schemas.microsoft.com/office/drawing/2010/main" val="0"/>
@@ -8148,7 +9328,7 @@
           <p:nvPr/>
         </p:nvPicPr>
         <p:blipFill>
-          <a:blip r:embed="rId2">
+          <a:blip r:embed="rId3">
             <a:extLst>
               <a:ext uri="{28A0092B-C50C-407E-A947-70E740481C1C}">
                 <a14:useLocalDpi xmlns:a14="http://schemas.microsoft.com/office/drawing/2010/main" val="0"/>
@@ -8319,7 +9499,7 @@
           <p:nvPr/>
         </p:nvPicPr>
         <p:blipFill>
-          <a:blip r:embed="rId2">
+          <a:blip r:embed="rId3">
             <a:extLst>
               <a:ext uri="{28A0092B-C50C-407E-A947-70E740481C1C}">
                 <a14:useLocalDpi xmlns:a14="http://schemas.microsoft.com/office/drawing/2010/main" val="0"/>
@@ -9011,7 +10191,7 @@
           <p:nvPr/>
         </p:nvPicPr>
         <p:blipFill>
-          <a:blip r:embed="rId2">
+          <a:blip r:embed="rId3">
             <a:extLst>
               <a:ext uri="{28A0092B-C50C-407E-A947-70E740481C1C}">
                 <a14:useLocalDpi xmlns:a14="http://schemas.microsoft.com/office/drawing/2010/main" val="0"/>
@@ -9182,7 +10362,7 @@
           <p:nvPr/>
         </p:nvPicPr>
         <p:blipFill>
-          <a:blip r:embed="rId2">
+          <a:blip r:embed="rId3">
             <a:extLst>
               <a:ext uri="{28A0092B-C50C-407E-A947-70E740481C1C}">
                 <a14:useLocalDpi xmlns:a14="http://schemas.microsoft.com/office/drawing/2010/main" val="0"/>
@@ -9649,7 +10829,7 @@
           <p:nvPr/>
         </p:nvPicPr>
         <p:blipFill>
-          <a:blip r:embed="rId2">
+          <a:blip r:embed="rId3">
             <a:extLst>
               <a:ext uri="{28A0092B-C50C-407E-A947-70E740481C1C}">
                 <a14:useLocalDpi xmlns:a14="http://schemas.microsoft.com/office/drawing/2010/main" val="0"/>
@@ -9685,7 +10865,7 @@
           <p:nvPr/>
         </p:nvPicPr>
         <p:blipFill>
-          <a:blip r:embed="rId3">
+          <a:blip r:embed="rId4">
             <a:extLst>
               <a:ext uri="{28A0092B-C50C-407E-A947-70E740481C1C}">
                 <a14:useLocalDpi xmlns:a14="http://schemas.microsoft.com/office/drawing/2010/main" val="0"/>
@@ -10458,12 +11638,12 @@
         <p:spPr>
           <a:xfrm>
             <a:off x="1216034" y="2615723"/>
-            <a:ext cx="3925982" cy="3013183"/>
+            <a:ext cx="3925982" cy="3290807"/>
           </a:xfrm>
         </p:spPr>
         <p:txBody>
           <a:bodyPr>
-            <a:normAutofit/>
+            <a:normAutofit fontScale="92500" lnSpcReduction="20000"/>
           </a:bodyPr>
           <a:lstStyle/>
           <a:p>
@@ -10515,6 +11695,21 @@
               </a:rPr>
               <a:t> Musik, Hörbücher, ASMR (App Verlinkung)</a:t>
             </a:r>
+          </a:p>
+          <a:p>
+            <a:pPr>
+              <a:buFont typeface="Arial" panose="020B0604020202020204" pitchFamily="34" charset="0"/>
+              <a:buChar char="•"/>
+            </a:pPr>
+            <a:r>
+              <a:rPr lang="de-DE" sz="1800" dirty="0">
+                <a:solidFill>
+                  <a:schemeClr val="tx1"/>
+                </a:solidFill>
+                <a:latin typeface="-apple-system"/>
+              </a:rPr>
+              <a:t>Literangabe</a:t>
+            </a:r>
             <a:endParaRPr lang="de-DE" sz="1700" i="1" dirty="0">
               <a:latin typeface="-apple-system"/>
             </a:endParaRPr>
@@ -10546,7 +11741,7 @@
                 </a:solidFill>
                 <a:latin typeface="-apple-system"/>
               </a:rPr>
-              <a:t> Auswertungen (mit festen Daten)</a:t>
+              <a:t> Auswertungen</a:t>
             </a:r>
           </a:p>
           <a:p>
@@ -10577,6 +11772,21 @@
                 <a:latin typeface="-apple-system"/>
               </a:rPr>
               <a:t>Monatliche Umfrage</a:t>
+            </a:r>
+          </a:p>
+          <a:p>
+            <a:pPr lvl="1">
+              <a:buFont typeface="Arial" panose="020B0604020202020204" pitchFamily="34" charset="0"/>
+              <a:buChar char="•"/>
+            </a:pPr>
+            <a:r>
+              <a:rPr lang="de-DE" sz="1600" dirty="0">
+                <a:solidFill>
+                  <a:schemeClr val="tx1"/>
+                </a:solidFill>
+                <a:latin typeface="-apple-system"/>
+              </a:rPr>
+              <a:t>Trinkverhalten</a:t>
             </a:r>
           </a:p>
           <a:p>
@@ -10942,16 +12152,7 @@
                 </a:solidFill>
                 <a:latin typeface="-apple-system"/>
               </a:rPr>
-              <a:t> </a:t>
-            </a:r>
-            <a:r>
-              <a:rPr lang="de-DE" sz="1700" dirty="0">
-                <a:solidFill>
-                  <a:schemeClr val="tx1"/>
-                </a:solidFill>
-                <a:latin typeface="-apple-system"/>
-              </a:rPr>
-              <a:t>Anmelden</a:t>
+              <a:t> Anmelden</a:t>
             </a:r>
           </a:p>
           <a:p>
@@ -10960,7 +12161,7 @@
               <a:buChar char="•"/>
             </a:pPr>
             <a:r>
-              <a:rPr lang="de-DE" sz="1700" dirty="0">
+              <a:rPr lang="de-DE" sz="1600" dirty="0">
                 <a:solidFill>
                   <a:schemeClr val="tx1"/>
                 </a:solidFill>
@@ -10975,7 +12176,7 @@
               <a:buChar char="•"/>
             </a:pPr>
             <a:r>
-              <a:rPr lang="de-DE" sz="1700" dirty="0">
+              <a:rPr lang="de-DE" sz="1600" dirty="0">
                 <a:solidFill>
                   <a:schemeClr val="tx1"/>
                 </a:solidFill>
@@ -10990,31 +12191,16 @@
               <a:buChar char="•"/>
             </a:pPr>
             <a:r>
-              <a:rPr lang="de-DE" sz="1700" dirty="0">
+              <a:rPr lang="de-DE" sz="1600" dirty="0">
                 <a:solidFill>
                   <a:schemeClr val="tx1"/>
                 </a:solidFill>
                 <a:latin typeface="-apple-system"/>
               </a:rPr>
-              <a:t> Literangabe</a:t>
-            </a:r>
-          </a:p>
-          <a:p>
-            <a:pPr>
-              <a:buFont typeface="Arial" panose="020B0604020202020204" pitchFamily="34" charset="0"/>
-              <a:buChar char="•"/>
-            </a:pPr>
-            <a:r>
-              <a:rPr lang="de-DE" sz="1700" dirty="0">
-                <a:solidFill>
-                  <a:schemeClr val="tx1"/>
-                </a:solidFill>
-                <a:latin typeface="-apple-system"/>
-              </a:rPr>
-              <a:t> Rapid</a:t>
-            </a:r>
-            <a:r>
-              <a:rPr lang="de-DE" sz="1700" b="0" i="0" dirty="0">
+              <a:t>Rapid</a:t>
+            </a:r>
+            <a:r>
+              <a:rPr lang="de-DE" sz="1600" b="0" i="0" dirty="0">
                 <a:solidFill>
                   <a:schemeClr val="tx1"/>
                 </a:solidFill>
@@ -11024,7 +12210,7 @@
               <a:t> </a:t>
             </a:r>
             <a:r>
-              <a:rPr lang="de-DE" sz="1700" dirty="0">
+              <a:rPr lang="de-DE" sz="1600" dirty="0">
                 <a:solidFill>
                   <a:schemeClr val="tx1"/>
                 </a:solidFill>
@@ -11033,7 +12219,7 @@
               <a:t>Prototype</a:t>
             </a:r>
             <a:r>
-              <a:rPr lang="de-DE" sz="1700" b="0" i="0" dirty="0">
+              <a:rPr lang="de-DE" sz="1600" b="0" i="0" dirty="0">
                 <a:solidFill>
                   <a:schemeClr val="tx1"/>
                 </a:solidFill>
@@ -11043,7 +12229,7 @@
               <a:t> </a:t>
             </a:r>
             <a:r>
-              <a:rPr lang="de-DE" sz="1700" dirty="0">
+              <a:rPr lang="de-DE" sz="1600" dirty="0">
                 <a:solidFill>
                   <a:schemeClr val="tx1"/>
                 </a:solidFill>
@@ -12923,7 +14109,7 @@
           <p:nvPr/>
         </p:nvPicPr>
         <p:blipFill rotWithShape="1">
-          <a:blip r:embed="rId2">
+          <a:blip r:embed="rId3">
             <a:extLst>
               <a:ext uri="{28A0092B-C50C-407E-A947-70E740481C1C}">
                 <a14:useLocalDpi xmlns:a14="http://schemas.microsoft.com/office/drawing/2010/main" val="0"/>

--- a/Audits/Audit 4/WS2020_SerttasPlackenhohn_Audit4.pptx
+++ b/Audits/Audit 4/WS2020_SerttasPlackenhohn_Audit4.pptx
@@ -5,10 +5,10 @@
     <p:sldMasterId id="2147483746" r:id="rId1"/>
   </p:sldMasterIdLst>
   <p:notesMasterIdLst>
-    <p:notesMasterId r:id="rId33"/>
+    <p:notesMasterId r:id="rId34"/>
   </p:notesMasterIdLst>
   <p:handoutMasterIdLst>
-    <p:handoutMasterId r:id="rId34"/>
+    <p:handoutMasterId r:id="rId35"/>
   </p:handoutMasterIdLst>
   <p:sldIdLst>
     <p:sldId id="257" r:id="rId2"/>
@@ -18,30 +18,31 @@
     <p:sldId id="394" r:id="rId6"/>
     <p:sldId id="263" r:id="rId7"/>
     <p:sldId id="409" r:id="rId8"/>
-    <p:sldId id="381" r:id="rId9"/>
-    <p:sldId id="413" r:id="rId10"/>
-    <p:sldId id="416" r:id="rId11"/>
-    <p:sldId id="414" r:id="rId12"/>
-    <p:sldId id="415" r:id="rId13"/>
-    <p:sldId id="400" r:id="rId14"/>
-    <p:sldId id="402" r:id="rId15"/>
-    <p:sldId id="404" r:id="rId16"/>
-    <p:sldId id="405" r:id="rId17"/>
-    <p:sldId id="410" r:id="rId18"/>
-    <p:sldId id="411" r:id="rId19"/>
-    <p:sldId id="412" r:id="rId20"/>
-    <p:sldId id="417" r:id="rId21"/>
-    <p:sldId id="418" r:id="rId22"/>
-    <p:sldId id="419" r:id="rId23"/>
-    <p:sldId id="403" r:id="rId24"/>
-    <p:sldId id="406" r:id="rId25"/>
-    <p:sldId id="407" r:id="rId26"/>
-    <p:sldId id="399" r:id="rId27"/>
-    <p:sldId id="398" r:id="rId28"/>
-    <p:sldId id="396" r:id="rId29"/>
-    <p:sldId id="397" r:id="rId30"/>
-    <p:sldId id="278" r:id="rId31"/>
-    <p:sldId id="271" r:id="rId32"/>
+    <p:sldId id="420" r:id="rId9"/>
+    <p:sldId id="381" r:id="rId10"/>
+    <p:sldId id="413" r:id="rId11"/>
+    <p:sldId id="416" r:id="rId12"/>
+    <p:sldId id="414" r:id="rId13"/>
+    <p:sldId id="415" r:id="rId14"/>
+    <p:sldId id="400" r:id="rId15"/>
+    <p:sldId id="402" r:id="rId16"/>
+    <p:sldId id="404" r:id="rId17"/>
+    <p:sldId id="405" r:id="rId18"/>
+    <p:sldId id="410" r:id="rId19"/>
+    <p:sldId id="411" r:id="rId20"/>
+    <p:sldId id="412" r:id="rId21"/>
+    <p:sldId id="417" r:id="rId22"/>
+    <p:sldId id="418" r:id="rId23"/>
+    <p:sldId id="419" r:id="rId24"/>
+    <p:sldId id="403" r:id="rId25"/>
+    <p:sldId id="406" r:id="rId26"/>
+    <p:sldId id="407" r:id="rId27"/>
+    <p:sldId id="399" r:id="rId28"/>
+    <p:sldId id="398" r:id="rId29"/>
+    <p:sldId id="396" r:id="rId30"/>
+    <p:sldId id="397" r:id="rId31"/>
+    <p:sldId id="278" r:id="rId32"/>
+    <p:sldId id="271" r:id="rId33"/>
   </p:sldIdLst>
   <p:sldSz cx="12192000" cy="6858000"/>
   <p:notesSz cx="7315200" cy="9601200"/>
@@ -843,6 +844,16 @@
           <a:bodyPr/>
           <a:lstStyle/>
           <a:p>
+            <a:r>
+              <a:rPr lang="de-DE" b="0" i="0" dirty="0">
+                <a:solidFill>
+                  <a:srgbClr val="000000"/>
+                </a:solidFill>
+                <a:effectLst/>
+                <a:latin typeface="-apple-system"/>
+              </a:rPr>
+              <a:t>In der Umfrage werden die Antworten mit 1-3 Punkten bewertet. 3 steht für sehr gut, 2 steht für gut und 1 für schlecht. Hat der Nutzer alle Fragen beantwortet, werden alle Punkte zusammengezählt. Das Ergebnis wird durch die Anzahl der Fragen dividiert. Dadurch ergibt sich der Durchschnitt (das Stresslevel) für einen Monat.</a:t>
+            </a:r>
             <a:endParaRPr lang="de-DE" dirty="0"/>
           </a:p>
         </p:txBody>
@@ -863,7 +874,7 @@
           <a:lstStyle/>
           <a:p>
             <a:pPr rtl="0"/>
-            <a:fld id="{7DA48DE9-247B-4EBD-A14B-36988774F377}" type="datetime1">
+            <a:fld id="{2FFCA530-3DC9-43D3-93A9-C974C34E1DD6}" type="datetime1">
               <a:rPr lang="de-DE" smtClean="0"/>
               <a:t>19.02.2021</a:t>
             </a:fld>
@@ -898,7 +909,7 @@
     </p:spTree>
     <p:extLst>
       <p:ext uri="{BB962C8B-B14F-4D97-AF65-F5344CB8AC3E}">
-        <p14:creationId xmlns:p14="http://schemas.microsoft.com/office/powerpoint/2010/main" val="1348172016"/>
+        <p14:creationId xmlns:p14="http://schemas.microsoft.com/office/powerpoint/2010/main" val="4178868877"/>
       </p:ext>
     </p:extLst>
   </p:cSld>
@@ -952,17 +963,7 @@
           <a:bodyPr/>
           <a:lstStyle/>
           <a:p>
-            <a:r>
-              <a:rPr lang="de-DE" dirty="0"/>
-              <a:t>Hier sieht man das ER-Diagramm für die monatliche Umfrage.</a:t>
-            </a:r>
-            <a:br>
-              <a:rPr lang="de-DE" dirty="0"/>
-            </a:br>
-            <a:r>
-              <a:rPr lang="de-DE" dirty="0"/>
-              <a:t>Das ER-Diagramm hilft uns bei der Umsetzung.</a:t>
-            </a:r>
+            <a:endParaRPr lang="de-DE" dirty="0"/>
           </a:p>
         </p:txBody>
       </p:sp>
@@ -982,7 +983,7 @@
           <a:lstStyle/>
           <a:p>
             <a:pPr rtl="0"/>
-            <a:fld id="{2FFCA530-3DC9-43D3-93A9-C974C34E1DD6}" type="datetime1">
+            <a:fld id="{7DA48DE9-247B-4EBD-A14B-36988774F377}" type="datetime1">
               <a:rPr lang="de-DE" smtClean="0"/>
               <a:t>19.02.2021</a:t>
             </a:fld>
@@ -1017,7 +1018,7 @@
     </p:spTree>
     <p:extLst>
       <p:ext uri="{BB962C8B-B14F-4D97-AF65-F5344CB8AC3E}">
-        <p14:creationId xmlns:p14="http://schemas.microsoft.com/office/powerpoint/2010/main" val="1975399380"/>
+        <p14:creationId xmlns:p14="http://schemas.microsoft.com/office/powerpoint/2010/main" val="1348172016"/>
       </p:ext>
     </p:extLst>
   </p:cSld>
@@ -1073,7 +1074,14 @@
           <a:p>
             <a:r>
               <a:rPr lang="de-DE" dirty="0"/>
-              <a:t>Hier haben wir das ER-Diagramm in der Datenbank umgesetzt.</a:t>
+              <a:t>Hier sieht man das ER-Diagramm für die monatliche Umfrage.</a:t>
+            </a:r>
+            <a:br>
+              <a:rPr lang="de-DE" dirty="0"/>
+            </a:br>
+            <a:r>
+              <a:rPr lang="de-DE" dirty="0"/>
+              <a:t>Das ER-Diagramm hilft uns bei der Umsetzung.</a:t>
             </a:r>
           </a:p>
         </p:txBody>
@@ -1129,7 +1137,7 @@
     </p:spTree>
     <p:extLst>
       <p:ext uri="{BB962C8B-B14F-4D97-AF65-F5344CB8AC3E}">
-        <p14:creationId xmlns:p14="http://schemas.microsoft.com/office/powerpoint/2010/main" val="3212896286"/>
+        <p14:creationId xmlns:p14="http://schemas.microsoft.com/office/powerpoint/2010/main" val="1975399380"/>
       </p:ext>
     </p:extLst>
   </p:cSld>
@@ -1183,7 +1191,10 @@
           <a:bodyPr/>
           <a:lstStyle/>
           <a:p>
-            <a:endParaRPr lang="de-DE" dirty="0"/>
+            <a:r>
+              <a:rPr lang="de-DE" dirty="0"/>
+              <a:t>Hier haben wir das ER-Diagramm in der Datenbank umgesetzt.</a:t>
+            </a:r>
           </a:p>
         </p:txBody>
       </p:sp>
@@ -1238,7 +1249,7 @@
     </p:spTree>
     <p:extLst>
       <p:ext uri="{BB962C8B-B14F-4D97-AF65-F5344CB8AC3E}">
-        <p14:creationId xmlns:p14="http://schemas.microsoft.com/office/powerpoint/2010/main" val="3059377493"/>
+        <p14:creationId xmlns:p14="http://schemas.microsoft.com/office/powerpoint/2010/main" val="3212896286"/>
       </p:ext>
     </p:extLst>
   </p:cSld>
@@ -1292,36 +1303,6 @@
           <a:bodyPr/>
           <a:lstStyle/>
           <a:p>
-            <a:pPr marL="0" marR="0" lvl="0" indent="0" algn="l" defTabSz="914400" rtl="0" eaLnBrk="1" fontAlgn="auto" latinLnBrk="0" hangingPunct="1">
-              <a:lnSpc>
-                <a:spcPct val="100000"/>
-              </a:lnSpc>
-              <a:spcBef>
-                <a:spcPts val="0"/>
-              </a:spcBef>
-              <a:spcAft>
-                <a:spcPts val="0"/>
-              </a:spcAft>
-              <a:buClrTx/>
-              <a:buSzTx/>
-              <a:buFontTx/>
-              <a:buNone/>
-              <a:tabLst/>
-              <a:defRPr/>
-            </a:pPr>
-            <a:r>
-              <a:rPr lang="de-DE" dirty="0"/>
-              <a:t>Hier sieht man das ER-Diagramm für die tägliche Befragung.</a:t>
-            </a:r>
-            <a:br>
-              <a:rPr lang="de-DE" dirty="0"/>
-            </a:br>
-            <a:r>
-              <a:rPr lang="de-DE" dirty="0"/>
-              <a:t>Das ER-Diagramm hilft uns bei der Umsetzung.</a:t>
-            </a:r>
-          </a:p>
-          <a:p>
             <a:endParaRPr lang="de-DE" dirty="0"/>
           </a:p>
         </p:txBody>
@@ -1377,7 +1358,7 @@
     </p:spTree>
     <p:extLst>
       <p:ext uri="{BB962C8B-B14F-4D97-AF65-F5344CB8AC3E}">
-        <p14:creationId xmlns:p14="http://schemas.microsoft.com/office/powerpoint/2010/main" val="1632386750"/>
+        <p14:creationId xmlns:p14="http://schemas.microsoft.com/office/powerpoint/2010/main" val="3059377493"/>
       </p:ext>
     </p:extLst>
   </p:cSld>
@@ -1450,7 +1431,14 @@
             </a:pPr>
             <a:r>
               <a:rPr lang="de-DE" dirty="0"/>
-              <a:t>Hier haben wir das ER-Diagramm in der Datenbank umgesetzt.</a:t>
+              <a:t>Hier sieht man das ER-Diagramm für die tägliche Befragung.</a:t>
+            </a:r>
+            <a:br>
+              <a:rPr lang="de-DE" dirty="0"/>
+            </a:br>
+            <a:r>
+              <a:rPr lang="de-DE" dirty="0"/>
+              <a:t>Das ER-Diagramm hilft uns bei der Umsetzung.</a:t>
             </a:r>
           </a:p>
           <a:p>
@@ -1509,7 +1497,7 @@
     </p:spTree>
     <p:extLst>
       <p:ext uri="{BB962C8B-B14F-4D97-AF65-F5344CB8AC3E}">
-        <p14:creationId xmlns:p14="http://schemas.microsoft.com/office/powerpoint/2010/main" val="510249277"/>
+        <p14:creationId xmlns:p14="http://schemas.microsoft.com/office/powerpoint/2010/main" val="1632386750"/>
       </p:ext>
     </p:extLst>
   </p:cSld>
@@ -1582,14 +1570,7 @@
             </a:pPr>
             <a:r>
               <a:rPr lang="de-DE" dirty="0"/>
-              <a:t>Hier sieht man das ER-Diagramm für das Trinkverhalten.</a:t>
-            </a:r>
-            <a:br>
-              <a:rPr lang="de-DE" dirty="0"/>
-            </a:br>
-            <a:r>
-              <a:rPr lang="de-DE" dirty="0"/>
-              <a:t>Das ER-Diagramm hilft uns bei der Umsetzung.</a:t>
+              <a:t>Hier haben wir das ER-Diagramm in der Datenbank umgesetzt.</a:t>
             </a:r>
           </a:p>
           <a:p>
@@ -1639,7 +1620,7 @@
             <a:pPr rtl="0"/>
             <a:fld id="{9C2B151B-D7D1-48E5-8230-5AADBC794F88}" type="slidenum">
               <a:rPr lang="en-US" smtClean="0"/>
-              <a:t>20</a:t>
+              <a:t>19</a:t>
             </a:fld>
             <a:endParaRPr lang="en-US"/>
           </a:p>
@@ -1648,7 +1629,7 @@
     </p:spTree>
     <p:extLst>
       <p:ext uri="{BB962C8B-B14F-4D97-AF65-F5344CB8AC3E}">
-        <p14:creationId xmlns:p14="http://schemas.microsoft.com/office/powerpoint/2010/main" val="1375860725"/>
+        <p14:creationId xmlns:p14="http://schemas.microsoft.com/office/powerpoint/2010/main" val="510249277"/>
       </p:ext>
     </p:extLst>
   </p:cSld>
@@ -1721,7 +1702,14 @@
             </a:pPr>
             <a:r>
               <a:rPr lang="de-DE" dirty="0"/>
-              <a:t>Hier haben wir das ER-Diagramm in der Datenbank umgesetzt.</a:t>
+              <a:t>Hier sieht man das ER-Diagramm für das Trinkverhalten.</a:t>
+            </a:r>
+            <a:br>
+              <a:rPr lang="de-DE" dirty="0"/>
+            </a:br>
+            <a:r>
+              <a:rPr lang="de-DE" dirty="0"/>
+              <a:t>Das ER-Diagramm hilft uns bei der Umsetzung.</a:t>
             </a:r>
           </a:p>
           <a:p>
@@ -1780,7 +1768,7 @@
     </p:spTree>
     <p:extLst>
       <p:ext uri="{BB962C8B-B14F-4D97-AF65-F5344CB8AC3E}">
-        <p14:creationId xmlns:p14="http://schemas.microsoft.com/office/powerpoint/2010/main" val="1830706783"/>
+        <p14:creationId xmlns:p14="http://schemas.microsoft.com/office/powerpoint/2010/main" val="1375860725"/>
       </p:ext>
     </p:extLst>
   </p:cSld>
@@ -1853,14 +1841,7 @@
             </a:pPr>
             <a:r>
               <a:rPr lang="de-DE" dirty="0"/>
-              <a:t>Hier sieht man das ER-Diagramm für die Favoriten.</a:t>
-            </a:r>
-            <a:br>
-              <a:rPr lang="de-DE" dirty="0"/>
-            </a:br>
-            <a:r>
-              <a:rPr lang="de-DE" dirty="0"/>
-              <a:t>Leider haben wir es zeitlich nicht geschafft die Favoriten umzusetzen, wollten aber schon mal ein ER-Diagramm erstellen, damit klar ist, wie wir dies umgesetzt hätten.</a:t>
+              <a:t>Hier haben wir das ER-Diagramm in der Datenbank umgesetzt.</a:t>
             </a:r>
           </a:p>
           <a:p>
@@ -1910,7 +1891,7 @@
             <a:pPr rtl="0"/>
             <a:fld id="{9C2B151B-D7D1-48E5-8230-5AADBC794F88}" type="slidenum">
               <a:rPr lang="en-US" smtClean="0"/>
-              <a:t>23</a:t>
+              <a:t>22</a:t>
             </a:fld>
             <a:endParaRPr lang="en-US"/>
           </a:p>
@@ -1919,7 +1900,7 @@
     </p:spTree>
     <p:extLst>
       <p:ext uri="{BB962C8B-B14F-4D97-AF65-F5344CB8AC3E}">
-        <p14:creationId xmlns:p14="http://schemas.microsoft.com/office/powerpoint/2010/main" val="992739036"/>
+        <p14:creationId xmlns:p14="http://schemas.microsoft.com/office/powerpoint/2010/main" val="1830706783"/>
       </p:ext>
     </p:extLst>
   </p:cSld>
@@ -1992,7 +1973,14 @@
             </a:pPr>
             <a:r>
               <a:rPr lang="de-DE" dirty="0"/>
-              <a:t>Hier haben wir das ER-Diagramm in der Datenbank umgesetzt.</a:t>
+              <a:t>Hier sieht man das ER-Diagramm für die Favoriten.</a:t>
+            </a:r>
+            <a:br>
+              <a:rPr lang="de-DE" dirty="0"/>
+            </a:br>
+            <a:r>
+              <a:rPr lang="de-DE" dirty="0"/>
+              <a:t>Leider haben wir es zeitlich nicht geschafft die Favoriten umzusetzen, wollten aber schon mal ein ER-Diagramm erstellen, damit klar ist, wie wir dies umgesetzt hätten.</a:t>
             </a:r>
           </a:p>
           <a:p>
@@ -2051,7 +2039,7 @@
     </p:spTree>
     <p:extLst>
       <p:ext uri="{BB962C8B-B14F-4D97-AF65-F5344CB8AC3E}">
-        <p14:creationId xmlns:p14="http://schemas.microsoft.com/office/powerpoint/2010/main" val="3451957729"/>
+        <p14:creationId xmlns:p14="http://schemas.microsoft.com/office/powerpoint/2010/main" val="992739036"/>
       </p:ext>
     </p:extLst>
   </p:cSld>
@@ -2214,6 +2202,29 @@
           <a:bodyPr/>
           <a:lstStyle/>
           <a:p>
+            <a:pPr marL="0" marR="0" lvl="0" indent="0" algn="l" defTabSz="914400" rtl="0" eaLnBrk="1" fontAlgn="auto" latinLnBrk="0" hangingPunct="1">
+              <a:lnSpc>
+                <a:spcPct val="100000"/>
+              </a:lnSpc>
+              <a:spcBef>
+                <a:spcPts val="0"/>
+              </a:spcBef>
+              <a:spcAft>
+                <a:spcPts val="0"/>
+              </a:spcAft>
+              <a:buClrTx/>
+              <a:buSzTx/>
+              <a:buFontTx/>
+              <a:buNone/>
+              <a:tabLst/>
+              <a:defRPr/>
+            </a:pPr>
+            <a:r>
+              <a:rPr lang="de-DE" dirty="0"/>
+              <a:t>Hier haben wir das ER-Diagramm in der Datenbank umgesetzt.</a:t>
+            </a:r>
+          </a:p>
+          <a:p>
             <a:endParaRPr lang="de-DE" dirty="0"/>
           </a:p>
         </p:txBody>
@@ -2234,7 +2245,7 @@
           <a:lstStyle/>
           <a:p>
             <a:pPr rtl="0"/>
-            <a:fld id="{7DA48DE9-247B-4EBD-A14B-36988774F377}" type="datetime1">
+            <a:fld id="{2FFCA530-3DC9-43D3-93A9-C974C34E1DD6}" type="datetime1">
               <a:rPr lang="de-DE" smtClean="0"/>
               <a:t>19.02.2021</a:t>
             </a:fld>
@@ -2260,7 +2271,7 @@
             <a:pPr rtl="0"/>
             <a:fld id="{9C2B151B-D7D1-48E5-8230-5AADBC794F88}" type="slidenum">
               <a:rPr lang="en-US" smtClean="0"/>
-              <a:t>26</a:t>
+              <a:t>25</a:t>
             </a:fld>
             <a:endParaRPr lang="en-US"/>
           </a:p>
@@ -2269,7 +2280,7 @@
     </p:spTree>
     <p:extLst>
       <p:ext uri="{BB962C8B-B14F-4D97-AF65-F5344CB8AC3E}">
-        <p14:creationId xmlns:p14="http://schemas.microsoft.com/office/powerpoint/2010/main" val="3240579109"/>
+        <p14:creationId xmlns:p14="http://schemas.microsoft.com/office/powerpoint/2010/main" val="3451957729"/>
       </p:ext>
     </p:extLst>
   </p:cSld>
@@ -2323,30 +2334,7 @@
           <a:bodyPr/>
           <a:lstStyle/>
           <a:p>
-            <a:r>
-              <a:rPr lang="de-DE" dirty="0"/>
-              <a:t>Da wir die Zielhierarchie überarbeitet haben und jetzt „Strategische Ziele“, „Taktische Ziele“ und „Operative Ziele“ haben, haben wir dies noch mal mit reingenommen. </a:t>
-            </a:r>
-          </a:p>
-          <a:p>
-            <a:r>
-              <a:rPr lang="de-DE" dirty="0"/>
-              <a:t>Mit den strategischen Zielen legen wir fest, was wir auf langfristiger Sicht erreichen möchten. </a:t>
-            </a:r>
-            <a:br>
-              <a:rPr lang="de-DE" dirty="0"/>
-            </a:br>
-            <a:r>
-              <a:rPr lang="de-DE" dirty="0"/>
-              <a:t>Mit den taktischen Zielen legen wir fest, wie die strategischen Ziele erreicht werden sollen.</a:t>
-            </a:r>
-            <a:br>
-              <a:rPr lang="de-DE" dirty="0"/>
-            </a:br>
-            <a:r>
-              <a:rPr lang="de-DE" dirty="0"/>
-              <a:t>Mit den operativen Zielen legen wir fest, wodurch wir unsere strategischen Ziele erreichen können.</a:t>
-            </a:r>
+            <a:endParaRPr lang="de-DE" dirty="0"/>
           </a:p>
         </p:txBody>
       </p:sp>
@@ -2366,7 +2354,7 @@
           <a:lstStyle/>
           <a:p>
             <a:pPr rtl="0"/>
-            <a:fld id="{920421C8-A15E-4073-98D7-7FDA934C0210}" type="datetime1">
+            <a:fld id="{7DA48DE9-247B-4EBD-A14B-36988774F377}" type="datetime1">
               <a:rPr lang="de-DE" smtClean="0"/>
               <a:t>19.02.2021</a:t>
             </a:fld>
@@ -2401,7 +2389,7 @@
     </p:spTree>
     <p:extLst>
       <p:ext uri="{BB962C8B-B14F-4D97-AF65-F5344CB8AC3E}">
-        <p14:creationId xmlns:p14="http://schemas.microsoft.com/office/powerpoint/2010/main" val="1085079460"/>
+        <p14:creationId xmlns:p14="http://schemas.microsoft.com/office/powerpoint/2010/main" val="3240579109"/>
       </p:ext>
     </p:extLst>
   </p:cSld>
@@ -2457,14 +2445,27 @@
           <a:p>
             <a:r>
               <a:rPr lang="de-DE" dirty="0"/>
-              <a:t>Hier sieht man noch mal die von der Zielhierarchie umgesetzten Punkte. </a:t>
+              <a:t>Da wir die Zielhierarchie überarbeitet haben und jetzt „Strategische Ziele“, „Taktische Ziele“ und „Operative Ziele“ haben, haben wir dies noch mal mit reingenommen. </a:t>
+            </a:r>
+          </a:p>
+          <a:p>
+            <a:r>
+              <a:rPr lang="de-DE" dirty="0"/>
+              <a:t>Mit den strategischen Zielen legen wir fest, was wir auf langfristiger Sicht erreichen möchten. </a:t>
             </a:r>
             <a:br>
               <a:rPr lang="de-DE" dirty="0"/>
             </a:br>
             <a:r>
               <a:rPr lang="de-DE" dirty="0"/>
-              <a:t>Ebenfalls sieht man, was noch umgesetzt wurde. So hat man einen besseren Überblick, was wir geschafft haben.</a:t>
+              <a:t>Mit den taktischen Zielen legen wir fest, wie die strategischen Ziele erreicht werden sollen.</a:t>
+            </a:r>
+            <a:br>
+              <a:rPr lang="de-DE" dirty="0"/>
+            </a:br>
+            <a:r>
+              <a:rPr lang="de-DE" dirty="0"/>
+              <a:t>Mit den operativen Zielen legen wir fest, wodurch wir unsere strategischen Ziele erreichen können.</a:t>
             </a:r>
           </a:p>
         </p:txBody>
@@ -2485,7 +2486,7 @@
           <a:lstStyle/>
           <a:p>
             <a:pPr rtl="0"/>
-            <a:fld id="{88DACA00-B485-48AE-971E-CC6E1280CD66}" type="datetime1">
+            <a:fld id="{920421C8-A15E-4073-98D7-7FDA934C0210}" type="datetime1">
               <a:rPr lang="de-DE" smtClean="0"/>
               <a:t>19.02.2021</a:t>
             </a:fld>
@@ -2520,7 +2521,7 @@
     </p:spTree>
     <p:extLst>
       <p:ext uri="{BB962C8B-B14F-4D97-AF65-F5344CB8AC3E}">
-        <p14:creationId xmlns:p14="http://schemas.microsoft.com/office/powerpoint/2010/main" val="749225946"/>
+        <p14:creationId xmlns:p14="http://schemas.microsoft.com/office/powerpoint/2010/main" val="1085079460"/>
       </p:ext>
     </p:extLst>
   </p:cSld>
@@ -2576,51 +2577,15 @@
           <a:p>
             <a:r>
               <a:rPr lang="de-DE" dirty="0"/>
-              <a:t>Hier findet man noch einmal einen Ausblick, um das System noch mehr zu personalisieren.</a:t>
-            </a:r>
-          </a:p>
-          <a:p>
-            <a:endParaRPr lang="de-DE" dirty="0"/>
-          </a:p>
-          <a:p>
-            <a:r>
-              <a:rPr lang="de-DE" dirty="0"/>
-              <a:t>Die Favoriten helfen den Endnutzer schneller auf seine Lieblings Apps und Übungen zuzugreifen.</a:t>
-            </a:r>
-          </a:p>
-          <a:p>
+              <a:t>Hier sieht man noch mal die von der Zielhierarchie umgesetzten Punkte. </a:t>
+            </a:r>
             <a:br>
               <a:rPr lang="de-DE" dirty="0"/>
             </a:br>
             <a:r>
               <a:rPr lang="de-DE" dirty="0"/>
-              <a:t>Es soll einen Kalender geben, in dem der Nutzer seine Termine eintragen kann. Ebenfalls kann eingestellt werden, ob er vorher an den Termin erinnert werden möchte (Minuten, Stunden, Tage).</a:t>
-            </a:r>
-          </a:p>
-          <a:p>
-            <a:r>
-              <a:rPr lang="de-DE" dirty="0"/>
-              <a:t>In dem Kalender sollen die Sonnenaufgangs und Sonnenuntergangs Zeiten hinterlegt werden, sowie die Mondphasen. Wenn der Endnutzer Probleme hat im hellen zu schlafen, kann er sich die Sonnenuntergangs und Sonnenaufgangszeiten ansehen und nach den Zeiten schlafen gehen. </a:t>
-            </a:r>
-            <a:br>
-              <a:rPr lang="de-DE" dirty="0"/>
-            </a:br>
-            <a:r>
-              <a:rPr lang="de-DE" dirty="0"/>
-              <a:t>Hat der Endnutzer Probleme bei Vollmond zu schlafen, kann er sich die Mondphasen in dem Kalender anzeigen lassen und sich auf die Nacht vorbereiten. </a:t>
-            </a:r>
-          </a:p>
-          <a:p>
-            <a:endParaRPr lang="de-DE" dirty="0"/>
-          </a:p>
-          <a:p>
-            <a:r>
-              <a:rPr lang="de-DE" dirty="0"/>
-              <a:t>In der Auswertung werden verschiedene Punkte angezeigt, an den Tagen, an dem der Endnutzer an der Umfrage/ der Literangabe teilgenommen hat. Wenn man auf einen dieser Punkte klickt, soll sich der Endnutzer Notizen machen können. Wenn der Punkt von dem Endnutzer an dem Tag im unteren Bereich liegt, kann er sich z.B. Notizen dazu machen, warum er an dem Tag so viel Stress hatte.</a:t>
-            </a:r>
-          </a:p>
-          <a:p>
-            <a:endParaRPr lang="de-DE" dirty="0"/>
+              <a:t>Ebenfalls sieht man, was noch umgesetzt wurde. So hat man einen besseren Überblick, was wir geschafft haben.</a:t>
+            </a:r>
           </a:p>
         </p:txBody>
       </p:sp>
@@ -2675,7 +2640,7 @@
     </p:spTree>
     <p:extLst>
       <p:ext uri="{BB962C8B-B14F-4D97-AF65-F5344CB8AC3E}">
-        <p14:creationId xmlns:p14="http://schemas.microsoft.com/office/powerpoint/2010/main" val="1093773272"/>
+        <p14:creationId xmlns:p14="http://schemas.microsoft.com/office/powerpoint/2010/main" val="749225946"/>
       </p:ext>
     </p:extLst>
   </p:cSld>
@@ -2729,8 +2694,54 @@
           <a:bodyPr/>
           <a:lstStyle/>
           <a:p>
+            <a:r>
+              <a:rPr lang="de-DE" dirty="0"/>
+              <a:t>Hier findet man noch einmal einen Ausblick, um das System noch mehr zu personalisieren.</a:t>
+            </a:r>
+          </a:p>
+          <a:p>
             <a:endParaRPr lang="de-DE" dirty="0"/>
           </a:p>
+          <a:p>
+            <a:r>
+              <a:rPr lang="de-DE" dirty="0"/>
+              <a:t>Die Favoriten helfen den Endnutzer schneller auf seine Lieblings Apps und Übungen zuzugreifen.</a:t>
+            </a:r>
+          </a:p>
+          <a:p>
+            <a:br>
+              <a:rPr lang="de-DE" dirty="0"/>
+            </a:br>
+            <a:r>
+              <a:rPr lang="de-DE" dirty="0"/>
+              <a:t>Es soll einen Kalender geben, in dem der Nutzer seine Termine eintragen kann. Ebenfalls kann eingestellt werden, ob er vorher an den Termin erinnert werden möchte (Minuten, Stunden, Tage).</a:t>
+            </a:r>
+          </a:p>
+          <a:p>
+            <a:r>
+              <a:rPr lang="de-DE" dirty="0"/>
+              <a:t>In dem Kalender sollen die Sonnenaufgangs und Sonnenuntergangs Zeiten hinterlegt werden, sowie die Mondphasen. Wenn der Endnutzer Probleme hat im hellen zu schlafen, kann er sich die Sonnenuntergangs und Sonnenaufgangszeiten ansehen und nach den Zeiten schlafen gehen. </a:t>
+            </a:r>
+            <a:br>
+              <a:rPr lang="de-DE" dirty="0"/>
+            </a:br>
+            <a:r>
+              <a:rPr lang="de-DE" dirty="0"/>
+              <a:t>Hat der Endnutzer Probleme bei Vollmond zu schlafen, kann er sich die Mondphasen in dem Kalender anzeigen lassen und sich auf die Nacht vorbereiten. </a:t>
+            </a:r>
+          </a:p>
+          <a:p>
+            <a:endParaRPr lang="de-DE" dirty="0"/>
+          </a:p>
+          <a:p>
+            <a:r>
+              <a:rPr lang="de-DE" dirty="0"/>
+              <a:t>In der Auswertung werden verschiedene Punkte angezeigt, an den Tagen, an dem der Endnutzer an der Umfrage/ der Literangabe teilgenommen hat. Wenn man auf einen dieser Punkte klickt, soll sich der Endnutzer Notizen machen können. Wenn der Punkt von dem Endnutzer an dem Tag im unteren Bereich liegt, kann er sich z.B. Notizen dazu machen, warum er an dem Tag so viel Stress hatte.</a:t>
+            </a:r>
+          </a:p>
+          <a:p>
+            <a:endParaRPr lang="de-DE" dirty="0"/>
+          </a:p>
         </p:txBody>
       </p:sp>
       <p:sp>
@@ -2749,7 +2760,7 @@
           <a:lstStyle/>
           <a:p>
             <a:pPr rtl="0"/>
-            <a:fld id="{8C960F41-ADA3-4592-A6B6-979750556945}" type="datetime1">
+            <a:fld id="{88DACA00-B485-48AE-971E-CC6E1280CD66}" type="datetime1">
               <a:rPr lang="de-DE" smtClean="0"/>
               <a:t>19.02.2021</a:t>
             </a:fld>
@@ -2784,7 +2795,7 @@
     </p:spTree>
     <p:extLst>
       <p:ext uri="{BB962C8B-B14F-4D97-AF65-F5344CB8AC3E}">
-        <p14:creationId xmlns:p14="http://schemas.microsoft.com/office/powerpoint/2010/main" val="169757941"/>
+        <p14:creationId xmlns:p14="http://schemas.microsoft.com/office/powerpoint/2010/main" val="1093773272"/>
       </p:ext>
     </p:extLst>
   </p:cSld>
@@ -2858,6 +2869,115 @@
           <a:lstStyle/>
           <a:p>
             <a:pPr rtl="0"/>
+            <a:fld id="{8C960F41-ADA3-4592-A6B6-979750556945}" type="datetime1">
+              <a:rPr lang="de-DE" smtClean="0"/>
+              <a:t>19.02.2021</a:t>
+            </a:fld>
+            <a:endParaRPr lang="en-US"/>
+          </a:p>
+        </p:txBody>
+      </p:sp>
+      <p:sp>
+        <p:nvSpPr>
+          <p:cNvPr id="5" name="Foliennummernplatzhalter 4"/>
+          <p:cNvSpPr>
+            <a:spLocks noGrp="1"/>
+          </p:cNvSpPr>
+          <p:nvPr>
+            <p:ph type="sldNum" sz="quarter" idx="5"/>
+          </p:nvPr>
+        </p:nvSpPr>
+        <p:spPr/>
+        <p:txBody>
+          <a:bodyPr/>
+          <a:lstStyle/>
+          <a:p>
+            <a:pPr rtl="0"/>
+            <a:fld id="{9C2B151B-D7D1-48E5-8230-5AADBC794F88}" type="slidenum">
+              <a:rPr lang="en-US" smtClean="0"/>
+              <a:t>31</a:t>
+            </a:fld>
+            <a:endParaRPr lang="en-US"/>
+          </a:p>
+        </p:txBody>
+      </p:sp>
+    </p:spTree>
+    <p:extLst>
+      <p:ext uri="{BB962C8B-B14F-4D97-AF65-F5344CB8AC3E}">
+        <p14:creationId xmlns:p14="http://schemas.microsoft.com/office/powerpoint/2010/main" val="169757941"/>
+      </p:ext>
+    </p:extLst>
+  </p:cSld>
+  <p:clrMapOvr>
+    <a:masterClrMapping/>
+  </p:clrMapOvr>
+</p:notes>
+</file>
+
+<file path=ppt/notesSlides/notesSlide26.xml><?xml version="1.0" encoding="utf-8"?>
+<p:notes xmlns:a="http://schemas.openxmlformats.org/drawingml/2006/main" xmlns:r="http://schemas.openxmlformats.org/officeDocument/2006/relationships" xmlns:p="http://schemas.openxmlformats.org/presentationml/2006/main">
+  <p:cSld>
+    <p:spTree>
+      <p:nvGrpSpPr>
+        <p:cNvPr id="1" name=""/>
+        <p:cNvGrpSpPr/>
+        <p:nvPr/>
+      </p:nvGrpSpPr>
+      <p:grpSpPr>
+        <a:xfrm>
+          <a:off x="0" y="0"/>
+          <a:ext cx="0" cy="0"/>
+          <a:chOff x="0" y="0"/>
+          <a:chExt cx="0" cy="0"/>
+        </a:xfrm>
+      </p:grpSpPr>
+      <p:sp>
+        <p:nvSpPr>
+          <p:cNvPr id="2" name="Folienbildplatzhalter 1"/>
+          <p:cNvSpPr>
+            <a:spLocks noGrp="1" noRot="1" noChangeAspect="1"/>
+          </p:cNvSpPr>
+          <p:nvPr>
+            <p:ph type="sldImg"/>
+          </p:nvPr>
+        </p:nvSpPr>
+        <p:spPr/>
+      </p:sp>
+      <p:sp>
+        <p:nvSpPr>
+          <p:cNvPr id="3" name="Notizenplatzhalter 2"/>
+          <p:cNvSpPr>
+            <a:spLocks noGrp="1"/>
+          </p:cNvSpPr>
+          <p:nvPr>
+            <p:ph type="body" idx="1"/>
+          </p:nvPr>
+        </p:nvSpPr>
+        <p:spPr/>
+        <p:txBody>
+          <a:bodyPr/>
+          <a:lstStyle/>
+          <a:p>
+            <a:endParaRPr lang="de-DE" dirty="0"/>
+          </a:p>
+        </p:txBody>
+      </p:sp>
+      <p:sp>
+        <p:nvSpPr>
+          <p:cNvPr id="4" name="Datumsplatzhalter 3"/>
+          <p:cNvSpPr>
+            <a:spLocks noGrp="1"/>
+          </p:cNvSpPr>
+          <p:nvPr>
+            <p:ph type="dt" idx="1"/>
+          </p:nvPr>
+        </p:nvSpPr>
+        <p:spPr/>
+        <p:txBody>
+          <a:bodyPr/>
+          <a:lstStyle/>
+          <a:p>
+            <a:pPr rtl="0"/>
             <a:fld id="{05F945F2-6878-48BF-B08F-BD6E79E1CDD8}" type="datetime1">
               <a:rPr lang="de-DE" smtClean="0"/>
               <a:t>19.02.2021</a:t>
@@ -2884,7 +3004,7 @@
             <a:pPr rtl="0"/>
             <a:fld id="{9C2B151B-D7D1-48E5-8230-5AADBC794F88}" type="slidenum">
               <a:rPr lang="en-US" smtClean="0"/>
-              <a:t>31</a:t>
+              <a:t>32</a:t>
             </a:fld>
             <a:endParaRPr lang="en-US"/>
           </a:p>
@@ -2949,52 +3069,48 @@
           <a:p>
             <a:r>
               <a:rPr lang="de-DE" dirty="0"/>
-              <a:t>Das Domänenmodell stellt den Problemraum dar und die alternativen Optionen dazu.</a:t>
-            </a:r>
-          </a:p>
-          <a:p>
+              <a:t>(</a:t>
+            </a:r>
+            <a:r>
+              <a:rPr lang="de-DE" u="sng" dirty="0"/>
+              <a:t>Neu</a:t>
+            </a:r>
             <a:r>
               <a:rPr lang="de-DE" dirty="0"/>
-              <a:t>Das Domänenmodell enthält die Entitäten und deren Eigenschaften. Ebenfalls enthält das Domänenmodell die Beziehungen zwischen den Entitäten. Durch das Domänenmodell stellen wir die Kommunikation der einzelnen Domänen sicher.</a:t>
-            </a:r>
-          </a:p>
-          <a:p>
-            <a:endParaRPr lang="de-DE" dirty="0"/>
-          </a:p>
-          <a:p>
+              <a:t>: „</a:t>
+            </a:r>
+            <a:r>
+              <a:rPr lang="de-DE" dirty="0">
+                <a:solidFill>
+                  <a:srgbClr val="92D050"/>
+                </a:solidFill>
+              </a:rPr>
+              <a:t>grün“</a:t>
+            </a:r>
             <a:r>
               <a:rPr lang="de-DE" dirty="0"/>
-              <a:t>Die aufgelisteten Stakeholder sind die Akteure die mit unserem System interagieren/ unser System nutzen. </a:t>
-            </a:r>
-          </a:p>
-          <a:p>
-            <a:endParaRPr lang="de-DE" dirty="0"/>
-          </a:p>
-          <a:p>
-            <a:pPr marL="0" marR="0" lvl="0" indent="0" algn="l" defTabSz="914400" rtl="0" eaLnBrk="1" fontAlgn="auto" latinLnBrk="0" hangingPunct="1">
-              <a:lnSpc>
-                <a:spcPct val="100000"/>
-              </a:lnSpc>
-              <a:spcBef>
-                <a:spcPts val="0"/>
-              </a:spcBef>
-              <a:spcAft>
-                <a:spcPts val="0"/>
-              </a:spcAft>
-              <a:buClrTx/>
-              <a:buSzTx/>
-              <a:buFontTx/>
-              <a:buNone/>
-              <a:tabLst/>
-              <a:defRPr/>
-            </a:pPr>
+              <a:t>, </a:t>
+            </a:r>
+            <a:r>
+              <a:rPr lang="de-DE" u="sng" dirty="0"/>
+              <a:t>Rausgenommen</a:t>
+            </a:r>
             <a:r>
               <a:rPr lang="de-DE" dirty="0"/>
-              <a:t>Bei den Stakeholdern haben wir „Nutzer“ zu Endnutzer geändert, da ein Endnutzer derjenige ist, der das Produkt, bei uns jetzt das System persönlich verwendet.</a:t>
-            </a:r>
-          </a:p>
-          <a:p>
-            <a:endParaRPr lang="de-DE" dirty="0"/>
+              <a:t>: „</a:t>
+            </a:r>
+            <a:r>
+              <a:rPr lang="de-DE" dirty="0">
+                <a:solidFill>
+                  <a:srgbClr val="FF0000"/>
+                </a:solidFill>
+              </a:rPr>
+              <a:t>rot“</a:t>
+            </a:r>
+            <a:r>
+              <a:rPr lang="de-DE" dirty="0"/>
+              <a:t>)</a:t>
+            </a:r>
           </a:p>
           <a:p>
             <a:r>
@@ -3030,15 +3146,7 @@
           <a:p>
             <a:r>
               <a:rPr lang="de-DE" dirty="0"/>
-              <a:t>Da für die Schlafstörungen nicht nur Stress, Krankheiten o.Ä. verantwortlich ist, sollte es einen Sonnenaufgang/ </a:t>
-            </a:r>
-            <a:r>
-              <a:rPr lang="de-DE" dirty="0" err="1"/>
-              <a:t>untergang</a:t>
-            </a:r>
-            <a:r>
-              <a:rPr lang="de-DE" dirty="0"/>
-              <a:t> Kalender geben, da Personen im hellen evtl. nicht so gut schlafen können, wie im dunkeln und sich so nach den Zeiten richten können. Auch ein Mondphasen Kalender ist wichtig, da es Menschen gibt, die bei Vollmond schlechter schlafen.</a:t>
+              <a:t>Da für die Schlafstörungen nicht nur Stress, Krankheiten o.Ä. verantwortlich ist, sollte es einen Sonnenaufgang/ -untergang Kalender geben, da Personen im hellen evtl. nicht so gut schlafen können, wie im dunkeln und sich so nach den Zeiten richten können. Auch ein Mondphasen Kalender ist wichtig, da es Menschen gibt, die bei Vollmond schlechter schlafen.</a:t>
             </a:r>
           </a:p>
           <a:p>
@@ -3155,9 +3263,88 @@
           <a:lstStyle/>
           <a:p>
             <a:r>
-              <a:rPr lang="de-DE" dirty="0"/>
-              <a:t>Hier findet man das Use-Case zu unserem Prototypen, den wir Ihnen zeigen werden.</a:t>
-            </a:r>
+              <a:rPr lang="de-DE" b="0" i="0" dirty="0">
+                <a:solidFill>
+                  <a:srgbClr val="24292E"/>
+                </a:solidFill>
+                <a:effectLst/>
+                <a:latin typeface="-apple-system"/>
+              </a:rPr>
+              <a:t>Bis auf die Favoriten, dem Mondkalender und das Notizenfeld für den Nutzer, wurden alle Funktionen implementiert, daher sind die 2 Funktionen in dem allgemeinen Use-Case "</a:t>
+            </a:r>
+            <a:r>
+              <a:rPr lang="de-DE" b="0" i="0" u="sng" dirty="0">
+                <a:solidFill>
+                  <a:srgbClr val="24292E"/>
+                </a:solidFill>
+                <a:effectLst/>
+                <a:latin typeface="-apple-system"/>
+              </a:rPr>
+              <a:t>blau</a:t>
+            </a:r>
+            <a:r>
+              <a:rPr lang="de-DE" b="0" i="0" dirty="0">
+                <a:solidFill>
+                  <a:srgbClr val="24292E"/>
+                </a:solidFill>
+                <a:effectLst/>
+                <a:latin typeface="-apple-system"/>
+              </a:rPr>
+              <a:t>" markiert und stehen für "</a:t>
+            </a:r>
+            <a:r>
+              <a:rPr lang="de-DE" b="0" i="0" u="sng" dirty="0">
+                <a:solidFill>
+                  <a:srgbClr val="24292E"/>
+                </a:solidFill>
+                <a:effectLst/>
+                <a:latin typeface="-apple-system"/>
+              </a:rPr>
+              <a:t>nicht Umgesetzt</a:t>
+            </a:r>
+            <a:r>
+              <a:rPr lang="de-DE" b="0" i="0" dirty="0">
+                <a:solidFill>
+                  <a:srgbClr val="24292E"/>
+                </a:solidFill>
+                <a:effectLst/>
+                <a:latin typeface="-apple-system"/>
+              </a:rPr>
+              <a:t>". </a:t>
+            </a:r>
+          </a:p>
+          <a:p>
+            <a:r>
+              <a:rPr lang="de-DE" b="0" i="0" dirty="0">
+                <a:solidFill>
+                  <a:srgbClr val="24292E"/>
+                </a:solidFill>
+                <a:effectLst/>
+                <a:latin typeface="-apple-system"/>
+              </a:rPr>
+              <a:t>Die Auswertung hatten wir bei dem vorherigen Use-Case nicht drin, deswegen wurde die "</a:t>
+            </a:r>
+            <a:r>
+              <a:rPr lang="de-DE" b="0" i="0" u="sng" dirty="0">
+                <a:solidFill>
+                  <a:srgbClr val="24292E"/>
+                </a:solidFill>
+                <a:effectLst/>
+                <a:latin typeface="-apple-system"/>
+              </a:rPr>
+              <a:t>grün</a:t>
+            </a:r>
+            <a:r>
+              <a:rPr lang="de-DE" b="0" i="0" dirty="0">
+                <a:solidFill>
+                  <a:srgbClr val="24292E"/>
+                </a:solidFill>
+                <a:effectLst/>
+                <a:latin typeface="-apple-system"/>
+              </a:rPr>
+              <a:t>" markiert.</a:t>
+            </a:r>
+            <a:endParaRPr lang="de-DE" dirty="0"/>
           </a:p>
         </p:txBody>
       </p:sp>
@@ -3267,9 +3454,16 @@
           <a:lstStyle/>
           <a:p>
             <a:r>
-              <a:rPr lang="de-DE" dirty="0"/>
-              <a:t>Den Code und somit unseren Prototypen zeigen wir Ihnen in der Präsentation „Live“.</a:t>
-            </a:r>
+              <a:rPr lang="de-DE" b="0" i="0" dirty="0">
+                <a:solidFill>
+                  <a:srgbClr val="24292E"/>
+                </a:solidFill>
+                <a:effectLst/>
+                <a:latin typeface="-apple-system"/>
+              </a:rPr>
+              <a:t>Da wir alle Funktionen bis auf die Auswertung schon in Audit 3 Präsentiert hatten, würden wir uns bei Audit 4 gerne nur auf die Auswertung konzentrieren, deswegen haben wir nochmal ein Use-Case mit nur diesen Funktionen gemacht, die wir präsentieren werden.</a:t>
+            </a:r>
+            <a:endParaRPr lang="de-DE" dirty="0"/>
           </a:p>
         </p:txBody>
       </p:sp>
@@ -3289,7 +3483,7 @@
           <a:lstStyle/>
           <a:p>
             <a:pPr rtl="0"/>
-            <a:fld id="{25DE598A-D9FF-4E3A-AC10-162CFCBCB8DB}" type="datetime1">
+            <a:fld id="{2FFCA530-3DC9-43D3-93A9-C974C34E1DD6}" type="datetime1">
               <a:rPr lang="de-DE" smtClean="0"/>
               <a:t>19.02.2021</a:t>
             </a:fld>
@@ -3324,7 +3518,7 @@
     </p:spTree>
     <p:extLst>
       <p:ext uri="{BB962C8B-B14F-4D97-AF65-F5344CB8AC3E}">
-        <p14:creationId xmlns:p14="http://schemas.microsoft.com/office/powerpoint/2010/main" val="3410500401"/>
+        <p14:creationId xmlns:p14="http://schemas.microsoft.com/office/powerpoint/2010/main" val="3635974023"/>
       </p:ext>
     </p:extLst>
   </p:cSld>
@@ -3378,7 +3572,10 @@
           <a:bodyPr/>
           <a:lstStyle/>
           <a:p>
-            <a:endParaRPr lang="de-DE" dirty="0"/>
+            <a:r>
+              <a:rPr lang="de-DE" dirty="0"/>
+              <a:t>Den Code und somit unseren Prototypen zeigen wir Ihnen in der Präsentation „Live“.</a:t>
+            </a:r>
           </a:p>
         </p:txBody>
       </p:sp>
@@ -3398,7 +3595,7 @@
           <a:lstStyle/>
           <a:p>
             <a:pPr rtl="0"/>
-            <a:fld id="{7DA48DE9-247B-4EBD-A14B-36988774F377}" type="datetime1">
+            <a:fld id="{25DE598A-D9FF-4E3A-AC10-162CFCBCB8DB}" type="datetime1">
               <a:rPr lang="de-DE" smtClean="0"/>
               <a:t>19.02.2021</a:t>
             </a:fld>
@@ -3433,7 +3630,7 @@
     </p:spTree>
     <p:extLst>
       <p:ext uri="{BB962C8B-B14F-4D97-AF65-F5344CB8AC3E}">
-        <p14:creationId xmlns:p14="http://schemas.microsoft.com/office/powerpoint/2010/main" val="4074544119"/>
+        <p14:creationId xmlns:p14="http://schemas.microsoft.com/office/powerpoint/2010/main" val="3410500401"/>
       </p:ext>
     </p:extLst>
   </p:cSld>
@@ -3487,34 +3684,7 @@
           <a:bodyPr/>
           <a:lstStyle/>
           <a:p>
-            <a:r>
-              <a:rPr lang="de-DE" dirty="0"/>
-              <a:t>Der Nutzer kann auf der Homepage sein Trinkverhalten angeben. Dies macht man in dem man auf:</a:t>
-            </a:r>
-          </a:p>
-          <a:p>
-            <a:r>
-              <a:rPr lang="de-DE" dirty="0"/>
-              <a:t> „-/+“, </a:t>
-            </a:r>
-          </a:p>
-          <a:p>
-            <a:r>
-              <a:rPr lang="de-DE" dirty="0"/>
-              <a:t>„+0,3L“, </a:t>
-            </a:r>
-          </a:p>
-          <a:p>
-            <a:r>
-              <a:rPr lang="de-DE" dirty="0"/>
-              <a:t>„+0,5L“ oder „+0,7L“ klickt.</a:t>
-            </a:r>
-          </a:p>
-          <a:p>
-            <a:r>
-              <a:rPr lang="de-DE" dirty="0"/>
-              <a:t>Dieser Wert wird zuerst in die Datenbank gespeichert und anschließend in der Kurve als neuer Punkt für den Tag angezeigt.</a:t>
-            </a:r>
+            <a:endParaRPr lang="de-DE" dirty="0"/>
           </a:p>
         </p:txBody>
       </p:sp>
@@ -3534,7 +3704,7 @@
           <a:lstStyle/>
           <a:p>
             <a:pPr rtl="0"/>
-            <a:fld id="{2FFCA530-3DC9-43D3-93A9-C974C34E1DD6}" type="datetime1">
+            <a:fld id="{7DA48DE9-247B-4EBD-A14B-36988774F377}" type="datetime1">
               <a:rPr lang="de-DE" smtClean="0"/>
               <a:t>19.02.2021</a:t>
             </a:fld>
@@ -3569,7 +3739,7 @@
     </p:spTree>
     <p:extLst>
       <p:ext uri="{BB962C8B-B14F-4D97-AF65-F5344CB8AC3E}">
-        <p14:creationId xmlns:p14="http://schemas.microsoft.com/office/powerpoint/2010/main" val="328162340"/>
+        <p14:creationId xmlns:p14="http://schemas.microsoft.com/office/powerpoint/2010/main" val="4074544119"/>
       </p:ext>
     </p:extLst>
   </p:cSld>
@@ -3623,56 +3793,34 @@
           <a:bodyPr/>
           <a:lstStyle/>
           <a:p>
-            <a:pPr marL="0" marR="0" lvl="0" indent="0" algn="l" defTabSz="914400" rtl="0" eaLnBrk="1" fontAlgn="auto" latinLnBrk="0" hangingPunct="1">
-              <a:lnSpc>
-                <a:spcPct val="100000"/>
-              </a:lnSpc>
-              <a:spcBef>
-                <a:spcPts val="0"/>
-              </a:spcBef>
-              <a:spcAft>
-                <a:spcPts val="0"/>
-              </a:spcAft>
-              <a:buClrTx/>
-              <a:buSzTx/>
-              <a:buFontTx/>
-              <a:buNone/>
-              <a:tabLst/>
-              <a:defRPr/>
-            </a:pPr>
-            <a:r>
-              <a:rPr lang="de-DE" b="0" i="0" dirty="0">
-                <a:solidFill>
-                  <a:srgbClr val="000000"/>
-                </a:solidFill>
-                <a:effectLst/>
-                <a:latin typeface="-apple-system"/>
-              </a:rPr>
-              <a:t>Bei der täglichen Befragung mit den Smileys werden die Antworten mit 1-5 Punkten bewertet. </a:t>
-            </a:r>
-            <a:br>
-              <a:rPr lang="de-DE" b="0" i="0" dirty="0">
-                <a:solidFill>
-                  <a:srgbClr val="000000"/>
-                </a:solidFill>
-                <a:effectLst/>
-                <a:latin typeface="-apple-system"/>
-              </a:rPr>
-            </a:br>
-            <a:r>
-              <a:rPr lang="de-DE" b="0" i="0" dirty="0">
-                <a:solidFill>
-                  <a:srgbClr val="000000"/>
-                </a:solidFill>
-                <a:effectLst/>
-                <a:latin typeface="-apple-system"/>
-              </a:rPr>
-              <a:t>Bei der Frage mit „ja/nein“ wird „ja=4“ und „nein=2“ bewertet. Ja wird hier mit einer 4 bewertet, da es eine höhere Gewichtung haben soll. Nein wird dafür mit einer 2 bewertet. Hat der Nutzer alle Fragen beantwortet und anschließend auf Speichern gedrückt, werden alle Punkte zusammengezählt. Das Ergebnis wird durch die Anzahl der Fragen dividiert. Dadurch ergibt sich der Durchschnitt (das Stresslevel) für den Tag. Diese Werte fließen dann zuerst in die Datenbank und von da in die Wöchentliche Auswertung.</a:t>
-            </a:r>
-            <a:endParaRPr lang="de-DE" dirty="0"/>
-          </a:p>
-          <a:p>
-            <a:endParaRPr lang="de-DE" dirty="0"/>
+            <a:r>
+              <a:rPr lang="de-DE" dirty="0"/>
+              <a:t>Der Nutzer kann auf der Homepage sein Trinkverhalten angeben. Dies macht man in dem man auf:</a:t>
+            </a:r>
+          </a:p>
+          <a:p>
+            <a:r>
+              <a:rPr lang="de-DE" dirty="0"/>
+              <a:t> „-/+“, </a:t>
+            </a:r>
+          </a:p>
+          <a:p>
+            <a:r>
+              <a:rPr lang="de-DE" dirty="0"/>
+              <a:t>„+0,3L“, </a:t>
+            </a:r>
+          </a:p>
+          <a:p>
+            <a:r>
+              <a:rPr lang="de-DE" dirty="0"/>
+              <a:t>„+0,5L“ oder „+0,7L“ klickt.</a:t>
+            </a:r>
+          </a:p>
+          <a:p>
+            <a:r>
+              <a:rPr lang="de-DE" dirty="0"/>
+              <a:t>Dieser Wert wird zuerst in die Datenbank gespeichert und anschließend in der Kurve als neuer Punkt für den Tag angezeigt.</a:t>
+            </a:r>
           </a:p>
         </p:txBody>
       </p:sp>
@@ -3727,7 +3875,7 @@
     </p:spTree>
     <p:extLst>
       <p:ext uri="{BB962C8B-B14F-4D97-AF65-F5344CB8AC3E}">
-        <p14:creationId xmlns:p14="http://schemas.microsoft.com/office/powerpoint/2010/main" val="1025756278"/>
+        <p14:creationId xmlns:p14="http://schemas.microsoft.com/office/powerpoint/2010/main" val="328162340"/>
       </p:ext>
     </p:extLst>
   </p:cSld>
@@ -3781,6 +3929,23 @@
           <a:bodyPr/>
           <a:lstStyle/>
           <a:p>
+            <a:pPr marL="0" marR="0" lvl="0" indent="0" algn="l" defTabSz="914400" rtl="0" eaLnBrk="1" fontAlgn="auto" latinLnBrk="0" hangingPunct="1">
+              <a:lnSpc>
+                <a:spcPct val="100000"/>
+              </a:lnSpc>
+              <a:spcBef>
+                <a:spcPts val="0"/>
+              </a:spcBef>
+              <a:spcAft>
+                <a:spcPts val="0"/>
+              </a:spcAft>
+              <a:buClrTx/>
+              <a:buSzTx/>
+              <a:buFontTx/>
+              <a:buNone/>
+              <a:tabLst/>
+              <a:defRPr/>
+            </a:pPr>
             <a:r>
               <a:rPr lang="de-DE" b="0" i="0" dirty="0">
                 <a:solidFill>
@@ -3789,8 +3954,30 @@
                 <a:effectLst/>
                 <a:latin typeface="-apple-system"/>
               </a:rPr>
-              <a:t>In der Umfrage werden die Antworten mit 1-3 Punkten bewertet. 3 steht für sehr gut, 2 steht für gut und 1 für schlecht. Hat der Nutzer alle Fragen beantwortet, werden alle Punkte zusammengezählt. Das Ergebnis wird durch die Anzahl der Fragen dividiert. Dadurch ergibt sich der Durchschnitt (das Stresslevel) für einen Monat.</a:t>
-            </a:r>
+              <a:t>Bei der täglichen Befragung mit den Smileys werden die Antworten mit 1-5 Punkten bewertet. </a:t>
+            </a:r>
+            <a:br>
+              <a:rPr lang="de-DE" b="0" i="0" dirty="0">
+                <a:solidFill>
+                  <a:srgbClr val="000000"/>
+                </a:solidFill>
+                <a:effectLst/>
+                <a:latin typeface="-apple-system"/>
+              </a:rPr>
+            </a:br>
+            <a:r>
+              <a:rPr lang="de-DE" b="0" i="0" dirty="0">
+                <a:solidFill>
+                  <a:srgbClr val="000000"/>
+                </a:solidFill>
+                <a:effectLst/>
+                <a:latin typeface="-apple-system"/>
+              </a:rPr>
+              <a:t>Bei der Frage mit „ja/nein“ wird „ja=4“ und „nein=2“ bewertet. Ja wird hier mit einer 4 bewertet, da es eine höhere Gewichtung haben soll. Nein wird dafür mit einer 2 bewertet. Hat der Nutzer alle Fragen beantwortet und anschließend auf Speichern gedrückt, werden alle Punkte zusammengezählt. Das Ergebnis wird durch die Anzahl der Fragen dividiert. Dadurch ergibt sich der Durchschnitt (das Stresslevel) für den Tag. Diese Werte fließen dann zuerst in die Datenbank und von da in die Wöchentliche Auswertung.</a:t>
+            </a:r>
+            <a:endParaRPr lang="de-DE" dirty="0"/>
+          </a:p>
+          <a:p>
             <a:endParaRPr lang="de-DE" dirty="0"/>
           </a:p>
         </p:txBody>
@@ -3846,7 +4033,7 @@
     </p:spTree>
     <p:extLst>
       <p:ext uri="{BB962C8B-B14F-4D97-AF65-F5344CB8AC3E}">
-        <p14:creationId xmlns:p14="http://schemas.microsoft.com/office/powerpoint/2010/main" val="4178868877"/>
+        <p14:creationId xmlns:p14="http://schemas.microsoft.com/office/powerpoint/2010/main" val="1025756278"/>
       </p:ext>
     </p:extLst>
   </p:cSld>
@@ -7907,6 +8094,171 @@
           <p:cNvPr id="2" name="Titel 1">
             <a:extLst>
               <a:ext uri="{FF2B5EF4-FFF2-40B4-BE49-F238E27FC236}">
+                <a16:creationId xmlns:a16="http://schemas.microsoft.com/office/drawing/2014/main" id="{4DC4D8DE-1034-4059-B907-B2FCA56F6799}"/>
+              </a:ext>
+            </a:extLst>
+          </p:cNvPr>
+          <p:cNvSpPr>
+            <a:spLocks noGrp="1"/>
+          </p:cNvSpPr>
+          <p:nvPr>
+            <p:ph type="title"/>
+          </p:nvPr>
+        </p:nvSpPr>
+        <p:spPr>
+          <a:xfrm>
+            <a:off x="1097280" y="758952"/>
+            <a:ext cx="10058400" cy="3566160"/>
+          </a:xfrm>
+        </p:spPr>
+        <p:txBody>
+          <a:bodyPr anchor="b">
+            <a:normAutofit/>
+          </a:bodyPr>
+          <a:lstStyle/>
+          <a:p>
+            <a:r>
+              <a:rPr lang="de-DE" sz="7400" dirty="0"/>
+              <a:t>Auswertung/ Verlauf</a:t>
+            </a:r>
+          </a:p>
+        </p:txBody>
+      </p:sp>
+      <p:sp>
+        <p:nvSpPr>
+          <p:cNvPr id="3" name="Foliennummernplatzhalter 2">
+            <a:extLst>
+              <a:ext uri="{FF2B5EF4-FFF2-40B4-BE49-F238E27FC236}">
+                <a16:creationId xmlns:a16="http://schemas.microsoft.com/office/drawing/2014/main" id="{585CF4AE-527C-4AA2-906C-B9F7B3281748}"/>
+              </a:ext>
+            </a:extLst>
+          </p:cNvPr>
+          <p:cNvSpPr>
+            <a:spLocks noGrp="1"/>
+          </p:cNvSpPr>
+          <p:nvPr>
+            <p:ph type="sldNum" sz="quarter" idx="12"/>
+          </p:nvPr>
+        </p:nvSpPr>
+        <p:spPr>
+          <a:xfrm>
+            <a:off x="10993582" y="6446838"/>
+            <a:ext cx="780010" cy="365125"/>
+          </a:xfrm>
+        </p:spPr>
+        <p:txBody>
+          <a:bodyPr anchor="ctr">
+            <a:normAutofit/>
+          </a:bodyPr>
+          <a:lstStyle/>
+          <a:p>
+            <a:pPr rtl="0">
+              <a:spcAft>
+                <a:spcPts val="600"/>
+              </a:spcAft>
+            </a:pPr>
+            <a:fld id="{3A98EE3D-8CD1-4C3F-BD1C-C98C9596463C}" type="slidenum">
+              <a:rPr lang="en-US" smtClean="0"/>
+              <a:pPr rtl="0">
+                <a:spcAft>
+                  <a:spcPts val="600"/>
+                </a:spcAft>
+              </a:pPr>
+              <a:t>10</a:t>
+            </a:fld>
+            <a:endParaRPr lang="en-US"/>
+          </a:p>
+        </p:txBody>
+      </p:sp>
+      <p:sp>
+        <p:nvSpPr>
+          <p:cNvPr id="4" name="Titel 1">
+            <a:extLst>
+              <a:ext uri="{FF2B5EF4-FFF2-40B4-BE49-F238E27FC236}">
+                <a16:creationId xmlns:a16="http://schemas.microsoft.com/office/drawing/2014/main" id="{14040106-2C9B-47A0-AA16-571538A46A0C}"/>
+              </a:ext>
+            </a:extLst>
+          </p:cNvPr>
+          <p:cNvSpPr txBox="1">
+            <a:spLocks/>
+          </p:cNvSpPr>
+          <p:nvPr/>
+        </p:nvSpPr>
+        <p:spPr>
+          <a:xfrm>
+            <a:off x="1097280" y="4744569"/>
+            <a:ext cx="10058400" cy="641405"/>
+          </a:xfrm>
+          <a:prstGeom prst="rect">
+            <a:avLst/>
+          </a:prstGeom>
+        </p:spPr>
+        <p:txBody>
+          <a:bodyPr vert="horz" lIns="91440" tIns="45720" rIns="91440" bIns="45720" rtlCol="0" anchor="b" anchorCtr="0">
+            <a:normAutofit fontScale="62500" lnSpcReduction="20000"/>
+          </a:bodyPr>
+          <a:lstStyle>
+            <a:lvl1pPr algn="l" defTabSz="914400" rtl="0" eaLnBrk="1" latinLnBrk="0" hangingPunct="1">
+              <a:lnSpc>
+                <a:spcPct val="90000"/>
+              </a:lnSpc>
+              <a:spcBef>
+                <a:spcPct val="0"/>
+              </a:spcBef>
+              <a:buNone/>
+              <a:defRPr sz="8000" b="0" i="0" kern="1200" spc="-50" baseline="0">
+                <a:solidFill>
+                  <a:schemeClr val="tx1">
+                    <a:lumMod val="85000"/>
+                    <a:lumOff val="15000"/>
+                  </a:schemeClr>
+                </a:solidFill>
+                <a:latin typeface="+mj-lt"/>
+                <a:ea typeface="+mj-ea"/>
+                <a:cs typeface="+mj-cs"/>
+              </a:defRPr>
+            </a:lvl1pPr>
+          </a:lstStyle>
+          <a:p>
+            <a:endParaRPr lang="de-DE" sz="7900" dirty="0"/>
+          </a:p>
+        </p:txBody>
+      </p:sp>
+    </p:spTree>
+    <p:extLst>
+      <p:ext uri="{BB962C8B-B14F-4D97-AF65-F5344CB8AC3E}">
+        <p14:creationId xmlns:p14="http://schemas.microsoft.com/office/powerpoint/2010/main" val="2749553653"/>
+      </p:ext>
+    </p:extLst>
+  </p:cSld>
+  <p:clrMapOvr>
+    <a:masterClrMapping/>
+  </p:clrMapOvr>
+</p:sld>
+</file>
+
+<file path=ppt/slides/slide11.xml><?xml version="1.0" encoding="utf-8"?>
+<p:sld xmlns:a="http://schemas.openxmlformats.org/drawingml/2006/main" xmlns:r="http://schemas.openxmlformats.org/officeDocument/2006/relationships" xmlns:p="http://schemas.openxmlformats.org/presentationml/2006/main">
+  <p:cSld>
+    <p:spTree>
+      <p:nvGrpSpPr>
+        <p:cNvPr id="1" name=""/>
+        <p:cNvGrpSpPr/>
+        <p:nvPr/>
+      </p:nvGrpSpPr>
+      <p:grpSpPr>
+        <a:xfrm>
+          <a:off x="0" y="0"/>
+          <a:ext cx="0" cy="0"/>
+          <a:chOff x="0" y="0"/>
+          <a:chExt cx="0" cy="0"/>
+        </a:xfrm>
+      </p:grpSpPr>
+      <p:sp>
+        <p:nvSpPr>
+          <p:cNvPr id="2" name="Titel 1">
+            <a:extLst>
+              <a:ext uri="{FF2B5EF4-FFF2-40B4-BE49-F238E27FC236}">
                 <a16:creationId xmlns:a16="http://schemas.microsoft.com/office/drawing/2014/main" id="{FE373B74-C72F-4B46-A1CD-07B4A5ADB475}"/>
               </a:ext>
             </a:extLst>
@@ -7959,7 +8311,7 @@
             <a:pPr rtl="0"/>
             <a:fld id="{3A98EE3D-8CD1-4C3F-BD1C-C98C9596463C}" type="slidenum">
               <a:rPr lang="en-US" smtClean="0"/>
-              <a:t>10</a:t>
+              <a:t>11</a:t>
             </a:fld>
             <a:endParaRPr lang="en-US" dirty="0"/>
           </a:p>
@@ -8084,7 +8436,7 @@
 </p:sld>
 </file>
 
-<file path=ppt/slides/slide11.xml><?xml version="1.0" encoding="utf-8"?>
+<file path=ppt/slides/slide12.xml><?xml version="1.0" encoding="utf-8"?>
 <p:sld xmlns:a="http://schemas.openxmlformats.org/drawingml/2006/main" xmlns:r="http://schemas.openxmlformats.org/officeDocument/2006/relationships" xmlns:p="http://schemas.openxmlformats.org/presentationml/2006/main">
   <p:cSld>
     <p:spTree>
@@ -8158,7 +8510,7 @@
             <a:pPr rtl="0"/>
             <a:fld id="{3A98EE3D-8CD1-4C3F-BD1C-C98C9596463C}" type="slidenum">
               <a:rPr lang="en-US" smtClean="0"/>
-              <a:t>11</a:t>
+              <a:t>12</a:t>
             </a:fld>
             <a:endParaRPr lang="en-US" dirty="0"/>
           </a:p>
@@ -8284,7 +8636,7 @@
 </p:sld>
 </file>
 
-<file path=ppt/slides/slide12.xml><?xml version="1.0" encoding="utf-8"?>
+<file path=ppt/slides/slide13.xml><?xml version="1.0" encoding="utf-8"?>
 <p:sld xmlns:a="http://schemas.openxmlformats.org/drawingml/2006/main" xmlns:r="http://schemas.openxmlformats.org/officeDocument/2006/relationships" xmlns:p="http://schemas.openxmlformats.org/presentationml/2006/main">
   <p:cSld>
     <p:spTree>
@@ -8353,7 +8705,7 @@
             <a:pPr rtl="0"/>
             <a:fld id="{3A98EE3D-8CD1-4C3F-BD1C-C98C9596463C}" type="slidenum">
               <a:rPr lang="en-US" smtClean="0"/>
-              <a:t>12</a:t>
+              <a:t>13</a:t>
             </a:fld>
             <a:endParaRPr lang="en-US" dirty="0"/>
           </a:p>
@@ -8513,7 +8865,7 @@
 </p:sld>
 </file>
 
-<file path=ppt/slides/slide13.xml><?xml version="1.0" encoding="utf-8"?>
+<file path=ppt/slides/slide14.xml><?xml version="1.0" encoding="utf-8"?>
 <p:sld xmlns:a="http://schemas.openxmlformats.org/drawingml/2006/main" xmlns:r="http://schemas.openxmlformats.org/officeDocument/2006/relationships" xmlns:p="http://schemas.openxmlformats.org/presentationml/2006/main">
   <p:cSld>
     <p:spTree>
@@ -8605,7 +8957,7 @@
                   <a:spcPts val="600"/>
                 </a:spcAft>
               </a:pPr>
-              <a:t>13</a:t>
+              <a:t>14</a:t>
             </a:fld>
             <a:endParaRPr lang="en-US"/>
           </a:p>
@@ -8669,177 +9021,6 @@
     <p:extLst>
       <p:ext uri="{BB962C8B-B14F-4D97-AF65-F5344CB8AC3E}">
         <p14:creationId xmlns:p14="http://schemas.microsoft.com/office/powerpoint/2010/main" val="4172179416"/>
-      </p:ext>
-    </p:extLst>
-  </p:cSld>
-  <p:clrMapOvr>
-    <a:masterClrMapping/>
-  </p:clrMapOvr>
-</p:sld>
-</file>
-
-<file path=ppt/slides/slide14.xml><?xml version="1.0" encoding="utf-8"?>
-<p:sld xmlns:a="http://schemas.openxmlformats.org/drawingml/2006/main" xmlns:r="http://schemas.openxmlformats.org/officeDocument/2006/relationships" xmlns:p="http://schemas.openxmlformats.org/presentationml/2006/main">
-  <p:cSld>
-    <p:spTree>
-      <p:nvGrpSpPr>
-        <p:cNvPr id="1" name=""/>
-        <p:cNvGrpSpPr/>
-        <p:nvPr/>
-      </p:nvGrpSpPr>
-      <p:grpSpPr>
-        <a:xfrm>
-          <a:off x="0" y="0"/>
-          <a:ext cx="0" cy="0"/>
-          <a:chOff x="0" y="0"/>
-          <a:chExt cx="0" cy="0"/>
-        </a:xfrm>
-      </p:grpSpPr>
-      <p:sp>
-        <p:nvSpPr>
-          <p:cNvPr id="2" name="Titel 1">
-            <a:extLst>
-              <a:ext uri="{FF2B5EF4-FFF2-40B4-BE49-F238E27FC236}">
-                <a16:creationId xmlns:a16="http://schemas.microsoft.com/office/drawing/2014/main" id="{4E4056F1-95D3-4103-B2BE-651E4D917EE6}"/>
-              </a:ext>
-            </a:extLst>
-          </p:cNvPr>
-          <p:cNvSpPr>
-            <a:spLocks noGrp="1"/>
-          </p:cNvSpPr>
-          <p:nvPr>
-            <p:ph type="title"/>
-          </p:nvPr>
-        </p:nvSpPr>
-        <p:spPr>
-          <a:xfrm>
-            <a:off x="1066800" y="446087"/>
-            <a:ext cx="10058400" cy="1450757"/>
-          </a:xfrm>
-        </p:spPr>
-        <p:txBody>
-          <a:bodyPr/>
-          <a:lstStyle/>
-          <a:p>
-            <a:r>
-              <a:rPr lang="de-DE" dirty="0"/>
-              <a:t>ER-Diagramm </a:t>
-            </a:r>
-            <a:br>
-              <a:rPr lang="de-DE" dirty="0"/>
-            </a:br>
-            <a:r>
-              <a:rPr lang="de-DE" dirty="0"/>
-              <a:t>Monatliche Umfrage</a:t>
-            </a:r>
-          </a:p>
-        </p:txBody>
-      </p:sp>
-      <p:sp>
-        <p:nvSpPr>
-          <p:cNvPr id="4" name="Foliennummernplatzhalter 3">
-            <a:extLst>
-              <a:ext uri="{FF2B5EF4-FFF2-40B4-BE49-F238E27FC236}">
-                <a16:creationId xmlns:a16="http://schemas.microsoft.com/office/drawing/2014/main" id="{ED11B56A-F565-4118-A8F3-E25EDF21E261}"/>
-              </a:ext>
-            </a:extLst>
-          </p:cNvPr>
-          <p:cNvSpPr>
-            <a:spLocks noGrp="1"/>
-          </p:cNvSpPr>
-          <p:nvPr>
-            <p:ph type="sldNum" sz="quarter" idx="12"/>
-          </p:nvPr>
-        </p:nvSpPr>
-        <p:spPr/>
-        <p:txBody>
-          <a:bodyPr/>
-          <a:lstStyle/>
-          <a:p>
-            <a:pPr rtl="0"/>
-            <a:fld id="{3A98EE3D-8CD1-4C3F-BD1C-C98C9596463C}" type="slidenum">
-              <a:rPr lang="en-US" smtClean="0"/>
-              <a:t>14</a:t>
-            </a:fld>
-            <a:endParaRPr lang="en-US" dirty="0"/>
-          </a:p>
-        </p:txBody>
-      </p:sp>
-      <p:pic>
-        <p:nvPicPr>
-          <p:cNvPr id="6" name="Grafik 5">
-            <a:extLst>
-              <a:ext uri="{FF2B5EF4-FFF2-40B4-BE49-F238E27FC236}">
-                <a16:creationId xmlns:a16="http://schemas.microsoft.com/office/drawing/2014/main" id="{64E5C97B-47D7-4F8D-AF58-DC36F8ECFF72}"/>
-              </a:ext>
-            </a:extLst>
-          </p:cNvPr>
-          <p:cNvPicPr>
-            <a:picLocks noChangeAspect="1"/>
-          </p:cNvPicPr>
-          <p:nvPr/>
-        </p:nvPicPr>
-        <p:blipFill>
-          <a:blip r:embed="rId3">
-            <a:extLst>
-              <a:ext uri="{28A0092B-C50C-407E-A947-70E740481C1C}">
-                <a14:useLocalDpi xmlns:a14="http://schemas.microsoft.com/office/drawing/2010/main" val="0"/>
-              </a:ext>
-            </a:extLst>
-          </a:blip>
-          <a:stretch>
-            <a:fillRect/>
-          </a:stretch>
-        </p:blipFill>
-        <p:spPr>
-          <a:xfrm>
-            <a:off x="1604507" y="1962213"/>
-            <a:ext cx="9100872" cy="3761694"/>
-          </a:xfrm>
-          <a:prstGeom prst="rect">
-            <a:avLst/>
-          </a:prstGeom>
-        </p:spPr>
-      </p:pic>
-      <p:sp>
-        <p:nvSpPr>
-          <p:cNvPr id="5" name="Textfeld 4">
-            <a:extLst>
-              <a:ext uri="{FF2B5EF4-FFF2-40B4-BE49-F238E27FC236}">
-                <a16:creationId xmlns:a16="http://schemas.microsoft.com/office/drawing/2014/main" id="{38450409-229E-4473-A68F-2208EA3F7838}"/>
-              </a:ext>
-            </a:extLst>
-          </p:cNvPr>
-          <p:cNvSpPr txBox="1"/>
-          <p:nvPr/>
-        </p:nvSpPr>
-        <p:spPr>
-          <a:xfrm>
-            <a:off x="10015668" y="1452681"/>
-            <a:ext cx="2158104" cy="369332"/>
-          </a:xfrm>
-          <a:prstGeom prst="rect">
-            <a:avLst/>
-          </a:prstGeom>
-          <a:noFill/>
-        </p:spPr>
-        <p:txBody>
-          <a:bodyPr wrap="square" rtlCol="0">
-            <a:spAutoFit/>
-          </a:bodyPr>
-          <a:lstStyle/>
-          <a:p>
-            <a:r>
-              <a:rPr lang="de-DE" dirty="0"/>
-              <a:t>Umgesetzt</a:t>
-            </a:r>
-          </a:p>
-        </p:txBody>
-      </p:sp>
-    </p:spTree>
-    <p:extLst>
-      <p:ext uri="{BB962C8B-B14F-4D97-AF65-F5344CB8AC3E}">
-        <p14:creationId xmlns:p14="http://schemas.microsoft.com/office/powerpoint/2010/main" val="4161186463"/>
       </p:ext>
     </p:extLst>
   </p:cSld>
@@ -8871,7 +9052,7 @@
           <p:cNvPr id="2" name="Titel 1">
             <a:extLst>
               <a:ext uri="{FF2B5EF4-FFF2-40B4-BE49-F238E27FC236}">
-                <a16:creationId xmlns:a16="http://schemas.microsoft.com/office/drawing/2014/main" id="{53C4AC70-4E3E-43AE-8994-33F95C36BA92}"/>
+                <a16:creationId xmlns:a16="http://schemas.microsoft.com/office/drawing/2014/main" id="{4E4056F1-95D3-4103-B2BE-651E4D917EE6}"/>
               </a:ext>
             </a:extLst>
           </p:cNvPr>
@@ -8884,7 +9065,7 @@
         </p:nvSpPr>
         <p:spPr>
           <a:xfrm>
-            <a:off x="1097280" y="447244"/>
+            <a:off x="1066800" y="446087"/>
             <a:ext cx="10058400" cy="1450757"/>
           </a:xfrm>
         </p:spPr>
@@ -8894,7 +9075,7 @@
           <a:p>
             <a:r>
               <a:rPr lang="de-DE" dirty="0"/>
-              <a:t>SQL Datenbank </a:t>
+              <a:t>ER-Diagramm </a:t>
             </a:r>
             <a:br>
               <a:rPr lang="de-DE" dirty="0"/>
@@ -8911,7 +9092,7 @@
           <p:cNvPr id="4" name="Foliennummernplatzhalter 3">
             <a:extLst>
               <a:ext uri="{FF2B5EF4-FFF2-40B4-BE49-F238E27FC236}">
-                <a16:creationId xmlns:a16="http://schemas.microsoft.com/office/drawing/2014/main" id="{0F42732D-A4AD-43D8-B118-8D899A61F12C}"/>
+                <a16:creationId xmlns:a16="http://schemas.microsoft.com/office/drawing/2014/main" id="{ED11B56A-F565-4118-A8F3-E25EDF21E261}"/>
               </a:ext>
             </a:extLst>
           </p:cNvPr>
@@ -8941,7 +9122,7 @@
           <p:cNvPr id="6" name="Grafik 5">
             <a:extLst>
               <a:ext uri="{FF2B5EF4-FFF2-40B4-BE49-F238E27FC236}">
-                <a16:creationId xmlns:a16="http://schemas.microsoft.com/office/drawing/2014/main" id="{E80FFAEA-8E2E-4C2E-8A20-79872E4B2E8E}"/>
+                <a16:creationId xmlns:a16="http://schemas.microsoft.com/office/drawing/2014/main" id="{64E5C97B-47D7-4F8D-AF58-DC36F8ECFF72}"/>
               </a:ext>
             </a:extLst>
           </p:cNvPr>
@@ -8964,8 +9145,8 @@
         </p:blipFill>
         <p:spPr>
           <a:xfrm>
-            <a:off x="1158289" y="2641341"/>
-            <a:ext cx="9997391" cy="1450757"/>
+            <a:off x="1604507" y="1962213"/>
+            <a:ext cx="9100872" cy="3761694"/>
           </a:xfrm>
           <a:prstGeom prst="rect">
             <a:avLst/>
@@ -8977,7 +9158,7 @@
           <p:cNvPr id="5" name="Textfeld 4">
             <a:extLst>
               <a:ext uri="{FF2B5EF4-FFF2-40B4-BE49-F238E27FC236}">
-                <a16:creationId xmlns:a16="http://schemas.microsoft.com/office/drawing/2014/main" id="{BBAE33A2-FF1B-4C08-98A5-FB7787107E03}"/>
+                <a16:creationId xmlns:a16="http://schemas.microsoft.com/office/drawing/2014/main" id="{38450409-229E-4473-A68F-2208EA3F7838}"/>
               </a:ext>
             </a:extLst>
           </p:cNvPr>
@@ -9010,7 +9191,7 @@
     </p:spTree>
     <p:extLst>
       <p:ext uri="{BB962C8B-B14F-4D97-AF65-F5344CB8AC3E}">
-        <p14:creationId xmlns:p14="http://schemas.microsoft.com/office/powerpoint/2010/main" val="434794103"/>
+        <p14:creationId xmlns:p14="http://schemas.microsoft.com/office/powerpoint/2010/main" val="4161186463"/>
       </p:ext>
     </p:extLst>
   </p:cSld>
@@ -9042,7 +9223,7 @@
           <p:cNvPr id="2" name="Titel 1">
             <a:extLst>
               <a:ext uri="{FF2B5EF4-FFF2-40B4-BE49-F238E27FC236}">
-                <a16:creationId xmlns:a16="http://schemas.microsoft.com/office/drawing/2014/main" id="{A2F404CC-5FDC-484F-8C5C-BBABDE280C96}"/>
+                <a16:creationId xmlns:a16="http://schemas.microsoft.com/office/drawing/2014/main" id="{53C4AC70-4E3E-43AE-8994-33F95C36BA92}"/>
               </a:ext>
             </a:extLst>
           </p:cNvPr>
@@ -9065,7 +9246,7 @@
           <a:p>
             <a:r>
               <a:rPr lang="de-DE" dirty="0"/>
-              <a:t>SQL Struktur </a:t>
+              <a:t>SQL Datenbank </a:t>
             </a:r>
             <a:br>
               <a:rPr lang="de-DE" dirty="0"/>
@@ -9082,7 +9263,7 @@
           <p:cNvPr id="4" name="Foliennummernplatzhalter 3">
             <a:extLst>
               <a:ext uri="{FF2B5EF4-FFF2-40B4-BE49-F238E27FC236}">
-                <a16:creationId xmlns:a16="http://schemas.microsoft.com/office/drawing/2014/main" id="{E9898528-BCEC-4CEA-BF98-0B01018CCB93}"/>
+                <a16:creationId xmlns:a16="http://schemas.microsoft.com/office/drawing/2014/main" id="{0F42732D-A4AD-43D8-B118-8D899A61F12C}"/>
               </a:ext>
             </a:extLst>
           </p:cNvPr>
@@ -9109,10 +9290,10 @@
       </p:sp>
       <p:pic>
         <p:nvPicPr>
-          <p:cNvPr id="6" name="Grafik 5" descr="Ein Bild, das Tisch enthält.&#10;&#10;Automatisch generierte Beschreibung">
-            <a:extLst>
-              <a:ext uri="{FF2B5EF4-FFF2-40B4-BE49-F238E27FC236}">
-                <a16:creationId xmlns:a16="http://schemas.microsoft.com/office/drawing/2014/main" id="{75632BF8-7E5B-47E2-8D50-96171E93A81B}"/>
+          <p:cNvPr id="6" name="Grafik 5">
+            <a:extLst>
+              <a:ext uri="{FF2B5EF4-FFF2-40B4-BE49-F238E27FC236}">
+                <a16:creationId xmlns:a16="http://schemas.microsoft.com/office/drawing/2014/main" id="{E80FFAEA-8E2E-4C2E-8A20-79872E4B2E8E}"/>
               </a:ext>
             </a:extLst>
           </p:cNvPr>
@@ -9135,8 +9316,8 @@
         </p:blipFill>
         <p:spPr>
           <a:xfrm>
-            <a:off x="931596" y="2129246"/>
-            <a:ext cx="10389767" cy="3541782"/>
+            <a:off x="1158289" y="2641341"/>
+            <a:ext cx="9997391" cy="1450757"/>
           </a:xfrm>
           <a:prstGeom prst="rect">
             <a:avLst/>
@@ -9148,7 +9329,7 @@
           <p:cNvPr id="5" name="Textfeld 4">
             <a:extLst>
               <a:ext uri="{FF2B5EF4-FFF2-40B4-BE49-F238E27FC236}">
-                <a16:creationId xmlns:a16="http://schemas.microsoft.com/office/drawing/2014/main" id="{231EEC7C-B27D-48E3-9088-5B9CA9FF43FF}"/>
+                <a16:creationId xmlns:a16="http://schemas.microsoft.com/office/drawing/2014/main" id="{BBAE33A2-FF1B-4C08-98A5-FB7787107E03}"/>
               </a:ext>
             </a:extLst>
           </p:cNvPr>
@@ -9181,7 +9362,7 @@
     </p:spTree>
     <p:extLst>
       <p:ext uri="{BB962C8B-B14F-4D97-AF65-F5344CB8AC3E}">
-        <p14:creationId xmlns:p14="http://schemas.microsoft.com/office/powerpoint/2010/main" val="1831127501"/>
+        <p14:creationId xmlns:p14="http://schemas.microsoft.com/office/powerpoint/2010/main" val="434794103"/>
       </p:ext>
     </p:extLst>
   </p:cSld>
@@ -9213,6 +9394,177 @@
           <p:cNvPr id="2" name="Titel 1">
             <a:extLst>
               <a:ext uri="{FF2B5EF4-FFF2-40B4-BE49-F238E27FC236}">
+                <a16:creationId xmlns:a16="http://schemas.microsoft.com/office/drawing/2014/main" id="{A2F404CC-5FDC-484F-8C5C-BBABDE280C96}"/>
+              </a:ext>
+            </a:extLst>
+          </p:cNvPr>
+          <p:cNvSpPr>
+            <a:spLocks noGrp="1"/>
+          </p:cNvSpPr>
+          <p:nvPr>
+            <p:ph type="title"/>
+          </p:nvPr>
+        </p:nvSpPr>
+        <p:spPr>
+          <a:xfrm>
+            <a:off x="1097280" y="447244"/>
+            <a:ext cx="10058400" cy="1450757"/>
+          </a:xfrm>
+        </p:spPr>
+        <p:txBody>
+          <a:bodyPr/>
+          <a:lstStyle/>
+          <a:p>
+            <a:r>
+              <a:rPr lang="de-DE" dirty="0"/>
+              <a:t>SQL Struktur </a:t>
+            </a:r>
+            <a:br>
+              <a:rPr lang="de-DE" dirty="0"/>
+            </a:br>
+            <a:r>
+              <a:rPr lang="de-DE" dirty="0"/>
+              <a:t>Monatliche Umfrage</a:t>
+            </a:r>
+          </a:p>
+        </p:txBody>
+      </p:sp>
+      <p:sp>
+        <p:nvSpPr>
+          <p:cNvPr id="4" name="Foliennummernplatzhalter 3">
+            <a:extLst>
+              <a:ext uri="{FF2B5EF4-FFF2-40B4-BE49-F238E27FC236}">
+                <a16:creationId xmlns:a16="http://schemas.microsoft.com/office/drawing/2014/main" id="{E9898528-BCEC-4CEA-BF98-0B01018CCB93}"/>
+              </a:ext>
+            </a:extLst>
+          </p:cNvPr>
+          <p:cNvSpPr>
+            <a:spLocks noGrp="1"/>
+          </p:cNvSpPr>
+          <p:nvPr>
+            <p:ph type="sldNum" sz="quarter" idx="12"/>
+          </p:nvPr>
+        </p:nvSpPr>
+        <p:spPr/>
+        <p:txBody>
+          <a:bodyPr/>
+          <a:lstStyle/>
+          <a:p>
+            <a:pPr rtl="0"/>
+            <a:fld id="{3A98EE3D-8CD1-4C3F-BD1C-C98C9596463C}" type="slidenum">
+              <a:rPr lang="en-US" smtClean="0"/>
+              <a:t>17</a:t>
+            </a:fld>
+            <a:endParaRPr lang="en-US" dirty="0"/>
+          </a:p>
+        </p:txBody>
+      </p:sp>
+      <p:pic>
+        <p:nvPicPr>
+          <p:cNvPr id="6" name="Grafik 5" descr="Ein Bild, das Tisch enthält.&#10;&#10;Automatisch generierte Beschreibung">
+            <a:extLst>
+              <a:ext uri="{FF2B5EF4-FFF2-40B4-BE49-F238E27FC236}">
+                <a16:creationId xmlns:a16="http://schemas.microsoft.com/office/drawing/2014/main" id="{75632BF8-7E5B-47E2-8D50-96171E93A81B}"/>
+              </a:ext>
+            </a:extLst>
+          </p:cNvPr>
+          <p:cNvPicPr>
+            <a:picLocks noChangeAspect="1"/>
+          </p:cNvPicPr>
+          <p:nvPr/>
+        </p:nvPicPr>
+        <p:blipFill>
+          <a:blip r:embed="rId3">
+            <a:extLst>
+              <a:ext uri="{28A0092B-C50C-407E-A947-70E740481C1C}">
+                <a14:useLocalDpi xmlns:a14="http://schemas.microsoft.com/office/drawing/2010/main" val="0"/>
+              </a:ext>
+            </a:extLst>
+          </a:blip>
+          <a:stretch>
+            <a:fillRect/>
+          </a:stretch>
+        </p:blipFill>
+        <p:spPr>
+          <a:xfrm>
+            <a:off x="931596" y="2129246"/>
+            <a:ext cx="10389767" cy="3541782"/>
+          </a:xfrm>
+          <a:prstGeom prst="rect">
+            <a:avLst/>
+          </a:prstGeom>
+        </p:spPr>
+      </p:pic>
+      <p:sp>
+        <p:nvSpPr>
+          <p:cNvPr id="5" name="Textfeld 4">
+            <a:extLst>
+              <a:ext uri="{FF2B5EF4-FFF2-40B4-BE49-F238E27FC236}">
+                <a16:creationId xmlns:a16="http://schemas.microsoft.com/office/drawing/2014/main" id="{231EEC7C-B27D-48E3-9088-5B9CA9FF43FF}"/>
+              </a:ext>
+            </a:extLst>
+          </p:cNvPr>
+          <p:cNvSpPr txBox="1"/>
+          <p:nvPr/>
+        </p:nvSpPr>
+        <p:spPr>
+          <a:xfrm>
+            <a:off x="10015668" y="1452681"/>
+            <a:ext cx="2158104" cy="369332"/>
+          </a:xfrm>
+          <a:prstGeom prst="rect">
+            <a:avLst/>
+          </a:prstGeom>
+          <a:noFill/>
+        </p:spPr>
+        <p:txBody>
+          <a:bodyPr wrap="square" rtlCol="0">
+            <a:spAutoFit/>
+          </a:bodyPr>
+          <a:lstStyle/>
+          <a:p>
+            <a:r>
+              <a:rPr lang="de-DE" dirty="0"/>
+              <a:t>Umgesetzt</a:t>
+            </a:r>
+          </a:p>
+        </p:txBody>
+      </p:sp>
+    </p:spTree>
+    <p:extLst>
+      <p:ext uri="{BB962C8B-B14F-4D97-AF65-F5344CB8AC3E}">
+        <p14:creationId xmlns:p14="http://schemas.microsoft.com/office/powerpoint/2010/main" val="1831127501"/>
+      </p:ext>
+    </p:extLst>
+  </p:cSld>
+  <p:clrMapOvr>
+    <a:masterClrMapping/>
+  </p:clrMapOvr>
+</p:sld>
+</file>
+
+<file path=ppt/slides/slide18.xml><?xml version="1.0" encoding="utf-8"?>
+<p:sld xmlns:a="http://schemas.openxmlformats.org/drawingml/2006/main" xmlns:r="http://schemas.openxmlformats.org/officeDocument/2006/relationships" xmlns:p="http://schemas.openxmlformats.org/presentationml/2006/main">
+  <p:cSld>
+    <p:spTree>
+      <p:nvGrpSpPr>
+        <p:cNvPr id="1" name=""/>
+        <p:cNvGrpSpPr/>
+        <p:nvPr/>
+      </p:nvGrpSpPr>
+      <p:grpSpPr>
+        <a:xfrm>
+          <a:off x="0" y="0"/>
+          <a:ext cx="0" cy="0"/>
+          <a:chOff x="0" y="0"/>
+          <a:chExt cx="0" cy="0"/>
+        </a:xfrm>
+      </p:grpSpPr>
+      <p:sp>
+        <p:nvSpPr>
+          <p:cNvPr id="2" name="Titel 1">
+            <a:extLst>
+              <a:ext uri="{FF2B5EF4-FFF2-40B4-BE49-F238E27FC236}">
                 <a16:creationId xmlns:a16="http://schemas.microsoft.com/office/drawing/2014/main" id="{4E4056F1-95D3-4103-B2BE-651E4D917EE6}"/>
               </a:ext>
             </a:extLst>
@@ -9272,7 +9624,7 @@
             <a:pPr rtl="0"/>
             <a:fld id="{3A98EE3D-8CD1-4C3F-BD1C-C98C9596463C}" type="slidenum">
               <a:rPr lang="en-US" smtClean="0"/>
-              <a:t>17</a:t>
+              <a:t>18</a:t>
             </a:fld>
             <a:endParaRPr lang="en-US" dirty="0"/>
           </a:p>
@@ -9362,7 +9714,7 @@
 </p:sld>
 </file>
 
-<file path=ppt/slides/slide18.xml><?xml version="1.0" encoding="utf-8"?>
+<file path=ppt/slides/slide19.xml><?xml version="1.0" encoding="utf-8"?>
 <p:sld xmlns:a="http://schemas.openxmlformats.org/drawingml/2006/main" xmlns:r="http://schemas.openxmlformats.org/officeDocument/2006/relationships" xmlns:p="http://schemas.openxmlformats.org/presentationml/2006/main">
   <p:cSld>
     <p:spTree>
@@ -9443,7 +9795,7 @@
             <a:pPr rtl="0"/>
             <a:fld id="{3A98EE3D-8CD1-4C3F-BD1C-C98C9596463C}" type="slidenum">
               <a:rPr lang="en-US" smtClean="0"/>
-              <a:t>18</a:t>
+              <a:t>19</a:t>
             </a:fld>
             <a:endParaRPr lang="en-US" dirty="0"/>
           </a:p>
@@ -9524,177 +9876,6 @@
     <p:extLst>
       <p:ext uri="{BB962C8B-B14F-4D97-AF65-F5344CB8AC3E}">
         <p14:creationId xmlns:p14="http://schemas.microsoft.com/office/powerpoint/2010/main" val="2693731678"/>
-      </p:ext>
-    </p:extLst>
-  </p:cSld>
-  <p:clrMapOvr>
-    <a:masterClrMapping/>
-  </p:clrMapOvr>
-</p:sld>
-</file>
-
-<file path=ppt/slides/slide19.xml><?xml version="1.0" encoding="utf-8"?>
-<p:sld xmlns:a="http://schemas.openxmlformats.org/drawingml/2006/main" xmlns:r="http://schemas.openxmlformats.org/officeDocument/2006/relationships" xmlns:p="http://schemas.openxmlformats.org/presentationml/2006/main">
-  <p:cSld>
-    <p:spTree>
-      <p:nvGrpSpPr>
-        <p:cNvPr id="1" name=""/>
-        <p:cNvGrpSpPr/>
-        <p:nvPr/>
-      </p:nvGrpSpPr>
-      <p:grpSpPr>
-        <a:xfrm>
-          <a:off x="0" y="0"/>
-          <a:ext cx="0" cy="0"/>
-          <a:chOff x="0" y="0"/>
-          <a:chExt cx="0" cy="0"/>
-        </a:xfrm>
-      </p:grpSpPr>
-      <p:sp>
-        <p:nvSpPr>
-          <p:cNvPr id="2" name="Titel 1">
-            <a:extLst>
-              <a:ext uri="{FF2B5EF4-FFF2-40B4-BE49-F238E27FC236}">
-                <a16:creationId xmlns:a16="http://schemas.microsoft.com/office/drawing/2014/main" id="{A2F404CC-5FDC-484F-8C5C-BBABDE280C96}"/>
-              </a:ext>
-            </a:extLst>
-          </p:cNvPr>
-          <p:cNvSpPr>
-            <a:spLocks noGrp="1"/>
-          </p:cNvSpPr>
-          <p:nvPr>
-            <p:ph type="title"/>
-          </p:nvPr>
-        </p:nvSpPr>
-        <p:spPr>
-          <a:xfrm>
-            <a:off x="1097280" y="434887"/>
-            <a:ext cx="10058400" cy="1450757"/>
-          </a:xfrm>
-        </p:spPr>
-        <p:txBody>
-          <a:bodyPr/>
-          <a:lstStyle/>
-          <a:p>
-            <a:r>
-              <a:rPr lang="de-DE" dirty="0"/>
-              <a:t>SQL Struktur </a:t>
-            </a:r>
-            <a:br>
-              <a:rPr lang="de-DE" dirty="0"/>
-            </a:br>
-            <a:r>
-              <a:rPr lang="de-DE" dirty="0"/>
-              <a:t>Tägliche Befragung</a:t>
-            </a:r>
-          </a:p>
-        </p:txBody>
-      </p:sp>
-      <p:sp>
-        <p:nvSpPr>
-          <p:cNvPr id="4" name="Foliennummernplatzhalter 3">
-            <a:extLst>
-              <a:ext uri="{FF2B5EF4-FFF2-40B4-BE49-F238E27FC236}">
-                <a16:creationId xmlns:a16="http://schemas.microsoft.com/office/drawing/2014/main" id="{E9898528-BCEC-4CEA-BF98-0B01018CCB93}"/>
-              </a:ext>
-            </a:extLst>
-          </p:cNvPr>
-          <p:cNvSpPr>
-            <a:spLocks noGrp="1"/>
-          </p:cNvSpPr>
-          <p:nvPr>
-            <p:ph type="sldNum" sz="quarter" idx="12"/>
-          </p:nvPr>
-        </p:nvSpPr>
-        <p:spPr/>
-        <p:txBody>
-          <a:bodyPr/>
-          <a:lstStyle/>
-          <a:p>
-            <a:pPr rtl="0"/>
-            <a:fld id="{3A98EE3D-8CD1-4C3F-BD1C-C98C9596463C}" type="slidenum">
-              <a:rPr lang="en-US" smtClean="0"/>
-              <a:t>19</a:t>
-            </a:fld>
-            <a:endParaRPr lang="en-US" dirty="0"/>
-          </a:p>
-        </p:txBody>
-      </p:sp>
-      <p:sp>
-        <p:nvSpPr>
-          <p:cNvPr id="5" name="Textfeld 4">
-            <a:extLst>
-              <a:ext uri="{FF2B5EF4-FFF2-40B4-BE49-F238E27FC236}">
-                <a16:creationId xmlns:a16="http://schemas.microsoft.com/office/drawing/2014/main" id="{231EEC7C-B27D-48E3-9088-5B9CA9FF43FF}"/>
-              </a:ext>
-            </a:extLst>
-          </p:cNvPr>
-          <p:cNvSpPr txBox="1"/>
-          <p:nvPr/>
-        </p:nvSpPr>
-        <p:spPr>
-          <a:xfrm>
-            <a:off x="10015668" y="1452681"/>
-            <a:ext cx="2158104" cy="369332"/>
-          </a:xfrm>
-          <a:prstGeom prst="rect">
-            <a:avLst/>
-          </a:prstGeom>
-          <a:noFill/>
-        </p:spPr>
-        <p:txBody>
-          <a:bodyPr wrap="square" rtlCol="0">
-            <a:spAutoFit/>
-          </a:bodyPr>
-          <a:lstStyle/>
-          <a:p>
-            <a:r>
-              <a:rPr lang="de-DE" dirty="0"/>
-              <a:t>Umgesetzt</a:t>
-            </a:r>
-          </a:p>
-        </p:txBody>
-      </p:sp>
-      <p:pic>
-        <p:nvPicPr>
-          <p:cNvPr id="7" name="Grafik 6">
-            <a:extLst>
-              <a:ext uri="{FF2B5EF4-FFF2-40B4-BE49-F238E27FC236}">
-                <a16:creationId xmlns:a16="http://schemas.microsoft.com/office/drawing/2014/main" id="{E319C52C-80BC-47F3-B608-20DB09F12B53}"/>
-              </a:ext>
-            </a:extLst>
-          </p:cNvPr>
-          <p:cNvPicPr>
-            <a:picLocks noChangeAspect="1"/>
-          </p:cNvPicPr>
-          <p:nvPr/>
-        </p:nvPicPr>
-        <p:blipFill>
-          <a:blip r:embed="rId2">
-            <a:extLst>
-              <a:ext uri="{28A0092B-C50C-407E-A947-70E740481C1C}">
-                <a14:useLocalDpi xmlns:a14="http://schemas.microsoft.com/office/drawing/2010/main" val="0"/>
-              </a:ext>
-            </a:extLst>
-          </a:blip>
-          <a:stretch>
-            <a:fillRect/>
-          </a:stretch>
-        </p:blipFill>
-        <p:spPr>
-          <a:xfrm>
-            <a:off x="1134515" y="2609667"/>
-            <a:ext cx="10021165" cy="2201318"/>
-          </a:xfrm>
-          <a:prstGeom prst="rect">
-            <a:avLst/>
-          </a:prstGeom>
-        </p:spPr>
-      </p:pic>
-    </p:spTree>
-    <p:extLst>
-      <p:ext uri="{BB962C8B-B14F-4D97-AF65-F5344CB8AC3E}">
-        <p14:creationId xmlns:p14="http://schemas.microsoft.com/office/powerpoint/2010/main" val="3440815865"/>
       </p:ext>
     </p:extLst>
   </p:cSld>
@@ -10076,6 +10257,177 @@
           <p:cNvPr id="2" name="Titel 1">
             <a:extLst>
               <a:ext uri="{FF2B5EF4-FFF2-40B4-BE49-F238E27FC236}">
+                <a16:creationId xmlns:a16="http://schemas.microsoft.com/office/drawing/2014/main" id="{A2F404CC-5FDC-484F-8C5C-BBABDE280C96}"/>
+              </a:ext>
+            </a:extLst>
+          </p:cNvPr>
+          <p:cNvSpPr>
+            <a:spLocks noGrp="1"/>
+          </p:cNvSpPr>
+          <p:nvPr>
+            <p:ph type="title"/>
+          </p:nvPr>
+        </p:nvSpPr>
+        <p:spPr>
+          <a:xfrm>
+            <a:off x="1097280" y="434887"/>
+            <a:ext cx="10058400" cy="1450757"/>
+          </a:xfrm>
+        </p:spPr>
+        <p:txBody>
+          <a:bodyPr/>
+          <a:lstStyle/>
+          <a:p>
+            <a:r>
+              <a:rPr lang="de-DE" dirty="0"/>
+              <a:t>SQL Struktur </a:t>
+            </a:r>
+            <a:br>
+              <a:rPr lang="de-DE" dirty="0"/>
+            </a:br>
+            <a:r>
+              <a:rPr lang="de-DE" dirty="0"/>
+              <a:t>Tägliche Befragung</a:t>
+            </a:r>
+          </a:p>
+        </p:txBody>
+      </p:sp>
+      <p:sp>
+        <p:nvSpPr>
+          <p:cNvPr id="4" name="Foliennummernplatzhalter 3">
+            <a:extLst>
+              <a:ext uri="{FF2B5EF4-FFF2-40B4-BE49-F238E27FC236}">
+                <a16:creationId xmlns:a16="http://schemas.microsoft.com/office/drawing/2014/main" id="{E9898528-BCEC-4CEA-BF98-0B01018CCB93}"/>
+              </a:ext>
+            </a:extLst>
+          </p:cNvPr>
+          <p:cNvSpPr>
+            <a:spLocks noGrp="1"/>
+          </p:cNvSpPr>
+          <p:nvPr>
+            <p:ph type="sldNum" sz="quarter" idx="12"/>
+          </p:nvPr>
+        </p:nvSpPr>
+        <p:spPr/>
+        <p:txBody>
+          <a:bodyPr/>
+          <a:lstStyle/>
+          <a:p>
+            <a:pPr rtl="0"/>
+            <a:fld id="{3A98EE3D-8CD1-4C3F-BD1C-C98C9596463C}" type="slidenum">
+              <a:rPr lang="en-US" smtClean="0"/>
+              <a:t>20</a:t>
+            </a:fld>
+            <a:endParaRPr lang="en-US" dirty="0"/>
+          </a:p>
+        </p:txBody>
+      </p:sp>
+      <p:sp>
+        <p:nvSpPr>
+          <p:cNvPr id="5" name="Textfeld 4">
+            <a:extLst>
+              <a:ext uri="{FF2B5EF4-FFF2-40B4-BE49-F238E27FC236}">
+                <a16:creationId xmlns:a16="http://schemas.microsoft.com/office/drawing/2014/main" id="{231EEC7C-B27D-48E3-9088-5B9CA9FF43FF}"/>
+              </a:ext>
+            </a:extLst>
+          </p:cNvPr>
+          <p:cNvSpPr txBox="1"/>
+          <p:nvPr/>
+        </p:nvSpPr>
+        <p:spPr>
+          <a:xfrm>
+            <a:off x="10015668" y="1452681"/>
+            <a:ext cx="2158104" cy="369332"/>
+          </a:xfrm>
+          <a:prstGeom prst="rect">
+            <a:avLst/>
+          </a:prstGeom>
+          <a:noFill/>
+        </p:spPr>
+        <p:txBody>
+          <a:bodyPr wrap="square" rtlCol="0">
+            <a:spAutoFit/>
+          </a:bodyPr>
+          <a:lstStyle/>
+          <a:p>
+            <a:r>
+              <a:rPr lang="de-DE" dirty="0"/>
+              <a:t>Umgesetzt</a:t>
+            </a:r>
+          </a:p>
+        </p:txBody>
+      </p:sp>
+      <p:pic>
+        <p:nvPicPr>
+          <p:cNvPr id="7" name="Grafik 6">
+            <a:extLst>
+              <a:ext uri="{FF2B5EF4-FFF2-40B4-BE49-F238E27FC236}">
+                <a16:creationId xmlns:a16="http://schemas.microsoft.com/office/drawing/2014/main" id="{E319C52C-80BC-47F3-B608-20DB09F12B53}"/>
+              </a:ext>
+            </a:extLst>
+          </p:cNvPr>
+          <p:cNvPicPr>
+            <a:picLocks noChangeAspect="1"/>
+          </p:cNvPicPr>
+          <p:nvPr/>
+        </p:nvPicPr>
+        <p:blipFill>
+          <a:blip r:embed="rId2">
+            <a:extLst>
+              <a:ext uri="{28A0092B-C50C-407E-A947-70E740481C1C}">
+                <a14:useLocalDpi xmlns:a14="http://schemas.microsoft.com/office/drawing/2010/main" val="0"/>
+              </a:ext>
+            </a:extLst>
+          </a:blip>
+          <a:stretch>
+            <a:fillRect/>
+          </a:stretch>
+        </p:blipFill>
+        <p:spPr>
+          <a:xfrm>
+            <a:off x="1134515" y="2609667"/>
+            <a:ext cx="10021165" cy="2201318"/>
+          </a:xfrm>
+          <a:prstGeom prst="rect">
+            <a:avLst/>
+          </a:prstGeom>
+        </p:spPr>
+      </p:pic>
+    </p:spTree>
+    <p:extLst>
+      <p:ext uri="{BB962C8B-B14F-4D97-AF65-F5344CB8AC3E}">
+        <p14:creationId xmlns:p14="http://schemas.microsoft.com/office/powerpoint/2010/main" val="3440815865"/>
+      </p:ext>
+    </p:extLst>
+  </p:cSld>
+  <p:clrMapOvr>
+    <a:masterClrMapping/>
+  </p:clrMapOvr>
+</p:sld>
+</file>
+
+<file path=ppt/slides/slide21.xml><?xml version="1.0" encoding="utf-8"?>
+<p:sld xmlns:a="http://schemas.openxmlformats.org/drawingml/2006/main" xmlns:r="http://schemas.openxmlformats.org/officeDocument/2006/relationships" xmlns:p="http://schemas.openxmlformats.org/presentationml/2006/main">
+  <p:cSld>
+    <p:spTree>
+      <p:nvGrpSpPr>
+        <p:cNvPr id="1" name=""/>
+        <p:cNvGrpSpPr/>
+        <p:nvPr/>
+      </p:nvGrpSpPr>
+      <p:grpSpPr>
+        <a:xfrm>
+          <a:off x="0" y="0"/>
+          <a:ext cx="0" cy="0"/>
+          <a:chOff x="0" y="0"/>
+          <a:chExt cx="0" cy="0"/>
+        </a:xfrm>
+      </p:grpSpPr>
+      <p:sp>
+        <p:nvSpPr>
+          <p:cNvPr id="2" name="Titel 1">
+            <a:extLst>
+              <a:ext uri="{FF2B5EF4-FFF2-40B4-BE49-F238E27FC236}">
                 <a16:creationId xmlns:a16="http://schemas.microsoft.com/office/drawing/2014/main" id="{4E4056F1-95D3-4103-B2BE-651E4D917EE6}"/>
               </a:ext>
             </a:extLst>
@@ -10135,7 +10487,7 @@
             <a:pPr rtl="0"/>
             <a:fld id="{3A98EE3D-8CD1-4C3F-BD1C-C98C9596463C}" type="slidenum">
               <a:rPr lang="en-US" smtClean="0"/>
-              <a:t>20</a:t>
+              <a:t>21</a:t>
             </a:fld>
             <a:endParaRPr lang="en-US" dirty="0"/>
           </a:p>
@@ -10225,7 +10577,7 @@
 </p:sld>
 </file>
 
-<file path=ppt/slides/slide21.xml><?xml version="1.0" encoding="utf-8"?>
+<file path=ppt/slides/slide22.xml><?xml version="1.0" encoding="utf-8"?>
 <p:sld xmlns:a="http://schemas.openxmlformats.org/drawingml/2006/main" xmlns:r="http://schemas.openxmlformats.org/officeDocument/2006/relationships" xmlns:p="http://schemas.openxmlformats.org/presentationml/2006/main">
   <p:cSld>
     <p:spTree>
@@ -10306,7 +10658,7 @@
             <a:pPr rtl="0"/>
             <a:fld id="{3A98EE3D-8CD1-4C3F-BD1C-C98C9596463C}" type="slidenum">
               <a:rPr lang="en-US" smtClean="0"/>
-              <a:t>21</a:t>
+              <a:t>22</a:t>
             </a:fld>
             <a:endParaRPr lang="en-US" dirty="0"/>
           </a:p>
@@ -10396,7 +10748,7 @@
 </p:sld>
 </file>
 
-<file path=ppt/slides/slide22.xml><?xml version="1.0" encoding="utf-8"?>
+<file path=ppt/slides/slide23.xml><?xml version="1.0" encoding="utf-8"?>
 <p:sld xmlns:a="http://schemas.openxmlformats.org/drawingml/2006/main" xmlns:r="http://schemas.openxmlformats.org/officeDocument/2006/relationships" xmlns:p="http://schemas.openxmlformats.org/presentationml/2006/main">
   <p:cSld>
     <p:spTree>
@@ -10477,7 +10829,7 @@
             <a:pPr rtl="0"/>
             <a:fld id="{3A98EE3D-8CD1-4C3F-BD1C-C98C9596463C}" type="slidenum">
               <a:rPr lang="en-US" smtClean="0"/>
-              <a:t>22</a:t>
+              <a:t>23</a:t>
             </a:fld>
             <a:endParaRPr lang="en-US" dirty="0"/>
           </a:p>
@@ -10567,171 +10919,6 @@
 </p:sld>
 </file>
 
-<file path=ppt/slides/slide23.xml><?xml version="1.0" encoding="utf-8"?>
-<p:sld xmlns:a="http://schemas.openxmlformats.org/drawingml/2006/main" xmlns:r="http://schemas.openxmlformats.org/officeDocument/2006/relationships" xmlns:p="http://schemas.openxmlformats.org/presentationml/2006/main">
-  <p:cSld>
-    <p:spTree>
-      <p:nvGrpSpPr>
-        <p:cNvPr id="1" name=""/>
-        <p:cNvGrpSpPr/>
-        <p:nvPr/>
-      </p:nvGrpSpPr>
-      <p:grpSpPr>
-        <a:xfrm>
-          <a:off x="0" y="0"/>
-          <a:ext cx="0" cy="0"/>
-          <a:chOff x="0" y="0"/>
-          <a:chExt cx="0" cy="0"/>
-        </a:xfrm>
-      </p:grpSpPr>
-      <p:sp>
-        <p:nvSpPr>
-          <p:cNvPr id="2" name="Titel 1">
-            <a:extLst>
-              <a:ext uri="{FF2B5EF4-FFF2-40B4-BE49-F238E27FC236}">
-                <a16:creationId xmlns:a16="http://schemas.microsoft.com/office/drawing/2014/main" id="{4E4056F1-95D3-4103-B2BE-651E4D917EE6}"/>
-              </a:ext>
-            </a:extLst>
-          </p:cNvPr>
-          <p:cNvSpPr>
-            <a:spLocks noGrp="1"/>
-          </p:cNvSpPr>
-          <p:nvPr>
-            <p:ph type="title"/>
-          </p:nvPr>
-        </p:nvSpPr>
-        <p:spPr/>
-        <p:txBody>
-          <a:bodyPr/>
-          <a:lstStyle/>
-          <a:p>
-            <a:r>
-              <a:rPr lang="de-DE" dirty="0"/>
-              <a:t>ER-Diagramm </a:t>
-            </a:r>
-            <a:br>
-              <a:rPr lang="de-DE" dirty="0"/>
-            </a:br>
-            <a:r>
-              <a:rPr lang="de-DE" dirty="0"/>
-              <a:t>Favoriten</a:t>
-            </a:r>
-          </a:p>
-        </p:txBody>
-      </p:sp>
-      <p:sp>
-        <p:nvSpPr>
-          <p:cNvPr id="4" name="Foliennummernplatzhalter 3">
-            <a:extLst>
-              <a:ext uri="{FF2B5EF4-FFF2-40B4-BE49-F238E27FC236}">
-                <a16:creationId xmlns:a16="http://schemas.microsoft.com/office/drawing/2014/main" id="{ED11B56A-F565-4118-A8F3-E25EDF21E261}"/>
-              </a:ext>
-            </a:extLst>
-          </p:cNvPr>
-          <p:cNvSpPr>
-            <a:spLocks noGrp="1"/>
-          </p:cNvSpPr>
-          <p:nvPr>
-            <p:ph type="sldNum" sz="quarter" idx="12"/>
-          </p:nvPr>
-        </p:nvSpPr>
-        <p:spPr/>
-        <p:txBody>
-          <a:bodyPr/>
-          <a:lstStyle/>
-          <a:p>
-            <a:pPr rtl="0"/>
-            <a:fld id="{3A98EE3D-8CD1-4C3F-BD1C-C98C9596463C}" type="slidenum">
-              <a:rPr lang="en-US" smtClean="0"/>
-              <a:t>23</a:t>
-            </a:fld>
-            <a:endParaRPr lang="en-US" dirty="0"/>
-          </a:p>
-        </p:txBody>
-      </p:sp>
-      <p:pic>
-        <p:nvPicPr>
-          <p:cNvPr id="6" name="Grafik 5">
-            <a:extLst>
-              <a:ext uri="{FF2B5EF4-FFF2-40B4-BE49-F238E27FC236}">
-                <a16:creationId xmlns:a16="http://schemas.microsoft.com/office/drawing/2014/main" id="{15CE0D53-A421-4F20-A266-5039CC98F763}"/>
-              </a:ext>
-            </a:extLst>
-          </p:cNvPr>
-          <p:cNvPicPr>
-            <a:picLocks noChangeAspect="1"/>
-          </p:cNvPicPr>
-          <p:nvPr/>
-        </p:nvPicPr>
-        <p:blipFill rotWithShape="1">
-          <a:blip r:embed="rId3">
-            <a:extLst>
-              <a:ext uri="{28A0092B-C50C-407E-A947-70E740481C1C}">
-                <a14:useLocalDpi xmlns:a14="http://schemas.microsoft.com/office/drawing/2010/main" val="0"/>
-              </a:ext>
-            </a:extLst>
-          </a:blip>
-          <a:srcRect l="1895" t="4286" r="2730" b="4176"/>
-          <a:stretch/>
-        </p:blipFill>
-        <p:spPr>
-          <a:xfrm>
-            <a:off x="2782118" y="1947552"/>
-            <a:ext cx="6627763" cy="4394965"/>
-          </a:xfrm>
-          <a:prstGeom prst="rect">
-            <a:avLst/>
-          </a:prstGeom>
-        </p:spPr>
-      </p:pic>
-      <p:sp>
-        <p:nvSpPr>
-          <p:cNvPr id="3" name="Textfeld 2">
-            <a:extLst>
-              <a:ext uri="{FF2B5EF4-FFF2-40B4-BE49-F238E27FC236}">
-                <a16:creationId xmlns:a16="http://schemas.microsoft.com/office/drawing/2014/main" id="{3725DAE3-D620-4329-BB86-C99E592409B3}"/>
-              </a:ext>
-            </a:extLst>
-          </p:cNvPr>
-          <p:cNvSpPr txBox="1"/>
-          <p:nvPr/>
-        </p:nvSpPr>
-        <p:spPr>
-          <a:xfrm>
-            <a:off x="9409881" y="1473124"/>
-            <a:ext cx="2158104" cy="369332"/>
-          </a:xfrm>
-          <a:prstGeom prst="rect">
-            <a:avLst/>
-          </a:prstGeom>
-          <a:noFill/>
-        </p:spPr>
-        <p:txBody>
-          <a:bodyPr wrap="square" rtlCol="0">
-            <a:spAutoFit/>
-          </a:bodyPr>
-          <a:lstStyle/>
-          <a:p>
-            <a:r>
-              <a:rPr lang="de-DE" dirty="0"/>
-              <a:t>Nicht umgesetzt</a:t>
-            </a:r>
-          </a:p>
-        </p:txBody>
-      </p:sp>
-    </p:spTree>
-    <p:extLst>
-      <p:ext uri="{BB962C8B-B14F-4D97-AF65-F5344CB8AC3E}">
-        <p14:creationId xmlns:p14="http://schemas.microsoft.com/office/powerpoint/2010/main" val="2617969784"/>
-      </p:ext>
-    </p:extLst>
-  </p:cSld>
-  <p:clrMapOvr>
-    <a:masterClrMapping/>
-  </p:clrMapOvr>
-</p:sld>
-</file>
-
 <file path=ppt/slides/slide24.xml><?xml version="1.0" encoding="utf-8"?>
 <p:sld xmlns:a="http://schemas.openxmlformats.org/drawingml/2006/main" xmlns:r="http://schemas.openxmlformats.org/officeDocument/2006/relationships" xmlns:p="http://schemas.openxmlformats.org/presentationml/2006/main">
   <p:cSld>
@@ -10754,7 +10941,7 @@
           <p:cNvPr id="2" name="Titel 1">
             <a:extLst>
               <a:ext uri="{FF2B5EF4-FFF2-40B4-BE49-F238E27FC236}">
-                <a16:creationId xmlns:a16="http://schemas.microsoft.com/office/drawing/2014/main" id="{301E3B99-90E6-4810-9291-4FFCF04B9D93}"/>
+                <a16:creationId xmlns:a16="http://schemas.microsoft.com/office/drawing/2014/main" id="{4E4056F1-95D3-4103-B2BE-651E4D917EE6}"/>
               </a:ext>
             </a:extLst>
           </p:cNvPr>
@@ -10772,7 +10959,7 @@
           <a:p>
             <a:r>
               <a:rPr lang="de-DE" dirty="0"/>
-              <a:t>SQL Datenbank </a:t>
+              <a:t>ER-Diagramm </a:t>
             </a:r>
             <a:br>
               <a:rPr lang="de-DE" dirty="0"/>
@@ -10789,7 +10976,7 @@
           <p:cNvPr id="4" name="Foliennummernplatzhalter 3">
             <a:extLst>
               <a:ext uri="{FF2B5EF4-FFF2-40B4-BE49-F238E27FC236}">
-                <a16:creationId xmlns:a16="http://schemas.microsoft.com/office/drawing/2014/main" id="{1576703A-D045-4142-B6BC-28811375C559}"/>
+                <a16:creationId xmlns:a16="http://schemas.microsoft.com/office/drawing/2014/main" id="{ED11B56A-F565-4118-A8F3-E25EDF21E261}"/>
               </a:ext>
             </a:extLst>
           </p:cNvPr>
@@ -10819,7 +11006,7 @@
           <p:cNvPr id="6" name="Grafik 5">
             <a:extLst>
               <a:ext uri="{FF2B5EF4-FFF2-40B4-BE49-F238E27FC236}">
-                <a16:creationId xmlns:a16="http://schemas.microsoft.com/office/drawing/2014/main" id="{593217E4-29FC-4329-80A6-2BB582584D41}"/>
+                <a16:creationId xmlns:a16="http://schemas.microsoft.com/office/drawing/2014/main" id="{15CE0D53-A421-4F20-A266-5039CC98F763}"/>
               </a:ext>
             </a:extLst>
           </p:cNvPr>
@@ -10828,7 +11015,7 @@
           </p:cNvPicPr>
           <p:nvPr/>
         </p:nvPicPr>
-        <p:blipFill>
+        <p:blipFill rotWithShape="1">
           <a:blip r:embed="rId3">
             <a:extLst>
               <a:ext uri="{28A0092B-C50C-407E-A947-70E740481C1C}">
@@ -10836,62 +11023,25 @@
               </a:ext>
             </a:extLst>
           </a:blip>
-          <a:stretch>
-            <a:fillRect/>
-          </a:stretch>
+          <a:srcRect l="1895" t="4286" r="2730" b="4176"/>
+          <a:stretch/>
         </p:blipFill>
         <p:spPr>
           <a:xfrm>
-            <a:off x="1098710" y="2263656"/>
-            <a:ext cx="10056970" cy="1548319"/>
+            <a:off x="2782118" y="1947552"/>
+            <a:ext cx="6627763" cy="4394965"/>
           </a:xfrm>
           <a:prstGeom prst="rect">
             <a:avLst/>
           </a:prstGeom>
         </p:spPr>
       </p:pic>
-      <p:pic>
-        <p:nvPicPr>
-          <p:cNvPr id="8" name="Grafik 7">
-            <a:extLst>
-              <a:ext uri="{FF2B5EF4-FFF2-40B4-BE49-F238E27FC236}">
-                <a16:creationId xmlns:a16="http://schemas.microsoft.com/office/drawing/2014/main" id="{8A83C62C-6979-406D-8767-9D97D06DABE3}"/>
-              </a:ext>
-            </a:extLst>
-          </p:cNvPr>
-          <p:cNvPicPr>
-            <a:picLocks noChangeAspect="1"/>
-          </p:cNvPicPr>
-          <p:nvPr/>
-        </p:nvPicPr>
-        <p:blipFill>
-          <a:blip r:embed="rId4">
-            <a:extLst>
-              <a:ext uri="{28A0092B-C50C-407E-A947-70E740481C1C}">
-                <a14:useLocalDpi xmlns:a14="http://schemas.microsoft.com/office/drawing/2010/main" val="0"/>
-              </a:ext>
-            </a:extLst>
-          </a:blip>
-          <a:stretch>
-            <a:fillRect/>
-          </a:stretch>
-        </p:blipFill>
-        <p:spPr>
-          <a:xfrm>
-            <a:off x="1097280" y="4384572"/>
-            <a:ext cx="2999387" cy="1351209"/>
-          </a:xfrm>
-          <a:prstGeom prst="rect">
-            <a:avLst/>
-          </a:prstGeom>
-        </p:spPr>
-      </p:pic>
-      <p:sp>
-        <p:nvSpPr>
-          <p:cNvPr id="7" name="Textfeld 6">
-            <a:extLst>
-              <a:ext uri="{FF2B5EF4-FFF2-40B4-BE49-F238E27FC236}">
-                <a16:creationId xmlns:a16="http://schemas.microsoft.com/office/drawing/2014/main" id="{A0C45FFC-1D80-415F-AEB8-965C748DC274}"/>
+      <p:sp>
+        <p:nvSpPr>
+          <p:cNvPr id="3" name="Textfeld 2">
+            <a:extLst>
+              <a:ext uri="{FF2B5EF4-FFF2-40B4-BE49-F238E27FC236}">
+                <a16:creationId xmlns:a16="http://schemas.microsoft.com/office/drawing/2014/main" id="{3725DAE3-D620-4329-BB86-C99E592409B3}"/>
               </a:ext>
             </a:extLst>
           </p:cNvPr>
@@ -10924,7 +11074,7 @@
     </p:spTree>
     <p:extLst>
       <p:ext uri="{BB962C8B-B14F-4D97-AF65-F5344CB8AC3E}">
-        <p14:creationId xmlns:p14="http://schemas.microsoft.com/office/powerpoint/2010/main" val="785191862"/>
+        <p14:creationId xmlns:p14="http://schemas.microsoft.com/office/powerpoint/2010/main" val="2617969784"/>
       </p:ext>
     </p:extLst>
   </p:cSld>
@@ -10956,7 +11106,7 @@
           <p:cNvPr id="2" name="Titel 1">
             <a:extLst>
               <a:ext uri="{FF2B5EF4-FFF2-40B4-BE49-F238E27FC236}">
-                <a16:creationId xmlns:a16="http://schemas.microsoft.com/office/drawing/2014/main" id="{C5CEC7AA-D6D0-4A38-A1E0-6F021008DBE3}"/>
+                <a16:creationId xmlns:a16="http://schemas.microsoft.com/office/drawing/2014/main" id="{301E3B99-90E6-4810-9291-4FFCF04B9D93}"/>
               </a:ext>
             </a:extLst>
           </p:cNvPr>
@@ -10974,7 +11124,7 @@
           <a:p>
             <a:r>
               <a:rPr lang="de-DE" dirty="0"/>
-              <a:t>SQL Struktur </a:t>
+              <a:t>SQL Datenbank </a:t>
             </a:r>
             <a:br>
               <a:rPr lang="de-DE" dirty="0"/>
@@ -10991,7 +11141,7 @@
           <p:cNvPr id="4" name="Foliennummernplatzhalter 3">
             <a:extLst>
               <a:ext uri="{FF2B5EF4-FFF2-40B4-BE49-F238E27FC236}">
-                <a16:creationId xmlns:a16="http://schemas.microsoft.com/office/drawing/2014/main" id="{AE2EFFA6-5193-4DE4-8AAD-206D3391BFE2}"/>
+                <a16:creationId xmlns:a16="http://schemas.microsoft.com/office/drawing/2014/main" id="{1576703A-D045-4142-B6BC-28811375C559}"/>
               </a:ext>
             </a:extLst>
           </p:cNvPr>
@@ -11018,10 +11168,10 @@
       </p:sp>
       <p:pic>
         <p:nvPicPr>
-          <p:cNvPr id="6" name="Grafik 5" descr="Ein Bild, das Text enthält.&#10;&#10;Automatisch generierte Beschreibung">
-            <a:extLst>
-              <a:ext uri="{FF2B5EF4-FFF2-40B4-BE49-F238E27FC236}">
-                <a16:creationId xmlns:a16="http://schemas.microsoft.com/office/drawing/2014/main" id="{C278BA14-3424-4A78-9440-89895EB97CDF}"/>
+          <p:cNvPr id="6" name="Grafik 5">
+            <a:extLst>
+              <a:ext uri="{FF2B5EF4-FFF2-40B4-BE49-F238E27FC236}">
+                <a16:creationId xmlns:a16="http://schemas.microsoft.com/office/drawing/2014/main" id="{593217E4-29FC-4329-80A6-2BB582584D41}"/>
               </a:ext>
             </a:extLst>
           </p:cNvPr>
@@ -11031,7 +11181,7 @@
           <p:nvPr/>
         </p:nvPicPr>
         <p:blipFill>
-          <a:blip r:embed="rId2">
+          <a:blip r:embed="rId3">
             <a:extLst>
               <a:ext uri="{28A0092B-C50C-407E-A947-70E740481C1C}">
                 <a14:useLocalDpi xmlns:a14="http://schemas.microsoft.com/office/drawing/2010/main" val="0"/>
@@ -11044,8 +11194,8 @@
         </p:blipFill>
         <p:spPr>
           <a:xfrm>
-            <a:off x="966872" y="2303964"/>
-            <a:ext cx="10258256" cy="1450757"/>
+            <a:off x="1098710" y="2263656"/>
+            <a:ext cx="10056970" cy="1548319"/>
           </a:xfrm>
           <a:prstGeom prst="rect">
             <a:avLst/>
@@ -11057,7 +11207,7 @@
           <p:cNvPr id="8" name="Grafik 7">
             <a:extLst>
               <a:ext uri="{FF2B5EF4-FFF2-40B4-BE49-F238E27FC236}">
-                <a16:creationId xmlns:a16="http://schemas.microsoft.com/office/drawing/2014/main" id="{A48D8983-542A-4738-8252-257BDBCCF1B7}"/>
+                <a16:creationId xmlns:a16="http://schemas.microsoft.com/office/drawing/2014/main" id="{8A83C62C-6979-406D-8767-9D97D06DABE3}"/>
               </a:ext>
             </a:extLst>
           </p:cNvPr>
@@ -11067,7 +11217,7 @@
           <p:nvPr/>
         </p:nvPicPr>
         <p:blipFill>
-          <a:blip r:embed="rId3">
+          <a:blip r:embed="rId4">
             <a:extLst>
               <a:ext uri="{28A0092B-C50C-407E-A947-70E740481C1C}">
                 <a14:useLocalDpi xmlns:a14="http://schemas.microsoft.com/office/drawing/2010/main" val="0"/>
@@ -11080,8 +11230,8 @@
         </p:blipFill>
         <p:spPr>
           <a:xfrm>
-            <a:off x="966872" y="4360667"/>
-            <a:ext cx="6811326" cy="1076475"/>
+            <a:off x="1097280" y="4384572"/>
+            <a:ext cx="2999387" cy="1351209"/>
           </a:xfrm>
           <a:prstGeom prst="rect">
             <a:avLst/>
@@ -11093,7 +11243,7 @@
           <p:cNvPr id="7" name="Textfeld 6">
             <a:extLst>
               <a:ext uri="{FF2B5EF4-FFF2-40B4-BE49-F238E27FC236}">
-                <a16:creationId xmlns:a16="http://schemas.microsoft.com/office/drawing/2014/main" id="{B6BEE93D-56FE-4DD0-9DBA-6170FA6AF840}"/>
+                <a16:creationId xmlns:a16="http://schemas.microsoft.com/office/drawing/2014/main" id="{A0C45FFC-1D80-415F-AEB8-965C748DC274}"/>
               </a:ext>
             </a:extLst>
           </p:cNvPr>
@@ -11126,7 +11276,7 @@
     </p:spTree>
     <p:extLst>
       <p:ext uri="{BB962C8B-B14F-4D97-AF65-F5344CB8AC3E}">
-        <p14:creationId xmlns:p14="http://schemas.microsoft.com/office/powerpoint/2010/main" val="1191174246"/>
+        <p14:creationId xmlns:p14="http://schemas.microsoft.com/office/powerpoint/2010/main" val="785191862"/>
       </p:ext>
     </p:extLst>
   </p:cSld>
@@ -11158,7 +11308,7 @@
           <p:cNvPr id="2" name="Titel 1">
             <a:extLst>
               <a:ext uri="{FF2B5EF4-FFF2-40B4-BE49-F238E27FC236}">
-                <a16:creationId xmlns:a16="http://schemas.microsoft.com/office/drawing/2014/main" id="{4DC4D8DE-1034-4059-B907-B2FCA56F6799}"/>
+                <a16:creationId xmlns:a16="http://schemas.microsoft.com/office/drawing/2014/main" id="{C5CEC7AA-D6D0-4A38-A1E0-6F021008DBE3}"/>
               </a:ext>
             </a:extLst>
           </p:cNvPr>
@@ -11169,129 +11319,166 @@
             <p:ph type="title"/>
           </p:nvPr>
         </p:nvSpPr>
+        <p:spPr/>
+        <p:txBody>
+          <a:bodyPr/>
+          <a:lstStyle/>
+          <a:p>
+            <a:r>
+              <a:rPr lang="de-DE" dirty="0"/>
+              <a:t>SQL Struktur </a:t>
+            </a:r>
+            <a:br>
+              <a:rPr lang="de-DE" dirty="0"/>
+            </a:br>
+            <a:r>
+              <a:rPr lang="de-DE" dirty="0"/>
+              <a:t>Favoriten</a:t>
+            </a:r>
+          </a:p>
+        </p:txBody>
+      </p:sp>
+      <p:sp>
+        <p:nvSpPr>
+          <p:cNvPr id="4" name="Foliennummernplatzhalter 3">
+            <a:extLst>
+              <a:ext uri="{FF2B5EF4-FFF2-40B4-BE49-F238E27FC236}">
+                <a16:creationId xmlns:a16="http://schemas.microsoft.com/office/drawing/2014/main" id="{AE2EFFA6-5193-4DE4-8AAD-206D3391BFE2}"/>
+              </a:ext>
+            </a:extLst>
+          </p:cNvPr>
+          <p:cNvSpPr>
+            <a:spLocks noGrp="1"/>
+          </p:cNvSpPr>
+          <p:nvPr>
+            <p:ph type="sldNum" sz="quarter" idx="12"/>
+          </p:nvPr>
+        </p:nvSpPr>
+        <p:spPr/>
+        <p:txBody>
+          <a:bodyPr/>
+          <a:lstStyle/>
+          <a:p>
+            <a:pPr rtl="0"/>
+            <a:fld id="{3A98EE3D-8CD1-4C3F-BD1C-C98C9596463C}" type="slidenum">
+              <a:rPr lang="en-US" smtClean="0"/>
+              <a:t>26</a:t>
+            </a:fld>
+            <a:endParaRPr lang="en-US" dirty="0"/>
+          </a:p>
+        </p:txBody>
+      </p:sp>
+      <p:pic>
+        <p:nvPicPr>
+          <p:cNvPr id="6" name="Grafik 5" descr="Ein Bild, das Text enthält.&#10;&#10;Automatisch generierte Beschreibung">
+            <a:extLst>
+              <a:ext uri="{FF2B5EF4-FFF2-40B4-BE49-F238E27FC236}">
+                <a16:creationId xmlns:a16="http://schemas.microsoft.com/office/drawing/2014/main" id="{C278BA14-3424-4A78-9440-89895EB97CDF}"/>
+              </a:ext>
+            </a:extLst>
+          </p:cNvPr>
+          <p:cNvPicPr>
+            <a:picLocks noChangeAspect="1"/>
+          </p:cNvPicPr>
+          <p:nvPr/>
+        </p:nvPicPr>
+        <p:blipFill>
+          <a:blip r:embed="rId2">
+            <a:extLst>
+              <a:ext uri="{28A0092B-C50C-407E-A947-70E740481C1C}">
+                <a14:useLocalDpi xmlns:a14="http://schemas.microsoft.com/office/drawing/2010/main" val="0"/>
+              </a:ext>
+            </a:extLst>
+          </a:blip>
+          <a:stretch>
+            <a:fillRect/>
+          </a:stretch>
+        </p:blipFill>
         <p:spPr>
           <a:xfrm>
-            <a:off x="1097280" y="758952"/>
-            <a:ext cx="10058400" cy="3566160"/>
-          </a:xfrm>
-        </p:spPr>
-        <p:txBody>
-          <a:bodyPr anchor="b">
-            <a:normAutofit/>
-          </a:bodyPr>
-          <a:lstStyle/>
-          <a:p>
-            <a:r>
-              <a:rPr lang="de-DE" sz="7400" dirty="0"/>
-              <a:t>Zielhierarchie</a:t>
-            </a:r>
-          </a:p>
-        </p:txBody>
-      </p:sp>
-      <p:sp>
-        <p:nvSpPr>
-          <p:cNvPr id="3" name="Foliennummernplatzhalter 2">
-            <a:extLst>
-              <a:ext uri="{FF2B5EF4-FFF2-40B4-BE49-F238E27FC236}">
-                <a16:creationId xmlns:a16="http://schemas.microsoft.com/office/drawing/2014/main" id="{585CF4AE-527C-4AA2-906C-B9F7B3281748}"/>
-              </a:ext>
-            </a:extLst>
-          </p:cNvPr>
-          <p:cNvSpPr>
-            <a:spLocks noGrp="1"/>
-          </p:cNvSpPr>
-          <p:nvPr>
-            <p:ph type="sldNum" sz="quarter" idx="12"/>
-          </p:nvPr>
-        </p:nvSpPr>
-        <p:spPr>
-          <a:xfrm>
-            <a:off x="10993582" y="6446838"/>
-            <a:ext cx="780010" cy="365125"/>
-          </a:xfrm>
-        </p:spPr>
-        <p:txBody>
-          <a:bodyPr anchor="ctr">
-            <a:normAutofit/>
-          </a:bodyPr>
-          <a:lstStyle/>
-          <a:p>
-            <a:pPr rtl="0">
-              <a:spcAft>
-                <a:spcPts val="600"/>
-              </a:spcAft>
-            </a:pPr>
-            <a:fld id="{3A98EE3D-8CD1-4C3F-BD1C-C98C9596463C}" type="slidenum">
-              <a:rPr lang="en-US" smtClean="0"/>
-              <a:pPr rtl="0">
-                <a:spcAft>
-                  <a:spcPts val="600"/>
-                </a:spcAft>
-              </a:pPr>
-              <a:t>26</a:t>
-            </a:fld>
-            <a:endParaRPr lang="en-US"/>
-          </a:p>
-        </p:txBody>
-      </p:sp>
-      <p:sp>
-        <p:nvSpPr>
-          <p:cNvPr id="4" name="Titel 1">
-            <a:extLst>
-              <a:ext uri="{FF2B5EF4-FFF2-40B4-BE49-F238E27FC236}">
-                <a16:creationId xmlns:a16="http://schemas.microsoft.com/office/drawing/2014/main" id="{14040106-2C9B-47A0-AA16-571538A46A0C}"/>
-              </a:ext>
-            </a:extLst>
-          </p:cNvPr>
-          <p:cNvSpPr txBox="1">
-            <a:spLocks/>
-          </p:cNvSpPr>
-          <p:nvPr/>
-        </p:nvSpPr>
-        <p:spPr>
-          <a:xfrm>
-            <a:off x="1097280" y="4744569"/>
-            <a:ext cx="10058400" cy="641405"/>
+            <a:off x="966872" y="2303964"/>
+            <a:ext cx="10258256" cy="1450757"/>
           </a:xfrm>
           <a:prstGeom prst="rect">
             <a:avLst/>
           </a:prstGeom>
         </p:spPr>
-        <p:txBody>
-          <a:bodyPr vert="horz" lIns="91440" tIns="45720" rIns="91440" bIns="45720" rtlCol="0" anchor="b" anchorCtr="0">
-            <a:normAutofit fontScale="62500" lnSpcReduction="20000"/>
+      </p:pic>
+      <p:pic>
+        <p:nvPicPr>
+          <p:cNvPr id="8" name="Grafik 7">
+            <a:extLst>
+              <a:ext uri="{FF2B5EF4-FFF2-40B4-BE49-F238E27FC236}">
+                <a16:creationId xmlns:a16="http://schemas.microsoft.com/office/drawing/2014/main" id="{A48D8983-542A-4738-8252-257BDBCCF1B7}"/>
+              </a:ext>
+            </a:extLst>
+          </p:cNvPr>
+          <p:cNvPicPr>
+            <a:picLocks noChangeAspect="1"/>
+          </p:cNvPicPr>
+          <p:nvPr/>
+        </p:nvPicPr>
+        <p:blipFill>
+          <a:blip r:embed="rId3">
+            <a:extLst>
+              <a:ext uri="{28A0092B-C50C-407E-A947-70E740481C1C}">
+                <a14:useLocalDpi xmlns:a14="http://schemas.microsoft.com/office/drawing/2010/main" val="0"/>
+              </a:ext>
+            </a:extLst>
+          </a:blip>
+          <a:stretch>
+            <a:fillRect/>
+          </a:stretch>
+        </p:blipFill>
+        <p:spPr>
+          <a:xfrm>
+            <a:off x="966872" y="4360667"/>
+            <a:ext cx="6811326" cy="1076475"/>
+          </a:xfrm>
+          <a:prstGeom prst="rect">
+            <a:avLst/>
+          </a:prstGeom>
+        </p:spPr>
+      </p:pic>
+      <p:sp>
+        <p:nvSpPr>
+          <p:cNvPr id="7" name="Textfeld 6">
+            <a:extLst>
+              <a:ext uri="{FF2B5EF4-FFF2-40B4-BE49-F238E27FC236}">
+                <a16:creationId xmlns:a16="http://schemas.microsoft.com/office/drawing/2014/main" id="{B6BEE93D-56FE-4DD0-9DBA-6170FA6AF840}"/>
+              </a:ext>
+            </a:extLst>
+          </p:cNvPr>
+          <p:cNvSpPr txBox="1"/>
+          <p:nvPr/>
+        </p:nvSpPr>
+        <p:spPr>
+          <a:xfrm>
+            <a:off x="9409881" y="1473124"/>
+            <a:ext cx="2158104" cy="369332"/>
+          </a:xfrm>
+          <a:prstGeom prst="rect">
+            <a:avLst/>
+          </a:prstGeom>
+          <a:noFill/>
+        </p:spPr>
+        <p:txBody>
+          <a:bodyPr wrap="square" rtlCol="0">
+            <a:spAutoFit/>
           </a:bodyPr>
-          <a:lstStyle>
-            <a:lvl1pPr algn="l" defTabSz="914400" rtl="0" eaLnBrk="1" latinLnBrk="0" hangingPunct="1">
-              <a:lnSpc>
-                <a:spcPct val="90000"/>
-              </a:lnSpc>
-              <a:spcBef>
-                <a:spcPct val="0"/>
-              </a:spcBef>
-              <a:buNone/>
-              <a:defRPr sz="8000" b="0" i="0" kern="1200" spc="-50" baseline="0">
-                <a:solidFill>
-                  <a:schemeClr val="tx1">
-                    <a:lumMod val="85000"/>
-                    <a:lumOff val="15000"/>
-                  </a:schemeClr>
-                </a:solidFill>
-                <a:latin typeface="+mj-lt"/>
-                <a:ea typeface="+mj-ea"/>
-                <a:cs typeface="+mj-cs"/>
-              </a:defRPr>
-            </a:lvl1pPr>
-          </a:lstStyle>
-          <a:p>
-            <a:endParaRPr lang="de-DE" sz="7900" dirty="0"/>
+          <a:lstStyle/>
+          <a:p>
+            <a:r>
+              <a:rPr lang="de-DE" dirty="0"/>
+              <a:t>Nicht umgesetzt</a:t>
+            </a:r>
           </a:p>
         </p:txBody>
       </p:sp>
     </p:spTree>
     <p:extLst>
       <p:ext uri="{BB962C8B-B14F-4D97-AF65-F5344CB8AC3E}">
-        <p14:creationId xmlns:p14="http://schemas.microsoft.com/office/powerpoint/2010/main" val="2660464370"/>
+        <p14:creationId xmlns:p14="http://schemas.microsoft.com/office/powerpoint/2010/main" val="1191174246"/>
       </p:ext>
     </p:extLst>
   </p:cSld>
@@ -11323,7 +11510,7 @@
           <p:cNvPr id="2" name="Titel 1">
             <a:extLst>
               <a:ext uri="{FF2B5EF4-FFF2-40B4-BE49-F238E27FC236}">
-                <a16:creationId xmlns:a16="http://schemas.microsoft.com/office/drawing/2014/main" id="{80EE4ADB-3912-4818-9107-B9B53667FC56}"/>
+                <a16:creationId xmlns:a16="http://schemas.microsoft.com/office/drawing/2014/main" id="{4DC4D8DE-1034-4059-B907-B2FCA56F6799}"/>
               </a:ext>
             </a:extLst>
           </p:cNvPr>
@@ -11336,8 +11523,8 @@
         </p:nvSpPr>
         <p:spPr>
           <a:xfrm>
-            <a:off x="1097280" y="286603"/>
-            <a:ext cx="10058400" cy="1450757"/>
+            <a:off x="1097280" y="758952"/>
+            <a:ext cx="10058400" cy="3566160"/>
           </a:xfrm>
         </p:spPr>
         <p:txBody>
@@ -11347,7 +11534,7 @@
           <a:lstStyle/>
           <a:p>
             <a:r>
-              <a:rPr lang="de-DE" dirty="0"/>
+              <a:rPr lang="de-DE" sz="7400" dirty="0"/>
               <a:t>Zielhierarchie</a:t>
             </a:r>
           </a:p>
@@ -11355,10 +11542,10 @@
       </p:sp>
       <p:sp>
         <p:nvSpPr>
-          <p:cNvPr id="4" name="Foliennummernplatzhalter 3">
-            <a:extLst>
-              <a:ext uri="{FF2B5EF4-FFF2-40B4-BE49-F238E27FC236}">
-                <a16:creationId xmlns:a16="http://schemas.microsoft.com/office/drawing/2014/main" id="{0A6814A5-E621-4F6A-97F4-4E20661FA280}"/>
+          <p:cNvPr id="3" name="Foliennummernplatzhalter 2">
+            <a:extLst>
+              <a:ext uri="{FF2B5EF4-FFF2-40B4-BE49-F238E27FC236}">
+                <a16:creationId xmlns:a16="http://schemas.microsoft.com/office/drawing/2014/main" id="{585CF4AE-527C-4AA2-906C-B9F7B3281748}"/>
               </a:ext>
             </a:extLst>
           </p:cNvPr>
@@ -11399,171 +11586,64 @@
           </a:p>
         </p:txBody>
       </p:sp>
-      <p:pic>
-        <p:nvPicPr>
-          <p:cNvPr id="6" name="Grafik 5" descr="Ein Bild, das Text enthält.&#10;&#10;Automatisch generierte Beschreibung">
-            <a:extLst>
-              <a:ext uri="{FF2B5EF4-FFF2-40B4-BE49-F238E27FC236}">
-                <a16:creationId xmlns:a16="http://schemas.microsoft.com/office/drawing/2014/main" id="{5BD0F67F-BE0B-4B03-A42F-12ECCD5074C2}"/>
-              </a:ext>
-            </a:extLst>
-          </p:cNvPr>
-          <p:cNvPicPr>
-            <a:picLocks noChangeAspect="1"/>
-          </p:cNvPicPr>
+      <p:sp>
+        <p:nvSpPr>
+          <p:cNvPr id="4" name="Titel 1">
+            <a:extLst>
+              <a:ext uri="{FF2B5EF4-FFF2-40B4-BE49-F238E27FC236}">
+                <a16:creationId xmlns:a16="http://schemas.microsoft.com/office/drawing/2014/main" id="{14040106-2C9B-47A0-AA16-571538A46A0C}"/>
+              </a:ext>
+            </a:extLst>
+          </p:cNvPr>
+          <p:cNvSpPr txBox="1">
+            <a:spLocks/>
+          </p:cNvSpPr>
           <p:nvPr/>
-        </p:nvPicPr>
-        <p:blipFill rotWithShape="1">
-          <a:blip r:embed="rId3">
-            <a:extLst>
-              <a:ext uri="{28A0092B-C50C-407E-A947-70E740481C1C}">
-                <a14:useLocalDpi xmlns:a14="http://schemas.microsoft.com/office/drawing/2010/main" val="0"/>
-              </a:ext>
-            </a:extLst>
-          </a:blip>
-          <a:srcRect t="17675" r="27269" b="9892"/>
-          <a:stretch/>
-        </p:blipFill>
+        </p:nvSpPr>
         <p:spPr>
           <a:xfrm>
-            <a:off x="2362571" y="2027918"/>
-            <a:ext cx="7466857" cy="4182878"/>
+            <a:off x="1097280" y="4744569"/>
+            <a:ext cx="10058400" cy="641405"/>
           </a:xfrm>
           <a:prstGeom prst="rect">
             <a:avLst/>
           </a:prstGeom>
         </p:spPr>
-      </p:pic>
-      <p:sp>
-        <p:nvSpPr>
-          <p:cNvPr id="10" name="Textfeld 9">
-            <a:extLst>
-              <a:ext uri="{FF2B5EF4-FFF2-40B4-BE49-F238E27FC236}">
-                <a16:creationId xmlns:a16="http://schemas.microsoft.com/office/drawing/2014/main" id="{BBC4B259-4562-434A-A636-984F52C614ED}"/>
-              </a:ext>
-            </a:extLst>
-          </p:cNvPr>
-          <p:cNvSpPr txBox="1"/>
-          <p:nvPr/>
-        </p:nvSpPr>
-        <p:spPr>
-          <a:xfrm>
-            <a:off x="2952750" y="4936916"/>
-            <a:ext cx="5876388" cy="261610"/>
-          </a:xfrm>
-          <a:prstGeom prst="rect">
-            <a:avLst/>
-          </a:prstGeom>
-          <a:noFill/>
-        </p:spPr>
-        <p:txBody>
-          <a:bodyPr wrap="square">
-            <a:spAutoFit/>
+        <p:txBody>
+          <a:bodyPr vert="horz" lIns="91440" tIns="45720" rIns="91440" bIns="45720" rtlCol="0" anchor="b" anchorCtr="0">
+            <a:normAutofit fontScale="62500" lnSpcReduction="20000"/>
           </a:bodyPr>
-          <a:lstStyle/>
-          <a:p>
-            <a:r>
-              <a:rPr lang="de-DE" sz="1100" b="0" i="0" dirty="0">
+          <a:lstStyle>
+            <a:lvl1pPr algn="l" defTabSz="914400" rtl="0" eaLnBrk="1" latinLnBrk="0" hangingPunct="1">
+              <a:lnSpc>
+                <a:spcPct val="90000"/>
+              </a:lnSpc>
+              <a:spcBef>
+                <a:spcPct val="0"/>
+              </a:spcBef>
+              <a:buNone/>
+              <a:defRPr sz="8000" b="0" i="0" kern="1200" spc="-50" baseline="0">
                 <a:solidFill>
-                  <a:srgbClr val="333333"/>
+                  <a:schemeClr val="tx1">
+                    <a:lumMod val="85000"/>
+                    <a:lumOff val="15000"/>
+                  </a:schemeClr>
                 </a:solidFill>
-                <a:effectLst/>
-                <a:latin typeface="Source Sans Pro" panose="020B0604020202020204" pitchFamily="34" charset="0"/>
-              </a:rPr>
-              <a:t>✅</a:t>
-            </a:r>
-            <a:endParaRPr lang="de-DE" sz="1100" dirty="0"/>
-          </a:p>
-        </p:txBody>
-      </p:sp>
-      <p:sp>
-        <p:nvSpPr>
-          <p:cNvPr id="11" name="Textfeld 10">
-            <a:extLst>
-              <a:ext uri="{FF2B5EF4-FFF2-40B4-BE49-F238E27FC236}">
-                <a16:creationId xmlns:a16="http://schemas.microsoft.com/office/drawing/2014/main" id="{B6493BAC-B8E0-41B8-B401-F96E8A5722D3}"/>
-              </a:ext>
-            </a:extLst>
-          </p:cNvPr>
-          <p:cNvSpPr txBox="1"/>
-          <p:nvPr/>
-        </p:nvSpPr>
-        <p:spPr>
-          <a:xfrm>
-            <a:off x="2959100" y="5302721"/>
-            <a:ext cx="5876388" cy="261610"/>
-          </a:xfrm>
-          <a:prstGeom prst="rect">
-            <a:avLst/>
-          </a:prstGeom>
-          <a:noFill/>
-        </p:spPr>
-        <p:txBody>
-          <a:bodyPr wrap="square">
-            <a:spAutoFit/>
-          </a:bodyPr>
-          <a:lstStyle/>
-          <a:p>
-            <a:r>
-              <a:rPr lang="de-DE" sz="1100" b="0" i="0" dirty="0">
-                <a:solidFill>
-                  <a:srgbClr val="333333"/>
-                </a:solidFill>
-                <a:effectLst/>
-                <a:latin typeface="Source Sans Pro" panose="020B0604020202020204" pitchFamily="34" charset="0"/>
-              </a:rPr>
-              <a:t>✅</a:t>
-            </a:r>
-            <a:endParaRPr lang="de-DE" sz="1100" dirty="0"/>
-          </a:p>
-        </p:txBody>
-      </p:sp>
-      <p:sp>
-        <p:nvSpPr>
-          <p:cNvPr id="12" name="Textfeld 11">
-            <a:extLst>
-              <a:ext uri="{FF2B5EF4-FFF2-40B4-BE49-F238E27FC236}">
-                <a16:creationId xmlns:a16="http://schemas.microsoft.com/office/drawing/2014/main" id="{7557D5B7-D5F2-45FA-89FE-2C0CB99D0C45}"/>
-              </a:ext>
-            </a:extLst>
-          </p:cNvPr>
-          <p:cNvSpPr txBox="1"/>
-          <p:nvPr/>
-        </p:nvSpPr>
-        <p:spPr>
-          <a:xfrm>
-            <a:off x="2959100" y="5668526"/>
-            <a:ext cx="5876388" cy="261610"/>
-          </a:xfrm>
-          <a:prstGeom prst="rect">
-            <a:avLst/>
-          </a:prstGeom>
-          <a:noFill/>
-        </p:spPr>
-        <p:txBody>
-          <a:bodyPr wrap="square">
-            <a:spAutoFit/>
-          </a:bodyPr>
-          <a:lstStyle/>
-          <a:p>
-            <a:r>
-              <a:rPr lang="de-DE" sz="1100" b="0" i="0" dirty="0">
-                <a:solidFill>
-                  <a:srgbClr val="333333"/>
-                </a:solidFill>
-                <a:effectLst/>
-                <a:latin typeface="Source Sans Pro" panose="020B0604020202020204" pitchFamily="34" charset="0"/>
-              </a:rPr>
-              <a:t>✅</a:t>
-            </a:r>
-            <a:endParaRPr lang="de-DE" sz="1100" dirty="0"/>
+                <a:latin typeface="+mj-lt"/>
+                <a:ea typeface="+mj-ea"/>
+                <a:cs typeface="+mj-cs"/>
+              </a:defRPr>
+            </a:lvl1pPr>
+          </a:lstStyle>
+          <a:p>
+            <a:endParaRPr lang="de-DE" sz="7900" dirty="0"/>
           </a:p>
         </p:txBody>
       </p:sp>
     </p:spTree>
     <p:extLst>
       <p:ext uri="{BB962C8B-B14F-4D97-AF65-F5344CB8AC3E}">
-        <p14:creationId xmlns:p14="http://schemas.microsoft.com/office/powerpoint/2010/main" val="3191535140"/>
+        <p14:creationId xmlns:p14="http://schemas.microsoft.com/office/powerpoint/2010/main" val="2660464370"/>
       </p:ext>
     </p:extLst>
   </p:cSld>
@@ -11595,6 +11675,278 @@
           <p:cNvPr id="2" name="Titel 1">
             <a:extLst>
               <a:ext uri="{FF2B5EF4-FFF2-40B4-BE49-F238E27FC236}">
+                <a16:creationId xmlns:a16="http://schemas.microsoft.com/office/drawing/2014/main" id="{80EE4ADB-3912-4818-9107-B9B53667FC56}"/>
+              </a:ext>
+            </a:extLst>
+          </p:cNvPr>
+          <p:cNvSpPr>
+            <a:spLocks noGrp="1"/>
+          </p:cNvSpPr>
+          <p:nvPr>
+            <p:ph type="title"/>
+          </p:nvPr>
+        </p:nvSpPr>
+        <p:spPr>
+          <a:xfrm>
+            <a:off x="1097280" y="286603"/>
+            <a:ext cx="10058400" cy="1450757"/>
+          </a:xfrm>
+        </p:spPr>
+        <p:txBody>
+          <a:bodyPr anchor="b">
+            <a:normAutofit/>
+          </a:bodyPr>
+          <a:lstStyle/>
+          <a:p>
+            <a:r>
+              <a:rPr lang="de-DE" dirty="0"/>
+              <a:t>Zielhierarchie</a:t>
+            </a:r>
+          </a:p>
+        </p:txBody>
+      </p:sp>
+      <p:sp>
+        <p:nvSpPr>
+          <p:cNvPr id="4" name="Foliennummernplatzhalter 3">
+            <a:extLst>
+              <a:ext uri="{FF2B5EF4-FFF2-40B4-BE49-F238E27FC236}">
+                <a16:creationId xmlns:a16="http://schemas.microsoft.com/office/drawing/2014/main" id="{0A6814A5-E621-4F6A-97F4-4E20661FA280}"/>
+              </a:ext>
+            </a:extLst>
+          </p:cNvPr>
+          <p:cNvSpPr>
+            <a:spLocks noGrp="1"/>
+          </p:cNvSpPr>
+          <p:nvPr>
+            <p:ph type="sldNum" sz="quarter" idx="12"/>
+          </p:nvPr>
+        </p:nvSpPr>
+        <p:spPr>
+          <a:xfrm>
+            <a:off x="10993582" y="6446838"/>
+            <a:ext cx="780010" cy="365125"/>
+          </a:xfrm>
+        </p:spPr>
+        <p:txBody>
+          <a:bodyPr anchor="ctr">
+            <a:normAutofit/>
+          </a:bodyPr>
+          <a:lstStyle/>
+          <a:p>
+            <a:pPr rtl="0">
+              <a:spcAft>
+                <a:spcPts val="600"/>
+              </a:spcAft>
+            </a:pPr>
+            <a:fld id="{3A98EE3D-8CD1-4C3F-BD1C-C98C9596463C}" type="slidenum">
+              <a:rPr lang="en-US" smtClean="0"/>
+              <a:pPr rtl="0">
+                <a:spcAft>
+                  <a:spcPts val="600"/>
+                </a:spcAft>
+              </a:pPr>
+              <a:t>28</a:t>
+            </a:fld>
+            <a:endParaRPr lang="en-US"/>
+          </a:p>
+        </p:txBody>
+      </p:sp>
+      <p:pic>
+        <p:nvPicPr>
+          <p:cNvPr id="6" name="Grafik 5" descr="Ein Bild, das Text enthält.&#10;&#10;Automatisch generierte Beschreibung">
+            <a:extLst>
+              <a:ext uri="{FF2B5EF4-FFF2-40B4-BE49-F238E27FC236}">
+                <a16:creationId xmlns:a16="http://schemas.microsoft.com/office/drawing/2014/main" id="{5BD0F67F-BE0B-4B03-A42F-12ECCD5074C2}"/>
+              </a:ext>
+            </a:extLst>
+          </p:cNvPr>
+          <p:cNvPicPr>
+            <a:picLocks noChangeAspect="1"/>
+          </p:cNvPicPr>
+          <p:nvPr/>
+        </p:nvPicPr>
+        <p:blipFill rotWithShape="1">
+          <a:blip r:embed="rId3">
+            <a:extLst>
+              <a:ext uri="{28A0092B-C50C-407E-A947-70E740481C1C}">
+                <a14:useLocalDpi xmlns:a14="http://schemas.microsoft.com/office/drawing/2010/main" val="0"/>
+              </a:ext>
+            </a:extLst>
+          </a:blip>
+          <a:srcRect t="17675" r="27269" b="9892"/>
+          <a:stretch/>
+        </p:blipFill>
+        <p:spPr>
+          <a:xfrm>
+            <a:off x="2362571" y="2027918"/>
+            <a:ext cx="7466857" cy="4182878"/>
+          </a:xfrm>
+          <a:prstGeom prst="rect">
+            <a:avLst/>
+          </a:prstGeom>
+        </p:spPr>
+      </p:pic>
+      <p:sp>
+        <p:nvSpPr>
+          <p:cNvPr id="10" name="Textfeld 9">
+            <a:extLst>
+              <a:ext uri="{FF2B5EF4-FFF2-40B4-BE49-F238E27FC236}">
+                <a16:creationId xmlns:a16="http://schemas.microsoft.com/office/drawing/2014/main" id="{BBC4B259-4562-434A-A636-984F52C614ED}"/>
+              </a:ext>
+            </a:extLst>
+          </p:cNvPr>
+          <p:cNvSpPr txBox="1"/>
+          <p:nvPr/>
+        </p:nvSpPr>
+        <p:spPr>
+          <a:xfrm>
+            <a:off x="2952750" y="4936916"/>
+            <a:ext cx="5876388" cy="261610"/>
+          </a:xfrm>
+          <a:prstGeom prst="rect">
+            <a:avLst/>
+          </a:prstGeom>
+          <a:noFill/>
+        </p:spPr>
+        <p:txBody>
+          <a:bodyPr wrap="square">
+            <a:spAutoFit/>
+          </a:bodyPr>
+          <a:lstStyle/>
+          <a:p>
+            <a:r>
+              <a:rPr lang="de-DE" sz="1100" b="0" i="0" dirty="0">
+                <a:solidFill>
+                  <a:srgbClr val="333333"/>
+                </a:solidFill>
+                <a:effectLst/>
+                <a:latin typeface="Source Sans Pro" panose="020B0604020202020204" pitchFamily="34" charset="0"/>
+              </a:rPr>
+              <a:t>✅</a:t>
+            </a:r>
+            <a:endParaRPr lang="de-DE" sz="1100" dirty="0"/>
+          </a:p>
+        </p:txBody>
+      </p:sp>
+      <p:sp>
+        <p:nvSpPr>
+          <p:cNvPr id="11" name="Textfeld 10">
+            <a:extLst>
+              <a:ext uri="{FF2B5EF4-FFF2-40B4-BE49-F238E27FC236}">
+                <a16:creationId xmlns:a16="http://schemas.microsoft.com/office/drawing/2014/main" id="{B6493BAC-B8E0-41B8-B401-F96E8A5722D3}"/>
+              </a:ext>
+            </a:extLst>
+          </p:cNvPr>
+          <p:cNvSpPr txBox="1"/>
+          <p:nvPr/>
+        </p:nvSpPr>
+        <p:spPr>
+          <a:xfrm>
+            <a:off x="2959100" y="5302721"/>
+            <a:ext cx="5876388" cy="261610"/>
+          </a:xfrm>
+          <a:prstGeom prst="rect">
+            <a:avLst/>
+          </a:prstGeom>
+          <a:noFill/>
+        </p:spPr>
+        <p:txBody>
+          <a:bodyPr wrap="square">
+            <a:spAutoFit/>
+          </a:bodyPr>
+          <a:lstStyle/>
+          <a:p>
+            <a:r>
+              <a:rPr lang="de-DE" sz="1100" b="0" i="0" dirty="0">
+                <a:solidFill>
+                  <a:srgbClr val="333333"/>
+                </a:solidFill>
+                <a:effectLst/>
+                <a:latin typeface="Source Sans Pro" panose="020B0604020202020204" pitchFamily="34" charset="0"/>
+              </a:rPr>
+              <a:t>✅</a:t>
+            </a:r>
+            <a:endParaRPr lang="de-DE" sz="1100" dirty="0"/>
+          </a:p>
+        </p:txBody>
+      </p:sp>
+      <p:sp>
+        <p:nvSpPr>
+          <p:cNvPr id="12" name="Textfeld 11">
+            <a:extLst>
+              <a:ext uri="{FF2B5EF4-FFF2-40B4-BE49-F238E27FC236}">
+                <a16:creationId xmlns:a16="http://schemas.microsoft.com/office/drawing/2014/main" id="{7557D5B7-D5F2-45FA-89FE-2C0CB99D0C45}"/>
+              </a:ext>
+            </a:extLst>
+          </p:cNvPr>
+          <p:cNvSpPr txBox="1"/>
+          <p:nvPr/>
+        </p:nvSpPr>
+        <p:spPr>
+          <a:xfrm>
+            <a:off x="2959100" y="5668526"/>
+            <a:ext cx="5876388" cy="261610"/>
+          </a:xfrm>
+          <a:prstGeom prst="rect">
+            <a:avLst/>
+          </a:prstGeom>
+          <a:noFill/>
+        </p:spPr>
+        <p:txBody>
+          <a:bodyPr wrap="square">
+            <a:spAutoFit/>
+          </a:bodyPr>
+          <a:lstStyle/>
+          <a:p>
+            <a:r>
+              <a:rPr lang="de-DE" sz="1100" b="0" i="0" dirty="0">
+                <a:solidFill>
+                  <a:srgbClr val="333333"/>
+                </a:solidFill>
+                <a:effectLst/>
+                <a:latin typeface="Source Sans Pro" panose="020B0604020202020204" pitchFamily="34" charset="0"/>
+              </a:rPr>
+              <a:t>✅</a:t>
+            </a:r>
+            <a:endParaRPr lang="de-DE" sz="1100" dirty="0"/>
+          </a:p>
+        </p:txBody>
+      </p:sp>
+    </p:spTree>
+    <p:extLst>
+      <p:ext uri="{BB962C8B-B14F-4D97-AF65-F5344CB8AC3E}">
+        <p14:creationId xmlns:p14="http://schemas.microsoft.com/office/powerpoint/2010/main" val="3191535140"/>
+      </p:ext>
+    </p:extLst>
+  </p:cSld>
+  <p:clrMapOvr>
+    <a:masterClrMapping/>
+  </p:clrMapOvr>
+</p:sld>
+</file>
+
+<file path=ppt/slides/slide29.xml><?xml version="1.0" encoding="utf-8"?>
+<p:sld xmlns:a="http://schemas.openxmlformats.org/drawingml/2006/main" xmlns:r="http://schemas.openxmlformats.org/officeDocument/2006/relationships" xmlns:p="http://schemas.openxmlformats.org/presentationml/2006/main">
+  <p:cSld>
+    <p:spTree>
+      <p:nvGrpSpPr>
+        <p:cNvPr id="1" name=""/>
+        <p:cNvGrpSpPr/>
+        <p:nvPr/>
+      </p:nvGrpSpPr>
+      <p:grpSpPr>
+        <a:xfrm>
+          <a:off x="0" y="0"/>
+          <a:ext cx="0" cy="0"/>
+          <a:chOff x="0" y="0"/>
+          <a:chExt cx="0" cy="0"/>
+        </a:xfrm>
+      </p:grpSpPr>
+      <p:sp>
+        <p:nvSpPr>
+          <p:cNvPr id="2" name="Titel 1">
+            <a:extLst>
+              <a:ext uri="{FF2B5EF4-FFF2-40B4-BE49-F238E27FC236}">
                 <a16:creationId xmlns:a16="http://schemas.microsoft.com/office/drawing/2014/main" id="{8E6F87C2-E244-41E0-AFF6-CCBE3E7A9F0F}"/>
               </a:ext>
             </a:extLst>
@@ -11846,7 +12198,7 @@
             <a:pPr rtl="0"/>
             <a:fld id="{3A98EE3D-8CD1-4C3F-BD1C-C98C9596463C}" type="slidenum">
               <a:rPr lang="en-US" smtClean="0"/>
-              <a:t>28</a:t>
+              <a:t>29</a:t>
             </a:fld>
             <a:endParaRPr lang="en-US" dirty="0"/>
           </a:p>
@@ -12303,208 +12655,6 @@
 </p:sld>
 </file>
 
-<file path=ppt/slides/slide29.xml><?xml version="1.0" encoding="utf-8"?>
-<p:sld xmlns:a="http://schemas.openxmlformats.org/drawingml/2006/main" xmlns:r="http://schemas.openxmlformats.org/officeDocument/2006/relationships" xmlns:p="http://schemas.openxmlformats.org/presentationml/2006/main">
-  <p:cSld>
-    <p:spTree>
-      <p:nvGrpSpPr>
-        <p:cNvPr id="1" name=""/>
-        <p:cNvGrpSpPr/>
-        <p:nvPr/>
-      </p:nvGrpSpPr>
-      <p:grpSpPr>
-        <a:xfrm>
-          <a:off x="0" y="0"/>
-          <a:ext cx="0" cy="0"/>
-          <a:chOff x="0" y="0"/>
-          <a:chExt cx="0" cy="0"/>
-        </a:xfrm>
-      </p:grpSpPr>
-      <p:sp>
-        <p:nvSpPr>
-          <p:cNvPr id="2" name="Titel 1">
-            <a:extLst>
-              <a:ext uri="{FF2B5EF4-FFF2-40B4-BE49-F238E27FC236}">
-                <a16:creationId xmlns:a16="http://schemas.microsoft.com/office/drawing/2014/main" id="{8E6F87C2-E244-41E0-AFF6-CCBE3E7A9F0F}"/>
-              </a:ext>
-            </a:extLst>
-          </p:cNvPr>
-          <p:cNvSpPr>
-            <a:spLocks noGrp="1"/>
-          </p:cNvSpPr>
-          <p:nvPr>
-            <p:ph type="title"/>
-          </p:nvPr>
-        </p:nvSpPr>
-        <p:spPr/>
-        <p:txBody>
-          <a:bodyPr/>
-          <a:lstStyle/>
-          <a:p>
-            <a:r>
-              <a:rPr lang="de-DE" dirty="0"/>
-              <a:t>Ausblick </a:t>
-            </a:r>
-          </a:p>
-        </p:txBody>
-      </p:sp>
-      <p:sp>
-        <p:nvSpPr>
-          <p:cNvPr id="3" name="Inhaltsplatzhalter 2">
-            <a:extLst>
-              <a:ext uri="{FF2B5EF4-FFF2-40B4-BE49-F238E27FC236}">
-                <a16:creationId xmlns:a16="http://schemas.microsoft.com/office/drawing/2014/main" id="{B546AAA2-7A8F-484E-BDB8-F068E851712C}"/>
-              </a:ext>
-            </a:extLst>
-          </p:cNvPr>
-          <p:cNvSpPr>
-            <a:spLocks noGrp="1"/>
-          </p:cNvSpPr>
-          <p:nvPr>
-            <p:ph idx="1"/>
-          </p:nvPr>
-        </p:nvSpPr>
-        <p:spPr>
-          <a:xfrm>
-            <a:off x="1097280" y="2134186"/>
-            <a:ext cx="10058400" cy="4160252"/>
-          </a:xfrm>
-        </p:spPr>
-        <p:txBody>
-          <a:bodyPr>
-            <a:normAutofit/>
-          </a:bodyPr>
-          <a:lstStyle/>
-          <a:p>
-            <a:pPr marL="0" indent="0">
-              <a:buNone/>
-            </a:pPr>
-            <a:r>
-              <a:rPr lang="de-DE" sz="2000" i="1" u="sng" dirty="0">
-                <a:solidFill>
-                  <a:schemeClr val="tx1"/>
-                </a:solidFill>
-                <a:latin typeface="-apple-system"/>
-              </a:rPr>
-              <a:t>Nicht umgesetzt, aber weitere Ideen:</a:t>
-            </a:r>
-          </a:p>
-          <a:p>
-            <a:pPr>
-              <a:buFont typeface="Arial" panose="020B0604020202020204" pitchFamily="34" charset="0"/>
-              <a:buChar char="•"/>
-            </a:pPr>
-            <a:r>
-              <a:rPr lang="de-DE" dirty="0">
-                <a:solidFill>
-                  <a:schemeClr val="tx1"/>
-                </a:solidFill>
-                <a:latin typeface="-apple-system"/>
-              </a:rPr>
-              <a:t> Für den User personalisierte Ansichten/ Auswertungen</a:t>
-            </a:r>
-          </a:p>
-          <a:p>
-            <a:pPr>
-              <a:buFont typeface="Arial" panose="020B0604020202020204" pitchFamily="34" charset="0"/>
-              <a:buChar char="•"/>
-            </a:pPr>
-            <a:r>
-              <a:rPr lang="de-DE" dirty="0">
-                <a:solidFill>
-                  <a:schemeClr val="tx1"/>
-                </a:solidFill>
-                <a:latin typeface="-apple-system"/>
-              </a:rPr>
-              <a:t> Apps (Musik, ASMR, Hörbücher) &amp; Übungen zu Favoriten hinzufügen</a:t>
-            </a:r>
-          </a:p>
-          <a:p>
-            <a:pPr>
-              <a:buFont typeface="Arial" panose="020B0604020202020204" pitchFamily="34" charset="0"/>
-              <a:buChar char="•"/>
-            </a:pPr>
-            <a:r>
-              <a:rPr lang="de-DE" dirty="0">
-                <a:solidFill>
-                  <a:schemeClr val="tx1"/>
-                </a:solidFill>
-                <a:latin typeface="-apple-system"/>
-              </a:rPr>
-              <a:t> Kalender inkl. Sonnenaufgang/ Sonnenuntergang und Mondphasen</a:t>
-            </a:r>
-          </a:p>
-          <a:p>
-            <a:pPr>
-              <a:buFont typeface="Arial" panose="020B0604020202020204" pitchFamily="34" charset="0"/>
-              <a:buChar char="•"/>
-            </a:pPr>
-            <a:r>
-              <a:rPr lang="de-DE" dirty="0">
-                <a:solidFill>
-                  <a:schemeClr val="tx1"/>
-                </a:solidFill>
-                <a:latin typeface="-apple-system"/>
-              </a:rPr>
-              <a:t> In der Auswertung zu den verschiedenen Tagen Notizen machen </a:t>
-            </a:r>
-          </a:p>
-          <a:p>
-            <a:pPr marL="0" indent="0">
-              <a:buNone/>
-            </a:pPr>
-            <a:endParaRPr lang="de-DE" dirty="0">
-              <a:solidFill>
-                <a:schemeClr val="tx1"/>
-              </a:solidFill>
-              <a:latin typeface="-apple-system"/>
-            </a:endParaRPr>
-          </a:p>
-        </p:txBody>
-      </p:sp>
-      <p:sp>
-        <p:nvSpPr>
-          <p:cNvPr id="5" name="Foliennummernplatzhalter 4">
-            <a:extLst>
-              <a:ext uri="{FF2B5EF4-FFF2-40B4-BE49-F238E27FC236}">
-                <a16:creationId xmlns:a16="http://schemas.microsoft.com/office/drawing/2014/main" id="{83972841-72E7-45F6-9D79-4FAE81CFBAF2}"/>
-              </a:ext>
-            </a:extLst>
-          </p:cNvPr>
-          <p:cNvSpPr>
-            <a:spLocks noGrp="1"/>
-          </p:cNvSpPr>
-          <p:nvPr>
-            <p:ph type="sldNum" sz="quarter" idx="12"/>
-          </p:nvPr>
-        </p:nvSpPr>
-        <p:spPr/>
-        <p:txBody>
-          <a:bodyPr/>
-          <a:lstStyle/>
-          <a:p>
-            <a:pPr rtl="0"/>
-            <a:fld id="{3A98EE3D-8CD1-4C3F-BD1C-C98C9596463C}" type="slidenum">
-              <a:rPr lang="en-US" smtClean="0"/>
-              <a:t>29</a:t>
-            </a:fld>
-            <a:endParaRPr lang="en-US" dirty="0"/>
-          </a:p>
-        </p:txBody>
-      </p:sp>
-    </p:spTree>
-    <p:extLst>
-      <p:ext uri="{BB962C8B-B14F-4D97-AF65-F5344CB8AC3E}">
-        <p14:creationId xmlns:p14="http://schemas.microsoft.com/office/powerpoint/2010/main" val="948829941"/>
-      </p:ext>
-    </p:extLst>
-  </p:cSld>
-  <p:clrMapOvr>
-    <a:masterClrMapping/>
-  </p:clrMapOvr>
-</p:sld>
-</file>
-
 <file path=ppt/slides/slide3.xml><?xml version="1.0" encoding="utf-8"?>
 <p:sld xmlns:a="http://schemas.openxmlformats.org/drawingml/2006/main" xmlns:r="http://schemas.openxmlformats.org/officeDocument/2006/relationships" xmlns:p="http://schemas.openxmlformats.org/presentationml/2006/main">
   <p:cSld>
@@ -12668,7 +12818,7 @@
           <p:cNvPr id="2" name="Titel 1">
             <a:extLst>
               <a:ext uri="{FF2B5EF4-FFF2-40B4-BE49-F238E27FC236}">
-                <a16:creationId xmlns:a16="http://schemas.microsoft.com/office/drawing/2014/main" id="{1000917D-4547-48A6-84FB-F43EFC62703E}"/>
+                <a16:creationId xmlns:a16="http://schemas.microsoft.com/office/drawing/2014/main" id="{8E6F87C2-E244-41E0-AFF6-CCBE3E7A9F0F}"/>
               </a:ext>
             </a:extLst>
           </p:cNvPr>
@@ -12686,446 +12836,123 @@
           <a:p>
             <a:r>
               <a:rPr lang="de-DE" dirty="0"/>
-              <a:t>Quellen</a:t>
-            </a:r>
-          </a:p>
-        </p:txBody>
-      </p:sp>
-      <p:sp>
-        <p:nvSpPr>
-          <p:cNvPr id="4" name="Textfeld 3">
-            <a:extLst>
-              <a:ext uri="{FF2B5EF4-FFF2-40B4-BE49-F238E27FC236}">
-                <a16:creationId xmlns:a16="http://schemas.microsoft.com/office/drawing/2014/main" id="{7A45CCCC-0A1D-47D4-AA93-208EE6D41258}"/>
-              </a:ext>
-            </a:extLst>
-          </p:cNvPr>
-          <p:cNvSpPr txBox="1"/>
-          <p:nvPr/>
+              <a:t>Ausblick </a:t>
+            </a:r>
+          </a:p>
+        </p:txBody>
+      </p:sp>
+      <p:sp>
+        <p:nvSpPr>
+          <p:cNvPr id="3" name="Inhaltsplatzhalter 2">
+            <a:extLst>
+              <a:ext uri="{FF2B5EF4-FFF2-40B4-BE49-F238E27FC236}">
+                <a16:creationId xmlns:a16="http://schemas.microsoft.com/office/drawing/2014/main" id="{B546AAA2-7A8F-484E-BDB8-F068E851712C}"/>
+              </a:ext>
+            </a:extLst>
+          </p:cNvPr>
+          <p:cNvSpPr>
+            <a:spLocks noGrp="1"/>
+          </p:cNvSpPr>
+          <p:nvPr>
+            <p:ph idx="1"/>
+          </p:nvPr>
         </p:nvSpPr>
         <p:spPr>
           <a:xfrm>
-            <a:off x="1208868" y="1930262"/>
-            <a:ext cx="9946812" cy="4847481"/>
+            <a:off x="1097280" y="2134186"/>
+            <a:ext cx="10058400" cy="4160252"/>
           </a:xfrm>
-          <a:prstGeom prst="rect">
-            <a:avLst/>
-          </a:prstGeom>
-          <a:noFill/>
         </p:spPr>
         <p:txBody>
-          <a:bodyPr wrap="square" rtlCol="0">
-            <a:spAutoFit/>
+          <a:bodyPr>
+            <a:normAutofit/>
           </a:bodyPr>
           <a:lstStyle/>
           <a:p>
-            <a:pPr marL="285750" indent="-285750" algn="l">
-              <a:lnSpc>
-                <a:spcPct val="150000"/>
-              </a:lnSpc>
+            <a:pPr marL="0" indent="0">
+              <a:buNone/>
+            </a:pPr>
+            <a:r>
+              <a:rPr lang="de-DE" sz="2000" i="1" u="sng" dirty="0">
+                <a:solidFill>
+                  <a:schemeClr val="tx1"/>
+                </a:solidFill>
+                <a:latin typeface="-apple-system"/>
+              </a:rPr>
+              <a:t>Nicht umgesetzt, aber weitere Ideen:</a:t>
+            </a:r>
+          </a:p>
+          <a:p>
+            <a:pPr>
               <a:buFont typeface="Arial" panose="020B0604020202020204" pitchFamily="34" charset="0"/>
               <a:buChar char="•"/>
             </a:pPr>
             <a:r>
-              <a:rPr lang="de-DE" sz="1400" dirty="0">
+              <a:rPr lang="de-DE" dirty="0">
                 <a:solidFill>
-                  <a:srgbClr val="24292E"/>
+                  <a:schemeClr val="tx1"/>
                 </a:solidFill>
                 <a:latin typeface="-apple-system"/>
               </a:rPr>
-              <a:t> </a:t>
-            </a:r>
-            <a:r>
-              <a:rPr lang="de-DE" sz="1400" b="0" i="0" u="none" strike="noStrike" dirty="0">
+              <a:t> Für den User personalisierte Ansichten/ Auswertungen</a:t>
+            </a:r>
+          </a:p>
+          <a:p>
+            <a:pPr>
+              <a:buFont typeface="Arial" panose="020B0604020202020204" pitchFamily="34" charset="0"/>
+              <a:buChar char="•"/>
+            </a:pPr>
+            <a:r>
+              <a:rPr lang="de-DE" dirty="0">
                 <a:solidFill>
-                  <a:srgbClr val="24292E"/>
+                  <a:schemeClr val="tx1"/>
                 </a:solidFill>
-                <a:effectLst/>
                 <a:latin typeface="-apple-system"/>
-                <a:hlinkClick r:id="rId3"/>
               </a:rPr>
-              <a:t>https://wiki.selfhtml.org/wiki/HTML/Formulare/input/button</a:t>
-            </a:r>
-            <a:endParaRPr lang="de-DE" sz="1400" dirty="0">
+              <a:t> Apps (Musik, ASMR, Hörbücher) &amp; Übungen zu Favoriten hinzufügen</a:t>
+            </a:r>
+          </a:p>
+          <a:p>
+            <a:pPr>
+              <a:buFont typeface="Arial" panose="020B0604020202020204" pitchFamily="34" charset="0"/>
+              <a:buChar char="•"/>
+            </a:pPr>
+            <a:r>
+              <a:rPr lang="de-DE" dirty="0">
+                <a:solidFill>
+                  <a:schemeClr val="tx1"/>
+                </a:solidFill>
+                <a:latin typeface="-apple-system"/>
+              </a:rPr>
+              <a:t> Kalender inkl. Sonnenaufgang/ Sonnenuntergang und Mondphasen</a:t>
+            </a:r>
+          </a:p>
+          <a:p>
+            <a:pPr>
+              <a:buFont typeface="Arial" panose="020B0604020202020204" pitchFamily="34" charset="0"/>
+              <a:buChar char="•"/>
+            </a:pPr>
+            <a:r>
+              <a:rPr lang="de-DE" dirty="0">
+                <a:solidFill>
+                  <a:schemeClr val="tx1"/>
+                </a:solidFill>
+                <a:latin typeface="-apple-system"/>
+              </a:rPr>
+              <a:t> In der Auswertung zu den verschiedenen Tagen Notizen machen </a:t>
+            </a:r>
+          </a:p>
+          <a:p>
+            <a:pPr marL="0" indent="0">
+              <a:buNone/>
+            </a:pPr>
+            <a:endParaRPr lang="de-DE" dirty="0">
               <a:solidFill>
-                <a:srgbClr val="24292E"/>
+                <a:schemeClr val="tx1"/>
               </a:solidFill>
               <a:latin typeface="-apple-system"/>
             </a:endParaRPr>
           </a:p>
-          <a:p>
-            <a:pPr marL="285750" indent="-285750" algn="l">
-              <a:lnSpc>
-                <a:spcPct val="150000"/>
-              </a:lnSpc>
-              <a:buFont typeface="Arial" panose="020B0604020202020204" pitchFamily="34" charset="0"/>
-              <a:buChar char="•"/>
-            </a:pPr>
-            <a:r>
-              <a:rPr lang="de-DE" sz="1400" b="0" i="0" u="none" strike="noStrike" dirty="0">
-                <a:solidFill>
-                  <a:srgbClr val="24292E"/>
-                </a:solidFill>
-                <a:effectLst/>
-                <a:latin typeface="-apple-system"/>
-                <a:hlinkClick r:id="rId4"/>
-              </a:rPr>
-              <a:t>https://jsfiddle.net/red_stapler/wu3a0y6e/18/</a:t>
-            </a:r>
-            <a:endParaRPr lang="de-DE" sz="1400" dirty="0">
-              <a:solidFill>
-                <a:srgbClr val="24292E"/>
-              </a:solidFill>
-              <a:latin typeface="-apple-system"/>
-            </a:endParaRPr>
-          </a:p>
-          <a:p>
-            <a:pPr marL="285750" indent="-285750" algn="l">
-              <a:lnSpc>
-                <a:spcPct val="150000"/>
-              </a:lnSpc>
-              <a:buFont typeface="Arial" panose="020B0604020202020204" pitchFamily="34" charset="0"/>
-              <a:buChar char="•"/>
-            </a:pPr>
-            <a:r>
-              <a:rPr lang="de-DE" sz="1400" b="0" i="0" u="none" strike="noStrike" dirty="0">
-                <a:solidFill>
-                  <a:srgbClr val="24292E"/>
-                </a:solidFill>
-                <a:effectLst/>
-                <a:latin typeface="-apple-system"/>
-                <a:hlinkClick r:id="rId5"/>
-              </a:rPr>
-              <a:t>http://microbuilder.io/blog/2016/01/10/plotting-json-data-with-chart-js.html</a:t>
-            </a:r>
-            <a:endParaRPr lang="de-DE" sz="1400" dirty="0">
-              <a:solidFill>
-                <a:srgbClr val="24292E"/>
-              </a:solidFill>
-              <a:latin typeface="-apple-system"/>
-            </a:endParaRPr>
-          </a:p>
-          <a:p>
-            <a:pPr marL="285750" indent="-285750" algn="l">
-              <a:lnSpc>
-                <a:spcPct val="150000"/>
-              </a:lnSpc>
-              <a:buFont typeface="Arial" panose="020B0604020202020204" pitchFamily="34" charset="0"/>
-              <a:buChar char="•"/>
-            </a:pPr>
-            <a:r>
-              <a:rPr lang="de-DE" sz="1400" b="0" i="0" u="none" strike="noStrike" dirty="0">
-                <a:solidFill>
-                  <a:srgbClr val="24292E"/>
-                </a:solidFill>
-                <a:effectLst/>
-                <a:latin typeface="-apple-system"/>
-                <a:hlinkClick r:id="rId6"/>
-              </a:rPr>
-              <a:t>https://www.youtube.com/watch?v=NwgKh_QTKE0</a:t>
-            </a:r>
-            <a:endParaRPr lang="de-DE" sz="1400" dirty="0">
-              <a:solidFill>
-                <a:srgbClr val="24292E"/>
-              </a:solidFill>
-              <a:latin typeface="-apple-system"/>
-            </a:endParaRPr>
-          </a:p>
-          <a:p>
-            <a:pPr marL="285750" indent="-285750" algn="l">
-              <a:lnSpc>
-                <a:spcPct val="150000"/>
-              </a:lnSpc>
-              <a:buFont typeface="Arial" panose="020B0604020202020204" pitchFamily="34" charset="0"/>
-              <a:buChar char="•"/>
-            </a:pPr>
-            <a:r>
-              <a:rPr lang="de-DE" sz="1400" b="0" i="0" u="none" strike="noStrike" dirty="0">
-                <a:solidFill>
-                  <a:srgbClr val="24292E"/>
-                </a:solidFill>
-                <a:effectLst/>
-                <a:latin typeface="-apple-system"/>
-                <a:hlinkClick r:id="rId7"/>
-              </a:rPr>
-              <a:t>https://canvasjs.com/html5-javascript-spline-chart/</a:t>
-            </a:r>
-            <a:endParaRPr lang="de-DE" sz="1400" dirty="0">
-              <a:solidFill>
-                <a:srgbClr val="24292E"/>
-              </a:solidFill>
-              <a:latin typeface="-apple-system"/>
-            </a:endParaRPr>
-          </a:p>
-          <a:p>
-            <a:pPr marL="285750" indent="-285750" algn="l">
-              <a:lnSpc>
-                <a:spcPct val="150000"/>
-              </a:lnSpc>
-              <a:buFont typeface="Arial" panose="020B0604020202020204" pitchFamily="34" charset="0"/>
-              <a:buChar char="•"/>
-            </a:pPr>
-            <a:r>
-              <a:rPr lang="de-DE" sz="1400" dirty="0">
-                <a:solidFill>
-                  <a:srgbClr val="24292E"/>
-                </a:solidFill>
-                <a:latin typeface="-apple-system"/>
-                <a:hlinkClick r:id="rId8"/>
-              </a:rPr>
-              <a:t>https://canvasjs.com/html5-javascript-line-chart/</a:t>
-            </a:r>
-            <a:endParaRPr lang="de-DE" sz="1400" dirty="0">
-              <a:solidFill>
-                <a:srgbClr val="24292E"/>
-              </a:solidFill>
-              <a:latin typeface="-apple-system"/>
-            </a:endParaRPr>
-          </a:p>
-          <a:p>
-            <a:pPr marL="285750" indent="-285750" algn="l">
-              <a:lnSpc>
-                <a:spcPct val="150000"/>
-              </a:lnSpc>
-              <a:buFont typeface="Arial" panose="020B0604020202020204" pitchFamily="34" charset="0"/>
-              <a:buChar char="•"/>
-            </a:pPr>
-            <a:r>
-              <a:rPr lang="de-DE" sz="1400" b="0" i="0" u="none" strike="noStrike" dirty="0">
-                <a:solidFill>
-                  <a:srgbClr val="24292E"/>
-                </a:solidFill>
-                <a:effectLst/>
-                <a:latin typeface="-apple-system"/>
-                <a:hlinkClick r:id="rId9"/>
-              </a:rPr>
-              <a:t>https://canvasjs.com/docs/charts/basics-of-creating-html5-chart/updating-chart-options/</a:t>
-            </a:r>
-            <a:endParaRPr lang="de-DE" sz="1400" dirty="0">
-              <a:solidFill>
-                <a:srgbClr val="24292E"/>
-              </a:solidFill>
-              <a:latin typeface="-apple-system"/>
-            </a:endParaRPr>
-          </a:p>
-          <a:p>
-            <a:pPr marL="285750" indent="-285750" algn="l">
-              <a:lnSpc>
-                <a:spcPct val="150000"/>
-              </a:lnSpc>
-              <a:buFont typeface="Arial" panose="020B0604020202020204" pitchFamily="34" charset="0"/>
-              <a:buChar char="•"/>
-            </a:pPr>
-            <a:r>
-              <a:rPr lang="de-DE" sz="1400" b="0" i="0" u="none" strike="noStrike" dirty="0">
-                <a:solidFill>
-                  <a:srgbClr val="24292E"/>
-                </a:solidFill>
-                <a:effectLst/>
-                <a:latin typeface="-apple-system"/>
-                <a:hlinkClick r:id="rId10"/>
-              </a:rPr>
-              <a:t>https://canvasjs.com/docs/charts/methods/dataseries/addto/</a:t>
-            </a:r>
-            <a:endParaRPr lang="de-DE" sz="1400" dirty="0">
-              <a:solidFill>
-                <a:srgbClr val="24292E"/>
-              </a:solidFill>
-              <a:latin typeface="-apple-system"/>
-            </a:endParaRPr>
-          </a:p>
-          <a:p>
-            <a:pPr marL="285750" indent="-285750" algn="l">
-              <a:lnSpc>
-                <a:spcPct val="150000"/>
-              </a:lnSpc>
-              <a:buFont typeface="Arial" panose="020B0604020202020204" pitchFamily="34" charset="0"/>
-              <a:buChar char="•"/>
-            </a:pPr>
-            <a:r>
-              <a:rPr lang="de-DE" sz="1400" b="0" i="0" u="none" strike="noStrike" dirty="0">
-                <a:solidFill>
-                  <a:srgbClr val="24292E"/>
-                </a:solidFill>
-                <a:effectLst/>
-                <a:latin typeface="-apple-system"/>
-                <a:hlinkClick r:id="rId11"/>
-              </a:rPr>
-              <a:t>https://www.gesundheit.gv.at/leben/ernaehrung/info/fluessigkeitsbedarf</a:t>
-            </a:r>
-            <a:endParaRPr lang="de-DE" sz="1400" b="0" i="0" u="none" strike="noStrike" dirty="0">
-              <a:solidFill>
-                <a:srgbClr val="24292E"/>
-              </a:solidFill>
-              <a:effectLst/>
-              <a:latin typeface="-apple-system"/>
-            </a:endParaRPr>
-          </a:p>
-          <a:p>
-            <a:pPr marL="285750" indent="-285750" algn="l">
-              <a:lnSpc>
-                <a:spcPct val="150000"/>
-              </a:lnSpc>
-              <a:buFont typeface="Arial" panose="020B0604020202020204" pitchFamily="34" charset="0"/>
-              <a:buChar char="•"/>
-            </a:pPr>
-            <a:r>
-              <a:rPr lang="de-DE" sz="1400" dirty="0">
-                <a:hlinkClick r:id="rId12"/>
-              </a:rPr>
-              <a:t>PHP </a:t>
-            </a:r>
-            <a:r>
-              <a:rPr lang="de-DE" sz="1400" dirty="0" err="1">
-                <a:hlinkClick r:id="rId12"/>
-              </a:rPr>
-              <a:t>MySQLi</a:t>
-            </a:r>
-            <a:r>
-              <a:rPr lang="de-DE" sz="1400" dirty="0">
-                <a:hlinkClick r:id="rId12"/>
-              </a:rPr>
-              <a:t> Einleitung - Dev-Tek.de (dev-tek.de)</a:t>
-            </a:r>
-            <a:endParaRPr lang="de-DE" sz="1400" dirty="0">
-              <a:solidFill>
-                <a:srgbClr val="24292E"/>
-              </a:solidFill>
-              <a:latin typeface="-apple-system"/>
-            </a:endParaRPr>
-          </a:p>
-          <a:p>
-            <a:pPr marL="285750" indent="-285750" algn="l">
-              <a:lnSpc>
-                <a:spcPct val="150000"/>
-              </a:lnSpc>
-              <a:buFont typeface="Arial" panose="020B0604020202020204" pitchFamily="34" charset="0"/>
-              <a:buChar char="•"/>
-            </a:pPr>
-            <a:r>
-              <a:rPr lang="en-US" sz="1400" dirty="0">
-                <a:hlinkClick r:id="rId13"/>
-              </a:rPr>
-              <a:t>PHP: </a:t>
-            </a:r>
-            <a:r>
-              <a:rPr lang="en-US" sz="1400" dirty="0" err="1">
-                <a:hlinkClick r:id="rId13"/>
-              </a:rPr>
-              <a:t>mysqli_result</a:t>
-            </a:r>
-            <a:r>
-              <a:rPr lang="en-US" sz="1400" dirty="0">
-                <a:hlinkClick r:id="rId13"/>
-              </a:rPr>
-              <a:t>::</a:t>
-            </a:r>
-            <a:r>
-              <a:rPr lang="en-US" sz="1400" dirty="0" err="1">
-                <a:hlinkClick r:id="rId13"/>
-              </a:rPr>
-              <a:t>fetch_array</a:t>
-            </a:r>
-            <a:r>
-              <a:rPr lang="en-US" sz="1400" dirty="0">
-                <a:hlinkClick r:id="rId13"/>
-              </a:rPr>
-              <a:t> – Manual</a:t>
-            </a:r>
-            <a:endParaRPr lang="de-DE" sz="1400" dirty="0">
-              <a:solidFill>
-                <a:srgbClr val="24292E"/>
-              </a:solidFill>
-              <a:latin typeface="-apple-system"/>
-            </a:endParaRPr>
-          </a:p>
-          <a:p>
-            <a:pPr marL="285750" indent="-285750" algn="l">
-              <a:lnSpc>
-                <a:spcPct val="150000"/>
-              </a:lnSpc>
-              <a:buFont typeface="Arial" panose="020B0604020202020204" pitchFamily="34" charset="0"/>
-              <a:buChar char="•"/>
-            </a:pPr>
-            <a:r>
-              <a:rPr lang="de-DE" sz="1400" dirty="0">
-                <a:hlinkClick r:id="rId14"/>
-              </a:rPr>
-              <a:t>PHP: </a:t>
-            </a:r>
-            <a:r>
-              <a:rPr lang="de-DE" sz="1400" dirty="0" err="1">
-                <a:hlinkClick r:id="rId14"/>
-              </a:rPr>
-              <a:t>array_sum</a:t>
-            </a:r>
-            <a:r>
-              <a:rPr lang="de-DE" sz="1400" dirty="0">
-                <a:hlinkClick r:id="rId14"/>
-              </a:rPr>
-              <a:t> – Manual</a:t>
-            </a:r>
-            <a:endParaRPr lang="de-DE" sz="1400" dirty="0">
-              <a:solidFill>
-                <a:srgbClr val="24292E"/>
-              </a:solidFill>
-              <a:latin typeface="-apple-system"/>
-            </a:endParaRPr>
-          </a:p>
-          <a:p>
-            <a:pPr marL="285750" indent="-285750" algn="l">
-              <a:lnSpc>
-                <a:spcPct val="150000"/>
-              </a:lnSpc>
-              <a:buFont typeface="Arial" panose="020B0604020202020204" pitchFamily="34" charset="0"/>
-              <a:buChar char="•"/>
-            </a:pPr>
-            <a:r>
-              <a:rPr lang="de-DE" sz="1400" dirty="0">
-                <a:hlinkClick r:id="rId15"/>
-              </a:rPr>
-              <a:t>Passing PHP Variables </a:t>
-            </a:r>
-            <a:r>
-              <a:rPr lang="de-DE" sz="1400" dirty="0" err="1">
-                <a:hlinkClick r:id="rId15"/>
-              </a:rPr>
-              <a:t>to</a:t>
-            </a:r>
-            <a:r>
-              <a:rPr lang="de-DE" sz="1400" dirty="0">
-                <a:hlinkClick r:id="rId15"/>
-              </a:rPr>
-              <a:t> JavaScript (dyn-web.com)</a:t>
-            </a:r>
-            <a:endParaRPr lang="de-DE" sz="1400" b="0" i="0" dirty="0">
-              <a:solidFill>
-                <a:srgbClr val="24292E"/>
-              </a:solidFill>
-              <a:effectLst/>
-              <a:latin typeface="-apple-system"/>
-            </a:endParaRPr>
-          </a:p>
-          <a:p>
-            <a:pPr algn="l"/>
-            <a:endParaRPr lang="de-DE" b="0" i="0" u="none" strike="noStrike" dirty="0">
-              <a:solidFill>
-                <a:srgbClr val="24292E"/>
-              </a:solidFill>
-              <a:effectLst/>
-              <a:latin typeface="-apple-system"/>
-            </a:endParaRPr>
-          </a:p>
-          <a:p>
-            <a:pPr algn="l"/>
-            <a:endParaRPr lang="de-DE" b="0" i="0" dirty="0">
-              <a:solidFill>
-                <a:srgbClr val="24292E"/>
-              </a:solidFill>
-              <a:effectLst/>
-              <a:latin typeface="-apple-system"/>
-            </a:endParaRPr>
-          </a:p>
         </p:txBody>
       </p:sp>
       <p:sp>
@@ -13133,7 +12960,7 @@
           <p:cNvPr id="5" name="Foliennummernplatzhalter 4">
             <a:extLst>
               <a:ext uri="{FF2B5EF4-FFF2-40B4-BE49-F238E27FC236}">
-                <a16:creationId xmlns:a16="http://schemas.microsoft.com/office/drawing/2014/main" id="{1BB62189-938C-4C7C-BA89-B2D315856415}"/>
+                <a16:creationId xmlns:a16="http://schemas.microsoft.com/office/drawing/2014/main" id="{83972841-72E7-45F6-9D79-4FAE81CFBAF2}"/>
               </a:ext>
             </a:extLst>
           </p:cNvPr>
@@ -13161,7 +12988,7 @@
     </p:spTree>
     <p:extLst>
       <p:ext uri="{BB962C8B-B14F-4D97-AF65-F5344CB8AC3E}">
-        <p14:creationId xmlns:p14="http://schemas.microsoft.com/office/powerpoint/2010/main" val="873189558"/>
+        <p14:creationId xmlns:p14="http://schemas.microsoft.com/office/powerpoint/2010/main" val="948829941"/>
       </p:ext>
     </p:extLst>
   </p:cSld>
@@ -13190,6 +13017,531 @@
       </p:grpSpPr>
       <p:sp>
         <p:nvSpPr>
+          <p:cNvPr id="2" name="Titel 1">
+            <a:extLst>
+              <a:ext uri="{FF2B5EF4-FFF2-40B4-BE49-F238E27FC236}">
+                <a16:creationId xmlns:a16="http://schemas.microsoft.com/office/drawing/2014/main" id="{1000917D-4547-48A6-84FB-F43EFC62703E}"/>
+              </a:ext>
+            </a:extLst>
+          </p:cNvPr>
+          <p:cNvSpPr>
+            <a:spLocks noGrp="1"/>
+          </p:cNvSpPr>
+          <p:nvPr>
+            <p:ph type="title"/>
+          </p:nvPr>
+        </p:nvSpPr>
+        <p:spPr/>
+        <p:txBody>
+          <a:bodyPr/>
+          <a:lstStyle/>
+          <a:p>
+            <a:r>
+              <a:rPr lang="de-DE" dirty="0"/>
+              <a:t>Quellen</a:t>
+            </a:r>
+          </a:p>
+        </p:txBody>
+      </p:sp>
+      <p:sp>
+        <p:nvSpPr>
+          <p:cNvPr id="4" name="Textfeld 3">
+            <a:extLst>
+              <a:ext uri="{FF2B5EF4-FFF2-40B4-BE49-F238E27FC236}">
+                <a16:creationId xmlns:a16="http://schemas.microsoft.com/office/drawing/2014/main" id="{7A45CCCC-0A1D-47D4-AA93-208EE6D41258}"/>
+              </a:ext>
+            </a:extLst>
+          </p:cNvPr>
+          <p:cNvSpPr txBox="1"/>
+          <p:nvPr/>
+        </p:nvSpPr>
+        <p:spPr>
+          <a:xfrm>
+            <a:off x="1208868" y="1930262"/>
+            <a:ext cx="9946812" cy="4847481"/>
+          </a:xfrm>
+          <a:prstGeom prst="rect">
+            <a:avLst/>
+          </a:prstGeom>
+          <a:noFill/>
+        </p:spPr>
+        <p:txBody>
+          <a:bodyPr wrap="square" rtlCol="0">
+            <a:spAutoFit/>
+          </a:bodyPr>
+          <a:lstStyle/>
+          <a:p>
+            <a:pPr marL="285750" indent="-285750" algn="l">
+              <a:lnSpc>
+                <a:spcPct val="150000"/>
+              </a:lnSpc>
+              <a:buFont typeface="Arial" panose="020B0604020202020204" pitchFamily="34" charset="0"/>
+              <a:buChar char="•"/>
+            </a:pPr>
+            <a:r>
+              <a:rPr lang="de-DE" sz="1400" dirty="0">
+                <a:solidFill>
+                  <a:srgbClr val="24292E"/>
+                </a:solidFill>
+                <a:latin typeface="-apple-system"/>
+              </a:rPr>
+              <a:t> </a:t>
+            </a:r>
+            <a:r>
+              <a:rPr lang="de-DE" sz="1400" b="0" i="0" u="none" strike="noStrike" dirty="0">
+                <a:solidFill>
+                  <a:srgbClr val="24292E"/>
+                </a:solidFill>
+                <a:effectLst/>
+                <a:latin typeface="-apple-system"/>
+                <a:hlinkClick r:id="rId3"/>
+              </a:rPr>
+              <a:t>https://wiki.selfhtml.org/wiki/HTML/Formulare/input/button</a:t>
+            </a:r>
+            <a:endParaRPr lang="de-DE" sz="1400" dirty="0">
+              <a:solidFill>
+                <a:srgbClr val="24292E"/>
+              </a:solidFill>
+              <a:latin typeface="-apple-system"/>
+            </a:endParaRPr>
+          </a:p>
+          <a:p>
+            <a:pPr marL="285750" indent="-285750" algn="l">
+              <a:lnSpc>
+                <a:spcPct val="150000"/>
+              </a:lnSpc>
+              <a:buFont typeface="Arial" panose="020B0604020202020204" pitchFamily="34" charset="0"/>
+              <a:buChar char="•"/>
+            </a:pPr>
+            <a:r>
+              <a:rPr lang="de-DE" sz="1400" b="0" i="0" u="none" strike="noStrike" dirty="0">
+                <a:solidFill>
+                  <a:srgbClr val="24292E"/>
+                </a:solidFill>
+                <a:effectLst/>
+                <a:latin typeface="-apple-system"/>
+                <a:hlinkClick r:id="rId4"/>
+              </a:rPr>
+              <a:t>https://jsfiddle.net/red_stapler/wu3a0y6e/18/</a:t>
+            </a:r>
+            <a:endParaRPr lang="de-DE" sz="1400" dirty="0">
+              <a:solidFill>
+                <a:srgbClr val="24292E"/>
+              </a:solidFill>
+              <a:latin typeface="-apple-system"/>
+            </a:endParaRPr>
+          </a:p>
+          <a:p>
+            <a:pPr marL="285750" indent="-285750" algn="l">
+              <a:lnSpc>
+                <a:spcPct val="150000"/>
+              </a:lnSpc>
+              <a:buFont typeface="Arial" panose="020B0604020202020204" pitchFamily="34" charset="0"/>
+              <a:buChar char="•"/>
+            </a:pPr>
+            <a:r>
+              <a:rPr lang="de-DE" sz="1400" b="0" i="0" u="none" strike="noStrike" dirty="0">
+                <a:solidFill>
+                  <a:srgbClr val="24292E"/>
+                </a:solidFill>
+                <a:effectLst/>
+                <a:latin typeface="-apple-system"/>
+                <a:hlinkClick r:id="rId5"/>
+              </a:rPr>
+              <a:t>http://microbuilder.io/blog/2016/01/10/plotting-json-data-with-chart-js.html</a:t>
+            </a:r>
+            <a:endParaRPr lang="de-DE" sz="1400" dirty="0">
+              <a:solidFill>
+                <a:srgbClr val="24292E"/>
+              </a:solidFill>
+              <a:latin typeface="-apple-system"/>
+            </a:endParaRPr>
+          </a:p>
+          <a:p>
+            <a:pPr marL="285750" indent="-285750" algn="l">
+              <a:lnSpc>
+                <a:spcPct val="150000"/>
+              </a:lnSpc>
+              <a:buFont typeface="Arial" panose="020B0604020202020204" pitchFamily="34" charset="0"/>
+              <a:buChar char="•"/>
+            </a:pPr>
+            <a:r>
+              <a:rPr lang="de-DE" sz="1400" b="0" i="0" u="none" strike="noStrike" dirty="0">
+                <a:solidFill>
+                  <a:srgbClr val="24292E"/>
+                </a:solidFill>
+                <a:effectLst/>
+                <a:latin typeface="-apple-system"/>
+                <a:hlinkClick r:id="rId6"/>
+              </a:rPr>
+              <a:t>https://www.youtube.com/watch?v=NwgKh_QTKE0</a:t>
+            </a:r>
+            <a:endParaRPr lang="de-DE" sz="1400" dirty="0">
+              <a:solidFill>
+                <a:srgbClr val="24292E"/>
+              </a:solidFill>
+              <a:latin typeface="-apple-system"/>
+            </a:endParaRPr>
+          </a:p>
+          <a:p>
+            <a:pPr marL="285750" indent="-285750" algn="l">
+              <a:lnSpc>
+                <a:spcPct val="150000"/>
+              </a:lnSpc>
+              <a:buFont typeface="Arial" panose="020B0604020202020204" pitchFamily="34" charset="0"/>
+              <a:buChar char="•"/>
+            </a:pPr>
+            <a:r>
+              <a:rPr lang="de-DE" sz="1400" b="0" i="0" u="none" strike="noStrike" dirty="0">
+                <a:solidFill>
+                  <a:srgbClr val="24292E"/>
+                </a:solidFill>
+                <a:effectLst/>
+                <a:latin typeface="-apple-system"/>
+                <a:hlinkClick r:id="rId7"/>
+              </a:rPr>
+              <a:t>https://canvasjs.com/html5-javascript-spline-chart/</a:t>
+            </a:r>
+            <a:endParaRPr lang="de-DE" sz="1400" dirty="0">
+              <a:solidFill>
+                <a:srgbClr val="24292E"/>
+              </a:solidFill>
+              <a:latin typeface="-apple-system"/>
+            </a:endParaRPr>
+          </a:p>
+          <a:p>
+            <a:pPr marL="285750" indent="-285750" algn="l">
+              <a:lnSpc>
+                <a:spcPct val="150000"/>
+              </a:lnSpc>
+              <a:buFont typeface="Arial" panose="020B0604020202020204" pitchFamily="34" charset="0"/>
+              <a:buChar char="•"/>
+            </a:pPr>
+            <a:r>
+              <a:rPr lang="de-DE" sz="1400" dirty="0">
+                <a:solidFill>
+                  <a:srgbClr val="24292E"/>
+                </a:solidFill>
+                <a:latin typeface="-apple-system"/>
+                <a:hlinkClick r:id="rId8"/>
+              </a:rPr>
+              <a:t>https://canvasjs.com/html5-javascript-line-chart/</a:t>
+            </a:r>
+            <a:endParaRPr lang="de-DE" sz="1400" dirty="0">
+              <a:solidFill>
+                <a:srgbClr val="24292E"/>
+              </a:solidFill>
+              <a:latin typeface="-apple-system"/>
+            </a:endParaRPr>
+          </a:p>
+          <a:p>
+            <a:pPr marL="285750" indent="-285750" algn="l">
+              <a:lnSpc>
+                <a:spcPct val="150000"/>
+              </a:lnSpc>
+              <a:buFont typeface="Arial" panose="020B0604020202020204" pitchFamily="34" charset="0"/>
+              <a:buChar char="•"/>
+            </a:pPr>
+            <a:r>
+              <a:rPr lang="de-DE" sz="1400" b="0" i="0" u="none" strike="noStrike" dirty="0">
+                <a:solidFill>
+                  <a:srgbClr val="24292E"/>
+                </a:solidFill>
+                <a:effectLst/>
+                <a:latin typeface="-apple-system"/>
+                <a:hlinkClick r:id="rId9"/>
+              </a:rPr>
+              <a:t>https://canvasjs.com/docs/charts/basics-of-creating-html5-chart/updating-chart-options/</a:t>
+            </a:r>
+            <a:endParaRPr lang="de-DE" sz="1400" dirty="0">
+              <a:solidFill>
+                <a:srgbClr val="24292E"/>
+              </a:solidFill>
+              <a:latin typeface="-apple-system"/>
+            </a:endParaRPr>
+          </a:p>
+          <a:p>
+            <a:pPr marL="285750" indent="-285750" algn="l">
+              <a:lnSpc>
+                <a:spcPct val="150000"/>
+              </a:lnSpc>
+              <a:buFont typeface="Arial" panose="020B0604020202020204" pitchFamily="34" charset="0"/>
+              <a:buChar char="•"/>
+            </a:pPr>
+            <a:r>
+              <a:rPr lang="de-DE" sz="1400" b="0" i="0" u="none" strike="noStrike" dirty="0">
+                <a:solidFill>
+                  <a:srgbClr val="24292E"/>
+                </a:solidFill>
+                <a:effectLst/>
+                <a:latin typeface="-apple-system"/>
+                <a:hlinkClick r:id="rId10"/>
+              </a:rPr>
+              <a:t>https://canvasjs.com/docs/charts/methods/dataseries/addto/</a:t>
+            </a:r>
+            <a:endParaRPr lang="de-DE" sz="1400" dirty="0">
+              <a:solidFill>
+                <a:srgbClr val="24292E"/>
+              </a:solidFill>
+              <a:latin typeface="-apple-system"/>
+            </a:endParaRPr>
+          </a:p>
+          <a:p>
+            <a:pPr marL="285750" indent="-285750" algn="l">
+              <a:lnSpc>
+                <a:spcPct val="150000"/>
+              </a:lnSpc>
+              <a:buFont typeface="Arial" panose="020B0604020202020204" pitchFamily="34" charset="0"/>
+              <a:buChar char="•"/>
+            </a:pPr>
+            <a:r>
+              <a:rPr lang="de-DE" sz="1400" b="0" i="0" u="none" strike="noStrike" dirty="0">
+                <a:solidFill>
+                  <a:srgbClr val="24292E"/>
+                </a:solidFill>
+                <a:effectLst/>
+                <a:latin typeface="-apple-system"/>
+                <a:hlinkClick r:id="rId11"/>
+              </a:rPr>
+              <a:t>https://www.gesundheit.gv.at/leben/ernaehrung/info/fluessigkeitsbedarf</a:t>
+            </a:r>
+            <a:endParaRPr lang="de-DE" sz="1400" b="0" i="0" u="none" strike="noStrike" dirty="0">
+              <a:solidFill>
+                <a:srgbClr val="24292E"/>
+              </a:solidFill>
+              <a:effectLst/>
+              <a:latin typeface="-apple-system"/>
+            </a:endParaRPr>
+          </a:p>
+          <a:p>
+            <a:pPr marL="285750" indent="-285750" algn="l">
+              <a:lnSpc>
+                <a:spcPct val="150000"/>
+              </a:lnSpc>
+              <a:buFont typeface="Arial" panose="020B0604020202020204" pitchFamily="34" charset="0"/>
+              <a:buChar char="•"/>
+            </a:pPr>
+            <a:r>
+              <a:rPr lang="de-DE" sz="1400" dirty="0">
+                <a:hlinkClick r:id="rId12"/>
+              </a:rPr>
+              <a:t>PHP </a:t>
+            </a:r>
+            <a:r>
+              <a:rPr lang="de-DE" sz="1400" dirty="0" err="1">
+                <a:hlinkClick r:id="rId12"/>
+              </a:rPr>
+              <a:t>MySQLi</a:t>
+            </a:r>
+            <a:r>
+              <a:rPr lang="de-DE" sz="1400" dirty="0">
+                <a:hlinkClick r:id="rId12"/>
+              </a:rPr>
+              <a:t> Einleitung - Dev-Tek.de (dev-tek.de)</a:t>
+            </a:r>
+            <a:endParaRPr lang="de-DE" sz="1400" dirty="0">
+              <a:solidFill>
+                <a:srgbClr val="24292E"/>
+              </a:solidFill>
+              <a:latin typeface="-apple-system"/>
+            </a:endParaRPr>
+          </a:p>
+          <a:p>
+            <a:pPr marL="285750" indent="-285750" algn="l">
+              <a:lnSpc>
+                <a:spcPct val="150000"/>
+              </a:lnSpc>
+              <a:buFont typeface="Arial" panose="020B0604020202020204" pitchFamily="34" charset="0"/>
+              <a:buChar char="•"/>
+            </a:pPr>
+            <a:r>
+              <a:rPr lang="en-US" sz="1400" dirty="0">
+                <a:hlinkClick r:id="rId13"/>
+              </a:rPr>
+              <a:t>PHP: </a:t>
+            </a:r>
+            <a:r>
+              <a:rPr lang="en-US" sz="1400" dirty="0" err="1">
+                <a:hlinkClick r:id="rId13"/>
+              </a:rPr>
+              <a:t>mysqli_result</a:t>
+            </a:r>
+            <a:r>
+              <a:rPr lang="en-US" sz="1400" dirty="0">
+                <a:hlinkClick r:id="rId13"/>
+              </a:rPr>
+              <a:t>::</a:t>
+            </a:r>
+            <a:r>
+              <a:rPr lang="en-US" sz="1400" dirty="0" err="1">
+                <a:hlinkClick r:id="rId13"/>
+              </a:rPr>
+              <a:t>fetch_array</a:t>
+            </a:r>
+            <a:r>
+              <a:rPr lang="en-US" sz="1400" dirty="0">
+                <a:hlinkClick r:id="rId13"/>
+              </a:rPr>
+              <a:t> – Manual</a:t>
+            </a:r>
+            <a:endParaRPr lang="de-DE" sz="1400" dirty="0">
+              <a:solidFill>
+                <a:srgbClr val="24292E"/>
+              </a:solidFill>
+              <a:latin typeface="-apple-system"/>
+            </a:endParaRPr>
+          </a:p>
+          <a:p>
+            <a:pPr marL="285750" indent="-285750" algn="l">
+              <a:lnSpc>
+                <a:spcPct val="150000"/>
+              </a:lnSpc>
+              <a:buFont typeface="Arial" panose="020B0604020202020204" pitchFamily="34" charset="0"/>
+              <a:buChar char="•"/>
+            </a:pPr>
+            <a:r>
+              <a:rPr lang="de-DE" sz="1400" dirty="0">
+                <a:hlinkClick r:id="rId14"/>
+              </a:rPr>
+              <a:t>PHP: </a:t>
+            </a:r>
+            <a:r>
+              <a:rPr lang="de-DE" sz="1400" dirty="0" err="1">
+                <a:hlinkClick r:id="rId14"/>
+              </a:rPr>
+              <a:t>array_sum</a:t>
+            </a:r>
+            <a:r>
+              <a:rPr lang="de-DE" sz="1400" dirty="0">
+                <a:hlinkClick r:id="rId14"/>
+              </a:rPr>
+              <a:t> – Manual</a:t>
+            </a:r>
+            <a:endParaRPr lang="de-DE" sz="1400" dirty="0">
+              <a:solidFill>
+                <a:srgbClr val="24292E"/>
+              </a:solidFill>
+              <a:latin typeface="-apple-system"/>
+            </a:endParaRPr>
+          </a:p>
+          <a:p>
+            <a:pPr marL="285750" indent="-285750" algn="l">
+              <a:lnSpc>
+                <a:spcPct val="150000"/>
+              </a:lnSpc>
+              <a:buFont typeface="Arial" panose="020B0604020202020204" pitchFamily="34" charset="0"/>
+              <a:buChar char="•"/>
+            </a:pPr>
+            <a:r>
+              <a:rPr lang="de-DE" sz="1400" dirty="0">
+                <a:hlinkClick r:id="rId15"/>
+              </a:rPr>
+              <a:t>Passing PHP Variables </a:t>
+            </a:r>
+            <a:r>
+              <a:rPr lang="de-DE" sz="1400" dirty="0" err="1">
+                <a:hlinkClick r:id="rId15"/>
+              </a:rPr>
+              <a:t>to</a:t>
+            </a:r>
+            <a:r>
+              <a:rPr lang="de-DE" sz="1400" dirty="0">
+                <a:hlinkClick r:id="rId15"/>
+              </a:rPr>
+              <a:t> JavaScript (dyn-web.com)</a:t>
+            </a:r>
+            <a:endParaRPr lang="de-DE" sz="1400" b="0" i="0" dirty="0">
+              <a:solidFill>
+                <a:srgbClr val="24292E"/>
+              </a:solidFill>
+              <a:effectLst/>
+              <a:latin typeface="-apple-system"/>
+            </a:endParaRPr>
+          </a:p>
+          <a:p>
+            <a:pPr algn="l"/>
+            <a:endParaRPr lang="de-DE" b="0" i="0" u="none" strike="noStrike" dirty="0">
+              <a:solidFill>
+                <a:srgbClr val="24292E"/>
+              </a:solidFill>
+              <a:effectLst/>
+              <a:latin typeface="-apple-system"/>
+            </a:endParaRPr>
+          </a:p>
+          <a:p>
+            <a:pPr algn="l"/>
+            <a:endParaRPr lang="de-DE" b="0" i="0" dirty="0">
+              <a:solidFill>
+                <a:srgbClr val="24292E"/>
+              </a:solidFill>
+              <a:effectLst/>
+              <a:latin typeface="-apple-system"/>
+            </a:endParaRPr>
+          </a:p>
+        </p:txBody>
+      </p:sp>
+      <p:sp>
+        <p:nvSpPr>
+          <p:cNvPr id="5" name="Foliennummernplatzhalter 4">
+            <a:extLst>
+              <a:ext uri="{FF2B5EF4-FFF2-40B4-BE49-F238E27FC236}">
+                <a16:creationId xmlns:a16="http://schemas.microsoft.com/office/drawing/2014/main" id="{1BB62189-938C-4C7C-BA89-B2D315856415}"/>
+              </a:ext>
+            </a:extLst>
+          </p:cNvPr>
+          <p:cNvSpPr>
+            <a:spLocks noGrp="1"/>
+          </p:cNvSpPr>
+          <p:nvPr>
+            <p:ph type="sldNum" sz="quarter" idx="12"/>
+          </p:nvPr>
+        </p:nvSpPr>
+        <p:spPr/>
+        <p:txBody>
+          <a:bodyPr/>
+          <a:lstStyle/>
+          <a:p>
+            <a:pPr rtl="0"/>
+            <a:fld id="{3A98EE3D-8CD1-4C3F-BD1C-C98C9596463C}" type="slidenum">
+              <a:rPr lang="en-US" smtClean="0"/>
+              <a:t>31</a:t>
+            </a:fld>
+            <a:endParaRPr lang="en-US" dirty="0"/>
+          </a:p>
+        </p:txBody>
+      </p:sp>
+    </p:spTree>
+    <p:extLst>
+      <p:ext uri="{BB962C8B-B14F-4D97-AF65-F5344CB8AC3E}">
+        <p14:creationId xmlns:p14="http://schemas.microsoft.com/office/powerpoint/2010/main" val="873189558"/>
+      </p:ext>
+    </p:extLst>
+  </p:cSld>
+  <p:clrMapOvr>
+    <a:masterClrMapping/>
+  </p:clrMapOvr>
+</p:sld>
+</file>
+
+<file path=ppt/slides/slide32.xml><?xml version="1.0" encoding="utf-8"?>
+<p:sld xmlns:a="http://schemas.openxmlformats.org/drawingml/2006/main" xmlns:r="http://schemas.openxmlformats.org/officeDocument/2006/relationships" xmlns:p="http://schemas.openxmlformats.org/presentationml/2006/main">
+  <p:cSld>
+    <p:spTree>
+      <p:nvGrpSpPr>
+        <p:cNvPr id="1" name=""/>
+        <p:cNvGrpSpPr/>
+        <p:nvPr/>
+      </p:nvGrpSpPr>
+      <p:grpSpPr>
+        <a:xfrm>
+          <a:off x="0" y="0"/>
+          <a:ext cx="0" cy="0"/>
+          <a:chOff x="0" y="0"/>
+          <a:chExt cx="0" cy="0"/>
+        </a:xfrm>
+      </p:grpSpPr>
+      <p:sp>
+        <p:nvSpPr>
           <p:cNvPr id="3" name="Titel 2">
             <a:extLst>
               <a:ext uri="{FF2B5EF4-FFF2-40B4-BE49-F238E27FC236}">
@@ -13283,7 +13635,7 @@
             <a:pPr rtl="0"/>
             <a:fld id="{3A98EE3D-8CD1-4C3F-BD1C-C98C9596463C}" type="slidenum">
               <a:rPr lang="en-US" smtClean="0"/>
-              <a:t>31</a:t>
+              <a:t>32</a:t>
             </a:fld>
             <a:endParaRPr lang="en-US" dirty="0"/>
           </a:p>
@@ -14042,7 +14394,7 @@
           <a:p>
             <a:r>
               <a:rPr lang="de-DE" dirty="0"/>
-              <a:t>Beschreibung des Prototypen</a:t>
+              <a:t>Allgemein</a:t>
             </a:r>
             <a:endParaRPr lang="en-US" dirty="0"/>
           </a:p>
@@ -14096,10 +14448,10 @@
       </p:sp>
       <p:pic>
         <p:nvPicPr>
-          <p:cNvPr id="5" name="Grafik 4">
-            <a:extLst>
-              <a:ext uri="{FF2B5EF4-FFF2-40B4-BE49-F238E27FC236}">
-                <a16:creationId xmlns:a16="http://schemas.microsoft.com/office/drawing/2014/main" id="{EE7CECD2-5B96-48EA-88A0-887D3BB3ADF4}"/>
+          <p:cNvPr id="6" name="Grafik 5">
+            <a:extLst>
+              <a:ext uri="{FF2B5EF4-FFF2-40B4-BE49-F238E27FC236}">
+                <a16:creationId xmlns:a16="http://schemas.microsoft.com/office/drawing/2014/main" id="{9E980817-CCA7-4AF6-A140-C644D3B2726C}"/>
               </a:ext>
             </a:extLst>
           </p:cNvPr>
@@ -14116,19 +14468,68 @@
               </a:ext>
             </a:extLst>
           </a:blip>
-          <a:srcRect l="5389" t="2342" r="1336" b="2883"/>
+          <a:srcRect l="5551" t="2475" r="1957" b="2570"/>
           <a:stretch/>
         </p:blipFill>
         <p:spPr>
           <a:xfrm>
-            <a:off x="4670855" y="843649"/>
-            <a:ext cx="7521146" cy="5207604"/>
+            <a:off x="4653933" y="504922"/>
+            <a:ext cx="7525710" cy="5440397"/>
           </a:xfrm>
           <a:prstGeom prst="rect">
             <a:avLst/>
           </a:prstGeom>
         </p:spPr>
       </p:pic>
+      <p:sp>
+        <p:nvSpPr>
+          <p:cNvPr id="7" name="Textfeld 6">
+            <a:extLst>
+              <a:ext uri="{FF2B5EF4-FFF2-40B4-BE49-F238E27FC236}">
+                <a16:creationId xmlns:a16="http://schemas.microsoft.com/office/drawing/2014/main" id="{C778E632-97A4-4016-B2BF-4995C82A4787}"/>
+              </a:ext>
+            </a:extLst>
+          </p:cNvPr>
+          <p:cNvSpPr txBox="1"/>
+          <p:nvPr/>
+        </p:nvSpPr>
+        <p:spPr>
+          <a:xfrm>
+            <a:off x="5153765" y="6044625"/>
+            <a:ext cx="2521851" cy="584775"/>
+          </a:xfrm>
+          <a:prstGeom prst="rect">
+            <a:avLst/>
+          </a:prstGeom>
+          <a:noFill/>
+        </p:spPr>
+        <p:txBody>
+          <a:bodyPr wrap="square" rtlCol="0">
+            <a:spAutoFit/>
+          </a:bodyPr>
+          <a:lstStyle/>
+          <a:p>
+            <a:r>
+              <a:rPr lang="de-DE" sz="1600" dirty="0">
+                <a:solidFill>
+                  <a:srgbClr val="92D050"/>
+                </a:solidFill>
+              </a:rPr>
+              <a:t>* Neu</a:t>
+            </a:r>
+          </a:p>
+          <a:p>
+            <a:r>
+              <a:rPr lang="de-DE" sz="1600" dirty="0">
+                <a:solidFill>
+                  <a:srgbClr val="00B0F0"/>
+                </a:solidFill>
+              </a:rPr>
+              <a:t>* Nicht Umgesetzt</a:t>
+            </a:r>
+          </a:p>
+        </p:txBody>
+      </p:sp>
     </p:spTree>
     <p:extLst>
       <p:ext uri="{BB962C8B-B14F-4D97-AF65-F5344CB8AC3E}">
@@ -14164,7 +14565,7 @@
           <p:cNvPr id="2" name="Titel 1">
             <a:extLst>
               <a:ext uri="{FF2B5EF4-FFF2-40B4-BE49-F238E27FC236}">
-                <a16:creationId xmlns:a16="http://schemas.microsoft.com/office/drawing/2014/main" id="{436359DD-4B52-4F0A-9866-3DCBBE533075}"/>
+                <a16:creationId xmlns:a16="http://schemas.microsoft.com/office/drawing/2014/main" id="{62B3ADCB-147C-4F7A-A007-124FB6562639}"/>
               </a:ext>
             </a:extLst>
           </p:cNvPr>
@@ -14173,40 +14574,47 @@
           </p:cNvSpPr>
           <p:nvPr>
             <p:ph type="title"/>
-          </p:nvPr>
-        </p:nvSpPr>
-        <p:spPr/>
-        <p:txBody>
-          <a:bodyPr/>
-          <a:lstStyle/>
-          <a:p>
-            <a:r>
-              <a:rPr lang="de-DE" dirty="0"/>
-              <a:t>Coding</a:t>
-            </a:r>
-          </a:p>
-        </p:txBody>
-      </p:sp>
-      <p:sp>
-        <p:nvSpPr>
-          <p:cNvPr id="3" name="Textplatzhalter 2">
-            <a:extLst>
-              <a:ext uri="{FF2B5EF4-FFF2-40B4-BE49-F238E27FC236}">
-                <a16:creationId xmlns:a16="http://schemas.microsoft.com/office/drawing/2014/main" id="{020E7A6C-5273-4AF6-A6C9-99B7EF7074CF}"/>
-              </a:ext>
-            </a:extLst>
-          </p:cNvPr>
-          <p:cNvSpPr>
-            <a:spLocks noGrp="1"/>
-          </p:cNvSpPr>
-          <p:nvPr>
-            <p:ph type="body" idx="1"/>
           </p:nvPr>
         </p:nvSpPr>
         <p:spPr>
           <a:xfrm>
-            <a:off x="1097280" y="4663440"/>
-            <a:ext cx="10504910" cy="1143000"/>
+            <a:off x="1097279" y="4799362"/>
+            <a:ext cx="10113645" cy="743682"/>
+          </a:xfrm>
+        </p:spPr>
+        <p:txBody>
+          <a:bodyPr anchor="b">
+            <a:normAutofit/>
+          </a:bodyPr>
+          <a:lstStyle/>
+          <a:p>
+            <a:r>
+              <a:rPr lang="de-DE" dirty="0"/>
+              <a:t>Use-Case</a:t>
+            </a:r>
+          </a:p>
+        </p:txBody>
+      </p:sp>
+      <p:sp>
+        <p:nvSpPr>
+          <p:cNvPr id="11" name="Text Placeholder 3">
+            <a:extLst>
+              <a:ext uri="{FF2B5EF4-FFF2-40B4-BE49-F238E27FC236}">
+                <a16:creationId xmlns:a16="http://schemas.microsoft.com/office/drawing/2014/main" id="{2070856C-BA20-448A-A6A5-A4EA714F2C2F}"/>
+              </a:ext>
+            </a:extLst>
+          </p:cNvPr>
+          <p:cNvSpPr>
+            <a:spLocks noGrp="1"/>
+          </p:cNvSpPr>
+          <p:nvPr>
+            <p:ph type="body" sz="half" idx="2"/>
+          </p:nvPr>
+        </p:nvSpPr>
+        <p:spPr>
+          <a:xfrm>
+            <a:off x="1097279" y="5715000"/>
+            <a:ext cx="10113264" cy="609600"/>
           </a:xfrm>
         </p:spPr>
         <p:txBody>
@@ -14216,35 +14624,10 @@
           <a:lstStyle/>
           <a:p>
             <a:r>
-              <a:rPr lang="de-DE" sz="2000" dirty="0"/>
-              <a:t>Den code dazu finden SIE in UNSEREM GitHub: </a:t>
-            </a:r>
-            <a:br>
-              <a:rPr lang="de-DE" sz="2000" dirty="0"/>
-            </a:br>
-            <a:r>
-              <a:rPr lang="de-DE" sz="1400" dirty="0"/>
-              <a:t>* </a:t>
-            </a:r>
-            <a:r>
-              <a:rPr lang="de-DE" sz="1400" dirty="0">
-                <a:hlinkClick r:id="rId3"/>
-              </a:rPr>
-              <a:t>EPWS2020SerttasPlackenhohn/Coding at </a:t>
-            </a:r>
-            <a:r>
-              <a:rPr lang="de-DE" sz="1400" dirty="0" err="1">
-                <a:hlinkClick r:id="rId3"/>
-              </a:rPr>
-              <a:t>main</a:t>
-            </a:r>
-            <a:r>
-              <a:rPr lang="de-DE" sz="1400" dirty="0">
-                <a:hlinkClick r:id="rId3"/>
-              </a:rPr>
-              <a:t> · Kplacken/EPWS2020SerttasPlackenhohn (github.com) </a:t>
-            </a:r>
-            <a:endParaRPr lang="de-DE" sz="1400" dirty="0"/>
+              <a:rPr lang="de-DE" dirty="0"/>
+              <a:t>Beschreibung des Prototypen</a:t>
+            </a:r>
+            <a:endParaRPr lang="en-US" dirty="0"/>
           </a:p>
         </p:txBody>
       </p:sp>
@@ -14253,7 +14636,7 @@
           <p:cNvPr id="4" name="Foliennummernplatzhalter 3">
             <a:extLst>
               <a:ext uri="{FF2B5EF4-FFF2-40B4-BE49-F238E27FC236}">
-                <a16:creationId xmlns:a16="http://schemas.microsoft.com/office/drawing/2014/main" id="{AC9E70D6-4156-47E7-B66D-263C13269DBE}"/>
+                <a16:creationId xmlns:a16="http://schemas.microsoft.com/office/drawing/2014/main" id="{A5C49048-DC2E-460F-9A0D-F43A6AB25779}"/>
               </a:ext>
             </a:extLst>
           </p:cNvPr>
@@ -14264,24 +14647,75 @@
             <p:ph type="sldNum" sz="quarter" idx="12"/>
           </p:nvPr>
         </p:nvSpPr>
-        <p:spPr/>
-        <p:txBody>
-          <a:bodyPr/>
-          <a:lstStyle/>
-          <a:p>
-            <a:pPr rtl="0"/>
+        <p:spPr>
+          <a:xfrm>
+            <a:off x="10993582" y="6446838"/>
+            <a:ext cx="780010" cy="365125"/>
+          </a:xfrm>
+        </p:spPr>
+        <p:txBody>
+          <a:bodyPr anchor="ctr">
+            <a:normAutofit/>
+          </a:bodyPr>
+          <a:lstStyle/>
+          <a:p>
+            <a:pPr rtl="0">
+              <a:spcAft>
+                <a:spcPts val="600"/>
+              </a:spcAft>
+            </a:pPr>
             <a:fld id="{3A98EE3D-8CD1-4C3F-BD1C-C98C9596463C}" type="slidenum">
               <a:rPr lang="en-US" smtClean="0"/>
+              <a:pPr rtl="0">
+                <a:spcAft>
+                  <a:spcPts val="600"/>
+                </a:spcAft>
+              </a:pPr>
               <a:t>8</a:t>
             </a:fld>
-            <a:endParaRPr lang="en-US" dirty="0"/>
-          </a:p>
-        </p:txBody>
-      </p:sp>
+            <a:endParaRPr lang="en-US"/>
+          </a:p>
+        </p:txBody>
+      </p:sp>
+      <p:pic>
+        <p:nvPicPr>
+          <p:cNvPr id="8" name="Grafik 7">
+            <a:extLst>
+              <a:ext uri="{FF2B5EF4-FFF2-40B4-BE49-F238E27FC236}">
+                <a16:creationId xmlns:a16="http://schemas.microsoft.com/office/drawing/2014/main" id="{F3C0B631-A2CA-49B0-99FD-6D0307C439F8}"/>
+              </a:ext>
+            </a:extLst>
+          </p:cNvPr>
+          <p:cNvPicPr>
+            <a:picLocks noChangeAspect="1"/>
+          </p:cNvPicPr>
+          <p:nvPr/>
+        </p:nvPicPr>
+        <p:blipFill rotWithShape="1">
+          <a:blip r:embed="rId3">
+            <a:extLst>
+              <a:ext uri="{28A0092B-C50C-407E-A947-70E740481C1C}">
+                <a14:useLocalDpi xmlns:a14="http://schemas.microsoft.com/office/drawing/2010/main" val="0"/>
+              </a:ext>
+            </a:extLst>
+          </a:blip>
+          <a:srcRect b="34450"/>
+          <a:stretch/>
+        </p:blipFill>
+        <p:spPr>
+          <a:xfrm>
+            <a:off x="418395" y="881546"/>
+            <a:ext cx="11085745" cy="3014022"/>
+          </a:xfrm>
+          <a:prstGeom prst="rect">
+            <a:avLst/>
+          </a:prstGeom>
+        </p:spPr>
+      </p:pic>
     </p:spTree>
     <p:extLst>
       <p:ext uri="{BB962C8B-B14F-4D97-AF65-F5344CB8AC3E}">
-        <p14:creationId xmlns:p14="http://schemas.microsoft.com/office/powerpoint/2010/main" val="399139841"/>
+        <p14:creationId xmlns:p14="http://schemas.microsoft.com/office/powerpoint/2010/main" val="224417729"/>
       </p:ext>
     </p:extLst>
   </p:cSld>
@@ -14313,7 +14747,7 @@
           <p:cNvPr id="2" name="Titel 1">
             <a:extLst>
               <a:ext uri="{FF2B5EF4-FFF2-40B4-BE49-F238E27FC236}">
-                <a16:creationId xmlns:a16="http://schemas.microsoft.com/office/drawing/2014/main" id="{4DC4D8DE-1034-4059-B907-B2FCA56F6799}"/>
+                <a16:creationId xmlns:a16="http://schemas.microsoft.com/office/drawing/2014/main" id="{436359DD-4B52-4F0A-9866-3DCBBE533075}"/>
               </a:ext>
             </a:extLst>
           </p:cNvPr>
@@ -14322,33 +14756,87 @@
           </p:cNvSpPr>
           <p:nvPr>
             <p:ph type="title"/>
+          </p:nvPr>
+        </p:nvSpPr>
+        <p:spPr/>
+        <p:txBody>
+          <a:bodyPr/>
+          <a:lstStyle/>
+          <a:p>
+            <a:r>
+              <a:rPr lang="de-DE" dirty="0"/>
+              <a:t>Coding</a:t>
+            </a:r>
+          </a:p>
+        </p:txBody>
+      </p:sp>
+      <p:sp>
+        <p:nvSpPr>
+          <p:cNvPr id="3" name="Textplatzhalter 2">
+            <a:extLst>
+              <a:ext uri="{FF2B5EF4-FFF2-40B4-BE49-F238E27FC236}">
+                <a16:creationId xmlns:a16="http://schemas.microsoft.com/office/drawing/2014/main" id="{020E7A6C-5273-4AF6-A6C9-99B7EF7074CF}"/>
+              </a:ext>
+            </a:extLst>
+          </p:cNvPr>
+          <p:cNvSpPr>
+            <a:spLocks noGrp="1"/>
+          </p:cNvSpPr>
+          <p:nvPr>
+            <p:ph type="body" idx="1"/>
           </p:nvPr>
         </p:nvSpPr>
         <p:spPr>
           <a:xfrm>
-            <a:off x="1097280" y="758952"/>
-            <a:ext cx="10058400" cy="3566160"/>
+            <a:off x="1097280" y="4663440"/>
+            <a:ext cx="10504910" cy="1143000"/>
           </a:xfrm>
         </p:spPr>
         <p:txBody>
-          <a:bodyPr anchor="b">
+          <a:bodyPr>
             <a:normAutofit/>
           </a:bodyPr>
           <a:lstStyle/>
           <a:p>
             <a:r>
-              <a:rPr lang="de-DE" sz="7400" dirty="0"/>
-              <a:t>Auswertung/ Verlauf</a:t>
-            </a:r>
-          </a:p>
-        </p:txBody>
-      </p:sp>
-      <p:sp>
-        <p:nvSpPr>
-          <p:cNvPr id="3" name="Foliennummernplatzhalter 2">
-            <a:extLst>
-              <a:ext uri="{FF2B5EF4-FFF2-40B4-BE49-F238E27FC236}">
-                <a16:creationId xmlns:a16="http://schemas.microsoft.com/office/drawing/2014/main" id="{585CF4AE-527C-4AA2-906C-B9F7B3281748}"/>
+              <a:rPr lang="de-DE" sz="2000" dirty="0"/>
+              <a:t>Den code dazu finden SIE in UNSEREM GitHub: </a:t>
+            </a:r>
+            <a:br>
+              <a:rPr lang="de-DE" sz="2000" dirty="0"/>
+            </a:br>
+            <a:r>
+              <a:rPr lang="de-DE" sz="1400" dirty="0"/>
+              <a:t>* </a:t>
+            </a:r>
+            <a:r>
+              <a:rPr lang="de-DE" sz="1400" dirty="0">
+                <a:hlinkClick r:id="rId3"/>
+              </a:rPr>
+              <a:t>EPWS2020SerttasPlackenhohn/Coding at </a:t>
+            </a:r>
+            <a:r>
+              <a:rPr lang="de-DE" sz="1400" dirty="0" err="1">
+                <a:hlinkClick r:id="rId3"/>
+              </a:rPr>
+              <a:t>main</a:t>
+            </a:r>
+            <a:r>
+              <a:rPr lang="de-DE" sz="1400" dirty="0">
+                <a:hlinkClick r:id="rId3"/>
+              </a:rPr>
+              <a:t> · Kplacken/EPWS2020SerttasPlackenhohn (github.com) </a:t>
+            </a:r>
+            <a:endParaRPr lang="de-DE" sz="1400" dirty="0"/>
+          </a:p>
+        </p:txBody>
+      </p:sp>
+      <p:sp>
+        <p:nvSpPr>
+          <p:cNvPr id="4" name="Foliennummernplatzhalter 3">
+            <a:extLst>
+              <a:ext uri="{FF2B5EF4-FFF2-40B4-BE49-F238E27FC236}">
+                <a16:creationId xmlns:a16="http://schemas.microsoft.com/office/drawing/2014/main" id="{AC9E70D6-4156-47E7-B66D-263C13269DBE}"/>
               </a:ext>
             </a:extLst>
           </p:cNvPr>
@@ -14359,94 +14847,24 @@
             <p:ph type="sldNum" sz="quarter" idx="12"/>
           </p:nvPr>
         </p:nvSpPr>
-        <p:spPr>
-          <a:xfrm>
-            <a:off x="10993582" y="6446838"/>
-            <a:ext cx="780010" cy="365125"/>
-          </a:xfrm>
-        </p:spPr>
-        <p:txBody>
-          <a:bodyPr anchor="ctr">
-            <a:normAutofit/>
-          </a:bodyPr>
-          <a:lstStyle/>
-          <a:p>
-            <a:pPr rtl="0">
-              <a:spcAft>
-                <a:spcPts val="600"/>
-              </a:spcAft>
-            </a:pPr>
+        <p:spPr/>
+        <p:txBody>
+          <a:bodyPr/>
+          <a:lstStyle/>
+          <a:p>
+            <a:pPr rtl="0"/>
             <a:fld id="{3A98EE3D-8CD1-4C3F-BD1C-C98C9596463C}" type="slidenum">
               <a:rPr lang="en-US" smtClean="0"/>
-              <a:pPr rtl="0">
-                <a:spcAft>
-                  <a:spcPts val="600"/>
-                </a:spcAft>
-              </a:pPr>
               <a:t>9</a:t>
             </a:fld>
-            <a:endParaRPr lang="en-US"/>
-          </a:p>
-        </p:txBody>
-      </p:sp>
-      <p:sp>
-        <p:nvSpPr>
-          <p:cNvPr id="4" name="Titel 1">
-            <a:extLst>
-              <a:ext uri="{FF2B5EF4-FFF2-40B4-BE49-F238E27FC236}">
-                <a16:creationId xmlns:a16="http://schemas.microsoft.com/office/drawing/2014/main" id="{14040106-2C9B-47A0-AA16-571538A46A0C}"/>
-              </a:ext>
-            </a:extLst>
-          </p:cNvPr>
-          <p:cNvSpPr txBox="1">
-            <a:spLocks/>
-          </p:cNvSpPr>
-          <p:nvPr/>
-        </p:nvSpPr>
-        <p:spPr>
-          <a:xfrm>
-            <a:off x="1097280" y="4744569"/>
-            <a:ext cx="10058400" cy="641405"/>
-          </a:xfrm>
-          <a:prstGeom prst="rect">
-            <a:avLst/>
-          </a:prstGeom>
-        </p:spPr>
-        <p:txBody>
-          <a:bodyPr vert="horz" lIns="91440" tIns="45720" rIns="91440" bIns="45720" rtlCol="0" anchor="b" anchorCtr="0">
-            <a:normAutofit fontScale="62500" lnSpcReduction="20000"/>
-          </a:bodyPr>
-          <a:lstStyle>
-            <a:lvl1pPr algn="l" defTabSz="914400" rtl="0" eaLnBrk="1" latinLnBrk="0" hangingPunct="1">
-              <a:lnSpc>
-                <a:spcPct val="90000"/>
-              </a:lnSpc>
-              <a:spcBef>
-                <a:spcPct val="0"/>
-              </a:spcBef>
-              <a:buNone/>
-              <a:defRPr sz="8000" b="0" i="0" kern="1200" spc="-50" baseline="0">
-                <a:solidFill>
-                  <a:schemeClr val="tx1">
-                    <a:lumMod val="85000"/>
-                    <a:lumOff val="15000"/>
-                  </a:schemeClr>
-                </a:solidFill>
-                <a:latin typeface="+mj-lt"/>
-                <a:ea typeface="+mj-ea"/>
-                <a:cs typeface="+mj-cs"/>
-              </a:defRPr>
-            </a:lvl1pPr>
-          </a:lstStyle>
-          <a:p>
-            <a:endParaRPr lang="de-DE" sz="7900" dirty="0"/>
+            <a:endParaRPr lang="en-US" dirty="0"/>
           </a:p>
         </p:txBody>
       </p:sp>
     </p:spTree>
     <p:extLst>
       <p:ext uri="{BB962C8B-B14F-4D97-AF65-F5344CB8AC3E}">
-        <p14:creationId xmlns:p14="http://schemas.microsoft.com/office/powerpoint/2010/main" val="2749553653"/>
+        <p14:creationId xmlns:p14="http://schemas.microsoft.com/office/powerpoint/2010/main" val="399139841"/>
       </p:ext>
     </p:extLst>
   </p:cSld>

--- a/Audits/Audit 4/WS2020_SerttasPlackenhohn_Audit4.pptx
+++ b/Audits/Audit 4/WS2020_SerttasPlackenhohn_Audit4.pptx
@@ -14299,6 +14299,55 @@
           </a:p>
         </p:txBody>
       </p:sp>
+      <p:sp>
+        <p:nvSpPr>
+          <p:cNvPr id="6" name="Textfeld 5">
+            <a:extLst>
+              <a:ext uri="{FF2B5EF4-FFF2-40B4-BE49-F238E27FC236}">
+                <a16:creationId xmlns:a16="http://schemas.microsoft.com/office/drawing/2014/main" id="{F824E8E1-EA1F-4F37-98D7-D06E913B79F6}"/>
+              </a:ext>
+            </a:extLst>
+          </p:cNvPr>
+          <p:cNvSpPr txBox="1"/>
+          <p:nvPr/>
+        </p:nvSpPr>
+        <p:spPr>
+          <a:xfrm>
+            <a:off x="10122661" y="1958007"/>
+            <a:ext cx="2521851" cy="584775"/>
+          </a:xfrm>
+          <a:prstGeom prst="rect">
+            <a:avLst/>
+          </a:prstGeom>
+          <a:noFill/>
+        </p:spPr>
+        <p:txBody>
+          <a:bodyPr wrap="square" rtlCol="0">
+            <a:spAutoFit/>
+          </a:bodyPr>
+          <a:lstStyle/>
+          <a:p>
+            <a:r>
+              <a:rPr lang="de-DE" sz="1600" dirty="0">
+                <a:solidFill>
+                  <a:srgbClr val="92D050"/>
+                </a:solidFill>
+              </a:rPr>
+              <a:t>* Neu</a:t>
+            </a:r>
+          </a:p>
+          <a:p>
+            <a:r>
+              <a:rPr lang="de-DE" sz="1600" dirty="0">
+                <a:solidFill>
+                  <a:srgbClr val="FF0000"/>
+                </a:solidFill>
+              </a:rPr>
+              <a:t>* Entfernt</a:t>
+            </a:r>
+          </a:p>
+        </p:txBody>
+      </p:sp>
     </p:spTree>
     <p:extLst>
       <p:ext uri="{BB962C8B-B14F-4D97-AF65-F5344CB8AC3E}">
@@ -14446,12 +14495,61 @@
           </a:p>
         </p:txBody>
       </p:sp>
+      <p:sp>
+        <p:nvSpPr>
+          <p:cNvPr id="7" name="Textfeld 6">
+            <a:extLst>
+              <a:ext uri="{FF2B5EF4-FFF2-40B4-BE49-F238E27FC236}">
+                <a16:creationId xmlns:a16="http://schemas.microsoft.com/office/drawing/2014/main" id="{C778E632-97A4-4016-B2BF-4995C82A4787}"/>
+              </a:ext>
+            </a:extLst>
+          </p:cNvPr>
+          <p:cNvSpPr txBox="1"/>
+          <p:nvPr/>
+        </p:nvSpPr>
+        <p:spPr>
+          <a:xfrm>
+            <a:off x="5153765" y="6094053"/>
+            <a:ext cx="2521851" cy="584775"/>
+          </a:xfrm>
+          <a:prstGeom prst="rect">
+            <a:avLst/>
+          </a:prstGeom>
+          <a:noFill/>
+        </p:spPr>
+        <p:txBody>
+          <a:bodyPr wrap="square" rtlCol="0">
+            <a:spAutoFit/>
+          </a:bodyPr>
+          <a:lstStyle/>
+          <a:p>
+            <a:r>
+              <a:rPr lang="de-DE" sz="1600" dirty="0">
+                <a:solidFill>
+                  <a:srgbClr val="92D050"/>
+                </a:solidFill>
+              </a:rPr>
+              <a:t>* Neu</a:t>
+            </a:r>
+          </a:p>
+          <a:p>
+            <a:r>
+              <a:rPr lang="de-DE" sz="1600" dirty="0">
+                <a:solidFill>
+                  <a:srgbClr val="00B0F0"/>
+                </a:solidFill>
+              </a:rPr>
+              <a:t>* Nicht Umgesetzt</a:t>
+            </a:r>
+          </a:p>
+        </p:txBody>
+      </p:sp>
       <p:pic>
         <p:nvPicPr>
-          <p:cNvPr id="6" name="Grafik 5">
-            <a:extLst>
-              <a:ext uri="{FF2B5EF4-FFF2-40B4-BE49-F238E27FC236}">
-                <a16:creationId xmlns:a16="http://schemas.microsoft.com/office/drawing/2014/main" id="{9E980817-CCA7-4AF6-A140-C644D3B2726C}"/>
+          <p:cNvPr id="5" name="Grafik 4">
+            <a:extLst>
+              <a:ext uri="{FF2B5EF4-FFF2-40B4-BE49-F238E27FC236}">
+                <a16:creationId xmlns:a16="http://schemas.microsoft.com/office/drawing/2014/main" id="{3E0A5473-6DC7-4A82-B3AE-5BAC80C05C78}"/>
               </a:ext>
             </a:extLst>
           </p:cNvPr>
@@ -14468,68 +14566,19 @@
               </a:ext>
             </a:extLst>
           </a:blip>
-          <a:srcRect l="5551" t="2475" r="1957" b="2570"/>
+          <a:srcRect l="5533" t="1982" r="1785" b="1982"/>
           <a:stretch/>
         </p:blipFill>
         <p:spPr>
           <a:xfrm>
-            <a:off x="4653933" y="504922"/>
-            <a:ext cx="7525710" cy="5440397"/>
+            <a:off x="4670854" y="234780"/>
+            <a:ext cx="7522553" cy="5931245"/>
           </a:xfrm>
           <a:prstGeom prst="rect">
             <a:avLst/>
           </a:prstGeom>
         </p:spPr>
       </p:pic>
-      <p:sp>
-        <p:nvSpPr>
-          <p:cNvPr id="7" name="Textfeld 6">
-            <a:extLst>
-              <a:ext uri="{FF2B5EF4-FFF2-40B4-BE49-F238E27FC236}">
-                <a16:creationId xmlns:a16="http://schemas.microsoft.com/office/drawing/2014/main" id="{C778E632-97A4-4016-B2BF-4995C82A4787}"/>
-              </a:ext>
-            </a:extLst>
-          </p:cNvPr>
-          <p:cNvSpPr txBox="1"/>
-          <p:nvPr/>
-        </p:nvSpPr>
-        <p:spPr>
-          <a:xfrm>
-            <a:off x="5153765" y="6044625"/>
-            <a:ext cx="2521851" cy="584775"/>
-          </a:xfrm>
-          <a:prstGeom prst="rect">
-            <a:avLst/>
-          </a:prstGeom>
-          <a:noFill/>
-        </p:spPr>
-        <p:txBody>
-          <a:bodyPr wrap="square" rtlCol="0">
-            <a:spAutoFit/>
-          </a:bodyPr>
-          <a:lstStyle/>
-          <a:p>
-            <a:r>
-              <a:rPr lang="de-DE" sz="1600" dirty="0">
-                <a:solidFill>
-                  <a:srgbClr val="92D050"/>
-                </a:solidFill>
-              </a:rPr>
-              <a:t>* Neu</a:t>
-            </a:r>
-          </a:p>
-          <a:p>
-            <a:r>
-              <a:rPr lang="de-DE" sz="1600" dirty="0">
-                <a:solidFill>
-                  <a:srgbClr val="00B0F0"/>
-                </a:solidFill>
-              </a:rPr>
-              <a:t>* Nicht Umgesetzt</a:t>
-            </a:r>
-          </a:p>
-        </p:txBody>
-      </p:sp>
     </p:spTree>
     <p:extLst>
       <p:ext uri="{BB962C8B-B14F-4D97-AF65-F5344CB8AC3E}">

--- a/Audits/Audit 4/WS2020_SerttasPlackenhohn_Audit4.pptx
+++ b/Audits/Audit 4/WS2020_SerttasPlackenhohn_Audit4.pptx
@@ -5,10 +5,10 @@
     <p:sldMasterId id="2147483746" r:id="rId1"/>
   </p:sldMasterIdLst>
   <p:notesMasterIdLst>
-    <p:notesMasterId r:id="rId34"/>
+    <p:notesMasterId r:id="rId35"/>
   </p:notesMasterIdLst>
   <p:handoutMasterIdLst>
-    <p:handoutMasterId r:id="rId35"/>
+    <p:handoutMasterId r:id="rId36"/>
   </p:handoutMasterIdLst>
   <p:sldIdLst>
     <p:sldId id="257" r:id="rId2"/>
@@ -17,32 +17,33 @@
     <p:sldId id="261" r:id="rId5"/>
     <p:sldId id="394" r:id="rId6"/>
     <p:sldId id="263" r:id="rId7"/>
-    <p:sldId id="409" r:id="rId8"/>
-    <p:sldId id="420" r:id="rId9"/>
-    <p:sldId id="381" r:id="rId10"/>
-    <p:sldId id="413" r:id="rId11"/>
-    <p:sldId id="416" r:id="rId12"/>
-    <p:sldId id="414" r:id="rId13"/>
-    <p:sldId id="415" r:id="rId14"/>
-    <p:sldId id="400" r:id="rId15"/>
-    <p:sldId id="402" r:id="rId16"/>
-    <p:sldId id="404" r:id="rId17"/>
-    <p:sldId id="405" r:id="rId18"/>
-    <p:sldId id="410" r:id="rId19"/>
-    <p:sldId id="411" r:id="rId20"/>
-    <p:sldId id="412" r:id="rId21"/>
-    <p:sldId id="417" r:id="rId22"/>
-    <p:sldId id="418" r:id="rId23"/>
-    <p:sldId id="419" r:id="rId24"/>
-    <p:sldId id="403" r:id="rId25"/>
-    <p:sldId id="406" r:id="rId26"/>
-    <p:sldId id="407" r:id="rId27"/>
-    <p:sldId id="399" r:id="rId28"/>
-    <p:sldId id="398" r:id="rId29"/>
-    <p:sldId id="396" r:id="rId30"/>
-    <p:sldId id="397" r:id="rId31"/>
-    <p:sldId id="278" r:id="rId32"/>
-    <p:sldId id="271" r:id="rId33"/>
+    <p:sldId id="422" r:id="rId8"/>
+    <p:sldId id="409" r:id="rId9"/>
+    <p:sldId id="420" r:id="rId10"/>
+    <p:sldId id="381" r:id="rId11"/>
+    <p:sldId id="413" r:id="rId12"/>
+    <p:sldId id="416" r:id="rId13"/>
+    <p:sldId id="414" r:id="rId14"/>
+    <p:sldId id="415" r:id="rId15"/>
+    <p:sldId id="400" r:id="rId16"/>
+    <p:sldId id="402" r:id="rId17"/>
+    <p:sldId id="404" r:id="rId18"/>
+    <p:sldId id="405" r:id="rId19"/>
+    <p:sldId id="410" r:id="rId20"/>
+    <p:sldId id="411" r:id="rId21"/>
+    <p:sldId id="412" r:id="rId22"/>
+    <p:sldId id="417" r:id="rId23"/>
+    <p:sldId id="418" r:id="rId24"/>
+    <p:sldId id="419" r:id="rId25"/>
+    <p:sldId id="403" r:id="rId26"/>
+    <p:sldId id="406" r:id="rId27"/>
+    <p:sldId id="407" r:id="rId28"/>
+    <p:sldId id="399" r:id="rId29"/>
+    <p:sldId id="398" r:id="rId30"/>
+    <p:sldId id="396" r:id="rId31"/>
+    <p:sldId id="397" r:id="rId32"/>
+    <p:sldId id="278" r:id="rId33"/>
+    <p:sldId id="271" r:id="rId34"/>
   </p:sldIdLst>
   <p:sldSz cx="12192000" cy="6858000"/>
   <p:notesSz cx="7315200" cy="9601200"/>
@@ -844,6 +845,23 @@
           <a:bodyPr/>
           <a:lstStyle/>
           <a:p>
+            <a:pPr marL="0" marR="0" lvl="0" indent="0" algn="l" defTabSz="914400" rtl="0" eaLnBrk="1" fontAlgn="auto" latinLnBrk="0" hangingPunct="1">
+              <a:lnSpc>
+                <a:spcPct val="100000"/>
+              </a:lnSpc>
+              <a:spcBef>
+                <a:spcPts val="0"/>
+              </a:spcBef>
+              <a:spcAft>
+                <a:spcPts val="0"/>
+              </a:spcAft>
+              <a:buClrTx/>
+              <a:buSzTx/>
+              <a:buFontTx/>
+              <a:buNone/>
+              <a:tabLst/>
+              <a:defRPr/>
+            </a:pPr>
             <a:r>
               <a:rPr lang="de-DE" b="0" i="0" dirty="0">
                 <a:solidFill>
@@ -852,8 +870,30 @@
                 <a:effectLst/>
                 <a:latin typeface="-apple-system"/>
               </a:rPr>
-              <a:t>In der Umfrage werden die Antworten mit 1-3 Punkten bewertet. 3 steht für sehr gut, 2 steht für gut und 1 für schlecht. Hat der Nutzer alle Fragen beantwortet, werden alle Punkte zusammengezählt. Das Ergebnis wird durch die Anzahl der Fragen dividiert. Dadurch ergibt sich der Durchschnitt (das Stresslevel) für einen Monat.</a:t>
-            </a:r>
+              <a:t>Bei der täglichen Befragung mit den Smileys werden die Antworten mit 1-5 Punkten bewertet. </a:t>
+            </a:r>
+            <a:br>
+              <a:rPr lang="de-DE" b="0" i="0" dirty="0">
+                <a:solidFill>
+                  <a:srgbClr val="000000"/>
+                </a:solidFill>
+                <a:effectLst/>
+                <a:latin typeface="-apple-system"/>
+              </a:rPr>
+            </a:br>
+            <a:r>
+              <a:rPr lang="de-DE" b="0" i="0" dirty="0">
+                <a:solidFill>
+                  <a:srgbClr val="000000"/>
+                </a:solidFill>
+                <a:effectLst/>
+                <a:latin typeface="-apple-system"/>
+              </a:rPr>
+              <a:t>Bei der Frage mit „ja/nein“ wird „ja=4“ und „nein=2“ bewertet. Ja wird hier mit einer 4 bewertet, da es eine höhere Gewichtung haben soll. Nein wird dafür mit einer 2 bewertet. Hat der Nutzer alle Fragen beantwortet und anschließend auf Speichern gedrückt, werden alle Punkte zusammengezählt. Das Ergebnis wird durch die Anzahl der Fragen dividiert. Dadurch ergibt sich der Durchschnitt (das Stresslevel) für den Tag. Diese Werte fließen dann zuerst in die Datenbank und von da in die Wöchentliche Auswertung.</a:t>
+            </a:r>
+            <a:endParaRPr lang="de-DE" dirty="0"/>
+          </a:p>
+          <a:p>
             <a:endParaRPr lang="de-DE" dirty="0"/>
           </a:p>
         </p:txBody>
@@ -909,7 +949,7 @@
     </p:spTree>
     <p:extLst>
       <p:ext uri="{BB962C8B-B14F-4D97-AF65-F5344CB8AC3E}">
-        <p14:creationId xmlns:p14="http://schemas.microsoft.com/office/powerpoint/2010/main" val="4178868877"/>
+        <p14:creationId xmlns:p14="http://schemas.microsoft.com/office/powerpoint/2010/main" val="1025756278"/>
       </p:ext>
     </p:extLst>
   </p:cSld>
@@ -963,6 +1003,16 @@
           <a:bodyPr/>
           <a:lstStyle/>
           <a:p>
+            <a:r>
+              <a:rPr lang="de-DE" b="0" i="0" dirty="0">
+                <a:solidFill>
+                  <a:srgbClr val="000000"/>
+                </a:solidFill>
+                <a:effectLst/>
+                <a:latin typeface="-apple-system"/>
+              </a:rPr>
+              <a:t>In der Umfrage werden die Antworten mit 1-3 Punkten bewertet. 3 steht für sehr gut, 2 steht für gut und 1 für schlecht. Hat der Nutzer alle Fragen beantwortet, werden alle Punkte zusammengezählt. Das Ergebnis wird durch die Anzahl der Fragen dividiert. Dadurch ergibt sich der Durchschnitt (das Stresslevel) für einen Monat.</a:t>
+            </a:r>
             <a:endParaRPr lang="de-DE" dirty="0"/>
           </a:p>
         </p:txBody>
@@ -983,7 +1033,7 @@
           <a:lstStyle/>
           <a:p>
             <a:pPr rtl="0"/>
-            <a:fld id="{7DA48DE9-247B-4EBD-A14B-36988774F377}" type="datetime1">
+            <a:fld id="{2FFCA530-3DC9-43D3-93A9-C974C34E1DD6}" type="datetime1">
               <a:rPr lang="de-DE" smtClean="0"/>
               <a:t>19.02.2021</a:t>
             </a:fld>
@@ -1018,7 +1068,7 @@
     </p:spTree>
     <p:extLst>
       <p:ext uri="{BB962C8B-B14F-4D97-AF65-F5344CB8AC3E}">
-        <p14:creationId xmlns:p14="http://schemas.microsoft.com/office/powerpoint/2010/main" val="1348172016"/>
+        <p14:creationId xmlns:p14="http://schemas.microsoft.com/office/powerpoint/2010/main" val="4178868877"/>
       </p:ext>
     </p:extLst>
   </p:cSld>
@@ -1072,17 +1122,7 @@
           <a:bodyPr/>
           <a:lstStyle/>
           <a:p>
-            <a:r>
-              <a:rPr lang="de-DE" dirty="0"/>
-              <a:t>Hier sieht man das ER-Diagramm für die monatliche Umfrage.</a:t>
-            </a:r>
-            <a:br>
-              <a:rPr lang="de-DE" dirty="0"/>
-            </a:br>
-            <a:r>
-              <a:rPr lang="de-DE" dirty="0"/>
-              <a:t>Das ER-Diagramm hilft uns bei der Umsetzung.</a:t>
-            </a:r>
+            <a:endParaRPr lang="de-DE" dirty="0"/>
           </a:p>
         </p:txBody>
       </p:sp>
@@ -1102,7 +1142,7 @@
           <a:lstStyle/>
           <a:p>
             <a:pPr rtl="0"/>
-            <a:fld id="{2FFCA530-3DC9-43D3-93A9-C974C34E1DD6}" type="datetime1">
+            <a:fld id="{7DA48DE9-247B-4EBD-A14B-36988774F377}" type="datetime1">
               <a:rPr lang="de-DE" smtClean="0"/>
               <a:t>19.02.2021</a:t>
             </a:fld>
@@ -1137,7 +1177,7 @@
     </p:spTree>
     <p:extLst>
       <p:ext uri="{BB962C8B-B14F-4D97-AF65-F5344CB8AC3E}">
-        <p14:creationId xmlns:p14="http://schemas.microsoft.com/office/powerpoint/2010/main" val="1975399380"/>
+        <p14:creationId xmlns:p14="http://schemas.microsoft.com/office/powerpoint/2010/main" val="1348172016"/>
       </p:ext>
     </p:extLst>
   </p:cSld>
@@ -1193,7 +1233,14 @@
           <a:p>
             <a:r>
               <a:rPr lang="de-DE" dirty="0"/>
-              <a:t>Hier haben wir das ER-Diagramm in der Datenbank umgesetzt.</a:t>
+              <a:t>Hier sieht man das ER-Diagramm für die monatliche Umfrage.</a:t>
+            </a:r>
+            <a:br>
+              <a:rPr lang="de-DE" dirty="0"/>
+            </a:br>
+            <a:r>
+              <a:rPr lang="de-DE" dirty="0"/>
+              <a:t>Das ER-Diagramm hilft uns bei der Umsetzung.</a:t>
             </a:r>
           </a:p>
         </p:txBody>
@@ -1249,7 +1296,7 @@
     </p:spTree>
     <p:extLst>
       <p:ext uri="{BB962C8B-B14F-4D97-AF65-F5344CB8AC3E}">
-        <p14:creationId xmlns:p14="http://schemas.microsoft.com/office/powerpoint/2010/main" val="3212896286"/>
+        <p14:creationId xmlns:p14="http://schemas.microsoft.com/office/powerpoint/2010/main" val="1975399380"/>
       </p:ext>
     </p:extLst>
   </p:cSld>
@@ -1303,7 +1350,10 @@
           <a:bodyPr/>
           <a:lstStyle/>
           <a:p>
-            <a:endParaRPr lang="de-DE" dirty="0"/>
+            <a:r>
+              <a:rPr lang="de-DE" dirty="0"/>
+              <a:t>Hier haben wir das ER-Diagramm in der Datenbank umgesetzt.</a:t>
+            </a:r>
           </a:p>
         </p:txBody>
       </p:sp>
@@ -1358,7 +1408,7 @@
     </p:spTree>
     <p:extLst>
       <p:ext uri="{BB962C8B-B14F-4D97-AF65-F5344CB8AC3E}">
-        <p14:creationId xmlns:p14="http://schemas.microsoft.com/office/powerpoint/2010/main" val="3059377493"/>
+        <p14:creationId xmlns:p14="http://schemas.microsoft.com/office/powerpoint/2010/main" val="3212896286"/>
       </p:ext>
     </p:extLst>
   </p:cSld>
@@ -1412,36 +1462,6 @@
           <a:bodyPr/>
           <a:lstStyle/>
           <a:p>
-            <a:pPr marL="0" marR="0" lvl="0" indent="0" algn="l" defTabSz="914400" rtl="0" eaLnBrk="1" fontAlgn="auto" latinLnBrk="0" hangingPunct="1">
-              <a:lnSpc>
-                <a:spcPct val="100000"/>
-              </a:lnSpc>
-              <a:spcBef>
-                <a:spcPts val="0"/>
-              </a:spcBef>
-              <a:spcAft>
-                <a:spcPts val="0"/>
-              </a:spcAft>
-              <a:buClrTx/>
-              <a:buSzTx/>
-              <a:buFontTx/>
-              <a:buNone/>
-              <a:tabLst/>
-              <a:defRPr/>
-            </a:pPr>
-            <a:r>
-              <a:rPr lang="de-DE" dirty="0"/>
-              <a:t>Hier sieht man das ER-Diagramm für die tägliche Befragung.</a:t>
-            </a:r>
-            <a:br>
-              <a:rPr lang="de-DE" dirty="0"/>
-            </a:br>
-            <a:r>
-              <a:rPr lang="de-DE" dirty="0"/>
-              <a:t>Das ER-Diagramm hilft uns bei der Umsetzung.</a:t>
-            </a:r>
-          </a:p>
-          <a:p>
             <a:endParaRPr lang="de-DE" dirty="0"/>
           </a:p>
         </p:txBody>
@@ -1497,7 +1517,7 @@
     </p:spTree>
     <p:extLst>
       <p:ext uri="{BB962C8B-B14F-4D97-AF65-F5344CB8AC3E}">
-        <p14:creationId xmlns:p14="http://schemas.microsoft.com/office/powerpoint/2010/main" val="1632386750"/>
+        <p14:creationId xmlns:p14="http://schemas.microsoft.com/office/powerpoint/2010/main" val="3059377493"/>
       </p:ext>
     </p:extLst>
   </p:cSld>
@@ -1570,7 +1590,14 @@
             </a:pPr>
             <a:r>
               <a:rPr lang="de-DE" dirty="0"/>
-              <a:t>Hier haben wir das ER-Diagramm in der Datenbank umgesetzt.</a:t>
+              <a:t>Hier sieht man das ER-Diagramm für die tägliche Befragung.</a:t>
+            </a:r>
+            <a:br>
+              <a:rPr lang="de-DE" dirty="0"/>
+            </a:br>
+            <a:r>
+              <a:rPr lang="de-DE" dirty="0"/>
+              <a:t>Das ER-Diagramm hilft uns bei der Umsetzung.</a:t>
             </a:r>
           </a:p>
           <a:p>
@@ -1629,7 +1656,7 @@
     </p:spTree>
     <p:extLst>
       <p:ext uri="{BB962C8B-B14F-4D97-AF65-F5344CB8AC3E}">
-        <p14:creationId xmlns:p14="http://schemas.microsoft.com/office/powerpoint/2010/main" val="510249277"/>
+        <p14:creationId xmlns:p14="http://schemas.microsoft.com/office/powerpoint/2010/main" val="1632386750"/>
       </p:ext>
     </p:extLst>
   </p:cSld>
@@ -1702,14 +1729,7 @@
             </a:pPr>
             <a:r>
               <a:rPr lang="de-DE" dirty="0"/>
-              <a:t>Hier sieht man das ER-Diagramm für das Trinkverhalten.</a:t>
-            </a:r>
-            <a:br>
-              <a:rPr lang="de-DE" dirty="0"/>
-            </a:br>
-            <a:r>
-              <a:rPr lang="de-DE" dirty="0"/>
-              <a:t>Das ER-Diagramm hilft uns bei der Umsetzung.</a:t>
+              <a:t>Hier haben wir das ER-Diagramm in der Datenbank umgesetzt.</a:t>
             </a:r>
           </a:p>
           <a:p>
@@ -1759,7 +1779,7 @@
             <a:pPr rtl="0"/>
             <a:fld id="{9C2B151B-D7D1-48E5-8230-5AADBC794F88}" type="slidenum">
               <a:rPr lang="en-US" smtClean="0"/>
-              <a:t>21</a:t>
+              <a:t>20</a:t>
             </a:fld>
             <a:endParaRPr lang="en-US"/>
           </a:p>
@@ -1768,7 +1788,7 @@
     </p:spTree>
     <p:extLst>
       <p:ext uri="{BB962C8B-B14F-4D97-AF65-F5344CB8AC3E}">
-        <p14:creationId xmlns:p14="http://schemas.microsoft.com/office/powerpoint/2010/main" val="1375860725"/>
+        <p14:creationId xmlns:p14="http://schemas.microsoft.com/office/powerpoint/2010/main" val="510249277"/>
       </p:ext>
     </p:extLst>
   </p:cSld>
@@ -1841,7 +1861,14 @@
             </a:pPr>
             <a:r>
               <a:rPr lang="de-DE" dirty="0"/>
-              <a:t>Hier haben wir das ER-Diagramm in der Datenbank umgesetzt.</a:t>
+              <a:t>Hier sieht man das ER-Diagramm für das Trinkverhalten.</a:t>
+            </a:r>
+            <a:br>
+              <a:rPr lang="de-DE" dirty="0"/>
+            </a:br>
+            <a:r>
+              <a:rPr lang="de-DE" dirty="0"/>
+              <a:t>Das ER-Diagramm hilft uns bei der Umsetzung.</a:t>
             </a:r>
           </a:p>
           <a:p>
@@ -1900,7 +1927,7 @@
     </p:spTree>
     <p:extLst>
       <p:ext uri="{BB962C8B-B14F-4D97-AF65-F5344CB8AC3E}">
-        <p14:creationId xmlns:p14="http://schemas.microsoft.com/office/powerpoint/2010/main" val="1830706783"/>
+        <p14:creationId xmlns:p14="http://schemas.microsoft.com/office/powerpoint/2010/main" val="1375860725"/>
       </p:ext>
     </p:extLst>
   </p:cSld>
@@ -1973,14 +2000,7 @@
             </a:pPr>
             <a:r>
               <a:rPr lang="de-DE" dirty="0"/>
-              <a:t>Hier sieht man das ER-Diagramm für die Favoriten.</a:t>
-            </a:r>
-            <a:br>
-              <a:rPr lang="de-DE" dirty="0"/>
-            </a:br>
-            <a:r>
-              <a:rPr lang="de-DE" dirty="0"/>
-              <a:t>Leider haben wir es zeitlich nicht geschafft die Favoriten umzusetzen, wollten aber schon mal ein ER-Diagramm erstellen, damit klar ist, wie wir dies umgesetzt hätten.</a:t>
+              <a:t>Hier haben wir das ER-Diagramm in der Datenbank umgesetzt.</a:t>
             </a:r>
           </a:p>
           <a:p>
@@ -2030,7 +2050,7 @@
             <a:pPr rtl="0"/>
             <a:fld id="{9C2B151B-D7D1-48E5-8230-5AADBC794F88}" type="slidenum">
               <a:rPr lang="en-US" smtClean="0"/>
-              <a:t>24</a:t>
+              <a:t>23</a:t>
             </a:fld>
             <a:endParaRPr lang="en-US"/>
           </a:p>
@@ -2039,7 +2059,7 @@
     </p:spTree>
     <p:extLst>
       <p:ext uri="{BB962C8B-B14F-4D97-AF65-F5344CB8AC3E}">
-        <p14:creationId xmlns:p14="http://schemas.microsoft.com/office/powerpoint/2010/main" val="992739036"/>
+        <p14:creationId xmlns:p14="http://schemas.microsoft.com/office/powerpoint/2010/main" val="1830706783"/>
       </p:ext>
     </p:extLst>
   </p:cSld>
@@ -2221,7 +2241,14 @@
             </a:pPr>
             <a:r>
               <a:rPr lang="de-DE" dirty="0"/>
-              <a:t>Hier haben wir das ER-Diagramm in der Datenbank umgesetzt.</a:t>
+              <a:t>Hier sieht man das ER-Diagramm für die Favoriten.</a:t>
+            </a:r>
+            <a:br>
+              <a:rPr lang="de-DE" dirty="0"/>
+            </a:br>
+            <a:r>
+              <a:rPr lang="de-DE" dirty="0"/>
+              <a:t>Leider haben wir es zeitlich nicht geschafft die Favoriten umzusetzen, wollten aber schon mal ein ER-Diagramm erstellen, damit klar ist, wie wir dies umgesetzt hätten.</a:t>
             </a:r>
           </a:p>
           <a:p>
@@ -2280,7 +2307,7 @@
     </p:spTree>
     <p:extLst>
       <p:ext uri="{BB962C8B-B14F-4D97-AF65-F5344CB8AC3E}">
-        <p14:creationId xmlns:p14="http://schemas.microsoft.com/office/powerpoint/2010/main" val="3451957729"/>
+        <p14:creationId xmlns:p14="http://schemas.microsoft.com/office/powerpoint/2010/main" val="992739036"/>
       </p:ext>
     </p:extLst>
   </p:cSld>
@@ -2334,6 +2361,29 @@
           <a:bodyPr/>
           <a:lstStyle/>
           <a:p>
+            <a:pPr marL="0" marR="0" lvl="0" indent="0" algn="l" defTabSz="914400" rtl="0" eaLnBrk="1" fontAlgn="auto" latinLnBrk="0" hangingPunct="1">
+              <a:lnSpc>
+                <a:spcPct val="100000"/>
+              </a:lnSpc>
+              <a:spcBef>
+                <a:spcPts val="0"/>
+              </a:spcBef>
+              <a:spcAft>
+                <a:spcPts val="0"/>
+              </a:spcAft>
+              <a:buClrTx/>
+              <a:buSzTx/>
+              <a:buFontTx/>
+              <a:buNone/>
+              <a:tabLst/>
+              <a:defRPr/>
+            </a:pPr>
+            <a:r>
+              <a:rPr lang="de-DE" dirty="0"/>
+              <a:t>Hier haben wir das ER-Diagramm in der Datenbank umgesetzt.</a:t>
+            </a:r>
+          </a:p>
+          <a:p>
             <a:endParaRPr lang="de-DE" dirty="0"/>
           </a:p>
         </p:txBody>
@@ -2354,7 +2404,7 @@
           <a:lstStyle/>
           <a:p>
             <a:pPr rtl="0"/>
-            <a:fld id="{7DA48DE9-247B-4EBD-A14B-36988774F377}" type="datetime1">
+            <a:fld id="{2FFCA530-3DC9-43D3-93A9-C974C34E1DD6}" type="datetime1">
               <a:rPr lang="de-DE" smtClean="0"/>
               <a:t>19.02.2021</a:t>
             </a:fld>
@@ -2380,7 +2430,7 @@
             <a:pPr rtl="0"/>
             <a:fld id="{9C2B151B-D7D1-48E5-8230-5AADBC794F88}" type="slidenum">
               <a:rPr lang="en-US" smtClean="0"/>
-              <a:t>27</a:t>
+              <a:t>26</a:t>
             </a:fld>
             <a:endParaRPr lang="en-US"/>
           </a:p>
@@ -2389,7 +2439,7 @@
     </p:spTree>
     <p:extLst>
       <p:ext uri="{BB962C8B-B14F-4D97-AF65-F5344CB8AC3E}">
-        <p14:creationId xmlns:p14="http://schemas.microsoft.com/office/powerpoint/2010/main" val="3240579109"/>
+        <p14:creationId xmlns:p14="http://schemas.microsoft.com/office/powerpoint/2010/main" val="3451957729"/>
       </p:ext>
     </p:extLst>
   </p:cSld>
@@ -2443,30 +2493,7 @@
           <a:bodyPr/>
           <a:lstStyle/>
           <a:p>
-            <a:r>
-              <a:rPr lang="de-DE" dirty="0"/>
-              <a:t>Da wir die Zielhierarchie überarbeitet haben und jetzt „Strategische Ziele“, „Taktische Ziele“ und „Operative Ziele“ haben, haben wir dies noch mal mit reingenommen. </a:t>
-            </a:r>
-          </a:p>
-          <a:p>
-            <a:r>
-              <a:rPr lang="de-DE" dirty="0"/>
-              <a:t>Mit den strategischen Zielen legen wir fest, was wir auf langfristiger Sicht erreichen möchten. </a:t>
-            </a:r>
-            <a:br>
-              <a:rPr lang="de-DE" dirty="0"/>
-            </a:br>
-            <a:r>
-              <a:rPr lang="de-DE" dirty="0"/>
-              <a:t>Mit den taktischen Zielen legen wir fest, wie die strategischen Ziele erreicht werden sollen.</a:t>
-            </a:r>
-            <a:br>
-              <a:rPr lang="de-DE" dirty="0"/>
-            </a:br>
-            <a:r>
-              <a:rPr lang="de-DE" dirty="0"/>
-              <a:t>Mit den operativen Zielen legen wir fest, wodurch wir unsere strategischen Ziele erreichen können.</a:t>
-            </a:r>
+            <a:endParaRPr lang="de-DE" dirty="0"/>
           </a:p>
         </p:txBody>
       </p:sp>
@@ -2486,7 +2513,7 @@
           <a:lstStyle/>
           <a:p>
             <a:pPr rtl="0"/>
-            <a:fld id="{920421C8-A15E-4073-98D7-7FDA934C0210}" type="datetime1">
+            <a:fld id="{7DA48DE9-247B-4EBD-A14B-36988774F377}" type="datetime1">
               <a:rPr lang="de-DE" smtClean="0"/>
               <a:t>19.02.2021</a:t>
             </a:fld>
@@ -2521,7 +2548,7 @@
     </p:spTree>
     <p:extLst>
       <p:ext uri="{BB962C8B-B14F-4D97-AF65-F5344CB8AC3E}">
-        <p14:creationId xmlns:p14="http://schemas.microsoft.com/office/powerpoint/2010/main" val="1085079460"/>
+        <p14:creationId xmlns:p14="http://schemas.microsoft.com/office/powerpoint/2010/main" val="3240579109"/>
       </p:ext>
     </p:extLst>
   </p:cSld>
@@ -2577,14 +2604,27 @@
           <a:p>
             <a:r>
               <a:rPr lang="de-DE" dirty="0"/>
-              <a:t>Hier sieht man noch mal die von der Zielhierarchie umgesetzten Punkte. </a:t>
+              <a:t>Da wir die Zielhierarchie überarbeitet haben und jetzt „Strategische Ziele“, „Taktische Ziele“ und „Operative Ziele“ haben, haben wir dies noch mal mit reingenommen. </a:t>
+            </a:r>
+          </a:p>
+          <a:p>
+            <a:r>
+              <a:rPr lang="de-DE" dirty="0"/>
+              <a:t>Mit den strategischen Zielen legen wir fest, was wir auf langfristiger Sicht erreichen möchten. </a:t>
             </a:r>
             <a:br>
               <a:rPr lang="de-DE" dirty="0"/>
             </a:br>
             <a:r>
               <a:rPr lang="de-DE" dirty="0"/>
-              <a:t>Ebenfalls sieht man, was noch umgesetzt wurde. So hat man einen besseren Überblick, was wir geschafft haben.</a:t>
+              <a:t>Mit den taktischen Zielen legen wir fest, wie die strategischen Ziele erreicht werden sollen.</a:t>
+            </a:r>
+            <a:br>
+              <a:rPr lang="de-DE" dirty="0"/>
+            </a:br>
+            <a:r>
+              <a:rPr lang="de-DE" dirty="0"/>
+              <a:t>Mit den operativen Zielen legen wir fest, wodurch wir unsere strategischen Ziele erreichen können.</a:t>
             </a:r>
           </a:p>
         </p:txBody>
@@ -2605,7 +2645,7 @@
           <a:lstStyle/>
           <a:p>
             <a:pPr rtl="0"/>
-            <a:fld id="{88DACA00-B485-48AE-971E-CC6E1280CD66}" type="datetime1">
+            <a:fld id="{920421C8-A15E-4073-98D7-7FDA934C0210}" type="datetime1">
               <a:rPr lang="de-DE" smtClean="0"/>
               <a:t>19.02.2021</a:t>
             </a:fld>
@@ -2640,7 +2680,7 @@
     </p:spTree>
     <p:extLst>
       <p:ext uri="{BB962C8B-B14F-4D97-AF65-F5344CB8AC3E}">
-        <p14:creationId xmlns:p14="http://schemas.microsoft.com/office/powerpoint/2010/main" val="749225946"/>
+        <p14:creationId xmlns:p14="http://schemas.microsoft.com/office/powerpoint/2010/main" val="1085079460"/>
       </p:ext>
     </p:extLst>
   </p:cSld>
@@ -2696,51 +2736,15 @@
           <a:p>
             <a:r>
               <a:rPr lang="de-DE" dirty="0"/>
-              <a:t>Hier findet man noch einmal einen Ausblick, um das System noch mehr zu personalisieren.</a:t>
-            </a:r>
-          </a:p>
-          <a:p>
-            <a:endParaRPr lang="de-DE" dirty="0"/>
-          </a:p>
-          <a:p>
-            <a:r>
-              <a:rPr lang="de-DE" dirty="0"/>
-              <a:t>Die Favoriten helfen den Endnutzer schneller auf seine Lieblings Apps und Übungen zuzugreifen.</a:t>
-            </a:r>
-          </a:p>
-          <a:p>
+              <a:t>Hier sieht man noch mal die von der Zielhierarchie umgesetzten Punkte. </a:t>
+            </a:r>
             <a:br>
               <a:rPr lang="de-DE" dirty="0"/>
             </a:br>
             <a:r>
               <a:rPr lang="de-DE" dirty="0"/>
-              <a:t>Es soll einen Kalender geben, in dem der Nutzer seine Termine eintragen kann. Ebenfalls kann eingestellt werden, ob er vorher an den Termin erinnert werden möchte (Minuten, Stunden, Tage).</a:t>
-            </a:r>
-          </a:p>
-          <a:p>
-            <a:r>
-              <a:rPr lang="de-DE" dirty="0"/>
-              <a:t>In dem Kalender sollen die Sonnenaufgangs und Sonnenuntergangs Zeiten hinterlegt werden, sowie die Mondphasen. Wenn der Endnutzer Probleme hat im hellen zu schlafen, kann er sich die Sonnenuntergangs und Sonnenaufgangszeiten ansehen und nach den Zeiten schlafen gehen. </a:t>
-            </a:r>
-            <a:br>
-              <a:rPr lang="de-DE" dirty="0"/>
-            </a:br>
-            <a:r>
-              <a:rPr lang="de-DE" dirty="0"/>
-              <a:t>Hat der Endnutzer Probleme bei Vollmond zu schlafen, kann er sich die Mondphasen in dem Kalender anzeigen lassen und sich auf die Nacht vorbereiten. </a:t>
-            </a:r>
-          </a:p>
-          <a:p>
-            <a:endParaRPr lang="de-DE" dirty="0"/>
-          </a:p>
-          <a:p>
-            <a:r>
-              <a:rPr lang="de-DE" dirty="0"/>
-              <a:t>In der Auswertung werden verschiedene Punkte angezeigt, an den Tagen, an dem der Endnutzer an der Umfrage/ der Literangabe teilgenommen hat. Wenn man auf einen dieser Punkte klickt, soll sich der Endnutzer Notizen machen können. Wenn der Punkt von dem Endnutzer an dem Tag im unteren Bereich liegt, kann er sich z.B. Notizen dazu machen, warum er an dem Tag so viel Stress hatte.</a:t>
-            </a:r>
-          </a:p>
-          <a:p>
-            <a:endParaRPr lang="de-DE" dirty="0"/>
+              <a:t>Ebenfalls sieht man, was noch umgesetzt wurde. So hat man einen besseren Überblick, was wir geschafft haben.</a:t>
+            </a:r>
           </a:p>
         </p:txBody>
       </p:sp>
@@ -2795,7 +2799,7 @@
     </p:spTree>
     <p:extLst>
       <p:ext uri="{BB962C8B-B14F-4D97-AF65-F5344CB8AC3E}">
-        <p14:creationId xmlns:p14="http://schemas.microsoft.com/office/powerpoint/2010/main" val="1093773272"/>
+        <p14:creationId xmlns:p14="http://schemas.microsoft.com/office/powerpoint/2010/main" val="749225946"/>
       </p:ext>
     </p:extLst>
   </p:cSld>
@@ -2849,8 +2853,54 @@
           <a:bodyPr/>
           <a:lstStyle/>
           <a:p>
+            <a:r>
+              <a:rPr lang="de-DE" dirty="0"/>
+              <a:t>Hier findet man noch einmal einen Ausblick, um das System noch mehr zu personalisieren.</a:t>
+            </a:r>
+          </a:p>
+          <a:p>
             <a:endParaRPr lang="de-DE" dirty="0"/>
           </a:p>
+          <a:p>
+            <a:r>
+              <a:rPr lang="de-DE" dirty="0"/>
+              <a:t>Die Favoriten helfen den Endnutzer schneller auf seine Lieblings Apps und Übungen zuzugreifen.</a:t>
+            </a:r>
+          </a:p>
+          <a:p>
+            <a:br>
+              <a:rPr lang="de-DE" dirty="0"/>
+            </a:br>
+            <a:r>
+              <a:rPr lang="de-DE" dirty="0"/>
+              <a:t>Es soll einen Kalender geben, in dem der Nutzer seine Termine eintragen kann. Ebenfalls kann eingestellt werden, ob er vorher an den Termin erinnert werden möchte (Minuten, Stunden, Tage).</a:t>
+            </a:r>
+          </a:p>
+          <a:p>
+            <a:r>
+              <a:rPr lang="de-DE" dirty="0"/>
+              <a:t>In dem Kalender sollen die Sonnenaufgangs und Sonnenuntergangs Zeiten hinterlegt werden, sowie die Mondphasen. Wenn der Endnutzer Probleme hat im hellen zu schlafen, kann er sich die Sonnenuntergangs und Sonnenaufgangszeiten ansehen und nach den Zeiten schlafen gehen. </a:t>
+            </a:r>
+            <a:br>
+              <a:rPr lang="de-DE" dirty="0"/>
+            </a:br>
+            <a:r>
+              <a:rPr lang="de-DE" dirty="0"/>
+              <a:t>Hat der Endnutzer Probleme bei Vollmond zu schlafen, kann er sich die Mondphasen in dem Kalender anzeigen lassen und sich auf die Nacht vorbereiten. </a:t>
+            </a:r>
+          </a:p>
+          <a:p>
+            <a:endParaRPr lang="de-DE" dirty="0"/>
+          </a:p>
+          <a:p>
+            <a:r>
+              <a:rPr lang="de-DE" dirty="0"/>
+              <a:t>In der Auswertung werden verschiedene Punkte angezeigt, an den Tagen, an dem der Endnutzer an der Umfrage/ der Literangabe teilgenommen hat. Wenn man auf einen dieser Punkte klickt, soll sich der Endnutzer Notizen machen können. Wenn der Punkt von dem Endnutzer an dem Tag im unteren Bereich liegt, kann er sich z.B. Notizen dazu machen, warum er an dem Tag so viel Stress hatte.</a:t>
+            </a:r>
+          </a:p>
+          <a:p>
+            <a:endParaRPr lang="de-DE" dirty="0"/>
+          </a:p>
         </p:txBody>
       </p:sp>
       <p:sp>
@@ -2869,7 +2919,7 @@
           <a:lstStyle/>
           <a:p>
             <a:pPr rtl="0"/>
-            <a:fld id="{8C960F41-ADA3-4592-A6B6-979750556945}" type="datetime1">
+            <a:fld id="{88DACA00-B485-48AE-971E-CC6E1280CD66}" type="datetime1">
               <a:rPr lang="de-DE" smtClean="0"/>
               <a:t>19.02.2021</a:t>
             </a:fld>
@@ -2904,7 +2954,7 @@
     </p:spTree>
     <p:extLst>
       <p:ext uri="{BB962C8B-B14F-4D97-AF65-F5344CB8AC3E}">
-        <p14:creationId xmlns:p14="http://schemas.microsoft.com/office/powerpoint/2010/main" val="169757941"/>
+        <p14:creationId xmlns:p14="http://schemas.microsoft.com/office/powerpoint/2010/main" val="1093773272"/>
       </p:ext>
     </p:extLst>
   </p:cSld>
@@ -2978,6 +3028,115 @@
           <a:lstStyle/>
           <a:p>
             <a:pPr rtl="0"/>
+            <a:fld id="{8C960F41-ADA3-4592-A6B6-979750556945}" type="datetime1">
+              <a:rPr lang="de-DE" smtClean="0"/>
+              <a:t>19.02.2021</a:t>
+            </a:fld>
+            <a:endParaRPr lang="en-US"/>
+          </a:p>
+        </p:txBody>
+      </p:sp>
+      <p:sp>
+        <p:nvSpPr>
+          <p:cNvPr id="5" name="Foliennummernplatzhalter 4"/>
+          <p:cNvSpPr>
+            <a:spLocks noGrp="1"/>
+          </p:cNvSpPr>
+          <p:nvPr>
+            <p:ph type="sldNum" sz="quarter" idx="5"/>
+          </p:nvPr>
+        </p:nvSpPr>
+        <p:spPr/>
+        <p:txBody>
+          <a:bodyPr/>
+          <a:lstStyle/>
+          <a:p>
+            <a:pPr rtl="0"/>
+            <a:fld id="{9C2B151B-D7D1-48E5-8230-5AADBC794F88}" type="slidenum">
+              <a:rPr lang="en-US" smtClean="0"/>
+              <a:t>32</a:t>
+            </a:fld>
+            <a:endParaRPr lang="en-US"/>
+          </a:p>
+        </p:txBody>
+      </p:sp>
+    </p:spTree>
+    <p:extLst>
+      <p:ext uri="{BB962C8B-B14F-4D97-AF65-F5344CB8AC3E}">
+        <p14:creationId xmlns:p14="http://schemas.microsoft.com/office/powerpoint/2010/main" val="169757941"/>
+      </p:ext>
+    </p:extLst>
+  </p:cSld>
+  <p:clrMapOvr>
+    <a:masterClrMapping/>
+  </p:clrMapOvr>
+</p:notes>
+</file>
+
+<file path=ppt/notesSlides/notesSlide27.xml><?xml version="1.0" encoding="utf-8"?>
+<p:notes xmlns:a="http://schemas.openxmlformats.org/drawingml/2006/main" xmlns:r="http://schemas.openxmlformats.org/officeDocument/2006/relationships" xmlns:p="http://schemas.openxmlformats.org/presentationml/2006/main">
+  <p:cSld>
+    <p:spTree>
+      <p:nvGrpSpPr>
+        <p:cNvPr id="1" name=""/>
+        <p:cNvGrpSpPr/>
+        <p:nvPr/>
+      </p:nvGrpSpPr>
+      <p:grpSpPr>
+        <a:xfrm>
+          <a:off x="0" y="0"/>
+          <a:ext cx="0" cy="0"/>
+          <a:chOff x="0" y="0"/>
+          <a:chExt cx="0" cy="0"/>
+        </a:xfrm>
+      </p:grpSpPr>
+      <p:sp>
+        <p:nvSpPr>
+          <p:cNvPr id="2" name="Folienbildplatzhalter 1"/>
+          <p:cNvSpPr>
+            <a:spLocks noGrp="1" noRot="1" noChangeAspect="1"/>
+          </p:cNvSpPr>
+          <p:nvPr>
+            <p:ph type="sldImg"/>
+          </p:nvPr>
+        </p:nvSpPr>
+        <p:spPr/>
+      </p:sp>
+      <p:sp>
+        <p:nvSpPr>
+          <p:cNvPr id="3" name="Notizenplatzhalter 2"/>
+          <p:cNvSpPr>
+            <a:spLocks noGrp="1"/>
+          </p:cNvSpPr>
+          <p:nvPr>
+            <p:ph type="body" idx="1"/>
+          </p:nvPr>
+        </p:nvSpPr>
+        <p:spPr/>
+        <p:txBody>
+          <a:bodyPr/>
+          <a:lstStyle/>
+          <a:p>
+            <a:endParaRPr lang="de-DE" dirty="0"/>
+          </a:p>
+        </p:txBody>
+      </p:sp>
+      <p:sp>
+        <p:nvSpPr>
+          <p:cNvPr id="4" name="Datumsplatzhalter 3"/>
+          <p:cNvSpPr>
+            <a:spLocks noGrp="1"/>
+          </p:cNvSpPr>
+          <p:nvPr>
+            <p:ph type="dt" idx="1"/>
+          </p:nvPr>
+        </p:nvSpPr>
+        <p:spPr/>
+        <p:txBody>
+          <a:bodyPr/>
+          <a:lstStyle/>
+          <a:p>
+            <a:pPr rtl="0"/>
             <a:fld id="{05F945F2-6878-48BF-B08F-BD6E79E1CDD8}" type="datetime1">
               <a:rPr lang="de-DE" smtClean="0"/>
               <a:t>19.02.2021</a:t>
@@ -3004,7 +3163,7 @@
             <a:pPr rtl="0"/>
             <a:fld id="{9C2B151B-D7D1-48E5-8230-5AADBC794F88}" type="slidenum">
               <a:rPr lang="en-US" smtClean="0"/>
-              <a:t>32</a:t>
+              <a:t>33</a:t>
             </a:fld>
             <a:endParaRPr lang="en-US"/>
           </a:p>
@@ -3263,87 +3422,49 @@
           <a:lstStyle/>
           <a:p>
             <a:r>
-              <a:rPr lang="de-DE" b="0" i="0" dirty="0">
-                <a:solidFill>
-                  <a:srgbClr val="24292E"/>
-                </a:solidFill>
-                <a:effectLst/>
-                <a:latin typeface="-apple-system"/>
-              </a:rPr>
-              <a:t>Bis auf die Favoriten, dem Mondkalender und das Notizenfeld für den Nutzer, wurden alle Funktionen implementiert, daher sind die 2 Funktionen in dem allgemeinen Use-Case "</a:t>
-            </a:r>
-            <a:r>
-              <a:rPr lang="de-DE" b="0" i="0" u="sng" dirty="0">
-                <a:solidFill>
-                  <a:srgbClr val="24292E"/>
-                </a:solidFill>
-                <a:effectLst/>
-                <a:latin typeface="-apple-system"/>
-              </a:rPr>
-              <a:t>blau</a:t>
-            </a:r>
-            <a:r>
-              <a:rPr lang="de-DE" b="0" i="0" dirty="0">
-                <a:solidFill>
-                  <a:srgbClr val="24292E"/>
-                </a:solidFill>
-                <a:effectLst/>
-                <a:latin typeface="-apple-system"/>
-              </a:rPr>
-              <a:t>" markiert und stehen für "</a:t>
-            </a:r>
-            <a:r>
-              <a:rPr lang="de-DE" b="0" i="0" u="sng" dirty="0">
-                <a:solidFill>
-                  <a:srgbClr val="24292E"/>
-                </a:solidFill>
-                <a:effectLst/>
-                <a:latin typeface="-apple-system"/>
-              </a:rPr>
-              <a:t>nicht Umgesetzt</a:t>
-            </a:r>
-            <a:r>
-              <a:rPr lang="de-DE" b="0" i="0" dirty="0">
-                <a:solidFill>
-                  <a:srgbClr val="24292E"/>
-                </a:solidFill>
-                <a:effectLst/>
-                <a:latin typeface="-apple-system"/>
-              </a:rPr>
-              <a:t>". </a:t>
-            </a:r>
-          </a:p>
-          <a:p>
-            <a:r>
-              <a:rPr lang="de-DE" b="0" i="0" dirty="0">
-                <a:solidFill>
-                  <a:srgbClr val="24292E"/>
-                </a:solidFill>
-                <a:effectLst/>
-                <a:latin typeface="-apple-system"/>
-              </a:rPr>
-              <a:t>Die Auswertung hatten wir bei dem vorherigen Use-Case nicht drin, deswegen wurde die "</a:t>
-            </a:r>
-            <a:r>
-              <a:rPr lang="de-DE" b="0" i="0" u="sng" dirty="0">
-                <a:solidFill>
-                  <a:srgbClr val="24292E"/>
-                </a:solidFill>
-                <a:effectLst/>
-                <a:latin typeface="-apple-system"/>
-              </a:rPr>
-              <a:t>grün</a:t>
-            </a:r>
-            <a:r>
-              <a:rPr lang="de-DE" b="0" i="0" dirty="0">
-                <a:solidFill>
-                  <a:srgbClr val="24292E"/>
-                </a:solidFill>
-                <a:effectLst/>
-                <a:latin typeface="-apple-system"/>
-              </a:rPr>
-              <a:t>" markiert.</a:t>
-            </a:r>
+              <a:rPr lang="de-DE" dirty="0"/>
+              <a:t>Der Main Flow beschreibt nochmal kurz den Ablauf (die aufgelisteten </a:t>
+            </a:r>
+            <a:r>
+              <a:rPr lang="de-DE" dirty="0" err="1"/>
+              <a:t>Steps</a:t>
+            </a:r>
+            <a:r>
+              <a:rPr lang="de-DE" dirty="0"/>
+              <a:t>) unseres Systems. Sobald alle </a:t>
+            </a:r>
+            <a:r>
+              <a:rPr lang="de-DE" dirty="0" err="1"/>
+              <a:t>Flows</a:t>
+            </a:r>
+            <a:r>
+              <a:rPr lang="de-DE" dirty="0"/>
+              <a:t> erfüllt sind, haben wir ein „</a:t>
+            </a:r>
+            <a:r>
+              <a:rPr lang="de-DE" dirty="0" err="1"/>
+              <a:t>success</a:t>
+            </a:r>
+            <a:r>
+              <a:rPr lang="de-DE" dirty="0"/>
+              <a:t>“.</a:t>
+            </a:r>
+          </a:p>
+          <a:p>
+            <a:r>
+              <a:rPr lang="de-DE" dirty="0"/>
+              <a:t>Der Flow Account löschen führt von unserer Sicht aus zur „</a:t>
+            </a:r>
+            <a:r>
+              <a:rPr lang="de-DE" dirty="0" err="1"/>
+              <a:t>failure</a:t>
+            </a:r>
+            <a:r>
+              <a:rPr lang="de-DE" dirty="0"/>
+              <a:t>“, weil wir keine Nutzer verlieren möchten und uns jeder Nutzer wichtig ist. </a:t>
+            </a:r>
+          </a:p>
+          <a:p>
             <a:endParaRPr lang="de-DE" dirty="0"/>
           </a:p>
         </p:txBody>
@@ -3399,7 +3520,7 @@
     </p:spTree>
     <p:extLst>
       <p:ext uri="{BB962C8B-B14F-4D97-AF65-F5344CB8AC3E}">
-        <p14:creationId xmlns:p14="http://schemas.microsoft.com/office/powerpoint/2010/main" val="2269013514"/>
+        <p14:creationId xmlns:p14="http://schemas.microsoft.com/office/powerpoint/2010/main" val="1388395347"/>
       </p:ext>
     </p:extLst>
   </p:cSld>
@@ -3461,7 +3582,79 @@
                 <a:effectLst/>
                 <a:latin typeface="-apple-system"/>
               </a:rPr>
-              <a:t>Da wir alle Funktionen bis auf die Auswertung schon in Audit 3 Präsentiert hatten, würden wir uns bei Audit 4 gerne nur auf die Auswertung konzentrieren, deswegen haben wir nochmal ein Use-Case mit nur diesen Funktionen gemacht, die wir präsentieren werden.</a:t>
+              <a:t>Bis auf die Favoriten, dem Mondkalender und das Notizenfeld für den Nutzer, wurden alle Funktionen implementiert, daher sind die 2 Funktionen in dem allgemeinen Use-Case "</a:t>
+            </a:r>
+            <a:r>
+              <a:rPr lang="de-DE" b="0" i="0" u="sng" dirty="0">
+                <a:solidFill>
+                  <a:srgbClr val="24292E"/>
+                </a:solidFill>
+                <a:effectLst/>
+                <a:latin typeface="-apple-system"/>
+              </a:rPr>
+              <a:t>blau</a:t>
+            </a:r>
+            <a:r>
+              <a:rPr lang="de-DE" b="0" i="0" dirty="0">
+                <a:solidFill>
+                  <a:srgbClr val="24292E"/>
+                </a:solidFill>
+                <a:effectLst/>
+                <a:latin typeface="-apple-system"/>
+              </a:rPr>
+              <a:t>" markiert und stehen für "</a:t>
+            </a:r>
+            <a:r>
+              <a:rPr lang="de-DE" b="0" i="0" u="sng" dirty="0">
+                <a:solidFill>
+                  <a:srgbClr val="24292E"/>
+                </a:solidFill>
+                <a:effectLst/>
+                <a:latin typeface="-apple-system"/>
+              </a:rPr>
+              <a:t>nicht Umgesetzt</a:t>
+            </a:r>
+            <a:r>
+              <a:rPr lang="de-DE" b="0" i="0" dirty="0">
+                <a:solidFill>
+                  <a:srgbClr val="24292E"/>
+                </a:solidFill>
+                <a:effectLst/>
+                <a:latin typeface="-apple-system"/>
+              </a:rPr>
+              <a:t>". </a:t>
+            </a:r>
+          </a:p>
+          <a:p>
+            <a:r>
+              <a:rPr lang="de-DE" b="0" i="0" dirty="0">
+                <a:solidFill>
+                  <a:srgbClr val="24292E"/>
+                </a:solidFill>
+                <a:effectLst/>
+                <a:latin typeface="-apple-system"/>
+              </a:rPr>
+              <a:t>Die Auswertung hatten wir bei dem vorherigen Use-Case nicht drin, deswegen wurde die "</a:t>
+            </a:r>
+            <a:r>
+              <a:rPr lang="de-DE" b="0" i="0" u="sng" dirty="0">
+                <a:solidFill>
+                  <a:srgbClr val="24292E"/>
+                </a:solidFill>
+                <a:effectLst/>
+                <a:latin typeface="-apple-system"/>
+              </a:rPr>
+              <a:t>grün</a:t>
+            </a:r>
+            <a:r>
+              <a:rPr lang="de-DE" b="0" i="0" dirty="0">
+                <a:solidFill>
+                  <a:srgbClr val="24292E"/>
+                </a:solidFill>
+                <a:effectLst/>
+                <a:latin typeface="-apple-system"/>
+              </a:rPr>
+              <a:t>" markiert.</a:t>
             </a:r>
             <a:endParaRPr lang="de-DE" dirty="0"/>
           </a:p>
@@ -3518,7 +3711,7 @@
     </p:spTree>
     <p:extLst>
       <p:ext uri="{BB962C8B-B14F-4D97-AF65-F5344CB8AC3E}">
-        <p14:creationId xmlns:p14="http://schemas.microsoft.com/office/powerpoint/2010/main" val="3635974023"/>
+        <p14:creationId xmlns:p14="http://schemas.microsoft.com/office/powerpoint/2010/main" val="2269013514"/>
       </p:ext>
     </p:extLst>
   </p:cSld>
@@ -3573,9 +3766,16 @@
           <a:lstStyle/>
           <a:p>
             <a:r>
-              <a:rPr lang="de-DE" dirty="0"/>
-              <a:t>Den Code und somit unseren Prototypen zeigen wir Ihnen in der Präsentation „Live“.</a:t>
-            </a:r>
+              <a:rPr lang="de-DE" b="0" i="0" dirty="0">
+                <a:solidFill>
+                  <a:srgbClr val="24292E"/>
+                </a:solidFill>
+                <a:effectLst/>
+                <a:latin typeface="-apple-system"/>
+              </a:rPr>
+              <a:t>Da wir alle Funktionen bis auf die Auswertung schon in Audit 3 Präsentiert hatten, würden wir uns bei Audit 4 gerne nur auf die Auswertung konzentrieren, deswegen haben wir nochmal ein Use-Case mit nur diesen Funktionen gemacht, die wir präsentieren werden.</a:t>
+            </a:r>
+            <a:endParaRPr lang="de-DE" dirty="0"/>
           </a:p>
         </p:txBody>
       </p:sp>
@@ -3595,7 +3795,7 @@
           <a:lstStyle/>
           <a:p>
             <a:pPr rtl="0"/>
-            <a:fld id="{25DE598A-D9FF-4E3A-AC10-162CFCBCB8DB}" type="datetime1">
+            <a:fld id="{2FFCA530-3DC9-43D3-93A9-C974C34E1DD6}" type="datetime1">
               <a:rPr lang="de-DE" smtClean="0"/>
               <a:t>19.02.2021</a:t>
             </a:fld>
@@ -3630,7 +3830,7 @@
     </p:spTree>
     <p:extLst>
       <p:ext uri="{BB962C8B-B14F-4D97-AF65-F5344CB8AC3E}">
-        <p14:creationId xmlns:p14="http://schemas.microsoft.com/office/powerpoint/2010/main" val="3410500401"/>
+        <p14:creationId xmlns:p14="http://schemas.microsoft.com/office/powerpoint/2010/main" val="3635974023"/>
       </p:ext>
     </p:extLst>
   </p:cSld>
@@ -3684,7 +3884,10 @@
           <a:bodyPr/>
           <a:lstStyle/>
           <a:p>
-            <a:endParaRPr lang="de-DE" dirty="0"/>
+            <a:r>
+              <a:rPr lang="de-DE" dirty="0"/>
+              <a:t>Den Code und somit unseren Prototypen zeigen wir Ihnen in der Präsentation „Live“.</a:t>
+            </a:r>
           </a:p>
         </p:txBody>
       </p:sp>
@@ -3704,7 +3907,7 @@
           <a:lstStyle/>
           <a:p>
             <a:pPr rtl="0"/>
-            <a:fld id="{7DA48DE9-247B-4EBD-A14B-36988774F377}" type="datetime1">
+            <a:fld id="{25DE598A-D9FF-4E3A-AC10-162CFCBCB8DB}" type="datetime1">
               <a:rPr lang="de-DE" smtClean="0"/>
               <a:t>19.02.2021</a:t>
             </a:fld>
@@ -3739,7 +3942,7 @@
     </p:spTree>
     <p:extLst>
       <p:ext uri="{BB962C8B-B14F-4D97-AF65-F5344CB8AC3E}">
-        <p14:creationId xmlns:p14="http://schemas.microsoft.com/office/powerpoint/2010/main" val="4074544119"/>
+        <p14:creationId xmlns:p14="http://schemas.microsoft.com/office/powerpoint/2010/main" val="3410500401"/>
       </p:ext>
     </p:extLst>
   </p:cSld>
@@ -3793,34 +3996,7 @@
           <a:bodyPr/>
           <a:lstStyle/>
           <a:p>
-            <a:r>
-              <a:rPr lang="de-DE" dirty="0"/>
-              <a:t>Der Nutzer kann auf der Homepage sein Trinkverhalten angeben. Dies macht man in dem man auf:</a:t>
-            </a:r>
-          </a:p>
-          <a:p>
-            <a:r>
-              <a:rPr lang="de-DE" dirty="0"/>
-              <a:t> „-/+“, </a:t>
-            </a:r>
-          </a:p>
-          <a:p>
-            <a:r>
-              <a:rPr lang="de-DE" dirty="0"/>
-              <a:t>„+0,3L“, </a:t>
-            </a:r>
-          </a:p>
-          <a:p>
-            <a:r>
-              <a:rPr lang="de-DE" dirty="0"/>
-              <a:t>„+0,5L“ oder „+0,7L“ klickt.</a:t>
-            </a:r>
-          </a:p>
-          <a:p>
-            <a:r>
-              <a:rPr lang="de-DE" dirty="0"/>
-              <a:t>Dieser Wert wird zuerst in die Datenbank gespeichert und anschließend in der Kurve als neuer Punkt für den Tag angezeigt.</a:t>
-            </a:r>
+            <a:endParaRPr lang="de-DE" dirty="0"/>
           </a:p>
         </p:txBody>
       </p:sp>
@@ -3840,7 +4016,7 @@
           <a:lstStyle/>
           <a:p>
             <a:pPr rtl="0"/>
-            <a:fld id="{2FFCA530-3DC9-43D3-93A9-C974C34E1DD6}" type="datetime1">
+            <a:fld id="{7DA48DE9-247B-4EBD-A14B-36988774F377}" type="datetime1">
               <a:rPr lang="de-DE" smtClean="0"/>
               <a:t>19.02.2021</a:t>
             </a:fld>
@@ -3875,7 +4051,7 @@
     </p:spTree>
     <p:extLst>
       <p:ext uri="{BB962C8B-B14F-4D97-AF65-F5344CB8AC3E}">
-        <p14:creationId xmlns:p14="http://schemas.microsoft.com/office/powerpoint/2010/main" val="328162340"/>
+        <p14:creationId xmlns:p14="http://schemas.microsoft.com/office/powerpoint/2010/main" val="4074544119"/>
       </p:ext>
     </p:extLst>
   </p:cSld>
@@ -3929,56 +4105,34 @@
           <a:bodyPr/>
           <a:lstStyle/>
           <a:p>
-            <a:pPr marL="0" marR="0" lvl="0" indent="0" algn="l" defTabSz="914400" rtl="0" eaLnBrk="1" fontAlgn="auto" latinLnBrk="0" hangingPunct="1">
-              <a:lnSpc>
-                <a:spcPct val="100000"/>
-              </a:lnSpc>
-              <a:spcBef>
-                <a:spcPts val="0"/>
-              </a:spcBef>
-              <a:spcAft>
-                <a:spcPts val="0"/>
-              </a:spcAft>
-              <a:buClrTx/>
-              <a:buSzTx/>
-              <a:buFontTx/>
-              <a:buNone/>
-              <a:tabLst/>
-              <a:defRPr/>
-            </a:pPr>
-            <a:r>
-              <a:rPr lang="de-DE" b="0" i="0" dirty="0">
-                <a:solidFill>
-                  <a:srgbClr val="000000"/>
-                </a:solidFill>
-                <a:effectLst/>
-                <a:latin typeface="-apple-system"/>
-              </a:rPr>
-              <a:t>Bei der täglichen Befragung mit den Smileys werden die Antworten mit 1-5 Punkten bewertet. </a:t>
-            </a:r>
-            <a:br>
-              <a:rPr lang="de-DE" b="0" i="0" dirty="0">
-                <a:solidFill>
-                  <a:srgbClr val="000000"/>
-                </a:solidFill>
-                <a:effectLst/>
-                <a:latin typeface="-apple-system"/>
-              </a:rPr>
-            </a:br>
-            <a:r>
-              <a:rPr lang="de-DE" b="0" i="0" dirty="0">
-                <a:solidFill>
-                  <a:srgbClr val="000000"/>
-                </a:solidFill>
-                <a:effectLst/>
-                <a:latin typeface="-apple-system"/>
-              </a:rPr>
-              <a:t>Bei der Frage mit „ja/nein“ wird „ja=4“ und „nein=2“ bewertet. Ja wird hier mit einer 4 bewertet, da es eine höhere Gewichtung haben soll. Nein wird dafür mit einer 2 bewertet. Hat der Nutzer alle Fragen beantwortet und anschließend auf Speichern gedrückt, werden alle Punkte zusammengezählt. Das Ergebnis wird durch die Anzahl der Fragen dividiert. Dadurch ergibt sich der Durchschnitt (das Stresslevel) für den Tag. Diese Werte fließen dann zuerst in die Datenbank und von da in die Wöchentliche Auswertung.</a:t>
-            </a:r>
-            <a:endParaRPr lang="de-DE" dirty="0"/>
-          </a:p>
-          <a:p>
-            <a:endParaRPr lang="de-DE" dirty="0"/>
+            <a:r>
+              <a:rPr lang="de-DE" dirty="0"/>
+              <a:t>Der Nutzer kann auf der Homepage sein Trinkverhalten angeben. Dies macht man in dem man auf:</a:t>
+            </a:r>
+          </a:p>
+          <a:p>
+            <a:r>
+              <a:rPr lang="de-DE" dirty="0"/>
+              <a:t> „-/+“, </a:t>
+            </a:r>
+          </a:p>
+          <a:p>
+            <a:r>
+              <a:rPr lang="de-DE" dirty="0"/>
+              <a:t>„+0,3L“, </a:t>
+            </a:r>
+          </a:p>
+          <a:p>
+            <a:r>
+              <a:rPr lang="de-DE" dirty="0"/>
+              <a:t>„+0,5L“ oder „+0,7L“ klickt.</a:t>
+            </a:r>
+          </a:p>
+          <a:p>
+            <a:r>
+              <a:rPr lang="de-DE" dirty="0"/>
+              <a:t>Dieser Wert wird zuerst in die Datenbank gespeichert und anschließend in der Kurve als neuer Punkt für den Tag angezeigt.</a:t>
+            </a:r>
           </a:p>
         </p:txBody>
       </p:sp>
@@ -4033,7 +4187,7 @@
     </p:spTree>
     <p:extLst>
       <p:ext uri="{BB962C8B-B14F-4D97-AF65-F5344CB8AC3E}">
-        <p14:creationId xmlns:p14="http://schemas.microsoft.com/office/powerpoint/2010/main" val="1025756278"/>
+        <p14:creationId xmlns:p14="http://schemas.microsoft.com/office/powerpoint/2010/main" val="328162340"/>
       </p:ext>
     </p:extLst>
   </p:cSld>
@@ -8094,7 +8248,7 @@
           <p:cNvPr id="2" name="Titel 1">
             <a:extLst>
               <a:ext uri="{FF2B5EF4-FFF2-40B4-BE49-F238E27FC236}">
-                <a16:creationId xmlns:a16="http://schemas.microsoft.com/office/drawing/2014/main" id="{4DC4D8DE-1034-4059-B907-B2FCA56F6799}"/>
+                <a16:creationId xmlns:a16="http://schemas.microsoft.com/office/drawing/2014/main" id="{436359DD-4B52-4F0A-9866-3DCBBE533075}"/>
               </a:ext>
             </a:extLst>
           </p:cNvPr>
@@ -8103,33 +8257,87 @@
           </p:cNvSpPr>
           <p:nvPr>
             <p:ph type="title"/>
+          </p:nvPr>
+        </p:nvSpPr>
+        <p:spPr/>
+        <p:txBody>
+          <a:bodyPr/>
+          <a:lstStyle/>
+          <a:p>
+            <a:r>
+              <a:rPr lang="de-DE" dirty="0"/>
+              <a:t>Coding</a:t>
+            </a:r>
+          </a:p>
+        </p:txBody>
+      </p:sp>
+      <p:sp>
+        <p:nvSpPr>
+          <p:cNvPr id="3" name="Textplatzhalter 2">
+            <a:extLst>
+              <a:ext uri="{FF2B5EF4-FFF2-40B4-BE49-F238E27FC236}">
+                <a16:creationId xmlns:a16="http://schemas.microsoft.com/office/drawing/2014/main" id="{020E7A6C-5273-4AF6-A6C9-99B7EF7074CF}"/>
+              </a:ext>
+            </a:extLst>
+          </p:cNvPr>
+          <p:cNvSpPr>
+            <a:spLocks noGrp="1"/>
+          </p:cNvSpPr>
+          <p:nvPr>
+            <p:ph type="body" idx="1"/>
           </p:nvPr>
         </p:nvSpPr>
         <p:spPr>
           <a:xfrm>
-            <a:off x="1097280" y="758952"/>
-            <a:ext cx="10058400" cy="3566160"/>
+            <a:off x="1097280" y="4663440"/>
+            <a:ext cx="10504910" cy="1143000"/>
           </a:xfrm>
         </p:spPr>
         <p:txBody>
-          <a:bodyPr anchor="b">
+          <a:bodyPr>
             <a:normAutofit/>
           </a:bodyPr>
           <a:lstStyle/>
           <a:p>
             <a:r>
-              <a:rPr lang="de-DE" sz="7400" dirty="0"/>
-              <a:t>Auswertung/ Verlauf</a:t>
-            </a:r>
-          </a:p>
-        </p:txBody>
-      </p:sp>
-      <p:sp>
-        <p:nvSpPr>
-          <p:cNvPr id="3" name="Foliennummernplatzhalter 2">
-            <a:extLst>
-              <a:ext uri="{FF2B5EF4-FFF2-40B4-BE49-F238E27FC236}">
-                <a16:creationId xmlns:a16="http://schemas.microsoft.com/office/drawing/2014/main" id="{585CF4AE-527C-4AA2-906C-B9F7B3281748}"/>
+              <a:rPr lang="de-DE" sz="2000" dirty="0"/>
+              <a:t>Den code dazu finden SIE in UNSEREM GitHub: </a:t>
+            </a:r>
+            <a:br>
+              <a:rPr lang="de-DE" sz="2000" dirty="0"/>
+            </a:br>
+            <a:r>
+              <a:rPr lang="de-DE" sz="1400" dirty="0"/>
+              <a:t>* </a:t>
+            </a:r>
+            <a:r>
+              <a:rPr lang="de-DE" sz="1400" dirty="0">
+                <a:hlinkClick r:id="rId3"/>
+              </a:rPr>
+              <a:t>EPWS2020SerttasPlackenhohn/Coding at </a:t>
+            </a:r>
+            <a:r>
+              <a:rPr lang="de-DE" sz="1400" dirty="0" err="1">
+                <a:hlinkClick r:id="rId3"/>
+              </a:rPr>
+              <a:t>main</a:t>
+            </a:r>
+            <a:r>
+              <a:rPr lang="de-DE" sz="1400" dirty="0">
+                <a:hlinkClick r:id="rId3"/>
+              </a:rPr>
+              <a:t> · Kplacken/EPWS2020SerttasPlackenhohn (github.com) </a:t>
+            </a:r>
+            <a:endParaRPr lang="de-DE" sz="1400" dirty="0"/>
+          </a:p>
+        </p:txBody>
+      </p:sp>
+      <p:sp>
+        <p:nvSpPr>
+          <p:cNvPr id="4" name="Foliennummernplatzhalter 3">
+            <a:extLst>
+              <a:ext uri="{FF2B5EF4-FFF2-40B4-BE49-F238E27FC236}">
+                <a16:creationId xmlns:a16="http://schemas.microsoft.com/office/drawing/2014/main" id="{AC9E70D6-4156-47E7-B66D-263C13269DBE}"/>
               </a:ext>
             </a:extLst>
           </p:cNvPr>
@@ -8140,94 +8348,24 @@
             <p:ph type="sldNum" sz="quarter" idx="12"/>
           </p:nvPr>
         </p:nvSpPr>
-        <p:spPr>
-          <a:xfrm>
-            <a:off x="10993582" y="6446838"/>
-            <a:ext cx="780010" cy="365125"/>
-          </a:xfrm>
-        </p:spPr>
-        <p:txBody>
-          <a:bodyPr anchor="ctr">
-            <a:normAutofit/>
-          </a:bodyPr>
-          <a:lstStyle/>
-          <a:p>
-            <a:pPr rtl="0">
-              <a:spcAft>
-                <a:spcPts val="600"/>
-              </a:spcAft>
-            </a:pPr>
+        <p:spPr/>
+        <p:txBody>
+          <a:bodyPr/>
+          <a:lstStyle/>
+          <a:p>
+            <a:pPr rtl="0"/>
             <a:fld id="{3A98EE3D-8CD1-4C3F-BD1C-C98C9596463C}" type="slidenum">
               <a:rPr lang="en-US" smtClean="0"/>
-              <a:pPr rtl="0">
-                <a:spcAft>
-                  <a:spcPts val="600"/>
-                </a:spcAft>
-              </a:pPr>
               <a:t>10</a:t>
             </a:fld>
-            <a:endParaRPr lang="en-US"/>
-          </a:p>
-        </p:txBody>
-      </p:sp>
-      <p:sp>
-        <p:nvSpPr>
-          <p:cNvPr id="4" name="Titel 1">
-            <a:extLst>
-              <a:ext uri="{FF2B5EF4-FFF2-40B4-BE49-F238E27FC236}">
-                <a16:creationId xmlns:a16="http://schemas.microsoft.com/office/drawing/2014/main" id="{14040106-2C9B-47A0-AA16-571538A46A0C}"/>
-              </a:ext>
-            </a:extLst>
-          </p:cNvPr>
-          <p:cNvSpPr txBox="1">
-            <a:spLocks/>
-          </p:cNvSpPr>
-          <p:nvPr/>
-        </p:nvSpPr>
-        <p:spPr>
-          <a:xfrm>
-            <a:off x="1097280" y="4744569"/>
-            <a:ext cx="10058400" cy="641405"/>
-          </a:xfrm>
-          <a:prstGeom prst="rect">
-            <a:avLst/>
-          </a:prstGeom>
-        </p:spPr>
-        <p:txBody>
-          <a:bodyPr vert="horz" lIns="91440" tIns="45720" rIns="91440" bIns="45720" rtlCol="0" anchor="b" anchorCtr="0">
-            <a:normAutofit fontScale="62500" lnSpcReduction="20000"/>
-          </a:bodyPr>
-          <a:lstStyle>
-            <a:lvl1pPr algn="l" defTabSz="914400" rtl="0" eaLnBrk="1" latinLnBrk="0" hangingPunct="1">
-              <a:lnSpc>
-                <a:spcPct val="90000"/>
-              </a:lnSpc>
-              <a:spcBef>
-                <a:spcPct val="0"/>
-              </a:spcBef>
-              <a:buNone/>
-              <a:defRPr sz="8000" b="0" i="0" kern="1200" spc="-50" baseline="0">
-                <a:solidFill>
-                  <a:schemeClr val="tx1">
-                    <a:lumMod val="85000"/>
-                    <a:lumOff val="15000"/>
-                  </a:schemeClr>
-                </a:solidFill>
-                <a:latin typeface="+mj-lt"/>
-                <a:ea typeface="+mj-ea"/>
-                <a:cs typeface="+mj-cs"/>
-              </a:defRPr>
-            </a:lvl1pPr>
-          </a:lstStyle>
-          <a:p>
-            <a:endParaRPr lang="de-DE" sz="7900" dirty="0"/>
+            <a:endParaRPr lang="en-US" dirty="0"/>
           </a:p>
         </p:txBody>
       </p:sp>
     </p:spTree>
     <p:extLst>
       <p:ext uri="{BB962C8B-B14F-4D97-AF65-F5344CB8AC3E}">
-        <p14:creationId xmlns:p14="http://schemas.microsoft.com/office/powerpoint/2010/main" val="2749553653"/>
+        <p14:creationId xmlns:p14="http://schemas.microsoft.com/office/powerpoint/2010/main" val="399139841"/>
       </p:ext>
     </p:extLst>
   </p:cSld>
@@ -8259,6 +8397,171 @@
           <p:cNvPr id="2" name="Titel 1">
             <a:extLst>
               <a:ext uri="{FF2B5EF4-FFF2-40B4-BE49-F238E27FC236}">
+                <a16:creationId xmlns:a16="http://schemas.microsoft.com/office/drawing/2014/main" id="{4DC4D8DE-1034-4059-B907-B2FCA56F6799}"/>
+              </a:ext>
+            </a:extLst>
+          </p:cNvPr>
+          <p:cNvSpPr>
+            <a:spLocks noGrp="1"/>
+          </p:cNvSpPr>
+          <p:nvPr>
+            <p:ph type="title"/>
+          </p:nvPr>
+        </p:nvSpPr>
+        <p:spPr>
+          <a:xfrm>
+            <a:off x="1097280" y="758952"/>
+            <a:ext cx="10058400" cy="3566160"/>
+          </a:xfrm>
+        </p:spPr>
+        <p:txBody>
+          <a:bodyPr anchor="b">
+            <a:normAutofit/>
+          </a:bodyPr>
+          <a:lstStyle/>
+          <a:p>
+            <a:r>
+              <a:rPr lang="de-DE" sz="7400" dirty="0"/>
+              <a:t>Auswertung/ Verlauf</a:t>
+            </a:r>
+          </a:p>
+        </p:txBody>
+      </p:sp>
+      <p:sp>
+        <p:nvSpPr>
+          <p:cNvPr id="3" name="Foliennummernplatzhalter 2">
+            <a:extLst>
+              <a:ext uri="{FF2B5EF4-FFF2-40B4-BE49-F238E27FC236}">
+                <a16:creationId xmlns:a16="http://schemas.microsoft.com/office/drawing/2014/main" id="{585CF4AE-527C-4AA2-906C-B9F7B3281748}"/>
+              </a:ext>
+            </a:extLst>
+          </p:cNvPr>
+          <p:cNvSpPr>
+            <a:spLocks noGrp="1"/>
+          </p:cNvSpPr>
+          <p:nvPr>
+            <p:ph type="sldNum" sz="quarter" idx="12"/>
+          </p:nvPr>
+        </p:nvSpPr>
+        <p:spPr>
+          <a:xfrm>
+            <a:off x="10993582" y="6446838"/>
+            <a:ext cx="780010" cy="365125"/>
+          </a:xfrm>
+        </p:spPr>
+        <p:txBody>
+          <a:bodyPr anchor="ctr">
+            <a:normAutofit/>
+          </a:bodyPr>
+          <a:lstStyle/>
+          <a:p>
+            <a:pPr rtl="0">
+              <a:spcAft>
+                <a:spcPts val="600"/>
+              </a:spcAft>
+            </a:pPr>
+            <a:fld id="{3A98EE3D-8CD1-4C3F-BD1C-C98C9596463C}" type="slidenum">
+              <a:rPr lang="en-US" smtClean="0"/>
+              <a:pPr rtl="0">
+                <a:spcAft>
+                  <a:spcPts val="600"/>
+                </a:spcAft>
+              </a:pPr>
+              <a:t>11</a:t>
+            </a:fld>
+            <a:endParaRPr lang="en-US"/>
+          </a:p>
+        </p:txBody>
+      </p:sp>
+      <p:sp>
+        <p:nvSpPr>
+          <p:cNvPr id="4" name="Titel 1">
+            <a:extLst>
+              <a:ext uri="{FF2B5EF4-FFF2-40B4-BE49-F238E27FC236}">
+                <a16:creationId xmlns:a16="http://schemas.microsoft.com/office/drawing/2014/main" id="{14040106-2C9B-47A0-AA16-571538A46A0C}"/>
+              </a:ext>
+            </a:extLst>
+          </p:cNvPr>
+          <p:cNvSpPr txBox="1">
+            <a:spLocks/>
+          </p:cNvSpPr>
+          <p:nvPr/>
+        </p:nvSpPr>
+        <p:spPr>
+          <a:xfrm>
+            <a:off x="1097280" y="4744569"/>
+            <a:ext cx="10058400" cy="641405"/>
+          </a:xfrm>
+          <a:prstGeom prst="rect">
+            <a:avLst/>
+          </a:prstGeom>
+        </p:spPr>
+        <p:txBody>
+          <a:bodyPr vert="horz" lIns="91440" tIns="45720" rIns="91440" bIns="45720" rtlCol="0" anchor="b" anchorCtr="0">
+            <a:normAutofit fontScale="62500" lnSpcReduction="20000"/>
+          </a:bodyPr>
+          <a:lstStyle>
+            <a:lvl1pPr algn="l" defTabSz="914400" rtl="0" eaLnBrk="1" latinLnBrk="0" hangingPunct="1">
+              <a:lnSpc>
+                <a:spcPct val="90000"/>
+              </a:lnSpc>
+              <a:spcBef>
+                <a:spcPct val="0"/>
+              </a:spcBef>
+              <a:buNone/>
+              <a:defRPr sz="8000" b="0" i="0" kern="1200" spc="-50" baseline="0">
+                <a:solidFill>
+                  <a:schemeClr val="tx1">
+                    <a:lumMod val="85000"/>
+                    <a:lumOff val="15000"/>
+                  </a:schemeClr>
+                </a:solidFill>
+                <a:latin typeface="+mj-lt"/>
+                <a:ea typeface="+mj-ea"/>
+                <a:cs typeface="+mj-cs"/>
+              </a:defRPr>
+            </a:lvl1pPr>
+          </a:lstStyle>
+          <a:p>
+            <a:endParaRPr lang="de-DE" sz="7900" dirty="0"/>
+          </a:p>
+        </p:txBody>
+      </p:sp>
+    </p:spTree>
+    <p:extLst>
+      <p:ext uri="{BB962C8B-B14F-4D97-AF65-F5344CB8AC3E}">
+        <p14:creationId xmlns:p14="http://schemas.microsoft.com/office/powerpoint/2010/main" val="2749553653"/>
+      </p:ext>
+    </p:extLst>
+  </p:cSld>
+  <p:clrMapOvr>
+    <a:masterClrMapping/>
+  </p:clrMapOvr>
+</p:sld>
+</file>
+
+<file path=ppt/slides/slide12.xml><?xml version="1.0" encoding="utf-8"?>
+<p:sld xmlns:a="http://schemas.openxmlformats.org/drawingml/2006/main" xmlns:r="http://schemas.openxmlformats.org/officeDocument/2006/relationships" xmlns:p="http://schemas.openxmlformats.org/presentationml/2006/main">
+  <p:cSld>
+    <p:spTree>
+      <p:nvGrpSpPr>
+        <p:cNvPr id="1" name=""/>
+        <p:cNvGrpSpPr/>
+        <p:nvPr/>
+      </p:nvGrpSpPr>
+      <p:grpSpPr>
+        <a:xfrm>
+          <a:off x="0" y="0"/>
+          <a:ext cx="0" cy="0"/>
+          <a:chOff x="0" y="0"/>
+          <a:chExt cx="0" cy="0"/>
+        </a:xfrm>
+      </p:grpSpPr>
+      <p:sp>
+        <p:nvSpPr>
+          <p:cNvPr id="2" name="Titel 1">
+            <a:extLst>
+              <a:ext uri="{FF2B5EF4-FFF2-40B4-BE49-F238E27FC236}">
                 <a16:creationId xmlns:a16="http://schemas.microsoft.com/office/drawing/2014/main" id="{FE373B74-C72F-4B46-A1CD-07B4A5ADB475}"/>
               </a:ext>
             </a:extLst>
@@ -8311,7 +8614,7 @@
             <a:pPr rtl="0"/>
             <a:fld id="{3A98EE3D-8CD1-4C3F-BD1C-C98C9596463C}" type="slidenum">
               <a:rPr lang="en-US" smtClean="0"/>
-              <a:t>11</a:t>
+              <a:t>12</a:t>
             </a:fld>
             <a:endParaRPr lang="en-US" dirty="0"/>
           </a:p>
@@ -8436,7 +8739,7 @@
 </p:sld>
 </file>
 
-<file path=ppt/slides/slide12.xml><?xml version="1.0" encoding="utf-8"?>
+<file path=ppt/slides/slide13.xml><?xml version="1.0" encoding="utf-8"?>
 <p:sld xmlns:a="http://schemas.openxmlformats.org/drawingml/2006/main" xmlns:r="http://schemas.openxmlformats.org/officeDocument/2006/relationships" xmlns:p="http://schemas.openxmlformats.org/presentationml/2006/main">
   <p:cSld>
     <p:spTree>
@@ -8510,7 +8813,7 @@
             <a:pPr rtl="0"/>
             <a:fld id="{3A98EE3D-8CD1-4C3F-BD1C-C98C9596463C}" type="slidenum">
               <a:rPr lang="en-US" smtClean="0"/>
-              <a:t>12</a:t>
+              <a:t>13</a:t>
             </a:fld>
             <a:endParaRPr lang="en-US" dirty="0"/>
           </a:p>
@@ -8636,7 +8939,7 @@
 </p:sld>
 </file>
 
-<file path=ppt/slides/slide13.xml><?xml version="1.0" encoding="utf-8"?>
+<file path=ppt/slides/slide14.xml><?xml version="1.0" encoding="utf-8"?>
 <p:sld xmlns:a="http://schemas.openxmlformats.org/drawingml/2006/main" xmlns:r="http://schemas.openxmlformats.org/officeDocument/2006/relationships" xmlns:p="http://schemas.openxmlformats.org/presentationml/2006/main">
   <p:cSld>
     <p:spTree>
@@ -8705,7 +9008,7 @@
             <a:pPr rtl="0"/>
             <a:fld id="{3A98EE3D-8CD1-4C3F-BD1C-C98C9596463C}" type="slidenum">
               <a:rPr lang="en-US" smtClean="0"/>
-              <a:t>13</a:t>
+              <a:t>14</a:t>
             </a:fld>
             <a:endParaRPr lang="en-US" dirty="0"/>
           </a:p>
@@ -8865,7 +9168,7 @@
 </p:sld>
 </file>
 
-<file path=ppt/slides/slide14.xml><?xml version="1.0" encoding="utf-8"?>
+<file path=ppt/slides/slide15.xml><?xml version="1.0" encoding="utf-8"?>
 <p:sld xmlns:a="http://schemas.openxmlformats.org/drawingml/2006/main" xmlns:r="http://schemas.openxmlformats.org/officeDocument/2006/relationships" xmlns:p="http://schemas.openxmlformats.org/presentationml/2006/main">
   <p:cSld>
     <p:spTree>
@@ -8957,7 +9260,7 @@
                   <a:spcPts val="600"/>
                 </a:spcAft>
               </a:pPr>
-              <a:t>14</a:t>
+              <a:t>15</a:t>
             </a:fld>
             <a:endParaRPr lang="en-US"/>
           </a:p>
@@ -9021,177 +9324,6 @@
     <p:extLst>
       <p:ext uri="{BB962C8B-B14F-4D97-AF65-F5344CB8AC3E}">
         <p14:creationId xmlns:p14="http://schemas.microsoft.com/office/powerpoint/2010/main" val="4172179416"/>
-      </p:ext>
-    </p:extLst>
-  </p:cSld>
-  <p:clrMapOvr>
-    <a:masterClrMapping/>
-  </p:clrMapOvr>
-</p:sld>
-</file>
-
-<file path=ppt/slides/slide15.xml><?xml version="1.0" encoding="utf-8"?>
-<p:sld xmlns:a="http://schemas.openxmlformats.org/drawingml/2006/main" xmlns:r="http://schemas.openxmlformats.org/officeDocument/2006/relationships" xmlns:p="http://schemas.openxmlformats.org/presentationml/2006/main">
-  <p:cSld>
-    <p:spTree>
-      <p:nvGrpSpPr>
-        <p:cNvPr id="1" name=""/>
-        <p:cNvGrpSpPr/>
-        <p:nvPr/>
-      </p:nvGrpSpPr>
-      <p:grpSpPr>
-        <a:xfrm>
-          <a:off x="0" y="0"/>
-          <a:ext cx="0" cy="0"/>
-          <a:chOff x="0" y="0"/>
-          <a:chExt cx="0" cy="0"/>
-        </a:xfrm>
-      </p:grpSpPr>
-      <p:sp>
-        <p:nvSpPr>
-          <p:cNvPr id="2" name="Titel 1">
-            <a:extLst>
-              <a:ext uri="{FF2B5EF4-FFF2-40B4-BE49-F238E27FC236}">
-                <a16:creationId xmlns:a16="http://schemas.microsoft.com/office/drawing/2014/main" id="{4E4056F1-95D3-4103-B2BE-651E4D917EE6}"/>
-              </a:ext>
-            </a:extLst>
-          </p:cNvPr>
-          <p:cNvSpPr>
-            <a:spLocks noGrp="1"/>
-          </p:cNvSpPr>
-          <p:nvPr>
-            <p:ph type="title"/>
-          </p:nvPr>
-        </p:nvSpPr>
-        <p:spPr>
-          <a:xfrm>
-            <a:off x="1066800" y="446087"/>
-            <a:ext cx="10058400" cy="1450757"/>
-          </a:xfrm>
-        </p:spPr>
-        <p:txBody>
-          <a:bodyPr/>
-          <a:lstStyle/>
-          <a:p>
-            <a:r>
-              <a:rPr lang="de-DE" dirty="0"/>
-              <a:t>ER-Diagramm </a:t>
-            </a:r>
-            <a:br>
-              <a:rPr lang="de-DE" dirty="0"/>
-            </a:br>
-            <a:r>
-              <a:rPr lang="de-DE" dirty="0"/>
-              <a:t>Monatliche Umfrage</a:t>
-            </a:r>
-          </a:p>
-        </p:txBody>
-      </p:sp>
-      <p:sp>
-        <p:nvSpPr>
-          <p:cNvPr id="4" name="Foliennummernplatzhalter 3">
-            <a:extLst>
-              <a:ext uri="{FF2B5EF4-FFF2-40B4-BE49-F238E27FC236}">
-                <a16:creationId xmlns:a16="http://schemas.microsoft.com/office/drawing/2014/main" id="{ED11B56A-F565-4118-A8F3-E25EDF21E261}"/>
-              </a:ext>
-            </a:extLst>
-          </p:cNvPr>
-          <p:cNvSpPr>
-            <a:spLocks noGrp="1"/>
-          </p:cNvSpPr>
-          <p:nvPr>
-            <p:ph type="sldNum" sz="quarter" idx="12"/>
-          </p:nvPr>
-        </p:nvSpPr>
-        <p:spPr/>
-        <p:txBody>
-          <a:bodyPr/>
-          <a:lstStyle/>
-          <a:p>
-            <a:pPr rtl="0"/>
-            <a:fld id="{3A98EE3D-8CD1-4C3F-BD1C-C98C9596463C}" type="slidenum">
-              <a:rPr lang="en-US" smtClean="0"/>
-              <a:t>15</a:t>
-            </a:fld>
-            <a:endParaRPr lang="en-US" dirty="0"/>
-          </a:p>
-        </p:txBody>
-      </p:sp>
-      <p:pic>
-        <p:nvPicPr>
-          <p:cNvPr id="6" name="Grafik 5">
-            <a:extLst>
-              <a:ext uri="{FF2B5EF4-FFF2-40B4-BE49-F238E27FC236}">
-                <a16:creationId xmlns:a16="http://schemas.microsoft.com/office/drawing/2014/main" id="{64E5C97B-47D7-4F8D-AF58-DC36F8ECFF72}"/>
-              </a:ext>
-            </a:extLst>
-          </p:cNvPr>
-          <p:cNvPicPr>
-            <a:picLocks noChangeAspect="1"/>
-          </p:cNvPicPr>
-          <p:nvPr/>
-        </p:nvPicPr>
-        <p:blipFill>
-          <a:blip r:embed="rId3">
-            <a:extLst>
-              <a:ext uri="{28A0092B-C50C-407E-A947-70E740481C1C}">
-                <a14:useLocalDpi xmlns:a14="http://schemas.microsoft.com/office/drawing/2010/main" val="0"/>
-              </a:ext>
-            </a:extLst>
-          </a:blip>
-          <a:stretch>
-            <a:fillRect/>
-          </a:stretch>
-        </p:blipFill>
-        <p:spPr>
-          <a:xfrm>
-            <a:off x="1604507" y="1962213"/>
-            <a:ext cx="9100872" cy="3761694"/>
-          </a:xfrm>
-          <a:prstGeom prst="rect">
-            <a:avLst/>
-          </a:prstGeom>
-        </p:spPr>
-      </p:pic>
-      <p:sp>
-        <p:nvSpPr>
-          <p:cNvPr id="5" name="Textfeld 4">
-            <a:extLst>
-              <a:ext uri="{FF2B5EF4-FFF2-40B4-BE49-F238E27FC236}">
-                <a16:creationId xmlns:a16="http://schemas.microsoft.com/office/drawing/2014/main" id="{38450409-229E-4473-A68F-2208EA3F7838}"/>
-              </a:ext>
-            </a:extLst>
-          </p:cNvPr>
-          <p:cNvSpPr txBox="1"/>
-          <p:nvPr/>
-        </p:nvSpPr>
-        <p:spPr>
-          <a:xfrm>
-            <a:off x="10015668" y="1452681"/>
-            <a:ext cx="2158104" cy="369332"/>
-          </a:xfrm>
-          <a:prstGeom prst="rect">
-            <a:avLst/>
-          </a:prstGeom>
-          <a:noFill/>
-        </p:spPr>
-        <p:txBody>
-          <a:bodyPr wrap="square" rtlCol="0">
-            <a:spAutoFit/>
-          </a:bodyPr>
-          <a:lstStyle/>
-          <a:p>
-            <a:r>
-              <a:rPr lang="de-DE" dirty="0"/>
-              <a:t>Umgesetzt</a:t>
-            </a:r>
-          </a:p>
-        </p:txBody>
-      </p:sp>
-    </p:spTree>
-    <p:extLst>
-      <p:ext uri="{BB962C8B-B14F-4D97-AF65-F5344CB8AC3E}">
-        <p14:creationId xmlns:p14="http://schemas.microsoft.com/office/powerpoint/2010/main" val="4161186463"/>
       </p:ext>
     </p:extLst>
   </p:cSld>
@@ -9223,7 +9355,7 @@
           <p:cNvPr id="2" name="Titel 1">
             <a:extLst>
               <a:ext uri="{FF2B5EF4-FFF2-40B4-BE49-F238E27FC236}">
-                <a16:creationId xmlns:a16="http://schemas.microsoft.com/office/drawing/2014/main" id="{53C4AC70-4E3E-43AE-8994-33F95C36BA92}"/>
+                <a16:creationId xmlns:a16="http://schemas.microsoft.com/office/drawing/2014/main" id="{4E4056F1-95D3-4103-B2BE-651E4D917EE6}"/>
               </a:ext>
             </a:extLst>
           </p:cNvPr>
@@ -9236,7 +9368,7 @@
         </p:nvSpPr>
         <p:spPr>
           <a:xfrm>
-            <a:off x="1097280" y="447244"/>
+            <a:off x="1066800" y="446087"/>
             <a:ext cx="10058400" cy="1450757"/>
           </a:xfrm>
         </p:spPr>
@@ -9246,7 +9378,7 @@
           <a:p>
             <a:r>
               <a:rPr lang="de-DE" dirty="0"/>
-              <a:t>SQL Datenbank </a:t>
+              <a:t>ER-Diagramm </a:t>
             </a:r>
             <a:br>
               <a:rPr lang="de-DE" dirty="0"/>
@@ -9263,7 +9395,7 @@
           <p:cNvPr id="4" name="Foliennummernplatzhalter 3">
             <a:extLst>
               <a:ext uri="{FF2B5EF4-FFF2-40B4-BE49-F238E27FC236}">
-                <a16:creationId xmlns:a16="http://schemas.microsoft.com/office/drawing/2014/main" id="{0F42732D-A4AD-43D8-B118-8D899A61F12C}"/>
+                <a16:creationId xmlns:a16="http://schemas.microsoft.com/office/drawing/2014/main" id="{ED11B56A-F565-4118-A8F3-E25EDF21E261}"/>
               </a:ext>
             </a:extLst>
           </p:cNvPr>
@@ -9293,7 +9425,7 @@
           <p:cNvPr id="6" name="Grafik 5">
             <a:extLst>
               <a:ext uri="{FF2B5EF4-FFF2-40B4-BE49-F238E27FC236}">
-                <a16:creationId xmlns:a16="http://schemas.microsoft.com/office/drawing/2014/main" id="{E80FFAEA-8E2E-4C2E-8A20-79872E4B2E8E}"/>
+                <a16:creationId xmlns:a16="http://schemas.microsoft.com/office/drawing/2014/main" id="{64E5C97B-47D7-4F8D-AF58-DC36F8ECFF72}"/>
               </a:ext>
             </a:extLst>
           </p:cNvPr>
@@ -9316,8 +9448,8 @@
         </p:blipFill>
         <p:spPr>
           <a:xfrm>
-            <a:off x="1158289" y="2641341"/>
-            <a:ext cx="9997391" cy="1450757"/>
+            <a:off x="1604507" y="1962213"/>
+            <a:ext cx="9100872" cy="3761694"/>
           </a:xfrm>
           <a:prstGeom prst="rect">
             <a:avLst/>
@@ -9329,7 +9461,7 @@
           <p:cNvPr id="5" name="Textfeld 4">
             <a:extLst>
               <a:ext uri="{FF2B5EF4-FFF2-40B4-BE49-F238E27FC236}">
-                <a16:creationId xmlns:a16="http://schemas.microsoft.com/office/drawing/2014/main" id="{BBAE33A2-FF1B-4C08-98A5-FB7787107E03}"/>
+                <a16:creationId xmlns:a16="http://schemas.microsoft.com/office/drawing/2014/main" id="{38450409-229E-4473-A68F-2208EA3F7838}"/>
               </a:ext>
             </a:extLst>
           </p:cNvPr>
@@ -9362,7 +9494,7 @@
     </p:spTree>
     <p:extLst>
       <p:ext uri="{BB962C8B-B14F-4D97-AF65-F5344CB8AC3E}">
-        <p14:creationId xmlns:p14="http://schemas.microsoft.com/office/powerpoint/2010/main" val="434794103"/>
+        <p14:creationId xmlns:p14="http://schemas.microsoft.com/office/powerpoint/2010/main" val="4161186463"/>
       </p:ext>
     </p:extLst>
   </p:cSld>
@@ -9394,7 +9526,7 @@
           <p:cNvPr id="2" name="Titel 1">
             <a:extLst>
               <a:ext uri="{FF2B5EF4-FFF2-40B4-BE49-F238E27FC236}">
-                <a16:creationId xmlns:a16="http://schemas.microsoft.com/office/drawing/2014/main" id="{A2F404CC-5FDC-484F-8C5C-BBABDE280C96}"/>
+                <a16:creationId xmlns:a16="http://schemas.microsoft.com/office/drawing/2014/main" id="{53C4AC70-4E3E-43AE-8994-33F95C36BA92}"/>
               </a:ext>
             </a:extLst>
           </p:cNvPr>
@@ -9417,7 +9549,7 @@
           <a:p>
             <a:r>
               <a:rPr lang="de-DE" dirty="0"/>
-              <a:t>SQL Struktur </a:t>
+              <a:t>SQL Datenbank </a:t>
             </a:r>
             <a:br>
               <a:rPr lang="de-DE" dirty="0"/>
@@ -9434,7 +9566,7 @@
           <p:cNvPr id="4" name="Foliennummernplatzhalter 3">
             <a:extLst>
               <a:ext uri="{FF2B5EF4-FFF2-40B4-BE49-F238E27FC236}">
-                <a16:creationId xmlns:a16="http://schemas.microsoft.com/office/drawing/2014/main" id="{E9898528-BCEC-4CEA-BF98-0B01018CCB93}"/>
+                <a16:creationId xmlns:a16="http://schemas.microsoft.com/office/drawing/2014/main" id="{0F42732D-A4AD-43D8-B118-8D899A61F12C}"/>
               </a:ext>
             </a:extLst>
           </p:cNvPr>
@@ -9461,10 +9593,10 @@
       </p:sp>
       <p:pic>
         <p:nvPicPr>
-          <p:cNvPr id="6" name="Grafik 5" descr="Ein Bild, das Tisch enthält.&#10;&#10;Automatisch generierte Beschreibung">
-            <a:extLst>
-              <a:ext uri="{FF2B5EF4-FFF2-40B4-BE49-F238E27FC236}">
-                <a16:creationId xmlns:a16="http://schemas.microsoft.com/office/drawing/2014/main" id="{75632BF8-7E5B-47E2-8D50-96171E93A81B}"/>
+          <p:cNvPr id="6" name="Grafik 5">
+            <a:extLst>
+              <a:ext uri="{FF2B5EF4-FFF2-40B4-BE49-F238E27FC236}">
+                <a16:creationId xmlns:a16="http://schemas.microsoft.com/office/drawing/2014/main" id="{E80FFAEA-8E2E-4C2E-8A20-79872E4B2E8E}"/>
               </a:ext>
             </a:extLst>
           </p:cNvPr>
@@ -9487,8 +9619,8 @@
         </p:blipFill>
         <p:spPr>
           <a:xfrm>
-            <a:off x="931596" y="2129246"/>
-            <a:ext cx="10389767" cy="3541782"/>
+            <a:off x="1158289" y="2641341"/>
+            <a:ext cx="9997391" cy="1450757"/>
           </a:xfrm>
           <a:prstGeom prst="rect">
             <a:avLst/>
@@ -9500,7 +9632,7 @@
           <p:cNvPr id="5" name="Textfeld 4">
             <a:extLst>
               <a:ext uri="{FF2B5EF4-FFF2-40B4-BE49-F238E27FC236}">
-                <a16:creationId xmlns:a16="http://schemas.microsoft.com/office/drawing/2014/main" id="{231EEC7C-B27D-48E3-9088-5B9CA9FF43FF}"/>
+                <a16:creationId xmlns:a16="http://schemas.microsoft.com/office/drawing/2014/main" id="{BBAE33A2-FF1B-4C08-98A5-FB7787107E03}"/>
               </a:ext>
             </a:extLst>
           </p:cNvPr>
@@ -9533,7 +9665,7 @@
     </p:spTree>
     <p:extLst>
       <p:ext uri="{BB962C8B-B14F-4D97-AF65-F5344CB8AC3E}">
-        <p14:creationId xmlns:p14="http://schemas.microsoft.com/office/powerpoint/2010/main" val="1831127501"/>
+        <p14:creationId xmlns:p14="http://schemas.microsoft.com/office/powerpoint/2010/main" val="434794103"/>
       </p:ext>
     </p:extLst>
   </p:cSld>
@@ -9565,7 +9697,7 @@
           <p:cNvPr id="2" name="Titel 1">
             <a:extLst>
               <a:ext uri="{FF2B5EF4-FFF2-40B4-BE49-F238E27FC236}">
-                <a16:creationId xmlns:a16="http://schemas.microsoft.com/office/drawing/2014/main" id="{4E4056F1-95D3-4103-B2BE-651E4D917EE6}"/>
+                <a16:creationId xmlns:a16="http://schemas.microsoft.com/office/drawing/2014/main" id="{A2F404CC-5FDC-484F-8C5C-BBABDE280C96}"/>
               </a:ext>
             </a:extLst>
           </p:cNvPr>
@@ -9578,7 +9710,7 @@
         </p:nvSpPr>
         <p:spPr>
           <a:xfrm>
-            <a:off x="1097280" y="446087"/>
+            <a:off x="1097280" y="447244"/>
             <a:ext cx="10058400" cy="1450757"/>
           </a:xfrm>
         </p:spPr>
@@ -9588,14 +9720,14 @@
           <a:p>
             <a:r>
               <a:rPr lang="de-DE" dirty="0"/>
-              <a:t>ER-Diagramm </a:t>
+              <a:t>SQL Struktur </a:t>
             </a:r>
             <a:br>
               <a:rPr lang="de-DE" dirty="0"/>
             </a:br>
             <a:r>
               <a:rPr lang="de-DE" dirty="0"/>
-              <a:t>Tägliche Befragung</a:t>
+              <a:t>Monatliche Umfrage</a:t>
             </a:r>
           </a:p>
         </p:txBody>
@@ -9605,7 +9737,7 @@
           <p:cNvPr id="4" name="Foliennummernplatzhalter 3">
             <a:extLst>
               <a:ext uri="{FF2B5EF4-FFF2-40B4-BE49-F238E27FC236}">
-                <a16:creationId xmlns:a16="http://schemas.microsoft.com/office/drawing/2014/main" id="{ED11B56A-F565-4118-A8F3-E25EDF21E261}"/>
+                <a16:creationId xmlns:a16="http://schemas.microsoft.com/office/drawing/2014/main" id="{E9898528-BCEC-4CEA-BF98-0B01018CCB93}"/>
               </a:ext>
             </a:extLst>
           </p:cNvPr>
@@ -9630,12 +9762,48 @@
           </a:p>
         </p:txBody>
       </p:sp>
+      <p:pic>
+        <p:nvPicPr>
+          <p:cNvPr id="6" name="Grafik 5" descr="Ein Bild, das Tisch enthält.&#10;&#10;Automatisch generierte Beschreibung">
+            <a:extLst>
+              <a:ext uri="{FF2B5EF4-FFF2-40B4-BE49-F238E27FC236}">
+                <a16:creationId xmlns:a16="http://schemas.microsoft.com/office/drawing/2014/main" id="{75632BF8-7E5B-47E2-8D50-96171E93A81B}"/>
+              </a:ext>
+            </a:extLst>
+          </p:cNvPr>
+          <p:cNvPicPr>
+            <a:picLocks noChangeAspect="1"/>
+          </p:cNvPicPr>
+          <p:nvPr/>
+        </p:nvPicPr>
+        <p:blipFill>
+          <a:blip r:embed="rId3">
+            <a:extLst>
+              <a:ext uri="{28A0092B-C50C-407E-A947-70E740481C1C}">
+                <a14:useLocalDpi xmlns:a14="http://schemas.microsoft.com/office/drawing/2010/main" val="0"/>
+              </a:ext>
+            </a:extLst>
+          </a:blip>
+          <a:stretch>
+            <a:fillRect/>
+          </a:stretch>
+        </p:blipFill>
+        <p:spPr>
+          <a:xfrm>
+            <a:off x="931596" y="2129246"/>
+            <a:ext cx="10389767" cy="3541782"/>
+          </a:xfrm>
+          <a:prstGeom prst="rect">
+            <a:avLst/>
+          </a:prstGeom>
+        </p:spPr>
+      </p:pic>
       <p:sp>
         <p:nvSpPr>
           <p:cNvPr id="5" name="Textfeld 4">
             <a:extLst>
               <a:ext uri="{FF2B5EF4-FFF2-40B4-BE49-F238E27FC236}">
-                <a16:creationId xmlns:a16="http://schemas.microsoft.com/office/drawing/2014/main" id="{38450409-229E-4473-A68F-2208EA3F7838}"/>
+                <a16:creationId xmlns:a16="http://schemas.microsoft.com/office/drawing/2014/main" id="{231EEC7C-B27D-48E3-9088-5B9CA9FF43FF}"/>
               </a:ext>
             </a:extLst>
           </p:cNvPr>
@@ -9665,46 +9833,10 @@
           </a:p>
         </p:txBody>
       </p:sp>
-      <p:pic>
-        <p:nvPicPr>
-          <p:cNvPr id="7" name="Grafik 6">
-            <a:extLst>
-              <a:ext uri="{FF2B5EF4-FFF2-40B4-BE49-F238E27FC236}">
-                <a16:creationId xmlns:a16="http://schemas.microsoft.com/office/drawing/2014/main" id="{E7CFB2D6-301E-40AA-8C52-162AA78F1153}"/>
-              </a:ext>
-            </a:extLst>
-          </p:cNvPr>
-          <p:cNvPicPr>
-            <a:picLocks noChangeAspect="1"/>
-          </p:cNvPicPr>
-          <p:nvPr/>
-        </p:nvPicPr>
-        <p:blipFill>
-          <a:blip r:embed="rId3">
-            <a:extLst>
-              <a:ext uri="{28A0092B-C50C-407E-A947-70E740481C1C}">
-                <a14:useLocalDpi xmlns:a14="http://schemas.microsoft.com/office/drawing/2010/main" val="0"/>
-              </a:ext>
-            </a:extLst>
-          </a:blip>
-          <a:stretch>
-            <a:fillRect/>
-          </a:stretch>
-        </p:blipFill>
-        <p:spPr>
-          <a:xfrm>
-            <a:off x="1440612" y="2405181"/>
-            <a:ext cx="9310775" cy="3000138"/>
-          </a:xfrm>
-          <a:prstGeom prst="rect">
-            <a:avLst/>
-          </a:prstGeom>
-        </p:spPr>
-      </p:pic>
     </p:spTree>
     <p:extLst>
       <p:ext uri="{BB962C8B-B14F-4D97-AF65-F5344CB8AC3E}">
-        <p14:creationId xmlns:p14="http://schemas.microsoft.com/office/powerpoint/2010/main" val="1491183482"/>
+        <p14:creationId xmlns:p14="http://schemas.microsoft.com/office/powerpoint/2010/main" val="1831127501"/>
       </p:ext>
     </p:extLst>
   </p:cSld>
@@ -9736,7 +9868,7 @@
           <p:cNvPr id="2" name="Titel 1">
             <a:extLst>
               <a:ext uri="{FF2B5EF4-FFF2-40B4-BE49-F238E27FC236}">
-                <a16:creationId xmlns:a16="http://schemas.microsoft.com/office/drawing/2014/main" id="{53C4AC70-4E3E-43AE-8994-33F95C36BA92}"/>
+                <a16:creationId xmlns:a16="http://schemas.microsoft.com/office/drawing/2014/main" id="{4E4056F1-95D3-4103-B2BE-651E4D917EE6}"/>
               </a:ext>
             </a:extLst>
           </p:cNvPr>
@@ -9749,7 +9881,7 @@
         </p:nvSpPr>
         <p:spPr>
           <a:xfrm>
-            <a:off x="1097280" y="434887"/>
+            <a:off x="1097280" y="446087"/>
             <a:ext cx="10058400" cy="1450757"/>
           </a:xfrm>
         </p:spPr>
@@ -9759,7 +9891,7 @@
           <a:p>
             <a:r>
               <a:rPr lang="de-DE" dirty="0"/>
-              <a:t>SQL Datenbank </a:t>
+              <a:t>ER-Diagramm </a:t>
             </a:r>
             <a:br>
               <a:rPr lang="de-DE" dirty="0"/>
@@ -9776,7 +9908,7 @@
           <p:cNvPr id="4" name="Foliennummernplatzhalter 3">
             <a:extLst>
               <a:ext uri="{FF2B5EF4-FFF2-40B4-BE49-F238E27FC236}">
-                <a16:creationId xmlns:a16="http://schemas.microsoft.com/office/drawing/2014/main" id="{0F42732D-A4AD-43D8-B118-8D899A61F12C}"/>
+                <a16:creationId xmlns:a16="http://schemas.microsoft.com/office/drawing/2014/main" id="{ED11B56A-F565-4118-A8F3-E25EDF21E261}"/>
               </a:ext>
             </a:extLst>
           </p:cNvPr>
@@ -9806,7 +9938,7 @@
           <p:cNvPr id="5" name="Textfeld 4">
             <a:extLst>
               <a:ext uri="{FF2B5EF4-FFF2-40B4-BE49-F238E27FC236}">
-                <a16:creationId xmlns:a16="http://schemas.microsoft.com/office/drawing/2014/main" id="{BBAE33A2-FF1B-4C08-98A5-FB7787107E03}"/>
+                <a16:creationId xmlns:a16="http://schemas.microsoft.com/office/drawing/2014/main" id="{38450409-229E-4473-A68F-2208EA3F7838}"/>
               </a:ext>
             </a:extLst>
           </p:cNvPr>
@@ -9838,10 +9970,10 @@
       </p:sp>
       <p:pic>
         <p:nvPicPr>
-          <p:cNvPr id="7" name="Grafik 6" descr="Ein Bild, das Text enthält.&#10;&#10;Automatisch generierte Beschreibung">
-            <a:extLst>
-              <a:ext uri="{FF2B5EF4-FFF2-40B4-BE49-F238E27FC236}">
-                <a16:creationId xmlns:a16="http://schemas.microsoft.com/office/drawing/2014/main" id="{421D2CA8-B8B4-4B53-A39E-15604366F30A}"/>
+          <p:cNvPr id="7" name="Grafik 6">
+            <a:extLst>
+              <a:ext uri="{FF2B5EF4-FFF2-40B4-BE49-F238E27FC236}">
+                <a16:creationId xmlns:a16="http://schemas.microsoft.com/office/drawing/2014/main" id="{E7CFB2D6-301E-40AA-8C52-162AA78F1153}"/>
               </a:ext>
             </a:extLst>
           </p:cNvPr>
@@ -9864,8 +9996,8 @@
         </p:blipFill>
         <p:spPr>
           <a:xfrm>
-            <a:off x="1751456" y="2643066"/>
-            <a:ext cx="8689087" cy="2157534"/>
+            <a:off x="1440612" y="2405181"/>
+            <a:ext cx="9310775" cy="3000138"/>
           </a:xfrm>
           <a:prstGeom prst="rect">
             <a:avLst/>
@@ -9875,7 +10007,7 @@
     </p:spTree>
     <p:extLst>
       <p:ext uri="{BB962C8B-B14F-4D97-AF65-F5344CB8AC3E}">
-        <p14:creationId xmlns:p14="http://schemas.microsoft.com/office/powerpoint/2010/main" val="2693731678"/>
+        <p14:creationId xmlns:p14="http://schemas.microsoft.com/office/powerpoint/2010/main" val="1491183482"/>
       </p:ext>
     </p:extLst>
   </p:cSld>
@@ -10257,7 +10389,7 @@
           <p:cNvPr id="2" name="Titel 1">
             <a:extLst>
               <a:ext uri="{FF2B5EF4-FFF2-40B4-BE49-F238E27FC236}">
-                <a16:creationId xmlns:a16="http://schemas.microsoft.com/office/drawing/2014/main" id="{A2F404CC-5FDC-484F-8C5C-BBABDE280C96}"/>
+                <a16:creationId xmlns:a16="http://schemas.microsoft.com/office/drawing/2014/main" id="{53C4AC70-4E3E-43AE-8994-33F95C36BA92}"/>
               </a:ext>
             </a:extLst>
           </p:cNvPr>
@@ -10280,7 +10412,7 @@
           <a:p>
             <a:r>
               <a:rPr lang="de-DE" dirty="0"/>
-              <a:t>SQL Struktur </a:t>
+              <a:t>SQL Datenbank </a:t>
             </a:r>
             <a:br>
               <a:rPr lang="de-DE" dirty="0"/>
@@ -10297,7 +10429,7 @@
           <p:cNvPr id="4" name="Foliennummernplatzhalter 3">
             <a:extLst>
               <a:ext uri="{FF2B5EF4-FFF2-40B4-BE49-F238E27FC236}">
-                <a16:creationId xmlns:a16="http://schemas.microsoft.com/office/drawing/2014/main" id="{E9898528-BCEC-4CEA-BF98-0B01018CCB93}"/>
+                <a16:creationId xmlns:a16="http://schemas.microsoft.com/office/drawing/2014/main" id="{0F42732D-A4AD-43D8-B118-8D899A61F12C}"/>
               </a:ext>
             </a:extLst>
           </p:cNvPr>
@@ -10317,6 +10449,177 @@
             <a:fld id="{3A98EE3D-8CD1-4C3F-BD1C-C98C9596463C}" type="slidenum">
               <a:rPr lang="en-US" smtClean="0"/>
               <a:t>20</a:t>
+            </a:fld>
+            <a:endParaRPr lang="en-US" dirty="0"/>
+          </a:p>
+        </p:txBody>
+      </p:sp>
+      <p:sp>
+        <p:nvSpPr>
+          <p:cNvPr id="5" name="Textfeld 4">
+            <a:extLst>
+              <a:ext uri="{FF2B5EF4-FFF2-40B4-BE49-F238E27FC236}">
+                <a16:creationId xmlns:a16="http://schemas.microsoft.com/office/drawing/2014/main" id="{BBAE33A2-FF1B-4C08-98A5-FB7787107E03}"/>
+              </a:ext>
+            </a:extLst>
+          </p:cNvPr>
+          <p:cNvSpPr txBox="1"/>
+          <p:nvPr/>
+        </p:nvSpPr>
+        <p:spPr>
+          <a:xfrm>
+            <a:off x="10015668" y="1452681"/>
+            <a:ext cx="2158104" cy="369332"/>
+          </a:xfrm>
+          <a:prstGeom prst="rect">
+            <a:avLst/>
+          </a:prstGeom>
+          <a:noFill/>
+        </p:spPr>
+        <p:txBody>
+          <a:bodyPr wrap="square" rtlCol="0">
+            <a:spAutoFit/>
+          </a:bodyPr>
+          <a:lstStyle/>
+          <a:p>
+            <a:r>
+              <a:rPr lang="de-DE" dirty="0"/>
+              <a:t>Umgesetzt</a:t>
+            </a:r>
+          </a:p>
+        </p:txBody>
+      </p:sp>
+      <p:pic>
+        <p:nvPicPr>
+          <p:cNvPr id="7" name="Grafik 6" descr="Ein Bild, das Text enthält.&#10;&#10;Automatisch generierte Beschreibung">
+            <a:extLst>
+              <a:ext uri="{FF2B5EF4-FFF2-40B4-BE49-F238E27FC236}">
+                <a16:creationId xmlns:a16="http://schemas.microsoft.com/office/drawing/2014/main" id="{421D2CA8-B8B4-4B53-A39E-15604366F30A}"/>
+              </a:ext>
+            </a:extLst>
+          </p:cNvPr>
+          <p:cNvPicPr>
+            <a:picLocks noChangeAspect="1"/>
+          </p:cNvPicPr>
+          <p:nvPr/>
+        </p:nvPicPr>
+        <p:blipFill>
+          <a:blip r:embed="rId3">
+            <a:extLst>
+              <a:ext uri="{28A0092B-C50C-407E-A947-70E740481C1C}">
+                <a14:useLocalDpi xmlns:a14="http://schemas.microsoft.com/office/drawing/2010/main" val="0"/>
+              </a:ext>
+            </a:extLst>
+          </a:blip>
+          <a:stretch>
+            <a:fillRect/>
+          </a:stretch>
+        </p:blipFill>
+        <p:spPr>
+          <a:xfrm>
+            <a:off x="1751456" y="2643066"/>
+            <a:ext cx="8689087" cy="2157534"/>
+          </a:xfrm>
+          <a:prstGeom prst="rect">
+            <a:avLst/>
+          </a:prstGeom>
+        </p:spPr>
+      </p:pic>
+    </p:spTree>
+    <p:extLst>
+      <p:ext uri="{BB962C8B-B14F-4D97-AF65-F5344CB8AC3E}">
+        <p14:creationId xmlns:p14="http://schemas.microsoft.com/office/powerpoint/2010/main" val="2693731678"/>
+      </p:ext>
+    </p:extLst>
+  </p:cSld>
+  <p:clrMapOvr>
+    <a:masterClrMapping/>
+  </p:clrMapOvr>
+</p:sld>
+</file>
+
+<file path=ppt/slides/slide21.xml><?xml version="1.0" encoding="utf-8"?>
+<p:sld xmlns:a="http://schemas.openxmlformats.org/drawingml/2006/main" xmlns:r="http://schemas.openxmlformats.org/officeDocument/2006/relationships" xmlns:p="http://schemas.openxmlformats.org/presentationml/2006/main">
+  <p:cSld>
+    <p:spTree>
+      <p:nvGrpSpPr>
+        <p:cNvPr id="1" name=""/>
+        <p:cNvGrpSpPr/>
+        <p:nvPr/>
+      </p:nvGrpSpPr>
+      <p:grpSpPr>
+        <a:xfrm>
+          <a:off x="0" y="0"/>
+          <a:ext cx="0" cy="0"/>
+          <a:chOff x="0" y="0"/>
+          <a:chExt cx="0" cy="0"/>
+        </a:xfrm>
+      </p:grpSpPr>
+      <p:sp>
+        <p:nvSpPr>
+          <p:cNvPr id="2" name="Titel 1">
+            <a:extLst>
+              <a:ext uri="{FF2B5EF4-FFF2-40B4-BE49-F238E27FC236}">
+                <a16:creationId xmlns:a16="http://schemas.microsoft.com/office/drawing/2014/main" id="{A2F404CC-5FDC-484F-8C5C-BBABDE280C96}"/>
+              </a:ext>
+            </a:extLst>
+          </p:cNvPr>
+          <p:cNvSpPr>
+            <a:spLocks noGrp="1"/>
+          </p:cNvSpPr>
+          <p:nvPr>
+            <p:ph type="title"/>
+          </p:nvPr>
+        </p:nvSpPr>
+        <p:spPr>
+          <a:xfrm>
+            <a:off x="1097280" y="434887"/>
+            <a:ext cx="10058400" cy="1450757"/>
+          </a:xfrm>
+        </p:spPr>
+        <p:txBody>
+          <a:bodyPr/>
+          <a:lstStyle/>
+          <a:p>
+            <a:r>
+              <a:rPr lang="de-DE" dirty="0"/>
+              <a:t>SQL Struktur </a:t>
+            </a:r>
+            <a:br>
+              <a:rPr lang="de-DE" dirty="0"/>
+            </a:br>
+            <a:r>
+              <a:rPr lang="de-DE" dirty="0"/>
+              <a:t>Tägliche Befragung</a:t>
+            </a:r>
+          </a:p>
+        </p:txBody>
+      </p:sp>
+      <p:sp>
+        <p:nvSpPr>
+          <p:cNvPr id="4" name="Foliennummernplatzhalter 3">
+            <a:extLst>
+              <a:ext uri="{FF2B5EF4-FFF2-40B4-BE49-F238E27FC236}">
+                <a16:creationId xmlns:a16="http://schemas.microsoft.com/office/drawing/2014/main" id="{E9898528-BCEC-4CEA-BF98-0B01018CCB93}"/>
+              </a:ext>
+            </a:extLst>
+          </p:cNvPr>
+          <p:cNvSpPr>
+            <a:spLocks noGrp="1"/>
+          </p:cNvSpPr>
+          <p:nvPr>
+            <p:ph type="sldNum" sz="quarter" idx="12"/>
+          </p:nvPr>
+        </p:nvSpPr>
+        <p:spPr/>
+        <p:txBody>
+          <a:bodyPr/>
+          <a:lstStyle/>
+          <a:p>
+            <a:pPr rtl="0"/>
+            <a:fld id="{3A98EE3D-8CD1-4C3F-BD1C-C98C9596463C}" type="slidenum">
+              <a:rPr lang="en-US" smtClean="0"/>
+              <a:t>21</a:t>
             </a:fld>
             <a:endParaRPr lang="en-US" dirty="0"/>
           </a:p>
@@ -10406,7 +10709,7 @@
 </p:sld>
 </file>
 
-<file path=ppt/slides/slide21.xml><?xml version="1.0" encoding="utf-8"?>
+<file path=ppt/slides/slide22.xml><?xml version="1.0" encoding="utf-8"?>
 <p:sld xmlns:a="http://schemas.openxmlformats.org/drawingml/2006/main" xmlns:r="http://schemas.openxmlformats.org/officeDocument/2006/relationships" xmlns:p="http://schemas.openxmlformats.org/presentationml/2006/main">
   <p:cSld>
     <p:spTree>
@@ -10487,7 +10790,7 @@
             <a:pPr rtl="0"/>
             <a:fld id="{3A98EE3D-8CD1-4C3F-BD1C-C98C9596463C}" type="slidenum">
               <a:rPr lang="en-US" smtClean="0"/>
-              <a:t>21</a:t>
+              <a:t>22</a:t>
             </a:fld>
             <a:endParaRPr lang="en-US" dirty="0"/>
           </a:p>
@@ -10577,7 +10880,7 @@
 </p:sld>
 </file>
 
-<file path=ppt/slides/slide22.xml><?xml version="1.0" encoding="utf-8"?>
+<file path=ppt/slides/slide23.xml><?xml version="1.0" encoding="utf-8"?>
 <p:sld xmlns:a="http://schemas.openxmlformats.org/drawingml/2006/main" xmlns:r="http://schemas.openxmlformats.org/officeDocument/2006/relationships" xmlns:p="http://schemas.openxmlformats.org/presentationml/2006/main">
   <p:cSld>
     <p:spTree>
@@ -10658,7 +10961,7 @@
             <a:pPr rtl="0"/>
             <a:fld id="{3A98EE3D-8CD1-4C3F-BD1C-C98C9596463C}" type="slidenum">
               <a:rPr lang="en-US" smtClean="0"/>
-              <a:t>22</a:t>
+              <a:t>23</a:t>
             </a:fld>
             <a:endParaRPr lang="en-US" dirty="0"/>
           </a:p>
@@ -10748,7 +11051,7 @@
 </p:sld>
 </file>
 
-<file path=ppt/slides/slide23.xml><?xml version="1.0" encoding="utf-8"?>
+<file path=ppt/slides/slide24.xml><?xml version="1.0" encoding="utf-8"?>
 <p:sld xmlns:a="http://schemas.openxmlformats.org/drawingml/2006/main" xmlns:r="http://schemas.openxmlformats.org/officeDocument/2006/relationships" xmlns:p="http://schemas.openxmlformats.org/presentationml/2006/main">
   <p:cSld>
     <p:spTree>
@@ -10829,7 +11132,7 @@
             <a:pPr rtl="0"/>
             <a:fld id="{3A98EE3D-8CD1-4C3F-BD1C-C98C9596463C}" type="slidenum">
               <a:rPr lang="en-US" smtClean="0"/>
-              <a:t>23</a:t>
+              <a:t>24</a:t>
             </a:fld>
             <a:endParaRPr lang="en-US" dirty="0"/>
           </a:p>
@@ -10919,171 +11222,6 @@
 </p:sld>
 </file>
 
-<file path=ppt/slides/slide24.xml><?xml version="1.0" encoding="utf-8"?>
-<p:sld xmlns:a="http://schemas.openxmlformats.org/drawingml/2006/main" xmlns:r="http://schemas.openxmlformats.org/officeDocument/2006/relationships" xmlns:p="http://schemas.openxmlformats.org/presentationml/2006/main">
-  <p:cSld>
-    <p:spTree>
-      <p:nvGrpSpPr>
-        <p:cNvPr id="1" name=""/>
-        <p:cNvGrpSpPr/>
-        <p:nvPr/>
-      </p:nvGrpSpPr>
-      <p:grpSpPr>
-        <a:xfrm>
-          <a:off x="0" y="0"/>
-          <a:ext cx="0" cy="0"/>
-          <a:chOff x="0" y="0"/>
-          <a:chExt cx="0" cy="0"/>
-        </a:xfrm>
-      </p:grpSpPr>
-      <p:sp>
-        <p:nvSpPr>
-          <p:cNvPr id="2" name="Titel 1">
-            <a:extLst>
-              <a:ext uri="{FF2B5EF4-FFF2-40B4-BE49-F238E27FC236}">
-                <a16:creationId xmlns:a16="http://schemas.microsoft.com/office/drawing/2014/main" id="{4E4056F1-95D3-4103-B2BE-651E4D917EE6}"/>
-              </a:ext>
-            </a:extLst>
-          </p:cNvPr>
-          <p:cNvSpPr>
-            <a:spLocks noGrp="1"/>
-          </p:cNvSpPr>
-          <p:nvPr>
-            <p:ph type="title"/>
-          </p:nvPr>
-        </p:nvSpPr>
-        <p:spPr/>
-        <p:txBody>
-          <a:bodyPr/>
-          <a:lstStyle/>
-          <a:p>
-            <a:r>
-              <a:rPr lang="de-DE" dirty="0"/>
-              <a:t>ER-Diagramm </a:t>
-            </a:r>
-            <a:br>
-              <a:rPr lang="de-DE" dirty="0"/>
-            </a:br>
-            <a:r>
-              <a:rPr lang="de-DE" dirty="0"/>
-              <a:t>Favoriten</a:t>
-            </a:r>
-          </a:p>
-        </p:txBody>
-      </p:sp>
-      <p:sp>
-        <p:nvSpPr>
-          <p:cNvPr id="4" name="Foliennummernplatzhalter 3">
-            <a:extLst>
-              <a:ext uri="{FF2B5EF4-FFF2-40B4-BE49-F238E27FC236}">
-                <a16:creationId xmlns:a16="http://schemas.microsoft.com/office/drawing/2014/main" id="{ED11B56A-F565-4118-A8F3-E25EDF21E261}"/>
-              </a:ext>
-            </a:extLst>
-          </p:cNvPr>
-          <p:cNvSpPr>
-            <a:spLocks noGrp="1"/>
-          </p:cNvSpPr>
-          <p:nvPr>
-            <p:ph type="sldNum" sz="quarter" idx="12"/>
-          </p:nvPr>
-        </p:nvSpPr>
-        <p:spPr/>
-        <p:txBody>
-          <a:bodyPr/>
-          <a:lstStyle/>
-          <a:p>
-            <a:pPr rtl="0"/>
-            <a:fld id="{3A98EE3D-8CD1-4C3F-BD1C-C98C9596463C}" type="slidenum">
-              <a:rPr lang="en-US" smtClean="0"/>
-              <a:t>24</a:t>
-            </a:fld>
-            <a:endParaRPr lang="en-US" dirty="0"/>
-          </a:p>
-        </p:txBody>
-      </p:sp>
-      <p:pic>
-        <p:nvPicPr>
-          <p:cNvPr id="6" name="Grafik 5">
-            <a:extLst>
-              <a:ext uri="{FF2B5EF4-FFF2-40B4-BE49-F238E27FC236}">
-                <a16:creationId xmlns:a16="http://schemas.microsoft.com/office/drawing/2014/main" id="{15CE0D53-A421-4F20-A266-5039CC98F763}"/>
-              </a:ext>
-            </a:extLst>
-          </p:cNvPr>
-          <p:cNvPicPr>
-            <a:picLocks noChangeAspect="1"/>
-          </p:cNvPicPr>
-          <p:nvPr/>
-        </p:nvPicPr>
-        <p:blipFill rotWithShape="1">
-          <a:blip r:embed="rId3">
-            <a:extLst>
-              <a:ext uri="{28A0092B-C50C-407E-A947-70E740481C1C}">
-                <a14:useLocalDpi xmlns:a14="http://schemas.microsoft.com/office/drawing/2010/main" val="0"/>
-              </a:ext>
-            </a:extLst>
-          </a:blip>
-          <a:srcRect l="1895" t="4286" r="2730" b="4176"/>
-          <a:stretch/>
-        </p:blipFill>
-        <p:spPr>
-          <a:xfrm>
-            <a:off x="2782118" y="1947552"/>
-            <a:ext cx="6627763" cy="4394965"/>
-          </a:xfrm>
-          <a:prstGeom prst="rect">
-            <a:avLst/>
-          </a:prstGeom>
-        </p:spPr>
-      </p:pic>
-      <p:sp>
-        <p:nvSpPr>
-          <p:cNvPr id="3" name="Textfeld 2">
-            <a:extLst>
-              <a:ext uri="{FF2B5EF4-FFF2-40B4-BE49-F238E27FC236}">
-                <a16:creationId xmlns:a16="http://schemas.microsoft.com/office/drawing/2014/main" id="{3725DAE3-D620-4329-BB86-C99E592409B3}"/>
-              </a:ext>
-            </a:extLst>
-          </p:cNvPr>
-          <p:cNvSpPr txBox="1"/>
-          <p:nvPr/>
-        </p:nvSpPr>
-        <p:spPr>
-          <a:xfrm>
-            <a:off x="9409881" y="1473124"/>
-            <a:ext cx="2158104" cy="369332"/>
-          </a:xfrm>
-          <a:prstGeom prst="rect">
-            <a:avLst/>
-          </a:prstGeom>
-          <a:noFill/>
-        </p:spPr>
-        <p:txBody>
-          <a:bodyPr wrap="square" rtlCol="0">
-            <a:spAutoFit/>
-          </a:bodyPr>
-          <a:lstStyle/>
-          <a:p>
-            <a:r>
-              <a:rPr lang="de-DE" dirty="0"/>
-              <a:t>Nicht umgesetzt</a:t>
-            </a:r>
-          </a:p>
-        </p:txBody>
-      </p:sp>
-    </p:spTree>
-    <p:extLst>
-      <p:ext uri="{BB962C8B-B14F-4D97-AF65-F5344CB8AC3E}">
-        <p14:creationId xmlns:p14="http://schemas.microsoft.com/office/powerpoint/2010/main" val="2617969784"/>
-      </p:ext>
-    </p:extLst>
-  </p:cSld>
-  <p:clrMapOvr>
-    <a:masterClrMapping/>
-  </p:clrMapOvr>
-</p:sld>
-</file>
-
 <file path=ppt/slides/slide25.xml><?xml version="1.0" encoding="utf-8"?>
 <p:sld xmlns:a="http://schemas.openxmlformats.org/drawingml/2006/main" xmlns:r="http://schemas.openxmlformats.org/officeDocument/2006/relationships" xmlns:p="http://schemas.openxmlformats.org/presentationml/2006/main">
   <p:cSld>
@@ -11106,7 +11244,7 @@
           <p:cNvPr id="2" name="Titel 1">
             <a:extLst>
               <a:ext uri="{FF2B5EF4-FFF2-40B4-BE49-F238E27FC236}">
-                <a16:creationId xmlns:a16="http://schemas.microsoft.com/office/drawing/2014/main" id="{301E3B99-90E6-4810-9291-4FFCF04B9D93}"/>
+                <a16:creationId xmlns:a16="http://schemas.microsoft.com/office/drawing/2014/main" id="{4E4056F1-95D3-4103-B2BE-651E4D917EE6}"/>
               </a:ext>
             </a:extLst>
           </p:cNvPr>
@@ -11124,7 +11262,7 @@
           <a:p>
             <a:r>
               <a:rPr lang="de-DE" dirty="0"/>
-              <a:t>SQL Datenbank </a:t>
+              <a:t>ER-Diagramm </a:t>
             </a:r>
             <a:br>
               <a:rPr lang="de-DE" dirty="0"/>
@@ -11141,7 +11279,7 @@
           <p:cNvPr id="4" name="Foliennummernplatzhalter 3">
             <a:extLst>
               <a:ext uri="{FF2B5EF4-FFF2-40B4-BE49-F238E27FC236}">
-                <a16:creationId xmlns:a16="http://schemas.microsoft.com/office/drawing/2014/main" id="{1576703A-D045-4142-B6BC-28811375C559}"/>
+                <a16:creationId xmlns:a16="http://schemas.microsoft.com/office/drawing/2014/main" id="{ED11B56A-F565-4118-A8F3-E25EDF21E261}"/>
               </a:ext>
             </a:extLst>
           </p:cNvPr>
@@ -11171,7 +11309,7 @@
           <p:cNvPr id="6" name="Grafik 5">
             <a:extLst>
               <a:ext uri="{FF2B5EF4-FFF2-40B4-BE49-F238E27FC236}">
-                <a16:creationId xmlns:a16="http://schemas.microsoft.com/office/drawing/2014/main" id="{593217E4-29FC-4329-80A6-2BB582584D41}"/>
+                <a16:creationId xmlns:a16="http://schemas.microsoft.com/office/drawing/2014/main" id="{15CE0D53-A421-4F20-A266-5039CC98F763}"/>
               </a:ext>
             </a:extLst>
           </p:cNvPr>
@@ -11180,7 +11318,7 @@
           </p:cNvPicPr>
           <p:nvPr/>
         </p:nvPicPr>
-        <p:blipFill>
+        <p:blipFill rotWithShape="1">
           <a:blip r:embed="rId3">
             <a:extLst>
               <a:ext uri="{28A0092B-C50C-407E-A947-70E740481C1C}">
@@ -11188,62 +11326,25 @@
               </a:ext>
             </a:extLst>
           </a:blip>
-          <a:stretch>
-            <a:fillRect/>
-          </a:stretch>
+          <a:srcRect l="1895" t="4286" r="2730" b="4176"/>
+          <a:stretch/>
         </p:blipFill>
         <p:spPr>
           <a:xfrm>
-            <a:off x="1098710" y="2263656"/>
-            <a:ext cx="10056970" cy="1548319"/>
+            <a:off x="2782118" y="1947552"/>
+            <a:ext cx="6627763" cy="4394965"/>
           </a:xfrm>
           <a:prstGeom prst="rect">
             <a:avLst/>
           </a:prstGeom>
         </p:spPr>
       </p:pic>
-      <p:pic>
-        <p:nvPicPr>
-          <p:cNvPr id="8" name="Grafik 7">
-            <a:extLst>
-              <a:ext uri="{FF2B5EF4-FFF2-40B4-BE49-F238E27FC236}">
-                <a16:creationId xmlns:a16="http://schemas.microsoft.com/office/drawing/2014/main" id="{8A83C62C-6979-406D-8767-9D97D06DABE3}"/>
-              </a:ext>
-            </a:extLst>
-          </p:cNvPr>
-          <p:cNvPicPr>
-            <a:picLocks noChangeAspect="1"/>
-          </p:cNvPicPr>
-          <p:nvPr/>
-        </p:nvPicPr>
-        <p:blipFill>
-          <a:blip r:embed="rId4">
-            <a:extLst>
-              <a:ext uri="{28A0092B-C50C-407E-A947-70E740481C1C}">
-                <a14:useLocalDpi xmlns:a14="http://schemas.microsoft.com/office/drawing/2010/main" val="0"/>
-              </a:ext>
-            </a:extLst>
-          </a:blip>
-          <a:stretch>
-            <a:fillRect/>
-          </a:stretch>
-        </p:blipFill>
-        <p:spPr>
-          <a:xfrm>
-            <a:off x="1097280" y="4384572"/>
-            <a:ext cx="2999387" cy="1351209"/>
-          </a:xfrm>
-          <a:prstGeom prst="rect">
-            <a:avLst/>
-          </a:prstGeom>
-        </p:spPr>
-      </p:pic>
-      <p:sp>
-        <p:nvSpPr>
-          <p:cNvPr id="7" name="Textfeld 6">
-            <a:extLst>
-              <a:ext uri="{FF2B5EF4-FFF2-40B4-BE49-F238E27FC236}">
-                <a16:creationId xmlns:a16="http://schemas.microsoft.com/office/drawing/2014/main" id="{A0C45FFC-1D80-415F-AEB8-965C748DC274}"/>
+      <p:sp>
+        <p:nvSpPr>
+          <p:cNvPr id="3" name="Textfeld 2">
+            <a:extLst>
+              <a:ext uri="{FF2B5EF4-FFF2-40B4-BE49-F238E27FC236}">
+                <a16:creationId xmlns:a16="http://schemas.microsoft.com/office/drawing/2014/main" id="{3725DAE3-D620-4329-BB86-C99E592409B3}"/>
               </a:ext>
             </a:extLst>
           </p:cNvPr>
@@ -11276,7 +11377,7 @@
     </p:spTree>
     <p:extLst>
       <p:ext uri="{BB962C8B-B14F-4D97-AF65-F5344CB8AC3E}">
-        <p14:creationId xmlns:p14="http://schemas.microsoft.com/office/powerpoint/2010/main" val="785191862"/>
+        <p14:creationId xmlns:p14="http://schemas.microsoft.com/office/powerpoint/2010/main" val="2617969784"/>
       </p:ext>
     </p:extLst>
   </p:cSld>
@@ -11308,7 +11409,7 @@
           <p:cNvPr id="2" name="Titel 1">
             <a:extLst>
               <a:ext uri="{FF2B5EF4-FFF2-40B4-BE49-F238E27FC236}">
-                <a16:creationId xmlns:a16="http://schemas.microsoft.com/office/drawing/2014/main" id="{C5CEC7AA-D6D0-4A38-A1E0-6F021008DBE3}"/>
+                <a16:creationId xmlns:a16="http://schemas.microsoft.com/office/drawing/2014/main" id="{301E3B99-90E6-4810-9291-4FFCF04B9D93}"/>
               </a:ext>
             </a:extLst>
           </p:cNvPr>
@@ -11326,7 +11427,7 @@
           <a:p>
             <a:r>
               <a:rPr lang="de-DE" dirty="0"/>
-              <a:t>SQL Struktur </a:t>
+              <a:t>SQL Datenbank </a:t>
             </a:r>
             <a:br>
               <a:rPr lang="de-DE" dirty="0"/>
@@ -11343,7 +11444,7 @@
           <p:cNvPr id="4" name="Foliennummernplatzhalter 3">
             <a:extLst>
               <a:ext uri="{FF2B5EF4-FFF2-40B4-BE49-F238E27FC236}">
-                <a16:creationId xmlns:a16="http://schemas.microsoft.com/office/drawing/2014/main" id="{AE2EFFA6-5193-4DE4-8AAD-206D3391BFE2}"/>
+                <a16:creationId xmlns:a16="http://schemas.microsoft.com/office/drawing/2014/main" id="{1576703A-D045-4142-B6BC-28811375C559}"/>
               </a:ext>
             </a:extLst>
           </p:cNvPr>
@@ -11370,10 +11471,10 @@
       </p:sp>
       <p:pic>
         <p:nvPicPr>
-          <p:cNvPr id="6" name="Grafik 5" descr="Ein Bild, das Text enthält.&#10;&#10;Automatisch generierte Beschreibung">
-            <a:extLst>
-              <a:ext uri="{FF2B5EF4-FFF2-40B4-BE49-F238E27FC236}">
-                <a16:creationId xmlns:a16="http://schemas.microsoft.com/office/drawing/2014/main" id="{C278BA14-3424-4A78-9440-89895EB97CDF}"/>
+          <p:cNvPr id="6" name="Grafik 5">
+            <a:extLst>
+              <a:ext uri="{FF2B5EF4-FFF2-40B4-BE49-F238E27FC236}">
+                <a16:creationId xmlns:a16="http://schemas.microsoft.com/office/drawing/2014/main" id="{593217E4-29FC-4329-80A6-2BB582584D41}"/>
               </a:ext>
             </a:extLst>
           </p:cNvPr>
@@ -11383,7 +11484,7 @@
           <p:nvPr/>
         </p:nvPicPr>
         <p:blipFill>
-          <a:blip r:embed="rId2">
+          <a:blip r:embed="rId3">
             <a:extLst>
               <a:ext uri="{28A0092B-C50C-407E-A947-70E740481C1C}">
                 <a14:useLocalDpi xmlns:a14="http://schemas.microsoft.com/office/drawing/2010/main" val="0"/>
@@ -11396,8 +11497,8 @@
         </p:blipFill>
         <p:spPr>
           <a:xfrm>
-            <a:off x="966872" y="2303964"/>
-            <a:ext cx="10258256" cy="1450757"/>
+            <a:off x="1098710" y="2263656"/>
+            <a:ext cx="10056970" cy="1548319"/>
           </a:xfrm>
           <a:prstGeom prst="rect">
             <a:avLst/>
@@ -11409,7 +11510,7 @@
           <p:cNvPr id="8" name="Grafik 7">
             <a:extLst>
               <a:ext uri="{FF2B5EF4-FFF2-40B4-BE49-F238E27FC236}">
-                <a16:creationId xmlns:a16="http://schemas.microsoft.com/office/drawing/2014/main" id="{A48D8983-542A-4738-8252-257BDBCCF1B7}"/>
+                <a16:creationId xmlns:a16="http://schemas.microsoft.com/office/drawing/2014/main" id="{8A83C62C-6979-406D-8767-9D97D06DABE3}"/>
               </a:ext>
             </a:extLst>
           </p:cNvPr>
@@ -11419,7 +11520,7 @@
           <p:nvPr/>
         </p:nvPicPr>
         <p:blipFill>
-          <a:blip r:embed="rId3">
+          <a:blip r:embed="rId4">
             <a:extLst>
               <a:ext uri="{28A0092B-C50C-407E-A947-70E740481C1C}">
                 <a14:useLocalDpi xmlns:a14="http://schemas.microsoft.com/office/drawing/2010/main" val="0"/>
@@ -11432,8 +11533,8 @@
         </p:blipFill>
         <p:spPr>
           <a:xfrm>
-            <a:off x="966872" y="4360667"/>
-            <a:ext cx="6811326" cy="1076475"/>
+            <a:off x="1097280" y="4384572"/>
+            <a:ext cx="2999387" cy="1351209"/>
           </a:xfrm>
           <a:prstGeom prst="rect">
             <a:avLst/>
@@ -11445,7 +11546,7 @@
           <p:cNvPr id="7" name="Textfeld 6">
             <a:extLst>
               <a:ext uri="{FF2B5EF4-FFF2-40B4-BE49-F238E27FC236}">
-                <a16:creationId xmlns:a16="http://schemas.microsoft.com/office/drawing/2014/main" id="{B6BEE93D-56FE-4DD0-9DBA-6170FA6AF840}"/>
+                <a16:creationId xmlns:a16="http://schemas.microsoft.com/office/drawing/2014/main" id="{A0C45FFC-1D80-415F-AEB8-965C748DC274}"/>
               </a:ext>
             </a:extLst>
           </p:cNvPr>
@@ -11478,7 +11579,7 @@
     </p:spTree>
     <p:extLst>
       <p:ext uri="{BB962C8B-B14F-4D97-AF65-F5344CB8AC3E}">
-        <p14:creationId xmlns:p14="http://schemas.microsoft.com/office/powerpoint/2010/main" val="1191174246"/>
+        <p14:creationId xmlns:p14="http://schemas.microsoft.com/office/powerpoint/2010/main" val="785191862"/>
       </p:ext>
     </p:extLst>
   </p:cSld>
@@ -11510,7 +11611,7 @@
           <p:cNvPr id="2" name="Titel 1">
             <a:extLst>
               <a:ext uri="{FF2B5EF4-FFF2-40B4-BE49-F238E27FC236}">
-                <a16:creationId xmlns:a16="http://schemas.microsoft.com/office/drawing/2014/main" id="{4DC4D8DE-1034-4059-B907-B2FCA56F6799}"/>
+                <a16:creationId xmlns:a16="http://schemas.microsoft.com/office/drawing/2014/main" id="{C5CEC7AA-D6D0-4A38-A1E0-6F021008DBE3}"/>
               </a:ext>
             </a:extLst>
           </p:cNvPr>
@@ -11521,129 +11622,166 @@
             <p:ph type="title"/>
           </p:nvPr>
         </p:nvSpPr>
+        <p:spPr/>
+        <p:txBody>
+          <a:bodyPr/>
+          <a:lstStyle/>
+          <a:p>
+            <a:r>
+              <a:rPr lang="de-DE" dirty="0"/>
+              <a:t>SQL Struktur </a:t>
+            </a:r>
+            <a:br>
+              <a:rPr lang="de-DE" dirty="0"/>
+            </a:br>
+            <a:r>
+              <a:rPr lang="de-DE" dirty="0"/>
+              <a:t>Favoriten</a:t>
+            </a:r>
+          </a:p>
+        </p:txBody>
+      </p:sp>
+      <p:sp>
+        <p:nvSpPr>
+          <p:cNvPr id="4" name="Foliennummernplatzhalter 3">
+            <a:extLst>
+              <a:ext uri="{FF2B5EF4-FFF2-40B4-BE49-F238E27FC236}">
+                <a16:creationId xmlns:a16="http://schemas.microsoft.com/office/drawing/2014/main" id="{AE2EFFA6-5193-4DE4-8AAD-206D3391BFE2}"/>
+              </a:ext>
+            </a:extLst>
+          </p:cNvPr>
+          <p:cNvSpPr>
+            <a:spLocks noGrp="1"/>
+          </p:cNvSpPr>
+          <p:nvPr>
+            <p:ph type="sldNum" sz="quarter" idx="12"/>
+          </p:nvPr>
+        </p:nvSpPr>
+        <p:spPr/>
+        <p:txBody>
+          <a:bodyPr/>
+          <a:lstStyle/>
+          <a:p>
+            <a:pPr rtl="0"/>
+            <a:fld id="{3A98EE3D-8CD1-4C3F-BD1C-C98C9596463C}" type="slidenum">
+              <a:rPr lang="en-US" smtClean="0"/>
+              <a:t>27</a:t>
+            </a:fld>
+            <a:endParaRPr lang="en-US" dirty="0"/>
+          </a:p>
+        </p:txBody>
+      </p:sp>
+      <p:pic>
+        <p:nvPicPr>
+          <p:cNvPr id="6" name="Grafik 5" descr="Ein Bild, das Text enthält.&#10;&#10;Automatisch generierte Beschreibung">
+            <a:extLst>
+              <a:ext uri="{FF2B5EF4-FFF2-40B4-BE49-F238E27FC236}">
+                <a16:creationId xmlns:a16="http://schemas.microsoft.com/office/drawing/2014/main" id="{C278BA14-3424-4A78-9440-89895EB97CDF}"/>
+              </a:ext>
+            </a:extLst>
+          </p:cNvPr>
+          <p:cNvPicPr>
+            <a:picLocks noChangeAspect="1"/>
+          </p:cNvPicPr>
+          <p:nvPr/>
+        </p:nvPicPr>
+        <p:blipFill>
+          <a:blip r:embed="rId2">
+            <a:extLst>
+              <a:ext uri="{28A0092B-C50C-407E-A947-70E740481C1C}">
+                <a14:useLocalDpi xmlns:a14="http://schemas.microsoft.com/office/drawing/2010/main" val="0"/>
+              </a:ext>
+            </a:extLst>
+          </a:blip>
+          <a:stretch>
+            <a:fillRect/>
+          </a:stretch>
+        </p:blipFill>
         <p:spPr>
           <a:xfrm>
-            <a:off x="1097280" y="758952"/>
-            <a:ext cx="10058400" cy="3566160"/>
-          </a:xfrm>
-        </p:spPr>
-        <p:txBody>
-          <a:bodyPr anchor="b">
-            <a:normAutofit/>
-          </a:bodyPr>
-          <a:lstStyle/>
-          <a:p>
-            <a:r>
-              <a:rPr lang="de-DE" sz="7400" dirty="0"/>
-              <a:t>Zielhierarchie</a:t>
-            </a:r>
-          </a:p>
-        </p:txBody>
-      </p:sp>
-      <p:sp>
-        <p:nvSpPr>
-          <p:cNvPr id="3" name="Foliennummernplatzhalter 2">
-            <a:extLst>
-              <a:ext uri="{FF2B5EF4-FFF2-40B4-BE49-F238E27FC236}">
-                <a16:creationId xmlns:a16="http://schemas.microsoft.com/office/drawing/2014/main" id="{585CF4AE-527C-4AA2-906C-B9F7B3281748}"/>
-              </a:ext>
-            </a:extLst>
-          </p:cNvPr>
-          <p:cNvSpPr>
-            <a:spLocks noGrp="1"/>
-          </p:cNvSpPr>
-          <p:nvPr>
-            <p:ph type="sldNum" sz="quarter" idx="12"/>
-          </p:nvPr>
-        </p:nvSpPr>
-        <p:spPr>
-          <a:xfrm>
-            <a:off x="10993582" y="6446838"/>
-            <a:ext cx="780010" cy="365125"/>
-          </a:xfrm>
-        </p:spPr>
-        <p:txBody>
-          <a:bodyPr anchor="ctr">
-            <a:normAutofit/>
-          </a:bodyPr>
-          <a:lstStyle/>
-          <a:p>
-            <a:pPr rtl="0">
-              <a:spcAft>
-                <a:spcPts val="600"/>
-              </a:spcAft>
-            </a:pPr>
-            <a:fld id="{3A98EE3D-8CD1-4C3F-BD1C-C98C9596463C}" type="slidenum">
-              <a:rPr lang="en-US" smtClean="0"/>
-              <a:pPr rtl="0">
-                <a:spcAft>
-                  <a:spcPts val="600"/>
-                </a:spcAft>
-              </a:pPr>
-              <a:t>27</a:t>
-            </a:fld>
-            <a:endParaRPr lang="en-US"/>
-          </a:p>
-        </p:txBody>
-      </p:sp>
-      <p:sp>
-        <p:nvSpPr>
-          <p:cNvPr id="4" name="Titel 1">
-            <a:extLst>
-              <a:ext uri="{FF2B5EF4-FFF2-40B4-BE49-F238E27FC236}">
-                <a16:creationId xmlns:a16="http://schemas.microsoft.com/office/drawing/2014/main" id="{14040106-2C9B-47A0-AA16-571538A46A0C}"/>
-              </a:ext>
-            </a:extLst>
-          </p:cNvPr>
-          <p:cNvSpPr txBox="1">
-            <a:spLocks/>
-          </p:cNvSpPr>
-          <p:nvPr/>
-        </p:nvSpPr>
-        <p:spPr>
-          <a:xfrm>
-            <a:off x="1097280" y="4744569"/>
-            <a:ext cx="10058400" cy="641405"/>
+            <a:off x="966872" y="2303964"/>
+            <a:ext cx="10258256" cy="1450757"/>
           </a:xfrm>
           <a:prstGeom prst="rect">
             <a:avLst/>
           </a:prstGeom>
         </p:spPr>
-        <p:txBody>
-          <a:bodyPr vert="horz" lIns="91440" tIns="45720" rIns="91440" bIns="45720" rtlCol="0" anchor="b" anchorCtr="0">
-            <a:normAutofit fontScale="62500" lnSpcReduction="20000"/>
+      </p:pic>
+      <p:pic>
+        <p:nvPicPr>
+          <p:cNvPr id="8" name="Grafik 7">
+            <a:extLst>
+              <a:ext uri="{FF2B5EF4-FFF2-40B4-BE49-F238E27FC236}">
+                <a16:creationId xmlns:a16="http://schemas.microsoft.com/office/drawing/2014/main" id="{A48D8983-542A-4738-8252-257BDBCCF1B7}"/>
+              </a:ext>
+            </a:extLst>
+          </p:cNvPr>
+          <p:cNvPicPr>
+            <a:picLocks noChangeAspect="1"/>
+          </p:cNvPicPr>
+          <p:nvPr/>
+        </p:nvPicPr>
+        <p:blipFill>
+          <a:blip r:embed="rId3">
+            <a:extLst>
+              <a:ext uri="{28A0092B-C50C-407E-A947-70E740481C1C}">
+                <a14:useLocalDpi xmlns:a14="http://schemas.microsoft.com/office/drawing/2010/main" val="0"/>
+              </a:ext>
+            </a:extLst>
+          </a:blip>
+          <a:stretch>
+            <a:fillRect/>
+          </a:stretch>
+        </p:blipFill>
+        <p:spPr>
+          <a:xfrm>
+            <a:off x="966872" y="4360667"/>
+            <a:ext cx="6811326" cy="1076475"/>
+          </a:xfrm>
+          <a:prstGeom prst="rect">
+            <a:avLst/>
+          </a:prstGeom>
+        </p:spPr>
+      </p:pic>
+      <p:sp>
+        <p:nvSpPr>
+          <p:cNvPr id="7" name="Textfeld 6">
+            <a:extLst>
+              <a:ext uri="{FF2B5EF4-FFF2-40B4-BE49-F238E27FC236}">
+                <a16:creationId xmlns:a16="http://schemas.microsoft.com/office/drawing/2014/main" id="{B6BEE93D-56FE-4DD0-9DBA-6170FA6AF840}"/>
+              </a:ext>
+            </a:extLst>
+          </p:cNvPr>
+          <p:cNvSpPr txBox="1"/>
+          <p:nvPr/>
+        </p:nvSpPr>
+        <p:spPr>
+          <a:xfrm>
+            <a:off x="9409881" y="1473124"/>
+            <a:ext cx="2158104" cy="369332"/>
+          </a:xfrm>
+          <a:prstGeom prst="rect">
+            <a:avLst/>
+          </a:prstGeom>
+          <a:noFill/>
+        </p:spPr>
+        <p:txBody>
+          <a:bodyPr wrap="square" rtlCol="0">
+            <a:spAutoFit/>
           </a:bodyPr>
-          <a:lstStyle>
-            <a:lvl1pPr algn="l" defTabSz="914400" rtl="0" eaLnBrk="1" latinLnBrk="0" hangingPunct="1">
-              <a:lnSpc>
-                <a:spcPct val="90000"/>
-              </a:lnSpc>
-              <a:spcBef>
-                <a:spcPct val="0"/>
-              </a:spcBef>
-              <a:buNone/>
-              <a:defRPr sz="8000" b="0" i="0" kern="1200" spc="-50" baseline="0">
-                <a:solidFill>
-                  <a:schemeClr val="tx1">
-                    <a:lumMod val="85000"/>
-                    <a:lumOff val="15000"/>
-                  </a:schemeClr>
-                </a:solidFill>
-                <a:latin typeface="+mj-lt"/>
-                <a:ea typeface="+mj-ea"/>
-                <a:cs typeface="+mj-cs"/>
-              </a:defRPr>
-            </a:lvl1pPr>
-          </a:lstStyle>
-          <a:p>
-            <a:endParaRPr lang="de-DE" sz="7900" dirty="0"/>
+          <a:lstStyle/>
+          <a:p>
+            <a:r>
+              <a:rPr lang="de-DE" dirty="0"/>
+              <a:t>Nicht umgesetzt</a:t>
+            </a:r>
           </a:p>
         </p:txBody>
       </p:sp>
     </p:spTree>
     <p:extLst>
       <p:ext uri="{BB962C8B-B14F-4D97-AF65-F5344CB8AC3E}">
-        <p14:creationId xmlns:p14="http://schemas.microsoft.com/office/powerpoint/2010/main" val="2660464370"/>
+        <p14:creationId xmlns:p14="http://schemas.microsoft.com/office/powerpoint/2010/main" val="1191174246"/>
       </p:ext>
     </p:extLst>
   </p:cSld>
@@ -11675,7 +11813,7 @@
           <p:cNvPr id="2" name="Titel 1">
             <a:extLst>
               <a:ext uri="{FF2B5EF4-FFF2-40B4-BE49-F238E27FC236}">
-                <a16:creationId xmlns:a16="http://schemas.microsoft.com/office/drawing/2014/main" id="{80EE4ADB-3912-4818-9107-B9B53667FC56}"/>
+                <a16:creationId xmlns:a16="http://schemas.microsoft.com/office/drawing/2014/main" id="{4DC4D8DE-1034-4059-B907-B2FCA56F6799}"/>
               </a:ext>
             </a:extLst>
           </p:cNvPr>
@@ -11688,8 +11826,8 @@
         </p:nvSpPr>
         <p:spPr>
           <a:xfrm>
-            <a:off x="1097280" y="286603"/>
-            <a:ext cx="10058400" cy="1450757"/>
+            <a:off x="1097280" y="758952"/>
+            <a:ext cx="10058400" cy="3566160"/>
           </a:xfrm>
         </p:spPr>
         <p:txBody>
@@ -11699,7 +11837,7 @@
           <a:lstStyle/>
           <a:p>
             <a:r>
-              <a:rPr lang="de-DE" dirty="0"/>
+              <a:rPr lang="de-DE" sz="7400" dirty="0"/>
               <a:t>Zielhierarchie</a:t>
             </a:r>
           </a:p>
@@ -11707,10 +11845,10 @@
       </p:sp>
       <p:sp>
         <p:nvSpPr>
-          <p:cNvPr id="4" name="Foliennummernplatzhalter 3">
-            <a:extLst>
-              <a:ext uri="{FF2B5EF4-FFF2-40B4-BE49-F238E27FC236}">
-                <a16:creationId xmlns:a16="http://schemas.microsoft.com/office/drawing/2014/main" id="{0A6814A5-E621-4F6A-97F4-4E20661FA280}"/>
+          <p:cNvPr id="3" name="Foliennummernplatzhalter 2">
+            <a:extLst>
+              <a:ext uri="{FF2B5EF4-FFF2-40B4-BE49-F238E27FC236}">
+                <a16:creationId xmlns:a16="http://schemas.microsoft.com/office/drawing/2014/main" id="{585CF4AE-527C-4AA2-906C-B9F7B3281748}"/>
               </a:ext>
             </a:extLst>
           </p:cNvPr>
@@ -11751,171 +11889,64 @@
           </a:p>
         </p:txBody>
       </p:sp>
-      <p:pic>
-        <p:nvPicPr>
-          <p:cNvPr id="6" name="Grafik 5" descr="Ein Bild, das Text enthält.&#10;&#10;Automatisch generierte Beschreibung">
-            <a:extLst>
-              <a:ext uri="{FF2B5EF4-FFF2-40B4-BE49-F238E27FC236}">
-                <a16:creationId xmlns:a16="http://schemas.microsoft.com/office/drawing/2014/main" id="{5BD0F67F-BE0B-4B03-A42F-12ECCD5074C2}"/>
-              </a:ext>
-            </a:extLst>
-          </p:cNvPr>
-          <p:cNvPicPr>
-            <a:picLocks noChangeAspect="1"/>
-          </p:cNvPicPr>
+      <p:sp>
+        <p:nvSpPr>
+          <p:cNvPr id="4" name="Titel 1">
+            <a:extLst>
+              <a:ext uri="{FF2B5EF4-FFF2-40B4-BE49-F238E27FC236}">
+                <a16:creationId xmlns:a16="http://schemas.microsoft.com/office/drawing/2014/main" id="{14040106-2C9B-47A0-AA16-571538A46A0C}"/>
+              </a:ext>
+            </a:extLst>
+          </p:cNvPr>
+          <p:cNvSpPr txBox="1">
+            <a:spLocks/>
+          </p:cNvSpPr>
           <p:nvPr/>
-        </p:nvPicPr>
-        <p:blipFill rotWithShape="1">
-          <a:blip r:embed="rId3">
-            <a:extLst>
-              <a:ext uri="{28A0092B-C50C-407E-A947-70E740481C1C}">
-                <a14:useLocalDpi xmlns:a14="http://schemas.microsoft.com/office/drawing/2010/main" val="0"/>
-              </a:ext>
-            </a:extLst>
-          </a:blip>
-          <a:srcRect t="17675" r="27269" b="9892"/>
-          <a:stretch/>
-        </p:blipFill>
+        </p:nvSpPr>
         <p:spPr>
           <a:xfrm>
-            <a:off x="2362571" y="2027918"/>
-            <a:ext cx="7466857" cy="4182878"/>
+            <a:off x="1097280" y="4744569"/>
+            <a:ext cx="10058400" cy="641405"/>
           </a:xfrm>
           <a:prstGeom prst="rect">
             <a:avLst/>
           </a:prstGeom>
         </p:spPr>
-      </p:pic>
-      <p:sp>
-        <p:nvSpPr>
-          <p:cNvPr id="10" name="Textfeld 9">
-            <a:extLst>
-              <a:ext uri="{FF2B5EF4-FFF2-40B4-BE49-F238E27FC236}">
-                <a16:creationId xmlns:a16="http://schemas.microsoft.com/office/drawing/2014/main" id="{BBC4B259-4562-434A-A636-984F52C614ED}"/>
-              </a:ext>
-            </a:extLst>
-          </p:cNvPr>
-          <p:cNvSpPr txBox="1"/>
-          <p:nvPr/>
-        </p:nvSpPr>
-        <p:spPr>
-          <a:xfrm>
-            <a:off x="2952750" y="4936916"/>
-            <a:ext cx="5876388" cy="261610"/>
-          </a:xfrm>
-          <a:prstGeom prst="rect">
-            <a:avLst/>
-          </a:prstGeom>
-          <a:noFill/>
-        </p:spPr>
-        <p:txBody>
-          <a:bodyPr wrap="square">
-            <a:spAutoFit/>
+        <p:txBody>
+          <a:bodyPr vert="horz" lIns="91440" tIns="45720" rIns="91440" bIns="45720" rtlCol="0" anchor="b" anchorCtr="0">
+            <a:normAutofit fontScale="62500" lnSpcReduction="20000"/>
           </a:bodyPr>
-          <a:lstStyle/>
-          <a:p>
-            <a:r>
-              <a:rPr lang="de-DE" sz="1100" b="0" i="0" dirty="0">
+          <a:lstStyle>
+            <a:lvl1pPr algn="l" defTabSz="914400" rtl="0" eaLnBrk="1" latinLnBrk="0" hangingPunct="1">
+              <a:lnSpc>
+                <a:spcPct val="90000"/>
+              </a:lnSpc>
+              <a:spcBef>
+                <a:spcPct val="0"/>
+              </a:spcBef>
+              <a:buNone/>
+              <a:defRPr sz="8000" b="0" i="0" kern="1200" spc="-50" baseline="0">
                 <a:solidFill>
-                  <a:srgbClr val="333333"/>
+                  <a:schemeClr val="tx1">
+                    <a:lumMod val="85000"/>
+                    <a:lumOff val="15000"/>
+                  </a:schemeClr>
                 </a:solidFill>
-                <a:effectLst/>
-                <a:latin typeface="Source Sans Pro" panose="020B0604020202020204" pitchFamily="34" charset="0"/>
-              </a:rPr>
-              <a:t>✅</a:t>
-            </a:r>
-            <a:endParaRPr lang="de-DE" sz="1100" dirty="0"/>
-          </a:p>
-        </p:txBody>
-      </p:sp>
-      <p:sp>
-        <p:nvSpPr>
-          <p:cNvPr id="11" name="Textfeld 10">
-            <a:extLst>
-              <a:ext uri="{FF2B5EF4-FFF2-40B4-BE49-F238E27FC236}">
-                <a16:creationId xmlns:a16="http://schemas.microsoft.com/office/drawing/2014/main" id="{B6493BAC-B8E0-41B8-B401-F96E8A5722D3}"/>
-              </a:ext>
-            </a:extLst>
-          </p:cNvPr>
-          <p:cNvSpPr txBox="1"/>
-          <p:nvPr/>
-        </p:nvSpPr>
-        <p:spPr>
-          <a:xfrm>
-            <a:off x="2959100" y="5302721"/>
-            <a:ext cx="5876388" cy="261610"/>
-          </a:xfrm>
-          <a:prstGeom prst="rect">
-            <a:avLst/>
-          </a:prstGeom>
-          <a:noFill/>
-        </p:spPr>
-        <p:txBody>
-          <a:bodyPr wrap="square">
-            <a:spAutoFit/>
-          </a:bodyPr>
-          <a:lstStyle/>
-          <a:p>
-            <a:r>
-              <a:rPr lang="de-DE" sz="1100" b="0" i="0" dirty="0">
-                <a:solidFill>
-                  <a:srgbClr val="333333"/>
-                </a:solidFill>
-                <a:effectLst/>
-                <a:latin typeface="Source Sans Pro" panose="020B0604020202020204" pitchFamily="34" charset="0"/>
-              </a:rPr>
-              <a:t>✅</a:t>
-            </a:r>
-            <a:endParaRPr lang="de-DE" sz="1100" dirty="0"/>
-          </a:p>
-        </p:txBody>
-      </p:sp>
-      <p:sp>
-        <p:nvSpPr>
-          <p:cNvPr id="12" name="Textfeld 11">
-            <a:extLst>
-              <a:ext uri="{FF2B5EF4-FFF2-40B4-BE49-F238E27FC236}">
-                <a16:creationId xmlns:a16="http://schemas.microsoft.com/office/drawing/2014/main" id="{7557D5B7-D5F2-45FA-89FE-2C0CB99D0C45}"/>
-              </a:ext>
-            </a:extLst>
-          </p:cNvPr>
-          <p:cNvSpPr txBox="1"/>
-          <p:nvPr/>
-        </p:nvSpPr>
-        <p:spPr>
-          <a:xfrm>
-            <a:off x="2959100" y="5668526"/>
-            <a:ext cx="5876388" cy="261610"/>
-          </a:xfrm>
-          <a:prstGeom prst="rect">
-            <a:avLst/>
-          </a:prstGeom>
-          <a:noFill/>
-        </p:spPr>
-        <p:txBody>
-          <a:bodyPr wrap="square">
-            <a:spAutoFit/>
-          </a:bodyPr>
-          <a:lstStyle/>
-          <a:p>
-            <a:r>
-              <a:rPr lang="de-DE" sz="1100" b="0" i="0" dirty="0">
-                <a:solidFill>
-                  <a:srgbClr val="333333"/>
-                </a:solidFill>
-                <a:effectLst/>
-                <a:latin typeface="Source Sans Pro" panose="020B0604020202020204" pitchFamily="34" charset="0"/>
-              </a:rPr>
-              <a:t>✅</a:t>
-            </a:r>
-            <a:endParaRPr lang="de-DE" sz="1100" dirty="0"/>
+                <a:latin typeface="+mj-lt"/>
+                <a:ea typeface="+mj-ea"/>
+                <a:cs typeface="+mj-cs"/>
+              </a:defRPr>
+            </a:lvl1pPr>
+          </a:lstStyle>
+          <a:p>
+            <a:endParaRPr lang="de-DE" sz="7900" dirty="0"/>
           </a:p>
         </p:txBody>
       </p:sp>
     </p:spTree>
     <p:extLst>
       <p:ext uri="{BB962C8B-B14F-4D97-AF65-F5344CB8AC3E}">
-        <p14:creationId xmlns:p14="http://schemas.microsoft.com/office/powerpoint/2010/main" val="3191535140"/>
+        <p14:creationId xmlns:p14="http://schemas.microsoft.com/office/powerpoint/2010/main" val="2660464370"/>
       </p:ext>
     </p:extLst>
   </p:cSld>
@@ -11947,6 +11978,419 @@
           <p:cNvPr id="2" name="Titel 1">
             <a:extLst>
               <a:ext uri="{FF2B5EF4-FFF2-40B4-BE49-F238E27FC236}">
+                <a16:creationId xmlns:a16="http://schemas.microsoft.com/office/drawing/2014/main" id="{80EE4ADB-3912-4818-9107-B9B53667FC56}"/>
+              </a:ext>
+            </a:extLst>
+          </p:cNvPr>
+          <p:cNvSpPr>
+            <a:spLocks noGrp="1"/>
+          </p:cNvSpPr>
+          <p:nvPr>
+            <p:ph type="title"/>
+          </p:nvPr>
+        </p:nvSpPr>
+        <p:spPr>
+          <a:xfrm>
+            <a:off x="1097280" y="286603"/>
+            <a:ext cx="10058400" cy="1450757"/>
+          </a:xfrm>
+        </p:spPr>
+        <p:txBody>
+          <a:bodyPr anchor="b">
+            <a:normAutofit/>
+          </a:bodyPr>
+          <a:lstStyle/>
+          <a:p>
+            <a:r>
+              <a:rPr lang="de-DE" dirty="0"/>
+              <a:t>Zielhierarchie</a:t>
+            </a:r>
+          </a:p>
+        </p:txBody>
+      </p:sp>
+      <p:sp>
+        <p:nvSpPr>
+          <p:cNvPr id="4" name="Foliennummernplatzhalter 3">
+            <a:extLst>
+              <a:ext uri="{FF2B5EF4-FFF2-40B4-BE49-F238E27FC236}">
+                <a16:creationId xmlns:a16="http://schemas.microsoft.com/office/drawing/2014/main" id="{0A6814A5-E621-4F6A-97F4-4E20661FA280}"/>
+              </a:ext>
+            </a:extLst>
+          </p:cNvPr>
+          <p:cNvSpPr>
+            <a:spLocks noGrp="1"/>
+          </p:cNvSpPr>
+          <p:nvPr>
+            <p:ph type="sldNum" sz="quarter" idx="12"/>
+          </p:nvPr>
+        </p:nvSpPr>
+        <p:spPr>
+          <a:xfrm>
+            <a:off x="10993582" y="6446838"/>
+            <a:ext cx="780010" cy="365125"/>
+          </a:xfrm>
+        </p:spPr>
+        <p:txBody>
+          <a:bodyPr anchor="ctr">
+            <a:normAutofit/>
+          </a:bodyPr>
+          <a:lstStyle/>
+          <a:p>
+            <a:pPr rtl="0">
+              <a:spcAft>
+                <a:spcPts val="600"/>
+              </a:spcAft>
+            </a:pPr>
+            <a:fld id="{3A98EE3D-8CD1-4C3F-BD1C-C98C9596463C}" type="slidenum">
+              <a:rPr lang="en-US" smtClean="0"/>
+              <a:pPr rtl="0">
+                <a:spcAft>
+                  <a:spcPts val="600"/>
+                </a:spcAft>
+              </a:pPr>
+              <a:t>29</a:t>
+            </a:fld>
+            <a:endParaRPr lang="en-US"/>
+          </a:p>
+        </p:txBody>
+      </p:sp>
+      <p:pic>
+        <p:nvPicPr>
+          <p:cNvPr id="6" name="Grafik 5" descr="Ein Bild, das Text enthält.&#10;&#10;Automatisch generierte Beschreibung">
+            <a:extLst>
+              <a:ext uri="{FF2B5EF4-FFF2-40B4-BE49-F238E27FC236}">
+                <a16:creationId xmlns:a16="http://schemas.microsoft.com/office/drawing/2014/main" id="{5BD0F67F-BE0B-4B03-A42F-12ECCD5074C2}"/>
+              </a:ext>
+            </a:extLst>
+          </p:cNvPr>
+          <p:cNvPicPr>
+            <a:picLocks noChangeAspect="1"/>
+          </p:cNvPicPr>
+          <p:nvPr/>
+        </p:nvPicPr>
+        <p:blipFill rotWithShape="1">
+          <a:blip r:embed="rId3">
+            <a:extLst>
+              <a:ext uri="{28A0092B-C50C-407E-A947-70E740481C1C}">
+                <a14:useLocalDpi xmlns:a14="http://schemas.microsoft.com/office/drawing/2010/main" val="0"/>
+              </a:ext>
+            </a:extLst>
+          </a:blip>
+          <a:srcRect t="17675" r="27269" b="9892"/>
+          <a:stretch/>
+        </p:blipFill>
+        <p:spPr>
+          <a:xfrm>
+            <a:off x="2362571" y="2027918"/>
+            <a:ext cx="7466857" cy="4182878"/>
+          </a:xfrm>
+          <a:prstGeom prst="rect">
+            <a:avLst/>
+          </a:prstGeom>
+        </p:spPr>
+      </p:pic>
+      <p:sp>
+        <p:nvSpPr>
+          <p:cNvPr id="10" name="Textfeld 9">
+            <a:extLst>
+              <a:ext uri="{FF2B5EF4-FFF2-40B4-BE49-F238E27FC236}">
+                <a16:creationId xmlns:a16="http://schemas.microsoft.com/office/drawing/2014/main" id="{BBC4B259-4562-434A-A636-984F52C614ED}"/>
+              </a:ext>
+            </a:extLst>
+          </p:cNvPr>
+          <p:cNvSpPr txBox="1"/>
+          <p:nvPr/>
+        </p:nvSpPr>
+        <p:spPr>
+          <a:xfrm>
+            <a:off x="2952750" y="4936916"/>
+            <a:ext cx="5876388" cy="261610"/>
+          </a:xfrm>
+          <a:prstGeom prst="rect">
+            <a:avLst/>
+          </a:prstGeom>
+          <a:noFill/>
+        </p:spPr>
+        <p:txBody>
+          <a:bodyPr wrap="square">
+            <a:spAutoFit/>
+          </a:bodyPr>
+          <a:lstStyle/>
+          <a:p>
+            <a:r>
+              <a:rPr lang="de-DE" sz="1100" b="0" i="0" dirty="0">
+                <a:solidFill>
+                  <a:srgbClr val="333333"/>
+                </a:solidFill>
+                <a:effectLst/>
+                <a:latin typeface="Source Sans Pro" panose="020B0604020202020204" pitchFamily="34" charset="0"/>
+              </a:rPr>
+              <a:t>✅</a:t>
+            </a:r>
+            <a:endParaRPr lang="de-DE" sz="1100" dirty="0"/>
+          </a:p>
+        </p:txBody>
+      </p:sp>
+      <p:sp>
+        <p:nvSpPr>
+          <p:cNvPr id="11" name="Textfeld 10">
+            <a:extLst>
+              <a:ext uri="{FF2B5EF4-FFF2-40B4-BE49-F238E27FC236}">
+                <a16:creationId xmlns:a16="http://schemas.microsoft.com/office/drawing/2014/main" id="{B6493BAC-B8E0-41B8-B401-F96E8A5722D3}"/>
+              </a:ext>
+            </a:extLst>
+          </p:cNvPr>
+          <p:cNvSpPr txBox="1"/>
+          <p:nvPr/>
+        </p:nvSpPr>
+        <p:spPr>
+          <a:xfrm>
+            <a:off x="2959100" y="5302721"/>
+            <a:ext cx="5876388" cy="261610"/>
+          </a:xfrm>
+          <a:prstGeom prst="rect">
+            <a:avLst/>
+          </a:prstGeom>
+          <a:noFill/>
+        </p:spPr>
+        <p:txBody>
+          <a:bodyPr wrap="square">
+            <a:spAutoFit/>
+          </a:bodyPr>
+          <a:lstStyle/>
+          <a:p>
+            <a:r>
+              <a:rPr lang="de-DE" sz="1100" b="0" i="0" dirty="0">
+                <a:solidFill>
+                  <a:srgbClr val="333333"/>
+                </a:solidFill>
+                <a:effectLst/>
+                <a:latin typeface="Source Sans Pro" panose="020B0604020202020204" pitchFamily="34" charset="0"/>
+              </a:rPr>
+              <a:t>✅</a:t>
+            </a:r>
+            <a:endParaRPr lang="de-DE" sz="1100" dirty="0"/>
+          </a:p>
+        </p:txBody>
+      </p:sp>
+      <p:sp>
+        <p:nvSpPr>
+          <p:cNvPr id="12" name="Textfeld 11">
+            <a:extLst>
+              <a:ext uri="{FF2B5EF4-FFF2-40B4-BE49-F238E27FC236}">
+                <a16:creationId xmlns:a16="http://schemas.microsoft.com/office/drawing/2014/main" id="{7557D5B7-D5F2-45FA-89FE-2C0CB99D0C45}"/>
+              </a:ext>
+            </a:extLst>
+          </p:cNvPr>
+          <p:cNvSpPr txBox="1"/>
+          <p:nvPr/>
+        </p:nvSpPr>
+        <p:spPr>
+          <a:xfrm>
+            <a:off x="2959100" y="5668526"/>
+            <a:ext cx="5876388" cy="261610"/>
+          </a:xfrm>
+          <a:prstGeom prst="rect">
+            <a:avLst/>
+          </a:prstGeom>
+          <a:noFill/>
+        </p:spPr>
+        <p:txBody>
+          <a:bodyPr wrap="square">
+            <a:spAutoFit/>
+          </a:bodyPr>
+          <a:lstStyle/>
+          <a:p>
+            <a:r>
+              <a:rPr lang="de-DE" sz="1100" b="0" i="0" dirty="0">
+                <a:solidFill>
+                  <a:srgbClr val="333333"/>
+                </a:solidFill>
+                <a:effectLst/>
+                <a:latin typeface="Source Sans Pro" panose="020B0604020202020204" pitchFamily="34" charset="0"/>
+              </a:rPr>
+              <a:t>✅</a:t>
+            </a:r>
+            <a:endParaRPr lang="de-DE" sz="1100" dirty="0"/>
+          </a:p>
+        </p:txBody>
+      </p:sp>
+    </p:spTree>
+    <p:extLst>
+      <p:ext uri="{BB962C8B-B14F-4D97-AF65-F5344CB8AC3E}">
+        <p14:creationId xmlns:p14="http://schemas.microsoft.com/office/powerpoint/2010/main" val="3191535140"/>
+      </p:ext>
+    </p:extLst>
+  </p:cSld>
+  <p:clrMapOvr>
+    <a:masterClrMapping/>
+  </p:clrMapOvr>
+</p:sld>
+</file>
+
+<file path=ppt/slides/slide3.xml><?xml version="1.0" encoding="utf-8"?>
+<p:sld xmlns:a="http://schemas.openxmlformats.org/drawingml/2006/main" xmlns:r="http://schemas.openxmlformats.org/officeDocument/2006/relationships" xmlns:p="http://schemas.openxmlformats.org/presentationml/2006/main">
+  <p:cSld>
+    <p:spTree>
+      <p:nvGrpSpPr>
+        <p:cNvPr id="1" name=""/>
+        <p:cNvGrpSpPr/>
+        <p:nvPr/>
+      </p:nvGrpSpPr>
+      <p:grpSpPr>
+        <a:xfrm>
+          <a:off x="0" y="0"/>
+          <a:ext cx="0" cy="0"/>
+          <a:chOff x="0" y="0"/>
+          <a:chExt cx="0" cy="0"/>
+        </a:xfrm>
+      </p:grpSpPr>
+      <p:sp>
+        <p:nvSpPr>
+          <p:cNvPr id="2" name="Titel 1">
+            <a:extLst>
+              <a:ext uri="{FF2B5EF4-FFF2-40B4-BE49-F238E27FC236}">
+                <a16:creationId xmlns:a16="http://schemas.microsoft.com/office/drawing/2014/main" id="{492E36D4-F4B4-468C-A22F-C0B64D0DC470}"/>
+              </a:ext>
+            </a:extLst>
+          </p:cNvPr>
+          <p:cNvSpPr>
+            <a:spLocks noGrp="1"/>
+          </p:cNvSpPr>
+          <p:nvPr>
+            <p:ph type="title"/>
+          </p:nvPr>
+        </p:nvSpPr>
+        <p:spPr/>
+        <p:txBody>
+          <a:bodyPr/>
+          <a:lstStyle/>
+          <a:p>
+            <a:r>
+              <a:rPr lang="de-DE" dirty="0">
+                <a:cs typeface="Times New Roman" panose="02020603050405020304" pitchFamily="18" charset="0"/>
+              </a:rPr>
+              <a:t>Vermerk:</a:t>
+            </a:r>
+          </a:p>
+        </p:txBody>
+      </p:sp>
+      <p:sp>
+        <p:nvSpPr>
+          <p:cNvPr id="3" name="Foliennummernplatzhalter 2">
+            <a:extLst>
+              <a:ext uri="{FF2B5EF4-FFF2-40B4-BE49-F238E27FC236}">
+                <a16:creationId xmlns:a16="http://schemas.microsoft.com/office/drawing/2014/main" id="{A4034147-4E4F-45E6-AEBD-DC5BBF65CC82}"/>
+              </a:ext>
+            </a:extLst>
+          </p:cNvPr>
+          <p:cNvSpPr>
+            <a:spLocks noGrp="1"/>
+          </p:cNvSpPr>
+          <p:nvPr>
+            <p:ph type="sldNum" sz="quarter" idx="12"/>
+          </p:nvPr>
+        </p:nvSpPr>
+        <p:spPr/>
+        <p:txBody>
+          <a:bodyPr/>
+          <a:lstStyle/>
+          <a:p>
+            <a:pPr rtl="0"/>
+            <a:fld id="{3A98EE3D-8CD1-4C3F-BD1C-C98C9596463C}" type="slidenum">
+              <a:rPr lang="en-US" smtClean="0"/>
+              <a:t>3</a:t>
+            </a:fld>
+            <a:endParaRPr lang="en-US" dirty="0"/>
+          </a:p>
+        </p:txBody>
+      </p:sp>
+      <p:sp>
+        <p:nvSpPr>
+          <p:cNvPr id="5" name="Textfeld 4">
+            <a:extLst>
+              <a:ext uri="{FF2B5EF4-FFF2-40B4-BE49-F238E27FC236}">
+                <a16:creationId xmlns:a16="http://schemas.microsoft.com/office/drawing/2014/main" id="{DB63D29E-4337-4C4F-B124-969A5AA18458}"/>
+              </a:ext>
+            </a:extLst>
+          </p:cNvPr>
+          <p:cNvSpPr txBox="1"/>
+          <p:nvPr/>
+        </p:nvSpPr>
+        <p:spPr>
+          <a:xfrm>
+            <a:off x="1097280" y="3076435"/>
+            <a:ext cx="10058400" cy="830997"/>
+          </a:xfrm>
+          <a:prstGeom prst="rect">
+            <a:avLst/>
+          </a:prstGeom>
+          <a:noFill/>
+        </p:spPr>
+        <p:txBody>
+          <a:bodyPr wrap="square" rtlCol="0">
+            <a:spAutoFit/>
+          </a:bodyPr>
+          <a:lstStyle/>
+          <a:p>
+            <a:pPr algn="ctr"/>
+            <a:r>
+              <a:rPr lang="de-DE" sz="2400" dirty="0">
+                <a:latin typeface="-apple-system"/>
+              </a:rPr>
+              <a:t>Alle Artefakte mit Begründungen befinden sich auch noch einmal auf unserem GitHub </a:t>
+            </a:r>
+            <a:r>
+              <a:rPr lang="de-DE" sz="2400" dirty="0">
+                <a:latin typeface="-apple-system"/>
+                <a:hlinkClick r:id="rId2"/>
+              </a:rPr>
+              <a:t>Kplacken/EPWS2020SerttasPlackenhohn</a:t>
+            </a:r>
+            <a:r>
+              <a:rPr lang="de-DE" sz="2400" dirty="0">
+                <a:latin typeface="-apple-system"/>
+              </a:rPr>
+              <a:t> unter Wiki. </a:t>
+            </a:r>
+          </a:p>
+        </p:txBody>
+      </p:sp>
+    </p:spTree>
+    <p:extLst>
+      <p:ext uri="{BB962C8B-B14F-4D97-AF65-F5344CB8AC3E}">
+        <p14:creationId xmlns:p14="http://schemas.microsoft.com/office/powerpoint/2010/main" val="45970498"/>
+      </p:ext>
+    </p:extLst>
+  </p:cSld>
+  <p:clrMapOvr>
+    <a:masterClrMapping/>
+  </p:clrMapOvr>
+</p:sld>
+</file>
+
+<file path=ppt/slides/slide30.xml><?xml version="1.0" encoding="utf-8"?>
+<p:sld xmlns:a="http://schemas.openxmlformats.org/drawingml/2006/main" xmlns:r="http://schemas.openxmlformats.org/officeDocument/2006/relationships" xmlns:p="http://schemas.openxmlformats.org/presentationml/2006/main">
+  <p:cSld>
+    <p:spTree>
+      <p:nvGrpSpPr>
+        <p:cNvPr id="1" name=""/>
+        <p:cNvGrpSpPr/>
+        <p:nvPr/>
+      </p:nvGrpSpPr>
+      <p:grpSpPr>
+        <a:xfrm>
+          <a:off x="0" y="0"/>
+          <a:ext cx="0" cy="0"/>
+          <a:chOff x="0" y="0"/>
+          <a:chExt cx="0" cy="0"/>
+        </a:xfrm>
+      </p:grpSpPr>
+      <p:sp>
+        <p:nvSpPr>
+          <p:cNvPr id="2" name="Titel 1">
+            <a:extLst>
+              <a:ext uri="{FF2B5EF4-FFF2-40B4-BE49-F238E27FC236}">
                 <a16:creationId xmlns:a16="http://schemas.microsoft.com/office/drawing/2014/main" id="{8E6F87C2-E244-41E0-AFF6-CCBE3E7A9F0F}"/>
               </a:ext>
             </a:extLst>
@@ -12198,7 +12642,7 @@
             <a:pPr rtl="0"/>
             <a:fld id="{3A98EE3D-8CD1-4C3F-BD1C-C98C9596463C}" type="slidenum">
               <a:rPr lang="en-US" smtClean="0"/>
-              <a:t>29</a:t>
+              <a:t>30</a:t>
             </a:fld>
             <a:endParaRPr lang="en-US" dirty="0"/>
           </a:p>
@@ -12655,349 +13099,6 @@
 </p:sld>
 </file>
 
-<file path=ppt/slides/slide3.xml><?xml version="1.0" encoding="utf-8"?>
-<p:sld xmlns:a="http://schemas.openxmlformats.org/drawingml/2006/main" xmlns:r="http://schemas.openxmlformats.org/officeDocument/2006/relationships" xmlns:p="http://schemas.openxmlformats.org/presentationml/2006/main">
-  <p:cSld>
-    <p:spTree>
-      <p:nvGrpSpPr>
-        <p:cNvPr id="1" name=""/>
-        <p:cNvGrpSpPr/>
-        <p:nvPr/>
-      </p:nvGrpSpPr>
-      <p:grpSpPr>
-        <a:xfrm>
-          <a:off x="0" y="0"/>
-          <a:ext cx="0" cy="0"/>
-          <a:chOff x="0" y="0"/>
-          <a:chExt cx="0" cy="0"/>
-        </a:xfrm>
-      </p:grpSpPr>
-      <p:sp>
-        <p:nvSpPr>
-          <p:cNvPr id="2" name="Titel 1">
-            <a:extLst>
-              <a:ext uri="{FF2B5EF4-FFF2-40B4-BE49-F238E27FC236}">
-                <a16:creationId xmlns:a16="http://schemas.microsoft.com/office/drawing/2014/main" id="{492E36D4-F4B4-468C-A22F-C0B64D0DC470}"/>
-              </a:ext>
-            </a:extLst>
-          </p:cNvPr>
-          <p:cNvSpPr>
-            <a:spLocks noGrp="1"/>
-          </p:cNvSpPr>
-          <p:nvPr>
-            <p:ph type="title"/>
-          </p:nvPr>
-        </p:nvSpPr>
-        <p:spPr/>
-        <p:txBody>
-          <a:bodyPr/>
-          <a:lstStyle/>
-          <a:p>
-            <a:r>
-              <a:rPr lang="de-DE" dirty="0">
-                <a:cs typeface="Times New Roman" panose="02020603050405020304" pitchFamily="18" charset="0"/>
-              </a:rPr>
-              <a:t>Vermerk:</a:t>
-            </a:r>
-          </a:p>
-        </p:txBody>
-      </p:sp>
-      <p:sp>
-        <p:nvSpPr>
-          <p:cNvPr id="3" name="Foliennummernplatzhalter 2">
-            <a:extLst>
-              <a:ext uri="{FF2B5EF4-FFF2-40B4-BE49-F238E27FC236}">
-                <a16:creationId xmlns:a16="http://schemas.microsoft.com/office/drawing/2014/main" id="{A4034147-4E4F-45E6-AEBD-DC5BBF65CC82}"/>
-              </a:ext>
-            </a:extLst>
-          </p:cNvPr>
-          <p:cNvSpPr>
-            <a:spLocks noGrp="1"/>
-          </p:cNvSpPr>
-          <p:nvPr>
-            <p:ph type="sldNum" sz="quarter" idx="12"/>
-          </p:nvPr>
-        </p:nvSpPr>
-        <p:spPr/>
-        <p:txBody>
-          <a:bodyPr/>
-          <a:lstStyle/>
-          <a:p>
-            <a:pPr rtl="0"/>
-            <a:fld id="{3A98EE3D-8CD1-4C3F-BD1C-C98C9596463C}" type="slidenum">
-              <a:rPr lang="en-US" smtClean="0"/>
-              <a:t>3</a:t>
-            </a:fld>
-            <a:endParaRPr lang="en-US" dirty="0"/>
-          </a:p>
-        </p:txBody>
-      </p:sp>
-      <p:sp>
-        <p:nvSpPr>
-          <p:cNvPr id="5" name="Textfeld 4">
-            <a:extLst>
-              <a:ext uri="{FF2B5EF4-FFF2-40B4-BE49-F238E27FC236}">
-                <a16:creationId xmlns:a16="http://schemas.microsoft.com/office/drawing/2014/main" id="{DB63D29E-4337-4C4F-B124-969A5AA18458}"/>
-              </a:ext>
-            </a:extLst>
-          </p:cNvPr>
-          <p:cNvSpPr txBox="1"/>
-          <p:nvPr/>
-        </p:nvSpPr>
-        <p:spPr>
-          <a:xfrm>
-            <a:off x="1097280" y="3076435"/>
-            <a:ext cx="10058400" cy="830997"/>
-          </a:xfrm>
-          <a:prstGeom prst="rect">
-            <a:avLst/>
-          </a:prstGeom>
-          <a:noFill/>
-        </p:spPr>
-        <p:txBody>
-          <a:bodyPr wrap="square" rtlCol="0">
-            <a:spAutoFit/>
-          </a:bodyPr>
-          <a:lstStyle/>
-          <a:p>
-            <a:pPr algn="ctr"/>
-            <a:r>
-              <a:rPr lang="de-DE" sz="2400" dirty="0">
-                <a:latin typeface="-apple-system"/>
-              </a:rPr>
-              <a:t>Alle Artefakte mit Begründungen befinden sich auch noch einmal auf unserem GitHub </a:t>
-            </a:r>
-            <a:r>
-              <a:rPr lang="de-DE" sz="2400" dirty="0">
-                <a:latin typeface="-apple-system"/>
-                <a:hlinkClick r:id="rId2"/>
-              </a:rPr>
-              <a:t>Kplacken/EPWS2020SerttasPlackenhohn</a:t>
-            </a:r>
-            <a:r>
-              <a:rPr lang="de-DE" sz="2400" dirty="0">
-                <a:latin typeface="-apple-system"/>
-              </a:rPr>
-              <a:t> unter Wiki. </a:t>
-            </a:r>
-          </a:p>
-        </p:txBody>
-      </p:sp>
-    </p:spTree>
-    <p:extLst>
-      <p:ext uri="{BB962C8B-B14F-4D97-AF65-F5344CB8AC3E}">
-        <p14:creationId xmlns:p14="http://schemas.microsoft.com/office/powerpoint/2010/main" val="45970498"/>
-      </p:ext>
-    </p:extLst>
-  </p:cSld>
-  <p:clrMapOvr>
-    <a:masterClrMapping/>
-  </p:clrMapOvr>
-</p:sld>
-</file>
-
-<file path=ppt/slides/slide30.xml><?xml version="1.0" encoding="utf-8"?>
-<p:sld xmlns:a="http://schemas.openxmlformats.org/drawingml/2006/main" xmlns:r="http://schemas.openxmlformats.org/officeDocument/2006/relationships" xmlns:p="http://schemas.openxmlformats.org/presentationml/2006/main">
-  <p:cSld>
-    <p:spTree>
-      <p:nvGrpSpPr>
-        <p:cNvPr id="1" name=""/>
-        <p:cNvGrpSpPr/>
-        <p:nvPr/>
-      </p:nvGrpSpPr>
-      <p:grpSpPr>
-        <a:xfrm>
-          <a:off x="0" y="0"/>
-          <a:ext cx="0" cy="0"/>
-          <a:chOff x="0" y="0"/>
-          <a:chExt cx="0" cy="0"/>
-        </a:xfrm>
-      </p:grpSpPr>
-      <p:sp>
-        <p:nvSpPr>
-          <p:cNvPr id="2" name="Titel 1">
-            <a:extLst>
-              <a:ext uri="{FF2B5EF4-FFF2-40B4-BE49-F238E27FC236}">
-                <a16:creationId xmlns:a16="http://schemas.microsoft.com/office/drawing/2014/main" id="{8E6F87C2-E244-41E0-AFF6-CCBE3E7A9F0F}"/>
-              </a:ext>
-            </a:extLst>
-          </p:cNvPr>
-          <p:cNvSpPr>
-            <a:spLocks noGrp="1"/>
-          </p:cNvSpPr>
-          <p:nvPr>
-            <p:ph type="title"/>
-          </p:nvPr>
-        </p:nvSpPr>
-        <p:spPr/>
-        <p:txBody>
-          <a:bodyPr/>
-          <a:lstStyle/>
-          <a:p>
-            <a:r>
-              <a:rPr lang="de-DE" dirty="0"/>
-              <a:t>Ausblick </a:t>
-            </a:r>
-          </a:p>
-        </p:txBody>
-      </p:sp>
-      <p:sp>
-        <p:nvSpPr>
-          <p:cNvPr id="3" name="Inhaltsplatzhalter 2">
-            <a:extLst>
-              <a:ext uri="{FF2B5EF4-FFF2-40B4-BE49-F238E27FC236}">
-                <a16:creationId xmlns:a16="http://schemas.microsoft.com/office/drawing/2014/main" id="{B546AAA2-7A8F-484E-BDB8-F068E851712C}"/>
-              </a:ext>
-            </a:extLst>
-          </p:cNvPr>
-          <p:cNvSpPr>
-            <a:spLocks noGrp="1"/>
-          </p:cNvSpPr>
-          <p:nvPr>
-            <p:ph idx="1"/>
-          </p:nvPr>
-        </p:nvSpPr>
-        <p:spPr>
-          <a:xfrm>
-            <a:off x="1097280" y="2134186"/>
-            <a:ext cx="10058400" cy="4160252"/>
-          </a:xfrm>
-        </p:spPr>
-        <p:txBody>
-          <a:bodyPr>
-            <a:normAutofit/>
-          </a:bodyPr>
-          <a:lstStyle/>
-          <a:p>
-            <a:pPr marL="0" indent="0">
-              <a:buNone/>
-            </a:pPr>
-            <a:r>
-              <a:rPr lang="de-DE" sz="2000" i="1" u="sng" dirty="0">
-                <a:solidFill>
-                  <a:schemeClr val="tx1"/>
-                </a:solidFill>
-                <a:latin typeface="-apple-system"/>
-              </a:rPr>
-              <a:t>Nicht umgesetzt, aber weitere Ideen:</a:t>
-            </a:r>
-          </a:p>
-          <a:p>
-            <a:pPr>
-              <a:buFont typeface="Arial" panose="020B0604020202020204" pitchFamily="34" charset="0"/>
-              <a:buChar char="•"/>
-            </a:pPr>
-            <a:r>
-              <a:rPr lang="de-DE" dirty="0">
-                <a:solidFill>
-                  <a:schemeClr val="tx1"/>
-                </a:solidFill>
-                <a:latin typeface="-apple-system"/>
-              </a:rPr>
-              <a:t> Für den User personalisierte Ansichten/ Auswertungen</a:t>
-            </a:r>
-          </a:p>
-          <a:p>
-            <a:pPr>
-              <a:buFont typeface="Arial" panose="020B0604020202020204" pitchFamily="34" charset="0"/>
-              <a:buChar char="•"/>
-            </a:pPr>
-            <a:r>
-              <a:rPr lang="de-DE" dirty="0">
-                <a:solidFill>
-                  <a:schemeClr val="tx1"/>
-                </a:solidFill>
-                <a:latin typeface="-apple-system"/>
-              </a:rPr>
-              <a:t> Apps (Musik, ASMR, Hörbücher) &amp; Übungen zu Favoriten hinzufügen</a:t>
-            </a:r>
-          </a:p>
-          <a:p>
-            <a:pPr>
-              <a:buFont typeface="Arial" panose="020B0604020202020204" pitchFamily="34" charset="0"/>
-              <a:buChar char="•"/>
-            </a:pPr>
-            <a:r>
-              <a:rPr lang="de-DE" dirty="0">
-                <a:solidFill>
-                  <a:schemeClr val="tx1"/>
-                </a:solidFill>
-                <a:latin typeface="-apple-system"/>
-              </a:rPr>
-              <a:t> Kalender inkl. Sonnenaufgang/ Sonnenuntergang und Mondphasen</a:t>
-            </a:r>
-          </a:p>
-          <a:p>
-            <a:pPr>
-              <a:buFont typeface="Arial" panose="020B0604020202020204" pitchFamily="34" charset="0"/>
-              <a:buChar char="•"/>
-            </a:pPr>
-            <a:r>
-              <a:rPr lang="de-DE" dirty="0">
-                <a:solidFill>
-                  <a:schemeClr val="tx1"/>
-                </a:solidFill>
-                <a:latin typeface="-apple-system"/>
-              </a:rPr>
-              <a:t> In der Auswertung zu den verschiedenen Tagen Notizen machen </a:t>
-            </a:r>
-          </a:p>
-          <a:p>
-            <a:pPr marL="0" indent="0">
-              <a:buNone/>
-            </a:pPr>
-            <a:endParaRPr lang="de-DE" dirty="0">
-              <a:solidFill>
-                <a:schemeClr val="tx1"/>
-              </a:solidFill>
-              <a:latin typeface="-apple-system"/>
-            </a:endParaRPr>
-          </a:p>
-        </p:txBody>
-      </p:sp>
-      <p:sp>
-        <p:nvSpPr>
-          <p:cNvPr id="5" name="Foliennummernplatzhalter 4">
-            <a:extLst>
-              <a:ext uri="{FF2B5EF4-FFF2-40B4-BE49-F238E27FC236}">
-                <a16:creationId xmlns:a16="http://schemas.microsoft.com/office/drawing/2014/main" id="{83972841-72E7-45F6-9D79-4FAE81CFBAF2}"/>
-              </a:ext>
-            </a:extLst>
-          </p:cNvPr>
-          <p:cNvSpPr>
-            <a:spLocks noGrp="1"/>
-          </p:cNvSpPr>
-          <p:nvPr>
-            <p:ph type="sldNum" sz="quarter" idx="12"/>
-          </p:nvPr>
-        </p:nvSpPr>
-        <p:spPr/>
-        <p:txBody>
-          <a:bodyPr/>
-          <a:lstStyle/>
-          <a:p>
-            <a:pPr rtl="0"/>
-            <a:fld id="{3A98EE3D-8CD1-4C3F-BD1C-C98C9596463C}" type="slidenum">
-              <a:rPr lang="en-US" smtClean="0"/>
-              <a:t>30</a:t>
-            </a:fld>
-            <a:endParaRPr lang="en-US" dirty="0"/>
-          </a:p>
-        </p:txBody>
-      </p:sp>
-    </p:spTree>
-    <p:extLst>
-      <p:ext uri="{BB962C8B-B14F-4D97-AF65-F5344CB8AC3E}">
-        <p14:creationId xmlns:p14="http://schemas.microsoft.com/office/powerpoint/2010/main" val="948829941"/>
-      </p:ext>
-    </p:extLst>
-  </p:cSld>
-  <p:clrMapOvr>
-    <a:masterClrMapping/>
-  </p:clrMapOvr>
-</p:sld>
-</file>
-
 <file path=ppt/slides/slide31.xml><?xml version="1.0" encoding="utf-8"?>
 <p:sld xmlns:a="http://schemas.openxmlformats.org/drawingml/2006/main" xmlns:r="http://schemas.openxmlformats.org/officeDocument/2006/relationships" xmlns:p="http://schemas.openxmlformats.org/presentationml/2006/main">
   <p:cSld>
@@ -13020,7 +13121,7 @@
           <p:cNvPr id="2" name="Titel 1">
             <a:extLst>
               <a:ext uri="{FF2B5EF4-FFF2-40B4-BE49-F238E27FC236}">
-                <a16:creationId xmlns:a16="http://schemas.microsoft.com/office/drawing/2014/main" id="{1000917D-4547-48A6-84FB-F43EFC62703E}"/>
+                <a16:creationId xmlns:a16="http://schemas.microsoft.com/office/drawing/2014/main" id="{8E6F87C2-E244-41E0-AFF6-CCBE3E7A9F0F}"/>
               </a:ext>
             </a:extLst>
           </p:cNvPr>
@@ -13038,446 +13139,123 @@
           <a:p>
             <a:r>
               <a:rPr lang="de-DE" dirty="0"/>
-              <a:t>Quellen</a:t>
-            </a:r>
-          </a:p>
-        </p:txBody>
-      </p:sp>
-      <p:sp>
-        <p:nvSpPr>
-          <p:cNvPr id="4" name="Textfeld 3">
-            <a:extLst>
-              <a:ext uri="{FF2B5EF4-FFF2-40B4-BE49-F238E27FC236}">
-                <a16:creationId xmlns:a16="http://schemas.microsoft.com/office/drawing/2014/main" id="{7A45CCCC-0A1D-47D4-AA93-208EE6D41258}"/>
-              </a:ext>
-            </a:extLst>
-          </p:cNvPr>
-          <p:cNvSpPr txBox="1"/>
-          <p:nvPr/>
+              <a:t>Ausblick </a:t>
+            </a:r>
+          </a:p>
+        </p:txBody>
+      </p:sp>
+      <p:sp>
+        <p:nvSpPr>
+          <p:cNvPr id="3" name="Inhaltsplatzhalter 2">
+            <a:extLst>
+              <a:ext uri="{FF2B5EF4-FFF2-40B4-BE49-F238E27FC236}">
+                <a16:creationId xmlns:a16="http://schemas.microsoft.com/office/drawing/2014/main" id="{B546AAA2-7A8F-484E-BDB8-F068E851712C}"/>
+              </a:ext>
+            </a:extLst>
+          </p:cNvPr>
+          <p:cNvSpPr>
+            <a:spLocks noGrp="1"/>
+          </p:cNvSpPr>
+          <p:nvPr>
+            <p:ph idx="1"/>
+          </p:nvPr>
         </p:nvSpPr>
         <p:spPr>
           <a:xfrm>
-            <a:off x="1208868" y="1930262"/>
-            <a:ext cx="9946812" cy="4847481"/>
+            <a:off x="1097280" y="2134186"/>
+            <a:ext cx="10058400" cy="4160252"/>
           </a:xfrm>
-          <a:prstGeom prst="rect">
-            <a:avLst/>
-          </a:prstGeom>
-          <a:noFill/>
         </p:spPr>
         <p:txBody>
-          <a:bodyPr wrap="square" rtlCol="0">
-            <a:spAutoFit/>
+          <a:bodyPr>
+            <a:normAutofit/>
           </a:bodyPr>
           <a:lstStyle/>
           <a:p>
-            <a:pPr marL="285750" indent="-285750" algn="l">
-              <a:lnSpc>
-                <a:spcPct val="150000"/>
-              </a:lnSpc>
+            <a:pPr marL="0" indent="0">
+              <a:buNone/>
+            </a:pPr>
+            <a:r>
+              <a:rPr lang="de-DE" sz="2000" i="1" u="sng" dirty="0">
+                <a:solidFill>
+                  <a:schemeClr val="tx1"/>
+                </a:solidFill>
+                <a:latin typeface="-apple-system"/>
+              </a:rPr>
+              <a:t>Nicht umgesetzt, aber weitere Ideen:</a:t>
+            </a:r>
+          </a:p>
+          <a:p>
+            <a:pPr>
               <a:buFont typeface="Arial" panose="020B0604020202020204" pitchFamily="34" charset="0"/>
               <a:buChar char="•"/>
             </a:pPr>
             <a:r>
-              <a:rPr lang="de-DE" sz="1400" dirty="0">
+              <a:rPr lang="de-DE" dirty="0">
                 <a:solidFill>
-                  <a:srgbClr val="24292E"/>
+                  <a:schemeClr val="tx1"/>
                 </a:solidFill>
                 <a:latin typeface="-apple-system"/>
               </a:rPr>
-              <a:t> </a:t>
-            </a:r>
-            <a:r>
-              <a:rPr lang="de-DE" sz="1400" b="0" i="0" u="none" strike="noStrike" dirty="0">
+              <a:t> Für den User personalisierte Ansichten/ Auswertungen</a:t>
+            </a:r>
+          </a:p>
+          <a:p>
+            <a:pPr>
+              <a:buFont typeface="Arial" panose="020B0604020202020204" pitchFamily="34" charset="0"/>
+              <a:buChar char="•"/>
+            </a:pPr>
+            <a:r>
+              <a:rPr lang="de-DE" dirty="0">
                 <a:solidFill>
-                  <a:srgbClr val="24292E"/>
+                  <a:schemeClr val="tx1"/>
                 </a:solidFill>
-                <a:effectLst/>
                 <a:latin typeface="-apple-system"/>
-                <a:hlinkClick r:id="rId3"/>
               </a:rPr>
-              <a:t>https://wiki.selfhtml.org/wiki/HTML/Formulare/input/button</a:t>
-            </a:r>
-            <a:endParaRPr lang="de-DE" sz="1400" dirty="0">
+              <a:t> Apps (Musik, ASMR, Hörbücher) &amp; Übungen zu Favoriten hinzufügen</a:t>
+            </a:r>
+          </a:p>
+          <a:p>
+            <a:pPr>
+              <a:buFont typeface="Arial" panose="020B0604020202020204" pitchFamily="34" charset="0"/>
+              <a:buChar char="•"/>
+            </a:pPr>
+            <a:r>
+              <a:rPr lang="de-DE" dirty="0">
+                <a:solidFill>
+                  <a:schemeClr val="tx1"/>
+                </a:solidFill>
+                <a:latin typeface="-apple-system"/>
+              </a:rPr>
+              <a:t> Kalender inkl. Sonnenaufgang/ Sonnenuntergang und Mondphasen</a:t>
+            </a:r>
+          </a:p>
+          <a:p>
+            <a:pPr>
+              <a:buFont typeface="Arial" panose="020B0604020202020204" pitchFamily="34" charset="0"/>
+              <a:buChar char="•"/>
+            </a:pPr>
+            <a:r>
+              <a:rPr lang="de-DE" dirty="0">
+                <a:solidFill>
+                  <a:schemeClr val="tx1"/>
+                </a:solidFill>
+                <a:latin typeface="-apple-system"/>
+              </a:rPr>
+              <a:t> In der Auswertung zu den verschiedenen Tagen Notizen machen </a:t>
+            </a:r>
+          </a:p>
+          <a:p>
+            <a:pPr marL="0" indent="0">
+              <a:buNone/>
+            </a:pPr>
+            <a:endParaRPr lang="de-DE" dirty="0">
               <a:solidFill>
-                <a:srgbClr val="24292E"/>
+                <a:schemeClr val="tx1"/>
               </a:solidFill>
               <a:latin typeface="-apple-system"/>
             </a:endParaRPr>
           </a:p>
-          <a:p>
-            <a:pPr marL="285750" indent="-285750" algn="l">
-              <a:lnSpc>
-                <a:spcPct val="150000"/>
-              </a:lnSpc>
-              <a:buFont typeface="Arial" panose="020B0604020202020204" pitchFamily="34" charset="0"/>
-              <a:buChar char="•"/>
-            </a:pPr>
-            <a:r>
-              <a:rPr lang="de-DE" sz="1400" b="0" i="0" u="none" strike="noStrike" dirty="0">
-                <a:solidFill>
-                  <a:srgbClr val="24292E"/>
-                </a:solidFill>
-                <a:effectLst/>
-                <a:latin typeface="-apple-system"/>
-                <a:hlinkClick r:id="rId4"/>
-              </a:rPr>
-              <a:t>https://jsfiddle.net/red_stapler/wu3a0y6e/18/</a:t>
-            </a:r>
-            <a:endParaRPr lang="de-DE" sz="1400" dirty="0">
-              <a:solidFill>
-                <a:srgbClr val="24292E"/>
-              </a:solidFill>
-              <a:latin typeface="-apple-system"/>
-            </a:endParaRPr>
-          </a:p>
-          <a:p>
-            <a:pPr marL="285750" indent="-285750" algn="l">
-              <a:lnSpc>
-                <a:spcPct val="150000"/>
-              </a:lnSpc>
-              <a:buFont typeface="Arial" panose="020B0604020202020204" pitchFamily="34" charset="0"/>
-              <a:buChar char="•"/>
-            </a:pPr>
-            <a:r>
-              <a:rPr lang="de-DE" sz="1400" b="0" i="0" u="none" strike="noStrike" dirty="0">
-                <a:solidFill>
-                  <a:srgbClr val="24292E"/>
-                </a:solidFill>
-                <a:effectLst/>
-                <a:latin typeface="-apple-system"/>
-                <a:hlinkClick r:id="rId5"/>
-              </a:rPr>
-              <a:t>http://microbuilder.io/blog/2016/01/10/plotting-json-data-with-chart-js.html</a:t>
-            </a:r>
-            <a:endParaRPr lang="de-DE" sz="1400" dirty="0">
-              <a:solidFill>
-                <a:srgbClr val="24292E"/>
-              </a:solidFill>
-              <a:latin typeface="-apple-system"/>
-            </a:endParaRPr>
-          </a:p>
-          <a:p>
-            <a:pPr marL="285750" indent="-285750" algn="l">
-              <a:lnSpc>
-                <a:spcPct val="150000"/>
-              </a:lnSpc>
-              <a:buFont typeface="Arial" panose="020B0604020202020204" pitchFamily="34" charset="0"/>
-              <a:buChar char="•"/>
-            </a:pPr>
-            <a:r>
-              <a:rPr lang="de-DE" sz="1400" b="0" i="0" u="none" strike="noStrike" dirty="0">
-                <a:solidFill>
-                  <a:srgbClr val="24292E"/>
-                </a:solidFill>
-                <a:effectLst/>
-                <a:latin typeface="-apple-system"/>
-                <a:hlinkClick r:id="rId6"/>
-              </a:rPr>
-              <a:t>https://www.youtube.com/watch?v=NwgKh_QTKE0</a:t>
-            </a:r>
-            <a:endParaRPr lang="de-DE" sz="1400" dirty="0">
-              <a:solidFill>
-                <a:srgbClr val="24292E"/>
-              </a:solidFill>
-              <a:latin typeface="-apple-system"/>
-            </a:endParaRPr>
-          </a:p>
-          <a:p>
-            <a:pPr marL="285750" indent="-285750" algn="l">
-              <a:lnSpc>
-                <a:spcPct val="150000"/>
-              </a:lnSpc>
-              <a:buFont typeface="Arial" panose="020B0604020202020204" pitchFamily="34" charset="0"/>
-              <a:buChar char="•"/>
-            </a:pPr>
-            <a:r>
-              <a:rPr lang="de-DE" sz="1400" b="0" i="0" u="none" strike="noStrike" dirty="0">
-                <a:solidFill>
-                  <a:srgbClr val="24292E"/>
-                </a:solidFill>
-                <a:effectLst/>
-                <a:latin typeface="-apple-system"/>
-                <a:hlinkClick r:id="rId7"/>
-              </a:rPr>
-              <a:t>https://canvasjs.com/html5-javascript-spline-chart/</a:t>
-            </a:r>
-            <a:endParaRPr lang="de-DE" sz="1400" dirty="0">
-              <a:solidFill>
-                <a:srgbClr val="24292E"/>
-              </a:solidFill>
-              <a:latin typeface="-apple-system"/>
-            </a:endParaRPr>
-          </a:p>
-          <a:p>
-            <a:pPr marL="285750" indent="-285750" algn="l">
-              <a:lnSpc>
-                <a:spcPct val="150000"/>
-              </a:lnSpc>
-              <a:buFont typeface="Arial" panose="020B0604020202020204" pitchFamily="34" charset="0"/>
-              <a:buChar char="•"/>
-            </a:pPr>
-            <a:r>
-              <a:rPr lang="de-DE" sz="1400" dirty="0">
-                <a:solidFill>
-                  <a:srgbClr val="24292E"/>
-                </a:solidFill>
-                <a:latin typeface="-apple-system"/>
-                <a:hlinkClick r:id="rId8"/>
-              </a:rPr>
-              <a:t>https://canvasjs.com/html5-javascript-line-chart/</a:t>
-            </a:r>
-            <a:endParaRPr lang="de-DE" sz="1400" dirty="0">
-              <a:solidFill>
-                <a:srgbClr val="24292E"/>
-              </a:solidFill>
-              <a:latin typeface="-apple-system"/>
-            </a:endParaRPr>
-          </a:p>
-          <a:p>
-            <a:pPr marL="285750" indent="-285750" algn="l">
-              <a:lnSpc>
-                <a:spcPct val="150000"/>
-              </a:lnSpc>
-              <a:buFont typeface="Arial" panose="020B0604020202020204" pitchFamily="34" charset="0"/>
-              <a:buChar char="•"/>
-            </a:pPr>
-            <a:r>
-              <a:rPr lang="de-DE" sz="1400" b="0" i="0" u="none" strike="noStrike" dirty="0">
-                <a:solidFill>
-                  <a:srgbClr val="24292E"/>
-                </a:solidFill>
-                <a:effectLst/>
-                <a:latin typeface="-apple-system"/>
-                <a:hlinkClick r:id="rId9"/>
-              </a:rPr>
-              <a:t>https://canvasjs.com/docs/charts/basics-of-creating-html5-chart/updating-chart-options/</a:t>
-            </a:r>
-            <a:endParaRPr lang="de-DE" sz="1400" dirty="0">
-              <a:solidFill>
-                <a:srgbClr val="24292E"/>
-              </a:solidFill>
-              <a:latin typeface="-apple-system"/>
-            </a:endParaRPr>
-          </a:p>
-          <a:p>
-            <a:pPr marL="285750" indent="-285750" algn="l">
-              <a:lnSpc>
-                <a:spcPct val="150000"/>
-              </a:lnSpc>
-              <a:buFont typeface="Arial" panose="020B0604020202020204" pitchFamily="34" charset="0"/>
-              <a:buChar char="•"/>
-            </a:pPr>
-            <a:r>
-              <a:rPr lang="de-DE" sz="1400" b="0" i="0" u="none" strike="noStrike" dirty="0">
-                <a:solidFill>
-                  <a:srgbClr val="24292E"/>
-                </a:solidFill>
-                <a:effectLst/>
-                <a:latin typeface="-apple-system"/>
-                <a:hlinkClick r:id="rId10"/>
-              </a:rPr>
-              <a:t>https://canvasjs.com/docs/charts/methods/dataseries/addto/</a:t>
-            </a:r>
-            <a:endParaRPr lang="de-DE" sz="1400" dirty="0">
-              <a:solidFill>
-                <a:srgbClr val="24292E"/>
-              </a:solidFill>
-              <a:latin typeface="-apple-system"/>
-            </a:endParaRPr>
-          </a:p>
-          <a:p>
-            <a:pPr marL="285750" indent="-285750" algn="l">
-              <a:lnSpc>
-                <a:spcPct val="150000"/>
-              </a:lnSpc>
-              <a:buFont typeface="Arial" panose="020B0604020202020204" pitchFamily="34" charset="0"/>
-              <a:buChar char="•"/>
-            </a:pPr>
-            <a:r>
-              <a:rPr lang="de-DE" sz="1400" b="0" i="0" u="none" strike="noStrike" dirty="0">
-                <a:solidFill>
-                  <a:srgbClr val="24292E"/>
-                </a:solidFill>
-                <a:effectLst/>
-                <a:latin typeface="-apple-system"/>
-                <a:hlinkClick r:id="rId11"/>
-              </a:rPr>
-              <a:t>https://www.gesundheit.gv.at/leben/ernaehrung/info/fluessigkeitsbedarf</a:t>
-            </a:r>
-            <a:endParaRPr lang="de-DE" sz="1400" b="0" i="0" u="none" strike="noStrike" dirty="0">
-              <a:solidFill>
-                <a:srgbClr val="24292E"/>
-              </a:solidFill>
-              <a:effectLst/>
-              <a:latin typeface="-apple-system"/>
-            </a:endParaRPr>
-          </a:p>
-          <a:p>
-            <a:pPr marL="285750" indent="-285750" algn="l">
-              <a:lnSpc>
-                <a:spcPct val="150000"/>
-              </a:lnSpc>
-              <a:buFont typeface="Arial" panose="020B0604020202020204" pitchFamily="34" charset="0"/>
-              <a:buChar char="•"/>
-            </a:pPr>
-            <a:r>
-              <a:rPr lang="de-DE" sz="1400" dirty="0">
-                <a:hlinkClick r:id="rId12"/>
-              </a:rPr>
-              <a:t>PHP </a:t>
-            </a:r>
-            <a:r>
-              <a:rPr lang="de-DE" sz="1400" dirty="0" err="1">
-                <a:hlinkClick r:id="rId12"/>
-              </a:rPr>
-              <a:t>MySQLi</a:t>
-            </a:r>
-            <a:r>
-              <a:rPr lang="de-DE" sz="1400" dirty="0">
-                <a:hlinkClick r:id="rId12"/>
-              </a:rPr>
-              <a:t> Einleitung - Dev-Tek.de (dev-tek.de)</a:t>
-            </a:r>
-            <a:endParaRPr lang="de-DE" sz="1400" dirty="0">
-              <a:solidFill>
-                <a:srgbClr val="24292E"/>
-              </a:solidFill>
-              <a:latin typeface="-apple-system"/>
-            </a:endParaRPr>
-          </a:p>
-          <a:p>
-            <a:pPr marL="285750" indent="-285750" algn="l">
-              <a:lnSpc>
-                <a:spcPct val="150000"/>
-              </a:lnSpc>
-              <a:buFont typeface="Arial" panose="020B0604020202020204" pitchFamily="34" charset="0"/>
-              <a:buChar char="•"/>
-            </a:pPr>
-            <a:r>
-              <a:rPr lang="en-US" sz="1400" dirty="0">
-                <a:hlinkClick r:id="rId13"/>
-              </a:rPr>
-              <a:t>PHP: </a:t>
-            </a:r>
-            <a:r>
-              <a:rPr lang="en-US" sz="1400" dirty="0" err="1">
-                <a:hlinkClick r:id="rId13"/>
-              </a:rPr>
-              <a:t>mysqli_result</a:t>
-            </a:r>
-            <a:r>
-              <a:rPr lang="en-US" sz="1400" dirty="0">
-                <a:hlinkClick r:id="rId13"/>
-              </a:rPr>
-              <a:t>::</a:t>
-            </a:r>
-            <a:r>
-              <a:rPr lang="en-US" sz="1400" dirty="0" err="1">
-                <a:hlinkClick r:id="rId13"/>
-              </a:rPr>
-              <a:t>fetch_array</a:t>
-            </a:r>
-            <a:r>
-              <a:rPr lang="en-US" sz="1400" dirty="0">
-                <a:hlinkClick r:id="rId13"/>
-              </a:rPr>
-              <a:t> – Manual</a:t>
-            </a:r>
-            <a:endParaRPr lang="de-DE" sz="1400" dirty="0">
-              <a:solidFill>
-                <a:srgbClr val="24292E"/>
-              </a:solidFill>
-              <a:latin typeface="-apple-system"/>
-            </a:endParaRPr>
-          </a:p>
-          <a:p>
-            <a:pPr marL="285750" indent="-285750" algn="l">
-              <a:lnSpc>
-                <a:spcPct val="150000"/>
-              </a:lnSpc>
-              <a:buFont typeface="Arial" panose="020B0604020202020204" pitchFamily="34" charset="0"/>
-              <a:buChar char="•"/>
-            </a:pPr>
-            <a:r>
-              <a:rPr lang="de-DE" sz="1400" dirty="0">
-                <a:hlinkClick r:id="rId14"/>
-              </a:rPr>
-              <a:t>PHP: </a:t>
-            </a:r>
-            <a:r>
-              <a:rPr lang="de-DE" sz="1400" dirty="0" err="1">
-                <a:hlinkClick r:id="rId14"/>
-              </a:rPr>
-              <a:t>array_sum</a:t>
-            </a:r>
-            <a:r>
-              <a:rPr lang="de-DE" sz="1400" dirty="0">
-                <a:hlinkClick r:id="rId14"/>
-              </a:rPr>
-              <a:t> – Manual</a:t>
-            </a:r>
-            <a:endParaRPr lang="de-DE" sz="1400" dirty="0">
-              <a:solidFill>
-                <a:srgbClr val="24292E"/>
-              </a:solidFill>
-              <a:latin typeface="-apple-system"/>
-            </a:endParaRPr>
-          </a:p>
-          <a:p>
-            <a:pPr marL="285750" indent="-285750" algn="l">
-              <a:lnSpc>
-                <a:spcPct val="150000"/>
-              </a:lnSpc>
-              <a:buFont typeface="Arial" panose="020B0604020202020204" pitchFamily="34" charset="0"/>
-              <a:buChar char="•"/>
-            </a:pPr>
-            <a:r>
-              <a:rPr lang="de-DE" sz="1400" dirty="0">
-                <a:hlinkClick r:id="rId15"/>
-              </a:rPr>
-              <a:t>Passing PHP Variables </a:t>
-            </a:r>
-            <a:r>
-              <a:rPr lang="de-DE" sz="1400" dirty="0" err="1">
-                <a:hlinkClick r:id="rId15"/>
-              </a:rPr>
-              <a:t>to</a:t>
-            </a:r>
-            <a:r>
-              <a:rPr lang="de-DE" sz="1400" dirty="0">
-                <a:hlinkClick r:id="rId15"/>
-              </a:rPr>
-              <a:t> JavaScript (dyn-web.com)</a:t>
-            </a:r>
-            <a:endParaRPr lang="de-DE" sz="1400" b="0" i="0" dirty="0">
-              <a:solidFill>
-                <a:srgbClr val="24292E"/>
-              </a:solidFill>
-              <a:effectLst/>
-              <a:latin typeface="-apple-system"/>
-            </a:endParaRPr>
-          </a:p>
-          <a:p>
-            <a:pPr algn="l"/>
-            <a:endParaRPr lang="de-DE" b="0" i="0" u="none" strike="noStrike" dirty="0">
-              <a:solidFill>
-                <a:srgbClr val="24292E"/>
-              </a:solidFill>
-              <a:effectLst/>
-              <a:latin typeface="-apple-system"/>
-            </a:endParaRPr>
-          </a:p>
-          <a:p>
-            <a:pPr algn="l"/>
-            <a:endParaRPr lang="de-DE" b="0" i="0" dirty="0">
-              <a:solidFill>
-                <a:srgbClr val="24292E"/>
-              </a:solidFill>
-              <a:effectLst/>
-              <a:latin typeface="-apple-system"/>
-            </a:endParaRPr>
-          </a:p>
         </p:txBody>
       </p:sp>
       <p:sp>
@@ -13485,7 +13263,7 @@
           <p:cNvPr id="5" name="Foliennummernplatzhalter 4">
             <a:extLst>
               <a:ext uri="{FF2B5EF4-FFF2-40B4-BE49-F238E27FC236}">
-                <a16:creationId xmlns:a16="http://schemas.microsoft.com/office/drawing/2014/main" id="{1BB62189-938C-4C7C-BA89-B2D315856415}"/>
+                <a16:creationId xmlns:a16="http://schemas.microsoft.com/office/drawing/2014/main" id="{83972841-72E7-45F6-9D79-4FAE81CFBAF2}"/>
               </a:ext>
             </a:extLst>
           </p:cNvPr>
@@ -13513,7 +13291,7 @@
     </p:spTree>
     <p:extLst>
       <p:ext uri="{BB962C8B-B14F-4D97-AF65-F5344CB8AC3E}">
-        <p14:creationId xmlns:p14="http://schemas.microsoft.com/office/powerpoint/2010/main" val="873189558"/>
+        <p14:creationId xmlns:p14="http://schemas.microsoft.com/office/powerpoint/2010/main" val="948829941"/>
       </p:ext>
     </p:extLst>
   </p:cSld>
@@ -13542,6 +13320,531 @@
       </p:grpSpPr>
       <p:sp>
         <p:nvSpPr>
+          <p:cNvPr id="2" name="Titel 1">
+            <a:extLst>
+              <a:ext uri="{FF2B5EF4-FFF2-40B4-BE49-F238E27FC236}">
+                <a16:creationId xmlns:a16="http://schemas.microsoft.com/office/drawing/2014/main" id="{1000917D-4547-48A6-84FB-F43EFC62703E}"/>
+              </a:ext>
+            </a:extLst>
+          </p:cNvPr>
+          <p:cNvSpPr>
+            <a:spLocks noGrp="1"/>
+          </p:cNvSpPr>
+          <p:nvPr>
+            <p:ph type="title"/>
+          </p:nvPr>
+        </p:nvSpPr>
+        <p:spPr/>
+        <p:txBody>
+          <a:bodyPr/>
+          <a:lstStyle/>
+          <a:p>
+            <a:r>
+              <a:rPr lang="de-DE" dirty="0"/>
+              <a:t>Quellen</a:t>
+            </a:r>
+          </a:p>
+        </p:txBody>
+      </p:sp>
+      <p:sp>
+        <p:nvSpPr>
+          <p:cNvPr id="4" name="Textfeld 3">
+            <a:extLst>
+              <a:ext uri="{FF2B5EF4-FFF2-40B4-BE49-F238E27FC236}">
+                <a16:creationId xmlns:a16="http://schemas.microsoft.com/office/drawing/2014/main" id="{7A45CCCC-0A1D-47D4-AA93-208EE6D41258}"/>
+              </a:ext>
+            </a:extLst>
+          </p:cNvPr>
+          <p:cNvSpPr txBox="1"/>
+          <p:nvPr/>
+        </p:nvSpPr>
+        <p:spPr>
+          <a:xfrm>
+            <a:off x="1208868" y="1930262"/>
+            <a:ext cx="9946812" cy="4847481"/>
+          </a:xfrm>
+          <a:prstGeom prst="rect">
+            <a:avLst/>
+          </a:prstGeom>
+          <a:noFill/>
+        </p:spPr>
+        <p:txBody>
+          <a:bodyPr wrap="square" rtlCol="0">
+            <a:spAutoFit/>
+          </a:bodyPr>
+          <a:lstStyle/>
+          <a:p>
+            <a:pPr marL="285750" indent="-285750" algn="l">
+              <a:lnSpc>
+                <a:spcPct val="150000"/>
+              </a:lnSpc>
+              <a:buFont typeface="Arial" panose="020B0604020202020204" pitchFamily="34" charset="0"/>
+              <a:buChar char="•"/>
+            </a:pPr>
+            <a:r>
+              <a:rPr lang="de-DE" sz="1400" dirty="0">
+                <a:solidFill>
+                  <a:srgbClr val="24292E"/>
+                </a:solidFill>
+                <a:latin typeface="-apple-system"/>
+              </a:rPr>
+              <a:t> </a:t>
+            </a:r>
+            <a:r>
+              <a:rPr lang="de-DE" sz="1400" b="0" i="0" u="none" strike="noStrike" dirty="0">
+                <a:solidFill>
+                  <a:srgbClr val="24292E"/>
+                </a:solidFill>
+                <a:effectLst/>
+                <a:latin typeface="-apple-system"/>
+                <a:hlinkClick r:id="rId3"/>
+              </a:rPr>
+              <a:t>https://wiki.selfhtml.org/wiki/HTML/Formulare/input/button</a:t>
+            </a:r>
+            <a:endParaRPr lang="de-DE" sz="1400" dirty="0">
+              <a:solidFill>
+                <a:srgbClr val="24292E"/>
+              </a:solidFill>
+              <a:latin typeface="-apple-system"/>
+            </a:endParaRPr>
+          </a:p>
+          <a:p>
+            <a:pPr marL="285750" indent="-285750" algn="l">
+              <a:lnSpc>
+                <a:spcPct val="150000"/>
+              </a:lnSpc>
+              <a:buFont typeface="Arial" panose="020B0604020202020204" pitchFamily="34" charset="0"/>
+              <a:buChar char="•"/>
+            </a:pPr>
+            <a:r>
+              <a:rPr lang="de-DE" sz="1400" b="0" i="0" u="none" strike="noStrike" dirty="0">
+                <a:solidFill>
+                  <a:srgbClr val="24292E"/>
+                </a:solidFill>
+                <a:effectLst/>
+                <a:latin typeface="-apple-system"/>
+                <a:hlinkClick r:id="rId4"/>
+              </a:rPr>
+              <a:t>https://jsfiddle.net/red_stapler/wu3a0y6e/18/</a:t>
+            </a:r>
+            <a:endParaRPr lang="de-DE" sz="1400" dirty="0">
+              <a:solidFill>
+                <a:srgbClr val="24292E"/>
+              </a:solidFill>
+              <a:latin typeface="-apple-system"/>
+            </a:endParaRPr>
+          </a:p>
+          <a:p>
+            <a:pPr marL="285750" indent="-285750" algn="l">
+              <a:lnSpc>
+                <a:spcPct val="150000"/>
+              </a:lnSpc>
+              <a:buFont typeface="Arial" panose="020B0604020202020204" pitchFamily="34" charset="0"/>
+              <a:buChar char="•"/>
+            </a:pPr>
+            <a:r>
+              <a:rPr lang="de-DE" sz="1400" b="0" i="0" u="none" strike="noStrike" dirty="0">
+                <a:solidFill>
+                  <a:srgbClr val="24292E"/>
+                </a:solidFill>
+                <a:effectLst/>
+                <a:latin typeface="-apple-system"/>
+                <a:hlinkClick r:id="rId5"/>
+              </a:rPr>
+              <a:t>http://microbuilder.io/blog/2016/01/10/plotting-json-data-with-chart-js.html</a:t>
+            </a:r>
+            <a:endParaRPr lang="de-DE" sz="1400" dirty="0">
+              <a:solidFill>
+                <a:srgbClr val="24292E"/>
+              </a:solidFill>
+              <a:latin typeface="-apple-system"/>
+            </a:endParaRPr>
+          </a:p>
+          <a:p>
+            <a:pPr marL="285750" indent="-285750" algn="l">
+              <a:lnSpc>
+                <a:spcPct val="150000"/>
+              </a:lnSpc>
+              <a:buFont typeface="Arial" panose="020B0604020202020204" pitchFamily="34" charset="0"/>
+              <a:buChar char="•"/>
+            </a:pPr>
+            <a:r>
+              <a:rPr lang="de-DE" sz="1400" b="0" i="0" u="none" strike="noStrike" dirty="0">
+                <a:solidFill>
+                  <a:srgbClr val="24292E"/>
+                </a:solidFill>
+                <a:effectLst/>
+                <a:latin typeface="-apple-system"/>
+                <a:hlinkClick r:id="rId6"/>
+              </a:rPr>
+              <a:t>https://www.youtube.com/watch?v=NwgKh_QTKE0</a:t>
+            </a:r>
+            <a:endParaRPr lang="de-DE" sz="1400" dirty="0">
+              <a:solidFill>
+                <a:srgbClr val="24292E"/>
+              </a:solidFill>
+              <a:latin typeface="-apple-system"/>
+            </a:endParaRPr>
+          </a:p>
+          <a:p>
+            <a:pPr marL="285750" indent="-285750" algn="l">
+              <a:lnSpc>
+                <a:spcPct val="150000"/>
+              </a:lnSpc>
+              <a:buFont typeface="Arial" panose="020B0604020202020204" pitchFamily="34" charset="0"/>
+              <a:buChar char="•"/>
+            </a:pPr>
+            <a:r>
+              <a:rPr lang="de-DE" sz="1400" b="0" i="0" u="none" strike="noStrike" dirty="0">
+                <a:solidFill>
+                  <a:srgbClr val="24292E"/>
+                </a:solidFill>
+                <a:effectLst/>
+                <a:latin typeface="-apple-system"/>
+                <a:hlinkClick r:id="rId7"/>
+              </a:rPr>
+              <a:t>https://canvasjs.com/html5-javascript-spline-chart/</a:t>
+            </a:r>
+            <a:endParaRPr lang="de-DE" sz="1400" dirty="0">
+              <a:solidFill>
+                <a:srgbClr val="24292E"/>
+              </a:solidFill>
+              <a:latin typeface="-apple-system"/>
+            </a:endParaRPr>
+          </a:p>
+          <a:p>
+            <a:pPr marL="285750" indent="-285750" algn="l">
+              <a:lnSpc>
+                <a:spcPct val="150000"/>
+              </a:lnSpc>
+              <a:buFont typeface="Arial" panose="020B0604020202020204" pitchFamily="34" charset="0"/>
+              <a:buChar char="•"/>
+            </a:pPr>
+            <a:r>
+              <a:rPr lang="de-DE" sz="1400" dirty="0">
+                <a:solidFill>
+                  <a:srgbClr val="24292E"/>
+                </a:solidFill>
+                <a:latin typeface="-apple-system"/>
+                <a:hlinkClick r:id="rId8"/>
+              </a:rPr>
+              <a:t>https://canvasjs.com/html5-javascript-line-chart/</a:t>
+            </a:r>
+            <a:endParaRPr lang="de-DE" sz="1400" dirty="0">
+              <a:solidFill>
+                <a:srgbClr val="24292E"/>
+              </a:solidFill>
+              <a:latin typeface="-apple-system"/>
+            </a:endParaRPr>
+          </a:p>
+          <a:p>
+            <a:pPr marL="285750" indent="-285750" algn="l">
+              <a:lnSpc>
+                <a:spcPct val="150000"/>
+              </a:lnSpc>
+              <a:buFont typeface="Arial" panose="020B0604020202020204" pitchFamily="34" charset="0"/>
+              <a:buChar char="•"/>
+            </a:pPr>
+            <a:r>
+              <a:rPr lang="de-DE" sz="1400" b="0" i="0" u="none" strike="noStrike" dirty="0">
+                <a:solidFill>
+                  <a:srgbClr val="24292E"/>
+                </a:solidFill>
+                <a:effectLst/>
+                <a:latin typeface="-apple-system"/>
+                <a:hlinkClick r:id="rId9"/>
+              </a:rPr>
+              <a:t>https://canvasjs.com/docs/charts/basics-of-creating-html5-chart/updating-chart-options/</a:t>
+            </a:r>
+            <a:endParaRPr lang="de-DE" sz="1400" dirty="0">
+              <a:solidFill>
+                <a:srgbClr val="24292E"/>
+              </a:solidFill>
+              <a:latin typeface="-apple-system"/>
+            </a:endParaRPr>
+          </a:p>
+          <a:p>
+            <a:pPr marL="285750" indent="-285750" algn="l">
+              <a:lnSpc>
+                <a:spcPct val="150000"/>
+              </a:lnSpc>
+              <a:buFont typeface="Arial" panose="020B0604020202020204" pitchFamily="34" charset="0"/>
+              <a:buChar char="•"/>
+            </a:pPr>
+            <a:r>
+              <a:rPr lang="de-DE" sz="1400" b="0" i="0" u="none" strike="noStrike" dirty="0">
+                <a:solidFill>
+                  <a:srgbClr val="24292E"/>
+                </a:solidFill>
+                <a:effectLst/>
+                <a:latin typeface="-apple-system"/>
+                <a:hlinkClick r:id="rId10"/>
+              </a:rPr>
+              <a:t>https://canvasjs.com/docs/charts/methods/dataseries/addto/</a:t>
+            </a:r>
+            <a:endParaRPr lang="de-DE" sz="1400" dirty="0">
+              <a:solidFill>
+                <a:srgbClr val="24292E"/>
+              </a:solidFill>
+              <a:latin typeface="-apple-system"/>
+            </a:endParaRPr>
+          </a:p>
+          <a:p>
+            <a:pPr marL="285750" indent="-285750" algn="l">
+              <a:lnSpc>
+                <a:spcPct val="150000"/>
+              </a:lnSpc>
+              <a:buFont typeface="Arial" panose="020B0604020202020204" pitchFamily="34" charset="0"/>
+              <a:buChar char="•"/>
+            </a:pPr>
+            <a:r>
+              <a:rPr lang="de-DE" sz="1400" b="0" i="0" u="none" strike="noStrike" dirty="0">
+                <a:solidFill>
+                  <a:srgbClr val="24292E"/>
+                </a:solidFill>
+                <a:effectLst/>
+                <a:latin typeface="-apple-system"/>
+                <a:hlinkClick r:id="rId11"/>
+              </a:rPr>
+              <a:t>https://www.gesundheit.gv.at/leben/ernaehrung/info/fluessigkeitsbedarf</a:t>
+            </a:r>
+            <a:endParaRPr lang="de-DE" sz="1400" b="0" i="0" u="none" strike="noStrike" dirty="0">
+              <a:solidFill>
+                <a:srgbClr val="24292E"/>
+              </a:solidFill>
+              <a:effectLst/>
+              <a:latin typeface="-apple-system"/>
+            </a:endParaRPr>
+          </a:p>
+          <a:p>
+            <a:pPr marL="285750" indent="-285750" algn="l">
+              <a:lnSpc>
+                <a:spcPct val="150000"/>
+              </a:lnSpc>
+              <a:buFont typeface="Arial" panose="020B0604020202020204" pitchFamily="34" charset="0"/>
+              <a:buChar char="•"/>
+            </a:pPr>
+            <a:r>
+              <a:rPr lang="de-DE" sz="1400" dirty="0">
+                <a:hlinkClick r:id="rId12"/>
+              </a:rPr>
+              <a:t>PHP </a:t>
+            </a:r>
+            <a:r>
+              <a:rPr lang="de-DE" sz="1400" dirty="0" err="1">
+                <a:hlinkClick r:id="rId12"/>
+              </a:rPr>
+              <a:t>MySQLi</a:t>
+            </a:r>
+            <a:r>
+              <a:rPr lang="de-DE" sz="1400" dirty="0">
+                <a:hlinkClick r:id="rId12"/>
+              </a:rPr>
+              <a:t> Einleitung - Dev-Tek.de (dev-tek.de)</a:t>
+            </a:r>
+            <a:endParaRPr lang="de-DE" sz="1400" dirty="0">
+              <a:solidFill>
+                <a:srgbClr val="24292E"/>
+              </a:solidFill>
+              <a:latin typeface="-apple-system"/>
+            </a:endParaRPr>
+          </a:p>
+          <a:p>
+            <a:pPr marL="285750" indent="-285750" algn="l">
+              <a:lnSpc>
+                <a:spcPct val="150000"/>
+              </a:lnSpc>
+              <a:buFont typeface="Arial" panose="020B0604020202020204" pitchFamily="34" charset="0"/>
+              <a:buChar char="•"/>
+            </a:pPr>
+            <a:r>
+              <a:rPr lang="en-US" sz="1400" dirty="0">
+                <a:hlinkClick r:id="rId13"/>
+              </a:rPr>
+              <a:t>PHP: </a:t>
+            </a:r>
+            <a:r>
+              <a:rPr lang="en-US" sz="1400" dirty="0" err="1">
+                <a:hlinkClick r:id="rId13"/>
+              </a:rPr>
+              <a:t>mysqli_result</a:t>
+            </a:r>
+            <a:r>
+              <a:rPr lang="en-US" sz="1400" dirty="0">
+                <a:hlinkClick r:id="rId13"/>
+              </a:rPr>
+              <a:t>::</a:t>
+            </a:r>
+            <a:r>
+              <a:rPr lang="en-US" sz="1400" dirty="0" err="1">
+                <a:hlinkClick r:id="rId13"/>
+              </a:rPr>
+              <a:t>fetch_array</a:t>
+            </a:r>
+            <a:r>
+              <a:rPr lang="en-US" sz="1400" dirty="0">
+                <a:hlinkClick r:id="rId13"/>
+              </a:rPr>
+              <a:t> – Manual</a:t>
+            </a:r>
+            <a:endParaRPr lang="de-DE" sz="1400" dirty="0">
+              <a:solidFill>
+                <a:srgbClr val="24292E"/>
+              </a:solidFill>
+              <a:latin typeface="-apple-system"/>
+            </a:endParaRPr>
+          </a:p>
+          <a:p>
+            <a:pPr marL="285750" indent="-285750" algn="l">
+              <a:lnSpc>
+                <a:spcPct val="150000"/>
+              </a:lnSpc>
+              <a:buFont typeface="Arial" panose="020B0604020202020204" pitchFamily="34" charset="0"/>
+              <a:buChar char="•"/>
+            </a:pPr>
+            <a:r>
+              <a:rPr lang="de-DE" sz="1400" dirty="0">
+                <a:hlinkClick r:id="rId14"/>
+              </a:rPr>
+              <a:t>PHP: </a:t>
+            </a:r>
+            <a:r>
+              <a:rPr lang="de-DE" sz="1400" dirty="0" err="1">
+                <a:hlinkClick r:id="rId14"/>
+              </a:rPr>
+              <a:t>array_sum</a:t>
+            </a:r>
+            <a:r>
+              <a:rPr lang="de-DE" sz="1400" dirty="0">
+                <a:hlinkClick r:id="rId14"/>
+              </a:rPr>
+              <a:t> – Manual</a:t>
+            </a:r>
+            <a:endParaRPr lang="de-DE" sz="1400" dirty="0">
+              <a:solidFill>
+                <a:srgbClr val="24292E"/>
+              </a:solidFill>
+              <a:latin typeface="-apple-system"/>
+            </a:endParaRPr>
+          </a:p>
+          <a:p>
+            <a:pPr marL="285750" indent="-285750" algn="l">
+              <a:lnSpc>
+                <a:spcPct val="150000"/>
+              </a:lnSpc>
+              <a:buFont typeface="Arial" panose="020B0604020202020204" pitchFamily="34" charset="0"/>
+              <a:buChar char="•"/>
+            </a:pPr>
+            <a:r>
+              <a:rPr lang="de-DE" sz="1400" dirty="0">
+                <a:hlinkClick r:id="rId15"/>
+              </a:rPr>
+              <a:t>Passing PHP Variables </a:t>
+            </a:r>
+            <a:r>
+              <a:rPr lang="de-DE" sz="1400" dirty="0" err="1">
+                <a:hlinkClick r:id="rId15"/>
+              </a:rPr>
+              <a:t>to</a:t>
+            </a:r>
+            <a:r>
+              <a:rPr lang="de-DE" sz="1400" dirty="0">
+                <a:hlinkClick r:id="rId15"/>
+              </a:rPr>
+              <a:t> JavaScript (dyn-web.com)</a:t>
+            </a:r>
+            <a:endParaRPr lang="de-DE" sz="1400" b="0" i="0" dirty="0">
+              <a:solidFill>
+                <a:srgbClr val="24292E"/>
+              </a:solidFill>
+              <a:effectLst/>
+              <a:latin typeface="-apple-system"/>
+            </a:endParaRPr>
+          </a:p>
+          <a:p>
+            <a:pPr algn="l"/>
+            <a:endParaRPr lang="de-DE" b="0" i="0" u="none" strike="noStrike" dirty="0">
+              <a:solidFill>
+                <a:srgbClr val="24292E"/>
+              </a:solidFill>
+              <a:effectLst/>
+              <a:latin typeface="-apple-system"/>
+            </a:endParaRPr>
+          </a:p>
+          <a:p>
+            <a:pPr algn="l"/>
+            <a:endParaRPr lang="de-DE" b="0" i="0" dirty="0">
+              <a:solidFill>
+                <a:srgbClr val="24292E"/>
+              </a:solidFill>
+              <a:effectLst/>
+              <a:latin typeface="-apple-system"/>
+            </a:endParaRPr>
+          </a:p>
+        </p:txBody>
+      </p:sp>
+      <p:sp>
+        <p:nvSpPr>
+          <p:cNvPr id="5" name="Foliennummernplatzhalter 4">
+            <a:extLst>
+              <a:ext uri="{FF2B5EF4-FFF2-40B4-BE49-F238E27FC236}">
+                <a16:creationId xmlns:a16="http://schemas.microsoft.com/office/drawing/2014/main" id="{1BB62189-938C-4C7C-BA89-B2D315856415}"/>
+              </a:ext>
+            </a:extLst>
+          </p:cNvPr>
+          <p:cNvSpPr>
+            <a:spLocks noGrp="1"/>
+          </p:cNvSpPr>
+          <p:nvPr>
+            <p:ph type="sldNum" sz="quarter" idx="12"/>
+          </p:nvPr>
+        </p:nvSpPr>
+        <p:spPr/>
+        <p:txBody>
+          <a:bodyPr/>
+          <a:lstStyle/>
+          <a:p>
+            <a:pPr rtl="0"/>
+            <a:fld id="{3A98EE3D-8CD1-4C3F-BD1C-C98C9596463C}" type="slidenum">
+              <a:rPr lang="en-US" smtClean="0"/>
+              <a:t>32</a:t>
+            </a:fld>
+            <a:endParaRPr lang="en-US" dirty="0"/>
+          </a:p>
+        </p:txBody>
+      </p:sp>
+    </p:spTree>
+    <p:extLst>
+      <p:ext uri="{BB962C8B-B14F-4D97-AF65-F5344CB8AC3E}">
+        <p14:creationId xmlns:p14="http://schemas.microsoft.com/office/powerpoint/2010/main" val="873189558"/>
+      </p:ext>
+    </p:extLst>
+  </p:cSld>
+  <p:clrMapOvr>
+    <a:masterClrMapping/>
+  </p:clrMapOvr>
+</p:sld>
+</file>
+
+<file path=ppt/slides/slide33.xml><?xml version="1.0" encoding="utf-8"?>
+<p:sld xmlns:a="http://schemas.openxmlformats.org/drawingml/2006/main" xmlns:r="http://schemas.openxmlformats.org/officeDocument/2006/relationships" xmlns:p="http://schemas.openxmlformats.org/presentationml/2006/main">
+  <p:cSld>
+    <p:spTree>
+      <p:nvGrpSpPr>
+        <p:cNvPr id="1" name=""/>
+        <p:cNvGrpSpPr/>
+        <p:nvPr/>
+      </p:nvGrpSpPr>
+      <p:grpSpPr>
+        <a:xfrm>
+          <a:off x="0" y="0"/>
+          <a:ext cx="0" cy="0"/>
+          <a:chOff x="0" y="0"/>
+          <a:chExt cx="0" cy="0"/>
+        </a:xfrm>
+      </p:grpSpPr>
+      <p:sp>
+        <p:nvSpPr>
           <p:cNvPr id="3" name="Titel 2">
             <a:extLst>
               <a:ext uri="{FF2B5EF4-FFF2-40B4-BE49-F238E27FC236}">
@@ -13635,7 +13938,7 @@
             <a:pPr rtl="0"/>
             <a:fld id="{3A98EE3D-8CD1-4C3F-BD1C-C98C9596463C}" type="slidenum">
               <a:rPr lang="en-US" smtClean="0"/>
-              <a:t>32</a:t>
+              <a:t>33</a:t>
             </a:fld>
             <a:endParaRPr lang="en-US" dirty="0"/>
           </a:p>
@@ -14383,6 +14686,706 @@
           <p:cNvPr id="2" name="Titel 1">
             <a:extLst>
               <a:ext uri="{FF2B5EF4-FFF2-40B4-BE49-F238E27FC236}">
+                <a16:creationId xmlns:a16="http://schemas.microsoft.com/office/drawing/2014/main" id="{0818CE91-7707-47CA-B317-FDF046B5A6A9}"/>
+              </a:ext>
+            </a:extLst>
+          </p:cNvPr>
+          <p:cNvSpPr>
+            <a:spLocks noGrp="1"/>
+          </p:cNvSpPr>
+          <p:nvPr>
+            <p:ph type="title"/>
+          </p:nvPr>
+        </p:nvSpPr>
+        <p:spPr>
+          <a:xfrm>
+            <a:off x="643466" y="786383"/>
+            <a:ext cx="3517567" cy="2093975"/>
+          </a:xfrm>
+        </p:spPr>
+        <p:txBody>
+          <a:bodyPr vert="horz" lIns="91440" tIns="45720" rIns="91440" bIns="45720" rtlCol="0" anchor="b">
+            <a:normAutofit/>
+          </a:bodyPr>
+          <a:lstStyle/>
+          <a:p>
+            <a:r>
+              <a:rPr lang="de-DE" dirty="0"/>
+              <a:t>Use-Case als Flow</a:t>
+            </a:r>
+          </a:p>
+        </p:txBody>
+      </p:sp>
+      <p:sp>
+        <p:nvSpPr>
+          <p:cNvPr id="4" name="Textfeld 3">
+            <a:extLst>
+              <a:ext uri="{FF2B5EF4-FFF2-40B4-BE49-F238E27FC236}">
+                <a16:creationId xmlns:a16="http://schemas.microsoft.com/office/drawing/2014/main" id="{A0DEC227-6F8B-4ED3-AD96-4CC9982F0BF6}"/>
+              </a:ext>
+            </a:extLst>
+          </p:cNvPr>
+          <p:cNvSpPr txBox="1"/>
+          <p:nvPr/>
+        </p:nvSpPr>
+        <p:spPr>
+          <a:xfrm>
+            <a:off x="7757342" y="215343"/>
+            <a:ext cx="4216356" cy="6427313"/>
+          </a:xfrm>
+          <a:prstGeom prst="rect">
+            <a:avLst/>
+          </a:prstGeom>
+        </p:spPr>
+        <p:txBody>
+          <a:bodyPr vert="horz" lIns="0" tIns="45720" rIns="0" bIns="45720" rtlCol="0">
+            <a:normAutofit/>
+          </a:bodyPr>
+          <a:lstStyle/>
+          <a:p>
+            <a:pPr>
+              <a:lnSpc>
+                <a:spcPct val="90000"/>
+              </a:lnSpc>
+              <a:spcAft>
+                <a:spcPts val="600"/>
+              </a:spcAft>
+              <a:buFont typeface="Calibri" panose="020F0502020204030204" pitchFamily="34" charset="0"/>
+            </a:pPr>
+            <a:r>
+              <a:rPr lang="de-DE" sz="1300" b="1" i="0" u="sng" dirty="0">
+                <a:solidFill>
+                  <a:schemeClr val="tx1">
+                    <a:lumMod val="75000"/>
+                    <a:lumOff val="25000"/>
+                  </a:schemeClr>
+                </a:solidFill>
+                <a:effectLst/>
+              </a:rPr>
+              <a:t>Main Flow:</a:t>
+            </a:r>
+          </a:p>
+          <a:p>
+            <a:pPr marL="342900" indent="-342900">
+              <a:lnSpc>
+                <a:spcPct val="90000"/>
+              </a:lnSpc>
+              <a:spcAft>
+                <a:spcPts val="600"/>
+              </a:spcAft>
+              <a:buFont typeface="Calibri" panose="020F0502020204030204" pitchFamily="34" charset="0"/>
+              <a:buAutoNum type="arabicPeriod"/>
+            </a:pPr>
+            <a:r>
+              <a:rPr lang="de-DE" sz="1300" b="0" i="0" dirty="0">
+                <a:solidFill>
+                  <a:schemeClr val="tx1">
+                    <a:lumMod val="75000"/>
+                    <a:lumOff val="25000"/>
+                  </a:schemeClr>
+                </a:solidFill>
+                <a:effectLst/>
+              </a:rPr>
+              <a:t>Der User muss sich registrieren/ anmelden</a:t>
+            </a:r>
+          </a:p>
+          <a:p>
+            <a:pPr marL="342900" indent="-342900">
+              <a:lnSpc>
+                <a:spcPct val="90000"/>
+              </a:lnSpc>
+              <a:spcAft>
+                <a:spcPts val="600"/>
+              </a:spcAft>
+              <a:buFont typeface="Calibri" panose="020F0502020204030204" pitchFamily="34" charset="0"/>
+              <a:buAutoNum type="arabicPeriod"/>
+            </a:pPr>
+            <a:r>
+              <a:rPr lang="de-DE" sz="1300" dirty="0">
+                <a:solidFill>
+                  <a:schemeClr val="tx1">
+                    <a:lumMod val="75000"/>
+                    <a:lumOff val="25000"/>
+                  </a:schemeClr>
+                </a:solidFill>
+              </a:rPr>
+              <a:t>Der User wird in die Datenbank aufgenommen</a:t>
+            </a:r>
+            <a:endParaRPr lang="de-DE" sz="1300" b="0" i="0" dirty="0">
+              <a:solidFill>
+                <a:schemeClr val="tx1">
+                  <a:lumMod val="75000"/>
+                  <a:lumOff val="25000"/>
+                </a:schemeClr>
+              </a:solidFill>
+              <a:effectLst/>
+            </a:endParaRPr>
+          </a:p>
+          <a:p>
+            <a:pPr marL="342900" indent="-342900">
+              <a:lnSpc>
+                <a:spcPct val="90000"/>
+              </a:lnSpc>
+              <a:spcAft>
+                <a:spcPts val="600"/>
+              </a:spcAft>
+              <a:buFont typeface="Calibri" panose="020F0502020204030204" pitchFamily="34" charset="0"/>
+              <a:buAutoNum type="arabicPeriod"/>
+            </a:pPr>
+            <a:r>
+              <a:rPr lang="de-DE" sz="1300" b="0" i="0" dirty="0">
+                <a:solidFill>
+                  <a:schemeClr val="tx1">
+                    <a:lumMod val="75000"/>
+                    <a:lumOff val="25000"/>
+                  </a:schemeClr>
+                </a:solidFill>
+                <a:effectLst/>
+              </a:rPr>
+              <a:t>Der User macht Übungen</a:t>
+            </a:r>
+          </a:p>
+          <a:p>
+            <a:pPr marL="342900" indent="-342900">
+              <a:lnSpc>
+                <a:spcPct val="90000"/>
+              </a:lnSpc>
+              <a:spcAft>
+                <a:spcPts val="600"/>
+              </a:spcAft>
+              <a:buFont typeface="Calibri" panose="020F0502020204030204" pitchFamily="34" charset="0"/>
+              <a:buAutoNum type="arabicPeriod"/>
+            </a:pPr>
+            <a:r>
+              <a:rPr lang="de-DE" sz="1300" b="0" i="0" dirty="0">
+                <a:solidFill>
+                  <a:schemeClr val="tx1">
+                    <a:lumMod val="75000"/>
+                    <a:lumOff val="25000"/>
+                  </a:schemeClr>
+                </a:solidFill>
+                <a:effectLst/>
+              </a:rPr>
+              <a:t>Der User hört sich Musik, Hörbücher oder ASMR an</a:t>
+            </a:r>
+          </a:p>
+          <a:p>
+            <a:pPr marL="342900" indent="-342900">
+              <a:lnSpc>
+                <a:spcPct val="90000"/>
+              </a:lnSpc>
+              <a:spcAft>
+                <a:spcPts val="600"/>
+              </a:spcAft>
+              <a:buFont typeface="Calibri" panose="020F0502020204030204" pitchFamily="34" charset="0"/>
+              <a:buAutoNum type="arabicPeriod"/>
+            </a:pPr>
+            <a:r>
+              <a:rPr lang="de-DE" sz="1300" dirty="0">
+                <a:solidFill>
+                  <a:schemeClr val="tx1">
+                    <a:lumMod val="75000"/>
+                    <a:lumOff val="25000"/>
+                  </a:schemeClr>
+                </a:solidFill>
+              </a:rPr>
+              <a:t>Der User kann sich diese unter Favoriten setzen und später erneut aufrufen</a:t>
+            </a:r>
+            <a:endParaRPr lang="de-DE" sz="1300" b="0" i="0" dirty="0">
+              <a:solidFill>
+                <a:schemeClr val="tx1">
+                  <a:lumMod val="75000"/>
+                  <a:lumOff val="25000"/>
+                </a:schemeClr>
+              </a:solidFill>
+              <a:effectLst/>
+            </a:endParaRPr>
+          </a:p>
+          <a:p>
+            <a:pPr marL="342900" indent="-342900">
+              <a:lnSpc>
+                <a:spcPct val="90000"/>
+              </a:lnSpc>
+              <a:spcAft>
+                <a:spcPts val="600"/>
+              </a:spcAft>
+              <a:buFont typeface="Calibri" panose="020F0502020204030204" pitchFamily="34" charset="0"/>
+              <a:buAutoNum type="arabicPeriod"/>
+            </a:pPr>
+            <a:r>
+              <a:rPr lang="de-DE" sz="1300" b="0" i="0" dirty="0">
+                <a:solidFill>
+                  <a:schemeClr val="tx1">
+                    <a:lumMod val="75000"/>
+                    <a:lumOff val="25000"/>
+                  </a:schemeClr>
+                </a:solidFill>
+                <a:effectLst/>
+              </a:rPr>
+              <a:t>Der User gibt die Anzahl seiner getrunkenen Liter an</a:t>
+            </a:r>
+          </a:p>
+          <a:p>
+            <a:pPr marL="342900" indent="-342900">
+              <a:lnSpc>
+                <a:spcPct val="90000"/>
+              </a:lnSpc>
+              <a:spcAft>
+                <a:spcPts val="600"/>
+              </a:spcAft>
+              <a:buFont typeface="Calibri" panose="020F0502020204030204" pitchFamily="34" charset="0"/>
+              <a:buAutoNum type="arabicPeriod"/>
+            </a:pPr>
+            <a:r>
+              <a:rPr lang="de-DE" sz="1300" dirty="0">
+                <a:solidFill>
+                  <a:schemeClr val="tx1">
+                    <a:lumMod val="75000"/>
+                    <a:lumOff val="25000"/>
+                  </a:schemeClr>
+                </a:solidFill>
+              </a:rPr>
+              <a:t>Die vom User angegebenen Liter werden in die Datenbank gespeichert</a:t>
+            </a:r>
+            <a:endParaRPr lang="de-DE" sz="1300" b="0" i="0" dirty="0">
+              <a:solidFill>
+                <a:schemeClr val="tx1">
+                  <a:lumMod val="75000"/>
+                  <a:lumOff val="25000"/>
+                </a:schemeClr>
+              </a:solidFill>
+              <a:effectLst/>
+            </a:endParaRPr>
+          </a:p>
+          <a:p>
+            <a:pPr marL="342900" indent="-342900">
+              <a:lnSpc>
+                <a:spcPct val="90000"/>
+              </a:lnSpc>
+              <a:spcAft>
+                <a:spcPts val="600"/>
+              </a:spcAft>
+              <a:buFont typeface="Calibri" panose="020F0502020204030204" pitchFamily="34" charset="0"/>
+              <a:buAutoNum type="arabicPeriod"/>
+            </a:pPr>
+            <a:r>
+              <a:rPr lang="de-DE" sz="1300" b="0" i="0" dirty="0">
+                <a:solidFill>
+                  <a:schemeClr val="tx1">
+                    <a:lumMod val="75000"/>
+                    <a:lumOff val="25000"/>
+                  </a:schemeClr>
+                </a:solidFill>
+                <a:effectLst/>
+              </a:rPr>
+              <a:t>Der User wird zum Entspannen an Pausen erinnert </a:t>
+            </a:r>
+          </a:p>
+          <a:p>
+            <a:pPr marL="342900" indent="-342900">
+              <a:lnSpc>
+                <a:spcPct val="90000"/>
+              </a:lnSpc>
+              <a:spcAft>
+                <a:spcPts val="600"/>
+              </a:spcAft>
+              <a:buFont typeface="Calibri" panose="020F0502020204030204" pitchFamily="34" charset="0"/>
+              <a:buAutoNum type="arabicPeriod"/>
+            </a:pPr>
+            <a:r>
+              <a:rPr lang="de-DE" sz="1300" b="0" i="0" dirty="0">
+                <a:solidFill>
+                  <a:schemeClr val="tx1">
+                    <a:lumMod val="75000"/>
+                    <a:lumOff val="25000"/>
+                  </a:schemeClr>
+                </a:solidFill>
+                <a:effectLst/>
+              </a:rPr>
+              <a:t>Der User </a:t>
+            </a:r>
+            <a:r>
+              <a:rPr lang="de-DE" sz="1300" dirty="0">
+                <a:solidFill>
+                  <a:schemeClr val="tx1">
+                    <a:lumMod val="75000"/>
+                    <a:lumOff val="25000"/>
+                  </a:schemeClr>
+                </a:solidFill>
+              </a:rPr>
+              <a:t>wird zum </a:t>
+            </a:r>
+            <a:r>
+              <a:rPr lang="de-DE" sz="1300" b="0" i="0" dirty="0">
+                <a:solidFill>
+                  <a:schemeClr val="tx1">
+                    <a:lumMod val="75000"/>
+                    <a:lumOff val="25000"/>
+                  </a:schemeClr>
+                </a:solidFill>
+                <a:effectLst/>
+              </a:rPr>
+              <a:t>trinken erinnert</a:t>
+            </a:r>
+          </a:p>
+          <a:p>
+            <a:pPr marL="342900" indent="-342900">
+              <a:lnSpc>
+                <a:spcPct val="90000"/>
+              </a:lnSpc>
+              <a:spcAft>
+                <a:spcPts val="600"/>
+              </a:spcAft>
+              <a:buFont typeface="Calibri" panose="020F0502020204030204" pitchFamily="34" charset="0"/>
+              <a:buAutoNum type="arabicPeriod"/>
+            </a:pPr>
+            <a:r>
+              <a:rPr lang="de-DE" sz="1300" b="0" i="0" dirty="0">
+                <a:solidFill>
+                  <a:schemeClr val="tx1">
+                    <a:lumMod val="75000"/>
+                    <a:lumOff val="25000"/>
+                  </a:schemeClr>
+                </a:solidFill>
+                <a:effectLst/>
+              </a:rPr>
+              <a:t>Der User schaut sich sein Trinkverhalten/ Verlauf an</a:t>
+            </a:r>
+          </a:p>
+          <a:p>
+            <a:pPr marL="342900" indent="-342900">
+              <a:lnSpc>
+                <a:spcPct val="90000"/>
+              </a:lnSpc>
+              <a:spcAft>
+                <a:spcPts val="600"/>
+              </a:spcAft>
+              <a:buFont typeface="Calibri" panose="020F0502020204030204" pitchFamily="34" charset="0"/>
+              <a:buAutoNum type="arabicPeriod"/>
+            </a:pPr>
+            <a:r>
+              <a:rPr lang="de-DE" sz="1300" b="0" i="0" dirty="0">
+                <a:solidFill>
+                  <a:schemeClr val="tx1">
+                    <a:lumMod val="75000"/>
+                    <a:lumOff val="25000"/>
+                  </a:schemeClr>
+                </a:solidFill>
+                <a:effectLst/>
+              </a:rPr>
+              <a:t>Der User nimmt täglich morgens und abends an einer Befragung teil</a:t>
+            </a:r>
+          </a:p>
+          <a:p>
+            <a:pPr marL="342900" indent="-342900">
+              <a:lnSpc>
+                <a:spcPct val="90000"/>
+              </a:lnSpc>
+              <a:spcAft>
+                <a:spcPts val="600"/>
+              </a:spcAft>
+              <a:buFont typeface="Calibri" panose="020F0502020204030204" pitchFamily="34" charset="0"/>
+              <a:buAutoNum type="arabicPeriod"/>
+            </a:pPr>
+            <a:r>
+              <a:rPr lang="de-DE" sz="1300" dirty="0">
+                <a:solidFill>
+                  <a:schemeClr val="tx1">
+                    <a:lumMod val="75000"/>
+                    <a:lumOff val="25000"/>
+                  </a:schemeClr>
+                </a:solidFill>
+              </a:rPr>
+              <a:t>Die vom User ausgewählten Antworten werden in die Datenbank gespeichert</a:t>
+            </a:r>
+          </a:p>
+          <a:p>
+            <a:pPr marL="342900" indent="-342900">
+              <a:lnSpc>
+                <a:spcPct val="90000"/>
+              </a:lnSpc>
+              <a:spcAft>
+                <a:spcPts val="600"/>
+              </a:spcAft>
+              <a:buFont typeface="Calibri" panose="020F0502020204030204" pitchFamily="34" charset="0"/>
+              <a:buAutoNum type="arabicPeriod"/>
+            </a:pPr>
+            <a:r>
+              <a:rPr lang="de-DE" sz="1300" b="0" i="0" dirty="0">
+                <a:solidFill>
+                  <a:schemeClr val="tx1">
+                    <a:lumMod val="75000"/>
+                    <a:lumOff val="25000"/>
+                  </a:schemeClr>
+                </a:solidFill>
+                <a:effectLst/>
+              </a:rPr>
+              <a:t>Der User nimmt am Ende des Monats an einer Umfrage teil</a:t>
+            </a:r>
+          </a:p>
+          <a:p>
+            <a:pPr marL="342900" indent="-342900">
+              <a:lnSpc>
+                <a:spcPct val="90000"/>
+              </a:lnSpc>
+              <a:spcAft>
+                <a:spcPts val="600"/>
+              </a:spcAft>
+              <a:buFont typeface="Calibri" panose="020F0502020204030204" pitchFamily="34" charset="0"/>
+              <a:buAutoNum type="arabicPeriod"/>
+            </a:pPr>
+            <a:r>
+              <a:rPr lang="de-DE" sz="1300" dirty="0">
+                <a:solidFill>
+                  <a:schemeClr val="tx1">
+                    <a:lumMod val="75000"/>
+                    <a:lumOff val="25000"/>
+                  </a:schemeClr>
+                </a:solidFill>
+              </a:rPr>
+              <a:t>Die vom User ausgewählten Antworten werden in die Datenbank gespeichert</a:t>
+            </a:r>
+            <a:endParaRPr lang="de-DE" sz="1300" b="0" i="0" dirty="0">
+              <a:solidFill>
+                <a:schemeClr val="tx1">
+                  <a:lumMod val="75000"/>
+                  <a:lumOff val="25000"/>
+                </a:schemeClr>
+              </a:solidFill>
+              <a:effectLst/>
+            </a:endParaRPr>
+          </a:p>
+          <a:p>
+            <a:pPr marL="342900" indent="-342900">
+              <a:lnSpc>
+                <a:spcPct val="90000"/>
+              </a:lnSpc>
+              <a:spcAft>
+                <a:spcPts val="600"/>
+              </a:spcAft>
+              <a:buFont typeface="Calibri" panose="020F0502020204030204" pitchFamily="34" charset="0"/>
+              <a:buAutoNum type="arabicPeriod"/>
+            </a:pPr>
+            <a:r>
+              <a:rPr lang="de-DE" sz="1300" b="0" i="0" dirty="0">
+                <a:solidFill>
+                  <a:schemeClr val="tx1">
+                    <a:lumMod val="75000"/>
+                    <a:lumOff val="25000"/>
+                  </a:schemeClr>
+                </a:solidFill>
+                <a:effectLst/>
+              </a:rPr>
+              <a:t>Der User schaut sich seine Auswertung zu den wöchentlichen und monatlichen Umfragen an</a:t>
+            </a:r>
+          </a:p>
+          <a:p>
+            <a:pPr marL="342900" indent="-342900">
+              <a:lnSpc>
+                <a:spcPct val="90000"/>
+              </a:lnSpc>
+              <a:spcAft>
+                <a:spcPts val="600"/>
+              </a:spcAft>
+              <a:buFont typeface="Calibri" panose="020F0502020204030204" pitchFamily="34" charset="0"/>
+              <a:buAutoNum type="arabicPeriod"/>
+            </a:pPr>
+            <a:r>
+              <a:rPr lang="de-DE" sz="1300" b="0" i="0" dirty="0">
+                <a:solidFill>
+                  <a:schemeClr val="tx1">
+                    <a:lumMod val="75000"/>
+                    <a:lumOff val="25000"/>
+                  </a:schemeClr>
+                </a:solidFill>
+                <a:effectLst/>
+              </a:rPr>
+              <a:t>Der User chattet /telefoniert mit unserem geschulten Personal </a:t>
+            </a:r>
+          </a:p>
+          <a:p>
+            <a:pPr marL="342900" indent="-342900">
+              <a:lnSpc>
+                <a:spcPct val="90000"/>
+              </a:lnSpc>
+              <a:spcAft>
+                <a:spcPts val="600"/>
+              </a:spcAft>
+              <a:buFont typeface="Calibri" panose="020F0502020204030204" pitchFamily="34" charset="0"/>
+              <a:buAutoNum type="arabicPeriod"/>
+            </a:pPr>
+            <a:r>
+              <a:rPr lang="de-DE" sz="1300" b="0" i="0" dirty="0">
+                <a:solidFill>
+                  <a:schemeClr val="tx1">
+                    <a:lumMod val="75000"/>
+                    <a:lumOff val="25000"/>
+                  </a:schemeClr>
+                </a:solidFill>
+                <a:effectLst/>
+              </a:rPr>
+              <a:t>Der User kann sein Account löschen</a:t>
+            </a:r>
+            <a:endParaRPr lang="de-DE" sz="1300" dirty="0">
+              <a:solidFill>
+                <a:schemeClr val="tx1">
+                  <a:lumMod val="75000"/>
+                  <a:lumOff val="25000"/>
+                </a:schemeClr>
+              </a:solidFill>
+            </a:endParaRPr>
+          </a:p>
+          <a:p>
+            <a:pPr marL="342900" indent="-342900">
+              <a:lnSpc>
+                <a:spcPct val="90000"/>
+              </a:lnSpc>
+              <a:spcAft>
+                <a:spcPts val="600"/>
+              </a:spcAft>
+              <a:buFont typeface="Calibri" panose="020F0502020204030204" pitchFamily="34" charset="0"/>
+              <a:buAutoNum type="arabicPeriod"/>
+            </a:pPr>
+            <a:r>
+              <a:rPr lang="de-DE" sz="1300" b="0" i="0" dirty="0">
+                <a:solidFill>
+                  <a:schemeClr val="tx1">
+                    <a:lumMod val="75000"/>
+                    <a:lumOff val="25000"/>
+                  </a:schemeClr>
+                </a:solidFill>
+                <a:effectLst/>
+              </a:rPr>
+              <a:t>Der User kann sein Passwort ändern</a:t>
+            </a:r>
+            <a:endParaRPr lang="de-DE" sz="1300" dirty="0">
+              <a:solidFill>
+                <a:schemeClr val="tx1">
+                  <a:lumMod val="75000"/>
+                  <a:lumOff val="25000"/>
+                </a:schemeClr>
+              </a:solidFill>
+            </a:endParaRPr>
+          </a:p>
+        </p:txBody>
+      </p:sp>
+      <p:sp>
+        <p:nvSpPr>
+          <p:cNvPr id="3" name="Foliennummernplatzhalter 2">
+            <a:extLst>
+              <a:ext uri="{FF2B5EF4-FFF2-40B4-BE49-F238E27FC236}">
+                <a16:creationId xmlns:a16="http://schemas.microsoft.com/office/drawing/2014/main" id="{47354E69-37A7-48B4-915A-B63090198A2B}"/>
+              </a:ext>
+            </a:extLst>
+          </p:cNvPr>
+          <p:cNvSpPr>
+            <a:spLocks noGrp="1"/>
+          </p:cNvSpPr>
+          <p:nvPr>
+            <p:ph type="sldNum" sz="quarter" idx="12"/>
+          </p:nvPr>
+        </p:nvSpPr>
+        <p:spPr>
+          <a:xfrm>
+            <a:off x="10993582" y="6446838"/>
+            <a:ext cx="780010" cy="365125"/>
+          </a:xfrm>
+        </p:spPr>
+        <p:txBody>
+          <a:bodyPr vert="horz" lIns="91440" tIns="45720" rIns="91440" bIns="45720" rtlCol="0" anchor="ctr">
+            <a:normAutofit/>
+          </a:bodyPr>
+          <a:lstStyle/>
+          <a:p>
+            <a:pPr>
+              <a:spcAft>
+                <a:spcPts val="600"/>
+              </a:spcAft>
+            </a:pPr>
+            <a:fld id="{3A98EE3D-8CD1-4C3F-BD1C-C98C9596463C}" type="slidenum">
+              <a:rPr lang="en-US" smtClean="0"/>
+              <a:pPr>
+                <a:spcAft>
+                  <a:spcPts val="600"/>
+                </a:spcAft>
+              </a:pPr>
+              <a:t>7</a:t>
+            </a:fld>
+            <a:endParaRPr lang="en-US"/>
+          </a:p>
+        </p:txBody>
+      </p:sp>
+      <p:pic>
+        <p:nvPicPr>
+          <p:cNvPr id="6" name="Grafik 5">
+            <a:extLst>
+              <a:ext uri="{FF2B5EF4-FFF2-40B4-BE49-F238E27FC236}">
+                <a16:creationId xmlns:a16="http://schemas.microsoft.com/office/drawing/2014/main" id="{B7BDF8BB-84E9-49D1-9782-D32EDE49F62B}"/>
+              </a:ext>
+            </a:extLst>
+          </p:cNvPr>
+          <p:cNvPicPr>
+            <a:picLocks noChangeAspect="1"/>
+          </p:cNvPicPr>
+          <p:nvPr/>
+        </p:nvPicPr>
+        <p:blipFill>
+          <a:blip r:embed="rId3">
+            <a:extLst>
+              <a:ext uri="{28A0092B-C50C-407E-A947-70E740481C1C}">
+                <a14:useLocalDpi xmlns:a14="http://schemas.microsoft.com/office/drawing/2010/main" val="0"/>
+              </a:ext>
+            </a:extLst>
+          </a:blip>
+          <a:stretch>
+            <a:fillRect/>
+          </a:stretch>
+        </p:blipFill>
+        <p:spPr>
+          <a:xfrm>
+            <a:off x="5444206" y="0"/>
+            <a:ext cx="1303587" cy="6858000"/>
+          </a:xfrm>
+          <a:prstGeom prst="rect">
+            <a:avLst/>
+          </a:prstGeom>
+        </p:spPr>
+      </p:pic>
+    </p:spTree>
+    <p:extLst>
+      <p:ext uri="{BB962C8B-B14F-4D97-AF65-F5344CB8AC3E}">
+        <p14:creationId xmlns:p14="http://schemas.microsoft.com/office/powerpoint/2010/main" val="4208016326"/>
+      </p:ext>
+    </p:extLst>
+  </p:cSld>
+  <p:clrMapOvr>
+    <a:masterClrMapping/>
+  </p:clrMapOvr>
+</p:sld>
+</file>
+
+<file path=ppt/slides/slide8.xml><?xml version="1.0" encoding="utf-8"?>
+<p:sld xmlns:a="http://schemas.openxmlformats.org/drawingml/2006/main" xmlns:r="http://schemas.openxmlformats.org/officeDocument/2006/relationships" xmlns:p="http://schemas.openxmlformats.org/presentationml/2006/main">
+  <p:cSld>
+    <p:spTree>
+      <p:nvGrpSpPr>
+        <p:cNvPr id="1" name=""/>
+        <p:cNvGrpSpPr/>
+        <p:nvPr/>
+      </p:nvGrpSpPr>
+      <p:grpSpPr>
+        <a:xfrm>
+          <a:off x="0" y="0"/>
+          <a:ext cx="0" cy="0"/>
+          <a:chOff x="0" y="0"/>
+          <a:chExt cx="0" cy="0"/>
+        </a:xfrm>
+      </p:grpSpPr>
+      <p:sp>
+        <p:nvSpPr>
+          <p:cNvPr id="2" name="Titel 1">
+            <a:extLst>
+              <a:ext uri="{FF2B5EF4-FFF2-40B4-BE49-F238E27FC236}">
                 <a16:creationId xmlns:a16="http://schemas.microsoft.com/office/drawing/2014/main" id="{62B3ADCB-147C-4F7A-A007-124FB6562639}"/>
               </a:ext>
             </a:extLst>
@@ -14489,7 +15492,7 @@
                   <a:spcPts val="600"/>
                 </a:spcAft>
               </a:pPr>
-              <a:t>7</a:t>
+              <a:t>8</a:t>
             </a:fld>
             <a:endParaRPr lang="en-US"/>
           </a:p>
@@ -14592,7 +15595,7 @@
 </p:sld>
 </file>
 
-<file path=ppt/slides/slide8.xml><?xml version="1.0" encoding="utf-8"?>
+<file path=ppt/slides/slide9.xml><?xml version="1.0" encoding="utf-8"?>
 <p:sld xmlns:a="http://schemas.openxmlformats.org/drawingml/2006/main" xmlns:r="http://schemas.openxmlformats.org/officeDocument/2006/relationships" xmlns:p="http://schemas.openxmlformats.org/presentationml/2006/main">
   <p:cSld>
     <p:spTree>
@@ -14720,7 +15723,7 @@
                   <a:spcPts val="600"/>
                 </a:spcAft>
               </a:pPr>
-              <a:t>8</a:t>
+              <a:t>9</a:t>
             </a:fld>
             <a:endParaRPr lang="en-US"/>
           </a:p>
@@ -14765,155 +15768,6 @@
     <p:extLst>
       <p:ext uri="{BB962C8B-B14F-4D97-AF65-F5344CB8AC3E}">
         <p14:creationId xmlns:p14="http://schemas.microsoft.com/office/powerpoint/2010/main" val="224417729"/>
-      </p:ext>
-    </p:extLst>
-  </p:cSld>
-  <p:clrMapOvr>
-    <a:masterClrMapping/>
-  </p:clrMapOvr>
-</p:sld>
-</file>
-
-<file path=ppt/slides/slide9.xml><?xml version="1.0" encoding="utf-8"?>
-<p:sld xmlns:a="http://schemas.openxmlformats.org/drawingml/2006/main" xmlns:r="http://schemas.openxmlformats.org/officeDocument/2006/relationships" xmlns:p="http://schemas.openxmlformats.org/presentationml/2006/main">
-  <p:cSld>
-    <p:spTree>
-      <p:nvGrpSpPr>
-        <p:cNvPr id="1" name=""/>
-        <p:cNvGrpSpPr/>
-        <p:nvPr/>
-      </p:nvGrpSpPr>
-      <p:grpSpPr>
-        <a:xfrm>
-          <a:off x="0" y="0"/>
-          <a:ext cx="0" cy="0"/>
-          <a:chOff x="0" y="0"/>
-          <a:chExt cx="0" cy="0"/>
-        </a:xfrm>
-      </p:grpSpPr>
-      <p:sp>
-        <p:nvSpPr>
-          <p:cNvPr id="2" name="Titel 1">
-            <a:extLst>
-              <a:ext uri="{FF2B5EF4-FFF2-40B4-BE49-F238E27FC236}">
-                <a16:creationId xmlns:a16="http://schemas.microsoft.com/office/drawing/2014/main" id="{436359DD-4B52-4F0A-9866-3DCBBE533075}"/>
-              </a:ext>
-            </a:extLst>
-          </p:cNvPr>
-          <p:cNvSpPr>
-            <a:spLocks noGrp="1"/>
-          </p:cNvSpPr>
-          <p:nvPr>
-            <p:ph type="title"/>
-          </p:nvPr>
-        </p:nvSpPr>
-        <p:spPr/>
-        <p:txBody>
-          <a:bodyPr/>
-          <a:lstStyle/>
-          <a:p>
-            <a:r>
-              <a:rPr lang="de-DE" dirty="0"/>
-              <a:t>Coding</a:t>
-            </a:r>
-          </a:p>
-        </p:txBody>
-      </p:sp>
-      <p:sp>
-        <p:nvSpPr>
-          <p:cNvPr id="3" name="Textplatzhalter 2">
-            <a:extLst>
-              <a:ext uri="{FF2B5EF4-FFF2-40B4-BE49-F238E27FC236}">
-                <a16:creationId xmlns:a16="http://schemas.microsoft.com/office/drawing/2014/main" id="{020E7A6C-5273-4AF6-A6C9-99B7EF7074CF}"/>
-              </a:ext>
-            </a:extLst>
-          </p:cNvPr>
-          <p:cNvSpPr>
-            <a:spLocks noGrp="1"/>
-          </p:cNvSpPr>
-          <p:nvPr>
-            <p:ph type="body" idx="1"/>
-          </p:nvPr>
-        </p:nvSpPr>
-        <p:spPr>
-          <a:xfrm>
-            <a:off x="1097280" y="4663440"/>
-            <a:ext cx="10504910" cy="1143000"/>
-          </a:xfrm>
-        </p:spPr>
-        <p:txBody>
-          <a:bodyPr>
-            <a:normAutofit/>
-          </a:bodyPr>
-          <a:lstStyle/>
-          <a:p>
-            <a:r>
-              <a:rPr lang="de-DE" sz="2000" dirty="0"/>
-              <a:t>Den code dazu finden SIE in UNSEREM GitHub: </a:t>
-            </a:r>
-            <a:br>
-              <a:rPr lang="de-DE" sz="2000" dirty="0"/>
-            </a:br>
-            <a:r>
-              <a:rPr lang="de-DE" sz="1400" dirty="0"/>
-              <a:t>* </a:t>
-            </a:r>
-            <a:r>
-              <a:rPr lang="de-DE" sz="1400" dirty="0">
-                <a:hlinkClick r:id="rId3"/>
-              </a:rPr>
-              <a:t>EPWS2020SerttasPlackenhohn/Coding at </a:t>
-            </a:r>
-            <a:r>
-              <a:rPr lang="de-DE" sz="1400" dirty="0" err="1">
-                <a:hlinkClick r:id="rId3"/>
-              </a:rPr>
-              <a:t>main</a:t>
-            </a:r>
-            <a:r>
-              <a:rPr lang="de-DE" sz="1400" dirty="0">
-                <a:hlinkClick r:id="rId3"/>
-              </a:rPr>
-              <a:t> · Kplacken/EPWS2020SerttasPlackenhohn (github.com) </a:t>
-            </a:r>
-            <a:endParaRPr lang="de-DE" sz="1400" dirty="0"/>
-          </a:p>
-        </p:txBody>
-      </p:sp>
-      <p:sp>
-        <p:nvSpPr>
-          <p:cNvPr id="4" name="Foliennummernplatzhalter 3">
-            <a:extLst>
-              <a:ext uri="{FF2B5EF4-FFF2-40B4-BE49-F238E27FC236}">
-                <a16:creationId xmlns:a16="http://schemas.microsoft.com/office/drawing/2014/main" id="{AC9E70D6-4156-47E7-B66D-263C13269DBE}"/>
-              </a:ext>
-            </a:extLst>
-          </p:cNvPr>
-          <p:cNvSpPr>
-            <a:spLocks noGrp="1"/>
-          </p:cNvSpPr>
-          <p:nvPr>
-            <p:ph type="sldNum" sz="quarter" idx="12"/>
-          </p:nvPr>
-        </p:nvSpPr>
-        <p:spPr/>
-        <p:txBody>
-          <a:bodyPr/>
-          <a:lstStyle/>
-          <a:p>
-            <a:pPr rtl="0"/>
-            <a:fld id="{3A98EE3D-8CD1-4C3F-BD1C-C98C9596463C}" type="slidenum">
-              <a:rPr lang="en-US" smtClean="0"/>
-              <a:t>9</a:t>
-            </a:fld>
-            <a:endParaRPr lang="en-US" dirty="0"/>
-          </a:p>
-        </p:txBody>
-      </p:sp>
-    </p:spTree>
-    <p:extLst>
-      <p:ext uri="{BB962C8B-B14F-4D97-AF65-F5344CB8AC3E}">
-        <p14:creationId xmlns:p14="http://schemas.microsoft.com/office/powerpoint/2010/main" val="399139841"/>
       </p:ext>
     </p:extLst>
   </p:cSld>

--- a/Audits/Audit 4/WS2020_SerttasPlackenhohn_Audit4.pptx
+++ b/Audits/Audit 4/WS2020_SerttasPlackenhohn_Audit4.pptx
@@ -249,7 +249,7 @@
             <a:pPr rtl="0"/>
             <a:fld id="{AD9CF9D3-F210-41C6-99D4-BFF6B4BA81BD}" type="datetime1">
               <a:rPr lang="de-DE" smtClean="0"/>
-              <a:t>19.02.2021</a:t>
+              <a:t>20.02.2021</a:t>
             </a:fld>
             <a:endParaRPr lang="en-US" dirty="0"/>
           </a:p>
@@ -419,7 +419,7 @@
             <a:pPr rtl="0"/>
             <a:fld id="{2FFCA530-3DC9-43D3-93A9-C974C34E1DD6}" type="datetime1">
               <a:rPr lang="de-DE" smtClean="0"/>
-              <a:t>19.02.2021</a:t>
+              <a:t>20.02.2021</a:t>
             </a:fld>
             <a:endParaRPr lang="en-US"/>
           </a:p>
@@ -758,7 +758,7 @@
             <a:pPr rtl="0"/>
             <a:fld id="{88DACA00-B485-48AE-971E-CC6E1280CD66}" type="datetime1">
               <a:rPr lang="de-DE" smtClean="0"/>
-              <a:t>19.02.2021</a:t>
+              <a:t>20.02.2021</a:t>
             </a:fld>
             <a:endParaRPr lang="en-US"/>
           </a:p>
@@ -916,7 +916,7 @@
             <a:pPr rtl="0"/>
             <a:fld id="{2FFCA530-3DC9-43D3-93A9-C974C34E1DD6}" type="datetime1">
               <a:rPr lang="de-DE" smtClean="0"/>
-              <a:t>19.02.2021</a:t>
+              <a:t>20.02.2021</a:t>
             </a:fld>
             <a:endParaRPr lang="en-US"/>
           </a:p>
@@ -1035,7 +1035,7 @@
             <a:pPr rtl="0"/>
             <a:fld id="{2FFCA530-3DC9-43D3-93A9-C974C34E1DD6}" type="datetime1">
               <a:rPr lang="de-DE" smtClean="0"/>
-              <a:t>19.02.2021</a:t>
+              <a:t>20.02.2021</a:t>
             </a:fld>
             <a:endParaRPr lang="en-US"/>
           </a:p>
@@ -1144,7 +1144,7 @@
             <a:pPr rtl="0"/>
             <a:fld id="{7DA48DE9-247B-4EBD-A14B-36988774F377}" type="datetime1">
               <a:rPr lang="de-DE" smtClean="0"/>
-              <a:t>19.02.2021</a:t>
+              <a:t>20.02.2021</a:t>
             </a:fld>
             <a:endParaRPr lang="en-US"/>
           </a:p>
@@ -1263,7 +1263,7 @@
             <a:pPr rtl="0"/>
             <a:fld id="{2FFCA530-3DC9-43D3-93A9-C974C34E1DD6}" type="datetime1">
               <a:rPr lang="de-DE" smtClean="0"/>
-              <a:t>19.02.2021</a:t>
+              <a:t>20.02.2021</a:t>
             </a:fld>
             <a:endParaRPr lang="en-US"/>
           </a:p>
@@ -1375,7 +1375,7 @@
             <a:pPr rtl="0"/>
             <a:fld id="{2FFCA530-3DC9-43D3-93A9-C974C34E1DD6}" type="datetime1">
               <a:rPr lang="de-DE" smtClean="0"/>
-              <a:t>19.02.2021</a:t>
+              <a:t>20.02.2021</a:t>
             </a:fld>
             <a:endParaRPr lang="en-US"/>
           </a:p>
@@ -1484,7 +1484,7 @@
             <a:pPr rtl="0"/>
             <a:fld id="{2FFCA530-3DC9-43D3-93A9-C974C34E1DD6}" type="datetime1">
               <a:rPr lang="de-DE" smtClean="0"/>
-              <a:t>19.02.2021</a:t>
+              <a:t>20.02.2021</a:t>
             </a:fld>
             <a:endParaRPr lang="en-US"/>
           </a:p>
@@ -1623,7 +1623,7 @@
             <a:pPr rtl="0"/>
             <a:fld id="{2FFCA530-3DC9-43D3-93A9-C974C34E1DD6}" type="datetime1">
               <a:rPr lang="de-DE" smtClean="0"/>
-              <a:t>19.02.2021</a:t>
+              <a:t>20.02.2021</a:t>
             </a:fld>
             <a:endParaRPr lang="en-US"/>
           </a:p>
@@ -1755,7 +1755,7 @@
             <a:pPr rtl="0"/>
             <a:fld id="{2FFCA530-3DC9-43D3-93A9-C974C34E1DD6}" type="datetime1">
               <a:rPr lang="de-DE" smtClean="0"/>
-              <a:t>19.02.2021</a:t>
+              <a:t>20.02.2021</a:t>
             </a:fld>
             <a:endParaRPr lang="en-US"/>
           </a:p>
@@ -1894,7 +1894,7 @@
             <a:pPr rtl="0"/>
             <a:fld id="{2FFCA530-3DC9-43D3-93A9-C974C34E1DD6}" type="datetime1">
               <a:rPr lang="de-DE" smtClean="0"/>
-              <a:t>19.02.2021</a:t>
+              <a:t>20.02.2021</a:t>
             </a:fld>
             <a:endParaRPr lang="en-US"/>
           </a:p>
@@ -2026,7 +2026,7 @@
             <a:pPr rtl="0"/>
             <a:fld id="{2FFCA530-3DC9-43D3-93A9-C974C34E1DD6}" type="datetime1">
               <a:rPr lang="de-DE" smtClean="0"/>
-              <a:t>19.02.2021</a:t>
+              <a:t>20.02.2021</a:t>
             </a:fld>
             <a:endParaRPr lang="en-US"/>
           </a:p>
@@ -2135,7 +2135,7 @@
             <a:pPr rtl="0"/>
             <a:fld id="{7DA48DE9-247B-4EBD-A14B-36988774F377}" type="datetime1">
               <a:rPr lang="de-DE" smtClean="0"/>
-              <a:t>19.02.2021</a:t>
+              <a:t>20.02.2021</a:t>
             </a:fld>
             <a:endParaRPr lang="en-US"/>
           </a:p>
@@ -2274,7 +2274,7 @@
             <a:pPr rtl="0"/>
             <a:fld id="{2FFCA530-3DC9-43D3-93A9-C974C34E1DD6}" type="datetime1">
               <a:rPr lang="de-DE" smtClean="0"/>
-              <a:t>19.02.2021</a:t>
+              <a:t>20.02.2021</a:t>
             </a:fld>
             <a:endParaRPr lang="en-US"/>
           </a:p>
@@ -2406,7 +2406,7 @@
             <a:pPr rtl="0"/>
             <a:fld id="{2FFCA530-3DC9-43D3-93A9-C974C34E1DD6}" type="datetime1">
               <a:rPr lang="de-DE" smtClean="0"/>
-              <a:t>19.02.2021</a:t>
+              <a:t>20.02.2021</a:t>
             </a:fld>
             <a:endParaRPr lang="en-US"/>
           </a:p>
@@ -2515,7 +2515,7 @@
             <a:pPr rtl="0"/>
             <a:fld id="{7DA48DE9-247B-4EBD-A14B-36988774F377}" type="datetime1">
               <a:rPr lang="de-DE" smtClean="0"/>
-              <a:t>19.02.2021</a:t>
+              <a:t>20.02.2021</a:t>
             </a:fld>
             <a:endParaRPr lang="en-US"/>
           </a:p>
@@ -2647,7 +2647,7 @@
             <a:pPr rtl="0"/>
             <a:fld id="{920421C8-A15E-4073-98D7-7FDA934C0210}" type="datetime1">
               <a:rPr lang="de-DE" smtClean="0"/>
-              <a:t>19.02.2021</a:t>
+              <a:t>20.02.2021</a:t>
             </a:fld>
             <a:endParaRPr lang="en-US"/>
           </a:p>
@@ -2766,7 +2766,7 @@
             <a:pPr rtl="0"/>
             <a:fld id="{88DACA00-B485-48AE-971E-CC6E1280CD66}" type="datetime1">
               <a:rPr lang="de-DE" smtClean="0"/>
-              <a:t>19.02.2021</a:t>
+              <a:t>20.02.2021</a:t>
             </a:fld>
             <a:endParaRPr lang="en-US"/>
           </a:p>
@@ -2921,7 +2921,7 @@
             <a:pPr rtl="0"/>
             <a:fld id="{88DACA00-B485-48AE-971E-CC6E1280CD66}" type="datetime1">
               <a:rPr lang="de-DE" smtClean="0"/>
-              <a:t>19.02.2021</a:t>
+              <a:t>20.02.2021</a:t>
             </a:fld>
             <a:endParaRPr lang="en-US"/>
           </a:p>
@@ -3030,7 +3030,7 @@
             <a:pPr rtl="0"/>
             <a:fld id="{8C960F41-ADA3-4592-A6B6-979750556945}" type="datetime1">
               <a:rPr lang="de-DE" smtClean="0"/>
-              <a:t>19.02.2021</a:t>
+              <a:t>20.02.2021</a:t>
             </a:fld>
             <a:endParaRPr lang="en-US"/>
           </a:p>
@@ -3139,7 +3139,7 @@
             <a:pPr rtl="0"/>
             <a:fld id="{05F945F2-6878-48BF-B08F-BD6E79E1CDD8}" type="datetime1">
               <a:rPr lang="de-DE" smtClean="0"/>
-              <a:t>19.02.2021</a:t>
+              <a:t>20.02.2021</a:t>
             </a:fld>
             <a:endParaRPr lang="en-US"/>
           </a:p>
@@ -3334,7 +3334,7 @@
             <a:pPr rtl="0"/>
             <a:fld id="{920421C8-A15E-4073-98D7-7FDA934C0210}" type="datetime1">
               <a:rPr lang="de-DE" smtClean="0"/>
-              <a:t>19.02.2021</a:t>
+              <a:t>20.02.2021</a:t>
             </a:fld>
             <a:endParaRPr lang="en-US"/>
           </a:p>
@@ -3487,7 +3487,7 @@
             <a:pPr rtl="0"/>
             <a:fld id="{2FFCA530-3DC9-43D3-93A9-C974C34E1DD6}" type="datetime1">
               <a:rPr lang="de-DE" smtClean="0"/>
-              <a:t>19.02.2021</a:t>
+              <a:t>20.02.2021</a:t>
             </a:fld>
             <a:endParaRPr lang="en-US"/>
           </a:p>
@@ -3678,7 +3678,7 @@
             <a:pPr rtl="0"/>
             <a:fld id="{2FFCA530-3DC9-43D3-93A9-C974C34E1DD6}" type="datetime1">
               <a:rPr lang="de-DE" smtClean="0"/>
-              <a:t>19.02.2021</a:t>
+              <a:t>20.02.2021</a:t>
             </a:fld>
             <a:endParaRPr lang="en-US"/>
           </a:p>
@@ -3797,7 +3797,7 @@
             <a:pPr rtl="0"/>
             <a:fld id="{2FFCA530-3DC9-43D3-93A9-C974C34E1DD6}" type="datetime1">
               <a:rPr lang="de-DE" smtClean="0"/>
-              <a:t>19.02.2021</a:t>
+              <a:t>20.02.2021</a:t>
             </a:fld>
             <a:endParaRPr lang="en-US"/>
           </a:p>
@@ -3909,7 +3909,7 @@
             <a:pPr rtl="0"/>
             <a:fld id="{25DE598A-D9FF-4E3A-AC10-162CFCBCB8DB}" type="datetime1">
               <a:rPr lang="de-DE" smtClean="0"/>
-              <a:t>19.02.2021</a:t>
+              <a:t>20.02.2021</a:t>
             </a:fld>
             <a:endParaRPr lang="en-US"/>
           </a:p>
@@ -4018,7 +4018,7 @@
             <a:pPr rtl="0"/>
             <a:fld id="{7DA48DE9-247B-4EBD-A14B-36988774F377}" type="datetime1">
               <a:rPr lang="de-DE" smtClean="0"/>
-              <a:t>19.02.2021</a:t>
+              <a:t>20.02.2021</a:t>
             </a:fld>
             <a:endParaRPr lang="en-US"/>
           </a:p>
@@ -4154,7 +4154,7 @@
             <a:pPr rtl="0"/>
             <a:fld id="{2FFCA530-3DC9-43D3-93A9-C974C34E1DD6}" type="datetime1">
               <a:rPr lang="de-DE" smtClean="0"/>
-              <a:t>19.02.2021</a:t>
+              <a:t>20.02.2021</a:t>
             </a:fld>
             <a:endParaRPr lang="en-US"/>
           </a:p>
@@ -4444,7 +4444,7 @@
             <a:pPr rtl="0"/>
             <a:fld id="{1514E7D0-C394-41B8-B7AE-64A70240C443}" type="datetime1">
               <a:rPr lang="de-DE" smtClean="0"/>
-              <a:t>19.02.2021</a:t>
+              <a:t>20.02.2021</a:t>
             </a:fld>
             <a:endParaRPr lang="en-US" dirty="0"/>
           </a:p>
@@ -4636,7 +4636,7 @@
             <a:pPr rtl="0"/>
             <a:fld id="{9F18B267-496C-4DE2-83A1-ADDE2B38BABC}" type="datetime1">
               <a:rPr lang="de-DE" smtClean="0"/>
-              <a:t>19.02.2021</a:t>
+              <a:t>20.02.2021</a:t>
             </a:fld>
             <a:endParaRPr lang="en-US" dirty="0"/>
           </a:p>
@@ -4882,7 +4882,7 @@
             <a:pPr rtl="0"/>
             <a:fld id="{E69133DC-A4FB-46C6-B336-BDC14EB1109E}" type="datetime1">
               <a:rPr lang="de-DE" smtClean="0"/>
-              <a:t>19.02.2021</a:t>
+              <a:t>20.02.2021</a:t>
             </a:fld>
             <a:endParaRPr lang="en-US" dirty="0"/>
           </a:p>
@@ -5074,7 +5074,7 @@
             <a:pPr rtl="0"/>
             <a:fld id="{F30E4169-C7C7-4376-AB11-34EB622D2405}" type="datetime1">
               <a:rPr lang="de-DE" smtClean="0"/>
-              <a:t>19.02.2021</a:t>
+              <a:t>20.02.2021</a:t>
             </a:fld>
             <a:endParaRPr lang="en-US" dirty="0"/>
           </a:p>
@@ -5451,7 +5451,7 @@
             <a:pPr rtl="0"/>
             <a:fld id="{409968DE-A4DB-495B-95AE-99CDDC855AF2}" type="datetime1">
               <a:rPr lang="de-DE" smtClean="0"/>
-              <a:t>19.02.2021</a:t>
+              <a:t>20.02.2021</a:t>
             </a:fld>
             <a:endParaRPr lang="en-US" dirty="0"/>
           </a:p>
@@ -5710,7 +5710,7 @@
             <a:pPr rtl="0"/>
             <a:fld id="{9EF45B0B-2729-48AC-9205-BE6F230C1D5B}" type="datetime1">
               <a:rPr lang="de-DE" smtClean="0"/>
-              <a:t>19.02.2021</a:t>
+              <a:t>20.02.2021</a:t>
             </a:fld>
             <a:endParaRPr lang="en-US" dirty="0"/>
           </a:p>
@@ -6111,7 +6111,7 @@
             <a:pPr rtl="0"/>
             <a:fld id="{8E4FF476-B6BA-4FEE-BDFF-03C42D8EF0BE}" type="datetime1">
               <a:rPr lang="de-DE" smtClean="0"/>
-              <a:t>19.02.2021</a:t>
+              <a:t>20.02.2021</a:t>
             </a:fld>
             <a:endParaRPr lang="en-US" dirty="0"/>
           </a:p>
@@ -6251,7 +6251,7 @@
             <a:pPr rtl="0"/>
             <a:fld id="{FA8FA527-88AE-4543-AEBC-7948E7487802}" type="datetime1">
               <a:rPr lang="de-DE" smtClean="0"/>
-              <a:t>19.02.2021</a:t>
+              <a:t>20.02.2021</a:t>
             </a:fld>
             <a:endParaRPr lang="en-US" dirty="0"/>
           </a:p>
@@ -6411,7 +6411,7 @@
             <a:pPr rtl="0"/>
             <a:fld id="{B57B0AEE-EFBF-48DE-9103-7B88127BA894}" type="datetime1">
               <a:rPr lang="de-DE" smtClean="0"/>
-              <a:t>19.02.2021</a:t>
+              <a:t>20.02.2021</a:t>
             </a:fld>
             <a:endParaRPr lang="en-US" dirty="0"/>
           </a:p>
@@ -6744,7 +6744,7 @@
             <a:pPr rtl="0"/>
             <a:fld id="{1C0B70E3-B486-492A-BCB4-D9B66A2BDF7C}" type="datetime1">
               <a:rPr lang="de-DE" smtClean="0"/>
-              <a:t>19.02.2021</a:t>
+              <a:t>20.02.2021</a:t>
             </a:fld>
             <a:endParaRPr lang="en-US" dirty="0"/>
           </a:p>
@@ -7099,7 +7099,7 @@
             <a:pPr rtl="0"/>
             <a:fld id="{61AEA410-FF34-4F91-83E1-92B094F01CEC}" type="datetime1">
               <a:rPr lang="de-DE" smtClean="0"/>
-              <a:t>19.02.2021</a:t>
+              <a:t>20.02.2021</a:t>
             </a:fld>
             <a:endParaRPr lang="en-US" dirty="0"/>
           </a:p>
@@ -7363,7 +7363,7 @@
             <a:pPr rtl="0"/>
             <a:fld id="{F4C9C9C2-3DC7-4CA0-92AE-978744C99D6B}" type="datetime1">
               <a:rPr lang="de-DE" smtClean="0"/>
-              <a:t>19.02.2021</a:t>
+              <a:t>20.02.2021</a:t>
             </a:fld>
             <a:endParaRPr lang="en-US" dirty="0"/>
           </a:p>
@@ -15612,6 +15612,43 @@
           <a:chExt cx="0" cy="0"/>
         </a:xfrm>
       </p:grpSpPr>
+      <p:pic>
+        <p:nvPicPr>
+          <p:cNvPr id="5" name="Grafik 4">
+            <a:extLst>
+              <a:ext uri="{FF2B5EF4-FFF2-40B4-BE49-F238E27FC236}">
+                <a16:creationId xmlns:a16="http://schemas.microsoft.com/office/drawing/2014/main" id="{AA84C2D1-D658-44EE-9A95-1A4882D80D4F}"/>
+              </a:ext>
+            </a:extLst>
+          </p:cNvPr>
+          <p:cNvPicPr>
+            <a:picLocks noChangeAspect="1"/>
+          </p:cNvPicPr>
+          <p:nvPr/>
+        </p:nvPicPr>
+        <p:blipFill>
+          <a:blip r:embed="rId3">
+            <a:extLst>
+              <a:ext uri="{28A0092B-C50C-407E-A947-70E740481C1C}">
+                <a14:useLocalDpi xmlns:a14="http://schemas.microsoft.com/office/drawing/2010/main" val="0"/>
+              </a:ext>
+            </a:extLst>
+          </a:blip>
+          <a:stretch>
+            <a:fillRect/>
+          </a:stretch>
+        </p:blipFill>
+        <p:spPr>
+          <a:xfrm>
+            <a:off x="616304" y="434546"/>
+            <a:ext cx="10795686" cy="3832466"/>
+          </a:xfrm>
+          <a:prstGeom prst="rect">
+            <a:avLst/>
+          </a:prstGeom>
+          <a:noFill/>
+        </p:spPr>
+      </p:pic>
       <p:sp>
         <p:nvSpPr>
           <p:cNvPr id="2" name="Titel 1">
@@ -15729,41 +15766,6 @@
           </a:p>
         </p:txBody>
       </p:sp>
-      <p:pic>
-        <p:nvPicPr>
-          <p:cNvPr id="8" name="Grafik 7">
-            <a:extLst>
-              <a:ext uri="{FF2B5EF4-FFF2-40B4-BE49-F238E27FC236}">
-                <a16:creationId xmlns:a16="http://schemas.microsoft.com/office/drawing/2014/main" id="{F3C0B631-A2CA-49B0-99FD-6D0307C439F8}"/>
-              </a:ext>
-            </a:extLst>
-          </p:cNvPr>
-          <p:cNvPicPr>
-            <a:picLocks noChangeAspect="1"/>
-          </p:cNvPicPr>
-          <p:nvPr/>
-        </p:nvPicPr>
-        <p:blipFill rotWithShape="1">
-          <a:blip r:embed="rId3">
-            <a:extLst>
-              <a:ext uri="{28A0092B-C50C-407E-A947-70E740481C1C}">
-                <a14:useLocalDpi xmlns:a14="http://schemas.microsoft.com/office/drawing/2010/main" val="0"/>
-              </a:ext>
-            </a:extLst>
-          </a:blip>
-          <a:srcRect b="34450"/>
-          <a:stretch/>
-        </p:blipFill>
-        <p:spPr>
-          <a:xfrm>
-            <a:off x="418395" y="881546"/>
-            <a:ext cx="11085745" cy="3014022"/>
-          </a:xfrm>
-          <a:prstGeom prst="rect">
-            <a:avLst/>
-          </a:prstGeom>
-        </p:spPr>
-      </p:pic>
     </p:spTree>
     <p:extLst>
       <p:ext uri="{BB962C8B-B14F-4D97-AF65-F5344CB8AC3E}">
